--- a/slides/Tag-3_4-Release-und-Tagged-Images.pptx
+++ b/slides/Tag-3_4-Release-und-Tagged-Images.pptx
@@ -6,10 +6,10 @@
     <p:sldMasterId id="2147483649" r:id="rId2"/>
   </p:sldMasterIdLst>
   <p:notesMasterIdLst>
-    <p:notesMasterId r:id="rId39"/>
+    <p:notesMasterId r:id="rId38"/>
   </p:notesMasterIdLst>
   <p:handoutMasterIdLst>
-    <p:handoutMasterId r:id="rId40"/>
+    <p:handoutMasterId r:id="rId39"/>
   </p:handoutMasterIdLst>
   <p:sldIdLst>
     <p:sldId id="288" r:id="rId3"/>
@@ -45,9 +45,8 @@
     <p:sldId id="617" r:id="rId33"/>
     <p:sldId id="632" r:id="rId34"/>
     <p:sldId id="633" r:id="rId35"/>
-    <p:sldId id="624" r:id="rId36"/>
-    <p:sldId id="625" r:id="rId37"/>
-    <p:sldId id="626" r:id="rId38"/>
+    <p:sldId id="625" r:id="rId36"/>
+    <p:sldId id="626" r:id="rId37"/>
   </p:sldIdLst>
   <p:sldSz cx="9144000" cy="6858000" type="screen4x3"/>
   <p:notesSz cx="6784975" cy="9921875"/>
@@ -1702,7 +1701,7 @@
             <a:fld id="{18182567-388C-4D33-8B7B-A651F195F118}" type="slidenum">
               <a:rPr lang="de-DE" altLang="de-DE" smtClean="0"/>
               <a:pPr/>
-              <a:t>35</a:t>
+              <a:t>34</a:t>
             </a:fld>
             <a:endParaRPr lang="de-DE" altLang="de-DE"/>
           </a:p>
@@ -1805,7 +1804,7 @@
             <a:fld id="{18182567-388C-4D33-8B7B-A651F195F118}" type="slidenum">
               <a:rPr lang="de-DE" altLang="de-DE" smtClean="0"/>
               <a:pPr/>
-              <a:t>36</a:t>
+              <a:t>35</a:t>
             </a:fld>
             <a:endParaRPr lang="de-DE" altLang="de-DE"/>
           </a:p>
@@ -3087,7 +3086,7 @@
               <a:pPr algn="ctr">
                 <a:defRPr/>
               </a:pPr>
-              <a:t>06.06.2024</a:t>
+              <a:t>10.06.2024</a:t>
             </a:fld>
             <a:endParaRPr lang="de-DE" sz="1000">
               <a:solidFill>
@@ -5658,13 +5657,8 @@
             </a:pPr>
             <a:r>
               <a:rPr lang="de-DE" dirty="0"/>
-              <a:t>Tags immer aktualisieren, gerade bei einer neuen </a:t>
-            </a:r>
-            <a:r>
-              <a:rPr lang="de-DE" dirty="0" err="1"/>
-              <a:t>Verison</a:t>
-            </a:r>
-            <a:endParaRPr lang="de-DE" dirty="0"/>
+              <a:t>Tags immer aktualisieren, gerade bei einer neuen Version</a:t>
+            </a:r>
           </a:p>
           <a:p>
             <a:pPr lvl="1">
@@ -6487,12 +6481,8 @@
               <a:buChar char="•"/>
             </a:pPr>
             <a:r>
-              <a:rPr lang="de-DE" dirty="0" err="1"/>
-              <a:t>Branchnamen</a:t>
-            </a:r>
-            <a:r>
-              <a:rPr lang="de-DE" dirty="0"/>
-              <a:t> verwenden, um Tags zu managen</a:t>
+              <a:rPr lang="de-DE" dirty="0"/>
+              <a:t>Branch-Namen verwenden, um Tags zu managen</a:t>
             </a:r>
           </a:p>
           <a:p>
@@ -9992,12 +9982,8 @@
               <a:buChar char="•"/>
             </a:pPr>
             <a:r>
-              <a:rPr lang="de-DE" dirty="0" err="1"/>
-              <a:t>Authentifierzungsbefehl</a:t>
-            </a:r>
-            <a:r>
-              <a:rPr lang="de-DE" dirty="0"/>
-              <a:t> in </a:t>
+              <a:rPr lang="de-DE" dirty="0"/>
+              <a:t>Befehl zum Authentifizieren im </a:t>
             </a:r>
             <a:r>
               <a:rPr lang="de-DE" dirty="0" err="1">
@@ -10300,11 +10286,15 @@
               <a:buNone/>
             </a:pPr>
             <a:r>
-              <a:rPr lang="en-US" b="1" dirty="0"/>
-              <a:t>Docker-in-Docker Container Image (</a:t>
-            </a:r>
-            <a:r>
-              <a:rPr lang="en-US" b="1" dirty="0">
+              <a:rPr lang="en-US" sz="2000" b="1" dirty="0" err="1"/>
+              <a:t>Beispiel</a:t>
+            </a:r>
+            <a:r>
+              <a:rPr lang="en-US" sz="2000" b="1" dirty="0"/>
+              <a:t>: Docker-in-Docker Container Image (</a:t>
+            </a:r>
+            <a:r>
+              <a:rPr lang="en-US" sz="2000" b="1" dirty="0">
                 <a:solidFill>
                   <a:srgbClr val="0249FC"/>
                 </a:solidFill>
@@ -10312,7 +10302,7 @@
               <a:t>Container Registry</a:t>
             </a:r>
             <a:r>
-              <a:rPr lang="en-US" b="1" dirty="0"/>
+              <a:rPr lang="en-US" sz="2000" b="1" dirty="0"/>
               <a:t>)</a:t>
             </a:r>
           </a:p>
@@ -10321,26 +10311,26 @@
               <a:buNone/>
             </a:pPr>
             <a:r>
-              <a:rPr lang="en-US" dirty="0" err="1"/>
+              <a:rPr lang="en-US" sz="2000" dirty="0" err="1"/>
               <a:t>Eigene</a:t>
             </a:r>
             <a:r>
-              <a:rPr lang="en-US" dirty="0"/>
+              <a:rPr lang="en-US" sz="2000" dirty="0"/>
               <a:t> Container Images </a:t>
             </a:r>
             <a:r>
-              <a:rPr lang="en-US" dirty="0" err="1"/>
+              <a:rPr lang="en-US" sz="2000" dirty="0" err="1"/>
               <a:t>mit</a:t>
             </a:r>
             <a:r>
-              <a:rPr lang="en-US" dirty="0"/>
+              <a:rPr lang="en-US" sz="2000" dirty="0"/>
               <a:t> Docker-in-Docker </a:t>
             </a:r>
             <a:r>
-              <a:rPr lang="en-US" dirty="0" err="1"/>
+              <a:rPr lang="en-US" sz="2000" dirty="0" err="1"/>
               <a:t>nutzen</a:t>
             </a:r>
-            <a:endParaRPr lang="en-US" dirty="0"/>
+            <a:endParaRPr lang="en-US" sz="2000" dirty="0"/>
           </a:p>
           <a:p>
             <a:pPr marL="457200" indent="-457200">
@@ -10348,14 +10338,14 @@
               <a:buAutoNum type="arabicPeriod"/>
             </a:pPr>
             <a:r>
-              <a:rPr lang="en-US" dirty="0"/>
+              <a:rPr lang="en-US" sz="2000" dirty="0"/>
               <a:t>Docker-in-Docker </a:t>
             </a:r>
             <a:r>
-              <a:rPr lang="en-US" dirty="0" err="1"/>
+              <a:rPr lang="en-US" sz="2000" dirty="0" err="1"/>
               <a:t>einrichten</a:t>
             </a:r>
-            <a:endParaRPr lang="en-US" dirty="0"/>
+            <a:endParaRPr lang="en-US" sz="2000" dirty="0"/>
           </a:p>
           <a:p>
             <a:pPr marL="457200" indent="-457200">
@@ -10363,7 +10353,7 @@
               <a:buAutoNum type="arabicPeriod"/>
             </a:pPr>
             <a:r>
-              <a:rPr lang="en-US" dirty="0">
+              <a:rPr lang="en-US" sz="2000" dirty="0">
                 <a:solidFill>
                   <a:srgbClr val="FF0000"/>
                 </a:solidFill>
@@ -10372,11 +10362,11 @@
               <a:t>image</a:t>
             </a:r>
             <a:r>
-              <a:rPr lang="en-US" dirty="0"/>
+              <a:rPr lang="en-US" sz="2000" dirty="0"/>
               <a:t> und </a:t>
             </a:r>
             <a:r>
-              <a:rPr lang="en-US" dirty="0">
+              <a:rPr lang="en-US" sz="2000" dirty="0">
                 <a:solidFill>
                   <a:srgbClr val="FF0000"/>
                 </a:solidFill>
@@ -10385,22 +10375,22 @@
               <a:t>service</a:t>
             </a:r>
             <a:r>
-              <a:rPr lang="en-US" dirty="0"/>
+              <a:rPr lang="en-US" sz="2000" dirty="0"/>
               <a:t> auf die Registry </a:t>
             </a:r>
             <a:r>
-              <a:rPr lang="en-US" dirty="0" err="1"/>
+              <a:rPr lang="en-US" sz="2000" dirty="0" err="1"/>
               <a:t>zeigen</a:t>
             </a:r>
             <a:r>
-              <a:rPr lang="en-US" dirty="0"/>
+              <a:rPr lang="en-US" sz="2000" dirty="0"/>
               <a:t> </a:t>
             </a:r>
             <a:r>
-              <a:rPr lang="en-US" dirty="0" err="1"/>
+              <a:rPr lang="en-US" sz="2000" dirty="0" err="1"/>
               <a:t>lassen</a:t>
             </a:r>
-            <a:endParaRPr lang="en-US" dirty="0"/>
+            <a:endParaRPr lang="en-US" sz="2000" dirty="0"/>
           </a:p>
           <a:p>
             <a:pPr marL="457200" indent="-457200">
@@ -10408,7 +10398,7 @@
               <a:buAutoNum type="arabicPeriod"/>
             </a:pPr>
             <a:r>
-              <a:rPr lang="en-US" dirty="0">
+              <a:rPr lang="en-US" sz="2000" dirty="0">
                 <a:solidFill>
                   <a:srgbClr val="FF0000"/>
                 </a:solidFill>
@@ -10417,41 +10407,50 @@
               <a:t>alias</a:t>
             </a:r>
             <a:r>
-              <a:rPr lang="en-US" dirty="0"/>
+              <a:rPr lang="en-US" sz="2000" dirty="0"/>
               <a:t> </a:t>
             </a:r>
             <a:r>
-              <a:rPr lang="en-US" dirty="0" err="1"/>
+              <a:rPr lang="en-US" sz="2000" dirty="0" err="1"/>
               <a:t>hinzufügen</a:t>
             </a:r>
             <a:r>
-              <a:rPr lang="en-US" dirty="0"/>
+              <a:rPr lang="en-US" sz="2000" dirty="0"/>
               <a:t> für den </a:t>
             </a:r>
             <a:r>
-              <a:rPr lang="en-US" dirty="0">
+              <a:rPr lang="en-US" sz="2000" dirty="0">
                 <a:latin typeface="Consolas" panose="020B0609020204030204" pitchFamily="49" charset="0"/>
               </a:rPr>
               <a:t>service</a:t>
             </a:r>
+          </a:p>
+          <a:p>
+            <a:pPr marL="457200" indent="-457200">
+              <a:buFont typeface="+mj-lt"/>
+              <a:buAutoNum type="arabicPeriod"/>
+            </a:pPr>
+            <a:endParaRPr lang="en-US" sz="2000" dirty="0">
+              <a:latin typeface="Consolas" panose="020B0609020204030204" pitchFamily="49" charset="0"/>
+            </a:endParaRPr>
           </a:p>
           <a:p>
             <a:pPr marL="0" indent="0">
               <a:buNone/>
             </a:pPr>
             <a:r>
-              <a:rPr lang="en-US" sz="2000" dirty="0">
+              <a:rPr lang="en-US" sz="1800" dirty="0">
                 <a:latin typeface="Consolas" panose="020B0609020204030204" pitchFamily="49" charset="0"/>
               </a:rPr>
               <a:t>.</a:t>
             </a:r>
             <a:r>
-              <a:rPr lang="en-US" sz="2000" dirty="0" err="1">
+              <a:rPr lang="en-US" sz="1800" dirty="0" err="1">
                 <a:latin typeface="Consolas" panose="020B0609020204030204" pitchFamily="49" charset="0"/>
               </a:rPr>
               <a:t>gitlab-ci.yml</a:t>
             </a:r>
-            <a:endParaRPr lang="en-US" sz="2000" dirty="0">
+            <a:endParaRPr lang="en-US" sz="1800" dirty="0">
               <a:latin typeface="Consolas" panose="020B0609020204030204" pitchFamily="49" charset="0"/>
             </a:endParaRPr>
           </a:p>
@@ -10476,7 +10475,7 @@
               <a:defRPr/>
             </a:pPr>
             <a:r>
-              <a:rPr kumimoji="0" lang="en-US" sz="1600" b="0" i="0" u="none" strike="noStrike" kern="0" cap="none" spc="0" normalizeH="0" baseline="0" noProof="0" dirty="0">
+              <a:rPr kumimoji="0" lang="en-US" sz="1400" b="0" i="0" u="none" strike="noStrike" kern="0" cap="none" spc="0" normalizeH="0" baseline="0" noProof="0" dirty="0">
                 <a:ln>
                   <a:noFill/>
                 </a:ln>
@@ -10514,7 +10513,7 @@
               <a:defRPr/>
             </a:pPr>
             <a:r>
-              <a:rPr kumimoji="0" lang="en-US" sz="1600" b="0" i="0" u="none" strike="noStrike" kern="0" cap="none" spc="0" normalizeH="0" baseline="0" noProof="0" dirty="0">
+              <a:rPr kumimoji="0" lang="en-US" sz="1400" b="0" i="0" u="none" strike="noStrike" kern="0" cap="none" spc="0" normalizeH="0" baseline="0" noProof="0" dirty="0">
                 <a:ln>
                   <a:noFill/>
                 </a:ln>
@@ -10531,7 +10530,7 @@
               <a:t>  image</a:t>
             </a:r>
             <a:r>
-              <a:rPr kumimoji="0" lang="en-US" sz="1600" b="0" i="0" u="none" strike="noStrike" kern="0" cap="none" spc="0" normalizeH="0" baseline="0" noProof="0" dirty="0">
+              <a:rPr kumimoji="0" lang="en-US" sz="1400" b="0" i="0" u="none" strike="noStrike" kern="0" cap="none" spc="0" normalizeH="0" baseline="0" noProof="0" dirty="0">
                 <a:ln>
                   <a:noFill/>
                 </a:ln>
@@ -10548,7 +10547,7 @@
               <a:t>: </a:t>
             </a:r>
             <a:r>
-              <a:rPr kumimoji="0" lang="en-US" sz="1600" b="0" i="0" u="none" strike="noStrike" kern="0" cap="none" spc="0" normalizeH="0" baseline="0" noProof="0" dirty="0">
+              <a:rPr kumimoji="0" lang="en-US" sz="1400" b="0" i="0" u="none" strike="noStrike" kern="0" cap="none" spc="0" normalizeH="0" baseline="0" noProof="0" dirty="0">
                 <a:ln>
                   <a:noFill/>
                 </a:ln>
@@ -10565,7 +10564,7 @@
               <a:t>$CI_REGISTRY</a:t>
             </a:r>
             <a:r>
-              <a:rPr kumimoji="0" lang="en-US" sz="1600" b="0" i="0" u="none" strike="noStrike" kern="0" cap="none" spc="0" normalizeH="0" baseline="0" noProof="0" dirty="0">
+              <a:rPr kumimoji="0" lang="en-US" sz="1400" b="0" i="0" u="none" strike="noStrike" kern="0" cap="none" spc="0" normalizeH="0" baseline="0" noProof="0" dirty="0">
                 <a:ln>
                   <a:noFill/>
                 </a:ln>
@@ -10603,7 +10602,7 @@
               <a:defRPr/>
             </a:pPr>
             <a:r>
-              <a:rPr kumimoji="0" lang="en-US" sz="1600" b="0" i="0" u="none" strike="noStrike" kern="0" cap="none" spc="0" normalizeH="0" baseline="0" noProof="0" dirty="0">
+              <a:rPr kumimoji="0" lang="en-US" sz="1400" b="0" i="0" u="none" strike="noStrike" kern="0" cap="none" spc="0" normalizeH="0" baseline="0" noProof="0" dirty="0">
                 <a:ln>
                   <a:noFill/>
                 </a:ln>
@@ -10620,7 +10619,7 @@
               <a:t>  </a:t>
             </a:r>
             <a:r>
-              <a:rPr kumimoji="0" lang="en-US" sz="1600" b="0" i="0" u="none" strike="noStrike" kern="0" cap="none" spc="0" normalizeH="0" baseline="0" noProof="0" dirty="0">
+              <a:rPr kumimoji="0" lang="en-US" sz="1400" b="0" i="0" u="none" strike="noStrike" kern="0" cap="none" spc="0" normalizeH="0" baseline="0" noProof="0" dirty="0">
                 <a:ln>
                   <a:noFill/>
                 </a:ln>
@@ -10637,7 +10636,7 @@
               <a:t>services</a:t>
             </a:r>
             <a:r>
-              <a:rPr kumimoji="0" lang="en-US" sz="1600" b="0" i="0" u="none" strike="noStrike" kern="0" cap="none" spc="0" normalizeH="0" baseline="0" noProof="0" dirty="0">
+              <a:rPr kumimoji="0" lang="en-US" sz="1400" b="0" i="0" u="none" strike="noStrike" kern="0" cap="none" spc="0" normalizeH="0" baseline="0" noProof="0" dirty="0">
                 <a:ln>
                   <a:noFill/>
                 </a:ln>
@@ -10675,7 +10674,7 @@
               <a:defRPr/>
             </a:pPr>
             <a:r>
-              <a:rPr kumimoji="0" lang="en-US" sz="1600" b="0" i="0" u="none" strike="noStrike" kern="0" cap="none" spc="0" normalizeH="0" baseline="0" noProof="0" dirty="0">
+              <a:rPr kumimoji="0" lang="en-US" sz="1400" b="0" i="0" u="none" strike="noStrike" kern="0" cap="none" spc="0" normalizeH="0" baseline="0" noProof="0" dirty="0">
                 <a:ln>
                   <a:noFill/>
                 </a:ln>
@@ -10692,7 +10691,7 @@
               <a:t>    - name: </a:t>
             </a:r>
             <a:r>
-              <a:rPr kumimoji="0" lang="en-US" sz="1600" b="0" i="0" u="none" strike="noStrike" kern="0" cap="none" spc="0" normalizeH="0" baseline="0" noProof="0" dirty="0">
+              <a:rPr kumimoji="0" lang="en-US" sz="1400" b="0" i="0" u="none" strike="noStrike" kern="0" cap="none" spc="0" normalizeH="0" baseline="0" noProof="0" dirty="0">
                 <a:ln>
                   <a:noFill/>
                 </a:ln>
@@ -10709,7 +10708,7 @@
               <a:t>$CI_REGISTRY</a:t>
             </a:r>
             <a:r>
-              <a:rPr kumimoji="0" lang="en-US" sz="1600" b="0" i="0" u="none" strike="noStrike" kern="0" cap="none" spc="0" normalizeH="0" baseline="0" noProof="0" dirty="0">
+              <a:rPr kumimoji="0" lang="en-US" sz="1400" b="0" i="0" u="none" strike="noStrike" kern="0" cap="none" spc="0" normalizeH="0" baseline="0" noProof="0" dirty="0">
                 <a:ln>
                   <a:noFill/>
                 </a:ln>
@@ -10747,7 +10746,7 @@
               <a:defRPr/>
             </a:pPr>
             <a:r>
-              <a:rPr kumimoji="0" lang="en-US" sz="1600" b="0" i="0" u="none" strike="noStrike" kern="0" cap="none" spc="0" normalizeH="0" baseline="0" noProof="0" dirty="0">
+              <a:rPr kumimoji="0" lang="en-US" sz="1400" b="0" i="0" u="none" strike="noStrike" kern="0" cap="none" spc="0" normalizeH="0" baseline="0" noProof="0" dirty="0">
                 <a:ln>
                   <a:noFill/>
                 </a:ln>
@@ -10764,7 +10763,7 @@
               <a:t>      </a:t>
             </a:r>
             <a:r>
-              <a:rPr kumimoji="0" lang="en-US" sz="1600" b="0" i="0" u="none" strike="noStrike" kern="0" cap="none" spc="0" normalizeH="0" baseline="0" noProof="0" dirty="0">
+              <a:rPr kumimoji="0" lang="en-US" sz="1400" b="0" i="0" u="none" strike="noStrike" kern="0" cap="none" spc="0" normalizeH="0" baseline="0" noProof="0" dirty="0">
                 <a:ln>
                   <a:noFill/>
                 </a:ln>
@@ -10781,7 +10780,7 @@
               <a:t>alias</a:t>
             </a:r>
             <a:r>
-              <a:rPr kumimoji="0" lang="en-US" sz="1600" b="0" i="0" u="none" strike="noStrike" kern="0" cap="none" spc="0" normalizeH="0" baseline="0" noProof="0" dirty="0">
+              <a:rPr kumimoji="0" lang="en-US" sz="1400" b="0" i="0" u="none" strike="noStrike" kern="0" cap="none" spc="0" normalizeH="0" baseline="0" noProof="0" dirty="0">
                 <a:ln>
                   <a:noFill/>
                 </a:ln>
@@ -10819,7 +10818,7 @@
               <a:defRPr/>
             </a:pPr>
             <a:r>
-              <a:rPr kumimoji="0" lang="en-US" sz="1600" b="0" i="0" u="none" strike="noStrike" kern="0" cap="none" spc="0" normalizeH="0" baseline="0" noProof="0" dirty="0">
+              <a:rPr kumimoji="0" lang="en-US" sz="1400" b="0" i="0" u="none" strike="noStrike" kern="0" cap="none" spc="0" normalizeH="0" baseline="0" noProof="0" dirty="0">
                 <a:ln>
                   <a:noFill/>
                 </a:ln>
@@ -10857,7 +10856,7 @@
               <a:defRPr/>
             </a:pPr>
             <a:r>
-              <a:rPr kumimoji="0" lang="en-US" sz="1600" b="0" i="0" u="none" strike="noStrike" kern="0" cap="none" spc="0" normalizeH="0" baseline="0" noProof="0" dirty="0">
+              <a:rPr kumimoji="0" lang="en-US" sz="1400" b="0" i="0" u="none" strike="noStrike" kern="0" cap="none" spc="0" normalizeH="0" baseline="0" noProof="0" dirty="0">
                 <a:ln>
                   <a:noFill/>
                 </a:ln>
@@ -10895,7 +10894,7 @@
               <a:defRPr/>
             </a:pPr>
             <a:r>
-              <a:rPr kumimoji="0" lang="en-US" sz="1600" b="0" i="0" u="none" strike="noStrike" kern="0" cap="none" spc="0" normalizeH="0" baseline="0" noProof="0" dirty="0">
+              <a:rPr kumimoji="0" lang="en-US" sz="1400" b="0" i="0" u="none" strike="noStrike" kern="0" cap="none" spc="0" normalizeH="0" baseline="0" noProof="0" dirty="0">
                 <a:ln>
                   <a:noFill/>
                 </a:ln>
@@ -10933,7 +10932,7 @@
               <a:defRPr/>
             </a:pPr>
             <a:r>
-              <a:rPr kumimoji="0" lang="en-US" sz="1600" b="0" i="0" u="none" strike="noStrike" kern="0" cap="none" spc="0" normalizeH="0" baseline="0" noProof="0" dirty="0">
+              <a:rPr kumimoji="0" lang="en-US" sz="1400" b="0" i="0" u="none" strike="noStrike" kern="0" cap="none" spc="0" normalizeH="0" baseline="0" noProof="0" dirty="0">
                 <a:ln>
                   <a:noFill/>
                 </a:ln>
@@ -10949,6 +10948,20 @@
               </a:rPr>
               <a:t>    - docker run my-docker-image /script/to/run/tests</a:t>
             </a:r>
+            <a:endParaRPr kumimoji="0" lang="en-US" sz="1600" b="0" i="0" u="none" strike="noStrike" kern="0" cap="none" spc="0" normalizeH="0" baseline="0" noProof="0" dirty="0">
+              <a:ln>
+                <a:noFill/>
+              </a:ln>
+              <a:solidFill>
+                <a:srgbClr val="000000"/>
+              </a:solidFill>
+              <a:effectLst/>
+              <a:uLnTx/>
+              <a:uFillTx/>
+              <a:latin typeface="Consolas" panose="020B0609020204030204" pitchFamily="49" charset="0"/>
+              <a:ea typeface="+mn-ea"/>
+              <a:cs typeface="+mn-cs"/>
+            </a:endParaRPr>
           </a:p>
         </p:txBody>
       </p:sp>
@@ -11044,11 +11057,15 @@
               <a:buNone/>
             </a:pPr>
             <a:r>
-              <a:rPr lang="en-US" b="1" dirty="0"/>
-              <a:t>Docker-in-Docker Container Image (</a:t>
-            </a:r>
-            <a:r>
-              <a:rPr lang="en-US" b="1" dirty="0">
+              <a:rPr lang="en-US" sz="2000" b="1" dirty="0" err="1"/>
+              <a:t>Beispiel</a:t>
+            </a:r>
+            <a:r>
+              <a:rPr lang="en-US" sz="2000" b="1" dirty="0"/>
+              <a:t>: Docker-in-Docker Container Image (</a:t>
+            </a:r>
+            <a:r>
+              <a:rPr lang="en-US" sz="2000" b="1" dirty="0">
                 <a:solidFill>
                   <a:srgbClr val="0249FC"/>
                 </a:solidFill>
@@ -11056,7 +11073,7 @@
               <a:t>Container Registry</a:t>
             </a:r>
             <a:r>
-              <a:rPr lang="en-US" b="1" dirty="0"/>
+              <a:rPr lang="en-US" sz="2000" b="1" dirty="0"/>
               <a:t>)</a:t>
             </a:r>
           </a:p>
@@ -11065,18 +11082,18 @@
               <a:buNone/>
             </a:pPr>
             <a:r>
-              <a:rPr lang="en-US" sz="2000" dirty="0">
+              <a:rPr lang="en-US" sz="1800" dirty="0">
                 <a:latin typeface="Consolas" panose="020B0609020204030204" pitchFamily="49" charset="0"/>
               </a:rPr>
               <a:t>.</a:t>
             </a:r>
             <a:r>
-              <a:rPr lang="en-US" sz="2000" dirty="0" err="1">
+              <a:rPr lang="en-US" sz="1800" dirty="0" err="1">
                 <a:latin typeface="Consolas" panose="020B0609020204030204" pitchFamily="49" charset="0"/>
               </a:rPr>
               <a:t>gitlab-ci.yml</a:t>
             </a:r>
-            <a:endParaRPr lang="en-US" sz="2000" dirty="0">
+            <a:endParaRPr lang="en-US" sz="1800" dirty="0">
               <a:latin typeface="Consolas" panose="020B0609020204030204" pitchFamily="49" charset="0"/>
             </a:endParaRPr>
           </a:p>
@@ -11101,7 +11118,7 @@
               <a:defRPr/>
             </a:pPr>
             <a:r>
-              <a:rPr kumimoji="0" lang="en-US" sz="1600" b="0" i="0" u="none" strike="noStrike" kern="0" cap="none" spc="0" normalizeH="0" baseline="0" noProof="0" dirty="0">
+              <a:rPr kumimoji="0" lang="en-US" sz="1400" b="0" i="0" u="none" strike="noStrike" kern="0" cap="none" spc="0" normalizeH="0" baseline="0" noProof="0" dirty="0">
                 <a:ln>
                   <a:noFill/>
                 </a:ln>
@@ -11139,7 +11156,7 @@
               <a:defRPr/>
             </a:pPr>
             <a:r>
-              <a:rPr kumimoji="0" lang="en-US" sz="1600" b="0" i="0" u="none" strike="noStrike" kern="0" cap="none" spc="0" normalizeH="0" baseline="0" noProof="0" dirty="0">
+              <a:rPr kumimoji="0" lang="en-US" sz="1400" b="0" i="0" u="none" strike="noStrike" kern="0" cap="none" spc="0" normalizeH="0" baseline="0" noProof="0" dirty="0">
                 <a:ln>
                   <a:noFill/>
                 </a:ln>
@@ -11156,7 +11173,7 @@
               <a:t>  image</a:t>
             </a:r>
             <a:r>
-              <a:rPr kumimoji="0" lang="en-US" sz="1600" b="0" i="0" u="none" strike="noStrike" kern="0" cap="none" spc="0" normalizeH="0" baseline="0" noProof="0" dirty="0">
+              <a:rPr kumimoji="0" lang="en-US" sz="1400" b="0" i="0" u="none" strike="noStrike" kern="0" cap="none" spc="0" normalizeH="0" baseline="0" noProof="0" dirty="0">
                 <a:ln>
                   <a:noFill/>
                 </a:ln>
@@ -11173,7 +11190,7 @@
               <a:t>: </a:t>
             </a:r>
             <a:r>
-              <a:rPr kumimoji="0" lang="en-US" sz="1600" b="0" i="0" u="none" strike="noStrike" kern="0" cap="none" spc="0" normalizeH="0" baseline="0" noProof="0" dirty="0">
+              <a:rPr kumimoji="0" lang="en-US" sz="1400" b="0" i="0" u="none" strike="noStrike" kern="0" cap="none" spc="0" normalizeH="0" baseline="0" noProof="0" dirty="0">
                 <a:ln>
                   <a:noFill/>
                 </a:ln>
@@ -11190,7 +11207,7 @@
               <a:t>$CI_REGISTRY</a:t>
             </a:r>
             <a:r>
-              <a:rPr kumimoji="0" lang="en-US" sz="1600" b="0" i="0" u="none" strike="noStrike" kern="0" cap="none" spc="0" normalizeH="0" baseline="0" noProof="0" dirty="0">
+              <a:rPr kumimoji="0" lang="en-US" sz="1400" b="0" i="0" u="none" strike="noStrike" kern="0" cap="none" spc="0" normalizeH="0" baseline="0" noProof="0" dirty="0">
                 <a:ln>
                   <a:noFill/>
                 </a:ln>
@@ -11228,7 +11245,7 @@
               <a:defRPr/>
             </a:pPr>
             <a:r>
-              <a:rPr kumimoji="0" lang="en-US" sz="1600" b="0" i="0" u="none" strike="noStrike" kern="0" cap="none" spc="0" normalizeH="0" baseline="0" noProof="0" dirty="0">
+              <a:rPr kumimoji="0" lang="en-US" sz="1400" b="0" i="0" u="none" strike="noStrike" kern="0" cap="none" spc="0" normalizeH="0" baseline="0" noProof="0" dirty="0">
                 <a:ln>
                   <a:noFill/>
                 </a:ln>
@@ -11245,7 +11262,7 @@
               <a:t>  </a:t>
             </a:r>
             <a:r>
-              <a:rPr kumimoji="0" lang="en-US" sz="1600" b="0" i="0" u="none" strike="noStrike" kern="0" cap="none" spc="0" normalizeH="0" baseline="0" noProof="0" dirty="0">
+              <a:rPr kumimoji="0" lang="en-US" sz="1400" b="0" i="0" u="none" strike="noStrike" kern="0" cap="none" spc="0" normalizeH="0" baseline="0" noProof="0" dirty="0">
                 <a:ln>
                   <a:noFill/>
                 </a:ln>
@@ -11262,7 +11279,7 @@
               <a:t>services</a:t>
             </a:r>
             <a:r>
-              <a:rPr kumimoji="0" lang="en-US" sz="1600" b="0" i="0" u="none" strike="noStrike" kern="0" cap="none" spc="0" normalizeH="0" baseline="0" noProof="0" dirty="0">
+              <a:rPr kumimoji="0" lang="en-US" sz="1400" b="0" i="0" u="none" strike="noStrike" kern="0" cap="none" spc="0" normalizeH="0" baseline="0" noProof="0" dirty="0">
                 <a:ln>
                   <a:noFill/>
                 </a:ln>
@@ -11300,7 +11317,7 @@
               <a:defRPr/>
             </a:pPr>
             <a:r>
-              <a:rPr kumimoji="0" lang="en-US" sz="1600" b="0" i="0" u="none" strike="noStrike" kern="0" cap="none" spc="0" normalizeH="0" baseline="0" noProof="0" dirty="0">
+              <a:rPr kumimoji="0" lang="en-US" sz="1400" b="0" i="0" u="none" strike="noStrike" kern="0" cap="none" spc="0" normalizeH="0" baseline="0" noProof="0" dirty="0">
                 <a:ln>
                   <a:noFill/>
                 </a:ln>
@@ -11317,7 +11334,7 @@
               <a:t>    - name: </a:t>
             </a:r>
             <a:r>
-              <a:rPr kumimoji="0" lang="en-US" sz="1600" b="0" i="0" u="none" strike="noStrike" kern="0" cap="none" spc="0" normalizeH="0" baseline="0" noProof="0" dirty="0">
+              <a:rPr kumimoji="0" lang="en-US" sz="1400" b="0" i="0" u="none" strike="noStrike" kern="0" cap="none" spc="0" normalizeH="0" baseline="0" noProof="0" dirty="0">
                 <a:ln>
                   <a:noFill/>
                 </a:ln>
@@ -11334,7 +11351,7 @@
               <a:t>$CI_REGISTRY</a:t>
             </a:r>
             <a:r>
-              <a:rPr kumimoji="0" lang="en-US" sz="1600" b="0" i="0" u="none" strike="noStrike" kern="0" cap="none" spc="0" normalizeH="0" baseline="0" noProof="0" dirty="0">
+              <a:rPr kumimoji="0" lang="en-US" sz="1400" b="0" i="0" u="none" strike="noStrike" kern="0" cap="none" spc="0" normalizeH="0" baseline="0" noProof="0" dirty="0">
                 <a:ln>
                   <a:noFill/>
                 </a:ln>
@@ -11372,7 +11389,7 @@
               <a:defRPr/>
             </a:pPr>
             <a:r>
-              <a:rPr kumimoji="0" lang="en-US" sz="1600" b="0" i="0" u="none" strike="noStrike" kern="0" cap="none" spc="0" normalizeH="0" baseline="0" noProof="0" dirty="0">
+              <a:rPr kumimoji="0" lang="en-US" sz="1400" b="0" i="0" u="none" strike="noStrike" kern="0" cap="none" spc="0" normalizeH="0" baseline="0" noProof="0" dirty="0">
                 <a:ln>
                   <a:noFill/>
                 </a:ln>
@@ -11389,7 +11406,7 @@
               <a:t>      </a:t>
             </a:r>
             <a:r>
-              <a:rPr kumimoji="0" lang="en-US" sz="1600" b="0" i="0" u="none" strike="noStrike" kern="0" cap="none" spc="0" normalizeH="0" baseline="0" noProof="0" dirty="0">
+              <a:rPr kumimoji="0" lang="en-US" sz="1400" b="0" i="0" u="none" strike="noStrike" kern="0" cap="none" spc="0" normalizeH="0" baseline="0" noProof="0" dirty="0">
                 <a:ln>
                   <a:noFill/>
                 </a:ln>
@@ -11406,7 +11423,7 @@
               <a:t>alias</a:t>
             </a:r>
             <a:r>
-              <a:rPr kumimoji="0" lang="en-US" sz="1600" b="0" i="0" u="none" strike="noStrike" kern="0" cap="none" spc="0" normalizeH="0" baseline="0" noProof="0" dirty="0">
+              <a:rPr kumimoji="0" lang="en-US" sz="1400" b="0" i="0" u="none" strike="noStrike" kern="0" cap="none" spc="0" normalizeH="0" baseline="0" noProof="0" dirty="0">
                 <a:ln>
                   <a:noFill/>
                 </a:ln>
@@ -11444,7 +11461,7 @@
               <a:defRPr/>
             </a:pPr>
             <a:r>
-              <a:rPr kumimoji="0" lang="en-US" sz="1600" b="0" i="0" u="none" strike="noStrike" kern="0" cap="none" spc="0" normalizeH="0" baseline="0" noProof="0" dirty="0">
+              <a:rPr kumimoji="0" lang="en-US" sz="1400" b="0" i="0" u="none" strike="noStrike" kern="0" cap="none" spc="0" normalizeH="0" baseline="0" noProof="0" dirty="0">
                 <a:ln>
                   <a:noFill/>
                 </a:ln>
@@ -11482,7 +11499,7 @@
               <a:defRPr/>
             </a:pPr>
             <a:r>
-              <a:rPr kumimoji="0" lang="en-US" sz="1600" b="0" i="0" u="none" strike="noStrike" kern="0" cap="none" spc="0" normalizeH="0" baseline="0" noProof="0" dirty="0">
+              <a:rPr kumimoji="0" lang="en-US" sz="1400" b="0" i="0" u="none" strike="noStrike" kern="0" cap="none" spc="0" normalizeH="0" baseline="0" noProof="0" dirty="0">
                 <a:ln>
                   <a:noFill/>
                 </a:ln>
@@ -11520,7 +11537,7 @@
               <a:defRPr/>
             </a:pPr>
             <a:r>
-              <a:rPr kumimoji="0" lang="en-US" sz="1600" b="0" i="0" u="none" strike="noStrike" kern="0" cap="none" spc="0" normalizeH="0" baseline="0" noProof="0" dirty="0">
+              <a:rPr kumimoji="0" lang="en-US" sz="1400" b="0" i="0" u="none" strike="noStrike" kern="0" cap="none" spc="0" normalizeH="0" baseline="0" noProof="0" dirty="0">
                 <a:ln>
                   <a:noFill/>
                 </a:ln>
@@ -11558,7 +11575,7 @@
               <a:defRPr/>
             </a:pPr>
             <a:r>
-              <a:rPr kumimoji="0" lang="en-US" sz="1600" b="0" i="0" u="none" strike="noStrike" kern="0" cap="none" spc="0" normalizeH="0" baseline="0" noProof="0" dirty="0">
+              <a:rPr kumimoji="0" lang="en-US" sz="1400" b="0" i="0" u="none" strike="noStrike" kern="0" cap="none" spc="0" normalizeH="0" baseline="0" noProof="0" dirty="0">
                 <a:ln>
                   <a:noFill/>
                 </a:ln>
@@ -11579,7 +11596,7 @@
             <a:pPr marL="0" indent="0">
               <a:buNone/>
             </a:pPr>
-            <a:endParaRPr lang="en-US" sz="1600" dirty="0">
+            <a:endParaRPr lang="en-US" sz="1400" dirty="0">
               <a:latin typeface="Consolas" panose="020B0609020204030204" pitchFamily="49" charset="0"/>
             </a:endParaRPr>
           </a:p>
@@ -11589,19 +11606,19 @@
               <a:buChar char="•"/>
             </a:pPr>
             <a:r>
-              <a:rPr lang="en-US" sz="2000" dirty="0" err="1">
+              <a:rPr lang="en-US" sz="1800" dirty="0" err="1">
                 <a:latin typeface="+mj-lt"/>
               </a:rPr>
               <a:t>Ohne</a:t>
             </a:r>
             <a:r>
-              <a:rPr lang="en-US" sz="2000" dirty="0">
+              <a:rPr lang="en-US" sz="1800" dirty="0">
                 <a:latin typeface="+mj-lt"/>
               </a:rPr>
               <a:t> </a:t>
             </a:r>
             <a:r>
-              <a:rPr lang="en-US" sz="2000" dirty="0">
+              <a:rPr lang="en-US" sz="1800" dirty="0">
                 <a:solidFill>
                   <a:srgbClr val="FF0000"/>
                 </a:solidFill>
@@ -11610,85 +11627,85 @@
               <a:t>service alias </a:t>
             </a:r>
             <a:r>
-              <a:rPr lang="en-US" sz="2000" dirty="0" err="1">
+              <a:rPr lang="en-US" sz="1800" dirty="0" err="1">
                 <a:latin typeface="+mj-lt"/>
               </a:rPr>
               <a:t>kann</a:t>
             </a:r>
             <a:r>
-              <a:rPr lang="en-US" sz="2000" dirty="0">
+              <a:rPr lang="en-US" sz="1800" dirty="0">
                 <a:latin typeface="+mj-lt"/>
               </a:rPr>
               <a:t> das Container Image den </a:t>
             </a:r>
             <a:r>
-              <a:rPr lang="en-US" sz="2000" dirty="0" err="1">
+              <a:rPr lang="en-US" sz="1800" dirty="0" err="1">
                 <a:latin typeface="Consolas" panose="020B0609020204030204" pitchFamily="49" charset="0"/>
               </a:rPr>
               <a:t>dind</a:t>
             </a:r>
             <a:r>
-              <a:rPr lang="en-US" sz="2000" dirty="0">
+              <a:rPr lang="en-US" sz="1800" dirty="0">
                 <a:latin typeface="+mj-lt"/>
               </a:rPr>
               <a:t> service </a:t>
             </a:r>
             <a:r>
-              <a:rPr lang="en-US" sz="2000" dirty="0" err="1">
+              <a:rPr lang="en-US" sz="1800" dirty="0" err="1">
                 <a:latin typeface="+mj-lt"/>
               </a:rPr>
               <a:t>nicht</a:t>
             </a:r>
             <a:r>
-              <a:rPr lang="en-US" sz="2000" dirty="0">
+              <a:rPr lang="en-US" sz="1800" dirty="0">
                 <a:latin typeface="+mj-lt"/>
               </a:rPr>
               <a:t> </a:t>
             </a:r>
             <a:r>
-              <a:rPr lang="en-US" sz="2000" dirty="0" err="1">
+              <a:rPr lang="en-US" sz="1800" dirty="0" err="1">
                 <a:latin typeface="+mj-lt"/>
               </a:rPr>
               <a:t>finden</a:t>
             </a:r>
             <a:r>
-              <a:rPr lang="en-US" sz="2000" dirty="0">
+              <a:rPr lang="en-US" sz="1800" dirty="0">
                 <a:latin typeface="+mj-lt"/>
               </a:rPr>
               <a:t> und </a:t>
             </a:r>
             <a:r>
-              <a:rPr lang="en-US" sz="2000" dirty="0" err="1">
+              <a:rPr lang="en-US" sz="1800" dirty="0" err="1">
                 <a:latin typeface="+mj-lt"/>
               </a:rPr>
               <a:t>folgende</a:t>
             </a:r>
             <a:r>
-              <a:rPr lang="en-US" sz="2000" dirty="0">
+              <a:rPr lang="en-US" sz="1800" dirty="0">
                 <a:latin typeface="+mj-lt"/>
               </a:rPr>
               <a:t> </a:t>
             </a:r>
             <a:r>
-              <a:rPr lang="en-US" sz="2000" dirty="0" err="1">
+              <a:rPr lang="en-US" sz="1800" dirty="0" err="1">
                 <a:latin typeface="+mj-lt"/>
               </a:rPr>
               <a:t>Fehlermeldung</a:t>
             </a:r>
             <a:r>
-              <a:rPr lang="en-US" sz="2000" dirty="0">
+              <a:rPr lang="en-US" sz="1800" dirty="0">
                 <a:latin typeface="+mj-lt"/>
               </a:rPr>
               <a:t> </a:t>
             </a:r>
             <a:r>
-              <a:rPr lang="en-US" sz="2000" dirty="0" err="1">
+              <a:rPr lang="en-US" sz="1800" dirty="0" err="1">
                 <a:latin typeface="+mj-lt"/>
               </a:rPr>
               <a:t>erscheint</a:t>
             </a:r>
             <a:r>
-              <a:rPr lang="en-US" sz="2000" dirty="0">
+              <a:rPr lang="en-US" sz="1800" dirty="0">
                 <a:latin typeface="+mj-lt"/>
               </a:rPr>
               <a:t>:</a:t>
@@ -11700,19 +11717,19 @@
               <a:buChar char="•"/>
             </a:pPr>
             <a:r>
-              <a:rPr lang="en-US" sz="1600" dirty="0">
+              <a:rPr lang="en-US" sz="1400" dirty="0">
                 <a:latin typeface="Consolas" panose="020B0609020204030204" pitchFamily="49" charset="0"/>
               </a:rPr>
               <a:t>error during connect: Get http://docker:2376/v1.39/info: dial </a:t>
             </a:r>
             <a:r>
-              <a:rPr lang="en-US" sz="1600" dirty="0" err="1">
+              <a:rPr lang="en-US" sz="1400" dirty="0" err="1">
                 <a:latin typeface="Consolas" panose="020B0609020204030204" pitchFamily="49" charset="0"/>
               </a:rPr>
               <a:t>tcp</a:t>
             </a:r>
             <a:r>
-              <a:rPr lang="en-US" sz="1600" dirty="0">
+              <a:rPr lang="en-US" sz="1400" dirty="0">
                 <a:latin typeface="Consolas" panose="020B0609020204030204" pitchFamily="49" charset="0"/>
               </a:rPr>
               <a:t>: lookup docker on 192.168.0.1:53: no such host</a:t>
@@ -11723,7 +11740,7 @@
               <a:buFont typeface="Arial" panose="020B0604020202020204" pitchFamily="34" charset="0"/>
               <a:buChar char="•"/>
             </a:pPr>
-            <a:endParaRPr lang="en-US" sz="1600" dirty="0">
+            <a:endParaRPr lang="en-US" sz="1400" dirty="0">
               <a:latin typeface="Consolas" panose="020B0609020204030204" pitchFamily="49" charset="0"/>
             </a:endParaRPr>
           </a:p>
@@ -11732,7 +11749,7 @@
               <a:buFont typeface="Arial" panose="020B0604020202020204" pitchFamily="34" charset="0"/>
               <a:buChar char="•"/>
             </a:pPr>
-            <a:endParaRPr lang="en-US" sz="1600" dirty="0">
+            <a:endParaRPr lang="en-US" sz="1400" dirty="0">
               <a:latin typeface="Consolas" panose="020B0609020204030204" pitchFamily="49" charset="0"/>
             </a:endParaRPr>
           </a:p>
@@ -11830,11 +11847,15 @@
               <a:buNone/>
             </a:pPr>
             <a:r>
-              <a:rPr lang="en-US" b="1" dirty="0"/>
-              <a:t>Docker-in-Docker Container Image (</a:t>
-            </a:r>
-            <a:r>
-              <a:rPr lang="en-US" b="1" dirty="0">
+              <a:rPr lang="en-US" sz="2000" b="1" dirty="0" err="1"/>
+              <a:t>Beispiel</a:t>
+            </a:r>
+            <a:r>
+              <a:rPr lang="en-US" sz="2000" b="1" dirty="0"/>
+              <a:t>: Docker-in-Docker Container Image (</a:t>
+            </a:r>
+            <a:r>
+              <a:rPr lang="en-US" sz="2000" b="1" dirty="0">
                 <a:solidFill>
                   <a:srgbClr val="0249FC"/>
                 </a:solidFill>
@@ -11842,7 +11863,7 @@
               <a:t>Dependency Proxy</a:t>
             </a:r>
             <a:r>
-              <a:rPr lang="en-US" b="1" dirty="0"/>
+              <a:rPr lang="en-US" sz="2000" b="1" dirty="0"/>
               <a:t>)</a:t>
             </a:r>
           </a:p>
@@ -11851,26 +11872,26 @@
               <a:buNone/>
             </a:pPr>
             <a:r>
-              <a:rPr lang="en-US" dirty="0" err="1"/>
+              <a:rPr lang="en-US" sz="2000" dirty="0" err="1"/>
               <a:t>Eigene</a:t>
             </a:r>
             <a:r>
-              <a:rPr lang="en-US" dirty="0"/>
+              <a:rPr lang="en-US" sz="2000" dirty="0"/>
               <a:t> Container Images </a:t>
             </a:r>
             <a:r>
-              <a:rPr lang="en-US" dirty="0" err="1"/>
+              <a:rPr lang="en-US" sz="2000" dirty="0" err="1"/>
               <a:t>mit</a:t>
             </a:r>
             <a:r>
-              <a:rPr lang="en-US" dirty="0"/>
+              <a:rPr lang="en-US" sz="2000" dirty="0"/>
               <a:t> Docker-in-Docker </a:t>
             </a:r>
             <a:r>
-              <a:rPr lang="en-US" dirty="0" err="1"/>
+              <a:rPr lang="en-US" sz="2000" dirty="0" err="1"/>
               <a:t>nutzen</a:t>
             </a:r>
-            <a:endParaRPr lang="en-US" dirty="0"/>
+            <a:endParaRPr lang="en-US" sz="2000" dirty="0"/>
           </a:p>
           <a:p>
             <a:pPr marL="457200" indent="-457200">
@@ -11878,14 +11899,14 @@
               <a:buAutoNum type="arabicPeriod"/>
             </a:pPr>
             <a:r>
-              <a:rPr lang="en-US" dirty="0"/>
+              <a:rPr lang="en-US" sz="2000" dirty="0"/>
               <a:t>Docker-in-Docker </a:t>
             </a:r>
             <a:r>
-              <a:rPr lang="en-US" dirty="0" err="1"/>
+              <a:rPr lang="en-US" sz="2000" dirty="0" err="1"/>
               <a:t>einrichten</a:t>
             </a:r>
-            <a:endParaRPr lang="en-US" dirty="0"/>
+            <a:endParaRPr lang="en-US" sz="2000" dirty="0"/>
           </a:p>
           <a:p>
             <a:pPr marL="457200" indent="-457200">
@@ -11893,7 +11914,7 @@
               <a:buAutoNum type="arabicPeriod"/>
             </a:pPr>
             <a:r>
-              <a:rPr lang="en-US" dirty="0">
+              <a:rPr lang="en-US" sz="2000" dirty="0">
                 <a:solidFill>
                   <a:srgbClr val="FF0000"/>
                 </a:solidFill>
@@ -11902,11 +11923,11 @@
               <a:t>image</a:t>
             </a:r>
             <a:r>
-              <a:rPr lang="en-US" dirty="0"/>
+              <a:rPr lang="en-US" sz="2000" dirty="0"/>
               <a:t> und </a:t>
             </a:r>
             <a:r>
-              <a:rPr lang="en-US" dirty="0">
+              <a:rPr lang="en-US" sz="2000" dirty="0">
                 <a:solidFill>
                   <a:srgbClr val="FF0000"/>
                 </a:solidFill>
@@ -11915,22 +11936,22 @@
               <a:t>service</a:t>
             </a:r>
             <a:r>
-              <a:rPr lang="en-US" dirty="0"/>
+              <a:rPr lang="en-US" sz="2000" dirty="0"/>
               <a:t> auf die Registry </a:t>
             </a:r>
             <a:r>
-              <a:rPr lang="en-US" dirty="0" err="1"/>
+              <a:rPr lang="en-US" sz="2000" dirty="0" err="1"/>
               <a:t>zeigen</a:t>
             </a:r>
             <a:r>
-              <a:rPr lang="en-US" dirty="0"/>
+              <a:rPr lang="en-US" sz="2000" dirty="0"/>
               <a:t> </a:t>
             </a:r>
             <a:r>
-              <a:rPr lang="en-US" dirty="0" err="1"/>
+              <a:rPr lang="en-US" sz="2000" dirty="0" err="1"/>
               <a:t>lassen</a:t>
             </a:r>
-            <a:endParaRPr lang="en-US" dirty="0"/>
+            <a:endParaRPr lang="en-US" sz="2000" dirty="0"/>
           </a:p>
           <a:p>
             <a:pPr marL="457200" indent="-457200">
@@ -11938,7 +11959,7 @@
               <a:buAutoNum type="arabicPeriod"/>
             </a:pPr>
             <a:r>
-              <a:rPr lang="en-US" dirty="0">
+              <a:rPr lang="en-US" sz="2000" dirty="0">
                 <a:solidFill>
                   <a:srgbClr val="FF0000"/>
                 </a:solidFill>
@@ -11947,41 +11968,50 @@
               <a:t>alias</a:t>
             </a:r>
             <a:r>
-              <a:rPr lang="en-US" dirty="0"/>
+              <a:rPr lang="en-US" sz="2000" dirty="0"/>
               <a:t> </a:t>
             </a:r>
             <a:r>
-              <a:rPr lang="en-US" dirty="0" err="1"/>
+              <a:rPr lang="en-US" sz="2000" dirty="0" err="1"/>
               <a:t>hinzufügen</a:t>
             </a:r>
             <a:r>
-              <a:rPr lang="en-US" dirty="0"/>
+              <a:rPr lang="en-US" sz="2000" dirty="0"/>
               <a:t> für den </a:t>
             </a:r>
             <a:r>
-              <a:rPr lang="en-US" dirty="0">
+              <a:rPr lang="en-US" sz="2000" dirty="0">
                 <a:latin typeface="Consolas" panose="020B0609020204030204" pitchFamily="49" charset="0"/>
               </a:rPr>
               <a:t>service</a:t>
             </a:r>
+          </a:p>
+          <a:p>
+            <a:pPr marL="457200" indent="-457200">
+              <a:buFont typeface="+mj-lt"/>
+              <a:buAutoNum type="arabicPeriod"/>
+            </a:pPr>
+            <a:endParaRPr lang="en-US" sz="2000" dirty="0">
+              <a:latin typeface="Consolas" panose="020B0609020204030204" pitchFamily="49" charset="0"/>
+            </a:endParaRPr>
           </a:p>
           <a:p>
             <a:pPr marL="0" indent="0">
               <a:buNone/>
             </a:pPr>
             <a:r>
-              <a:rPr lang="en-US" sz="2000" dirty="0">
+              <a:rPr lang="en-US" sz="1800" dirty="0">
                 <a:latin typeface="Consolas" panose="020B0609020204030204" pitchFamily="49" charset="0"/>
               </a:rPr>
               <a:t>.</a:t>
             </a:r>
             <a:r>
-              <a:rPr lang="en-US" sz="2000" dirty="0" err="1">
+              <a:rPr lang="en-US" sz="1800" dirty="0" err="1">
                 <a:latin typeface="Consolas" panose="020B0609020204030204" pitchFamily="49" charset="0"/>
               </a:rPr>
               <a:t>gitlab-ci.yml</a:t>
             </a:r>
-            <a:endParaRPr lang="en-US" sz="2000" dirty="0">
+            <a:endParaRPr lang="en-US" sz="1800" dirty="0">
               <a:latin typeface="Consolas" panose="020B0609020204030204" pitchFamily="49" charset="0"/>
             </a:endParaRPr>
           </a:p>
@@ -12006,7 +12036,7 @@
               <a:defRPr/>
             </a:pPr>
             <a:r>
-              <a:rPr kumimoji="0" lang="en-US" sz="1600" b="0" i="0" u="none" strike="noStrike" kern="0" cap="none" spc="0" normalizeH="0" baseline="0" noProof="0" dirty="0">
+              <a:rPr kumimoji="0" lang="en-US" sz="1400" b="0" i="0" u="none" strike="noStrike" kern="0" cap="none" spc="0" normalizeH="0" baseline="0" noProof="0" dirty="0">
                 <a:ln>
                   <a:noFill/>
                 </a:ln>
@@ -12044,7 +12074,7 @@
               <a:defRPr/>
             </a:pPr>
             <a:r>
-              <a:rPr kumimoji="0" lang="en-US" sz="1600" b="0" i="0" u="none" strike="noStrike" kern="0" cap="none" spc="0" normalizeH="0" baseline="0" noProof="0" dirty="0">
+              <a:rPr kumimoji="0" lang="en-US" sz="1400" b="0" i="0" u="none" strike="noStrike" kern="0" cap="none" spc="0" normalizeH="0" baseline="0" noProof="0" dirty="0">
                 <a:ln>
                   <a:noFill/>
                 </a:ln>
@@ -12061,7 +12091,7 @@
               <a:t>  </a:t>
             </a:r>
             <a:r>
-              <a:rPr kumimoji="0" lang="en-US" sz="1600" b="0" i="0" u="none" strike="noStrike" kern="0" cap="none" spc="0" normalizeH="0" baseline="0" noProof="0" dirty="0">
+              <a:rPr kumimoji="0" lang="en-US" sz="1400" b="0" i="0" u="none" strike="noStrike" kern="0" cap="none" spc="0" normalizeH="0" baseline="0" noProof="0" dirty="0">
                 <a:ln>
                   <a:noFill/>
                 </a:ln>
@@ -12078,7 +12108,7 @@
               <a:t>image</a:t>
             </a:r>
             <a:r>
-              <a:rPr kumimoji="0" lang="en-US" sz="1600" b="0" i="0" u="none" strike="noStrike" kern="0" cap="none" spc="0" normalizeH="0" baseline="0" noProof="0" dirty="0">
+              <a:rPr kumimoji="0" lang="en-US" sz="1400" b="0" i="0" u="none" strike="noStrike" kern="0" cap="none" spc="0" normalizeH="0" baseline="0" noProof="0" dirty="0">
                 <a:ln>
                   <a:noFill/>
                 </a:ln>
@@ -12095,7 +12125,7 @@
               <a:t>: </a:t>
             </a:r>
             <a:r>
-              <a:rPr kumimoji="0" lang="en-US" sz="1600" b="0" i="0" u="none" strike="noStrike" kern="0" cap="none" spc="0" normalizeH="0" baseline="0" noProof="0" dirty="0">
+              <a:rPr kumimoji="0" lang="en-US" sz="1400" b="0" i="0" u="none" strike="noStrike" kern="0" cap="none" spc="0" normalizeH="0" baseline="0" noProof="0" dirty="0">
                 <a:ln>
                   <a:noFill/>
                 </a:ln>
@@ -12112,7 +12142,7 @@
               <a:t>${CI_DEPENDENCY_PROXY_GROUP_IMAGE_PREFIX}</a:t>
             </a:r>
             <a:r>
-              <a:rPr kumimoji="0" lang="en-US" sz="1600" b="0" i="0" u="none" strike="noStrike" kern="0" cap="none" spc="0" normalizeH="0" baseline="0" noProof="0" dirty="0">
+              <a:rPr kumimoji="0" lang="en-US" sz="1400" b="0" i="0" u="none" strike="noStrike" kern="0" cap="none" spc="0" normalizeH="0" baseline="0" noProof="0" dirty="0">
                 <a:ln>
                   <a:noFill/>
                 </a:ln>
@@ -12150,7 +12180,7 @@
               <a:defRPr/>
             </a:pPr>
             <a:r>
-              <a:rPr kumimoji="0" lang="en-US" sz="1600" b="0" i="0" u="none" strike="noStrike" kern="0" cap="none" spc="0" normalizeH="0" baseline="0" noProof="0" dirty="0">
+              <a:rPr kumimoji="0" lang="en-US" sz="1400" b="0" i="0" u="none" strike="noStrike" kern="0" cap="none" spc="0" normalizeH="0" baseline="0" noProof="0" dirty="0">
                 <a:ln>
                   <a:noFill/>
                 </a:ln>
@@ -12167,7 +12197,7 @@
               <a:t>  </a:t>
             </a:r>
             <a:r>
-              <a:rPr kumimoji="0" lang="en-US" sz="1600" b="0" i="0" u="none" strike="noStrike" kern="0" cap="none" spc="0" normalizeH="0" baseline="0" noProof="0" dirty="0">
+              <a:rPr kumimoji="0" lang="en-US" sz="1400" b="0" i="0" u="none" strike="noStrike" kern="0" cap="none" spc="0" normalizeH="0" baseline="0" noProof="0" dirty="0">
                 <a:ln>
                   <a:noFill/>
                 </a:ln>
@@ -12184,7 +12214,7 @@
               <a:t>services</a:t>
             </a:r>
             <a:r>
-              <a:rPr kumimoji="0" lang="en-US" sz="1600" b="0" i="0" u="none" strike="noStrike" kern="0" cap="none" spc="0" normalizeH="0" baseline="0" noProof="0" dirty="0">
+              <a:rPr kumimoji="0" lang="en-US" sz="1400" b="0" i="0" u="none" strike="noStrike" kern="0" cap="none" spc="0" normalizeH="0" baseline="0" noProof="0" dirty="0">
                 <a:ln>
                   <a:noFill/>
                 </a:ln>
@@ -12222,7 +12252,7 @@
               <a:defRPr/>
             </a:pPr>
             <a:r>
-              <a:rPr kumimoji="0" lang="en-US" sz="1600" b="0" i="0" u="none" strike="noStrike" kern="0" cap="none" spc="0" normalizeH="0" baseline="0" noProof="0" dirty="0">
+              <a:rPr kumimoji="0" lang="en-US" sz="1400" b="0" i="0" u="none" strike="noStrike" kern="0" cap="none" spc="0" normalizeH="0" baseline="0" noProof="0" dirty="0">
                 <a:ln>
                   <a:noFill/>
                 </a:ln>
@@ -12239,7 +12269,7 @@
               <a:t>    - name: </a:t>
             </a:r>
             <a:r>
-              <a:rPr kumimoji="0" lang="en-US" sz="1600" b="0" i="0" u="none" strike="noStrike" kern="0" cap="none" spc="0" normalizeH="0" baseline="0" noProof="0" dirty="0">
+              <a:rPr kumimoji="0" lang="en-US" sz="1400" b="0" i="0" u="none" strike="noStrike" kern="0" cap="none" spc="0" normalizeH="0" baseline="0" noProof="0" dirty="0">
                 <a:ln>
                   <a:noFill/>
                 </a:ln>
@@ -12256,7 +12286,7 @@
               <a:t>${CI_DEPENDENCY_PROXY_GROUP_IMAGE_PREFIX}</a:t>
             </a:r>
             <a:r>
-              <a:rPr kumimoji="0" lang="en-US" sz="1600" b="0" i="0" u="none" strike="noStrike" kern="0" cap="none" spc="0" normalizeH="0" baseline="0" noProof="0" dirty="0">
+              <a:rPr kumimoji="0" lang="en-US" sz="1400" b="0" i="0" u="none" strike="noStrike" kern="0" cap="none" spc="0" normalizeH="0" baseline="0" noProof="0" dirty="0">
                 <a:ln>
                   <a:noFill/>
                 </a:ln>
@@ -12294,7 +12324,7 @@
               <a:defRPr/>
             </a:pPr>
             <a:r>
-              <a:rPr kumimoji="0" lang="en-US" sz="1600" b="0" i="0" u="none" strike="noStrike" kern="0" cap="none" spc="0" normalizeH="0" baseline="0" noProof="0" dirty="0">
+              <a:rPr kumimoji="0" lang="en-US" sz="1400" b="0" i="0" u="none" strike="noStrike" kern="0" cap="none" spc="0" normalizeH="0" baseline="0" noProof="0" dirty="0">
                 <a:ln>
                   <a:noFill/>
                 </a:ln>
@@ -12311,7 +12341,7 @@
               <a:t>      </a:t>
             </a:r>
             <a:r>
-              <a:rPr kumimoji="0" lang="en-US" sz="1600" b="0" i="0" u="none" strike="noStrike" kern="0" cap="none" spc="0" normalizeH="0" baseline="0" noProof="0" dirty="0">
+              <a:rPr kumimoji="0" lang="en-US" sz="1400" b="0" i="0" u="none" strike="noStrike" kern="0" cap="none" spc="0" normalizeH="0" baseline="0" noProof="0" dirty="0">
                 <a:ln>
                   <a:noFill/>
                 </a:ln>
@@ -12328,7 +12358,7 @@
               <a:t>alias</a:t>
             </a:r>
             <a:r>
-              <a:rPr kumimoji="0" lang="en-US" sz="1600" b="0" i="0" u="none" strike="noStrike" kern="0" cap="none" spc="0" normalizeH="0" baseline="0" noProof="0" dirty="0">
+              <a:rPr kumimoji="0" lang="en-US" sz="1400" b="0" i="0" u="none" strike="noStrike" kern="0" cap="none" spc="0" normalizeH="0" baseline="0" noProof="0" dirty="0">
                 <a:ln>
                   <a:noFill/>
                 </a:ln>
@@ -12366,7 +12396,7 @@
               <a:defRPr/>
             </a:pPr>
             <a:r>
-              <a:rPr kumimoji="0" lang="en-US" sz="1600" b="0" i="0" u="none" strike="noStrike" kern="0" cap="none" spc="0" normalizeH="0" baseline="0" noProof="0" dirty="0">
+              <a:rPr kumimoji="0" lang="en-US" sz="1400" b="0" i="0" u="none" strike="noStrike" kern="0" cap="none" spc="0" normalizeH="0" baseline="0" noProof="0" dirty="0">
                 <a:ln>
                   <a:noFill/>
                 </a:ln>
@@ -12404,7 +12434,7 @@
               <a:defRPr/>
             </a:pPr>
             <a:r>
-              <a:rPr kumimoji="0" lang="en-US" sz="1600" b="0" i="0" u="none" strike="noStrike" kern="0" cap="none" spc="0" normalizeH="0" baseline="0" noProof="0" dirty="0">
+              <a:rPr kumimoji="0" lang="en-US" sz="1400" b="0" i="0" u="none" strike="noStrike" kern="0" cap="none" spc="0" normalizeH="0" baseline="0" noProof="0" dirty="0">
                 <a:ln>
                   <a:noFill/>
                 </a:ln>
@@ -12442,7 +12472,7 @@
               <a:defRPr/>
             </a:pPr>
             <a:r>
-              <a:rPr kumimoji="0" lang="en-US" sz="1600" b="0" i="0" u="none" strike="noStrike" kern="0" cap="none" spc="0" normalizeH="0" baseline="0" noProof="0" dirty="0">
+              <a:rPr kumimoji="0" lang="en-US" sz="1400" b="0" i="0" u="none" strike="noStrike" kern="0" cap="none" spc="0" normalizeH="0" baseline="0" noProof="0" dirty="0">
                 <a:ln>
                   <a:noFill/>
                 </a:ln>
@@ -12480,7 +12510,7 @@
               <a:defRPr/>
             </a:pPr>
             <a:r>
-              <a:rPr kumimoji="0" lang="en-US" sz="1600" b="0" i="0" u="none" strike="noStrike" kern="0" cap="none" spc="0" normalizeH="0" baseline="0" noProof="0" dirty="0">
+              <a:rPr kumimoji="0" lang="en-US" sz="1400" b="0" i="0" u="none" strike="noStrike" kern="0" cap="none" spc="0" normalizeH="0" baseline="0" noProof="0" dirty="0">
                 <a:ln>
                   <a:noFill/>
                 </a:ln>
@@ -12496,7 +12526,7 @@
               </a:rPr>
               <a:t>    - docker run my-docker-image /script/to/run/tests</a:t>
             </a:r>
-            <a:endParaRPr kumimoji="0" lang="en-US" sz="1200" b="0" i="0" u="none" strike="noStrike" kern="0" cap="none" spc="0" normalizeH="0" baseline="0" noProof="0" dirty="0">
+            <a:endParaRPr kumimoji="0" lang="en-US" sz="1100" b="0" i="0" u="none" strike="noStrike" kern="0" cap="none" spc="0" normalizeH="0" baseline="0" noProof="0" dirty="0">
               <a:ln>
                 <a:noFill/>
               </a:ln>
@@ -14113,7 +14143,7 @@
 </file>
 
 <file path=ppt/slides/slide32.xml><?xml version="1.0" encoding="utf-8"?>
-<p:sld xmlns:a="http://schemas.openxmlformats.org/drawingml/2006/main" xmlns:r="http://schemas.openxmlformats.org/officeDocument/2006/relationships" xmlns:p="http://schemas.openxmlformats.org/presentationml/2006/main" show="0">
+<p:sld xmlns:a="http://schemas.openxmlformats.org/drawingml/2006/main" xmlns:r="http://schemas.openxmlformats.org/officeDocument/2006/relationships" xmlns:p="http://schemas.openxmlformats.org/presentationml/2006/main">
   <p:cSld>
     <p:spTree>
       <p:nvGrpSpPr>
@@ -14192,7 +14222,7 @@
             </a:pPr>
             <a:r>
               <a:rPr lang="de-DE" b="1" dirty="0"/>
-              <a:t>Aufgabe: Simple Docker-in-Docker </a:t>
+              <a:t>Aufgabe 1: Simple Docker-in-Docker </a:t>
             </a:r>
             <a:r>
               <a:rPr lang="de-DE" b="1" dirty="0" err="1"/>
@@ -14474,7 +14504,7 @@
 </file>
 
 <file path=ppt/slides/slide33.xml><?xml version="1.0" encoding="utf-8"?>
-<p:sld xmlns:a="http://schemas.openxmlformats.org/drawingml/2006/main" xmlns:r="http://schemas.openxmlformats.org/officeDocument/2006/relationships" xmlns:p="http://schemas.openxmlformats.org/presentationml/2006/main" show="0">
+<p:sld xmlns:a="http://schemas.openxmlformats.org/drawingml/2006/main" xmlns:r="http://schemas.openxmlformats.org/officeDocument/2006/relationships" xmlns:p="http://schemas.openxmlformats.org/presentationml/2006/main">
   <p:cSld>
     <p:spTree>
       <p:nvGrpSpPr>
@@ -14553,7 +14583,7 @@
             </a:pPr>
             <a:r>
               <a:rPr lang="de-DE" b="1" dirty="0"/>
-              <a:t>Aufgabe: Docker-in-Docker mit Variablen erweitern</a:t>
+              <a:t>Aufgabe 2: Docker-in-Docker mit Variablen erweitern</a:t>
             </a:r>
           </a:p>
           <a:p>
@@ -14753,7 +14783,7 @@
 </file>
 
 <file path=ppt/slides/slide34.xml><?xml version="1.0" encoding="utf-8"?>
-<p:sld xmlns:a="http://schemas.openxmlformats.org/drawingml/2006/main" xmlns:r="http://schemas.openxmlformats.org/officeDocument/2006/relationships" xmlns:p="http://schemas.openxmlformats.org/presentationml/2006/main" show="0">
+<p:sld xmlns:a="http://schemas.openxmlformats.org/drawingml/2006/main" xmlns:r="http://schemas.openxmlformats.org/officeDocument/2006/relationships" xmlns:p="http://schemas.openxmlformats.org/presentationml/2006/main">
   <p:cSld>
     <p:spTree>
       <p:nvGrpSpPr>
@@ -14832,35 +14862,349 @@
             </a:pPr>
             <a:r>
               <a:rPr lang="de-DE" b="1" dirty="0"/>
-              <a:t>Container Registry Beispiele</a:t>
-            </a:r>
-          </a:p>
-          <a:p>
-            <a:pPr>
-              <a:buFont typeface="Arial" panose="020B0604020202020204" pitchFamily="34" charset="0"/>
-              <a:buChar char="•"/>
-            </a:pPr>
-            <a:r>
-              <a:rPr lang="de-DE" dirty="0"/>
-              <a:t>Simples Docker-in-Docker</a:t>
-            </a:r>
-          </a:p>
-          <a:p>
-            <a:pPr>
-              <a:buFont typeface="Arial" panose="020B0604020202020204" pitchFamily="34" charset="0"/>
-              <a:buChar char="•"/>
-            </a:pPr>
-            <a:r>
-              <a:rPr lang="de-DE" dirty="0"/>
-              <a:t>Docker-in-Docker mit Variablen</a:t>
-            </a:r>
+              <a:t>Lösung 1: Simples Docker-in-Docker</a:t>
+            </a:r>
+          </a:p>
+          <a:p>
+            <a:pPr marL="0" indent="0">
+              <a:buNone/>
+            </a:pPr>
+            <a:r>
+              <a:rPr lang="de-DE" sz="2000" dirty="0">
+                <a:latin typeface="Consolas" panose="020B0609020204030204" pitchFamily="49" charset="0"/>
+              </a:rPr>
+              <a:t>.</a:t>
+            </a:r>
+            <a:r>
+              <a:rPr lang="de-DE" sz="2000" dirty="0" err="1">
+                <a:latin typeface="Consolas" panose="020B0609020204030204" pitchFamily="49" charset="0"/>
+              </a:rPr>
+              <a:t>gitlab-ci.yml</a:t>
+            </a:r>
+            <a:r>
+              <a:rPr lang="de-DE" sz="2000" dirty="0">
+                <a:latin typeface="Consolas" panose="020B0609020204030204" pitchFamily="49" charset="0"/>
+              </a:rPr>
+              <a:t>:</a:t>
+            </a:r>
+          </a:p>
+          <a:p>
+            <a:pPr marL="0" indent="0">
+              <a:buNone/>
+            </a:pPr>
+            <a:r>
+              <a:rPr lang="de-DE" sz="1400" dirty="0" err="1">
+                <a:latin typeface="Consolas" panose="020B0609020204030204" pitchFamily="49" charset="0"/>
+              </a:rPr>
+              <a:t>build</a:t>
+            </a:r>
+            <a:r>
+              <a:rPr lang="de-DE" sz="1400" dirty="0">
+                <a:latin typeface="Consolas" panose="020B0609020204030204" pitchFamily="49" charset="0"/>
+              </a:rPr>
+              <a:t>:</a:t>
+            </a:r>
+          </a:p>
+          <a:p>
+            <a:pPr marL="0" indent="0">
+              <a:buNone/>
+            </a:pPr>
+            <a:r>
+              <a:rPr lang="de-DE" sz="1400" dirty="0">
+                <a:latin typeface="Consolas" panose="020B0609020204030204" pitchFamily="49" charset="0"/>
+              </a:rPr>
+              <a:t>  </a:t>
+            </a:r>
+            <a:r>
+              <a:rPr lang="de-DE" sz="1400" dirty="0" err="1">
+                <a:latin typeface="Consolas" panose="020B0609020204030204" pitchFamily="49" charset="0"/>
+              </a:rPr>
+              <a:t>image</a:t>
+            </a:r>
+            <a:r>
+              <a:rPr lang="de-DE" sz="1400" dirty="0">
+                <a:latin typeface="Consolas" panose="020B0609020204030204" pitchFamily="49" charset="0"/>
+              </a:rPr>
+              <a:t>: docker:20.10.16</a:t>
+            </a:r>
+          </a:p>
+          <a:p>
+            <a:pPr marL="0" indent="0">
+              <a:buNone/>
+            </a:pPr>
+            <a:r>
+              <a:rPr lang="de-DE" sz="1400" dirty="0">
+                <a:latin typeface="Consolas" panose="020B0609020204030204" pitchFamily="49" charset="0"/>
+              </a:rPr>
+              <a:t>  </a:t>
+            </a:r>
+            <a:r>
+              <a:rPr lang="de-DE" sz="1400" dirty="0" err="1">
+                <a:latin typeface="Consolas" panose="020B0609020204030204" pitchFamily="49" charset="0"/>
+              </a:rPr>
+              <a:t>stage</a:t>
+            </a:r>
+            <a:r>
+              <a:rPr lang="de-DE" sz="1400" dirty="0">
+                <a:latin typeface="Consolas" panose="020B0609020204030204" pitchFamily="49" charset="0"/>
+              </a:rPr>
+              <a:t>: </a:t>
+            </a:r>
+            <a:r>
+              <a:rPr lang="de-DE" sz="1400" dirty="0" err="1">
+                <a:latin typeface="Consolas" panose="020B0609020204030204" pitchFamily="49" charset="0"/>
+              </a:rPr>
+              <a:t>build</a:t>
+            </a:r>
+            <a:endParaRPr lang="de-DE" sz="1400" dirty="0">
+              <a:latin typeface="Consolas" panose="020B0609020204030204" pitchFamily="49" charset="0"/>
+            </a:endParaRPr>
+          </a:p>
+          <a:p>
+            <a:pPr marL="0" indent="0">
+              <a:buNone/>
+            </a:pPr>
+            <a:r>
+              <a:rPr lang="de-DE" sz="1400" dirty="0">
+                <a:latin typeface="Consolas" panose="020B0609020204030204" pitchFamily="49" charset="0"/>
+              </a:rPr>
+              <a:t>  </a:t>
+            </a:r>
+            <a:r>
+              <a:rPr lang="de-DE" sz="1400" dirty="0" err="1">
+                <a:latin typeface="Consolas" panose="020B0609020204030204" pitchFamily="49" charset="0"/>
+              </a:rPr>
+              <a:t>services</a:t>
+            </a:r>
+            <a:r>
+              <a:rPr lang="de-DE" sz="1400" dirty="0">
+                <a:latin typeface="Consolas" panose="020B0609020204030204" pitchFamily="49" charset="0"/>
+              </a:rPr>
+              <a:t>:</a:t>
+            </a:r>
+          </a:p>
+          <a:p>
+            <a:pPr marL="0" indent="0">
+              <a:buNone/>
+            </a:pPr>
+            <a:r>
+              <a:rPr lang="de-DE" sz="1400" dirty="0">
+                <a:latin typeface="Consolas" panose="020B0609020204030204" pitchFamily="49" charset="0"/>
+              </a:rPr>
+              <a:t>    - docker:20.10.16-dind</a:t>
+            </a:r>
+          </a:p>
+          <a:p>
+            <a:pPr marL="0" indent="0">
+              <a:buNone/>
+            </a:pPr>
+            <a:r>
+              <a:rPr lang="de-DE" sz="1400" dirty="0">
+                <a:latin typeface="Consolas" panose="020B0609020204030204" pitchFamily="49" charset="0"/>
+              </a:rPr>
+              <a:t>      alias: </a:t>
+            </a:r>
+            <a:r>
+              <a:rPr lang="de-DE" sz="1400" dirty="0" err="1">
+                <a:latin typeface="Consolas" panose="020B0609020204030204" pitchFamily="49" charset="0"/>
+              </a:rPr>
+              <a:t>docker</a:t>
+            </a:r>
+            <a:endParaRPr lang="de-DE" sz="1400" dirty="0">
+              <a:latin typeface="Consolas" panose="020B0609020204030204" pitchFamily="49" charset="0"/>
+            </a:endParaRPr>
+          </a:p>
+          <a:p>
+            <a:pPr marL="0" indent="0">
+              <a:buNone/>
+            </a:pPr>
+            <a:r>
+              <a:rPr lang="de-DE" sz="1400" dirty="0">
+                <a:latin typeface="Consolas" panose="020B0609020204030204" pitchFamily="49" charset="0"/>
+              </a:rPr>
+              <a:t>  </a:t>
+            </a:r>
+            <a:r>
+              <a:rPr lang="de-DE" sz="1400" dirty="0" err="1">
+                <a:latin typeface="Consolas" panose="020B0609020204030204" pitchFamily="49" charset="0"/>
+              </a:rPr>
+              <a:t>script</a:t>
+            </a:r>
+            <a:r>
+              <a:rPr lang="de-DE" sz="1400" dirty="0">
+                <a:latin typeface="Consolas" panose="020B0609020204030204" pitchFamily="49" charset="0"/>
+              </a:rPr>
+              <a:t>:</a:t>
+            </a:r>
+          </a:p>
+          <a:p>
+            <a:pPr marL="0" indent="0">
+              <a:buNone/>
+            </a:pPr>
+            <a:r>
+              <a:rPr lang="de-DE" sz="1400" dirty="0">
+                <a:latin typeface="Consolas" panose="020B0609020204030204" pitchFamily="49" charset="0"/>
+              </a:rPr>
+              <a:t>    - </a:t>
+            </a:r>
+            <a:r>
+              <a:rPr lang="de-DE" sz="1400" dirty="0" err="1">
+                <a:latin typeface="Consolas" panose="020B0609020204030204" pitchFamily="49" charset="0"/>
+              </a:rPr>
+              <a:t>docker</a:t>
+            </a:r>
+            <a:r>
+              <a:rPr lang="de-DE" sz="1400" dirty="0">
+                <a:latin typeface="Consolas" panose="020B0609020204030204" pitchFamily="49" charset="0"/>
+              </a:rPr>
+              <a:t> </a:t>
+            </a:r>
+            <a:r>
+              <a:rPr lang="de-DE" sz="1400" dirty="0" err="1">
+                <a:latin typeface="Consolas" panose="020B0609020204030204" pitchFamily="49" charset="0"/>
+              </a:rPr>
+              <a:t>login</a:t>
+            </a:r>
+            <a:r>
+              <a:rPr lang="de-DE" sz="1400" dirty="0">
+                <a:latin typeface="Consolas" panose="020B0609020204030204" pitchFamily="49" charset="0"/>
+              </a:rPr>
+              <a:t> -u $CI_REGISTRY_USER -p $CI_REGISTRY_PASSWORD $CI_REGISTRY</a:t>
+            </a:r>
+          </a:p>
+          <a:p>
+            <a:pPr marL="0" indent="0">
+              <a:buNone/>
+            </a:pPr>
+            <a:r>
+              <a:rPr lang="de-DE" sz="1400" dirty="0">
+                <a:latin typeface="Consolas" panose="020B0609020204030204" pitchFamily="49" charset="0"/>
+              </a:rPr>
+              <a:t>    - </a:t>
+            </a:r>
+            <a:r>
+              <a:rPr lang="de-DE" sz="1400" dirty="0" err="1">
+                <a:latin typeface="Consolas" panose="020B0609020204030204" pitchFamily="49" charset="0"/>
+              </a:rPr>
+              <a:t>docker</a:t>
+            </a:r>
+            <a:r>
+              <a:rPr lang="de-DE" sz="1400" dirty="0">
+                <a:latin typeface="Consolas" panose="020B0609020204030204" pitchFamily="49" charset="0"/>
+              </a:rPr>
+              <a:t> </a:t>
+            </a:r>
+            <a:r>
+              <a:rPr lang="de-DE" sz="1400" dirty="0" err="1">
+                <a:latin typeface="Consolas" panose="020B0609020204030204" pitchFamily="49" charset="0"/>
+              </a:rPr>
+              <a:t>build</a:t>
+            </a:r>
+            <a:r>
+              <a:rPr lang="de-DE" sz="1400" dirty="0">
+                <a:latin typeface="Consolas" panose="020B0609020204030204" pitchFamily="49" charset="0"/>
+              </a:rPr>
+              <a:t> -t $CI_REGISTRY/</a:t>
+            </a:r>
+            <a:r>
+              <a:rPr lang="de-DE" sz="1400" dirty="0" err="1">
+                <a:latin typeface="Consolas" panose="020B0609020204030204" pitchFamily="49" charset="0"/>
+              </a:rPr>
+              <a:t>group</a:t>
+            </a:r>
+            <a:r>
+              <a:rPr lang="de-DE" sz="1400" dirty="0">
+                <a:latin typeface="Consolas" panose="020B0609020204030204" pitchFamily="49" charset="0"/>
+              </a:rPr>
+              <a:t>/</a:t>
+            </a:r>
+            <a:r>
+              <a:rPr lang="de-DE" sz="1400" dirty="0" err="1">
+                <a:latin typeface="Consolas" panose="020B0609020204030204" pitchFamily="49" charset="0"/>
+              </a:rPr>
+              <a:t>project</a:t>
+            </a:r>
+            <a:r>
+              <a:rPr lang="de-DE" sz="1400" dirty="0">
+                <a:latin typeface="Consolas" panose="020B0609020204030204" pitchFamily="49" charset="0"/>
+              </a:rPr>
+              <a:t>/</a:t>
+            </a:r>
+            <a:r>
+              <a:rPr lang="de-DE" sz="1400" dirty="0" err="1">
+                <a:latin typeface="Consolas" panose="020B0609020204030204" pitchFamily="49" charset="0"/>
+              </a:rPr>
+              <a:t>image:latest</a:t>
+            </a:r>
+            <a:r>
+              <a:rPr lang="de-DE" sz="1400" dirty="0">
+                <a:latin typeface="Consolas" panose="020B0609020204030204" pitchFamily="49" charset="0"/>
+              </a:rPr>
+              <a:t> .</a:t>
+            </a:r>
+          </a:p>
+          <a:p>
+            <a:pPr marL="0" indent="0">
+              <a:buNone/>
+            </a:pPr>
+            <a:r>
+              <a:rPr lang="de-DE" sz="1400" dirty="0">
+                <a:latin typeface="Consolas" panose="020B0609020204030204" pitchFamily="49" charset="0"/>
+              </a:rPr>
+              <a:t>    - </a:t>
+            </a:r>
+            <a:r>
+              <a:rPr lang="de-DE" sz="1400" dirty="0" err="1">
+                <a:latin typeface="Consolas" panose="020B0609020204030204" pitchFamily="49" charset="0"/>
+              </a:rPr>
+              <a:t>docker</a:t>
+            </a:r>
+            <a:r>
+              <a:rPr lang="de-DE" sz="1400" dirty="0">
+                <a:latin typeface="Consolas" panose="020B0609020204030204" pitchFamily="49" charset="0"/>
+              </a:rPr>
+              <a:t> push $CI_REGISTRY/</a:t>
+            </a:r>
+            <a:r>
+              <a:rPr lang="de-DE" sz="1400" dirty="0" err="1">
+                <a:latin typeface="Consolas" panose="020B0609020204030204" pitchFamily="49" charset="0"/>
+              </a:rPr>
+              <a:t>group</a:t>
+            </a:r>
+            <a:r>
+              <a:rPr lang="de-DE" sz="1400" dirty="0">
+                <a:latin typeface="Consolas" panose="020B0609020204030204" pitchFamily="49" charset="0"/>
+              </a:rPr>
+              <a:t>/</a:t>
+            </a:r>
+            <a:r>
+              <a:rPr lang="de-DE" sz="1400" dirty="0" err="1">
+                <a:latin typeface="Consolas" panose="020B0609020204030204" pitchFamily="49" charset="0"/>
+              </a:rPr>
+              <a:t>project</a:t>
+            </a:r>
+            <a:r>
+              <a:rPr lang="de-DE" sz="1400" dirty="0">
+                <a:latin typeface="Consolas" panose="020B0609020204030204" pitchFamily="49" charset="0"/>
+              </a:rPr>
+              <a:t>/</a:t>
+            </a:r>
+            <a:r>
+              <a:rPr lang="de-DE" sz="1400" dirty="0" err="1">
+                <a:latin typeface="Consolas" panose="020B0609020204030204" pitchFamily="49" charset="0"/>
+              </a:rPr>
+              <a:t>image:latest</a:t>
+            </a:r>
+            <a:endParaRPr lang="de-DE" sz="1400" dirty="0">
+              <a:latin typeface="Consolas" panose="020B0609020204030204" pitchFamily="49" charset="0"/>
+            </a:endParaRPr>
           </a:p>
         </p:txBody>
       </p:sp>
     </p:spTree>
     <p:extLst>
       <p:ext uri="{BB962C8B-B14F-4D97-AF65-F5344CB8AC3E}">
-        <p14:creationId xmlns:p14="http://schemas.microsoft.com/office/powerpoint/2010/main" val="1965332827"/>
+        <p14:creationId xmlns:p14="http://schemas.microsoft.com/office/powerpoint/2010/main" val="3629727755"/>
       </p:ext>
     </p:extLst>
   </p:cSld>
@@ -14871,7 +15215,7 @@
 </file>
 
 <file path=ppt/slides/slide35.xml><?xml version="1.0" encoding="utf-8"?>
-<p:sld xmlns:a="http://schemas.openxmlformats.org/drawingml/2006/main" xmlns:r="http://schemas.openxmlformats.org/officeDocument/2006/relationships" xmlns:p="http://schemas.openxmlformats.org/presentationml/2006/main" show="0">
+<p:sld xmlns:a="http://schemas.openxmlformats.org/drawingml/2006/main" xmlns:r="http://schemas.openxmlformats.org/officeDocument/2006/relationships" xmlns:p="http://schemas.openxmlformats.org/presentationml/2006/main">
   <p:cSld>
     <p:spTree>
       <p:nvGrpSpPr>
@@ -14950,439 +15294,7 @@
             </a:pPr>
             <a:r>
               <a:rPr lang="de-DE" b="1" dirty="0"/>
-              <a:t>Simples Docker-in-Docker</a:t>
-            </a:r>
-          </a:p>
-          <a:p>
-            <a:pPr marL="0" indent="0">
-              <a:buNone/>
-            </a:pPr>
-            <a:r>
-              <a:rPr lang="de-DE" sz="2000" dirty="0">
-                <a:latin typeface="Consolas" panose="020B0609020204030204" pitchFamily="49" charset="0"/>
-              </a:rPr>
-              <a:t>.</a:t>
-            </a:r>
-            <a:r>
-              <a:rPr lang="de-DE" sz="2000" dirty="0" err="1">
-                <a:latin typeface="Consolas" panose="020B0609020204030204" pitchFamily="49" charset="0"/>
-              </a:rPr>
-              <a:t>gitlab-ci.yml</a:t>
-            </a:r>
-            <a:r>
-              <a:rPr lang="de-DE" sz="2000" dirty="0">
-                <a:latin typeface="Consolas" panose="020B0609020204030204" pitchFamily="49" charset="0"/>
-              </a:rPr>
-              <a:t>:</a:t>
-            </a:r>
-          </a:p>
-          <a:p>
-            <a:pPr marL="0" indent="0">
-              <a:buNone/>
-            </a:pPr>
-            <a:r>
-              <a:rPr lang="de-DE" sz="1400" dirty="0" err="1">
-                <a:latin typeface="Consolas" panose="020B0609020204030204" pitchFamily="49" charset="0"/>
-              </a:rPr>
-              <a:t>build</a:t>
-            </a:r>
-            <a:r>
-              <a:rPr lang="de-DE" sz="1400" dirty="0">
-                <a:latin typeface="Consolas" panose="020B0609020204030204" pitchFamily="49" charset="0"/>
-              </a:rPr>
-              <a:t>:</a:t>
-            </a:r>
-          </a:p>
-          <a:p>
-            <a:pPr marL="0" indent="0">
-              <a:buNone/>
-            </a:pPr>
-            <a:r>
-              <a:rPr lang="de-DE" sz="1400" dirty="0">
-                <a:latin typeface="Consolas" panose="020B0609020204030204" pitchFamily="49" charset="0"/>
-              </a:rPr>
-              <a:t>  </a:t>
-            </a:r>
-            <a:r>
-              <a:rPr lang="de-DE" sz="1400" dirty="0" err="1">
-                <a:latin typeface="Consolas" panose="020B0609020204030204" pitchFamily="49" charset="0"/>
-              </a:rPr>
-              <a:t>image</a:t>
-            </a:r>
-            <a:r>
-              <a:rPr lang="de-DE" sz="1400" dirty="0">
-                <a:latin typeface="Consolas" panose="020B0609020204030204" pitchFamily="49" charset="0"/>
-              </a:rPr>
-              <a:t>: docker:20.10.16</a:t>
-            </a:r>
-          </a:p>
-          <a:p>
-            <a:pPr marL="0" indent="0">
-              <a:buNone/>
-            </a:pPr>
-            <a:r>
-              <a:rPr lang="de-DE" sz="1400" dirty="0">
-                <a:latin typeface="Consolas" panose="020B0609020204030204" pitchFamily="49" charset="0"/>
-              </a:rPr>
-              <a:t>  </a:t>
-            </a:r>
-            <a:r>
-              <a:rPr lang="de-DE" sz="1400" dirty="0" err="1">
-                <a:latin typeface="Consolas" panose="020B0609020204030204" pitchFamily="49" charset="0"/>
-              </a:rPr>
-              <a:t>stage</a:t>
-            </a:r>
-            <a:r>
-              <a:rPr lang="de-DE" sz="1400" dirty="0">
-                <a:latin typeface="Consolas" panose="020B0609020204030204" pitchFamily="49" charset="0"/>
-              </a:rPr>
-              <a:t>: </a:t>
-            </a:r>
-            <a:r>
-              <a:rPr lang="de-DE" sz="1400" dirty="0" err="1">
-                <a:latin typeface="Consolas" panose="020B0609020204030204" pitchFamily="49" charset="0"/>
-              </a:rPr>
-              <a:t>build</a:t>
-            </a:r>
-            <a:endParaRPr lang="de-DE" sz="1400" dirty="0">
-              <a:latin typeface="Consolas" panose="020B0609020204030204" pitchFamily="49" charset="0"/>
-            </a:endParaRPr>
-          </a:p>
-          <a:p>
-            <a:pPr marL="0" indent="0">
-              <a:buNone/>
-            </a:pPr>
-            <a:r>
-              <a:rPr lang="de-DE" sz="1400" dirty="0">
-                <a:latin typeface="Consolas" panose="020B0609020204030204" pitchFamily="49" charset="0"/>
-              </a:rPr>
-              <a:t>  </a:t>
-            </a:r>
-            <a:r>
-              <a:rPr lang="de-DE" sz="1400" dirty="0" err="1">
-                <a:latin typeface="Consolas" panose="020B0609020204030204" pitchFamily="49" charset="0"/>
-              </a:rPr>
-              <a:t>services</a:t>
-            </a:r>
-            <a:r>
-              <a:rPr lang="de-DE" sz="1400" dirty="0">
-                <a:latin typeface="Consolas" panose="020B0609020204030204" pitchFamily="49" charset="0"/>
-              </a:rPr>
-              <a:t>:</a:t>
-            </a:r>
-          </a:p>
-          <a:p>
-            <a:pPr marL="0" indent="0">
-              <a:buNone/>
-            </a:pPr>
-            <a:r>
-              <a:rPr lang="de-DE" sz="1400" dirty="0">
-                <a:latin typeface="Consolas" panose="020B0609020204030204" pitchFamily="49" charset="0"/>
-              </a:rPr>
-              <a:t>    - docker:20.10.16-dind</a:t>
-            </a:r>
-          </a:p>
-          <a:p>
-            <a:pPr marL="0" indent="0">
-              <a:buNone/>
-            </a:pPr>
-            <a:r>
-              <a:rPr lang="de-DE" sz="1400" dirty="0">
-                <a:latin typeface="Consolas" panose="020B0609020204030204" pitchFamily="49" charset="0"/>
-              </a:rPr>
-              <a:t>      alias: </a:t>
-            </a:r>
-            <a:r>
-              <a:rPr lang="de-DE" sz="1400" dirty="0" err="1">
-                <a:latin typeface="Consolas" panose="020B0609020204030204" pitchFamily="49" charset="0"/>
-              </a:rPr>
-              <a:t>docker</a:t>
-            </a:r>
-            <a:endParaRPr lang="de-DE" sz="1400" dirty="0">
-              <a:latin typeface="Consolas" panose="020B0609020204030204" pitchFamily="49" charset="0"/>
-            </a:endParaRPr>
-          </a:p>
-          <a:p>
-            <a:pPr marL="0" indent="0">
-              <a:buNone/>
-            </a:pPr>
-            <a:r>
-              <a:rPr lang="de-DE" sz="1400" dirty="0">
-                <a:latin typeface="Consolas" panose="020B0609020204030204" pitchFamily="49" charset="0"/>
-              </a:rPr>
-              <a:t>  </a:t>
-            </a:r>
-            <a:r>
-              <a:rPr lang="de-DE" sz="1400" dirty="0" err="1">
-                <a:latin typeface="Consolas" panose="020B0609020204030204" pitchFamily="49" charset="0"/>
-              </a:rPr>
-              <a:t>script</a:t>
-            </a:r>
-            <a:r>
-              <a:rPr lang="de-DE" sz="1400" dirty="0">
-                <a:latin typeface="Consolas" panose="020B0609020204030204" pitchFamily="49" charset="0"/>
-              </a:rPr>
-              <a:t>:</a:t>
-            </a:r>
-          </a:p>
-          <a:p>
-            <a:pPr marL="0" indent="0">
-              <a:buNone/>
-            </a:pPr>
-            <a:r>
-              <a:rPr lang="de-DE" sz="1400" dirty="0">
-                <a:latin typeface="Consolas" panose="020B0609020204030204" pitchFamily="49" charset="0"/>
-              </a:rPr>
-              <a:t>    - </a:t>
-            </a:r>
-            <a:r>
-              <a:rPr lang="de-DE" sz="1400" dirty="0" err="1">
-                <a:latin typeface="Consolas" panose="020B0609020204030204" pitchFamily="49" charset="0"/>
-              </a:rPr>
-              <a:t>docker</a:t>
-            </a:r>
-            <a:r>
-              <a:rPr lang="de-DE" sz="1400" dirty="0">
-                <a:latin typeface="Consolas" panose="020B0609020204030204" pitchFamily="49" charset="0"/>
-              </a:rPr>
-              <a:t> </a:t>
-            </a:r>
-            <a:r>
-              <a:rPr lang="de-DE" sz="1400" dirty="0" err="1">
-                <a:latin typeface="Consolas" panose="020B0609020204030204" pitchFamily="49" charset="0"/>
-              </a:rPr>
-              <a:t>login</a:t>
-            </a:r>
-            <a:r>
-              <a:rPr lang="de-DE" sz="1400" dirty="0">
-                <a:latin typeface="Consolas" panose="020B0609020204030204" pitchFamily="49" charset="0"/>
-              </a:rPr>
-              <a:t> -u $CI_REGISTRY_USER -p $CI_REGISTRY_PASSWORD $CI_REGISTRY</a:t>
-            </a:r>
-          </a:p>
-          <a:p>
-            <a:pPr marL="0" indent="0">
-              <a:buNone/>
-            </a:pPr>
-            <a:r>
-              <a:rPr lang="de-DE" sz="1400" dirty="0">
-                <a:latin typeface="Consolas" panose="020B0609020204030204" pitchFamily="49" charset="0"/>
-              </a:rPr>
-              <a:t>    - </a:t>
-            </a:r>
-            <a:r>
-              <a:rPr lang="de-DE" sz="1400" dirty="0" err="1">
-                <a:latin typeface="Consolas" panose="020B0609020204030204" pitchFamily="49" charset="0"/>
-              </a:rPr>
-              <a:t>docker</a:t>
-            </a:r>
-            <a:r>
-              <a:rPr lang="de-DE" sz="1400" dirty="0">
-                <a:latin typeface="Consolas" panose="020B0609020204030204" pitchFamily="49" charset="0"/>
-              </a:rPr>
-              <a:t> </a:t>
-            </a:r>
-            <a:r>
-              <a:rPr lang="de-DE" sz="1400" dirty="0" err="1">
-                <a:latin typeface="Consolas" panose="020B0609020204030204" pitchFamily="49" charset="0"/>
-              </a:rPr>
-              <a:t>build</a:t>
-            </a:r>
-            <a:r>
-              <a:rPr lang="de-DE" sz="1400" dirty="0">
-                <a:latin typeface="Consolas" panose="020B0609020204030204" pitchFamily="49" charset="0"/>
-              </a:rPr>
-              <a:t> -t $CI_REGISTRY/</a:t>
-            </a:r>
-            <a:r>
-              <a:rPr lang="de-DE" sz="1400" dirty="0" err="1">
-                <a:latin typeface="Consolas" panose="020B0609020204030204" pitchFamily="49" charset="0"/>
-              </a:rPr>
-              <a:t>group</a:t>
-            </a:r>
-            <a:r>
-              <a:rPr lang="de-DE" sz="1400" dirty="0">
-                <a:latin typeface="Consolas" panose="020B0609020204030204" pitchFamily="49" charset="0"/>
-              </a:rPr>
-              <a:t>/</a:t>
-            </a:r>
-            <a:r>
-              <a:rPr lang="de-DE" sz="1400" dirty="0" err="1">
-                <a:latin typeface="Consolas" panose="020B0609020204030204" pitchFamily="49" charset="0"/>
-              </a:rPr>
-              <a:t>project</a:t>
-            </a:r>
-            <a:r>
-              <a:rPr lang="de-DE" sz="1400" dirty="0">
-                <a:latin typeface="Consolas" panose="020B0609020204030204" pitchFamily="49" charset="0"/>
-              </a:rPr>
-              <a:t>/</a:t>
-            </a:r>
-            <a:r>
-              <a:rPr lang="de-DE" sz="1400" dirty="0" err="1">
-                <a:latin typeface="Consolas" panose="020B0609020204030204" pitchFamily="49" charset="0"/>
-              </a:rPr>
-              <a:t>image:latest</a:t>
-            </a:r>
-            <a:r>
-              <a:rPr lang="de-DE" sz="1400" dirty="0">
-                <a:latin typeface="Consolas" panose="020B0609020204030204" pitchFamily="49" charset="0"/>
-              </a:rPr>
-              <a:t> .</a:t>
-            </a:r>
-          </a:p>
-          <a:p>
-            <a:pPr marL="0" indent="0">
-              <a:buNone/>
-            </a:pPr>
-            <a:r>
-              <a:rPr lang="de-DE" sz="1400" dirty="0">
-                <a:latin typeface="Consolas" panose="020B0609020204030204" pitchFamily="49" charset="0"/>
-              </a:rPr>
-              <a:t>    - </a:t>
-            </a:r>
-            <a:r>
-              <a:rPr lang="de-DE" sz="1400" dirty="0" err="1">
-                <a:latin typeface="Consolas" panose="020B0609020204030204" pitchFamily="49" charset="0"/>
-              </a:rPr>
-              <a:t>docker</a:t>
-            </a:r>
-            <a:r>
-              <a:rPr lang="de-DE" sz="1400" dirty="0">
-                <a:latin typeface="Consolas" panose="020B0609020204030204" pitchFamily="49" charset="0"/>
-              </a:rPr>
-              <a:t> push $CI_REGISTRY/</a:t>
-            </a:r>
-            <a:r>
-              <a:rPr lang="de-DE" sz="1400" dirty="0" err="1">
-                <a:latin typeface="Consolas" panose="020B0609020204030204" pitchFamily="49" charset="0"/>
-              </a:rPr>
-              <a:t>group</a:t>
-            </a:r>
-            <a:r>
-              <a:rPr lang="de-DE" sz="1400" dirty="0">
-                <a:latin typeface="Consolas" panose="020B0609020204030204" pitchFamily="49" charset="0"/>
-              </a:rPr>
-              <a:t>/</a:t>
-            </a:r>
-            <a:r>
-              <a:rPr lang="de-DE" sz="1400" dirty="0" err="1">
-                <a:latin typeface="Consolas" panose="020B0609020204030204" pitchFamily="49" charset="0"/>
-              </a:rPr>
-              <a:t>project</a:t>
-            </a:r>
-            <a:r>
-              <a:rPr lang="de-DE" sz="1400" dirty="0">
-                <a:latin typeface="Consolas" panose="020B0609020204030204" pitchFamily="49" charset="0"/>
-              </a:rPr>
-              <a:t>/</a:t>
-            </a:r>
-            <a:r>
-              <a:rPr lang="de-DE" sz="1400" dirty="0" err="1">
-                <a:latin typeface="Consolas" panose="020B0609020204030204" pitchFamily="49" charset="0"/>
-              </a:rPr>
-              <a:t>image:latest</a:t>
-            </a:r>
-            <a:endParaRPr lang="de-DE" sz="1400" dirty="0">
-              <a:latin typeface="Consolas" panose="020B0609020204030204" pitchFamily="49" charset="0"/>
-            </a:endParaRPr>
-          </a:p>
-        </p:txBody>
-      </p:sp>
-    </p:spTree>
-    <p:extLst>
-      <p:ext uri="{BB962C8B-B14F-4D97-AF65-F5344CB8AC3E}">
-        <p14:creationId xmlns:p14="http://schemas.microsoft.com/office/powerpoint/2010/main" val="3629727755"/>
-      </p:ext>
-    </p:extLst>
-  </p:cSld>
-  <p:clrMapOvr>
-    <a:masterClrMapping/>
-  </p:clrMapOvr>
-</p:sld>
-</file>
-
-<file path=ppt/slides/slide36.xml><?xml version="1.0" encoding="utf-8"?>
-<p:sld xmlns:a="http://schemas.openxmlformats.org/drawingml/2006/main" xmlns:r="http://schemas.openxmlformats.org/officeDocument/2006/relationships" xmlns:p="http://schemas.openxmlformats.org/presentationml/2006/main" show="0">
-  <p:cSld>
-    <p:spTree>
-      <p:nvGrpSpPr>
-        <p:cNvPr id="1" name=""/>
-        <p:cNvGrpSpPr/>
-        <p:nvPr/>
-      </p:nvGrpSpPr>
-      <p:grpSpPr>
-        <a:xfrm>
-          <a:off x="0" y="0"/>
-          <a:ext cx="0" cy="0"/>
-          <a:chOff x="0" y="0"/>
-          <a:chExt cx="0" cy="0"/>
-        </a:xfrm>
-      </p:grpSpPr>
-      <p:sp>
-        <p:nvSpPr>
-          <p:cNvPr id="2" name="Titel 1">
-            <a:extLst>
-              <a:ext uri="{FF2B5EF4-FFF2-40B4-BE49-F238E27FC236}">
-                <a16:creationId xmlns:a16="http://schemas.microsoft.com/office/drawing/2014/main" id="{49A48EBC-55D9-6D64-715F-AF6DEBF117C3}"/>
-              </a:ext>
-            </a:extLst>
-          </p:cNvPr>
-          <p:cNvSpPr>
-            <a:spLocks noGrp="1"/>
-          </p:cNvSpPr>
-          <p:nvPr>
-            <p:ph type="title"/>
-          </p:nvPr>
-        </p:nvSpPr>
-        <p:spPr/>
-        <p:txBody>
-          <a:bodyPr/>
-          <a:lstStyle/>
-          <a:p>
-            <a:r>
-              <a:rPr lang="de-DE" cap="none" dirty="0"/>
-              <a:t>Release- und </a:t>
-            </a:r>
-            <a:r>
-              <a:rPr lang="de-DE" cap="none" dirty="0" err="1"/>
-              <a:t>Tagged</a:t>
-            </a:r>
-            <a:r>
-              <a:rPr lang="de-DE" cap="none" dirty="0"/>
-              <a:t>-Images</a:t>
-            </a:r>
-            <a:endParaRPr lang="de-DE" dirty="0"/>
-          </a:p>
-        </p:txBody>
-      </p:sp>
-      <p:sp>
-        <p:nvSpPr>
-          <p:cNvPr id="3" name="Inhaltsplatzhalter 2">
-            <a:extLst>
-              <a:ext uri="{FF2B5EF4-FFF2-40B4-BE49-F238E27FC236}">
-                <a16:creationId xmlns:a16="http://schemas.microsoft.com/office/drawing/2014/main" id="{7B404127-ED2B-6905-BDD1-3C60D11A2A7C}"/>
-              </a:ext>
-            </a:extLst>
-          </p:cNvPr>
-          <p:cNvSpPr>
-            <a:spLocks noGrp="1"/>
-          </p:cNvSpPr>
-          <p:nvPr>
-            <p:ph idx="1"/>
-          </p:nvPr>
-        </p:nvSpPr>
-        <p:spPr/>
-        <p:txBody>
-          <a:bodyPr/>
-          <a:lstStyle/>
-          <a:p>
-            <a:pPr marL="0" indent="0">
-              <a:buNone/>
-            </a:pPr>
-            <a:r>
-              <a:rPr lang="de-DE" b="1" dirty="0"/>
-              <a:t>Docker-in-Docker mit Variablen</a:t>
+              <a:t>Lösung 2: Docker-in-Docker mit Variablen</a:t>
             </a:r>
           </a:p>
           <a:p>
@@ -15913,7 +15825,7 @@
             </a:pPr>
             <a:r>
               <a:rPr lang="de-DE" b="1" dirty="0"/>
-              <a:t>Agenda</a:t>
+              <a:t>Inhalt</a:t>
             </a:r>
           </a:p>
           <a:p>

--- a/slides/Tag-3_4-Release-und-Tagged-Images.pptx
+++ b/slides/Tag-3_4-Release-und-Tagged-Images.pptx
@@ -12,9 +12,9 @@
     <p:handoutMasterId r:id="rId39"/>
   </p:handoutMasterIdLst>
   <p:sldIdLst>
-    <p:sldId id="288" r:id="rId3"/>
-    <p:sldId id="289" r:id="rId4"/>
-    <p:sldId id="291" r:id="rId5"/>
+    <p:sldId id="624" r:id="rId3"/>
+    <p:sldId id="634" r:id="rId4"/>
+    <p:sldId id="635" r:id="rId5"/>
     <p:sldId id="587" r:id="rId6"/>
     <p:sldId id="589" r:id="rId7"/>
     <p:sldId id="590" r:id="rId8"/>
@@ -998,10 +998,7 @@
           <a:bodyPr/>
           <a:lstStyle/>
           <a:p>
-            <a:r>
-              <a:rPr lang="de-DE" dirty="0"/>
-              <a:t>https://kodekloud.com/blog/docker-image-tag/</a:t>
-            </a:r>
+            <a:endParaRPr lang="de-DE" dirty="0"/>
           </a:p>
         </p:txBody>
       </p:sp>
@@ -1023,7 +1020,7 @@
             <a:fld id="{18182567-388C-4D33-8B7B-A651F195F118}" type="slidenum">
               <a:rPr lang="de-DE" altLang="de-DE" smtClean="0"/>
               <a:pPr/>
-              <a:t>7</a:t>
+              <a:t>1</a:t>
             </a:fld>
             <a:endParaRPr lang="de-DE" altLang="de-DE"/>
           </a:p>
@@ -1032,7 +1029,7 @@
     </p:spTree>
     <p:extLst>
       <p:ext uri="{BB962C8B-B14F-4D97-AF65-F5344CB8AC3E}">
-        <p14:creationId xmlns:p14="http://schemas.microsoft.com/office/powerpoint/2010/main" val="3711379124"/>
+        <p14:creationId xmlns:p14="http://schemas.microsoft.com/office/powerpoint/2010/main" val="983849172"/>
       </p:ext>
     </p:extLst>
   </p:cSld>
@@ -1111,7 +1108,7 @@
             <a:fld id="{18182567-388C-4D33-8B7B-A651F195F118}" type="slidenum">
               <a:rPr lang="de-DE" altLang="de-DE" smtClean="0"/>
               <a:pPr/>
-              <a:t>22</a:t>
+              <a:t>21</a:t>
             </a:fld>
             <a:endParaRPr lang="de-DE" altLang="de-DE"/>
           </a:p>
@@ -1120,7 +1117,7 @@
     </p:spTree>
     <p:extLst>
       <p:ext uri="{BB962C8B-B14F-4D97-AF65-F5344CB8AC3E}">
-        <p14:creationId xmlns:p14="http://schemas.microsoft.com/office/powerpoint/2010/main" val="3496549736"/>
+        <p14:creationId xmlns:p14="http://schemas.microsoft.com/office/powerpoint/2010/main" val="1015434146"/>
       </p:ext>
     </p:extLst>
   </p:cSld>
@@ -1174,7 +1171,10 @@
           <a:bodyPr/>
           <a:lstStyle/>
           <a:p>
-            <a:endParaRPr lang="de-DE" dirty="0"/>
+            <a:r>
+              <a:rPr lang="de-DE" dirty="0"/>
+              <a:t>https://docs.gitlab.com/ee/user/packages/container_registry/authenticate_with_container_registry.html</a:t>
+            </a:r>
           </a:p>
         </p:txBody>
       </p:sp>
@@ -1196,7 +1196,7 @@
             <a:fld id="{18182567-388C-4D33-8B7B-A651F195F118}" type="slidenum">
               <a:rPr lang="de-DE" altLang="de-DE" smtClean="0"/>
               <a:pPr/>
-              <a:t>23</a:t>
+              <a:t>22</a:t>
             </a:fld>
             <a:endParaRPr lang="de-DE" altLang="de-DE"/>
           </a:p>
@@ -1205,7 +1205,7 @@
     </p:spTree>
     <p:extLst>
       <p:ext uri="{BB962C8B-B14F-4D97-AF65-F5344CB8AC3E}">
-        <p14:creationId xmlns:p14="http://schemas.microsoft.com/office/powerpoint/2010/main" val="1133817201"/>
+        <p14:creationId xmlns:p14="http://schemas.microsoft.com/office/powerpoint/2010/main" val="3496549736"/>
       </p:ext>
     </p:extLst>
   </p:cSld>
@@ -1259,43 +1259,6 @@
           <a:bodyPr/>
           <a:lstStyle/>
           <a:p>
-            <a:pPr algn="l"/>
-            <a:r>
-              <a:rPr lang="en-US" b="0" i="0" dirty="0">
-                <a:solidFill>
-                  <a:srgbClr val="404040"/>
-                </a:solidFill>
-                <a:effectLst/>
-                <a:latin typeface="gitlab sans"/>
-              </a:rPr>
-              <a:t>You can use </a:t>
-            </a:r>
-            <a:r>
-              <a:rPr lang="en-US" b="0" i="0" u="none" strike="noStrike" dirty="0">
-                <a:solidFill>
-                  <a:srgbClr val="5943B6"/>
-                </a:solidFill>
-                <a:effectLst/>
-                <a:latin typeface="gitlab sans"/>
-                <a:hlinkClick r:id="rId3"/>
-              </a:rPr>
-              <a:t>GitLab CI/CD</a:t>
-            </a:r>
-            <a:r>
-              <a:rPr lang="en-US" b="0" i="0" dirty="0">
-                <a:solidFill>
-                  <a:srgbClr val="404040"/>
-                </a:solidFill>
-                <a:effectLst/>
-                <a:latin typeface="gitlab sans"/>
-              </a:rPr>
-              <a:t> to build and push container images to the Container Registry. You can use CI/CD to test, build, and deploy your project from the container image you created.</a:t>
-            </a:r>
-          </a:p>
-          <a:p>
-            <a:br>
-              <a:rPr lang="en-US" dirty="0"/>
-            </a:br>
             <a:endParaRPr lang="de-DE" dirty="0"/>
           </a:p>
         </p:txBody>
@@ -1318,7 +1281,7 @@
             <a:fld id="{18182567-388C-4D33-8B7B-A651F195F118}" type="slidenum">
               <a:rPr lang="de-DE" altLang="de-DE" smtClean="0"/>
               <a:pPr/>
-              <a:t>24</a:t>
+              <a:t>23</a:t>
             </a:fld>
             <a:endParaRPr lang="de-DE" altLang="de-DE"/>
           </a:p>
@@ -1327,7 +1290,7 @@
     </p:spTree>
     <p:extLst>
       <p:ext uri="{BB962C8B-B14F-4D97-AF65-F5344CB8AC3E}">
-        <p14:creationId xmlns:p14="http://schemas.microsoft.com/office/powerpoint/2010/main" val="3378526490"/>
+        <p14:creationId xmlns:p14="http://schemas.microsoft.com/office/powerpoint/2010/main" val="1133817201"/>
       </p:ext>
     </p:extLst>
   </p:cSld>
@@ -1381,29 +1344,44 @@
           <a:bodyPr/>
           <a:lstStyle/>
           <a:p>
-            <a:r>
-              <a:rPr lang="de-DE" dirty="0"/>
-              <a:t>https://docs.gitlab.com/ee/ci/docker/using_docker_build.html#use-docker-in-docker</a:t>
-            </a:r>
-          </a:p>
-          <a:p>
+            <a:pPr algn="l"/>
+            <a:r>
+              <a:rPr lang="en-US" b="0" i="0" dirty="0">
+                <a:solidFill>
+                  <a:srgbClr val="404040"/>
+                </a:solidFill>
+                <a:effectLst/>
+                <a:latin typeface="gitlab sans"/>
+              </a:rPr>
+              <a:t>You can use </a:t>
+            </a:r>
+            <a:r>
+              <a:rPr lang="en-US" b="0" i="0" u="none" strike="noStrike" dirty="0">
+                <a:solidFill>
+                  <a:srgbClr val="5943B6"/>
+                </a:solidFill>
+                <a:effectLst/>
+                <a:latin typeface="gitlab sans"/>
+                <a:hlinkClick r:id="rId3"/>
+              </a:rPr>
+              <a:t>GitLab CI/CD</a:t>
+            </a:r>
+            <a:r>
+              <a:rPr lang="en-US" b="0" i="0" dirty="0">
+                <a:solidFill>
+                  <a:srgbClr val="404040"/>
+                </a:solidFill>
+                <a:effectLst/>
+                <a:latin typeface="gitlab sans"/>
+              </a:rPr>
+              <a:t> to build and push container images to the Container Registry. You can use CI/CD to test, build, and deploy your project from the container image you created.</a:t>
+            </a:r>
+          </a:p>
+          <a:p>
+            <a:br>
+              <a:rPr lang="en-US" dirty="0"/>
+            </a:br>
             <a:endParaRPr lang="de-DE" dirty="0"/>
-          </a:p>
-          <a:p>
-            <a:r>
-              <a:rPr lang="de-DE" dirty="0" err="1"/>
-              <a:t>Dind</a:t>
-            </a:r>
-            <a:r>
-              <a:rPr lang="de-DE" dirty="0"/>
-              <a:t> mit TLS:</a:t>
-            </a:r>
-          </a:p>
-          <a:p>
-            <a:r>
-              <a:rPr lang="de-DE" dirty="0"/>
-              <a:t>https://docs.gitlab.com/ee/ci/docker/using_docker_build.html#docker-in-docker-with-tls-enabled-in-the-docker-executor</a:t>
-            </a:r>
           </a:p>
         </p:txBody>
       </p:sp>
@@ -1425,7 +1403,7 @@
             <a:fld id="{18182567-388C-4D33-8B7B-A651F195F118}" type="slidenum">
               <a:rPr lang="de-DE" altLang="de-DE" smtClean="0"/>
               <a:pPr/>
-              <a:t>25</a:t>
+              <a:t>24</a:t>
             </a:fld>
             <a:endParaRPr lang="de-DE" altLang="de-DE"/>
           </a:p>
@@ -1434,7 +1412,7 @@
     </p:spTree>
     <p:extLst>
       <p:ext uri="{BB962C8B-B14F-4D97-AF65-F5344CB8AC3E}">
-        <p14:creationId xmlns:p14="http://schemas.microsoft.com/office/powerpoint/2010/main" val="3929006885"/>
+        <p14:creationId xmlns:p14="http://schemas.microsoft.com/office/powerpoint/2010/main" val="3378526490"/>
       </p:ext>
     </p:extLst>
   </p:cSld>
@@ -1490,7 +1468,26 @@
           <a:p>
             <a:r>
               <a:rPr lang="de-DE" dirty="0"/>
-              <a:t>https://docs.gitlab.com/ee/user/packages/container_registry/build_and_push_images.html#configure-your-gitlab-ciyml-file</a:t>
+              <a:t>https://docs.gitlab.com/ee/ci/docker/using_docker_build.html#use-docker-in-docker</a:t>
+            </a:r>
+          </a:p>
+          <a:p>
+            <a:endParaRPr lang="de-DE" dirty="0"/>
+          </a:p>
+          <a:p>
+            <a:r>
+              <a:rPr lang="de-DE" dirty="0" err="1"/>
+              <a:t>Dind</a:t>
+            </a:r>
+            <a:r>
+              <a:rPr lang="de-DE" dirty="0"/>
+              <a:t> mit TLS:</a:t>
+            </a:r>
+          </a:p>
+          <a:p>
+            <a:r>
+              <a:rPr lang="de-DE" dirty="0"/>
+              <a:t>https://docs.gitlab.com/ee/ci/docker/using_docker_build.html#docker-in-docker-with-tls-enabled-in-the-docker-executor</a:t>
             </a:r>
           </a:p>
         </p:txBody>
@@ -1513,7 +1510,7 @@
             <a:fld id="{18182567-388C-4D33-8B7B-A651F195F118}" type="slidenum">
               <a:rPr lang="de-DE" altLang="de-DE" smtClean="0"/>
               <a:pPr/>
-              <a:t>26</a:t>
+              <a:t>25</a:t>
             </a:fld>
             <a:endParaRPr lang="de-DE" altLang="de-DE"/>
           </a:p>
@@ -1522,7 +1519,7 @@
     </p:spTree>
     <p:extLst>
       <p:ext uri="{BB962C8B-B14F-4D97-AF65-F5344CB8AC3E}">
-        <p14:creationId xmlns:p14="http://schemas.microsoft.com/office/powerpoint/2010/main" val="3635466979"/>
+        <p14:creationId xmlns:p14="http://schemas.microsoft.com/office/powerpoint/2010/main" val="3929006885"/>
       </p:ext>
     </p:extLst>
   </p:cSld>
@@ -1576,24 +1573,9 @@
           <a:bodyPr/>
           <a:lstStyle/>
           <a:p>
-            <a:endParaRPr lang="de-DE" dirty="0"/>
-          </a:p>
-          <a:p>
-            <a:r>
-              <a:rPr lang="de-DE" dirty="0"/>
-              <a:t>https://about.gitlab.com/blog/2020/12/15/dependency-proxy-updates/</a:t>
-            </a:r>
-          </a:p>
-          <a:p>
-            <a:endParaRPr lang="de-DE" dirty="0"/>
-          </a:p>
-          <a:p>
-            <a:endParaRPr lang="de-DE" dirty="0"/>
-          </a:p>
-          <a:p>
-            <a:r>
-              <a:rPr lang="de-DE" dirty="0"/>
-              <a:t>https://help.sonatype.com/en/components-and-assets-in-docker.html#:~:text=Docker%20Images%2C%20Tags%2C%20Manifests%2C,not%20associated%20with%20a%20component.</a:t>
+            <a:r>
+              <a:rPr lang="de-DE" dirty="0"/>
+              <a:t>https://docs.gitlab.com/ee/user/packages/container_registry/build_and_push_images.html#configure-your-gitlab-ciyml-file</a:t>
             </a:r>
           </a:p>
         </p:txBody>
@@ -1616,7 +1598,7 @@
             <a:fld id="{18182567-388C-4D33-8B7B-A651F195F118}" type="slidenum">
               <a:rPr lang="de-DE" altLang="de-DE" smtClean="0"/>
               <a:pPr/>
-              <a:t>31</a:t>
+              <a:t>26</a:t>
             </a:fld>
             <a:endParaRPr lang="de-DE" altLang="de-DE"/>
           </a:p>
@@ -1625,7 +1607,7 @@
     </p:spTree>
     <p:extLst>
       <p:ext uri="{BB962C8B-B14F-4D97-AF65-F5344CB8AC3E}">
-        <p14:creationId xmlns:p14="http://schemas.microsoft.com/office/powerpoint/2010/main" val="3189253092"/>
+        <p14:creationId xmlns:p14="http://schemas.microsoft.com/office/powerpoint/2010/main" val="3635466979"/>
       </p:ext>
     </p:extLst>
   </p:cSld>
@@ -1681,6 +1663,24 @@
           <a:p>
             <a:endParaRPr lang="de-DE" dirty="0"/>
           </a:p>
+          <a:p>
+            <a:r>
+              <a:rPr lang="de-DE" dirty="0"/>
+              <a:t>https://about.gitlab.com/blog/2020/12/15/dependency-proxy-updates/</a:t>
+            </a:r>
+          </a:p>
+          <a:p>
+            <a:endParaRPr lang="de-DE" dirty="0"/>
+          </a:p>
+          <a:p>
+            <a:endParaRPr lang="de-DE" dirty="0"/>
+          </a:p>
+          <a:p>
+            <a:r>
+              <a:rPr lang="de-DE" dirty="0"/>
+              <a:t>https://help.sonatype.com/en/components-and-assets-in-docker.html#:~:text=Docker%20Images%2C%20Tags%2C%20Manifests%2C,not%20associated%20with%20a%20component.</a:t>
+            </a:r>
+          </a:p>
         </p:txBody>
       </p:sp>
       <p:sp>
@@ -1701,6 +1701,91 @@
             <a:fld id="{18182567-388C-4D33-8B7B-A651F195F118}" type="slidenum">
               <a:rPr lang="de-DE" altLang="de-DE" smtClean="0"/>
               <a:pPr/>
+              <a:t>31</a:t>
+            </a:fld>
+            <a:endParaRPr lang="de-DE" altLang="de-DE"/>
+          </a:p>
+        </p:txBody>
+      </p:sp>
+    </p:spTree>
+    <p:extLst>
+      <p:ext uri="{BB962C8B-B14F-4D97-AF65-F5344CB8AC3E}">
+        <p14:creationId xmlns:p14="http://schemas.microsoft.com/office/powerpoint/2010/main" val="3189253092"/>
+      </p:ext>
+    </p:extLst>
+  </p:cSld>
+  <p:clrMapOvr>
+    <a:masterClrMapping/>
+  </p:clrMapOvr>
+</p:notes>
+</file>
+
+<file path=ppt/notesSlides/notesSlide17.xml><?xml version="1.0" encoding="utf-8"?>
+<p:notes xmlns:a="http://schemas.openxmlformats.org/drawingml/2006/main" xmlns:r="http://schemas.openxmlformats.org/officeDocument/2006/relationships" xmlns:p="http://schemas.openxmlformats.org/presentationml/2006/main">
+  <p:cSld>
+    <p:spTree>
+      <p:nvGrpSpPr>
+        <p:cNvPr id="1" name=""/>
+        <p:cNvGrpSpPr/>
+        <p:nvPr/>
+      </p:nvGrpSpPr>
+      <p:grpSpPr>
+        <a:xfrm>
+          <a:off x="0" y="0"/>
+          <a:ext cx="0" cy="0"/>
+          <a:chOff x="0" y="0"/>
+          <a:chExt cx="0" cy="0"/>
+        </a:xfrm>
+      </p:grpSpPr>
+      <p:sp>
+        <p:nvSpPr>
+          <p:cNvPr id="2" name="Folienbildplatzhalter 1"/>
+          <p:cNvSpPr>
+            <a:spLocks noGrp="1" noRot="1" noChangeAspect="1"/>
+          </p:cNvSpPr>
+          <p:nvPr>
+            <p:ph type="sldImg"/>
+          </p:nvPr>
+        </p:nvSpPr>
+        <p:spPr/>
+      </p:sp>
+      <p:sp>
+        <p:nvSpPr>
+          <p:cNvPr id="3" name="Notizenplatzhalter 2"/>
+          <p:cNvSpPr>
+            <a:spLocks noGrp="1"/>
+          </p:cNvSpPr>
+          <p:nvPr>
+            <p:ph type="body" idx="1"/>
+          </p:nvPr>
+        </p:nvSpPr>
+        <p:spPr/>
+        <p:txBody>
+          <a:bodyPr/>
+          <a:lstStyle/>
+          <a:p>
+            <a:endParaRPr lang="de-DE" dirty="0"/>
+          </a:p>
+        </p:txBody>
+      </p:sp>
+      <p:sp>
+        <p:nvSpPr>
+          <p:cNvPr id="4" name="Foliennummernplatzhalter 3"/>
+          <p:cNvSpPr>
+            <a:spLocks noGrp="1"/>
+          </p:cNvSpPr>
+          <p:nvPr>
+            <p:ph type="sldNum" sz="quarter" idx="5"/>
+          </p:nvPr>
+        </p:nvSpPr>
+        <p:spPr/>
+        <p:txBody>
+          <a:bodyPr/>
+          <a:lstStyle/>
+          <a:p>
+            <a:fld id="{18182567-388C-4D33-8B7B-A651F195F118}" type="slidenum">
+              <a:rPr lang="de-DE" altLang="de-DE" smtClean="0"/>
+              <a:pPr/>
               <a:t>34</a:t>
             </a:fld>
             <a:endParaRPr lang="de-DE" altLang="de-DE"/>
@@ -1720,7 +1805,7 @@
 </p:notes>
 </file>
 
-<file path=ppt/notesSlides/notesSlide17.xml><?xml version="1.0" encoding="utf-8"?>
+<file path=ppt/notesSlides/notesSlide18.xml><?xml version="1.0" encoding="utf-8"?>
 <p:notes xmlns:a="http://schemas.openxmlformats.org/drawingml/2006/main" xmlns:r="http://schemas.openxmlformats.org/officeDocument/2006/relationships" xmlns:p="http://schemas.openxmlformats.org/presentationml/2006/main">
   <p:cSld>
     <p:spTree>
@@ -1892,7 +1977,7 @@
             <a:fld id="{18182567-388C-4D33-8B7B-A651F195F118}" type="slidenum">
               <a:rPr lang="de-DE" altLang="de-DE" smtClean="0"/>
               <a:pPr/>
-              <a:t>8</a:t>
+              <a:t>7</a:t>
             </a:fld>
             <a:endParaRPr lang="de-DE" altLang="de-DE"/>
           </a:p>
@@ -1901,7 +1986,7 @@
     </p:spTree>
     <p:extLst>
       <p:ext uri="{BB962C8B-B14F-4D97-AF65-F5344CB8AC3E}">
-        <p14:creationId xmlns:p14="http://schemas.microsoft.com/office/powerpoint/2010/main" val="4220598971"/>
+        <p14:creationId xmlns:p14="http://schemas.microsoft.com/office/powerpoint/2010/main" val="3711379124"/>
       </p:ext>
     </p:extLst>
   </p:cSld>
@@ -1957,25 +2042,7 @@
           <a:p>
             <a:r>
               <a:rPr lang="de-DE" dirty="0"/>
-              <a:t>https://semver.org/lang/de/</a:t>
-            </a:r>
-          </a:p>
-          <a:p>
-            <a:endParaRPr lang="de-DE" dirty="0"/>
-          </a:p>
-          <a:p>
-            <a:r>
-              <a:rPr lang="de-DE" dirty="0"/>
-              <a:t>https://container-registry.com/posts/container-image-versioning/</a:t>
-            </a:r>
-          </a:p>
-          <a:p>
-            <a:endParaRPr lang="de-DE" dirty="0"/>
-          </a:p>
-          <a:p>
-            <a:r>
-              <a:rPr lang="de-DE" dirty="0"/>
-              <a:t>https://medium.com/@nirmalkushwah08/docker-image-tagging-strategy-4aa886fb4fcc</a:t>
+              <a:t>https://kodekloud.com/blog/docker-image-tag/</a:t>
             </a:r>
           </a:p>
         </p:txBody>
@@ -1998,7 +2065,7 @@
             <a:fld id="{18182567-388C-4D33-8B7B-A651F195F118}" type="slidenum">
               <a:rPr lang="de-DE" altLang="de-DE" smtClean="0"/>
               <a:pPr/>
-              <a:t>12</a:t>
+              <a:t>8</a:t>
             </a:fld>
             <a:endParaRPr lang="de-DE" altLang="de-DE"/>
           </a:p>
@@ -2007,7 +2074,7 @@
     </p:spTree>
     <p:extLst>
       <p:ext uri="{BB962C8B-B14F-4D97-AF65-F5344CB8AC3E}">
-        <p14:creationId xmlns:p14="http://schemas.microsoft.com/office/powerpoint/2010/main" val="3489991838"/>
+        <p14:creationId xmlns:p14="http://schemas.microsoft.com/office/powerpoint/2010/main" val="4220598971"/>
       </p:ext>
     </p:extLst>
   </p:cSld>
@@ -2066,6 +2133,24 @@
               <a:t>https://semver.org/lang/de/</a:t>
             </a:r>
           </a:p>
+          <a:p>
+            <a:endParaRPr lang="de-DE" dirty="0"/>
+          </a:p>
+          <a:p>
+            <a:r>
+              <a:rPr lang="de-DE" dirty="0"/>
+              <a:t>https://container-registry.com/posts/container-image-versioning/</a:t>
+            </a:r>
+          </a:p>
+          <a:p>
+            <a:endParaRPr lang="de-DE" dirty="0"/>
+          </a:p>
+          <a:p>
+            <a:r>
+              <a:rPr lang="de-DE" dirty="0"/>
+              <a:t>https://medium.com/@nirmalkushwah08/docker-image-tagging-strategy-4aa886fb4fcc</a:t>
+            </a:r>
+          </a:p>
         </p:txBody>
       </p:sp>
       <p:sp>
@@ -2086,7 +2171,7 @@
             <a:fld id="{18182567-388C-4D33-8B7B-A651F195F118}" type="slidenum">
               <a:rPr lang="de-DE" altLang="de-DE" smtClean="0"/>
               <a:pPr/>
-              <a:t>13</a:t>
+              <a:t>12</a:t>
             </a:fld>
             <a:endParaRPr lang="de-DE" altLang="de-DE"/>
           </a:p>
@@ -2095,7 +2180,7 @@
     </p:spTree>
     <p:extLst>
       <p:ext uri="{BB962C8B-B14F-4D97-AF65-F5344CB8AC3E}">
-        <p14:creationId xmlns:p14="http://schemas.microsoft.com/office/powerpoint/2010/main" val="3085793975"/>
+        <p14:creationId xmlns:p14="http://schemas.microsoft.com/office/powerpoint/2010/main" val="3489991838"/>
       </p:ext>
     </p:extLst>
   </p:cSld>
@@ -2174,7 +2259,7 @@
             <a:fld id="{18182567-388C-4D33-8B7B-A651F195F118}" type="slidenum">
               <a:rPr lang="de-DE" altLang="de-DE" smtClean="0"/>
               <a:pPr/>
-              <a:t>17</a:t>
+              <a:t>13</a:t>
             </a:fld>
             <a:endParaRPr lang="de-DE" altLang="de-DE"/>
           </a:p>
@@ -2183,7 +2268,7 @@
     </p:spTree>
     <p:extLst>
       <p:ext uri="{BB962C8B-B14F-4D97-AF65-F5344CB8AC3E}">
-        <p14:creationId xmlns:p14="http://schemas.microsoft.com/office/powerpoint/2010/main" val="8064563"/>
+        <p14:creationId xmlns:p14="http://schemas.microsoft.com/office/powerpoint/2010/main" val="3085793975"/>
       </p:ext>
     </p:extLst>
   </p:cSld>
@@ -2237,73 +2322,10 @@
           <a:bodyPr/>
           <a:lstStyle/>
           <a:p>
-            <a:pPr algn="l"/>
-            <a:r>
-              <a:rPr lang="en-US" b="0" i="0" dirty="0">
-                <a:solidFill>
-                  <a:srgbClr val="3F3F3F"/>
-                </a:solidFill>
-                <a:effectLst/>
-                <a:latin typeface="open sans" panose="020B0606030504020204" pitchFamily="34" charset="0"/>
-              </a:rPr>
-              <a:t>A </a:t>
-            </a:r>
-            <a:r>
-              <a:rPr lang="en-US" b="1" i="0" dirty="0">
-                <a:solidFill>
-                  <a:srgbClr val="3F3F3F"/>
-                </a:solidFill>
-                <a:effectLst/>
-                <a:latin typeface="open sans semibold" panose="020F0502020204030204" pitchFamily="34" charset="0"/>
-              </a:rPr>
-              <a:t>timestamp</a:t>
-            </a:r>
-            <a:r>
-              <a:rPr lang="en-US" b="0" i="0" dirty="0">
-                <a:solidFill>
-                  <a:srgbClr val="3F3F3F"/>
-                </a:solidFill>
-                <a:effectLst/>
-                <a:latin typeface="open sans" panose="020B0606030504020204" pitchFamily="34" charset="0"/>
-              </a:rPr>
-              <a:t> is, indeed, an easy solution. But it has more drawbacks than advantages. It lacks a correlation to the included changeset(s) for the container image release since you cannot match it with the respective build.</a:t>
-            </a:r>
-          </a:p>
-          <a:p>
-            <a:pPr algn="l"/>
-            <a:r>
-              <a:rPr lang="en-US" b="0" i="0" dirty="0">
-                <a:solidFill>
-                  <a:srgbClr val="3F3F3F"/>
-                </a:solidFill>
-                <a:effectLst/>
-                <a:latin typeface="open sans" panose="020B0606030504020204" pitchFamily="34" charset="0"/>
-              </a:rPr>
-              <a:t>Do not forget about the evil </a:t>
-            </a:r>
-            <a:r>
-              <a:rPr lang="en-US" b="0" i="0" dirty="0" err="1">
-                <a:solidFill>
-                  <a:srgbClr val="3F3F3F"/>
-                </a:solidFill>
-                <a:effectLst/>
-                <a:latin typeface="open sans" panose="020B0606030504020204" pitchFamily="34" charset="0"/>
-              </a:rPr>
-              <a:t>timezone</a:t>
-            </a:r>
-            <a:r>
-              <a:rPr lang="en-US" b="0" i="0" dirty="0">
-                <a:solidFill>
-                  <a:srgbClr val="3F3F3F"/>
-                </a:solidFill>
-                <a:effectLst/>
-                <a:latin typeface="open sans" panose="020B0606030504020204" pitchFamily="34" charset="0"/>
-              </a:rPr>
-              <a:t>: which time was it actually in yours? Moreover, what if you created more than one image at exactly the same time? Last but not least, someone can push an image with the same tag just by adding it manually.</a:t>
-            </a:r>
-          </a:p>
-          <a:p>
-            <a:endParaRPr lang="de-DE" dirty="0"/>
+            <a:r>
+              <a:rPr lang="de-DE" dirty="0"/>
+              <a:t>https://semver.org/lang/de/</a:t>
+            </a:r>
           </a:p>
         </p:txBody>
       </p:sp>
@@ -2325,7 +2347,7 @@
             <a:fld id="{18182567-388C-4D33-8B7B-A651F195F118}" type="slidenum">
               <a:rPr lang="de-DE" altLang="de-DE" smtClean="0"/>
               <a:pPr/>
-              <a:t>18</a:t>
+              <a:t>17</a:t>
             </a:fld>
             <a:endParaRPr lang="de-DE" altLang="de-DE"/>
           </a:p>
@@ -2334,7 +2356,7 @@
     </p:spTree>
     <p:extLst>
       <p:ext uri="{BB962C8B-B14F-4D97-AF65-F5344CB8AC3E}">
-        <p14:creationId xmlns:p14="http://schemas.microsoft.com/office/powerpoint/2010/main" val="3532218253"/>
+        <p14:creationId xmlns:p14="http://schemas.microsoft.com/office/powerpoint/2010/main" val="8064563"/>
       </p:ext>
     </p:extLst>
   </p:cSld>
@@ -2388,10 +2410,73 @@
           <a:bodyPr/>
           <a:lstStyle/>
           <a:p>
-            <a:r>
-              <a:rPr lang="de-DE" dirty="0"/>
-              <a:t>https://semver.org/lang/de/</a:t>
-            </a:r>
+            <a:pPr algn="l"/>
+            <a:r>
+              <a:rPr lang="en-US" b="0" i="0" dirty="0">
+                <a:solidFill>
+                  <a:srgbClr val="3F3F3F"/>
+                </a:solidFill>
+                <a:effectLst/>
+                <a:latin typeface="open sans" panose="020B0606030504020204" pitchFamily="34" charset="0"/>
+              </a:rPr>
+              <a:t>A </a:t>
+            </a:r>
+            <a:r>
+              <a:rPr lang="en-US" b="1" i="0" dirty="0">
+                <a:solidFill>
+                  <a:srgbClr val="3F3F3F"/>
+                </a:solidFill>
+                <a:effectLst/>
+                <a:latin typeface="open sans semibold" panose="020F0502020204030204" pitchFamily="34" charset="0"/>
+              </a:rPr>
+              <a:t>timestamp</a:t>
+            </a:r>
+            <a:r>
+              <a:rPr lang="en-US" b="0" i="0" dirty="0">
+                <a:solidFill>
+                  <a:srgbClr val="3F3F3F"/>
+                </a:solidFill>
+                <a:effectLst/>
+                <a:latin typeface="open sans" panose="020B0606030504020204" pitchFamily="34" charset="0"/>
+              </a:rPr>
+              <a:t> is, indeed, an easy solution. But it has more drawbacks than advantages. It lacks a correlation to the included changeset(s) for the container image release since you cannot match it with the respective build.</a:t>
+            </a:r>
+          </a:p>
+          <a:p>
+            <a:pPr algn="l"/>
+            <a:r>
+              <a:rPr lang="en-US" b="0" i="0" dirty="0">
+                <a:solidFill>
+                  <a:srgbClr val="3F3F3F"/>
+                </a:solidFill>
+                <a:effectLst/>
+                <a:latin typeface="open sans" panose="020B0606030504020204" pitchFamily="34" charset="0"/>
+              </a:rPr>
+              <a:t>Do not forget about the evil </a:t>
+            </a:r>
+            <a:r>
+              <a:rPr lang="en-US" b="0" i="0" dirty="0" err="1">
+                <a:solidFill>
+                  <a:srgbClr val="3F3F3F"/>
+                </a:solidFill>
+                <a:effectLst/>
+                <a:latin typeface="open sans" panose="020B0606030504020204" pitchFamily="34" charset="0"/>
+              </a:rPr>
+              <a:t>timezone</a:t>
+            </a:r>
+            <a:r>
+              <a:rPr lang="en-US" b="0" i="0" dirty="0">
+                <a:solidFill>
+                  <a:srgbClr val="3F3F3F"/>
+                </a:solidFill>
+                <a:effectLst/>
+                <a:latin typeface="open sans" panose="020B0606030504020204" pitchFamily="34" charset="0"/>
+              </a:rPr>
+              <a:t>: which time was it actually in yours? Moreover, what if you created more than one image at exactly the same time? Last but not least, someone can push an image with the same tag just by adding it manually.</a:t>
+            </a:r>
+          </a:p>
+          <a:p>
+            <a:endParaRPr lang="de-DE" dirty="0"/>
           </a:p>
         </p:txBody>
       </p:sp>
@@ -2413,7 +2498,7 @@
             <a:fld id="{18182567-388C-4D33-8B7B-A651F195F118}" type="slidenum">
               <a:rPr lang="de-DE" altLang="de-DE" smtClean="0"/>
               <a:pPr/>
-              <a:t>19</a:t>
+              <a:t>18</a:t>
             </a:fld>
             <a:endParaRPr lang="de-DE" altLang="de-DE"/>
           </a:p>
@@ -2422,7 +2507,7 @@
     </p:spTree>
     <p:extLst>
       <p:ext uri="{BB962C8B-B14F-4D97-AF65-F5344CB8AC3E}">
-        <p14:creationId xmlns:p14="http://schemas.microsoft.com/office/powerpoint/2010/main" val="624751404"/>
+        <p14:creationId xmlns:p14="http://schemas.microsoft.com/office/powerpoint/2010/main" val="3532218253"/>
       </p:ext>
     </p:extLst>
   </p:cSld>
@@ -2478,11 +2563,8 @@
           <a:p>
             <a:r>
               <a:rPr lang="de-DE" dirty="0"/>
-              <a:t>https://container-registry.com/posts/container-image-versioning/</a:t>
-            </a:r>
-          </a:p>
-          <a:p>
-            <a:endParaRPr lang="de-DE" dirty="0"/>
+              <a:t>https://semver.org/lang/de/</a:t>
+            </a:r>
           </a:p>
         </p:txBody>
       </p:sp>
@@ -2504,7 +2586,7 @@
             <a:fld id="{18182567-388C-4D33-8B7B-A651F195F118}" type="slidenum">
               <a:rPr lang="de-DE" altLang="de-DE" smtClean="0"/>
               <a:pPr/>
-              <a:t>20</a:t>
+              <a:t>19</a:t>
             </a:fld>
             <a:endParaRPr lang="de-DE" altLang="de-DE"/>
           </a:p>
@@ -2513,7 +2595,7 @@
     </p:spTree>
     <p:extLst>
       <p:ext uri="{BB962C8B-B14F-4D97-AF65-F5344CB8AC3E}">
-        <p14:creationId xmlns:p14="http://schemas.microsoft.com/office/powerpoint/2010/main" val="758847513"/>
+        <p14:creationId xmlns:p14="http://schemas.microsoft.com/office/powerpoint/2010/main" val="624751404"/>
       </p:ext>
     </p:extLst>
   </p:cSld>
@@ -2569,8 +2651,11 @@
           <a:p>
             <a:r>
               <a:rPr lang="de-DE" dirty="0"/>
-              <a:t>https://docs.gitlab.com/ee/user/packages/container_registry/authenticate_with_container_registry.html</a:t>
-            </a:r>
+              <a:t>https://container-registry.com/posts/container-image-versioning/</a:t>
+            </a:r>
+          </a:p>
+          <a:p>
+            <a:endParaRPr lang="de-DE" dirty="0"/>
           </a:p>
         </p:txBody>
       </p:sp>
@@ -2592,7 +2677,7 @@
             <a:fld id="{18182567-388C-4D33-8B7B-A651F195F118}" type="slidenum">
               <a:rPr lang="de-DE" altLang="de-DE" smtClean="0"/>
               <a:pPr/>
-              <a:t>21</a:t>
+              <a:t>20</a:t>
             </a:fld>
             <a:endParaRPr lang="de-DE" altLang="de-DE"/>
           </a:p>
@@ -2601,7 +2686,7 @@
     </p:spTree>
     <p:extLst>
       <p:ext uri="{BB962C8B-B14F-4D97-AF65-F5344CB8AC3E}">
-        <p14:creationId xmlns:p14="http://schemas.microsoft.com/office/powerpoint/2010/main" val="1015434146"/>
+        <p14:creationId xmlns:p14="http://schemas.microsoft.com/office/powerpoint/2010/main" val="758847513"/>
       </p:ext>
     </p:extLst>
   </p:cSld>
@@ -3449,7 +3534,7 @@
                 </a:solidFill>
                 <a:latin typeface="Arial" charset="0"/>
               </a:rPr>
-              <a:t>&lt;Autor&gt;</a:t>
+              <a:t>Daniel Krämer &amp; Malte Fischer</a:t>
             </a:r>
           </a:p>
         </p:txBody>
@@ -3471,7 +3556,7 @@
         <p:spPr bwMode="auto">
           <a:xfrm>
             <a:off x="4252913" y="6424613"/>
-            <a:ext cx="2860078" cy="246221"/>
+            <a:ext cx="2637260" cy="246221"/>
           </a:xfrm>
           <a:prstGeom prst="rect">
             <a:avLst/>
@@ -3501,7 +3586,7 @@
                 </a:solidFill>
                 <a:latin typeface="Arial" charset="0"/>
               </a:rPr>
-              <a:t>Tag-3_2-GitLab-Runner-Container-Registry.ppt</a:t>
+              <a:t>Tag-3_4-Release-und-Tagged-Images.pptx</a:t>
             </a:r>
             <a:endParaRPr lang="de-DE" dirty="0">
               <a:solidFill>
@@ -5055,7 +5140,7 @@
         <p:spPr bwMode="auto">
           <a:xfrm>
             <a:off x="468313" y="2562225"/>
-            <a:ext cx="4967287" cy="938213"/>
+            <a:ext cx="5471839" cy="938213"/>
           </a:xfrm>
           <a:prstGeom prst="rect">
             <a:avLst/>
@@ -5088,15 +5173,22 @@
             <a:pPr algn="l" eaLnBrk="1" hangingPunct="1"/>
             <a:r>
               <a:rPr lang="de-DE" altLang="de-DE" sz="3200" dirty="0"/>
-              <a:t>Tag 3: Docker, </a:t>
+              <a:t>Tag 3: </a:t>
             </a:r>
             <a:r>
               <a:rPr lang="de-DE" altLang="de-DE" sz="3200" dirty="0" err="1"/>
-              <a:t>GitLab</a:t>
+              <a:t>GitOps</a:t>
             </a:r>
             <a:r>
               <a:rPr lang="de-DE" altLang="de-DE" sz="3200" dirty="0"/>
-              <a:t> CI &amp; </a:t>
+              <a:t>,</a:t>
+            </a:r>
+            <a:br>
+              <a:rPr lang="de-DE" altLang="de-DE" sz="3200" dirty="0"/>
+            </a:br>
+            <a:r>
+              <a:rPr lang="de-DE" altLang="de-DE" sz="3200" dirty="0"/>
+              <a:t>Docker in der Entwicklung und </a:t>
             </a:r>
             <a:r>
               <a:rPr lang="de-DE" altLang="de-DE" sz="3200" dirty="0" err="1"/>
@@ -5127,8 +5219,8 @@
         </p:nvSpPr>
         <p:spPr bwMode="auto">
           <a:xfrm>
-            <a:off x="468313" y="4462463"/>
-            <a:ext cx="2159000" cy="622300"/>
+            <a:off x="468312" y="4462463"/>
+            <a:ext cx="4190603" cy="622300"/>
           </a:xfrm>
           <a:prstGeom prst="rect">
             <a:avLst/>
@@ -5163,8 +5255,8 @@
               <a:buNone/>
             </a:pPr>
             <a:r>
-              <a:rPr lang="de-DE" altLang="de-DE" sz="1600"/>
-              <a:t>&lt;Datum, Autor&gt;</a:t>
+              <a:rPr lang="de-DE" altLang="de-DE" sz="1600" dirty="0"/>
+              <a:t>19.06.2024, Daniel Krämer &amp; Malte Fischer</a:t>
             </a:r>
           </a:p>
         </p:txBody>
@@ -5317,18 +5409,54 @@
           </a:lstStyle>
           <a:p>
             <a:pPr eaLnBrk="1" hangingPunct="1"/>
-            <a:r>
-              <a:rPr lang="de-DE" altLang="de-DE" sz="4400">
-                <a:solidFill>
-                  <a:schemeClr val="tx2"/>
-                </a:solidFill>
-                <a:latin typeface="Arial" panose="020B0604020202020204" pitchFamily="34" charset="0"/>
-              </a:rPr>
-              <a:t>&lt;Kundenlogo&gt;</a:t>
-            </a:r>
+            <a:endParaRPr lang="de-DE" altLang="de-DE" sz="4400" dirty="0">
+              <a:solidFill>
+                <a:schemeClr val="tx2"/>
+              </a:solidFill>
+              <a:latin typeface="Arial" panose="020B0604020202020204" pitchFamily="34" charset="0"/>
+            </a:endParaRPr>
           </a:p>
         </p:txBody>
       </p:sp>
+      <p:pic>
+        <p:nvPicPr>
+          <p:cNvPr id="3" name="Grafik 2">
+            <a:extLst>
+              <a:ext uri="{FF2B5EF4-FFF2-40B4-BE49-F238E27FC236}">
+                <a16:creationId xmlns:a16="http://schemas.microsoft.com/office/drawing/2014/main" id="{F795EC6A-86ED-78D6-3916-EC81E8315965}"/>
+              </a:ext>
+            </a:extLst>
+          </p:cNvPr>
+          <p:cNvPicPr>
+            <a:picLocks noChangeAspect="1"/>
+          </p:cNvPicPr>
+          <p:nvPr/>
+        </p:nvPicPr>
+        <p:blipFill>
+          <a:blip r:embed="rId3">
+            <a:extLst>
+              <a:ext uri="{28A0092B-C50C-407E-A947-70E740481C1C}">
+                <a14:useLocalDpi xmlns:a14="http://schemas.microsoft.com/office/drawing/2010/main" val="0"/>
+              </a:ext>
+              <a:ext uri="{96DAC541-7B7A-43D3-8B79-37D633B846F1}">
+                <asvg:svgBlip xmlns:asvg="http://schemas.microsoft.com/office/drawing/2016/SVG/main" r:embed="rId4"/>
+              </a:ext>
+            </a:extLst>
+          </a:blip>
+          <a:stretch>
+            <a:fillRect/>
+          </a:stretch>
+        </p:blipFill>
+        <p:spPr>
+          <a:xfrm>
+            <a:off x="309959" y="263970"/>
+            <a:ext cx="4348957" cy="1508822"/>
+          </a:xfrm>
+          <a:prstGeom prst="rect">
+            <a:avLst/>
+          </a:prstGeom>
+        </p:spPr>
+      </p:pic>
     </p:spTree>
   </p:cSld>
   <p:clrMapOvr>
@@ -7546,13 +7674,6 @@
               <a:buFont typeface="Arial" panose="020B0604020202020204" pitchFamily="34" charset="0"/>
               <a:buChar char="•"/>
             </a:pPr>
-            <a:endParaRPr lang="de-DE" altLang="de-DE" sz="1800" b="1" dirty="0"/>
-          </a:p>
-          <a:p>
-            <a:pPr>
-              <a:buFont typeface="Arial" panose="020B0604020202020204" pitchFamily="34" charset="0"/>
-              <a:buChar char="•"/>
-            </a:pPr>
             <a:r>
               <a:rPr lang="de-DE" altLang="de-DE" sz="1800" b="1" dirty="0"/>
               <a:t>Tag 1 – Einführung in </a:t>
@@ -7605,15 +7726,37 @@
               <a:rPr lang="de-DE" altLang="de-DE" sz="1400" dirty="0" err="1"/>
               <a:t>Git</a:t>
             </a:r>
+            <a:endParaRPr lang="de-DE" altLang="de-DE" sz="1400" dirty="0"/>
+          </a:p>
+          <a:p>
+            <a:pPr lvl="1">
+              <a:buFont typeface="Arial" panose="020B0604020202020204" pitchFamily="34" charset="0"/>
+              <a:buChar char="•"/>
+            </a:pPr>
+            <a:r>
+              <a:rPr lang="de-DE" altLang="de-DE" sz="1400" dirty="0" err="1"/>
+              <a:t>Git</a:t>
+            </a:r>
+            <a:r>
+              <a:rPr lang="de-DE" altLang="de-DE" sz="1400" dirty="0"/>
+              <a:t> </a:t>
+            </a:r>
+            <a:r>
+              <a:rPr lang="de-DE" altLang="de-DE" sz="1400" dirty="0" err="1"/>
+              <a:t>Rebase</a:t>
+            </a:r>
             <a:r>
               <a:rPr lang="de-DE" altLang="de-DE" sz="1400" dirty="0"/>
               <a:t> und </a:t>
             </a:r>
             <a:r>
               <a:rPr lang="de-DE" altLang="de-DE" sz="1400" dirty="0" err="1"/>
-              <a:t>GitLab</a:t>
-            </a:r>
-            <a:endParaRPr lang="de-DE" altLang="de-DE" sz="1400" dirty="0"/>
+              <a:t>Merge</a:t>
+            </a:r>
+            <a:r>
+              <a:rPr lang="de-DE" altLang="de-DE" sz="1400" dirty="0"/>
+              <a:t>-Strategien</a:t>
+            </a:r>
           </a:p>
           <a:p>
             <a:pPr lvl="1">
@@ -7626,24 +7769,23 @@
             </a:r>
             <a:r>
               <a:rPr lang="de-DE" altLang="de-DE" sz="1400" dirty="0"/>
-              <a:t> </a:t>
+              <a:t> Remote</a:t>
+            </a:r>
+          </a:p>
+          <a:p>
+            <a:pPr lvl="1">
+              <a:buFont typeface="Arial" panose="020B0604020202020204" pitchFamily="34" charset="0"/>
+              <a:buChar char="•"/>
+            </a:pPr>
+            <a:r>
+              <a:rPr lang="de-DE" altLang="de-DE" sz="1400" dirty="0"/>
+              <a:t>Grundlagen von </a:t>
             </a:r>
             <a:r>
               <a:rPr lang="de-DE" altLang="de-DE" sz="1400" dirty="0" err="1"/>
-              <a:t>Rebase</a:t>
-            </a:r>
-            <a:r>
-              <a:rPr lang="de-DE" altLang="de-DE" sz="1400" dirty="0"/>
-              <a:t> &amp; </a:t>
-            </a:r>
-            <a:r>
-              <a:rPr lang="de-DE" altLang="de-DE" sz="1400" dirty="0" err="1"/>
-              <a:t>Merge</a:t>
-            </a:r>
-            <a:r>
-              <a:rPr lang="de-DE" altLang="de-DE" sz="1400" dirty="0"/>
-              <a:t>-Strategien</a:t>
-            </a:r>
+              <a:t>GitLab</a:t>
+            </a:r>
+            <a:endParaRPr lang="de-DE" altLang="de-DE" sz="1400" dirty="0"/>
           </a:p>
           <a:p>
             <a:pPr lvl="1">
@@ -7660,13 +7802,6 @@
             </a:r>
           </a:p>
           <a:p>
-            <a:pPr lvl="1">
-              <a:buFont typeface="Arial" panose="020B0604020202020204" pitchFamily="34" charset="0"/>
-              <a:buChar char="•"/>
-            </a:pPr>
-            <a:endParaRPr lang="de-DE" altLang="de-DE" sz="1400" dirty="0"/>
-          </a:p>
-          <a:p>
             <a:pPr>
               <a:buFont typeface="Arial" panose="020B0604020202020204" pitchFamily="34" charset="0"/>
               <a:buChar char="•"/>
@@ -7685,9 +7820,12 @@
             </a:r>
             <a:r>
               <a:rPr lang="de-DE" altLang="de-DE" sz="1800" b="1" dirty="0" err="1"/>
-              <a:t>GitOps</a:t>
-            </a:r>
-            <a:endParaRPr lang="de-DE" altLang="de-DE" sz="1800" b="1" dirty="0"/>
+              <a:t>GitLab</a:t>
+            </a:r>
+            <a:r>
+              <a:rPr lang="de-DE" altLang="de-DE" sz="1800" b="1" dirty="0"/>
+              <a:t> CI </a:t>
+            </a:r>
           </a:p>
           <a:p>
             <a:pPr lvl="1">
@@ -7719,6 +7857,20 @@
               <a:buChar char="•"/>
             </a:pPr>
             <a:r>
+              <a:rPr lang="de-DE" altLang="de-DE" sz="1400" dirty="0" err="1"/>
+              <a:t>GitLab</a:t>
+            </a:r>
+            <a:r>
+              <a:rPr lang="de-DE" altLang="de-DE" sz="1400" dirty="0"/>
+              <a:t>-Runner</a:t>
+            </a:r>
+          </a:p>
+          <a:p>
+            <a:pPr lvl="1">
+              <a:buFont typeface="Arial" panose="020B0604020202020204" pitchFamily="34" charset="0"/>
+              <a:buChar char="•"/>
+            </a:pPr>
+            <a:r>
               <a:rPr lang="de-DE" altLang="de-DE" sz="1400" dirty="0"/>
               <a:t>Einführung in </a:t>
             </a:r>
@@ -7737,51 +7889,43 @@
             <a:endParaRPr lang="de-DE" altLang="de-DE" sz="1400" dirty="0"/>
           </a:p>
           <a:p>
+            <a:pPr>
+              <a:buFont typeface="Arial" panose="020B0604020202020204" pitchFamily="34" charset="0"/>
+              <a:buChar char="•"/>
+            </a:pPr>
+            <a:r>
+              <a:rPr lang="de-DE" altLang="de-DE" sz="1800" b="1" dirty="0"/>
+              <a:t>Tag 3 – </a:t>
+            </a:r>
+            <a:r>
+              <a:rPr lang="de-DE" altLang="de-DE" sz="1800" b="1" dirty="0" err="1"/>
+              <a:t>GitOps</a:t>
+            </a:r>
+            <a:r>
+              <a:rPr lang="de-DE" altLang="de-DE" sz="1800" b="1" dirty="0"/>
+              <a:t>, Docker in der Entwicklung und </a:t>
+            </a:r>
+            <a:r>
+              <a:rPr lang="de-DE" altLang="de-DE" sz="1800" b="1" dirty="0" err="1"/>
+              <a:t>Deployment</a:t>
+            </a:r>
+            <a:r>
+              <a:rPr lang="de-DE" altLang="de-DE" sz="1800" b="1" dirty="0"/>
+              <a:t>-Strategien</a:t>
+            </a:r>
+          </a:p>
+          <a:p>
             <a:pPr lvl="1">
               <a:buFont typeface="Arial" panose="020B0604020202020204" pitchFamily="34" charset="0"/>
               <a:buChar char="•"/>
             </a:pPr>
-            <a:r>
-              <a:rPr lang="de-DE" altLang="de-DE" sz="1400" dirty="0"/>
-              <a:t>Grundlagen von </a:t>
-            </a:r>
             <a:r>
               <a:rPr lang="de-DE" altLang="de-DE" sz="1400" dirty="0" err="1"/>
               <a:t>GitOps</a:t>
             </a:r>
-            <a:endParaRPr lang="de-DE" altLang="de-DE" sz="1400" dirty="0"/>
-          </a:p>
-          <a:p>
-            <a:pPr lvl="1">
-              <a:buFont typeface="Arial" panose="020B0604020202020204" pitchFamily="34" charset="0"/>
-              <a:buChar char="•"/>
-            </a:pPr>
-            <a:endParaRPr lang="de-DE" altLang="de-DE" sz="1400" dirty="0"/>
-          </a:p>
-          <a:p>
-            <a:pPr>
-              <a:buFont typeface="Arial" panose="020B0604020202020204" pitchFamily="34" charset="0"/>
-              <a:buChar char="•"/>
-            </a:pPr>
-            <a:r>
-              <a:rPr lang="de-DE" altLang="de-DE" sz="1800" b="1" dirty="0"/>
-              <a:t>Tag 3 – Docker in der Entwicklung, </a:t>
-            </a:r>
-            <a:r>
-              <a:rPr lang="de-DE" altLang="de-DE" sz="1800" b="1" dirty="0" err="1"/>
-              <a:t>GitLab</a:t>
-            </a:r>
-            <a:r>
-              <a:rPr lang="de-DE" altLang="de-DE" sz="1800" b="1" dirty="0"/>
-              <a:t> CI und </a:t>
-            </a:r>
-            <a:r>
-              <a:rPr lang="de-DE" altLang="de-DE" sz="1800" b="1" dirty="0" err="1"/>
-              <a:t>Deployment</a:t>
-            </a:r>
-            <a:r>
-              <a:rPr lang="de-DE" altLang="de-DE" sz="1800" b="1" dirty="0"/>
-              <a:t>-Strategien</a:t>
+            <a:r>
+              <a:rPr lang="de-DE" altLang="de-DE" sz="1400" dirty="0"/>
+              <a:t> Grundlagen</a:t>
             </a:r>
           </a:p>
           <a:p>
@@ -7800,12 +7944,8 @@
               <a:buChar char="•"/>
             </a:pPr>
             <a:r>
-              <a:rPr lang="de-DE" altLang="de-DE" sz="1400" dirty="0" err="1"/>
-              <a:t>GitLab</a:t>
-            </a:r>
-            <a:r>
               <a:rPr lang="de-DE" altLang="de-DE" sz="1400" dirty="0"/>
-              <a:t>-Runner &amp; Docker-Registry</a:t>
+              <a:t>Container/Docker-Registry</a:t>
             </a:r>
           </a:p>
           <a:p>
@@ -7822,7 +7962,7 @@
               <a:t>Tagged</a:t>
             </a:r>
             <a:r>
-              <a:rPr lang="de-DE" altLang="de-DE" sz="1400"/>
+              <a:rPr lang="de-DE" altLang="de-DE" sz="1400" dirty="0"/>
               <a:t>-Images</a:t>
             </a:r>
           </a:p>
@@ -7832,12 +7972,8 @@
               <a:buChar char="•"/>
             </a:pPr>
             <a:r>
-              <a:rPr lang="de-DE" altLang="de-DE" sz="1400"/>
-              <a:t>Möglichkeiten </a:t>
-            </a:r>
-            <a:r>
               <a:rPr lang="de-DE" altLang="de-DE" sz="1400" dirty="0"/>
-              <a:t>des </a:t>
+              <a:t>Möglichkeiten des </a:t>
             </a:r>
             <a:r>
               <a:rPr lang="de-DE" altLang="de-DE" sz="1400" dirty="0" err="1"/>
@@ -7846,6 +7982,16 @@
             <a:r>
               <a:rPr lang="de-DE" altLang="de-DE" sz="1400" dirty="0"/>
               <a:t> &amp; Verwaltung von Konfiguration</a:t>
+            </a:r>
+          </a:p>
+          <a:p>
+            <a:pPr lvl="1">
+              <a:buFont typeface="Arial" panose="020B0604020202020204" pitchFamily="34" charset="0"/>
+              <a:buChar char="•"/>
+            </a:pPr>
+            <a:r>
+              <a:rPr lang="de-DE" altLang="de-DE" sz="1400" dirty="0"/>
+              <a:t>Abschlussübung &amp; Diskussion</a:t>
             </a:r>
           </a:p>
           <a:p>
@@ -12598,13 +12744,6 @@
               <a:buFont typeface="Arial" panose="020B0604020202020204" pitchFamily="34" charset="0"/>
               <a:buChar char="•"/>
             </a:pPr>
-            <a:endParaRPr lang="de-DE" altLang="de-DE" sz="1800" b="1" dirty="0"/>
-          </a:p>
-          <a:p>
-            <a:pPr>
-              <a:buFont typeface="Arial" panose="020B0604020202020204" pitchFamily="34" charset="0"/>
-              <a:buChar char="•"/>
-            </a:pPr>
             <a:r>
               <a:rPr lang="de-DE" altLang="de-DE" sz="1800" b="1" dirty="0"/>
               <a:t>Tag 1 – Einführung in </a:t>
@@ -12657,15 +12796,37 @@
               <a:rPr lang="de-DE" altLang="de-DE" sz="1400" dirty="0" err="1"/>
               <a:t>Git</a:t>
             </a:r>
+            <a:endParaRPr lang="de-DE" altLang="de-DE" sz="1400" dirty="0"/>
+          </a:p>
+          <a:p>
+            <a:pPr lvl="1">
+              <a:buFont typeface="Arial" panose="020B0604020202020204" pitchFamily="34" charset="0"/>
+              <a:buChar char="•"/>
+            </a:pPr>
+            <a:r>
+              <a:rPr lang="de-DE" altLang="de-DE" sz="1400" dirty="0" err="1"/>
+              <a:t>Git</a:t>
+            </a:r>
+            <a:r>
+              <a:rPr lang="de-DE" altLang="de-DE" sz="1400" dirty="0"/>
+              <a:t> </a:t>
+            </a:r>
+            <a:r>
+              <a:rPr lang="de-DE" altLang="de-DE" sz="1400" dirty="0" err="1"/>
+              <a:t>Rebase</a:t>
+            </a:r>
             <a:r>
               <a:rPr lang="de-DE" altLang="de-DE" sz="1400" dirty="0"/>
               <a:t> und </a:t>
             </a:r>
             <a:r>
               <a:rPr lang="de-DE" altLang="de-DE" sz="1400" dirty="0" err="1"/>
-              <a:t>GitLab</a:t>
-            </a:r>
-            <a:endParaRPr lang="de-DE" altLang="de-DE" sz="1400" dirty="0"/>
+              <a:t>Merge</a:t>
+            </a:r>
+            <a:r>
+              <a:rPr lang="de-DE" altLang="de-DE" sz="1400" dirty="0"/>
+              <a:t>-Strategien</a:t>
+            </a:r>
           </a:p>
           <a:p>
             <a:pPr lvl="1">
@@ -12678,24 +12839,23 @@
             </a:r>
             <a:r>
               <a:rPr lang="de-DE" altLang="de-DE" sz="1400" dirty="0"/>
-              <a:t> </a:t>
+              <a:t> Remote</a:t>
+            </a:r>
+          </a:p>
+          <a:p>
+            <a:pPr lvl="1">
+              <a:buFont typeface="Arial" panose="020B0604020202020204" pitchFamily="34" charset="0"/>
+              <a:buChar char="•"/>
+            </a:pPr>
+            <a:r>
+              <a:rPr lang="de-DE" altLang="de-DE" sz="1400" dirty="0"/>
+              <a:t>Grundlagen von </a:t>
             </a:r>
             <a:r>
               <a:rPr lang="de-DE" altLang="de-DE" sz="1400" dirty="0" err="1"/>
-              <a:t>Rebase</a:t>
-            </a:r>
-            <a:r>
-              <a:rPr lang="de-DE" altLang="de-DE" sz="1400" dirty="0"/>
-              <a:t> &amp; </a:t>
-            </a:r>
-            <a:r>
-              <a:rPr lang="de-DE" altLang="de-DE" sz="1400" dirty="0" err="1"/>
-              <a:t>Merge</a:t>
-            </a:r>
-            <a:r>
-              <a:rPr lang="de-DE" altLang="de-DE" sz="1400" dirty="0"/>
-              <a:t>-Strategien</a:t>
-            </a:r>
+              <a:t>GitLab</a:t>
+            </a:r>
+            <a:endParaRPr lang="de-DE" altLang="de-DE" sz="1400" dirty="0"/>
           </a:p>
           <a:p>
             <a:pPr lvl="1">
@@ -12712,13 +12872,6 @@
             </a:r>
           </a:p>
           <a:p>
-            <a:pPr lvl="1">
-              <a:buFont typeface="Arial" panose="020B0604020202020204" pitchFamily="34" charset="0"/>
-              <a:buChar char="•"/>
-            </a:pPr>
-            <a:endParaRPr lang="de-DE" altLang="de-DE" sz="1400" dirty="0"/>
-          </a:p>
-          <a:p>
             <a:pPr>
               <a:buFont typeface="Arial" panose="020B0604020202020204" pitchFamily="34" charset="0"/>
               <a:buChar char="•"/>
@@ -12737,9 +12890,12 @@
             </a:r>
             <a:r>
               <a:rPr lang="de-DE" altLang="de-DE" sz="1800" b="1" dirty="0" err="1"/>
-              <a:t>GitOps</a:t>
-            </a:r>
-            <a:endParaRPr lang="de-DE" altLang="de-DE" sz="1800" b="1" dirty="0"/>
+              <a:t>GitLab</a:t>
+            </a:r>
+            <a:r>
+              <a:rPr lang="de-DE" altLang="de-DE" sz="1800" b="1" dirty="0"/>
+              <a:t> CI </a:t>
+            </a:r>
           </a:p>
           <a:p>
             <a:pPr lvl="1">
@@ -12771,6 +12927,20 @@
               <a:buChar char="•"/>
             </a:pPr>
             <a:r>
+              <a:rPr lang="de-DE" altLang="de-DE" sz="1400" dirty="0" err="1"/>
+              <a:t>GitLab</a:t>
+            </a:r>
+            <a:r>
+              <a:rPr lang="de-DE" altLang="de-DE" sz="1400" dirty="0"/>
+              <a:t>-Runner</a:t>
+            </a:r>
+          </a:p>
+          <a:p>
+            <a:pPr lvl="1">
+              <a:buFont typeface="Arial" panose="020B0604020202020204" pitchFamily="34" charset="0"/>
+              <a:buChar char="•"/>
+            </a:pPr>
+            <a:r>
               <a:rPr lang="de-DE" altLang="de-DE" sz="1400" dirty="0"/>
               <a:t>Einführung in </a:t>
             </a:r>
@@ -12789,51 +12959,43 @@
             <a:endParaRPr lang="de-DE" altLang="de-DE" sz="1400" dirty="0"/>
           </a:p>
           <a:p>
+            <a:pPr>
+              <a:buFont typeface="Arial" panose="020B0604020202020204" pitchFamily="34" charset="0"/>
+              <a:buChar char="•"/>
+            </a:pPr>
+            <a:r>
+              <a:rPr lang="de-DE" altLang="de-DE" sz="1800" b="1" dirty="0"/>
+              <a:t>Tag 3 – </a:t>
+            </a:r>
+            <a:r>
+              <a:rPr lang="de-DE" altLang="de-DE" sz="1800" b="1" dirty="0" err="1"/>
+              <a:t>GitOps</a:t>
+            </a:r>
+            <a:r>
+              <a:rPr lang="de-DE" altLang="de-DE" sz="1800" b="1" dirty="0"/>
+              <a:t>, Docker in der Entwicklung und </a:t>
+            </a:r>
+            <a:r>
+              <a:rPr lang="de-DE" altLang="de-DE" sz="1800" b="1" dirty="0" err="1"/>
+              <a:t>Deployment</a:t>
+            </a:r>
+            <a:r>
+              <a:rPr lang="de-DE" altLang="de-DE" sz="1800" b="1" dirty="0"/>
+              <a:t>-Strategien</a:t>
+            </a:r>
+          </a:p>
+          <a:p>
             <a:pPr lvl="1">
               <a:buFont typeface="Arial" panose="020B0604020202020204" pitchFamily="34" charset="0"/>
               <a:buChar char="•"/>
             </a:pPr>
-            <a:r>
-              <a:rPr lang="de-DE" altLang="de-DE" sz="1400" dirty="0"/>
-              <a:t>Grundlagen von </a:t>
-            </a:r>
             <a:r>
               <a:rPr lang="de-DE" altLang="de-DE" sz="1400" dirty="0" err="1"/>
               <a:t>GitOps</a:t>
             </a:r>
-            <a:endParaRPr lang="de-DE" altLang="de-DE" sz="1400" dirty="0"/>
-          </a:p>
-          <a:p>
-            <a:pPr lvl="1">
-              <a:buFont typeface="Arial" panose="020B0604020202020204" pitchFamily="34" charset="0"/>
-              <a:buChar char="•"/>
-            </a:pPr>
-            <a:endParaRPr lang="de-DE" altLang="de-DE" sz="1400" dirty="0"/>
-          </a:p>
-          <a:p>
-            <a:pPr>
-              <a:buFont typeface="Arial" panose="020B0604020202020204" pitchFamily="34" charset="0"/>
-              <a:buChar char="•"/>
-            </a:pPr>
-            <a:r>
-              <a:rPr lang="de-DE" altLang="de-DE" sz="1800" b="1" dirty="0"/>
-              <a:t>Tag 3 – Docker in der Entwicklung, </a:t>
-            </a:r>
-            <a:r>
-              <a:rPr lang="de-DE" altLang="de-DE" sz="1800" b="1" dirty="0" err="1"/>
-              <a:t>GitLab</a:t>
-            </a:r>
-            <a:r>
-              <a:rPr lang="de-DE" altLang="de-DE" sz="1800" b="1" dirty="0"/>
-              <a:t> CI und </a:t>
-            </a:r>
-            <a:r>
-              <a:rPr lang="de-DE" altLang="de-DE" sz="1800" b="1" dirty="0" err="1"/>
-              <a:t>Deployment</a:t>
-            </a:r>
-            <a:r>
-              <a:rPr lang="de-DE" altLang="de-DE" sz="1800" b="1" dirty="0"/>
-              <a:t>-Strategien</a:t>
+            <a:r>
+              <a:rPr lang="de-DE" altLang="de-DE" sz="1400" dirty="0"/>
+              <a:t> Grundlagen</a:t>
             </a:r>
           </a:p>
           <a:p>
@@ -12852,12 +13014,8 @@
               <a:buChar char="•"/>
             </a:pPr>
             <a:r>
-              <a:rPr lang="de-DE" altLang="de-DE" sz="1400" dirty="0" err="1"/>
-              <a:t>GitLab</a:t>
-            </a:r>
-            <a:r>
               <a:rPr lang="de-DE" altLang="de-DE" sz="1400" dirty="0"/>
-              <a:t>-Runner &amp; Docker-Registry</a:t>
+              <a:t>Container/Docker-Registry</a:t>
             </a:r>
           </a:p>
           <a:p>
@@ -12894,6 +13052,16 @@
             <a:r>
               <a:rPr lang="de-DE" altLang="de-DE" sz="1400" dirty="0"/>
               <a:t> &amp; Verwaltung von Konfiguration</a:t>
+            </a:r>
+          </a:p>
+          <a:p>
+            <a:pPr lvl="1">
+              <a:buFont typeface="Arial" panose="020B0604020202020204" pitchFamily="34" charset="0"/>
+              <a:buChar char="•"/>
+            </a:pPr>
+            <a:r>
+              <a:rPr lang="de-DE" altLang="de-DE" sz="1400" dirty="0"/>
+              <a:t>Abschlussübung &amp; Diskussion</a:t>
             </a:r>
           </a:p>
           <a:p>
@@ -12941,7 +13109,7 @@
     </p:spTree>
     <p:extLst>
       <p:ext uri="{BB962C8B-B14F-4D97-AF65-F5344CB8AC3E}">
-        <p14:creationId xmlns:p14="http://schemas.microsoft.com/office/powerpoint/2010/main" val="3071277897"/>
+        <p14:creationId xmlns:p14="http://schemas.microsoft.com/office/powerpoint/2010/main" val="3365784518"/>
       </p:ext>
     </p:extLst>
   </p:cSld>

--- a/slides/Tag-3_4-Release-und-Tagged-Images.pptx
+++ b/slides/Tag-3_4-Release-und-Tagged-Images.pptx
@@ -40,9 +40,9 @@
     <p:sldId id="618" r:id="rId28"/>
     <p:sldId id="620" r:id="rId29"/>
     <p:sldId id="621" r:id="rId30"/>
-    <p:sldId id="622" r:id="rId31"/>
-    <p:sldId id="623" r:id="rId32"/>
-    <p:sldId id="617" r:id="rId33"/>
+    <p:sldId id="617" r:id="rId31"/>
+    <p:sldId id="622" r:id="rId32"/>
+    <p:sldId id="623" r:id="rId33"/>
     <p:sldId id="632" r:id="rId34"/>
     <p:sldId id="633" r:id="rId35"/>
     <p:sldId id="625" r:id="rId36"/>
@@ -1701,7 +1701,7 @@
             <a:fld id="{18182567-388C-4D33-8B7B-A651F195F118}" type="slidenum">
               <a:rPr lang="de-DE" altLang="de-DE" smtClean="0"/>
               <a:pPr/>
-              <a:t>31</a:t>
+              <a:t>29</a:t>
             </a:fld>
             <a:endParaRPr lang="de-DE" altLang="de-DE"/>
           </a:p>
@@ -11936,7 +11936,7 @@
           <p:cNvPr id="2" name="Titel 1">
             <a:extLst>
               <a:ext uri="{FF2B5EF4-FFF2-40B4-BE49-F238E27FC236}">
-                <a16:creationId xmlns:a16="http://schemas.microsoft.com/office/drawing/2014/main" id="{021C1D90-AB38-D152-26B9-E4AB49CCFEE9}"/>
+                <a16:creationId xmlns:a16="http://schemas.microsoft.com/office/drawing/2014/main" id="{DB1F447C-2F61-B060-8EFE-D98620927A6E}"/>
               </a:ext>
             </a:extLst>
           </p:cNvPr>
@@ -11973,7 +11973,7 @@
           <p:cNvPr id="3" name="Inhaltsplatzhalter 2">
             <a:extLst>
               <a:ext uri="{FF2B5EF4-FFF2-40B4-BE49-F238E27FC236}">
-                <a16:creationId xmlns:a16="http://schemas.microsoft.com/office/drawing/2014/main" id="{01B30DD9-6590-DB7B-37D7-65618A4BAC0E}"/>
+                <a16:creationId xmlns:a16="http://schemas.microsoft.com/office/drawing/2014/main" id="{68EC2247-CA50-F34D-5B3B-2171A8AD687B}"/>
               </a:ext>
             </a:extLst>
           </p:cNvPr>
@@ -11993,706 +11993,276 @@
               <a:buNone/>
             </a:pPr>
             <a:r>
-              <a:rPr lang="en-US" sz="2000" b="1" dirty="0" err="1"/>
-              <a:t>Beispiel</a:t>
-            </a:r>
-            <a:r>
-              <a:rPr lang="en-US" sz="2000" b="1" dirty="0"/>
-              <a:t>: Docker-in-Docker Container Image (</a:t>
-            </a:r>
-            <a:r>
-              <a:rPr lang="en-US" sz="2000" b="1" dirty="0">
-                <a:solidFill>
-                  <a:srgbClr val="0249FC"/>
-                </a:solidFill>
-              </a:rPr>
-              <a:t>Dependency Proxy</a:t>
-            </a:r>
-            <a:r>
-              <a:rPr lang="en-US" sz="2000" b="1" dirty="0"/>
-              <a:t>)</a:t>
-            </a:r>
-          </a:p>
-          <a:p>
-            <a:pPr marL="0" indent="0">
-              <a:buNone/>
-            </a:pPr>
-            <a:r>
-              <a:rPr lang="en-US" sz="2000" dirty="0" err="1"/>
-              <a:t>Eigene</a:t>
-            </a:r>
-            <a:r>
-              <a:rPr lang="en-US" sz="2000" dirty="0"/>
-              <a:t> Container Images </a:t>
-            </a:r>
-            <a:r>
-              <a:rPr lang="en-US" sz="2000" dirty="0" err="1"/>
-              <a:t>mit</a:t>
-            </a:r>
-            <a:r>
-              <a:rPr lang="en-US" sz="2000" dirty="0"/>
-              <a:t> Docker-in-Docker </a:t>
-            </a:r>
-            <a:r>
-              <a:rPr lang="en-US" sz="2000" dirty="0" err="1"/>
-              <a:t>nutzen</a:t>
-            </a:r>
-            <a:endParaRPr lang="en-US" sz="2000" dirty="0"/>
-          </a:p>
-          <a:p>
-            <a:pPr marL="457200" indent="-457200">
-              <a:buFont typeface="+mj-lt"/>
-              <a:buAutoNum type="arabicPeriod"/>
-            </a:pPr>
-            <a:r>
-              <a:rPr lang="en-US" sz="2000" dirty="0"/>
-              <a:t>Docker-in-Docker </a:t>
-            </a:r>
-            <a:r>
-              <a:rPr lang="en-US" sz="2000" dirty="0" err="1"/>
-              <a:t>einrichten</a:t>
-            </a:r>
-            <a:endParaRPr lang="en-US" sz="2000" dirty="0"/>
-          </a:p>
-          <a:p>
-            <a:pPr marL="457200" indent="-457200">
-              <a:buFont typeface="+mj-lt"/>
-              <a:buAutoNum type="arabicPeriod"/>
-            </a:pPr>
-            <a:r>
-              <a:rPr lang="en-US" sz="2000" dirty="0">
-                <a:solidFill>
-                  <a:srgbClr val="FF0000"/>
-                </a:solidFill>
-                <a:latin typeface="Consolas" panose="020B0609020204030204" pitchFamily="49" charset="0"/>
-              </a:rPr>
-              <a:t>image</a:t>
-            </a:r>
-            <a:r>
-              <a:rPr lang="en-US" sz="2000" dirty="0"/>
-              <a:t> und </a:t>
-            </a:r>
-            <a:r>
-              <a:rPr lang="en-US" sz="2000" dirty="0">
-                <a:solidFill>
-                  <a:srgbClr val="FF0000"/>
-                </a:solidFill>
-                <a:latin typeface="Consolas" panose="020B0609020204030204" pitchFamily="49" charset="0"/>
-              </a:rPr>
-              <a:t>service</a:t>
-            </a:r>
-            <a:r>
-              <a:rPr lang="en-US" sz="2000" dirty="0"/>
-              <a:t> auf die Registry </a:t>
-            </a:r>
-            <a:r>
-              <a:rPr lang="en-US" sz="2000" dirty="0" err="1"/>
-              <a:t>zeigen</a:t>
-            </a:r>
-            <a:r>
-              <a:rPr lang="en-US" sz="2000" dirty="0"/>
+              <a:rPr lang="de-DE" b="1" dirty="0" err="1"/>
+              <a:t>Dependency</a:t>
+            </a:r>
+            <a:r>
+              <a:rPr lang="de-DE" b="1" dirty="0"/>
+              <a:t> Proxy</a:t>
+            </a:r>
+          </a:p>
+          <a:p>
+            <a:pPr>
+              <a:buFont typeface="Arial" panose="020B0604020202020204" pitchFamily="34" charset="0"/>
+              <a:buChar char="•"/>
+            </a:pPr>
+            <a:r>
+              <a:rPr lang="de-DE" sz="2000" dirty="0"/>
+              <a:t>Lokaler Proxy</a:t>
+            </a:r>
+          </a:p>
+          <a:p>
+            <a:pPr lvl="1">
+              <a:buFont typeface="Arial" panose="020B0604020202020204" pitchFamily="34" charset="0"/>
+              <a:buChar char="•"/>
+            </a:pPr>
+            <a:r>
+              <a:rPr lang="de-DE" sz="1800" dirty="0"/>
+              <a:t>Genutzt für häufig genutzte Upstream-Images</a:t>
+            </a:r>
+          </a:p>
+          <a:p>
+            <a:pPr lvl="1">
+              <a:buFont typeface="Arial" panose="020B0604020202020204" pitchFamily="34" charset="0"/>
+              <a:buChar char="•"/>
+            </a:pPr>
+            <a:r>
+              <a:rPr lang="de-DE" sz="1800" dirty="0"/>
+              <a:t>Agiert als pull </a:t>
+            </a:r>
+            <a:r>
+              <a:rPr lang="de-DE" sz="1800" dirty="0" err="1"/>
+              <a:t>through</a:t>
+            </a:r>
+            <a:r>
+              <a:rPr lang="de-DE" sz="1800" dirty="0"/>
               <a:t> </a:t>
             </a:r>
             <a:r>
-              <a:rPr lang="en-US" sz="2000" dirty="0" err="1"/>
-              <a:t>lassen</a:t>
-            </a:r>
-            <a:endParaRPr lang="en-US" sz="2000" dirty="0"/>
-          </a:p>
-          <a:p>
-            <a:pPr marL="457200" indent="-457200">
-              <a:buFont typeface="+mj-lt"/>
-              <a:buAutoNum type="arabicPeriod"/>
-            </a:pPr>
-            <a:r>
-              <a:rPr lang="en-US" sz="2000" dirty="0">
-                <a:solidFill>
-                  <a:srgbClr val="FF0000"/>
-                </a:solidFill>
-                <a:latin typeface="Consolas" panose="020B0609020204030204" pitchFamily="49" charset="0"/>
-              </a:rPr>
-              <a:t>alias</a:t>
-            </a:r>
-            <a:r>
-              <a:rPr lang="en-US" sz="2000" dirty="0"/>
+              <a:rPr lang="de-DE" sz="1800" dirty="0" err="1"/>
+              <a:t>cache</a:t>
+            </a:r>
+            <a:r>
+              <a:rPr lang="de-DE" sz="1800" dirty="0"/>
+              <a:t> für </a:t>
+            </a:r>
+            <a:r>
+              <a:rPr lang="de-DE" sz="1800" dirty="0" err="1"/>
+              <a:t>DockerHub</a:t>
+            </a:r>
+            <a:endParaRPr lang="de-DE" sz="1800" dirty="0"/>
+          </a:p>
+          <a:p>
+            <a:pPr lvl="1">
+              <a:buFont typeface="Arial" panose="020B0604020202020204" pitchFamily="34" charset="0"/>
+              <a:buChar char="•"/>
+            </a:pPr>
+            <a:r>
+              <a:rPr lang="de-DE" sz="1800" dirty="0"/>
+              <a:t>Aus Sicht des Docker Clients: Einfach eine weitere Registry</a:t>
+            </a:r>
+          </a:p>
+          <a:p>
+            <a:pPr>
+              <a:buFont typeface="Arial" panose="020B0604020202020204" pitchFamily="34" charset="0"/>
+              <a:buChar char="•"/>
+            </a:pPr>
+            <a:r>
+              <a:rPr lang="de-DE" sz="2000" dirty="0"/>
+              <a:t>Docker Hub rate </a:t>
+            </a:r>
+            <a:r>
+              <a:rPr lang="de-DE" sz="2000" dirty="0" err="1"/>
+              <a:t>limiting</a:t>
+            </a:r>
+            <a:endParaRPr lang="de-DE" sz="2000" dirty="0"/>
+          </a:p>
+          <a:p>
+            <a:pPr lvl="1">
+              <a:buFont typeface="Arial" panose="020B0604020202020204" pitchFamily="34" charset="0"/>
+              <a:buChar char="•"/>
+            </a:pPr>
+            <a:r>
+              <a:rPr lang="de-DE" sz="1800" dirty="0">
+                <a:hlinkClick r:id="rId3"/>
+              </a:rPr>
+              <a:t>https://docs.docker.com/docker-hub/download-rate-limit/</a:t>
+            </a:r>
+            <a:r>
+              <a:rPr lang="de-DE" sz="1800" dirty="0"/>
               <a:t> </a:t>
             </a:r>
-            <a:r>
-              <a:rPr lang="en-US" sz="2000" dirty="0" err="1"/>
-              <a:t>hinzufügen</a:t>
-            </a:r>
-            <a:r>
-              <a:rPr lang="en-US" sz="2000" dirty="0"/>
-              <a:t> für den </a:t>
-            </a:r>
-            <a:r>
-              <a:rPr lang="en-US" sz="2000" dirty="0">
-                <a:latin typeface="Consolas" panose="020B0609020204030204" pitchFamily="49" charset="0"/>
-              </a:rPr>
-              <a:t>service</a:t>
-            </a:r>
-          </a:p>
-          <a:p>
-            <a:pPr marL="457200" indent="-457200">
-              <a:buFont typeface="+mj-lt"/>
-              <a:buAutoNum type="arabicPeriod"/>
-            </a:pPr>
-            <a:endParaRPr lang="en-US" sz="2000" dirty="0">
-              <a:latin typeface="Consolas" panose="020B0609020204030204" pitchFamily="49" charset="0"/>
+          </a:p>
+          <a:p>
+            <a:pPr lvl="1">
+              <a:buFont typeface="Arial" panose="020B0604020202020204" pitchFamily="34" charset="0"/>
+              <a:buChar char="•"/>
+            </a:pPr>
+            <a:r>
+              <a:rPr lang="de-DE" sz="1800" dirty="0"/>
+              <a:t>Begrenzt die Image </a:t>
+            </a:r>
+            <a:r>
+              <a:rPr lang="de-DE" sz="1800" dirty="0" err="1"/>
+              <a:t>pulls</a:t>
+            </a:r>
+            <a:r>
+              <a:rPr lang="de-DE" sz="1800" dirty="0"/>
+              <a:t> von Docker Hub </a:t>
+            </a:r>
+          </a:p>
+          <a:p>
+            <a:pPr lvl="1">
+              <a:buFont typeface="Arial" panose="020B0604020202020204" pitchFamily="34" charset="0"/>
+              <a:buChar char="•"/>
+            </a:pPr>
+            <a:r>
+              <a:rPr lang="de-DE" sz="1800" dirty="0"/>
+              <a:t>Meist läuft bei jedem </a:t>
+            </a:r>
+            <a:r>
+              <a:rPr lang="de-DE" sz="1800" dirty="0" err="1"/>
+              <a:t>commit</a:t>
+            </a:r>
+            <a:r>
+              <a:rPr lang="de-DE" sz="1800" dirty="0"/>
+              <a:t> eine Pipeline</a:t>
+            </a:r>
+          </a:p>
+          <a:p>
+            <a:pPr lvl="2">
+              <a:buFont typeface="Arial" panose="020B0604020202020204" pitchFamily="34" charset="0"/>
+              <a:buChar char="•"/>
+            </a:pPr>
+            <a:r>
+              <a:rPr lang="de-DE" sz="1600" dirty="0"/>
+              <a:t>Selbst bei gleichem Image </a:t>
+            </a:r>
+            <a:r>
+              <a:rPr lang="de-DE" sz="1600" dirty="0">
+                <a:sym typeface="Wingdings" panose="05000000000000000000" pitchFamily="2" charset="2"/>
+              </a:rPr>
+              <a:t> Docker Pull Count erhöht durch „manifest </a:t>
+            </a:r>
+            <a:r>
+              <a:rPr lang="de-DE" sz="1600" dirty="0" err="1">
+                <a:sym typeface="Wingdings" panose="05000000000000000000" pitchFamily="2" charset="2"/>
+              </a:rPr>
+              <a:t>requets</a:t>
+            </a:r>
+            <a:r>
+              <a:rPr lang="de-DE" sz="1600" dirty="0">
+                <a:sym typeface="Wingdings" panose="05000000000000000000" pitchFamily="2" charset="2"/>
+              </a:rPr>
+              <a:t>“</a:t>
+            </a:r>
+            <a:endParaRPr lang="de-DE" sz="2000" dirty="0">
+              <a:sym typeface="Wingdings" panose="05000000000000000000" pitchFamily="2" charset="2"/>
             </a:endParaRPr>
           </a:p>
           <a:p>
-            <a:pPr marL="0" indent="0">
-              <a:buNone/>
-            </a:pPr>
-            <a:r>
-              <a:rPr lang="en-US" sz="1800" dirty="0">
-                <a:latin typeface="Consolas" panose="020B0609020204030204" pitchFamily="49" charset="0"/>
-              </a:rPr>
-              <a:t>.</a:t>
-            </a:r>
-            <a:r>
-              <a:rPr lang="en-US" sz="1800" dirty="0" err="1">
-                <a:latin typeface="Consolas" panose="020B0609020204030204" pitchFamily="49" charset="0"/>
-              </a:rPr>
-              <a:t>gitlab-ci.yml</a:t>
-            </a:r>
-            <a:endParaRPr lang="en-US" sz="1800" dirty="0">
-              <a:latin typeface="Consolas" panose="020B0609020204030204" pitchFamily="49" charset="0"/>
-            </a:endParaRPr>
-          </a:p>
-          <a:p>
-            <a:pPr marL="0" marR="0" lvl="0" indent="0" algn="l" defTabSz="914400" rtl="0" eaLnBrk="1" fontAlgn="base" latinLnBrk="0" hangingPunct="1">
-              <a:lnSpc>
-                <a:spcPct val="100000"/>
-              </a:lnSpc>
-              <a:spcBef>
-                <a:spcPct val="20000"/>
-              </a:spcBef>
-              <a:spcAft>
-                <a:spcPct val="0"/>
-              </a:spcAft>
-              <a:buClr>
-                <a:srgbClr val="008C5A"/>
-              </a:buClr>
-              <a:buSzTx/>
-              <a:buFont typeface="Monotype Sorts" pitchFamily="2" charset="2"/>
-              <a:buNone/>
-              <a:tabLst/>
-              <a:defRPr/>
-            </a:pPr>
-            <a:r>
-              <a:rPr kumimoji="0" lang="en-US" sz="1400" b="0" i="0" u="none" strike="noStrike" kern="0" cap="none" spc="0" normalizeH="0" baseline="0" noProof="0" dirty="0">
-                <a:ln>
-                  <a:noFill/>
-                </a:ln>
-                <a:solidFill>
-                  <a:srgbClr val="000000"/>
-                </a:solidFill>
-                <a:effectLst/>
-                <a:uLnTx/>
-                <a:uFillTx/>
-                <a:latin typeface="Consolas" panose="020B0609020204030204" pitchFamily="49" charset="0"/>
-                <a:ea typeface="+mn-ea"/>
-                <a:cs typeface="+mn-cs"/>
-              </a:rPr>
-              <a:t>build:</a:t>
-            </a:r>
-          </a:p>
-          <a:p>
-            <a:pPr marL="0" marR="0" lvl="0" indent="0" algn="l" defTabSz="914400" rtl="0" eaLnBrk="1" fontAlgn="base" latinLnBrk="0" hangingPunct="1">
-              <a:lnSpc>
-                <a:spcPct val="100000"/>
-              </a:lnSpc>
-              <a:spcBef>
-                <a:spcPct val="20000"/>
-              </a:spcBef>
-              <a:spcAft>
-                <a:spcPct val="0"/>
-              </a:spcAft>
-              <a:buClr>
-                <a:srgbClr val="008C5A"/>
-              </a:buClr>
-              <a:buSzTx/>
-              <a:buFont typeface="Monotype Sorts" pitchFamily="2" charset="2"/>
-              <a:buNone/>
-              <a:tabLst/>
-              <a:defRPr/>
-            </a:pPr>
-            <a:r>
-              <a:rPr kumimoji="0" lang="en-US" sz="1400" b="0" i="0" u="none" strike="noStrike" kern="0" cap="none" spc="0" normalizeH="0" baseline="0" noProof="0" dirty="0">
-                <a:ln>
-                  <a:noFill/>
-                </a:ln>
-                <a:solidFill>
-                  <a:srgbClr val="000000"/>
-                </a:solidFill>
-                <a:effectLst/>
-                <a:uLnTx/>
-                <a:uFillTx/>
-                <a:latin typeface="Consolas" panose="020B0609020204030204" pitchFamily="49" charset="0"/>
-                <a:ea typeface="+mn-ea"/>
-                <a:cs typeface="+mn-cs"/>
-              </a:rPr>
-              <a:t>  </a:t>
-            </a:r>
-            <a:r>
-              <a:rPr kumimoji="0" lang="en-US" sz="1400" b="0" i="0" u="none" strike="noStrike" kern="0" cap="none" spc="0" normalizeH="0" baseline="0" noProof="0" dirty="0">
-                <a:ln>
-                  <a:noFill/>
-                </a:ln>
-                <a:solidFill>
-                  <a:srgbClr val="FF0000"/>
-                </a:solidFill>
-                <a:effectLst/>
-                <a:uLnTx/>
-                <a:uFillTx/>
-                <a:latin typeface="Consolas" panose="020B0609020204030204" pitchFamily="49" charset="0"/>
-                <a:ea typeface="+mn-ea"/>
-                <a:cs typeface="+mn-cs"/>
-              </a:rPr>
-              <a:t>image</a:t>
-            </a:r>
-            <a:r>
-              <a:rPr kumimoji="0" lang="en-US" sz="1400" b="0" i="0" u="none" strike="noStrike" kern="0" cap="none" spc="0" normalizeH="0" baseline="0" noProof="0" dirty="0">
-                <a:ln>
-                  <a:noFill/>
-                </a:ln>
-                <a:solidFill>
-                  <a:srgbClr val="000000"/>
-                </a:solidFill>
-                <a:effectLst/>
-                <a:uLnTx/>
-                <a:uFillTx/>
-                <a:latin typeface="Consolas" panose="020B0609020204030204" pitchFamily="49" charset="0"/>
-                <a:ea typeface="+mn-ea"/>
-                <a:cs typeface="+mn-cs"/>
-              </a:rPr>
-              <a:t>: </a:t>
-            </a:r>
-            <a:r>
-              <a:rPr kumimoji="0" lang="en-US" sz="1400" b="0" i="0" u="none" strike="noStrike" kern="0" cap="none" spc="0" normalizeH="0" baseline="0" noProof="0" dirty="0">
-                <a:ln>
-                  <a:noFill/>
-                </a:ln>
-                <a:solidFill>
-                  <a:srgbClr val="0249FC"/>
-                </a:solidFill>
-                <a:effectLst/>
-                <a:uLnTx/>
-                <a:uFillTx/>
-                <a:latin typeface="Consolas" panose="020B0609020204030204" pitchFamily="49" charset="0"/>
-                <a:ea typeface="+mn-ea"/>
-                <a:cs typeface="+mn-cs"/>
-              </a:rPr>
-              <a:t>${CI_DEPENDENCY_PROXY_GROUP_IMAGE_PREFIX}</a:t>
-            </a:r>
-            <a:r>
-              <a:rPr kumimoji="0" lang="en-US" sz="1400" b="0" i="0" u="none" strike="noStrike" kern="0" cap="none" spc="0" normalizeH="0" baseline="0" noProof="0" dirty="0">
-                <a:ln>
-                  <a:noFill/>
-                </a:ln>
-                <a:solidFill>
-                  <a:srgbClr val="000000"/>
-                </a:solidFill>
-                <a:effectLst/>
-                <a:uLnTx/>
-                <a:uFillTx/>
-                <a:latin typeface="Consolas" panose="020B0609020204030204" pitchFamily="49" charset="0"/>
-                <a:ea typeface="+mn-ea"/>
-                <a:cs typeface="+mn-cs"/>
-              </a:rPr>
-              <a:t>/docker:20.10.16</a:t>
-            </a:r>
-          </a:p>
-          <a:p>
-            <a:pPr marL="0" marR="0" lvl="0" indent="0" algn="l" defTabSz="914400" rtl="0" eaLnBrk="1" fontAlgn="base" latinLnBrk="0" hangingPunct="1">
-              <a:lnSpc>
-                <a:spcPct val="100000"/>
-              </a:lnSpc>
-              <a:spcBef>
-                <a:spcPct val="20000"/>
-              </a:spcBef>
-              <a:spcAft>
-                <a:spcPct val="0"/>
-              </a:spcAft>
-              <a:buClr>
-                <a:srgbClr val="008C5A"/>
-              </a:buClr>
-              <a:buSzTx/>
-              <a:buFont typeface="Monotype Sorts" pitchFamily="2" charset="2"/>
-              <a:buNone/>
-              <a:tabLst/>
-              <a:defRPr/>
-            </a:pPr>
-            <a:r>
-              <a:rPr kumimoji="0" lang="en-US" sz="1400" b="0" i="0" u="none" strike="noStrike" kern="0" cap="none" spc="0" normalizeH="0" baseline="0" noProof="0" dirty="0">
-                <a:ln>
-                  <a:noFill/>
-                </a:ln>
-                <a:solidFill>
-                  <a:srgbClr val="000000"/>
-                </a:solidFill>
-                <a:effectLst/>
-                <a:uLnTx/>
-                <a:uFillTx/>
-                <a:latin typeface="Consolas" panose="020B0609020204030204" pitchFamily="49" charset="0"/>
-                <a:ea typeface="+mn-ea"/>
-                <a:cs typeface="+mn-cs"/>
-              </a:rPr>
-              <a:t>  </a:t>
-            </a:r>
-            <a:r>
-              <a:rPr kumimoji="0" lang="en-US" sz="1400" b="0" i="0" u="none" strike="noStrike" kern="0" cap="none" spc="0" normalizeH="0" baseline="0" noProof="0" dirty="0">
-                <a:ln>
-                  <a:noFill/>
-                </a:ln>
-                <a:solidFill>
-                  <a:srgbClr val="FF0000"/>
-                </a:solidFill>
-                <a:effectLst/>
-                <a:uLnTx/>
-                <a:uFillTx/>
-                <a:latin typeface="Consolas" panose="020B0609020204030204" pitchFamily="49" charset="0"/>
-                <a:ea typeface="+mn-ea"/>
-                <a:cs typeface="+mn-cs"/>
-              </a:rPr>
-              <a:t>services</a:t>
-            </a:r>
-            <a:r>
-              <a:rPr kumimoji="0" lang="en-US" sz="1400" b="0" i="0" u="none" strike="noStrike" kern="0" cap="none" spc="0" normalizeH="0" baseline="0" noProof="0" dirty="0">
-                <a:ln>
-                  <a:noFill/>
-                </a:ln>
-                <a:solidFill>
-                  <a:srgbClr val="000000"/>
-                </a:solidFill>
-                <a:effectLst/>
-                <a:uLnTx/>
-                <a:uFillTx/>
-                <a:latin typeface="Consolas" panose="020B0609020204030204" pitchFamily="49" charset="0"/>
-                <a:ea typeface="+mn-ea"/>
-                <a:cs typeface="+mn-cs"/>
-              </a:rPr>
-              <a:t>:</a:t>
-            </a:r>
-          </a:p>
-          <a:p>
-            <a:pPr marL="0" marR="0" lvl="0" indent="0" algn="l" defTabSz="914400" rtl="0" eaLnBrk="1" fontAlgn="base" latinLnBrk="0" hangingPunct="1">
-              <a:lnSpc>
-                <a:spcPct val="100000"/>
-              </a:lnSpc>
-              <a:spcBef>
-                <a:spcPct val="20000"/>
-              </a:spcBef>
-              <a:spcAft>
-                <a:spcPct val="0"/>
-              </a:spcAft>
-              <a:buClr>
-                <a:srgbClr val="008C5A"/>
-              </a:buClr>
-              <a:buSzTx/>
-              <a:buFont typeface="Monotype Sorts" pitchFamily="2" charset="2"/>
-              <a:buNone/>
-              <a:tabLst/>
-              <a:defRPr/>
-            </a:pPr>
-            <a:r>
-              <a:rPr kumimoji="0" lang="en-US" sz="1400" b="0" i="0" u="none" strike="noStrike" kern="0" cap="none" spc="0" normalizeH="0" baseline="0" noProof="0" dirty="0">
-                <a:ln>
-                  <a:noFill/>
-                </a:ln>
-                <a:solidFill>
-                  <a:srgbClr val="000000"/>
-                </a:solidFill>
-                <a:effectLst/>
-                <a:uLnTx/>
-                <a:uFillTx/>
-                <a:latin typeface="Consolas" panose="020B0609020204030204" pitchFamily="49" charset="0"/>
-                <a:ea typeface="+mn-ea"/>
-                <a:cs typeface="+mn-cs"/>
-              </a:rPr>
-              <a:t>    - name: </a:t>
-            </a:r>
-            <a:r>
-              <a:rPr kumimoji="0" lang="en-US" sz="1400" b="0" i="0" u="none" strike="noStrike" kern="0" cap="none" spc="0" normalizeH="0" baseline="0" noProof="0" dirty="0">
-                <a:ln>
-                  <a:noFill/>
-                </a:ln>
-                <a:solidFill>
-                  <a:srgbClr val="0249FC"/>
-                </a:solidFill>
-                <a:effectLst/>
-                <a:uLnTx/>
-                <a:uFillTx/>
-                <a:latin typeface="Consolas" panose="020B0609020204030204" pitchFamily="49" charset="0"/>
-                <a:ea typeface="+mn-ea"/>
-                <a:cs typeface="+mn-cs"/>
-              </a:rPr>
-              <a:t>${CI_DEPENDENCY_PROXY_GROUP_IMAGE_PREFIX}</a:t>
-            </a:r>
-            <a:r>
-              <a:rPr kumimoji="0" lang="en-US" sz="1400" b="0" i="0" u="none" strike="noStrike" kern="0" cap="none" spc="0" normalizeH="0" baseline="0" noProof="0" dirty="0">
-                <a:ln>
-                  <a:noFill/>
-                </a:ln>
-                <a:solidFill>
-                  <a:srgbClr val="000000"/>
-                </a:solidFill>
-                <a:effectLst/>
-                <a:uLnTx/>
-                <a:uFillTx/>
-                <a:latin typeface="Consolas" panose="020B0609020204030204" pitchFamily="49" charset="0"/>
-                <a:ea typeface="+mn-ea"/>
-                <a:cs typeface="+mn-cs"/>
-              </a:rPr>
-              <a:t>/docker:18.09.7-dind</a:t>
-            </a:r>
-          </a:p>
-          <a:p>
-            <a:pPr marL="0" marR="0" lvl="0" indent="0" algn="l" defTabSz="914400" rtl="0" eaLnBrk="1" fontAlgn="base" latinLnBrk="0" hangingPunct="1">
-              <a:lnSpc>
-                <a:spcPct val="100000"/>
-              </a:lnSpc>
-              <a:spcBef>
-                <a:spcPct val="20000"/>
-              </a:spcBef>
-              <a:spcAft>
-                <a:spcPct val="0"/>
-              </a:spcAft>
-              <a:buClr>
-                <a:srgbClr val="008C5A"/>
-              </a:buClr>
-              <a:buSzTx/>
-              <a:buFont typeface="Monotype Sorts" pitchFamily="2" charset="2"/>
-              <a:buNone/>
-              <a:tabLst/>
-              <a:defRPr/>
-            </a:pPr>
-            <a:r>
-              <a:rPr kumimoji="0" lang="en-US" sz="1400" b="0" i="0" u="none" strike="noStrike" kern="0" cap="none" spc="0" normalizeH="0" baseline="0" noProof="0" dirty="0">
-                <a:ln>
-                  <a:noFill/>
-                </a:ln>
-                <a:solidFill>
-                  <a:srgbClr val="000000"/>
-                </a:solidFill>
-                <a:effectLst/>
-                <a:uLnTx/>
-                <a:uFillTx/>
-                <a:latin typeface="Consolas" panose="020B0609020204030204" pitchFamily="49" charset="0"/>
-                <a:ea typeface="+mn-ea"/>
-                <a:cs typeface="+mn-cs"/>
-              </a:rPr>
-              <a:t>      </a:t>
-            </a:r>
-            <a:r>
-              <a:rPr kumimoji="0" lang="en-US" sz="1400" b="0" i="0" u="none" strike="noStrike" kern="0" cap="none" spc="0" normalizeH="0" baseline="0" noProof="0" dirty="0">
-                <a:ln>
-                  <a:noFill/>
-                </a:ln>
-                <a:solidFill>
-                  <a:srgbClr val="FF0000"/>
-                </a:solidFill>
-                <a:effectLst/>
-                <a:uLnTx/>
-                <a:uFillTx/>
-                <a:latin typeface="Consolas" panose="020B0609020204030204" pitchFamily="49" charset="0"/>
-                <a:ea typeface="+mn-ea"/>
-                <a:cs typeface="+mn-cs"/>
-              </a:rPr>
-              <a:t>alias</a:t>
-            </a:r>
-            <a:r>
-              <a:rPr kumimoji="0" lang="en-US" sz="1400" b="0" i="0" u="none" strike="noStrike" kern="0" cap="none" spc="0" normalizeH="0" baseline="0" noProof="0" dirty="0">
-                <a:ln>
-                  <a:noFill/>
-                </a:ln>
-                <a:solidFill>
-                  <a:srgbClr val="000000"/>
-                </a:solidFill>
-                <a:effectLst/>
-                <a:uLnTx/>
-                <a:uFillTx/>
-                <a:latin typeface="Consolas" panose="020B0609020204030204" pitchFamily="49" charset="0"/>
-                <a:ea typeface="+mn-ea"/>
-                <a:cs typeface="+mn-cs"/>
-              </a:rPr>
-              <a:t>: docker</a:t>
-            </a:r>
-          </a:p>
-          <a:p>
-            <a:pPr marL="0" marR="0" lvl="0" indent="0" algn="l" defTabSz="914400" rtl="0" eaLnBrk="1" fontAlgn="base" latinLnBrk="0" hangingPunct="1">
-              <a:lnSpc>
-                <a:spcPct val="100000"/>
-              </a:lnSpc>
-              <a:spcBef>
-                <a:spcPct val="20000"/>
-              </a:spcBef>
-              <a:spcAft>
-                <a:spcPct val="0"/>
-              </a:spcAft>
-              <a:buClr>
-                <a:srgbClr val="008C5A"/>
-              </a:buClr>
-              <a:buSzTx/>
-              <a:buFont typeface="Monotype Sorts" pitchFamily="2" charset="2"/>
-              <a:buNone/>
-              <a:tabLst/>
-              <a:defRPr/>
-            </a:pPr>
-            <a:r>
-              <a:rPr kumimoji="0" lang="en-US" sz="1400" b="0" i="0" u="none" strike="noStrike" kern="0" cap="none" spc="0" normalizeH="0" baseline="0" noProof="0" dirty="0">
-                <a:ln>
-                  <a:noFill/>
-                </a:ln>
-                <a:solidFill>
-                  <a:srgbClr val="000000"/>
-                </a:solidFill>
-                <a:effectLst/>
-                <a:uLnTx/>
-                <a:uFillTx/>
-                <a:latin typeface="Consolas" panose="020B0609020204030204" pitchFamily="49" charset="0"/>
-                <a:ea typeface="+mn-ea"/>
-                <a:cs typeface="+mn-cs"/>
-              </a:rPr>
-              <a:t>  stage: build</a:t>
-            </a:r>
-          </a:p>
-          <a:p>
-            <a:pPr marL="0" marR="0" lvl="0" indent="0" algn="l" defTabSz="914400" rtl="0" eaLnBrk="1" fontAlgn="base" latinLnBrk="0" hangingPunct="1">
-              <a:lnSpc>
-                <a:spcPct val="100000"/>
-              </a:lnSpc>
-              <a:spcBef>
-                <a:spcPct val="20000"/>
-              </a:spcBef>
-              <a:spcAft>
-                <a:spcPct val="0"/>
-              </a:spcAft>
-              <a:buClr>
-                <a:srgbClr val="008C5A"/>
-              </a:buClr>
-              <a:buSzTx/>
-              <a:buFont typeface="Monotype Sorts" pitchFamily="2" charset="2"/>
-              <a:buNone/>
-              <a:tabLst/>
-              <a:defRPr/>
-            </a:pPr>
-            <a:r>
-              <a:rPr kumimoji="0" lang="en-US" sz="1400" b="0" i="0" u="none" strike="noStrike" kern="0" cap="none" spc="0" normalizeH="0" baseline="0" noProof="0" dirty="0">
-                <a:ln>
-                  <a:noFill/>
-                </a:ln>
-                <a:solidFill>
-                  <a:srgbClr val="000000"/>
-                </a:solidFill>
-                <a:effectLst/>
-                <a:uLnTx/>
-                <a:uFillTx/>
-                <a:latin typeface="Consolas" panose="020B0609020204030204" pitchFamily="49" charset="0"/>
-                <a:ea typeface="+mn-ea"/>
-                <a:cs typeface="+mn-cs"/>
-              </a:rPr>
-              <a:t>  script:</a:t>
-            </a:r>
-          </a:p>
-          <a:p>
-            <a:pPr marL="0" marR="0" lvl="0" indent="0" algn="l" defTabSz="914400" rtl="0" eaLnBrk="1" fontAlgn="base" latinLnBrk="0" hangingPunct="1">
-              <a:lnSpc>
-                <a:spcPct val="100000"/>
-              </a:lnSpc>
-              <a:spcBef>
-                <a:spcPct val="20000"/>
-              </a:spcBef>
-              <a:spcAft>
-                <a:spcPct val="0"/>
-              </a:spcAft>
-              <a:buClr>
-                <a:srgbClr val="008C5A"/>
-              </a:buClr>
-              <a:buSzTx/>
-              <a:buFont typeface="Monotype Sorts" pitchFamily="2" charset="2"/>
-              <a:buNone/>
-              <a:tabLst/>
-              <a:defRPr/>
-            </a:pPr>
-            <a:r>
-              <a:rPr kumimoji="0" lang="en-US" sz="1400" b="0" i="0" u="none" strike="noStrike" kern="0" cap="none" spc="0" normalizeH="0" baseline="0" noProof="0" dirty="0">
-                <a:ln>
-                  <a:noFill/>
-                </a:ln>
-                <a:solidFill>
-                  <a:srgbClr val="000000"/>
-                </a:solidFill>
-                <a:effectLst/>
-                <a:uLnTx/>
-                <a:uFillTx/>
-                <a:latin typeface="Consolas" panose="020B0609020204030204" pitchFamily="49" charset="0"/>
-                <a:ea typeface="+mn-ea"/>
-                <a:cs typeface="+mn-cs"/>
-              </a:rPr>
-              <a:t>    - docker build -t my-docker-image .</a:t>
-            </a:r>
-          </a:p>
-          <a:p>
-            <a:pPr marL="0" marR="0" lvl="0" indent="0" algn="l" defTabSz="914400" rtl="0" eaLnBrk="1" fontAlgn="base" latinLnBrk="0" hangingPunct="1">
-              <a:lnSpc>
-                <a:spcPct val="100000"/>
-              </a:lnSpc>
-              <a:spcBef>
-                <a:spcPct val="20000"/>
-              </a:spcBef>
-              <a:spcAft>
-                <a:spcPct val="0"/>
-              </a:spcAft>
-              <a:buClr>
-                <a:srgbClr val="008C5A"/>
-              </a:buClr>
-              <a:buSzTx/>
-              <a:buFont typeface="Monotype Sorts" pitchFamily="2" charset="2"/>
-              <a:buNone/>
-              <a:tabLst/>
-              <a:defRPr/>
-            </a:pPr>
-            <a:r>
-              <a:rPr kumimoji="0" lang="en-US" sz="1400" b="0" i="0" u="none" strike="noStrike" kern="0" cap="none" spc="0" normalizeH="0" baseline="0" noProof="0" dirty="0">
-                <a:ln>
-                  <a:noFill/>
-                </a:ln>
-                <a:solidFill>
-                  <a:srgbClr val="000000"/>
-                </a:solidFill>
-                <a:effectLst/>
-                <a:uLnTx/>
-                <a:uFillTx/>
-                <a:latin typeface="Consolas" panose="020B0609020204030204" pitchFamily="49" charset="0"/>
-                <a:ea typeface="+mn-ea"/>
-                <a:cs typeface="+mn-cs"/>
-              </a:rPr>
-              <a:t>    - docker run my-docker-image /script/to/run/tests</a:t>
-            </a:r>
-            <a:endParaRPr kumimoji="0" lang="en-US" sz="1100" b="0" i="0" u="none" strike="noStrike" kern="0" cap="none" spc="0" normalizeH="0" baseline="0" noProof="0" dirty="0">
-              <a:ln>
-                <a:noFill/>
-              </a:ln>
-              <a:solidFill>
-                <a:srgbClr val="000000"/>
-              </a:solidFill>
-              <a:effectLst/>
-              <a:uLnTx/>
-              <a:uFillTx/>
-              <a:latin typeface="Consolas" panose="020B0609020204030204" pitchFamily="49" charset="0"/>
-              <a:ea typeface="+mn-ea"/>
-              <a:cs typeface="+mn-cs"/>
-            </a:endParaRPr>
+            <a:pPr lvl="1">
+              <a:buFont typeface="Arial" panose="020B0604020202020204" pitchFamily="34" charset="0"/>
+              <a:buChar char="•"/>
+            </a:pPr>
+            <a:r>
+              <a:rPr lang="de-DE" sz="1800" dirty="0">
+                <a:sym typeface="Wingdings" panose="05000000000000000000" pitchFamily="2" charset="2"/>
+              </a:rPr>
+              <a:t>Manifest („Inhaltverzeichnis des Images“)</a:t>
+            </a:r>
+          </a:p>
+          <a:p>
+            <a:pPr lvl="2">
+              <a:buFont typeface="Arial" panose="020B0604020202020204" pitchFamily="34" charset="0"/>
+              <a:buChar char="•"/>
+            </a:pPr>
+            <a:r>
+              <a:rPr lang="de-DE" sz="1600" dirty="0">
+                <a:sym typeface="Wingdings" panose="05000000000000000000" pitchFamily="2" charset="2"/>
+              </a:rPr>
+              <a:t>Informationen über </a:t>
+            </a:r>
+            <a:r>
+              <a:rPr lang="de-DE" sz="1600" dirty="0" err="1">
+                <a:sym typeface="Wingdings" panose="05000000000000000000" pitchFamily="2" charset="2"/>
+              </a:rPr>
+              <a:t>Layers</a:t>
+            </a:r>
+            <a:r>
+              <a:rPr lang="de-DE" sz="1600" dirty="0">
+                <a:sym typeface="Wingdings" panose="05000000000000000000" pitchFamily="2" charset="2"/>
+              </a:rPr>
+              <a:t> und Blobs des Images</a:t>
+            </a:r>
+            <a:endParaRPr lang="de-DE" sz="1600" dirty="0"/>
+          </a:p>
+          <a:p>
+            <a:pPr>
+              <a:buFont typeface="Arial" panose="020B0604020202020204" pitchFamily="34" charset="0"/>
+              <a:buChar char="•"/>
+            </a:pPr>
+            <a:r>
+              <a:rPr lang="de-DE" sz="2000" dirty="0" err="1"/>
+              <a:t>Dependency</a:t>
+            </a:r>
+            <a:r>
+              <a:rPr lang="de-DE" sz="2000" dirty="0"/>
+              <a:t> Proxy </a:t>
+            </a:r>
+            <a:r>
+              <a:rPr lang="de-DE" sz="2000" dirty="0" err="1"/>
+              <a:t>GitLab</a:t>
+            </a:r>
+            <a:r>
+              <a:rPr lang="de-DE" sz="2000" dirty="0"/>
+              <a:t> Dokumentation: </a:t>
+            </a:r>
+            <a:r>
+              <a:rPr lang="de-DE" sz="2000" dirty="0">
+                <a:hlinkClick r:id="rId4"/>
+              </a:rPr>
+              <a:t>https://docs.gitlab.com/ee/user/packages/dependency_proxy/</a:t>
+            </a:r>
+            <a:r>
+              <a:rPr lang="de-DE" sz="2000" dirty="0"/>
+              <a:t> </a:t>
+            </a:r>
+          </a:p>
+          <a:p>
+            <a:pPr>
+              <a:buFont typeface="Arial" panose="020B0604020202020204" pitchFamily="34" charset="0"/>
+              <a:buChar char="•"/>
+            </a:pPr>
+            <a:r>
+              <a:rPr lang="de-DE" sz="2000" u="sng" dirty="0"/>
+              <a:t>Hier:</a:t>
+            </a:r>
+            <a:r>
+              <a:rPr lang="de-DE" sz="2000" dirty="0"/>
+              <a:t> Keine weitere Verwendung!</a:t>
+            </a:r>
+          </a:p>
+          <a:p>
+            <a:pPr lvl="1">
+              <a:buFont typeface="Arial" panose="020B0604020202020204" pitchFamily="34" charset="0"/>
+              <a:buChar char="•"/>
+            </a:pPr>
+            <a:endParaRPr lang="de-DE" dirty="0"/>
+          </a:p>
+          <a:p>
+            <a:pPr lvl="1">
+              <a:buFont typeface="Arial" panose="020B0604020202020204" pitchFamily="34" charset="0"/>
+              <a:buChar char="•"/>
+            </a:pPr>
+            <a:endParaRPr lang="de-DE" dirty="0"/>
           </a:p>
         </p:txBody>
       </p:sp>
     </p:spTree>
     <p:extLst>
       <p:ext uri="{BB962C8B-B14F-4D97-AF65-F5344CB8AC3E}">
-        <p14:creationId xmlns:p14="http://schemas.microsoft.com/office/powerpoint/2010/main" val="3865403592"/>
+        <p14:creationId xmlns:p14="http://schemas.microsoft.com/office/powerpoint/2010/main" val="844561808"/>
       </p:ext>
     </p:extLst>
   </p:cSld>
@@ -13198,12 +12768,12 @@
               <a:buNone/>
             </a:pPr>
             <a:r>
-              <a:rPr lang="en-US" b="1" dirty="0"/>
-              <a:t>Docker-in-Docker Container Image </a:t>
+              <a:rPr lang="en-US" sz="2000" b="1" dirty="0" err="1"/>
+              <a:t>Beispiel</a:t>
             </a:r>
             <a:r>
               <a:rPr lang="en-US" sz="2000" b="1" dirty="0"/>
-              <a:t>(</a:t>
+              <a:t>: Docker-in-Docker Container Image (</a:t>
             </a:r>
             <a:r>
               <a:rPr lang="en-US" sz="2000" b="1" dirty="0">
@@ -13217,6 +12787,131 @@
               <a:rPr lang="en-US" sz="2000" b="1" dirty="0"/>
               <a:t>)</a:t>
             </a:r>
+          </a:p>
+          <a:p>
+            <a:pPr marL="0" indent="0">
+              <a:buNone/>
+            </a:pPr>
+            <a:r>
+              <a:rPr lang="en-US" sz="2000" dirty="0" err="1"/>
+              <a:t>Eigene</a:t>
+            </a:r>
+            <a:r>
+              <a:rPr lang="en-US" sz="2000" dirty="0"/>
+              <a:t> Container Images </a:t>
+            </a:r>
+            <a:r>
+              <a:rPr lang="en-US" sz="2000" dirty="0" err="1"/>
+              <a:t>mit</a:t>
+            </a:r>
+            <a:r>
+              <a:rPr lang="en-US" sz="2000" dirty="0"/>
+              <a:t> Docker-in-Docker </a:t>
+            </a:r>
+            <a:r>
+              <a:rPr lang="en-US" sz="2000" dirty="0" err="1"/>
+              <a:t>nutzen</a:t>
+            </a:r>
+            <a:endParaRPr lang="en-US" sz="2000" dirty="0"/>
+          </a:p>
+          <a:p>
+            <a:pPr marL="457200" indent="-457200">
+              <a:buFont typeface="+mj-lt"/>
+              <a:buAutoNum type="arabicPeriod"/>
+            </a:pPr>
+            <a:r>
+              <a:rPr lang="en-US" sz="2000" dirty="0"/>
+              <a:t>Docker-in-Docker </a:t>
+            </a:r>
+            <a:r>
+              <a:rPr lang="en-US" sz="2000" dirty="0" err="1"/>
+              <a:t>einrichten</a:t>
+            </a:r>
+            <a:endParaRPr lang="en-US" sz="2000" dirty="0"/>
+          </a:p>
+          <a:p>
+            <a:pPr marL="457200" indent="-457200">
+              <a:buFont typeface="+mj-lt"/>
+              <a:buAutoNum type="arabicPeriod"/>
+            </a:pPr>
+            <a:r>
+              <a:rPr lang="en-US" sz="2000" dirty="0">
+                <a:solidFill>
+                  <a:srgbClr val="FF0000"/>
+                </a:solidFill>
+                <a:latin typeface="Consolas" panose="020B0609020204030204" pitchFamily="49" charset="0"/>
+              </a:rPr>
+              <a:t>image</a:t>
+            </a:r>
+            <a:r>
+              <a:rPr lang="en-US" sz="2000" dirty="0"/>
+              <a:t> und </a:t>
+            </a:r>
+            <a:r>
+              <a:rPr lang="en-US" sz="2000" dirty="0">
+                <a:solidFill>
+                  <a:srgbClr val="FF0000"/>
+                </a:solidFill>
+                <a:latin typeface="Consolas" panose="020B0609020204030204" pitchFamily="49" charset="0"/>
+              </a:rPr>
+              <a:t>service</a:t>
+            </a:r>
+            <a:r>
+              <a:rPr lang="en-US" sz="2000" dirty="0"/>
+              <a:t> auf die Registry </a:t>
+            </a:r>
+            <a:r>
+              <a:rPr lang="en-US" sz="2000" dirty="0" err="1"/>
+              <a:t>zeigen</a:t>
+            </a:r>
+            <a:r>
+              <a:rPr lang="en-US" sz="2000" dirty="0"/>
+              <a:t> </a:t>
+            </a:r>
+            <a:r>
+              <a:rPr lang="en-US" sz="2000" dirty="0" err="1"/>
+              <a:t>lassen</a:t>
+            </a:r>
+            <a:endParaRPr lang="en-US" sz="2000" dirty="0"/>
+          </a:p>
+          <a:p>
+            <a:pPr marL="457200" indent="-457200">
+              <a:buFont typeface="+mj-lt"/>
+              <a:buAutoNum type="arabicPeriod"/>
+            </a:pPr>
+            <a:r>
+              <a:rPr lang="en-US" sz="2000" dirty="0">
+                <a:solidFill>
+                  <a:srgbClr val="FF0000"/>
+                </a:solidFill>
+                <a:latin typeface="Consolas" panose="020B0609020204030204" pitchFamily="49" charset="0"/>
+              </a:rPr>
+              <a:t>alias</a:t>
+            </a:r>
+            <a:r>
+              <a:rPr lang="en-US" sz="2000" dirty="0"/>
+              <a:t> </a:t>
+            </a:r>
+            <a:r>
+              <a:rPr lang="en-US" sz="2000" dirty="0" err="1"/>
+              <a:t>hinzufügen</a:t>
+            </a:r>
+            <a:r>
+              <a:rPr lang="en-US" sz="2000" dirty="0"/>
+              <a:t> für den </a:t>
+            </a:r>
+            <a:r>
+              <a:rPr lang="en-US" sz="2000" dirty="0">
+                <a:latin typeface="Consolas" panose="020B0609020204030204" pitchFamily="49" charset="0"/>
+              </a:rPr>
+              <a:t>service</a:t>
+            </a:r>
+          </a:p>
+          <a:p>
+            <a:pPr marL="457200" indent="-457200">
+              <a:buFont typeface="+mj-lt"/>
+              <a:buAutoNum type="arabicPeriod"/>
+            </a:pPr>
             <a:endParaRPr lang="en-US" sz="2000" dirty="0">
               <a:latin typeface="Consolas" panose="020B0609020204030204" pitchFamily="49" charset="0"/>
             </a:endParaRPr>
@@ -13226,18 +12921,18 @@
               <a:buNone/>
             </a:pPr>
             <a:r>
-              <a:rPr lang="en-US" sz="2000" dirty="0">
+              <a:rPr lang="en-US" sz="1800" dirty="0">
                 <a:latin typeface="Consolas" panose="020B0609020204030204" pitchFamily="49" charset="0"/>
               </a:rPr>
               <a:t>.</a:t>
             </a:r>
             <a:r>
-              <a:rPr lang="en-US" sz="2000" dirty="0" err="1">
+              <a:rPr lang="en-US" sz="1800" dirty="0" err="1">
                 <a:latin typeface="Consolas" panose="020B0609020204030204" pitchFamily="49" charset="0"/>
               </a:rPr>
               <a:t>gitlab-ci.yml</a:t>
             </a:r>
-            <a:endParaRPr lang="en-US" sz="2000" dirty="0">
+            <a:endParaRPr lang="en-US" sz="1800" dirty="0">
               <a:latin typeface="Consolas" panose="020B0609020204030204" pitchFamily="49" charset="0"/>
             </a:endParaRPr>
           </a:p>
@@ -13262,7 +12957,7 @@
               <a:defRPr/>
             </a:pPr>
             <a:r>
-              <a:rPr kumimoji="0" lang="en-US" sz="1600" b="0" i="0" u="none" strike="noStrike" kern="0" cap="none" spc="0" normalizeH="0" baseline="0" noProof="0" dirty="0">
+              <a:rPr kumimoji="0" lang="en-US" sz="1400" b="0" i="0" u="none" strike="noStrike" kern="0" cap="none" spc="0" normalizeH="0" baseline="0" noProof="0" dirty="0">
                 <a:ln>
                   <a:noFill/>
                 </a:ln>
@@ -13300,7 +12995,7 @@
               <a:defRPr/>
             </a:pPr>
             <a:r>
-              <a:rPr kumimoji="0" lang="en-US" sz="1600" b="0" i="0" u="none" strike="noStrike" kern="0" cap="none" spc="0" normalizeH="0" baseline="0" noProof="0" dirty="0">
+              <a:rPr kumimoji="0" lang="en-US" sz="1400" b="0" i="0" u="none" strike="noStrike" kern="0" cap="none" spc="0" normalizeH="0" baseline="0" noProof="0" dirty="0">
                 <a:ln>
                   <a:noFill/>
                 </a:ln>
@@ -13317,7 +13012,7 @@
               <a:t>  </a:t>
             </a:r>
             <a:r>
-              <a:rPr kumimoji="0" lang="en-US" sz="1600" b="0" i="0" u="none" strike="noStrike" kern="0" cap="none" spc="0" normalizeH="0" baseline="0" noProof="0" dirty="0">
+              <a:rPr kumimoji="0" lang="en-US" sz="1400" b="0" i="0" u="none" strike="noStrike" kern="0" cap="none" spc="0" normalizeH="0" baseline="0" noProof="0" dirty="0">
                 <a:ln>
                   <a:noFill/>
                 </a:ln>
@@ -13334,7 +13029,7 @@
               <a:t>image</a:t>
             </a:r>
             <a:r>
-              <a:rPr kumimoji="0" lang="en-US" sz="1600" b="0" i="0" u="none" strike="noStrike" kern="0" cap="none" spc="0" normalizeH="0" baseline="0" noProof="0" dirty="0">
+              <a:rPr kumimoji="0" lang="en-US" sz="1400" b="0" i="0" u="none" strike="noStrike" kern="0" cap="none" spc="0" normalizeH="0" baseline="0" noProof="0" dirty="0">
                 <a:ln>
                   <a:noFill/>
                 </a:ln>
@@ -13351,7 +13046,7 @@
               <a:t>: </a:t>
             </a:r>
             <a:r>
-              <a:rPr kumimoji="0" lang="en-US" sz="1600" b="0" i="0" u="none" strike="noStrike" kern="0" cap="none" spc="0" normalizeH="0" baseline="0" noProof="0" dirty="0">
+              <a:rPr kumimoji="0" lang="en-US" sz="1400" b="0" i="0" u="none" strike="noStrike" kern="0" cap="none" spc="0" normalizeH="0" baseline="0" noProof="0" dirty="0">
                 <a:ln>
                   <a:noFill/>
                 </a:ln>
@@ -13368,7 +13063,7 @@
               <a:t>${CI_DEPENDENCY_PROXY_GROUP_IMAGE_PREFIX}</a:t>
             </a:r>
             <a:r>
-              <a:rPr kumimoji="0" lang="en-US" sz="1600" b="0" i="0" u="none" strike="noStrike" kern="0" cap="none" spc="0" normalizeH="0" baseline="0" noProof="0" dirty="0">
+              <a:rPr kumimoji="0" lang="en-US" sz="1400" b="0" i="0" u="none" strike="noStrike" kern="0" cap="none" spc="0" normalizeH="0" baseline="0" noProof="0" dirty="0">
                 <a:ln>
                   <a:noFill/>
                 </a:ln>
@@ -13406,7 +13101,7 @@
               <a:defRPr/>
             </a:pPr>
             <a:r>
-              <a:rPr kumimoji="0" lang="en-US" sz="1600" b="0" i="0" u="none" strike="noStrike" kern="0" cap="none" spc="0" normalizeH="0" baseline="0" noProof="0" dirty="0">
+              <a:rPr kumimoji="0" lang="en-US" sz="1400" b="0" i="0" u="none" strike="noStrike" kern="0" cap="none" spc="0" normalizeH="0" baseline="0" noProof="0" dirty="0">
                 <a:ln>
                   <a:noFill/>
                 </a:ln>
@@ -13423,7 +13118,7 @@
               <a:t>  </a:t>
             </a:r>
             <a:r>
-              <a:rPr kumimoji="0" lang="en-US" sz="1600" b="0" i="0" u="none" strike="noStrike" kern="0" cap="none" spc="0" normalizeH="0" baseline="0" noProof="0" dirty="0">
+              <a:rPr kumimoji="0" lang="en-US" sz="1400" b="0" i="0" u="none" strike="noStrike" kern="0" cap="none" spc="0" normalizeH="0" baseline="0" noProof="0" dirty="0">
                 <a:ln>
                   <a:noFill/>
                 </a:ln>
@@ -13440,7 +13135,7 @@
               <a:t>services</a:t>
             </a:r>
             <a:r>
-              <a:rPr kumimoji="0" lang="en-US" sz="1600" b="0" i="0" u="none" strike="noStrike" kern="0" cap="none" spc="0" normalizeH="0" baseline="0" noProof="0" dirty="0">
+              <a:rPr kumimoji="0" lang="en-US" sz="1400" b="0" i="0" u="none" strike="noStrike" kern="0" cap="none" spc="0" normalizeH="0" baseline="0" noProof="0" dirty="0">
                 <a:ln>
                   <a:noFill/>
                 </a:ln>
@@ -13478,7 +13173,7 @@
               <a:defRPr/>
             </a:pPr>
             <a:r>
-              <a:rPr kumimoji="0" lang="en-US" sz="1600" b="0" i="0" u="none" strike="noStrike" kern="0" cap="none" spc="0" normalizeH="0" baseline="0" noProof="0" dirty="0">
+              <a:rPr kumimoji="0" lang="en-US" sz="1400" b="0" i="0" u="none" strike="noStrike" kern="0" cap="none" spc="0" normalizeH="0" baseline="0" noProof="0" dirty="0">
                 <a:ln>
                   <a:noFill/>
                 </a:ln>
@@ -13495,7 +13190,7 @@
               <a:t>    - name: </a:t>
             </a:r>
             <a:r>
-              <a:rPr kumimoji="0" lang="en-US" sz="1600" b="0" i="0" u="none" strike="noStrike" kern="0" cap="none" spc="0" normalizeH="0" baseline="0" noProof="0" dirty="0">
+              <a:rPr kumimoji="0" lang="en-US" sz="1400" b="0" i="0" u="none" strike="noStrike" kern="0" cap="none" spc="0" normalizeH="0" baseline="0" noProof="0" dirty="0">
                 <a:ln>
                   <a:noFill/>
                 </a:ln>
@@ -13512,7 +13207,7 @@
               <a:t>${CI_DEPENDENCY_PROXY_GROUP_IMAGE_PREFIX}</a:t>
             </a:r>
             <a:r>
-              <a:rPr kumimoji="0" lang="en-US" sz="1600" b="0" i="0" u="none" strike="noStrike" kern="0" cap="none" spc="0" normalizeH="0" baseline="0" noProof="0" dirty="0">
+              <a:rPr kumimoji="0" lang="en-US" sz="1400" b="0" i="0" u="none" strike="noStrike" kern="0" cap="none" spc="0" normalizeH="0" baseline="0" noProof="0" dirty="0">
                 <a:ln>
                   <a:noFill/>
                 </a:ln>
@@ -13550,7 +13245,7 @@
               <a:defRPr/>
             </a:pPr>
             <a:r>
-              <a:rPr kumimoji="0" lang="en-US" sz="1600" b="0" i="0" u="none" strike="noStrike" kern="0" cap="none" spc="0" normalizeH="0" baseline="0" noProof="0" dirty="0">
+              <a:rPr kumimoji="0" lang="en-US" sz="1400" b="0" i="0" u="none" strike="noStrike" kern="0" cap="none" spc="0" normalizeH="0" baseline="0" noProof="0" dirty="0">
                 <a:ln>
                   <a:noFill/>
                 </a:ln>
@@ -13567,7 +13262,7 @@
               <a:t>      </a:t>
             </a:r>
             <a:r>
-              <a:rPr kumimoji="0" lang="en-US" sz="1600" b="0" i="0" u="none" strike="noStrike" kern="0" cap="none" spc="0" normalizeH="0" baseline="0" noProof="0" dirty="0">
+              <a:rPr kumimoji="0" lang="en-US" sz="1400" b="0" i="0" u="none" strike="noStrike" kern="0" cap="none" spc="0" normalizeH="0" baseline="0" noProof="0" dirty="0">
                 <a:ln>
                   <a:noFill/>
                 </a:ln>
@@ -13584,7 +13279,7 @@
               <a:t>alias</a:t>
             </a:r>
             <a:r>
-              <a:rPr kumimoji="0" lang="en-US" sz="1600" b="0" i="0" u="none" strike="noStrike" kern="0" cap="none" spc="0" normalizeH="0" baseline="0" noProof="0" dirty="0">
+              <a:rPr kumimoji="0" lang="en-US" sz="1400" b="0" i="0" u="none" strike="noStrike" kern="0" cap="none" spc="0" normalizeH="0" baseline="0" noProof="0" dirty="0">
                 <a:ln>
                   <a:noFill/>
                 </a:ln>
@@ -13622,7 +13317,7 @@
               <a:defRPr/>
             </a:pPr>
             <a:r>
-              <a:rPr kumimoji="0" lang="en-US" sz="1600" b="0" i="0" u="none" strike="noStrike" kern="0" cap="none" spc="0" normalizeH="0" baseline="0" noProof="0" dirty="0">
+              <a:rPr kumimoji="0" lang="en-US" sz="1400" b="0" i="0" u="none" strike="noStrike" kern="0" cap="none" spc="0" normalizeH="0" baseline="0" noProof="0" dirty="0">
                 <a:ln>
                   <a:noFill/>
                 </a:ln>
@@ -13660,7 +13355,7 @@
               <a:defRPr/>
             </a:pPr>
             <a:r>
-              <a:rPr kumimoji="0" lang="en-US" sz="1600" b="0" i="0" u="none" strike="noStrike" kern="0" cap="none" spc="0" normalizeH="0" baseline="0" noProof="0" dirty="0">
+              <a:rPr kumimoji="0" lang="en-US" sz="1400" b="0" i="0" u="none" strike="noStrike" kern="0" cap="none" spc="0" normalizeH="0" baseline="0" noProof="0" dirty="0">
                 <a:ln>
                   <a:noFill/>
                 </a:ln>
@@ -13698,7 +13393,7 @@
               <a:defRPr/>
             </a:pPr>
             <a:r>
-              <a:rPr kumimoji="0" lang="en-US" sz="1600" b="0" i="0" u="none" strike="noStrike" kern="0" cap="none" spc="0" normalizeH="0" baseline="0" noProof="0" dirty="0">
+              <a:rPr kumimoji="0" lang="en-US" sz="1400" b="0" i="0" u="none" strike="noStrike" kern="0" cap="none" spc="0" normalizeH="0" baseline="0" noProof="0" dirty="0">
                 <a:ln>
                   <a:noFill/>
                 </a:ln>
@@ -13736,7 +13431,7 @@
               <a:defRPr/>
             </a:pPr>
             <a:r>
-              <a:rPr kumimoji="0" lang="en-US" sz="1600" b="0" i="0" u="none" strike="noStrike" kern="0" cap="none" spc="0" normalizeH="0" baseline="0" noProof="0" dirty="0">
+              <a:rPr kumimoji="0" lang="en-US" sz="1400" b="0" i="0" u="none" strike="noStrike" kern="0" cap="none" spc="0" normalizeH="0" baseline="0" noProof="0" dirty="0">
                 <a:ln>
                   <a:noFill/>
                 </a:ln>
@@ -13752,7 +13447,7 @@
               </a:rPr>
               <a:t>    - docker run my-docker-image /script/to/run/tests</a:t>
             </a:r>
-            <a:endParaRPr kumimoji="0" lang="en-US" sz="1200" b="0" i="0" u="none" strike="noStrike" kern="0" cap="none" spc="0" normalizeH="0" baseline="0" noProof="0" dirty="0">
+            <a:endParaRPr kumimoji="0" lang="en-US" sz="1100" b="0" i="0" u="none" strike="noStrike" kern="0" cap="none" spc="0" normalizeH="0" baseline="0" noProof="0" dirty="0">
               <a:ln>
                 <a:noFill/>
               </a:ln>
@@ -13767,182 +13462,12 @@
               <a:cs typeface="+mn-cs"/>
             </a:endParaRPr>
           </a:p>
-          <a:p>
-            <a:pPr marL="0" indent="0">
-              <a:buNone/>
-            </a:pPr>
-            <a:endParaRPr lang="en-US" sz="1600" dirty="0">
-              <a:latin typeface="Consolas" panose="020B0609020204030204" pitchFamily="49" charset="0"/>
-            </a:endParaRPr>
-          </a:p>
-          <a:p>
-            <a:pPr>
-              <a:buFont typeface="Arial" panose="020B0604020202020204" pitchFamily="34" charset="0"/>
-              <a:buChar char="•"/>
-            </a:pPr>
-            <a:r>
-              <a:rPr lang="en-US" sz="2000" dirty="0" err="1">
-                <a:latin typeface="+mj-lt"/>
-              </a:rPr>
-              <a:t>Ohne</a:t>
-            </a:r>
-            <a:r>
-              <a:rPr lang="en-US" sz="2000" dirty="0">
-                <a:latin typeface="+mj-lt"/>
-              </a:rPr>
-              <a:t> </a:t>
-            </a:r>
-            <a:r>
-              <a:rPr lang="en-US" sz="2000" dirty="0">
-                <a:solidFill>
-                  <a:srgbClr val="FF0000"/>
-                </a:solidFill>
-                <a:latin typeface="+mj-lt"/>
-              </a:rPr>
-              <a:t>service alias </a:t>
-            </a:r>
-            <a:r>
-              <a:rPr lang="en-US" sz="2000" dirty="0" err="1">
-                <a:latin typeface="+mj-lt"/>
-              </a:rPr>
-              <a:t>kann</a:t>
-            </a:r>
-            <a:r>
-              <a:rPr lang="en-US" sz="2000" dirty="0">
-                <a:latin typeface="+mj-lt"/>
-              </a:rPr>
-              <a:t> das Container Image den </a:t>
-            </a:r>
-            <a:r>
-              <a:rPr lang="en-US" sz="2000" dirty="0" err="1">
-                <a:latin typeface="Consolas" panose="020B0609020204030204" pitchFamily="49" charset="0"/>
-              </a:rPr>
-              <a:t>dind</a:t>
-            </a:r>
-            <a:r>
-              <a:rPr lang="en-US" sz="2000" dirty="0">
-                <a:latin typeface="+mj-lt"/>
-              </a:rPr>
-              <a:t> service </a:t>
-            </a:r>
-            <a:r>
-              <a:rPr lang="en-US" sz="2000" dirty="0" err="1">
-                <a:latin typeface="+mj-lt"/>
-              </a:rPr>
-              <a:t>nicht</a:t>
-            </a:r>
-            <a:r>
-              <a:rPr lang="en-US" sz="2000" dirty="0">
-                <a:latin typeface="+mj-lt"/>
-              </a:rPr>
-              <a:t> </a:t>
-            </a:r>
-            <a:r>
-              <a:rPr lang="en-US" sz="2000" dirty="0" err="1">
-                <a:latin typeface="+mj-lt"/>
-              </a:rPr>
-              <a:t>finden</a:t>
-            </a:r>
-            <a:r>
-              <a:rPr lang="en-US" sz="2000" dirty="0">
-                <a:latin typeface="+mj-lt"/>
-              </a:rPr>
-              <a:t> und </a:t>
-            </a:r>
-            <a:r>
-              <a:rPr lang="en-US" sz="2000" dirty="0" err="1">
-                <a:latin typeface="+mj-lt"/>
-              </a:rPr>
-              <a:t>folgende</a:t>
-            </a:r>
-            <a:r>
-              <a:rPr lang="en-US" sz="2000" dirty="0">
-                <a:latin typeface="+mj-lt"/>
-              </a:rPr>
-              <a:t> </a:t>
-            </a:r>
-            <a:r>
-              <a:rPr lang="en-US" sz="2000" dirty="0" err="1">
-                <a:latin typeface="+mj-lt"/>
-              </a:rPr>
-              <a:t>Fehlermeldung</a:t>
-            </a:r>
-            <a:r>
-              <a:rPr lang="en-US" sz="2000" dirty="0">
-                <a:latin typeface="+mj-lt"/>
-              </a:rPr>
-              <a:t> </a:t>
-            </a:r>
-            <a:r>
-              <a:rPr lang="en-US" sz="2000" dirty="0" err="1">
-                <a:latin typeface="+mj-lt"/>
-              </a:rPr>
-              <a:t>erscheint</a:t>
-            </a:r>
-            <a:r>
-              <a:rPr lang="en-US" sz="2000" dirty="0">
-                <a:latin typeface="+mj-lt"/>
-              </a:rPr>
-              <a:t>:</a:t>
-            </a:r>
-          </a:p>
-          <a:p>
-            <a:pPr lvl="1">
-              <a:buFont typeface="Arial" panose="020B0604020202020204" pitchFamily="34" charset="0"/>
-              <a:buChar char="•"/>
-            </a:pPr>
-            <a:r>
-              <a:rPr lang="en-US" sz="1600" dirty="0">
-                <a:latin typeface="Consolas" panose="020B0609020204030204" pitchFamily="49" charset="0"/>
-              </a:rPr>
-              <a:t>error during connect: Get http://docker:2376/v1.39/info: dial </a:t>
-            </a:r>
-            <a:r>
-              <a:rPr lang="en-US" sz="1600" dirty="0" err="1">
-                <a:latin typeface="Consolas" panose="020B0609020204030204" pitchFamily="49" charset="0"/>
-              </a:rPr>
-              <a:t>tcp</a:t>
-            </a:r>
-            <a:r>
-              <a:rPr lang="en-US" sz="1600" dirty="0">
-                <a:latin typeface="Consolas" panose="020B0609020204030204" pitchFamily="49" charset="0"/>
-              </a:rPr>
-              <a:t>: lookup docker on 192.168.0.1:53: no such host</a:t>
-            </a:r>
-          </a:p>
-          <a:p>
-            <a:pPr lvl="1">
-              <a:buFont typeface="Arial" panose="020B0604020202020204" pitchFamily="34" charset="0"/>
-              <a:buChar char="•"/>
-            </a:pPr>
-            <a:endParaRPr lang="en-US" sz="1600" dirty="0">
-              <a:latin typeface="Consolas" panose="020B0609020204030204" pitchFamily="49" charset="0"/>
-            </a:endParaRPr>
-          </a:p>
-          <a:p>
-            <a:pPr lvl="1">
-              <a:buFont typeface="Arial" panose="020B0604020202020204" pitchFamily="34" charset="0"/>
-              <a:buChar char="•"/>
-            </a:pPr>
-            <a:endParaRPr lang="en-US" sz="1600" dirty="0">
-              <a:latin typeface="Consolas" panose="020B0609020204030204" pitchFamily="49" charset="0"/>
-            </a:endParaRPr>
-          </a:p>
-          <a:p>
-            <a:pPr lvl="1">
-              <a:buFont typeface="Arial" panose="020B0604020202020204" pitchFamily="34" charset="0"/>
-              <a:buChar char="•"/>
-            </a:pPr>
-            <a:endParaRPr lang="en-US" sz="1600" dirty="0">
-              <a:latin typeface="Consolas" panose="020B0609020204030204" pitchFamily="49" charset="0"/>
-            </a:endParaRPr>
-          </a:p>
         </p:txBody>
       </p:sp>
     </p:spTree>
     <p:extLst>
       <p:ext uri="{BB962C8B-B14F-4D97-AF65-F5344CB8AC3E}">
-        <p14:creationId xmlns:p14="http://schemas.microsoft.com/office/powerpoint/2010/main" val="3445805958"/>
+        <p14:creationId xmlns:p14="http://schemas.microsoft.com/office/powerpoint/2010/main" val="3865403592"/>
       </p:ext>
     </p:extLst>
   </p:cSld>
@@ -13974,7 +13499,7 @@
           <p:cNvPr id="2" name="Titel 1">
             <a:extLst>
               <a:ext uri="{FF2B5EF4-FFF2-40B4-BE49-F238E27FC236}">
-                <a16:creationId xmlns:a16="http://schemas.microsoft.com/office/drawing/2014/main" id="{DB1F447C-2F61-B060-8EFE-D98620927A6E}"/>
+                <a16:creationId xmlns:a16="http://schemas.microsoft.com/office/drawing/2014/main" id="{021C1D90-AB38-D152-26B9-E4AB49CCFEE9}"/>
               </a:ext>
             </a:extLst>
           </p:cNvPr>
@@ -14011,7 +13536,7 @@
           <p:cNvPr id="3" name="Inhaltsplatzhalter 2">
             <a:extLst>
               <a:ext uri="{FF2B5EF4-FFF2-40B4-BE49-F238E27FC236}">
-                <a16:creationId xmlns:a16="http://schemas.microsoft.com/office/drawing/2014/main" id="{68EC2247-CA50-F34D-5B3B-2171A8AD687B}"/>
+                <a16:creationId xmlns:a16="http://schemas.microsoft.com/office/drawing/2014/main" id="{01B30DD9-6590-DB7B-37D7-65618A4BAC0E}"/>
               </a:ext>
             </a:extLst>
           </p:cNvPr>
@@ -14031,13 +13556,582 @@
               <a:buNone/>
             </a:pPr>
             <a:r>
-              <a:rPr lang="de-DE" b="1" dirty="0" err="1"/>
-              <a:t>Dependency</a:t>
-            </a:r>
-            <a:r>
-              <a:rPr lang="de-DE" b="1" dirty="0"/>
-              <a:t> Proxy</a:t>
-            </a:r>
+              <a:rPr lang="en-US" b="1" dirty="0"/>
+              <a:t>Docker-in-Docker Container Image </a:t>
+            </a:r>
+            <a:r>
+              <a:rPr lang="en-US" sz="2000" b="1" dirty="0"/>
+              <a:t>(</a:t>
+            </a:r>
+            <a:r>
+              <a:rPr lang="en-US" sz="2000" b="1" dirty="0">
+                <a:solidFill>
+                  <a:srgbClr val="0249FC"/>
+                </a:solidFill>
+              </a:rPr>
+              <a:t>Dependency Proxy</a:t>
+            </a:r>
+            <a:r>
+              <a:rPr lang="en-US" sz="2000" b="1" dirty="0"/>
+              <a:t>)</a:t>
+            </a:r>
+            <a:endParaRPr lang="en-US" sz="2000" dirty="0">
+              <a:latin typeface="Consolas" panose="020B0609020204030204" pitchFamily="49" charset="0"/>
+            </a:endParaRPr>
+          </a:p>
+          <a:p>
+            <a:pPr marL="0" indent="0">
+              <a:buNone/>
+            </a:pPr>
+            <a:r>
+              <a:rPr lang="en-US" sz="2000" dirty="0">
+                <a:latin typeface="Consolas" panose="020B0609020204030204" pitchFamily="49" charset="0"/>
+              </a:rPr>
+              <a:t>.</a:t>
+            </a:r>
+            <a:r>
+              <a:rPr lang="en-US" sz="2000" dirty="0" err="1">
+                <a:latin typeface="Consolas" panose="020B0609020204030204" pitchFamily="49" charset="0"/>
+              </a:rPr>
+              <a:t>gitlab-ci.yml</a:t>
+            </a:r>
+            <a:endParaRPr lang="en-US" sz="2000" dirty="0">
+              <a:latin typeface="Consolas" panose="020B0609020204030204" pitchFamily="49" charset="0"/>
+            </a:endParaRPr>
+          </a:p>
+          <a:p>
+            <a:pPr marL="0" marR="0" lvl="0" indent="0" algn="l" defTabSz="914400" rtl="0" eaLnBrk="1" fontAlgn="base" latinLnBrk="0" hangingPunct="1">
+              <a:lnSpc>
+                <a:spcPct val="100000"/>
+              </a:lnSpc>
+              <a:spcBef>
+                <a:spcPct val="20000"/>
+              </a:spcBef>
+              <a:spcAft>
+                <a:spcPct val="0"/>
+              </a:spcAft>
+              <a:buClr>
+                <a:srgbClr val="008C5A"/>
+              </a:buClr>
+              <a:buSzTx/>
+              <a:buFont typeface="Monotype Sorts" pitchFamily="2" charset="2"/>
+              <a:buNone/>
+              <a:tabLst/>
+              <a:defRPr/>
+            </a:pPr>
+            <a:r>
+              <a:rPr kumimoji="0" lang="en-US" sz="1600" b="0" i="0" u="none" strike="noStrike" kern="0" cap="none" spc="0" normalizeH="0" baseline="0" noProof="0" dirty="0">
+                <a:ln>
+                  <a:noFill/>
+                </a:ln>
+                <a:solidFill>
+                  <a:srgbClr val="000000"/>
+                </a:solidFill>
+                <a:effectLst/>
+                <a:uLnTx/>
+                <a:uFillTx/>
+                <a:latin typeface="Consolas" panose="020B0609020204030204" pitchFamily="49" charset="0"/>
+                <a:ea typeface="+mn-ea"/>
+                <a:cs typeface="+mn-cs"/>
+              </a:rPr>
+              <a:t>build:</a:t>
+            </a:r>
+          </a:p>
+          <a:p>
+            <a:pPr marL="0" marR="0" lvl="0" indent="0" algn="l" defTabSz="914400" rtl="0" eaLnBrk="1" fontAlgn="base" latinLnBrk="0" hangingPunct="1">
+              <a:lnSpc>
+                <a:spcPct val="100000"/>
+              </a:lnSpc>
+              <a:spcBef>
+                <a:spcPct val="20000"/>
+              </a:spcBef>
+              <a:spcAft>
+                <a:spcPct val="0"/>
+              </a:spcAft>
+              <a:buClr>
+                <a:srgbClr val="008C5A"/>
+              </a:buClr>
+              <a:buSzTx/>
+              <a:buFont typeface="Monotype Sorts" pitchFamily="2" charset="2"/>
+              <a:buNone/>
+              <a:tabLst/>
+              <a:defRPr/>
+            </a:pPr>
+            <a:r>
+              <a:rPr kumimoji="0" lang="en-US" sz="1600" b="0" i="0" u="none" strike="noStrike" kern="0" cap="none" spc="0" normalizeH="0" baseline="0" noProof="0" dirty="0">
+                <a:ln>
+                  <a:noFill/>
+                </a:ln>
+                <a:solidFill>
+                  <a:srgbClr val="000000"/>
+                </a:solidFill>
+                <a:effectLst/>
+                <a:uLnTx/>
+                <a:uFillTx/>
+                <a:latin typeface="Consolas" panose="020B0609020204030204" pitchFamily="49" charset="0"/>
+                <a:ea typeface="+mn-ea"/>
+                <a:cs typeface="+mn-cs"/>
+              </a:rPr>
+              <a:t>  </a:t>
+            </a:r>
+            <a:r>
+              <a:rPr kumimoji="0" lang="en-US" sz="1600" b="0" i="0" u="none" strike="noStrike" kern="0" cap="none" spc="0" normalizeH="0" baseline="0" noProof="0" dirty="0">
+                <a:ln>
+                  <a:noFill/>
+                </a:ln>
+                <a:solidFill>
+                  <a:srgbClr val="FF0000"/>
+                </a:solidFill>
+                <a:effectLst/>
+                <a:uLnTx/>
+                <a:uFillTx/>
+                <a:latin typeface="Consolas" panose="020B0609020204030204" pitchFamily="49" charset="0"/>
+                <a:ea typeface="+mn-ea"/>
+                <a:cs typeface="+mn-cs"/>
+              </a:rPr>
+              <a:t>image</a:t>
+            </a:r>
+            <a:r>
+              <a:rPr kumimoji="0" lang="en-US" sz="1600" b="0" i="0" u="none" strike="noStrike" kern="0" cap="none" spc="0" normalizeH="0" baseline="0" noProof="0" dirty="0">
+                <a:ln>
+                  <a:noFill/>
+                </a:ln>
+                <a:solidFill>
+                  <a:srgbClr val="000000"/>
+                </a:solidFill>
+                <a:effectLst/>
+                <a:uLnTx/>
+                <a:uFillTx/>
+                <a:latin typeface="Consolas" panose="020B0609020204030204" pitchFamily="49" charset="0"/>
+                <a:ea typeface="+mn-ea"/>
+                <a:cs typeface="+mn-cs"/>
+              </a:rPr>
+              <a:t>: </a:t>
+            </a:r>
+            <a:r>
+              <a:rPr kumimoji="0" lang="en-US" sz="1600" b="0" i="0" u="none" strike="noStrike" kern="0" cap="none" spc="0" normalizeH="0" baseline="0" noProof="0" dirty="0">
+                <a:ln>
+                  <a:noFill/>
+                </a:ln>
+                <a:solidFill>
+                  <a:srgbClr val="0249FC"/>
+                </a:solidFill>
+                <a:effectLst/>
+                <a:uLnTx/>
+                <a:uFillTx/>
+                <a:latin typeface="Consolas" panose="020B0609020204030204" pitchFamily="49" charset="0"/>
+                <a:ea typeface="+mn-ea"/>
+                <a:cs typeface="+mn-cs"/>
+              </a:rPr>
+              <a:t>${CI_DEPENDENCY_PROXY_GROUP_IMAGE_PREFIX}</a:t>
+            </a:r>
+            <a:r>
+              <a:rPr kumimoji="0" lang="en-US" sz="1600" b="0" i="0" u="none" strike="noStrike" kern="0" cap="none" spc="0" normalizeH="0" baseline="0" noProof="0" dirty="0">
+                <a:ln>
+                  <a:noFill/>
+                </a:ln>
+                <a:solidFill>
+                  <a:srgbClr val="000000"/>
+                </a:solidFill>
+                <a:effectLst/>
+                <a:uLnTx/>
+                <a:uFillTx/>
+                <a:latin typeface="Consolas" panose="020B0609020204030204" pitchFamily="49" charset="0"/>
+                <a:ea typeface="+mn-ea"/>
+                <a:cs typeface="+mn-cs"/>
+              </a:rPr>
+              <a:t>/docker:20.10.16</a:t>
+            </a:r>
+          </a:p>
+          <a:p>
+            <a:pPr marL="0" marR="0" lvl="0" indent="0" algn="l" defTabSz="914400" rtl="0" eaLnBrk="1" fontAlgn="base" latinLnBrk="0" hangingPunct="1">
+              <a:lnSpc>
+                <a:spcPct val="100000"/>
+              </a:lnSpc>
+              <a:spcBef>
+                <a:spcPct val="20000"/>
+              </a:spcBef>
+              <a:spcAft>
+                <a:spcPct val="0"/>
+              </a:spcAft>
+              <a:buClr>
+                <a:srgbClr val="008C5A"/>
+              </a:buClr>
+              <a:buSzTx/>
+              <a:buFont typeface="Monotype Sorts" pitchFamily="2" charset="2"/>
+              <a:buNone/>
+              <a:tabLst/>
+              <a:defRPr/>
+            </a:pPr>
+            <a:r>
+              <a:rPr kumimoji="0" lang="en-US" sz="1600" b="0" i="0" u="none" strike="noStrike" kern="0" cap="none" spc="0" normalizeH="0" baseline="0" noProof="0" dirty="0">
+                <a:ln>
+                  <a:noFill/>
+                </a:ln>
+                <a:solidFill>
+                  <a:srgbClr val="000000"/>
+                </a:solidFill>
+                <a:effectLst/>
+                <a:uLnTx/>
+                <a:uFillTx/>
+                <a:latin typeface="Consolas" panose="020B0609020204030204" pitchFamily="49" charset="0"/>
+                <a:ea typeface="+mn-ea"/>
+                <a:cs typeface="+mn-cs"/>
+              </a:rPr>
+              <a:t>  </a:t>
+            </a:r>
+            <a:r>
+              <a:rPr kumimoji="0" lang="en-US" sz="1600" b="0" i="0" u="none" strike="noStrike" kern="0" cap="none" spc="0" normalizeH="0" baseline="0" noProof="0" dirty="0">
+                <a:ln>
+                  <a:noFill/>
+                </a:ln>
+                <a:solidFill>
+                  <a:srgbClr val="FF0000"/>
+                </a:solidFill>
+                <a:effectLst/>
+                <a:uLnTx/>
+                <a:uFillTx/>
+                <a:latin typeface="Consolas" panose="020B0609020204030204" pitchFamily="49" charset="0"/>
+                <a:ea typeface="+mn-ea"/>
+                <a:cs typeface="+mn-cs"/>
+              </a:rPr>
+              <a:t>services</a:t>
+            </a:r>
+            <a:r>
+              <a:rPr kumimoji="0" lang="en-US" sz="1600" b="0" i="0" u="none" strike="noStrike" kern="0" cap="none" spc="0" normalizeH="0" baseline="0" noProof="0" dirty="0">
+                <a:ln>
+                  <a:noFill/>
+                </a:ln>
+                <a:solidFill>
+                  <a:srgbClr val="000000"/>
+                </a:solidFill>
+                <a:effectLst/>
+                <a:uLnTx/>
+                <a:uFillTx/>
+                <a:latin typeface="Consolas" panose="020B0609020204030204" pitchFamily="49" charset="0"/>
+                <a:ea typeface="+mn-ea"/>
+                <a:cs typeface="+mn-cs"/>
+              </a:rPr>
+              <a:t>:</a:t>
+            </a:r>
+          </a:p>
+          <a:p>
+            <a:pPr marL="0" marR="0" lvl="0" indent="0" algn="l" defTabSz="914400" rtl="0" eaLnBrk="1" fontAlgn="base" latinLnBrk="0" hangingPunct="1">
+              <a:lnSpc>
+                <a:spcPct val="100000"/>
+              </a:lnSpc>
+              <a:spcBef>
+                <a:spcPct val="20000"/>
+              </a:spcBef>
+              <a:spcAft>
+                <a:spcPct val="0"/>
+              </a:spcAft>
+              <a:buClr>
+                <a:srgbClr val="008C5A"/>
+              </a:buClr>
+              <a:buSzTx/>
+              <a:buFont typeface="Monotype Sorts" pitchFamily="2" charset="2"/>
+              <a:buNone/>
+              <a:tabLst/>
+              <a:defRPr/>
+            </a:pPr>
+            <a:r>
+              <a:rPr kumimoji="0" lang="en-US" sz="1600" b="0" i="0" u="none" strike="noStrike" kern="0" cap="none" spc="0" normalizeH="0" baseline="0" noProof="0" dirty="0">
+                <a:ln>
+                  <a:noFill/>
+                </a:ln>
+                <a:solidFill>
+                  <a:srgbClr val="000000"/>
+                </a:solidFill>
+                <a:effectLst/>
+                <a:uLnTx/>
+                <a:uFillTx/>
+                <a:latin typeface="Consolas" panose="020B0609020204030204" pitchFamily="49" charset="0"/>
+                <a:ea typeface="+mn-ea"/>
+                <a:cs typeface="+mn-cs"/>
+              </a:rPr>
+              <a:t>    - name: </a:t>
+            </a:r>
+            <a:r>
+              <a:rPr kumimoji="0" lang="en-US" sz="1600" b="0" i="0" u="none" strike="noStrike" kern="0" cap="none" spc="0" normalizeH="0" baseline="0" noProof="0" dirty="0">
+                <a:ln>
+                  <a:noFill/>
+                </a:ln>
+                <a:solidFill>
+                  <a:srgbClr val="0249FC"/>
+                </a:solidFill>
+                <a:effectLst/>
+                <a:uLnTx/>
+                <a:uFillTx/>
+                <a:latin typeface="Consolas" panose="020B0609020204030204" pitchFamily="49" charset="0"/>
+                <a:ea typeface="+mn-ea"/>
+                <a:cs typeface="+mn-cs"/>
+              </a:rPr>
+              <a:t>${CI_DEPENDENCY_PROXY_GROUP_IMAGE_PREFIX}</a:t>
+            </a:r>
+            <a:r>
+              <a:rPr kumimoji="0" lang="en-US" sz="1600" b="0" i="0" u="none" strike="noStrike" kern="0" cap="none" spc="0" normalizeH="0" baseline="0" noProof="0" dirty="0">
+                <a:ln>
+                  <a:noFill/>
+                </a:ln>
+                <a:solidFill>
+                  <a:srgbClr val="000000"/>
+                </a:solidFill>
+                <a:effectLst/>
+                <a:uLnTx/>
+                <a:uFillTx/>
+                <a:latin typeface="Consolas" panose="020B0609020204030204" pitchFamily="49" charset="0"/>
+                <a:ea typeface="+mn-ea"/>
+                <a:cs typeface="+mn-cs"/>
+              </a:rPr>
+              <a:t>/docker:18.09.7-dind</a:t>
+            </a:r>
+          </a:p>
+          <a:p>
+            <a:pPr marL="0" marR="0" lvl="0" indent="0" algn="l" defTabSz="914400" rtl="0" eaLnBrk="1" fontAlgn="base" latinLnBrk="0" hangingPunct="1">
+              <a:lnSpc>
+                <a:spcPct val="100000"/>
+              </a:lnSpc>
+              <a:spcBef>
+                <a:spcPct val="20000"/>
+              </a:spcBef>
+              <a:spcAft>
+                <a:spcPct val="0"/>
+              </a:spcAft>
+              <a:buClr>
+                <a:srgbClr val="008C5A"/>
+              </a:buClr>
+              <a:buSzTx/>
+              <a:buFont typeface="Monotype Sorts" pitchFamily="2" charset="2"/>
+              <a:buNone/>
+              <a:tabLst/>
+              <a:defRPr/>
+            </a:pPr>
+            <a:r>
+              <a:rPr kumimoji="0" lang="en-US" sz="1600" b="0" i="0" u="none" strike="noStrike" kern="0" cap="none" spc="0" normalizeH="0" baseline="0" noProof="0" dirty="0">
+                <a:ln>
+                  <a:noFill/>
+                </a:ln>
+                <a:solidFill>
+                  <a:srgbClr val="000000"/>
+                </a:solidFill>
+                <a:effectLst/>
+                <a:uLnTx/>
+                <a:uFillTx/>
+                <a:latin typeface="Consolas" panose="020B0609020204030204" pitchFamily="49" charset="0"/>
+                <a:ea typeface="+mn-ea"/>
+                <a:cs typeface="+mn-cs"/>
+              </a:rPr>
+              <a:t>      </a:t>
+            </a:r>
+            <a:r>
+              <a:rPr kumimoji="0" lang="en-US" sz="1600" b="0" i="0" u="none" strike="noStrike" kern="0" cap="none" spc="0" normalizeH="0" baseline="0" noProof="0" dirty="0">
+                <a:ln>
+                  <a:noFill/>
+                </a:ln>
+                <a:solidFill>
+                  <a:srgbClr val="FF0000"/>
+                </a:solidFill>
+                <a:effectLst/>
+                <a:uLnTx/>
+                <a:uFillTx/>
+                <a:latin typeface="Consolas" panose="020B0609020204030204" pitchFamily="49" charset="0"/>
+                <a:ea typeface="+mn-ea"/>
+                <a:cs typeface="+mn-cs"/>
+              </a:rPr>
+              <a:t>alias</a:t>
+            </a:r>
+            <a:r>
+              <a:rPr kumimoji="0" lang="en-US" sz="1600" b="0" i="0" u="none" strike="noStrike" kern="0" cap="none" spc="0" normalizeH="0" baseline="0" noProof="0" dirty="0">
+                <a:ln>
+                  <a:noFill/>
+                </a:ln>
+                <a:solidFill>
+                  <a:srgbClr val="000000"/>
+                </a:solidFill>
+                <a:effectLst/>
+                <a:uLnTx/>
+                <a:uFillTx/>
+                <a:latin typeface="Consolas" panose="020B0609020204030204" pitchFamily="49" charset="0"/>
+                <a:ea typeface="+mn-ea"/>
+                <a:cs typeface="+mn-cs"/>
+              </a:rPr>
+              <a:t>: docker</a:t>
+            </a:r>
+          </a:p>
+          <a:p>
+            <a:pPr marL="0" marR="0" lvl="0" indent="0" algn="l" defTabSz="914400" rtl="0" eaLnBrk="1" fontAlgn="base" latinLnBrk="0" hangingPunct="1">
+              <a:lnSpc>
+                <a:spcPct val="100000"/>
+              </a:lnSpc>
+              <a:spcBef>
+                <a:spcPct val="20000"/>
+              </a:spcBef>
+              <a:spcAft>
+                <a:spcPct val="0"/>
+              </a:spcAft>
+              <a:buClr>
+                <a:srgbClr val="008C5A"/>
+              </a:buClr>
+              <a:buSzTx/>
+              <a:buFont typeface="Monotype Sorts" pitchFamily="2" charset="2"/>
+              <a:buNone/>
+              <a:tabLst/>
+              <a:defRPr/>
+            </a:pPr>
+            <a:r>
+              <a:rPr kumimoji="0" lang="en-US" sz="1600" b="0" i="0" u="none" strike="noStrike" kern="0" cap="none" spc="0" normalizeH="0" baseline="0" noProof="0" dirty="0">
+                <a:ln>
+                  <a:noFill/>
+                </a:ln>
+                <a:solidFill>
+                  <a:srgbClr val="000000"/>
+                </a:solidFill>
+                <a:effectLst/>
+                <a:uLnTx/>
+                <a:uFillTx/>
+                <a:latin typeface="Consolas" panose="020B0609020204030204" pitchFamily="49" charset="0"/>
+                <a:ea typeface="+mn-ea"/>
+                <a:cs typeface="+mn-cs"/>
+              </a:rPr>
+              <a:t>  stage: build</a:t>
+            </a:r>
+          </a:p>
+          <a:p>
+            <a:pPr marL="0" marR="0" lvl="0" indent="0" algn="l" defTabSz="914400" rtl="0" eaLnBrk="1" fontAlgn="base" latinLnBrk="0" hangingPunct="1">
+              <a:lnSpc>
+                <a:spcPct val="100000"/>
+              </a:lnSpc>
+              <a:spcBef>
+                <a:spcPct val="20000"/>
+              </a:spcBef>
+              <a:spcAft>
+                <a:spcPct val="0"/>
+              </a:spcAft>
+              <a:buClr>
+                <a:srgbClr val="008C5A"/>
+              </a:buClr>
+              <a:buSzTx/>
+              <a:buFont typeface="Monotype Sorts" pitchFamily="2" charset="2"/>
+              <a:buNone/>
+              <a:tabLst/>
+              <a:defRPr/>
+            </a:pPr>
+            <a:r>
+              <a:rPr kumimoji="0" lang="en-US" sz="1600" b="0" i="0" u="none" strike="noStrike" kern="0" cap="none" spc="0" normalizeH="0" baseline="0" noProof="0" dirty="0">
+                <a:ln>
+                  <a:noFill/>
+                </a:ln>
+                <a:solidFill>
+                  <a:srgbClr val="000000"/>
+                </a:solidFill>
+                <a:effectLst/>
+                <a:uLnTx/>
+                <a:uFillTx/>
+                <a:latin typeface="Consolas" panose="020B0609020204030204" pitchFamily="49" charset="0"/>
+                <a:ea typeface="+mn-ea"/>
+                <a:cs typeface="+mn-cs"/>
+              </a:rPr>
+              <a:t>  script:</a:t>
+            </a:r>
+          </a:p>
+          <a:p>
+            <a:pPr marL="0" marR="0" lvl="0" indent="0" algn="l" defTabSz="914400" rtl="0" eaLnBrk="1" fontAlgn="base" latinLnBrk="0" hangingPunct="1">
+              <a:lnSpc>
+                <a:spcPct val="100000"/>
+              </a:lnSpc>
+              <a:spcBef>
+                <a:spcPct val="20000"/>
+              </a:spcBef>
+              <a:spcAft>
+                <a:spcPct val="0"/>
+              </a:spcAft>
+              <a:buClr>
+                <a:srgbClr val="008C5A"/>
+              </a:buClr>
+              <a:buSzTx/>
+              <a:buFont typeface="Monotype Sorts" pitchFamily="2" charset="2"/>
+              <a:buNone/>
+              <a:tabLst/>
+              <a:defRPr/>
+            </a:pPr>
+            <a:r>
+              <a:rPr kumimoji="0" lang="en-US" sz="1600" b="0" i="0" u="none" strike="noStrike" kern="0" cap="none" spc="0" normalizeH="0" baseline="0" noProof="0" dirty="0">
+                <a:ln>
+                  <a:noFill/>
+                </a:ln>
+                <a:solidFill>
+                  <a:srgbClr val="000000"/>
+                </a:solidFill>
+                <a:effectLst/>
+                <a:uLnTx/>
+                <a:uFillTx/>
+                <a:latin typeface="Consolas" panose="020B0609020204030204" pitchFamily="49" charset="0"/>
+                <a:ea typeface="+mn-ea"/>
+                <a:cs typeface="+mn-cs"/>
+              </a:rPr>
+              <a:t>    - docker build -t my-docker-image .</a:t>
+            </a:r>
+          </a:p>
+          <a:p>
+            <a:pPr marL="0" marR="0" lvl="0" indent="0" algn="l" defTabSz="914400" rtl="0" eaLnBrk="1" fontAlgn="base" latinLnBrk="0" hangingPunct="1">
+              <a:lnSpc>
+                <a:spcPct val="100000"/>
+              </a:lnSpc>
+              <a:spcBef>
+                <a:spcPct val="20000"/>
+              </a:spcBef>
+              <a:spcAft>
+                <a:spcPct val="0"/>
+              </a:spcAft>
+              <a:buClr>
+                <a:srgbClr val="008C5A"/>
+              </a:buClr>
+              <a:buSzTx/>
+              <a:buFont typeface="Monotype Sorts" pitchFamily="2" charset="2"/>
+              <a:buNone/>
+              <a:tabLst/>
+              <a:defRPr/>
+            </a:pPr>
+            <a:r>
+              <a:rPr kumimoji="0" lang="en-US" sz="1600" b="0" i="0" u="none" strike="noStrike" kern="0" cap="none" spc="0" normalizeH="0" baseline="0" noProof="0" dirty="0">
+                <a:ln>
+                  <a:noFill/>
+                </a:ln>
+                <a:solidFill>
+                  <a:srgbClr val="000000"/>
+                </a:solidFill>
+                <a:effectLst/>
+                <a:uLnTx/>
+                <a:uFillTx/>
+                <a:latin typeface="Consolas" panose="020B0609020204030204" pitchFamily="49" charset="0"/>
+                <a:ea typeface="+mn-ea"/>
+                <a:cs typeface="+mn-cs"/>
+              </a:rPr>
+              <a:t>    - docker run my-docker-image /script/to/run/tests</a:t>
+            </a:r>
+            <a:endParaRPr kumimoji="0" lang="en-US" sz="1200" b="0" i="0" u="none" strike="noStrike" kern="0" cap="none" spc="0" normalizeH="0" baseline="0" noProof="0" dirty="0">
+              <a:ln>
+                <a:noFill/>
+              </a:ln>
+              <a:solidFill>
+                <a:srgbClr val="000000"/>
+              </a:solidFill>
+              <a:effectLst/>
+              <a:uLnTx/>
+              <a:uFillTx/>
+              <a:latin typeface="Consolas" panose="020B0609020204030204" pitchFamily="49" charset="0"/>
+              <a:ea typeface="+mn-ea"/>
+              <a:cs typeface="+mn-cs"/>
+            </a:endParaRPr>
+          </a:p>
+          <a:p>
+            <a:pPr marL="0" indent="0">
+              <a:buNone/>
+            </a:pPr>
+            <a:endParaRPr lang="en-US" sz="1600" dirty="0">
+              <a:latin typeface="Consolas" panose="020B0609020204030204" pitchFamily="49" charset="0"/>
+            </a:endParaRPr>
           </a:p>
           <a:p>
             <a:pPr>
@@ -14045,8 +14139,109 @@
               <a:buChar char="•"/>
             </a:pPr>
             <a:r>
-              <a:rPr lang="de-DE" sz="2000" dirty="0"/>
-              <a:t>Lokaler Proxy</a:t>
+              <a:rPr lang="en-US" sz="2000" dirty="0" err="1">
+                <a:latin typeface="+mj-lt"/>
+              </a:rPr>
+              <a:t>Ohne</a:t>
+            </a:r>
+            <a:r>
+              <a:rPr lang="en-US" sz="2000" dirty="0">
+                <a:latin typeface="+mj-lt"/>
+              </a:rPr>
+              <a:t> </a:t>
+            </a:r>
+            <a:r>
+              <a:rPr lang="en-US" sz="2000" dirty="0">
+                <a:solidFill>
+                  <a:srgbClr val="FF0000"/>
+                </a:solidFill>
+                <a:latin typeface="+mj-lt"/>
+              </a:rPr>
+              <a:t>service alias </a:t>
+            </a:r>
+            <a:r>
+              <a:rPr lang="en-US" sz="2000" dirty="0" err="1">
+                <a:latin typeface="+mj-lt"/>
+              </a:rPr>
+              <a:t>kann</a:t>
+            </a:r>
+            <a:r>
+              <a:rPr lang="en-US" sz="2000" dirty="0">
+                <a:latin typeface="+mj-lt"/>
+              </a:rPr>
+              <a:t> das Container Image den </a:t>
+            </a:r>
+            <a:r>
+              <a:rPr lang="en-US" sz="2000" dirty="0" err="1">
+                <a:latin typeface="Consolas" panose="020B0609020204030204" pitchFamily="49" charset="0"/>
+              </a:rPr>
+              <a:t>dind</a:t>
+            </a:r>
+            <a:r>
+              <a:rPr lang="en-US" sz="2000" dirty="0">
+                <a:latin typeface="+mj-lt"/>
+              </a:rPr>
+              <a:t> service </a:t>
+            </a:r>
+            <a:r>
+              <a:rPr lang="en-US" sz="2000" dirty="0" err="1">
+                <a:latin typeface="+mj-lt"/>
+              </a:rPr>
+              <a:t>nicht</a:t>
+            </a:r>
+            <a:r>
+              <a:rPr lang="en-US" sz="2000" dirty="0">
+                <a:latin typeface="+mj-lt"/>
+              </a:rPr>
+              <a:t> </a:t>
+            </a:r>
+            <a:r>
+              <a:rPr lang="en-US" sz="2000" dirty="0" err="1">
+                <a:latin typeface="+mj-lt"/>
+              </a:rPr>
+              <a:t>finden</a:t>
+            </a:r>
+            <a:r>
+              <a:rPr lang="en-US" sz="2000" dirty="0">
+                <a:latin typeface="+mj-lt"/>
+              </a:rPr>
+              <a:t> und </a:t>
+            </a:r>
+            <a:r>
+              <a:rPr lang="en-US" sz="2000" dirty="0" err="1">
+                <a:latin typeface="+mj-lt"/>
+              </a:rPr>
+              <a:t>folgende</a:t>
+            </a:r>
+            <a:r>
+              <a:rPr lang="en-US" sz="2000" dirty="0">
+                <a:latin typeface="+mj-lt"/>
+              </a:rPr>
+              <a:t> </a:t>
+            </a:r>
+            <a:r>
+              <a:rPr lang="en-US" sz="2000" dirty="0" err="1">
+                <a:latin typeface="+mj-lt"/>
+              </a:rPr>
+              <a:t>Fehlermeldung</a:t>
+            </a:r>
+            <a:r>
+              <a:rPr lang="en-US" sz="2000" dirty="0">
+                <a:latin typeface="+mj-lt"/>
+              </a:rPr>
+              <a:t> </a:t>
+            </a:r>
+            <a:r>
+              <a:rPr lang="en-US" sz="2000" dirty="0" err="1">
+                <a:latin typeface="+mj-lt"/>
+              </a:rPr>
+              <a:t>erscheint</a:t>
+            </a:r>
+            <a:r>
+              <a:rPr lang="en-US" sz="2000" dirty="0">
+                <a:latin typeface="+mj-lt"/>
+              </a:rPr>
+              <a:t>:</a:t>
             </a:r>
           </a:p>
           <a:p>
@@ -14055,8 +14250,22 @@
               <a:buChar char="•"/>
             </a:pPr>
             <a:r>
-              <a:rPr lang="de-DE" sz="1800" dirty="0"/>
-              <a:t>Genutzt für häufig genutzte Upstream-Images</a:t>
+              <a:rPr lang="en-US" sz="1600" dirty="0">
+                <a:latin typeface="Consolas" panose="020B0609020204030204" pitchFamily="49" charset="0"/>
+              </a:rPr>
+              <a:t>error during connect: Get http://docker:2376/v1.39/info: dial </a:t>
+            </a:r>
+            <a:r>
+              <a:rPr lang="en-US" sz="1600" dirty="0" err="1">
+                <a:latin typeface="Consolas" panose="020B0609020204030204" pitchFamily="49" charset="0"/>
+              </a:rPr>
+              <a:t>tcp</a:t>
+            </a:r>
+            <a:r>
+              <a:rPr lang="en-US" sz="1600" dirty="0">
+                <a:latin typeface="Consolas" panose="020B0609020204030204" pitchFamily="49" charset="0"/>
+              </a:rPr>
+              <a:t>: lookup docker on 192.168.0.1:53: no such host</a:t>
             </a:r>
           </a:p>
           <a:p>
@@ -14064,243 +14273,34 @@
               <a:buFont typeface="Arial" panose="020B0604020202020204" pitchFamily="34" charset="0"/>
               <a:buChar char="•"/>
             </a:pPr>
-            <a:r>
-              <a:rPr lang="de-DE" sz="1800" dirty="0"/>
-              <a:t>Agiert als pull </a:t>
-            </a:r>
-            <a:r>
-              <a:rPr lang="de-DE" sz="1800" dirty="0" err="1"/>
-              <a:t>through</a:t>
-            </a:r>
-            <a:r>
-              <a:rPr lang="de-DE" sz="1800" dirty="0"/>
-              <a:t> </a:t>
-            </a:r>
-            <a:r>
-              <a:rPr lang="de-DE" sz="1800" dirty="0" err="1"/>
-              <a:t>cache</a:t>
-            </a:r>
-            <a:r>
-              <a:rPr lang="de-DE" sz="1800" dirty="0"/>
-              <a:t> für </a:t>
-            </a:r>
-            <a:r>
-              <a:rPr lang="de-DE" sz="1800" dirty="0" err="1"/>
-              <a:t>DockerHub</a:t>
-            </a:r>
-            <a:endParaRPr lang="de-DE" sz="1800" dirty="0"/>
+            <a:endParaRPr lang="en-US" sz="1600" dirty="0">
+              <a:latin typeface="Consolas" panose="020B0609020204030204" pitchFamily="49" charset="0"/>
+            </a:endParaRPr>
           </a:p>
           <a:p>
             <a:pPr lvl="1">
               <a:buFont typeface="Arial" panose="020B0604020202020204" pitchFamily="34" charset="0"/>
               <a:buChar char="•"/>
             </a:pPr>
-            <a:r>
-              <a:rPr lang="de-DE" sz="1800" dirty="0"/>
-              <a:t>Aus Sicht des Docker Clients: Einfach eine weitere Registry</a:t>
-            </a:r>
-          </a:p>
-          <a:p>
-            <a:pPr>
-              <a:buFont typeface="Arial" panose="020B0604020202020204" pitchFamily="34" charset="0"/>
-              <a:buChar char="•"/>
-            </a:pPr>
-            <a:r>
-              <a:rPr lang="de-DE" sz="2000" dirty="0"/>
-              <a:t>Docker Hub rate </a:t>
-            </a:r>
-            <a:r>
-              <a:rPr lang="de-DE" sz="2000" dirty="0" err="1"/>
-              <a:t>limiting</a:t>
-            </a:r>
-            <a:endParaRPr lang="de-DE" sz="2000" dirty="0"/>
+            <a:endParaRPr lang="en-US" sz="1600" dirty="0">
+              <a:latin typeface="Consolas" panose="020B0609020204030204" pitchFamily="49" charset="0"/>
+            </a:endParaRPr>
           </a:p>
           <a:p>
             <a:pPr lvl="1">
               <a:buFont typeface="Arial" panose="020B0604020202020204" pitchFamily="34" charset="0"/>
               <a:buChar char="•"/>
             </a:pPr>
-            <a:r>
-              <a:rPr lang="de-DE" sz="1800" dirty="0">
-                <a:hlinkClick r:id="rId3"/>
-              </a:rPr>
-              <a:t>https://docs.docker.com/docker-hub/download-rate-limit/</a:t>
-            </a:r>
-            <a:r>
-              <a:rPr lang="de-DE" sz="1800" dirty="0"/>
-              <a:t> </a:t>
-            </a:r>
-          </a:p>
-          <a:p>
-            <a:pPr lvl="1">
-              <a:buFont typeface="Arial" panose="020B0604020202020204" pitchFamily="34" charset="0"/>
-              <a:buChar char="•"/>
-            </a:pPr>
-            <a:r>
-              <a:rPr lang="de-DE" sz="1800" dirty="0"/>
-              <a:t>Begrenzt die Image </a:t>
-            </a:r>
-            <a:r>
-              <a:rPr lang="de-DE" sz="1800" dirty="0" err="1"/>
-              <a:t>pulls</a:t>
-            </a:r>
-            <a:r>
-              <a:rPr lang="de-DE" sz="1800" dirty="0"/>
-              <a:t> von Docker Hub </a:t>
-            </a:r>
-          </a:p>
-          <a:p>
-            <a:pPr lvl="1">
-              <a:buFont typeface="Arial" panose="020B0604020202020204" pitchFamily="34" charset="0"/>
-              <a:buChar char="•"/>
-            </a:pPr>
-            <a:r>
-              <a:rPr lang="de-DE" sz="1800" dirty="0"/>
-              <a:t>Meist läuft bei jedem </a:t>
-            </a:r>
-            <a:r>
-              <a:rPr lang="de-DE" sz="1800" dirty="0" err="1"/>
-              <a:t>commit</a:t>
-            </a:r>
-            <a:r>
-              <a:rPr lang="de-DE" sz="1800" dirty="0"/>
-              <a:t> eine Pipeline</a:t>
-            </a:r>
-          </a:p>
-          <a:p>
-            <a:pPr lvl="2">
-              <a:buFont typeface="Arial" panose="020B0604020202020204" pitchFamily="34" charset="0"/>
-              <a:buChar char="•"/>
-            </a:pPr>
-            <a:r>
-              <a:rPr lang="de-DE" sz="1600" dirty="0"/>
-              <a:t>Selbst bei gleichem Image </a:t>
-            </a:r>
-            <a:r>
-              <a:rPr lang="de-DE" sz="1600" dirty="0">
-                <a:sym typeface="Wingdings" panose="05000000000000000000" pitchFamily="2" charset="2"/>
-              </a:rPr>
-              <a:t> Docker Pull Count erhöht durch „manifest </a:t>
-            </a:r>
-            <a:r>
-              <a:rPr lang="de-DE" sz="1600" dirty="0" err="1">
-                <a:sym typeface="Wingdings" panose="05000000000000000000" pitchFamily="2" charset="2"/>
-              </a:rPr>
-              <a:t>requets</a:t>
-            </a:r>
-            <a:r>
-              <a:rPr lang="de-DE" sz="1600" dirty="0">
-                <a:sym typeface="Wingdings" panose="05000000000000000000" pitchFamily="2" charset="2"/>
-              </a:rPr>
-              <a:t>“</a:t>
-            </a:r>
-            <a:endParaRPr lang="de-DE" sz="2000" dirty="0">
-              <a:sym typeface="Wingdings" panose="05000000000000000000" pitchFamily="2" charset="2"/>
+            <a:endParaRPr lang="en-US" sz="1600" dirty="0">
+              <a:latin typeface="Consolas" panose="020B0609020204030204" pitchFamily="49" charset="0"/>
             </a:endParaRPr>
-          </a:p>
-          <a:p>
-            <a:pPr lvl="1">
-              <a:buFont typeface="Arial" panose="020B0604020202020204" pitchFamily="34" charset="0"/>
-              <a:buChar char="•"/>
-            </a:pPr>
-            <a:r>
-              <a:rPr lang="de-DE" sz="1800" dirty="0">
-                <a:sym typeface="Wingdings" panose="05000000000000000000" pitchFamily="2" charset="2"/>
-              </a:rPr>
-              <a:t>Manifest („Inhaltverzeichnis des Images“)</a:t>
-            </a:r>
-          </a:p>
-          <a:p>
-            <a:pPr lvl="2">
-              <a:buFont typeface="Arial" panose="020B0604020202020204" pitchFamily="34" charset="0"/>
-              <a:buChar char="•"/>
-            </a:pPr>
-            <a:r>
-              <a:rPr lang="de-DE" sz="1600" dirty="0">
-                <a:sym typeface="Wingdings" panose="05000000000000000000" pitchFamily="2" charset="2"/>
-              </a:rPr>
-              <a:t>Informationen über </a:t>
-            </a:r>
-            <a:r>
-              <a:rPr lang="de-DE" sz="1600" dirty="0" err="1">
-                <a:sym typeface="Wingdings" panose="05000000000000000000" pitchFamily="2" charset="2"/>
-              </a:rPr>
-              <a:t>Layers</a:t>
-            </a:r>
-            <a:r>
-              <a:rPr lang="de-DE" sz="1600" dirty="0">
-                <a:sym typeface="Wingdings" panose="05000000000000000000" pitchFamily="2" charset="2"/>
-              </a:rPr>
-              <a:t> und Blobs des Images</a:t>
-            </a:r>
-            <a:endParaRPr lang="de-DE" sz="1600" dirty="0"/>
-          </a:p>
-          <a:p>
-            <a:pPr>
-              <a:buFont typeface="Arial" panose="020B0604020202020204" pitchFamily="34" charset="0"/>
-              <a:buChar char="•"/>
-            </a:pPr>
-            <a:r>
-              <a:rPr lang="de-DE" sz="2000" dirty="0" err="1"/>
-              <a:t>Dependency</a:t>
-            </a:r>
-            <a:r>
-              <a:rPr lang="de-DE" sz="2000" dirty="0"/>
-              <a:t> Proxy </a:t>
-            </a:r>
-            <a:r>
-              <a:rPr lang="de-DE" sz="2000" dirty="0" err="1"/>
-              <a:t>GitLab</a:t>
-            </a:r>
-            <a:r>
-              <a:rPr lang="de-DE" sz="2000" dirty="0"/>
-              <a:t> Dokumentation: </a:t>
-            </a:r>
-            <a:r>
-              <a:rPr lang="de-DE" sz="2000" dirty="0">
-                <a:hlinkClick r:id="rId4"/>
-              </a:rPr>
-              <a:t>https://docs.gitlab.com/ee/user/packages/dependency_proxy/</a:t>
-            </a:r>
-            <a:r>
-              <a:rPr lang="de-DE" sz="2000" dirty="0"/>
-              <a:t> </a:t>
-            </a:r>
-          </a:p>
-          <a:p>
-            <a:pPr>
-              <a:buFont typeface="Arial" panose="020B0604020202020204" pitchFamily="34" charset="0"/>
-              <a:buChar char="•"/>
-            </a:pPr>
-            <a:r>
-              <a:rPr lang="de-DE" sz="2000" u="sng" dirty="0"/>
-              <a:t>Hier:</a:t>
-            </a:r>
-            <a:r>
-              <a:rPr lang="de-DE" sz="2000" dirty="0"/>
-              <a:t> Keine weitere Verwendung!</a:t>
-            </a:r>
-          </a:p>
-          <a:p>
-            <a:pPr lvl="1">
-              <a:buFont typeface="Arial" panose="020B0604020202020204" pitchFamily="34" charset="0"/>
-              <a:buChar char="•"/>
-            </a:pPr>
-            <a:endParaRPr lang="de-DE" dirty="0"/>
-          </a:p>
-          <a:p>
-            <a:pPr lvl="1">
-              <a:buFont typeface="Arial" panose="020B0604020202020204" pitchFamily="34" charset="0"/>
-              <a:buChar char="•"/>
-            </a:pPr>
-            <a:endParaRPr lang="de-DE" dirty="0"/>
           </a:p>
         </p:txBody>
       </p:sp>
     </p:spTree>
     <p:extLst>
       <p:ext uri="{BB962C8B-B14F-4D97-AF65-F5344CB8AC3E}">
-        <p14:creationId xmlns:p14="http://schemas.microsoft.com/office/powerpoint/2010/main" val="844561808"/>
+        <p14:creationId xmlns:p14="http://schemas.microsoft.com/office/powerpoint/2010/main" val="3445805958"/>
       </p:ext>
     </p:extLst>
   </p:cSld>

--- a/slides/Tag-3_4-Release-und-Tagged-Images.pptx
+++ b/slides/Tag-3_4-Release-und-Tagged-Images.pptx
@@ -4020,6 +4020,42 @@
           </a:p>
         </p:txBody>
       </p:sp>
+      <p:pic>
+        <p:nvPicPr>
+          <p:cNvPr id="3" name="Grafik 2">
+            <a:extLst>
+              <a:ext uri="{FF2B5EF4-FFF2-40B4-BE49-F238E27FC236}">
+                <a16:creationId xmlns:a16="http://schemas.microsoft.com/office/drawing/2014/main" id="{6857E1EA-E905-A850-7AA6-F201598B1B62}"/>
+              </a:ext>
+            </a:extLst>
+          </p:cNvPr>
+          <p:cNvPicPr>
+            <a:picLocks noChangeAspect="1"/>
+          </p:cNvPicPr>
+          <p:nvPr userDrawn="1"/>
+        </p:nvPicPr>
+        <p:blipFill>
+          <a:blip r:embed="rId7">
+            <a:extLst>
+              <a:ext uri="{28A0092B-C50C-407E-A947-70E740481C1C}">
+                <a14:useLocalDpi xmlns:a14="http://schemas.microsoft.com/office/drawing/2010/main" val="0"/>
+              </a:ext>
+            </a:extLst>
+          </a:blip>
+          <a:stretch>
+            <a:fillRect/>
+          </a:stretch>
+        </p:blipFill>
+        <p:spPr>
+          <a:xfrm>
+            <a:off x="8486775" y="-15729"/>
+            <a:ext cx="636272" cy="636272"/>
+          </a:xfrm>
+          <a:prstGeom prst="rect">
+            <a:avLst/>
+          </a:prstGeom>
+        </p:spPr>
+      </p:pic>
     </p:spTree>
   </p:cSld>
   <p:clrMap bg1="lt1" tx1="dk1" bg2="lt2" tx2="dk2" accent1="accent1" accent2="accent2" accent3="accent3" accent4="accent4" accent5="accent5" accent6="accent6" hlink="hlink" folHlink="folHlink"/>
@@ -4729,6 +4765,42 @@
           </a:p>
         </p:txBody>
       </p:sp>
+      <p:pic>
+        <p:nvPicPr>
+          <p:cNvPr id="2" name="Grafik 1">
+            <a:extLst>
+              <a:ext uri="{FF2B5EF4-FFF2-40B4-BE49-F238E27FC236}">
+                <a16:creationId xmlns:a16="http://schemas.microsoft.com/office/drawing/2014/main" id="{1AEF6F2B-B912-5112-0155-B4F513DD6A7C}"/>
+              </a:ext>
+            </a:extLst>
+          </p:cNvPr>
+          <p:cNvPicPr>
+            <a:picLocks noChangeAspect="1"/>
+          </p:cNvPicPr>
+          <p:nvPr userDrawn="1"/>
+        </p:nvPicPr>
+        <p:blipFill>
+          <a:blip r:embed="rId5">
+            <a:extLst>
+              <a:ext uri="{28A0092B-C50C-407E-A947-70E740481C1C}">
+                <a14:useLocalDpi xmlns:a14="http://schemas.microsoft.com/office/drawing/2010/main" val="0"/>
+              </a:ext>
+            </a:extLst>
+          </a:blip>
+          <a:stretch>
+            <a:fillRect/>
+          </a:stretch>
+        </p:blipFill>
+        <p:spPr>
+          <a:xfrm>
+            <a:off x="3383868" y="4481736"/>
+            <a:ext cx="2376264" cy="2376264"/>
+          </a:xfrm>
+          <a:prstGeom prst="rect">
+            <a:avLst/>
+          </a:prstGeom>
+        </p:spPr>
+      </p:pic>
     </p:spTree>
   </p:cSld>
   <p:clrMap bg1="lt1" tx1="dk1" bg2="lt2" tx2="dk2" accent1="accent1" accent2="accent2" accent3="accent3" accent4="accent4" accent5="accent5" accent6="accent6" hlink="hlink" folHlink="folHlink"/>

--- a/slides/Tag-3_4-Release-und-Tagged-Images.pptx
+++ b/slides/Tag-3_4-Release-und-Tagged-Images.pptx
@@ -3171,7 +3171,7 @@
               <a:pPr algn="ctr">
                 <a:defRPr/>
               </a:pPr>
-              <a:t>10.06.2024</a:t>
+              <a:t>11.06.2024</a:t>
             </a:fld>
             <a:endParaRPr lang="de-DE" sz="1000">
               <a:solidFill>
@@ -13293,7 +13293,7 @@
                 <a:ea typeface="+mn-ea"/>
                 <a:cs typeface="+mn-cs"/>
               </a:rPr>
-              <a:t>/docker:18.09.7-dind</a:t>
+              <a:t>/docker:20.10.16-dind</a:t>
             </a:r>
           </a:p>
           <a:p>
@@ -13956,8 +13956,39 @@
                 <a:ea typeface="+mn-ea"/>
                 <a:cs typeface="+mn-cs"/>
               </a:rPr>
-              <a:t>/docker:18.09.7-dind</a:t>
-            </a:r>
+              <a:t>/</a:t>
+            </a:r>
+            <a:r>
+              <a:rPr kumimoji="0" lang="en-US" sz="1600" b="0" i="0" u="none" strike="noStrike" kern="0" cap="none" spc="0" normalizeH="0" baseline="0" noProof="0">
+                <a:ln>
+                  <a:noFill/>
+                </a:ln>
+                <a:solidFill>
+                  <a:srgbClr val="000000"/>
+                </a:solidFill>
+                <a:effectLst/>
+                <a:uLnTx/>
+                <a:uFillTx/>
+                <a:latin typeface="Consolas" panose="020B0609020204030204" pitchFamily="49" charset="0"/>
+                <a:ea typeface="+mn-ea"/>
+                <a:cs typeface="+mn-cs"/>
+              </a:rPr>
+              <a:t>docker:20.10.16-dind</a:t>
+            </a:r>
+            <a:endParaRPr kumimoji="0" lang="en-US" sz="1600" b="0" i="0" u="none" strike="noStrike" kern="0" cap="none" spc="0" normalizeH="0" baseline="0" noProof="0" dirty="0">
+              <a:ln>
+                <a:noFill/>
+              </a:ln>
+              <a:solidFill>
+                <a:srgbClr val="000000"/>
+              </a:solidFill>
+              <a:effectLst/>
+              <a:uLnTx/>
+              <a:uFillTx/>
+              <a:latin typeface="Consolas" panose="020B0609020204030204" pitchFamily="49" charset="0"/>
+              <a:ea typeface="+mn-ea"/>
+              <a:cs typeface="+mn-cs"/>
+            </a:endParaRPr>
           </a:p>
           <a:p>
             <a:pPr marL="0" marR="0" lvl="0" indent="0" algn="l" defTabSz="914400" rtl="0" eaLnBrk="1" fontAlgn="base" latinLnBrk="0" hangingPunct="1">

--- a/slides/Tag-3_4-Release-und-Tagged-Images.pptx
+++ b/slides/Tag-3_4-Release-und-Tagged-Images.pptx
@@ -6,10 +6,10 @@
     <p:sldMasterId id="2147483649" r:id="rId2"/>
   </p:sldMasterIdLst>
   <p:notesMasterIdLst>
-    <p:notesMasterId r:id="rId38"/>
+    <p:notesMasterId r:id="rId41"/>
   </p:notesMasterIdLst>
   <p:handoutMasterIdLst>
-    <p:handoutMasterId r:id="rId39"/>
+    <p:handoutMasterId r:id="rId42"/>
   </p:handoutMasterIdLst>
   <p:sldIdLst>
     <p:sldId id="624" r:id="rId3"/>
@@ -34,19 +34,22 @@
     <p:sldId id="606" r:id="rId22"/>
     <p:sldId id="588" r:id="rId23"/>
     <p:sldId id="607" r:id="rId24"/>
-    <p:sldId id="608" r:id="rId25"/>
-    <p:sldId id="609" r:id="rId26"/>
-    <p:sldId id="619" r:id="rId27"/>
-    <p:sldId id="618" r:id="rId28"/>
-    <p:sldId id="620" r:id="rId29"/>
-    <p:sldId id="621" r:id="rId30"/>
-    <p:sldId id="617" r:id="rId31"/>
-    <p:sldId id="622" r:id="rId32"/>
-    <p:sldId id="623" r:id="rId33"/>
-    <p:sldId id="632" r:id="rId34"/>
-    <p:sldId id="633" r:id="rId35"/>
-    <p:sldId id="625" r:id="rId36"/>
-    <p:sldId id="626" r:id="rId37"/>
+    <p:sldId id="637" r:id="rId25"/>
+    <p:sldId id="608" r:id="rId26"/>
+    <p:sldId id="638" r:id="rId27"/>
+    <p:sldId id="609" r:id="rId28"/>
+    <p:sldId id="619" r:id="rId29"/>
+    <p:sldId id="618" r:id="rId30"/>
+    <p:sldId id="620" r:id="rId31"/>
+    <p:sldId id="621" r:id="rId32"/>
+    <p:sldId id="617" r:id="rId33"/>
+    <p:sldId id="639" r:id="rId34"/>
+    <p:sldId id="622" r:id="rId35"/>
+    <p:sldId id="623" r:id="rId36"/>
+    <p:sldId id="632" r:id="rId37"/>
+    <p:sldId id="633" r:id="rId38"/>
+    <p:sldId id="625" r:id="rId39"/>
+    <p:sldId id="626" r:id="rId40"/>
   </p:sldIdLst>
   <p:sldSz cx="9144000" cy="6858000" type="screen4x3"/>
   <p:notesSz cx="6784975" cy="9921875"/>
@@ -1259,7 +1262,10 @@
           <a:bodyPr/>
           <a:lstStyle/>
           <a:p>
-            <a:endParaRPr lang="de-DE" dirty="0"/>
+            <a:r>
+              <a:rPr lang="de-DE" dirty="0"/>
+              <a:t>https://docs.gitlab.com/ee/user/packages/container_registry/authenticate_with_container_registry.html</a:t>
+            </a:r>
           </a:p>
         </p:txBody>
       </p:sp>
@@ -1290,7 +1296,7 @@
     </p:spTree>
     <p:extLst>
       <p:ext uri="{BB962C8B-B14F-4D97-AF65-F5344CB8AC3E}">
-        <p14:creationId xmlns:p14="http://schemas.microsoft.com/office/powerpoint/2010/main" val="1133817201"/>
+        <p14:creationId xmlns:p14="http://schemas.microsoft.com/office/powerpoint/2010/main" val="4044532184"/>
       </p:ext>
     </p:extLst>
   </p:cSld>
@@ -1344,43 +1350,6 @@
           <a:bodyPr/>
           <a:lstStyle/>
           <a:p>
-            <a:pPr algn="l"/>
-            <a:r>
-              <a:rPr lang="en-US" b="0" i="0" dirty="0">
-                <a:solidFill>
-                  <a:srgbClr val="404040"/>
-                </a:solidFill>
-                <a:effectLst/>
-                <a:latin typeface="gitlab sans"/>
-              </a:rPr>
-              <a:t>You can use </a:t>
-            </a:r>
-            <a:r>
-              <a:rPr lang="en-US" b="0" i="0" u="none" strike="noStrike" dirty="0">
-                <a:solidFill>
-                  <a:srgbClr val="5943B6"/>
-                </a:solidFill>
-                <a:effectLst/>
-                <a:latin typeface="gitlab sans"/>
-                <a:hlinkClick r:id="rId3"/>
-              </a:rPr>
-              <a:t>GitLab CI/CD</a:t>
-            </a:r>
-            <a:r>
-              <a:rPr lang="en-US" b="0" i="0" dirty="0">
-                <a:solidFill>
-                  <a:srgbClr val="404040"/>
-                </a:solidFill>
-                <a:effectLst/>
-                <a:latin typeface="gitlab sans"/>
-              </a:rPr>
-              <a:t> to build and push container images to the Container Registry. You can use CI/CD to test, build, and deploy your project from the container image you created.</a:t>
-            </a:r>
-          </a:p>
-          <a:p>
-            <a:br>
-              <a:rPr lang="en-US" dirty="0"/>
-            </a:br>
             <a:endParaRPr lang="de-DE" dirty="0"/>
           </a:p>
         </p:txBody>
@@ -1412,7 +1381,7 @@
     </p:spTree>
     <p:extLst>
       <p:ext uri="{BB962C8B-B14F-4D97-AF65-F5344CB8AC3E}">
-        <p14:creationId xmlns:p14="http://schemas.microsoft.com/office/powerpoint/2010/main" val="3378526490"/>
+        <p14:creationId xmlns:p14="http://schemas.microsoft.com/office/powerpoint/2010/main" val="1133817201"/>
       </p:ext>
     </p:extLst>
   </p:cSld>
@@ -1466,29 +1435,7 @@
           <a:bodyPr/>
           <a:lstStyle/>
           <a:p>
-            <a:r>
-              <a:rPr lang="de-DE" dirty="0"/>
-              <a:t>https://docs.gitlab.com/ee/ci/docker/using_docker_build.html#use-docker-in-docker</a:t>
-            </a:r>
-          </a:p>
-          <a:p>
             <a:endParaRPr lang="de-DE" dirty="0"/>
-          </a:p>
-          <a:p>
-            <a:r>
-              <a:rPr lang="de-DE" dirty="0" err="1"/>
-              <a:t>Dind</a:t>
-            </a:r>
-            <a:r>
-              <a:rPr lang="de-DE" dirty="0"/>
-              <a:t> mit TLS:</a:t>
-            </a:r>
-          </a:p>
-          <a:p>
-            <a:r>
-              <a:rPr lang="de-DE" dirty="0"/>
-              <a:t>https://docs.gitlab.com/ee/ci/docker/using_docker_build.html#docker-in-docker-with-tls-enabled-in-the-docker-executor</a:t>
-            </a:r>
           </a:p>
         </p:txBody>
       </p:sp>
@@ -1519,7 +1466,7 @@
     </p:spTree>
     <p:extLst>
       <p:ext uri="{BB962C8B-B14F-4D97-AF65-F5344CB8AC3E}">
-        <p14:creationId xmlns:p14="http://schemas.microsoft.com/office/powerpoint/2010/main" val="3929006885"/>
+        <p14:creationId xmlns:p14="http://schemas.microsoft.com/office/powerpoint/2010/main" val="3795170457"/>
       </p:ext>
     </p:extLst>
   </p:cSld>
@@ -1573,10 +1520,44 @@
           <a:bodyPr/>
           <a:lstStyle/>
           <a:p>
-            <a:r>
-              <a:rPr lang="de-DE" dirty="0"/>
-              <a:t>https://docs.gitlab.com/ee/user/packages/container_registry/build_and_push_images.html#configure-your-gitlab-ciyml-file</a:t>
-            </a:r>
+            <a:pPr algn="l"/>
+            <a:r>
+              <a:rPr lang="en-US" b="0" i="0" dirty="0">
+                <a:solidFill>
+                  <a:srgbClr val="404040"/>
+                </a:solidFill>
+                <a:effectLst/>
+                <a:latin typeface="gitlab sans"/>
+              </a:rPr>
+              <a:t>You can use </a:t>
+            </a:r>
+            <a:r>
+              <a:rPr lang="en-US" b="0" i="0" u="none" strike="noStrike" dirty="0">
+                <a:solidFill>
+                  <a:srgbClr val="5943B6"/>
+                </a:solidFill>
+                <a:effectLst/>
+                <a:latin typeface="gitlab sans"/>
+                <a:hlinkClick r:id="rId3"/>
+              </a:rPr>
+              <a:t>GitLab CI/CD</a:t>
+            </a:r>
+            <a:r>
+              <a:rPr lang="en-US" b="0" i="0" dirty="0">
+                <a:solidFill>
+                  <a:srgbClr val="404040"/>
+                </a:solidFill>
+                <a:effectLst/>
+                <a:latin typeface="gitlab sans"/>
+              </a:rPr>
+              <a:t> to build and push container images to the Container Registry. You can use CI/CD to test, build, and deploy your project from the container image you created.</a:t>
+            </a:r>
+          </a:p>
+          <a:p>
+            <a:br>
+              <a:rPr lang="en-US" dirty="0"/>
+            </a:br>
+            <a:endParaRPr lang="de-DE" dirty="0"/>
           </a:p>
         </p:txBody>
       </p:sp>
@@ -1607,7 +1588,7 @@
     </p:spTree>
     <p:extLst>
       <p:ext uri="{BB962C8B-B14F-4D97-AF65-F5344CB8AC3E}">
-        <p14:creationId xmlns:p14="http://schemas.microsoft.com/office/powerpoint/2010/main" val="3635466979"/>
+        <p14:creationId xmlns:p14="http://schemas.microsoft.com/office/powerpoint/2010/main" val="3378526490"/>
       </p:ext>
     </p:extLst>
   </p:cSld>
@@ -1661,24 +1642,28 @@
           <a:bodyPr/>
           <a:lstStyle/>
           <a:p>
+            <a:r>
+              <a:rPr lang="de-DE" dirty="0"/>
+              <a:t>https://docs.gitlab.com/ee/ci/docker/using_docker_build.html#use-docker-in-docker</a:t>
+            </a:r>
+          </a:p>
+          <a:p>
             <a:endParaRPr lang="de-DE" dirty="0"/>
           </a:p>
           <a:p>
             <a:r>
+              <a:rPr lang="de-DE" dirty="0" err="1"/>
+              <a:t>Dind</a:t>
+            </a:r>
+            <a:r>
               <a:rPr lang="de-DE" dirty="0"/>
-              <a:t>https://about.gitlab.com/blog/2020/12/15/dependency-proxy-updates/</a:t>
-            </a:r>
-          </a:p>
-          <a:p>
-            <a:endParaRPr lang="de-DE" dirty="0"/>
-          </a:p>
-          <a:p>
-            <a:endParaRPr lang="de-DE" dirty="0"/>
+              <a:t> mit TLS:</a:t>
+            </a:r>
           </a:p>
           <a:p>
             <a:r>
               <a:rPr lang="de-DE" dirty="0"/>
-              <a:t>https://help.sonatype.com/en/components-and-assets-in-docker.html#:~:text=Docker%20Images%2C%20Tags%2C%20Manifests%2C,not%20associated%20with%20a%20component.</a:t>
+              <a:t>https://docs.gitlab.com/ee/ci/docker/using_docker_build.html#docker-in-docker-with-tls-enabled-in-the-docker-executor</a:t>
             </a:r>
           </a:p>
         </p:txBody>
@@ -1701,7 +1686,7 @@
             <a:fld id="{18182567-388C-4D33-8B7B-A651F195F118}" type="slidenum">
               <a:rPr lang="de-DE" altLang="de-DE" smtClean="0"/>
               <a:pPr/>
-              <a:t>29</a:t>
+              <a:t>27</a:t>
             </a:fld>
             <a:endParaRPr lang="de-DE" altLang="de-DE"/>
           </a:p>
@@ -1710,7 +1695,7 @@
     </p:spTree>
     <p:extLst>
       <p:ext uri="{BB962C8B-B14F-4D97-AF65-F5344CB8AC3E}">
-        <p14:creationId xmlns:p14="http://schemas.microsoft.com/office/powerpoint/2010/main" val="3189253092"/>
+        <p14:creationId xmlns:p14="http://schemas.microsoft.com/office/powerpoint/2010/main" val="3929006885"/>
       </p:ext>
     </p:extLst>
   </p:cSld>
@@ -1764,7 +1749,10 @@
           <a:bodyPr/>
           <a:lstStyle/>
           <a:p>
-            <a:endParaRPr lang="de-DE" dirty="0"/>
+            <a:r>
+              <a:rPr lang="de-DE" dirty="0"/>
+              <a:t>https://docs.gitlab.com/ee/user/packages/container_registry/build_and_push_images.html#configure-your-gitlab-ciyml-file</a:t>
+            </a:r>
           </a:p>
         </p:txBody>
       </p:sp>
@@ -1786,7 +1774,7 @@
             <a:fld id="{18182567-388C-4D33-8B7B-A651F195F118}" type="slidenum">
               <a:rPr lang="de-DE" altLang="de-DE" smtClean="0"/>
               <a:pPr/>
-              <a:t>34</a:t>
+              <a:t>28</a:t>
             </a:fld>
             <a:endParaRPr lang="de-DE" altLang="de-DE"/>
           </a:p>
@@ -1795,7 +1783,7 @@
     </p:spTree>
     <p:extLst>
       <p:ext uri="{BB962C8B-B14F-4D97-AF65-F5344CB8AC3E}">
-        <p14:creationId xmlns:p14="http://schemas.microsoft.com/office/powerpoint/2010/main" val="2538846736"/>
+        <p14:creationId xmlns:p14="http://schemas.microsoft.com/office/powerpoint/2010/main" val="3635466979"/>
       </p:ext>
     </p:extLst>
   </p:cSld>
@@ -1849,25 +1837,25 @@
           <a:bodyPr/>
           <a:lstStyle/>
           <a:p>
+            <a:endParaRPr lang="de-DE" dirty="0"/>
+          </a:p>
+          <a:p>
             <a:r>
               <a:rPr lang="de-DE" dirty="0"/>
-              <a:t>https://docs.gitlab.com/ee/ci/variables/predefined_variables.html</a:t>
+              <a:t>https://about.gitlab.com/blog/2020/12/15/dependency-proxy-updates/</a:t>
             </a:r>
           </a:p>
           <a:p>
             <a:endParaRPr lang="de-DE" dirty="0"/>
           </a:p>
           <a:p>
-            <a:r>
-              <a:rPr lang="en-US" dirty="0">
-                <a:effectLst/>
-              </a:rPr>
-              <a:t>CI_COMMIT_REF_NAME in lowercase, shortened to 63 bytes, and with everything except 0-9 and a-z replaced with -. No leading / trailing -. Use in URLs, host names and domain names.</a:t>
-            </a:r>
-            <a:br>
-              <a:rPr lang="en-US" dirty="0"/>
-            </a:br>
             <a:endParaRPr lang="de-DE" dirty="0"/>
+          </a:p>
+          <a:p>
+            <a:r>
+              <a:rPr lang="de-DE" dirty="0"/>
+              <a:t>https://help.sonatype.com/en/components-and-assets-in-docker.html#:~:text=Docker%20Images%2C%20Tags%2C%20Manifests%2C,not%20associated%20with%20a%20component.</a:t>
+            </a:r>
           </a:p>
         </p:txBody>
       </p:sp>
@@ -1889,7 +1877,7 @@
             <a:fld id="{18182567-388C-4D33-8B7B-A651F195F118}" type="slidenum">
               <a:rPr lang="de-DE" altLang="de-DE" smtClean="0"/>
               <a:pPr/>
-              <a:t>35</a:t>
+              <a:t>31</a:t>
             </a:fld>
             <a:endParaRPr lang="de-DE" altLang="de-DE"/>
           </a:p>
@@ -1898,7 +1886,110 @@
     </p:spTree>
     <p:extLst>
       <p:ext uri="{BB962C8B-B14F-4D97-AF65-F5344CB8AC3E}">
-        <p14:creationId xmlns:p14="http://schemas.microsoft.com/office/powerpoint/2010/main" val="245657901"/>
+        <p14:creationId xmlns:p14="http://schemas.microsoft.com/office/powerpoint/2010/main" val="3189253092"/>
+      </p:ext>
+    </p:extLst>
+  </p:cSld>
+  <p:clrMapOvr>
+    <a:masterClrMapping/>
+  </p:clrMapOvr>
+</p:notes>
+</file>
+
+<file path=ppt/notesSlides/notesSlide19.xml><?xml version="1.0" encoding="utf-8"?>
+<p:notes xmlns:a="http://schemas.openxmlformats.org/drawingml/2006/main" xmlns:r="http://schemas.openxmlformats.org/officeDocument/2006/relationships" xmlns:p="http://schemas.openxmlformats.org/presentationml/2006/main">
+  <p:cSld>
+    <p:spTree>
+      <p:nvGrpSpPr>
+        <p:cNvPr id="1" name=""/>
+        <p:cNvGrpSpPr/>
+        <p:nvPr/>
+      </p:nvGrpSpPr>
+      <p:grpSpPr>
+        <a:xfrm>
+          <a:off x="0" y="0"/>
+          <a:ext cx="0" cy="0"/>
+          <a:chOff x="0" y="0"/>
+          <a:chExt cx="0" cy="0"/>
+        </a:xfrm>
+      </p:grpSpPr>
+      <p:sp>
+        <p:nvSpPr>
+          <p:cNvPr id="2" name="Folienbildplatzhalter 1"/>
+          <p:cNvSpPr>
+            <a:spLocks noGrp="1" noRot="1" noChangeAspect="1"/>
+          </p:cNvSpPr>
+          <p:nvPr>
+            <p:ph type="sldImg"/>
+          </p:nvPr>
+        </p:nvSpPr>
+        <p:spPr/>
+      </p:sp>
+      <p:sp>
+        <p:nvSpPr>
+          <p:cNvPr id="3" name="Notizenplatzhalter 2"/>
+          <p:cNvSpPr>
+            <a:spLocks noGrp="1"/>
+          </p:cNvSpPr>
+          <p:nvPr>
+            <p:ph type="body" idx="1"/>
+          </p:nvPr>
+        </p:nvSpPr>
+        <p:spPr/>
+        <p:txBody>
+          <a:bodyPr/>
+          <a:lstStyle/>
+          <a:p>
+            <a:endParaRPr lang="de-DE" dirty="0"/>
+          </a:p>
+          <a:p>
+            <a:r>
+              <a:rPr lang="de-DE" dirty="0"/>
+              <a:t>https://about.gitlab.com/blog/2020/12/15/dependency-proxy-updates/</a:t>
+            </a:r>
+          </a:p>
+          <a:p>
+            <a:endParaRPr lang="de-DE" dirty="0"/>
+          </a:p>
+          <a:p>
+            <a:endParaRPr lang="de-DE" dirty="0"/>
+          </a:p>
+          <a:p>
+            <a:r>
+              <a:rPr lang="de-DE" dirty="0"/>
+              <a:t>https://help.sonatype.com/en/components-and-assets-in-docker.html#:~:text=Docker%20Images%2C%20Tags%2C%20Manifests%2C,not%20associated%20with%20a%20component.</a:t>
+            </a:r>
+          </a:p>
+        </p:txBody>
+      </p:sp>
+      <p:sp>
+        <p:nvSpPr>
+          <p:cNvPr id="4" name="Foliennummernplatzhalter 3"/>
+          <p:cNvSpPr>
+            <a:spLocks noGrp="1"/>
+          </p:cNvSpPr>
+          <p:nvPr>
+            <p:ph type="sldNum" sz="quarter" idx="5"/>
+          </p:nvPr>
+        </p:nvSpPr>
+        <p:spPr/>
+        <p:txBody>
+          <a:bodyPr/>
+          <a:lstStyle/>
+          <a:p>
+            <a:fld id="{18182567-388C-4D33-8B7B-A651F195F118}" type="slidenum">
+              <a:rPr lang="de-DE" altLang="de-DE" smtClean="0"/>
+              <a:pPr/>
+              <a:t>32</a:t>
+            </a:fld>
+            <a:endParaRPr lang="de-DE" altLang="de-DE"/>
+          </a:p>
+        </p:txBody>
+      </p:sp>
+    </p:spTree>
+    <p:extLst>
+      <p:ext uri="{BB962C8B-B14F-4D97-AF65-F5344CB8AC3E}">
+        <p14:creationId xmlns:p14="http://schemas.microsoft.com/office/powerpoint/2010/main" val="3426277297"/>
       </p:ext>
     </p:extLst>
   </p:cSld>
@@ -1987,6 +2078,194 @@
     <p:extLst>
       <p:ext uri="{BB962C8B-B14F-4D97-AF65-F5344CB8AC3E}">
         <p14:creationId xmlns:p14="http://schemas.microsoft.com/office/powerpoint/2010/main" val="3711379124"/>
+      </p:ext>
+    </p:extLst>
+  </p:cSld>
+  <p:clrMapOvr>
+    <a:masterClrMapping/>
+  </p:clrMapOvr>
+</p:notes>
+</file>
+
+<file path=ppt/notesSlides/notesSlide20.xml><?xml version="1.0" encoding="utf-8"?>
+<p:notes xmlns:a="http://schemas.openxmlformats.org/drawingml/2006/main" xmlns:r="http://schemas.openxmlformats.org/officeDocument/2006/relationships" xmlns:p="http://schemas.openxmlformats.org/presentationml/2006/main">
+  <p:cSld>
+    <p:spTree>
+      <p:nvGrpSpPr>
+        <p:cNvPr id="1" name=""/>
+        <p:cNvGrpSpPr/>
+        <p:nvPr/>
+      </p:nvGrpSpPr>
+      <p:grpSpPr>
+        <a:xfrm>
+          <a:off x="0" y="0"/>
+          <a:ext cx="0" cy="0"/>
+          <a:chOff x="0" y="0"/>
+          <a:chExt cx="0" cy="0"/>
+        </a:xfrm>
+      </p:grpSpPr>
+      <p:sp>
+        <p:nvSpPr>
+          <p:cNvPr id="2" name="Folienbildplatzhalter 1"/>
+          <p:cNvSpPr>
+            <a:spLocks noGrp="1" noRot="1" noChangeAspect="1"/>
+          </p:cNvSpPr>
+          <p:nvPr>
+            <p:ph type="sldImg"/>
+          </p:nvPr>
+        </p:nvSpPr>
+        <p:spPr/>
+      </p:sp>
+      <p:sp>
+        <p:nvSpPr>
+          <p:cNvPr id="3" name="Notizenplatzhalter 2"/>
+          <p:cNvSpPr>
+            <a:spLocks noGrp="1"/>
+          </p:cNvSpPr>
+          <p:nvPr>
+            <p:ph type="body" idx="1"/>
+          </p:nvPr>
+        </p:nvSpPr>
+        <p:spPr/>
+        <p:txBody>
+          <a:bodyPr/>
+          <a:lstStyle/>
+          <a:p>
+            <a:endParaRPr lang="de-DE" dirty="0"/>
+          </a:p>
+        </p:txBody>
+      </p:sp>
+      <p:sp>
+        <p:nvSpPr>
+          <p:cNvPr id="4" name="Foliennummernplatzhalter 3"/>
+          <p:cNvSpPr>
+            <a:spLocks noGrp="1"/>
+          </p:cNvSpPr>
+          <p:nvPr>
+            <p:ph type="sldNum" sz="quarter" idx="5"/>
+          </p:nvPr>
+        </p:nvSpPr>
+        <p:spPr/>
+        <p:txBody>
+          <a:bodyPr/>
+          <a:lstStyle/>
+          <a:p>
+            <a:fld id="{18182567-388C-4D33-8B7B-A651F195F118}" type="slidenum">
+              <a:rPr lang="de-DE" altLang="de-DE" smtClean="0"/>
+              <a:pPr/>
+              <a:t>37</a:t>
+            </a:fld>
+            <a:endParaRPr lang="de-DE" altLang="de-DE"/>
+          </a:p>
+        </p:txBody>
+      </p:sp>
+    </p:spTree>
+    <p:extLst>
+      <p:ext uri="{BB962C8B-B14F-4D97-AF65-F5344CB8AC3E}">
+        <p14:creationId xmlns:p14="http://schemas.microsoft.com/office/powerpoint/2010/main" val="2538846736"/>
+      </p:ext>
+    </p:extLst>
+  </p:cSld>
+  <p:clrMapOvr>
+    <a:masterClrMapping/>
+  </p:clrMapOvr>
+</p:notes>
+</file>
+
+<file path=ppt/notesSlides/notesSlide21.xml><?xml version="1.0" encoding="utf-8"?>
+<p:notes xmlns:a="http://schemas.openxmlformats.org/drawingml/2006/main" xmlns:r="http://schemas.openxmlformats.org/officeDocument/2006/relationships" xmlns:p="http://schemas.openxmlformats.org/presentationml/2006/main">
+  <p:cSld>
+    <p:spTree>
+      <p:nvGrpSpPr>
+        <p:cNvPr id="1" name=""/>
+        <p:cNvGrpSpPr/>
+        <p:nvPr/>
+      </p:nvGrpSpPr>
+      <p:grpSpPr>
+        <a:xfrm>
+          <a:off x="0" y="0"/>
+          <a:ext cx="0" cy="0"/>
+          <a:chOff x="0" y="0"/>
+          <a:chExt cx="0" cy="0"/>
+        </a:xfrm>
+      </p:grpSpPr>
+      <p:sp>
+        <p:nvSpPr>
+          <p:cNvPr id="2" name="Folienbildplatzhalter 1"/>
+          <p:cNvSpPr>
+            <a:spLocks noGrp="1" noRot="1" noChangeAspect="1"/>
+          </p:cNvSpPr>
+          <p:nvPr>
+            <p:ph type="sldImg"/>
+          </p:nvPr>
+        </p:nvSpPr>
+        <p:spPr/>
+      </p:sp>
+      <p:sp>
+        <p:nvSpPr>
+          <p:cNvPr id="3" name="Notizenplatzhalter 2"/>
+          <p:cNvSpPr>
+            <a:spLocks noGrp="1"/>
+          </p:cNvSpPr>
+          <p:nvPr>
+            <p:ph type="body" idx="1"/>
+          </p:nvPr>
+        </p:nvSpPr>
+        <p:spPr/>
+        <p:txBody>
+          <a:bodyPr/>
+          <a:lstStyle/>
+          <a:p>
+            <a:r>
+              <a:rPr lang="de-DE" dirty="0"/>
+              <a:t>https://docs.gitlab.com/ee/ci/variables/predefined_variables.html</a:t>
+            </a:r>
+          </a:p>
+          <a:p>
+            <a:endParaRPr lang="de-DE" dirty="0"/>
+          </a:p>
+          <a:p>
+            <a:r>
+              <a:rPr lang="en-US" dirty="0">
+                <a:effectLst/>
+              </a:rPr>
+              <a:t>CI_COMMIT_REF_NAME in lowercase, shortened to 63 bytes, and with everything except 0-9 and a-z replaced with -. No leading / trailing -. Use in URLs, host names and domain names.</a:t>
+            </a:r>
+            <a:br>
+              <a:rPr lang="en-US" dirty="0"/>
+            </a:br>
+            <a:endParaRPr lang="de-DE" dirty="0"/>
+          </a:p>
+        </p:txBody>
+      </p:sp>
+      <p:sp>
+        <p:nvSpPr>
+          <p:cNvPr id="4" name="Foliennummernplatzhalter 3"/>
+          <p:cNvSpPr>
+            <a:spLocks noGrp="1"/>
+          </p:cNvSpPr>
+          <p:nvPr>
+            <p:ph type="sldNum" sz="quarter" idx="5"/>
+          </p:nvPr>
+        </p:nvSpPr>
+        <p:spPr/>
+        <p:txBody>
+          <a:bodyPr/>
+          <a:lstStyle/>
+          <a:p>
+            <a:fld id="{18182567-388C-4D33-8B7B-A651F195F118}" type="slidenum">
+              <a:rPr lang="de-DE" altLang="de-DE" smtClean="0"/>
+              <a:pPr/>
+              <a:t>38</a:t>
+            </a:fld>
+            <a:endParaRPr lang="de-DE" altLang="de-DE"/>
+          </a:p>
+        </p:txBody>
+      </p:sp>
+    </p:spTree>
+    <p:extLst>
+      <p:ext uri="{BB962C8B-B14F-4D97-AF65-F5344CB8AC3E}">
+        <p14:creationId xmlns:p14="http://schemas.microsoft.com/office/powerpoint/2010/main" val="245657901"/>
       </p:ext>
     </p:extLst>
   </p:cSld>
@@ -3171,7 +3450,7 @@
               <a:pPr algn="ctr">
                 <a:defRPr/>
               </a:pPr>
-              <a:t>11.06.2024</a:t>
+              <a:t>12.06.2024</a:t>
             </a:fld>
             <a:endParaRPr lang="de-DE" sz="1000">
               <a:solidFill>
@@ -3555,7 +3834,7 @@
         </p:nvSpPr>
         <p:spPr bwMode="auto">
           <a:xfrm>
-            <a:off x="4252913" y="6424613"/>
+            <a:off x="3688927" y="6438154"/>
             <a:ext cx="2637260" cy="246221"/>
           </a:xfrm>
           <a:prstGeom prst="rect">
@@ -4025,7 +4304,7 @@
           <p:cNvPr id="3" name="Grafik 2">
             <a:extLst>
               <a:ext uri="{FF2B5EF4-FFF2-40B4-BE49-F238E27FC236}">
-                <a16:creationId xmlns:a16="http://schemas.microsoft.com/office/drawing/2014/main" id="{6857E1EA-E905-A850-7AA6-F201598B1B62}"/>
+                <a16:creationId xmlns:a16="http://schemas.microsoft.com/office/drawing/2014/main" id="{7C745D1A-3992-9AFA-2F49-D30227D00734}"/>
               </a:ext>
             </a:extLst>
           </p:cNvPr>
@@ -4770,7 +5049,7 @@
           <p:cNvPr id="2" name="Grafik 1">
             <a:extLst>
               <a:ext uri="{FF2B5EF4-FFF2-40B4-BE49-F238E27FC236}">
-                <a16:creationId xmlns:a16="http://schemas.microsoft.com/office/drawing/2014/main" id="{1AEF6F2B-B912-5112-0155-B4F513DD6A7C}"/>
+                <a16:creationId xmlns:a16="http://schemas.microsoft.com/office/drawing/2014/main" id="{F2ADB8DC-99C5-5095-9371-AD2CE4B1E59F}"/>
               </a:ext>
             </a:extLst>
           </p:cNvPr>
@@ -5617,7 +5896,15 @@
             </a:pPr>
             <a:r>
               <a:rPr lang="de-DE" b="1" dirty="0"/>
-              <a:t>Tagging nach dem </a:t>
+              <a:t>Tagging </a:t>
+            </a:r>
+            <a:r>
+              <a:rPr lang="de-DE" b="1" u="sng" dirty="0"/>
+              <a:t>nach</a:t>
+            </a:r>
+            <a:r>
+              <a:rPr lang="de-DE" b="1" dirty="0"/>
+              <a:t> dem </a:t>
             </a:r>
             <a:r>
               <a:rPr lang="de-DE" b="1" dirty="0" err="1"/>
@@ -5782,13 +6069,8 @@
             </a:pPr>
             <a:r>
               <a:rPr lang="de-DE" b="1" dirty="0"/>
-              <a:t>Best </a:t>
-            </a:r>
-            <a:r>
-              <a:rPr lang="de-DE" b="1" dirty="0" err="1"/>
-              <a:t>Practises</a:t>
-            </a:r>
-            <a:endParaRPr lang="de-DE" b="1" dirty="0"/>
+              <a:t>Best Practices</a:t>
+            </a:r>
           </a:p>
           <a:p>
             <a:pPr>
@@ -5807,7 +6089,7 @@
             </a:pPr>
             <a:r>
               <a:rPr lang="de-DE" dirty="0"/>
-              <a:t>Tags sollten beschreibend (deskriptive) sein</a:t>
+              <a:t>Selbstbeschreibend</a:t>
             </a:r>
           </a:p>
           <a:p>
@@ -5817,8 +6099,14 @@
             </a:pPr>
             <a:r>
               <a:rPr lang="de-DE" dirty="0"/>
-              <a:t>Die Image Version oder Zustand wiedergeben</a:t>
-            </a:r>
+              <a:t>Version oder Zustand</a:t>
+            </a:r>
+          </a:p>
+          <a:p>
+            <a:pPr marL="457200" lvl="1" indent="0">
+              <a:buNone/>
+            </a:pPr>
+            <a:endParaRPr lang="de-DE" dirty="0"/>
           </a:p>
           <a:p>
             <a:pPr>
@@ -5837,8 +6125,15 @@
             </a:pPr>
             <a:r>
               <a:rPr lang="de-DE" dirty="0"/>
-              <a:t>Einheitliches Tagging-Schema für verschiedene Images und Versionen</a:t>
-            </a:r>
+              <a:t>Einheitliches Tagging-Schema</a:t>
+            </a:r>
+          </a:p>
+          <a:p>
+            <a:pPr lvl="1">
+              <a:buFont typeface="Arial" panose="020B0604020202020204" pitchFamily="34" charset="0"/>
+              <a:buChar char="•"/>
+            </a:pPr>
+            <a:endParaRPr lang="de-DE" dirty="0"/>
           </a:p>
           <a:p>
             <a:pPr>
@@ -5857,7 +6152,7 @@
             </a:pPr>
             <a:r>
               <a:rPr lang="de-DE" dirty="0"/>
-              <a:t>Tags immer aktualisieren, gerade bei einer neuen Version</a:t>
+              <a:t>Tags immer aktualisieren</a:t>
             </a:r>
           </a:p>
           <a:p>
@@ -5996,7 +6291,7 @@
             </a:pPr>
             <a:r>
               <a:rPr lang="de-DE" dirty="0"/>
-              <a:t>Image tags:</a:t>
+              <a:t>Image Tags:</a:t>
             </a:r>
           </a:p>
           <a:p>
@@ -6097,7 +6392,7 @@
             </a:r>
             <a:r>
               <a:rPr lang="de-DE" dirty="0" err="1"/>
-              <a:t>Based</a:t>
+              <a:t>based</a:t>
             </a:r>
             <a:r>
               <a:rPr lang="de-DE" dirty="0"/>
@@ -6213,7 +6508,7 @@
             </a:pPr>
             <a:r>
               <a:rPr lang="de-DE" b="1" dirty="0"/>
-              <a:t>Rolling tags</a:t>
+              <a:t>Rolling Tags</a:t>
             </a:r>
           </a:p>
           <a:p>
@@ -6223,7 +6518,7 @@
             </a:pPr>
             <a:r>
               <a:rPr lang="de-DE" dirty="0"/>
-              <a:t>Zwei weit verbreitete</a:t>
+              <a:t>Weit verbreitet </a:t>
             </a:r>
             <a:r>
               <a:rPr lang="de-DE" dirty="0">
@@ -6276,15 +6571,37 @@
             </a:pPr>
             <a:r>
               <a:rPr lang="de-DE" dirty="0"/>
-              <a:t>Relevanteste und neuste </a:t>
-            </a:r>
-            <a:r>
-              <a:rPr lang="de-DE" dirty="0" err="1"/>
-              <a:t>Build</a:t>
-            </a:r>
+              <a:t>Relevanteste und neuste Versionen</a:t>
+            </a:r>
+          </a:p>
+          <a:p>
+            <a:pPr>
+              <a:buFont typeface="Arial" panose="020B0604020202020204" pitchFamily="34" charset="0"/>
+              <a:buChar char="•"/>
+            </a:pPr>
             <a:r>
               <a:rPr lang="de-DE" dirty="0"/>
-              <a:t>-Tag</a:t>
+              <a:t>Vorsicht: Volatiler Inhalt!</a:t>
+            </a:r>
+          </a:p>
+          <a:p>
+            <a:pPr lvl="1">
+              <a:buFont typeface="Arial" panose="020B0604020202020204" pitchFamily="34" charset="0"/>
+              <a:buChar char="•"/>
+            </a:pPr>
+            <a:r>
+              <a:rPr lang="de-DE" dirty="0"/>
+              <a:t>Für Test-Stage OK, bei Produktion No-Go</a:t>
+            </a:r>
+          </a:p>
+          <a:p>
+            <a:pPr lvl="1">
+              <a:buFont typeface="Arial" panose="020B0604020202020204" pitchFamily="34" charset="0"/>
+              <a:buChar char="•"/>
+            </a:pPr>
+            <a:r>
+              <a:rPr lang="de-DE" dirty="0"/>
+              <a:t>Bei Produktion besser: Unique Tags</a:t>
             </a:r>
           </a:p>
           <a:p>
@@ -6294,57 +6611,7 @@
             </a:pPr>
             <a:r>
               <a:rPr lang="de-DE" dirty="0"/>
-              <a:t>Vorsicht: Inkompatibles Image!</a:t>
-            </a:r>
-          </a:p>
-          <a:p>
-            <a:pPr lvl="1">
-              <a:buFont typeface="Arial" panose="020B0604020202020204" pitchFamily="34" charset="0"/>
-              <a:buChar char="•"/>
-            </a:pPr>
-            <a:r>
-              <a:rPr lang="de-DE" dirty="0"/>
-              <a:t>Für Test-Stage OK, </a:t>
-            </a:r>
-            <a:r>
-              <a:rPr lang="de-DE" dirty="0" err="1"/>
-              <a:t>Production</a:t>
-            </a:r>
-            <a:r>
-              <a:rPr lang="de-DE" dirty="0"/>
-              <a:t> No-Go</a:t>
-            </a:r>
-          </a:p>
-          <a:p>
-            <a:pPr lvl="1">
-              <a:buFont typeface="Arial" panose="020B0604020202020204" pitchFamily="34" charset="0"/>
-              <a:buChar char="•"/>
-            </a:pPr>
-            <a:r>
-              <a:rPr lang="de-DE" dirty="0" err="1"/>
-              <a:t>Production</a:t>
-            </a:r>
-            <a:r>
-              <a:rPr lang="de-DE" dirty="0"/>
-              <a:t> besser: </a:t>
-            </a:r>
-            <a:r>
-              <a:rPr lang="de-DE" dirty="0" err="1"/>
-              <a:t>unique</a:t>
-            </a:r>
-            <a:r>
-              <a:rPr lang="de-DE" dirty="0"/>
-              <a:t> Tags</a:t>
-            </a:r>
-          </a:p>
-          <a:p>
-            <a:pPr>
-              <a:buFont typeface="Arial" panose="020B0604020202020204" pitchFamily="34" charset="0"/>
-              <a:buChar char="•"/>
-            </a:pPr>
-            <a:r>
-              <a:rPr lang="de-DE" dirty="0"/>
-              <a:t>Schwierig zu einer früheren Version zurückzukehren</a:t>
+              <a:t>Rollback schwierig</a:t>
             </a:r>
           </a:p>
           <a:p>
@@ -6372,13 +6639,8 @@
             </a:r>
             <a:r>
               <a:rPr lang="de-DE" dirty="0"/>
-              <a:t>): not human-</a:t>
-            </a:r>
-            <a:r>
-              <a:rPr lang="de-DE" dirty="0" err="1"/>
-              <a:t>readable</a:t>
-            </a:r>
-            <a:endParaRPr lang="de-DE" dirty="0"/>
+              <a:t>): schwer lesbar</a:t>
+            </a:r>
           </a:p>
           <a:p>
             <a:pPr lvl="1">
@@ -6387,7 +6649,7 @@
             </a:pPr>
             <a:r>
               <a:rPr lang="de-DE" dirty="0"/>
-              <a:t>Image tags: mutable</a:t>
+              <a:t>Image Tags: veränderlich</a:t>
             </a:r>
           </a:p>
           <a:p>
@@ -6506,7 +6768,7 @@
             </a:pPr>
             <a:r>
               <a:rPr lang="de-DE" dirty="0"/>
-              <a:t>Nützlich, wenn man bereits </a:t>
+              <a:t>Nützlich bei Verwendung von </a:t>
             </a:r>
             <a:r>
               <a:rPr lang="de-DE" dirty="0" err="1"/>
@@ -6514,7 +6776,7 @@
             </a:r>
             <a:r>
               <a:rPr lang="de-DE" dirty="0"/>
-              <a:t> Tags für Releases nutzt</a:t>
+              <a:t> Tags für Releases</a:t>
             </a:r>
           </a:p>
           <a:p>
@@ -6524,8 +6786,13 @@
             </a:pPr>
             <a:r>
               <a:rPr lang="de-DE" dirty="0"/>
-              <a:t>Diese Tags können direkt als Docker Image Tags genutzt werden</a:t>
-            </a:r>
+              <a:t>Konsistenz zwischen Versionsverwaltung und </a:t>
+            </a:r>
+            <a:r>
+              <a:rPr lang="de-DE" dirty="0" err="1"/>
+              <a:t>Deployable</a:t>
+            </a:r>
+            <a:endParaRPr lang="de-DE" dirty="0"/>
           </a:p>
           <a:p>
             <a:pPr>
@@ -6550,7 +6817,7 @@
               <a:rPr lang="de-DE" dirty="0">
                 <a:sym typeface="Wingdings" panose="05000000000000000000" pitchFamily="2" charset="2"/>
               </a:rPr>
-              <a:t> Gleichen Tag als Docker Image Tag verwenden</a:t>
+              <a:t> Gleichen Tag als Docker Image Tag</a:t>
             </a:r>
             <a:endParaRPr lang="de-DE" dirty="0"/>
           </a:p>
@@ -6663,10 +6930,6 @@
               <a:buChar char="•"/>
             </a:pPr>
             <a:r>
-              <a:rPr lang="de-DE" dirty="0"/>
-              <a:t>Bei vorhandener </a:t>
-            </a:r>
-            <a:r>
               <a:rPr lang="de-DE" dirty="0" err="1"/>
               <a:t>Branching</a:t>
             </a:r>
@@ -6718,7 +6981,7 @@
             </a:pPr>
             <a:r>
               <a:rPr lang="de-DE" dirty="0"/>
-              <a:t>Entsprechendes Docker Image mit </a:t>
+              <a:t>Docker Image mit </a:t>
             </a:r>
             <a:r>
               <a:rPr lang="de-DE" dirty="0">
@@ -6830,7 +7093,7 @@
             </a:r>
             <a:r>
               <a:rPr lang="de-DE" b="1" dirty="0"/>
-              <a:t> tags (</a:t>
+              <a:t> Tags (</a:t>
             </a:r>
             <a:r>
               <a:rPr lang="de-DE" b="1" dirty="0" err="1"/>
@@ -6856,7 +7119,7 @@
             </a:pPr>
             <a:r>
               <a:rPr lang="de-DE" dirty="0"/>
-              <a:t>Anstatt zufällige Namen direkt Nummerierung</a:t>
+              <a:t>Anstatt zufällige Namen spezifische Versionsnummer</a:t>
             </a:r>
           </a:p>
           <a:p>
@@ -7111,7 +7374,7 @@
             </a:pPr>
             <a:r>
               <a:rPr lang="de-DE" dirty="0"/>
-              <a:t>Mit jedem Commit ein neues Docker Image</a:t>
+              <a:t>Neuer Commit = neues Image</a:t>
             </a:r>
           </a:p>
           <a:p>
@@ -7119,17 +7382,13 @@
               <a:buFont typeface="Arial" panose="020B0604020202020204" pitchFamily="34" charset="0"/>
               <a:buChar char="•"/>
             </a:pPr>
-            <a:r>
-              <a:rPr lang="de-DE" dirty="0"/>
-              <a:t>Kurzen </a:t>
-            </a:r>
             <a:r>
               <a:rPr lang="de-DE" dirty="0" err="1"/>
               <a:t>Git</a:t>
             </a:r>
             <a:r>
               <a:rPr lang="de-DE" dirty="0"/>
-              <a:t> Hash zum Tagging nutzen</a:t>
+              <a:t> Hash zum Tagging</a:t>
             </a:r>
           </a:p>
           <a:p>
@@ -7139,7 +7398,7 @@
             </a:pPr>
             <a:r>
               <a:rPr lang="de-DE" dirty="0"/>
-              <a:t>Sind kürzer als Image Digests</a:t>
+              <a:t>Kürzer als Docker Image Digests</a:t>
             </a:r>
           </a:p>
           <a:p>
@@ -7163,7 +7422,7 @@
             </a:pPr>
             <a:r>
               <a:rPr lang="de-DE" dirty="0"/>
-              <a:t>Tags allerdings nicht selbsterklärend</a:t>
+              <a:t>Nicht selbsterklärend</a:t>
             </a:r>
           </a:p>
           <a:p>
@@ -7296,7 +7555,7 @@
             </a:r>
             <a:r>
               <a:rPr lang="de-DE" b="1" dirty="0" err="1"/>
-              <a:t>Based</a:t>
+              <a:t>based</a:t>
             </a:r>
             <a:r>
               <a:rPr lang="de-DE" b="1" dirty="0"/>
@@ -7310,13 +7569,8 @@
             </a:pPr>
             <a:r>
               <a:rPr lang="de-DE" dirty="0"/>
-              <a:t>Unique </a:t>
-            </a:r>
-            <a:r>
-              <a:rPr lang="de-DE" dirty="0" err="1"/>
-              <a:t>identifier</a:t>
-            </a:r>
-            <a:endParaRPr lang="de-DE" dirty="0"/>
+              <a:t>Unique Identifier</a:t>
+            </a:r>
           </a:p>
           <a:p>
             <a:pPr lvl="1">
@@ -7391,62 +7645,35 @@
               <a:buChar char="•"/>
             </a:pPr>
             <a:r>
+              <a:rPr lang="de-DE" dirty="0">
+                <a:sym typeface="Wingdings" panose="05000000000000000000" pitchFamily="2" charset="2"/>
+              </a:rPr>
+              <a:t>Zeitzonen sind böse!</a:t>
+            </a:r>
+          </a:p>
+          <a:p>
+            <a:pPr lvl="1">
+              <a:buFont typeface="Arial" panose="020B0604020202020204" pitchFamily="34" charset="0"/>
+              <a:buChar char="•"/>
+            </a:pPr>
+            <a:r>
+              <a:rPr lang="de-DE" dirty="0">
+                <a:sym typeface="Wingdings" panose="05000000000000000000" pitchFamily="2" charset="2"/>
+              </a:rPr>
+              <a:t>Korrelation zum </a:t>
+            </a:r>
+            <a:r>
               <a:rPr lang="de-DE" dirty="0" err="1">
                 <a:sym typeface="Wingdings" panose="05000000000000000000" pitchFamily="2" charset="2"/>
               </a:rPr>
-              <a:t>Timezonen</a:t>
+              <a:t>Changeset</a:t>
             </a:r>
             <a:r>
               <a:rPr lang="de-DE" dirty="0">
                 <a:sym typeface="Wingdings" panose="05000000000000000000" pitchFamily="2" charset="2"/>
               </a:rPr>
-              <a:t> sind böse!</a:t>
-            </a:r>
-          </a:p>
-          <a:p>
-            <a:pPr lvl="1">
-              <a:buFont typeface="Arial" panose="020B0604020202020204" pitchFamily="34" charset="0"/>
-              <a:buChar char="•"/>
-            </a:pPr>
-            <a:r>
-              <a:rPr lang="de-DE" dirty="0">
-                <a:sym typeface="Wingdings" panose="05000000000000000000" pitchFamily="2" charset="2"/>
-              </a:rPr>
-              <a:t>Korrelation zum enthaltenden </a:t>
-            </a:r>
-            <a:r>
-              <a:rPr lang="de-DE" dirty="0" err="1">
-                <a:sym typeface="Wingdings" panose="05000000000000000000" pitchFamily="2" charset="2"/>
-              </a:rPr>
-              <a:t>Changeset</a:t>
-            </a:r>
-            <a:r>
-              <a:rPr lang="de-DE" dirty="0">
-                <a:sym typeface="Wingdings" panose="05000000000000000000" pitchFamily="2" charset="2"/>
-              </a:rPr>
               <a:t> fehlt</a:t>
             </a:r>
-          </a:p>
-          <a:p>
-            <a:pPr lvl="1">
-              <a:buFont typeface="Arial" panose="020B0604020202020204" pitchFamily="34" charset="0"/>
-              <a:buChar char="•"/>
-            </a:pPr>
-            <a:r>
-              <a:rPr lang="de-DE" dirty="0">
-                <a:sym typeface="Wingdings" panose="05000000000000000000" pitchFamily="2" charset="2"/>
-              </a:rPr>
-              <a:t>Image mit demselben Tag manuell pushen</a:t>
-            </a:r>
-          </a:p>
-          <a:p>
-            <a:pPr lvl="1">
-              <a:buFont typeface="Arial" panose="020B0604020202020204" pitchFamily="34" charset="0"/>
-              <a:buChar char="•"/>
-            </a:pPr>
-            <a:endParaRPr lang="de-DE" dirty="0">
-              <a:sym typeface="Wingdings" panose="05000000000000000000" pitchFamily="2" charset="2"/>
-            </a:endParaRPr>
           </a:p>
           <a:p>
             <a:pPr>
@@ -7564,13 +7791,8 @@
             </a:pPr>
             <a:r>
               <a:rPr lang="de-DE" dirty="0"/>
-              <a:t>Unique </a:t>
-            </a:r>
-            <a:r>
-              <a:rPr lang="de-DE" dirty="0" err="1"/>
-              <a:t>identifier</a:t>
-            </a:r>
-            <a:endParaRPr lang="de-DE" dirty="0"/>
+              <a:t>Unique Identifier</a:t>
+            </a:r>
           </a:p>
           <a:p>
             <a:pPr lvl="1">
@@ -7617,7 +7839,7 @@
               <a:rPr lang="de-DE" dirty="0">
                 <a:sym typeface="Wingdings" panose="05000000000000000000" pitchFamily="2" charset="2"/>
               </a:rPr>
-              <a:t>Referenziert einen bestimmten </a:t>
+              <a:t>Referenziert bestimmten </a:t>
             </a:r>
             <a:r>
               <a:rPr lang="de-DE" dirty="0" err="1">
@@ -7638,7 +7860,7 @@
               <a:rPr lang="de-DE" dirty="0">
                 <a:sym typeface="Wingdings" panose="05000000000000000000" pitchFamily="2" charset="2"/>
               </a:rPr>
-              <a:t>Kann nicht </a:t>
+              <a:t>Kann (theoretisch) nicht </a:t>
             </a:r>
             <a:r>
               <a:rPr lang="de-DE" dirty="0" err="1">
@@ -8206,7 +8428,7 @@
             </a:pPr>
             <a:r>
               <a:rPr lang="de-DE" dirty="0"/>
-              <a:t>Rolling tags</a:t>
+              <a:t>Rolling Tags</a:t>
             </a:r>
           </a:p>
           <a:p>
@@ -8216,7 +8438,7 @@
             </a:pPr>
             <a:r>
               <a:rPr lang="de-DE" dirty="0"/>
-              <a:t>Für Base Images, welche immer aktuell sein sollen</a:t>
+              <a:t>Base Images, welche immer aktuell sein sollen</a:t>
             </a:r>
           </a:p>
           <a:p>
@@ -8226,7 +8448,7 @@
             </a:pPr>
             <a:r>
               <a:rPr lang="de-DE" dirty="0"/>
-              <a:t>Unique tags</a:t>
+              <a:t>Unique Tags</a:t>
             </a:r>
           </a:p>
           <a:p>
@@ -8236,15 +8458,7 @@
             </a:pPr>
             <a:r>
               <a:rPr lang="de-DE" dirty="0"/>
-              <a:t>Wenn Container in die </a:t>
-            </a:r>
-            <a:r>
-              <a:rPr lang="de-DE" dirty="0" err="1"/>
-              <a:t>Production</a:t>
-            </a:r>
-            <a:r>
-              <a:rPr lang="de-DE" dirty="0"/>
-              <a:t> gehen</a:t>
+              <a:t>Software in Produktion</a:t>
             </a:r>
           </a:p>
           <a:p>
@@ -8266,6 +8480,13 @@
             </a:r>
           </a:p>
           <a:p>
+            <a:pPr lvl="1">
+              <a:buFont typeface="Arial" panose="020B0604020202020204" pitchFamily="34" charset="0"/>
+              <a:buChar char="•"/>
+            </a:pPr>
+            <a:endParaRPr lang="de-DE" dirty="0"/>
+          </a:p>
+          <a:p>
             <a:pPr>
               <a:buFont typeface="Arial" panose="020B0604020202020204" pitchFamily="34" charset="0"/>
               <a:buChar char="•"/>
@@ -8308,7 +8529,15 @@
             </a:pPr>
             <a:r>
               <a:rPr lang="de-DE" dirty="0"/>
-              <a:t>Nutzer kriegen kompatibles </a:t>
+              <a:t>Nutzer erhalten </a:t>
+            </a:r>
+            <a:r>
+              <a:rPr lang="de-DE" dirty="0" err="1"/>
+              <a:t>kompatiblns</a:t>
+            </a:r>
+            <a:r>
+              <a:rPr lang="de-DE" dirty="0"/>
+              <a:t> </a:t>
             </a:r>
             <a:r>
               <a:rPr lang="de-DE" dirty="0" err="1"/>
@@ -8320,65 +8549,20 @@
             </a:r>
           </a:p>
           <a:p>
+            <a:pPr lvl="1">
+              <a:buFont typeface="Arial" panose="020B0604020202020204" pitchFamily="34" charset="0"/>
+              <a:buChar char="•"/>
+            </a:pPr>
+            <a:endParaRPr lang="de-DE" dirty="0"/>
+          </a:p>
+          <a:p>
             <a:pPr>
               <a:buFont typeface="Arial" panose="020B0604020202020204" pitchFamily="34" charset="0"/>
               <a:buChar char="•"/>
             </a:pPr>
             <a:r>
               <a:rPr lang="de-DE" dirty="0"/>
-              <a:t>Rolling und </a:t>
-            </a:r>
-            <a:r>
-              <a:rPr lang="de-DE" dirty="0" err="1"/>
-              <a:t>SemVer</a:t>
-            </a:r>
-            <a:r>
-              <a:rPr lang="de-DE" dirty="0"/>
-              <a:t> lassen sich gut kombinieren</a:t>
-            </a:r>
-          </a:p>
-          <a:p>
-            <a:pPr>
-              <a:buFont typeface="Arial" panose="020B0604020202020204" pitchFamily="34" charset="0"/>
-              <a:buChar char="•"/>
-            </a:pPr>
-            <a:r>
-              <a:rPr lang="de-DE" dirty="0"/>
-              <a:t>In kleinen Teams mit manuell überschaubaren Umfang</a:t>
-            </a:r>
-          </a:p>
-          <a:p>
-            <a:pPr lvl="1">
-              <a:buFont typeface="Arial" panose="020B0604020202020204" pitchFamily="34" charset="0"/>
-              <a:buChar char="•"/>
-            </a:pPr>
-            <a:r>
-              <a:rPr lang="de-DE" dirty="0"/>
-              <a:t>Digests, </a:t>
-            </a:r>
-            <a:r>
-              <a:rPr lang="de-DE" dirty="0" err="1"/>
-              <a:t>Git</a:t>
-            </a:r>
-            <a:r>
-              <a:rPr lang="de-DE" dirty="0"/>
-              <a:t> Commit Hash, </a:t>
-            </a:r>
-            <a:r>
-              <a:rPr lang="de-DE" dirty="0" err="1"/>
-              <a:t>Timestamps</a:t>
-            </a:r>
-            <a:r>
-              <a:rPr lang="de-DE" dirty="0"/>
-              <a:t> oder </a:t>
-            </a:r>
-            <a:r>
-              <a:rPr lang="de-DE" dirty="0" err="1"/>
-              <a:t>Build</a:t>
-            </a:r>
-            <a:r>
-              <a:rPr lang="de-DE" dirty="0"/>
-              <a:t> IDs nutzbar</a:t>
+              <a:t>Kombination möglich!</a:t>
             </a:r>
           </a:p>
           <a:p>
@@ -8498,7 +8682,7 @@
             </a:pPr>
             <a:r>
               <a:rPr lang="de-DE" dirty="0"/>
-              <a:t>Authentifizierung mit der Container Registry</a:t>
+              <a:t>Authentifizierung an der Container Registry</a:t>
             </a:r>
           </a:p>
           <a:p>
@@ -8507,12 +8691,8 @@
               <a:buChar char="•"/>
             </a:pPr>
             <a:r>
-              <a:rPr lang="de-DE" dirty="0" err="1"/>
-              <a:t>GitLab</a:t>
-            </a:r>
-            <a:r>
               <a:rPr lang="de-DE" dirty="0"/>
-              <a:t> CI/CD zum authentifizieren</a:t>
+              <a:t>Authentifizierung in CI/CD Pipelines</a:t>
             </a:r>
           </a:p>
           <a:p>
@@ -8526,65 +8706,13 @@
             </a:r>
           </a:p>
           <a:p>
-            <a:pPr lvl="1">
+            <a:pPr>
               <a:buFont typeface="Arial" panose="020B0604020202020204" pitchFamily="34" charset="0"/>
               <a:buChar char="•"/>
             </a:pPr>
             <a:r>
               <a:rPr lang="de-DE" dirty="0"/>
-              <a:t>Docker</a:t>
-            </a:r>
-          </a:p>
-          <a:p>
-            <a:pPr lvl="1">
-              <a:buFont typeface="Arial" panose="020B0604020202020204" pitchFamily="34" charset="0"/>
-              <a:buChar char="•"/>
-            </a:pPr>
-            <a:r>
-              <a:rPr lang="de-DE" dirty="0" err="1"/>
-              <a:t>GitLab</a:t>
-            </a:r>
-            <a:r>
-              <a:rPr lang="de-DE" dirty="0"/>
-              <a:t> CI/CD</a:t>
-            </a:r>
-          </a:p>
-          <a:p>
-            <a:pPr lvl="2">
-              <a:buFont typeface="Arial" panose="020B0604020202020204" pitchFamily="34" charset="0"/>
-              <a:buChar char="•"/>
-            </a:pPr>
-            <a:r>
-              <a:rPr lang="de-DE" sz="1800" dirty="0"/>
-              <a:t>Docker-in-Docker Container Image (Container Registry)</a:t>
-            </a:r>
-          </a:p>
-          <a:p>
-            <a:pPr lvl="2">
-              <a:buFont typeface="Arial" panose="020B0604020202020204" pitchFamily="34" charset="0"/>
-              <a:buChar char="•"/>
-            </a:pPr>
-            <a:r>
-              <a:rPr lang="de-DE" sz="1800" dirty="0"/>
-              <a:t>Docker-in-Docker Container Image (</a:t>
-            </a:r>
-            <a:r>
-              <a:rPr lang="de-DE" sz="1800" dirty="0" err="1"/>
-              <a:t>Dependency</a:t>
-            </a:r>
-            <a:r>
-              <a:rPr lang="de-DE" sz="1800" dirty="0"/>
-              <a:t> Proxy)</a:t>
-            </a:r>
-          </a:p>
-          <a:p>
-            <a:pPr>
-              <a:buFont typeface="Arial" panose="020B0604020202020204" pitchFamily="34" charset="0"/>
-              <a:buChar char="•"/>
-            </a:pPr>
-            <a:r>
-              <a:rPr lang="de-DE" dirty="0"/>
-              <a:t>Container Registry Beispiele mit </a:t>
+              <a:t>Container Registry: Beispiele mit </a:t>
             </a:r>
             <a:r>
               <a:rPr lang="de-DE" dirty="0" err="1"/>
@@ -8711,7 +8839,7 @@
             </a:pPr>
             <a:r>
               <a:rPr lang="de-DE" b="1" dirty="0"/>
-              <a:t>Authentifizierung mit der Container Registry</a:t>
+              <a:t>Authentifizierung an der Container Registry</a:t>
             </a:r>
           </a:p>
           <a:p>
@@ -8721,7 +8849,7 @@
             </a:pPr>
             <a:r>
               <a:rPr lang="de-DE" dirty="0"/>
-              <a:t>Verschiedene Möglichkeiten</a:t>
+              <a:t>Unterstützte Mechanismen</a:t>
             </a:r>
           </a:p>
           <a:p>
@@ -8731,11 +8859,98 @@
             </a:pPr>
             <a:r>
               <a:rPr lang="de-DE" dirty="0"/>
-              <a:t>Personal </a:t>
+              <a:t>Personal Access Token</a:t>
+            </a:r>
+          </a:p>
+          <a:p>
+            <a:pPr lvl="1">
+              <a:buFont typeface="Arial" panose="020B0604020202020204" pitchFamily="34" charset="0"/>
+              <a:buChar char="•"/>
+            </a:pPr>
+            <a:r>
+              <a:rPr lang="de-DE" dirty="0"/>
+              <a:t>Deploy Token</a:t>
+            </a:r>
+          </a:p>
+          <a:p>
+            <a:pPr lvl="1">
+              <a:buFont typeface="Arial" panose="020B0604020202020204" pitchFamily="34" charset="0"/>
+              <a:buChar char="•"/>
+            </a:pPr>
+            <a:r>
+              <a:rPr lang="de-DE" dirty="0"/>
+              <a:t>Project Access Token</a:t>
+            </a:r>
+          </a:p>
+          <a:p>
+            <a:pPr lvl="1">
+              <a:buFont typeface="Arial" panose="020B0604020202020204" pitchFamily="34" charset="0"/>
+              <a:buChar char="•"/>
+            </a:pPr>
+            <a:r>
+              <a:rPr lang="de-DE" dirty="0"/>
+              <a:t>Group Access Token</a:t>
+            </a:r>
+          </a:p>
+          <a:p>
+            <a:pPr lvl="1">
+              <a:buFont typeface="Arial" panose="020B0604020202020204" pitchFamily="34" charset="0"/>
+              <a:buChar char="•"/>
+            </a:pPr>
+            <a:endParaRPr lang="de-DE" dirty="0"/>
+          </a:p>
+          <a:p>
+            <a:pPr>
+              <a:buFont typeface="Arial" panose="020B0604020202020204" pitchFamily="34" charset="0"/>
+              <a:buChar char="•"/>
+            </a:pPr>
+            <a:r>
+              <a:rPr lang="de-DE" dirty="0"/>
+              <a:t>Erforderliche Berechtigungen (Scopes)</a:t>
+            </a:r>
+          </a:p>
+          <a:p>
+            <a:pPr lvl="1">
+              <a:buFont typeface="Arial" panose="020B0604020202020204" pitchFamily="34" charset="0"/>
+              <a:buChar char="•"/>
+            </a:pPr>
+            <a:r>
+              <a:rPr lang="de-DE" i="1" dirty="0" err="1"/>
+              <a:t>read_registry</a:t>
+            </a:r>
+            <a:r>
+              <a:rPr lang="de-DE" i="1" dirty="0"/>
+              <a:t> </a:t>
+            </a:r>
+            <a:r>
+              <a:rPr lang="de-DE" dirty="0"/>
+              <a:t>für </a:t>
             </a:r>
             <a:r>
               <a:rPr lang="de-DE" dirty="0" err="1"/>
-              <a:t>access</a:t>
+              <a:t>read</a:t>
+            </a:r>
+            <a:r>
+              <a:rPr lang="de-DE" dirty="0"/>
+              <a:t> (pull) </a:t>
+            </a:r>
+          </a:p>
+          <a:p>
+            <a:pPr lvl="1">
+              <a:buFont typeface="Arial" panose="020B0604020202020204" pitchFamily="34" charset="0"/>
+              <a:buChar char="•"/>
+            </a:pPr>
+            <a:r>
+              <a:rPr lang="de-DE" i="1" dirty="0" err="1"/>
+              <a:t>write_registry</a:t>
+            </a:r>
+            <a:r>
+              <a:rPr lang="de-DE" i="1" dirty="0"/>
+              <a:t> </a:t>
+            </a:r>
+            <a:r>
+              <a:rPr lang="de-DE" u="sng" dirty="0"/>
+              <a:t>und</a:t>
             </a:r>
             <a:r>
               <a:rPr lang="de-DE" dirty="0"/>
@@ -8743,112 +8958,11 @@
             </a:r>
             <a:r>
               <a:rPr lang="de-DE" dirty="0" err="1"/>
-              <a:t>token</a:t>
-            </a:r>
-            <a:endParaRPr lang="de-DE" dirty="0"/>
-          </a:p>
-          <a:p>
-            <a:pPr lvl="1">
-              <a:buFont typeface="Arial" panose="020B0604020202020204" pitchFamily="34" charset="0"/>
-              <a:buChar char="•"/>
-            </a:pPr>
+              <a:t>read_registry</a:t>
+            </a:r>
             <a:r>
               <a:rPr lang="de-DE" dirty="0"/>
-              <a:t>Deploy </a:t>
-            </a:r>
-            <a:r>
-              <a:rPr lang="de-DE" dirty="0" err="1"/>
-              <a:t>token</a:t>
-            </a:r>
-            <a:endParaRPr lang="de-DE" dirty="0"/>
-          </a:p>
-          <a:p>
-            <a:pPr lvl="1">
-              <a:buFont typeface="Arial" panose="020B0604020202020204" pitchFamily="34" charset="0"/>
-              <a:buChar char="•"/>
-            </a:pPr>
-            <a:r>
-              <a:rPr lang="de-DE" dirty="0"/>
-              <a:t>Project </a:t>
-            </a:r>
-            <a:r>
-              <a:rPr lang="de-DE" dirty="0" err="1"/>
-              <a:t>access</a:t>
-            </a:r>
-            <a:r>
-              <a:rPr lang="de-DE" dirty="0"/>
-              <a:t> </a:t>
-            </a:r>
-            <a:r>
-              <a:rPr lang="de-DE" dirty="0" err="1"/>
-              <a:t>token</a:t>
-            </a:r>
-            <a:endParaRPr lang="de-DE" dirty="0"/>
-          </a:p>
-          <a:p>
-            <a:pPr lvl="1">
-              <a:buFont typeface="Arial" panose="020B0604020202020204" pitchFamily="34" charset="0"/>
-              <a:buChar char="•"/>
-            </a:pPr>
-            <a:r>
-              <a:rPr lang="de-DE" dirty="0"/>
-              <a:t>Group </a:t>
-            </a:r>
-            <a:r>
-              <a:rPr lang="de-DE" dirty="0" err="1"/>
-              <a:t>access</a:t>
-            </a:r>
-            <a:r>
-              <a:rPr lang="de-DE" dirty="0"/>
-              <a:t> </a:t>
-            </a:r>
-            <a:r>
-              <a:rPr lang="de-DE" dirty="0" err="1"/>
-              <a:t>token</a:t>
-            </a:r>
-            <a:endParaRPr lang="de-DE" dirty="0"/>
-          </a:p>
-          <a:p>
-            <a:pPr>
-              <a:buFont typeface="Arial" panose="020B0604020202020204" pitchFamily="34" charset="0"/>
-              <a:buChar char="•"/>
-            </a:pPr>
-            <a:r>
-              <a:rPr lang="de-DE" dirty="0"/>
-              <a:t>Alle Methoden erfordern einen Mindestumfang:</a:t>
-            </a:r>
-          </a:p>
-          <a:p>
-            <a:pPr lvl="1">
-              <a:buFont typeface="Arial" panose="020B0604020202020204" pitchFamily="34" charset="0"/>
-              <a:buChar char="•"/>
-            </a:pPr>
-            <a:r>
-              <a:rPr lang="de-DE" dirty="0"/>
-              <a:t>Für </a:t>
-            </a:r>
-            <a:r>
-              <a:rPr lang="de-DE" dirty="0" err="1"/>
-              <a:t>read</a:t>
-            </a:r>
-            <a:r>
-              <a:rPr lang="de-DE" dirty="0"/>
-              <a:t> (pull) in der </a:t>
-            </a:r>
-            <a:r>
-              <a:rPr lang="de-DE" dirty="0" err="1"/>
-              <a:t>read_registry</a:t>
-            </a:r>
-            <a:endParaRPr lang="de-DE" dirty="0"/>
-          </a:p>
-          <a:p>
-            <a:pPr lvl="1">
-              <a:buFont typeface="Arial" panose="020B0604020202020204" pitchFamily="34" charset="0"/>
-              <a:buChar char="•"/>
-            </a:pPr>
-            <a:r>
-              <a:rPr lang="de-DE" dirty="0"/>
-              <a:t>Für </a:t>
+              <a:t> für </a:t>
             </a:r>
             <a:r>
               <a:rPr lang="de-DE" dirty="0" err="1"/>
@@ -8856,160 +8970,8 @@
             </a:r>
             <a:r>
               <a:rPr lang="de-DE" dirty="0"/>
-              <a:t> (push) in der </a:t>
-            </a:r>
-            <a:r>
-              <a:rPr lang="de-DE" dirty="0" err="1"/>
-              <a:t>write_registry</a:t>
-            </a:r>
-            <a:r>
-              <a:rPr lang="de-DE" dirty="0"/>
-              <a:t> und </a:t>
-            </a:r>
-            <a:r>
-              <a:rPr lang="de-DE" dirty="0" err="1"/>
-              <a:t>read_registry</a:t>
-            </a:r>
-            <a:endParaRPr lang="de-DE" dirty="0"/>
-          </a:p>
-          <a:p>
-            <a:pPr>
-              <a:buFont typeface="Arial" panose="020B0604020202020204" pitchFamily="34" charset="0"/>
-              <a:buChar char="•"/>
-            </a:pPr>
-            <a:r>
-              <a:rPr lang="de-DE" dirty="0"/>
-              <a:t>Zum Authentifizieren</a:t>
-            </a:r>
-          </a:p>
-          <a:p>
-            <a:pPr lvl="1">
-              <a:buFont typeface="Arial" panose="020B0604020202020204" pitchFamily="34" charset="0"/>
-              <a:buChar char="•"/>
-            </a:pPr>
-            <a:r>
-              <a:rPr lang="de-DE" sz="1600" dirty="0" err="1">
-                <a:latin typeface="Consolas" panose="020B0609020204030204" pitchFamily="49" charset="0"/>
-              </a:rPr>
-              <a:t>docker</a:t>
-            </a:r>
-            <a:r>
-              <a:rPr lang="de-DE" sz="1600" dirty="0">
-                <a:latin typeface="Consolas" panose="020B0609020204030204" pitchFamily="49" charset="0"/>
-              </a:rPr>
-              <a:t> </a:t>
-            </a:r>
-            <a:r>
-              <a:rPr lang="de-DE" sz="1600" dirty="0" err="1">
-                <a:latin typeface="Consolas" panose="020B0609020204030204" pitchFamily="49" charset="0"/>
-              </a:rPr>
-              <a:t>login</a:t>
-            </a:r>
-            <a:r>
-              <a:rPr lang="de-DE" sz="1600" dirty="0">
-                <a:latin typeface="Consolas" panose="020B0609020204030204" pitchFamily="49" charset="0"/>
-              </a:rPr>
-              <a:t> registry.example.com</a:t>
-            </a:r>
-          </a:p>
-          <a:p>
-            <a:pPr lvl="1">
-              <a:buFont typeface="Arial" panose="020B0604020202020204" pitchFamily="34" charset="0"/>
-              <a:buChar char="•"/>
-            </a:pPr>
-            <a:r>
-              <a:rPr lang="de-DE" sz="1600" dirty="0">
-                <a:latin typeface="+mj-lt"/>
-              </a:rPr>
-              <a:t>oder</a:t>
-            </a:r>
-          </a:p>
-          <a:p>
-            <a:pPr lvl="1">
-              <a:buFont typeface="Arial" panose="020B0604020202020204" pitchFamily="34" charset="0"/>
-              <a:buChar char="•"/>
-            </a:pPr>
-            <a:r>
-              <a:rPr lang="de-DE" sz="1600" dirty="0">
-                <a:latin typeface="Consolas" panose="020B0609020204030204" pitchFamily="49" charset="0"/>
-              </a:rPr>
-              <a:t>TOKEN=&lt;</a:t>
-            </a:r>
-            <a:r>
-              <a:rPr lang="de-DE" sz="1600" dirty="0" err="1">
-                <a:latin typeface="Consolas" panose="020B0609020204030204" pitchFamily="49" charset="0"/>
-              </a:rPr>
-              <a:t>token</a:t>
-            </a:r>
-            <a:r>
-              <a:rPr lang="de-DE" sz="1600" dirty="0">
-                <a:latin typeface="Consolas" panose="020B0609020204030204" pitchFamily="49" charset="0"/>
-              </a:rPr>
-              <a:t>&gt;</a:t>
-            </a:r>
-          </a:p>
-          <a:p>
-            <a:pPr lvl="1">
-              <a:buFont typeface="Arial" panose="020B0604020202020204" pitchFamily="34" charset="0"/>
-              <a:buChar char="•"/>
-            </a:pPr>
-            <a:r>
-              <a:rPr lang="de-DE" sz="1600" dirty="0">
-                <a:latin typeface="Consolas" panose="020B0609020204030204" pitchFamily="49" charset="0"/>
-              </a:rPr>
-              <a:t>echo "$TOKEN" | </a:t>
-            </a:r>
-            <a:r>
-              <a:rPr lang="de-DE" sz="1600" dirty="0" err="1">
-                <a:latin typeface="Consolas" panose="020B0609020204030204" pitchFamily="49" charset="0"/>
-              </a:rPr>
-              <a:t>docker</a:t>
-            </a:r>
-            <a:r>
-              <a:rPr lang="de-DE" sz="1600" dirty="0">
-                <a:latin typeface="Consolas" panose="020B0609020204030204" pitchFamily="49" charset="0"/>
-              </a:rPr>
-              <a:t> </a:t>
-            </a:r>
-            <a:r>
-              <a:rPr lang="de-DE" sz="1600" dirty="0" err="1">
-                <a:latin typeface="Consolas" panose="020B0609020204030204" pitchFamily="49" charset="0"/>
-              </a:rPr>
-              <a:t>login</a:t>
-            </a:r>
-            <a:r>
-              <a:rPr lang="de-DE" sz="1600" dirty="0">
-                <a:latin typeface="Consolas" panose="020B0609020204030204" pitchFamily="49" charset="0"/>
-              </a:rPr>
-              <a:t> registry.example.com -u &lt;</a:t>
-            </a:r>
-            <a:r>
-              <a:rPr lang="de-DE" sz="1600" dirty="0" err="1">
-                <a:latin typeface="Consolas" panose="020B0609020204030204" pitchFamily="49" charset="0"/>
-              </a:rPr>
-              <a:t>username</a:t>
-            </a:r>
-            <a:r>
-              <a:rPr lang="de-DE" sz="1600" dirty="0">
-                <a:latin typeface="Consolas" panose="020B0609020204030204" pitchFamily="49" charset="0"/>
-              </a:rPr>
-              <a:t>&gt; --password-</a:t>
-            </a:r>
-            <a:r>
-              <a:rPr lang="de-DE" sz="1600" dirty="0" err="1">
-                <a:latin typeface="Consolas" panose="020B0609020204030204" pitchFamily="49" charset="0"/>
-              </a:rPr>
-              <a:t>stdin</a:t>
-            </a:r>
-            <a:endParaRPr lang="de-DE" sz="1600" dirty="0">
-              <a:latin typeface="Consolas" panose="020B0609020204030204" pitchFamily="49" charset="0"/>
-            </a:endParaRPr>
-          </a:p>
-          <a:p>
-            <a:pPr lvl="1">
-              <a:buFont typeface="Arial" panose="020B0604020202020204" pitchFamily="34" charset="0"/>
-              <a:buChar char="•"/>
-            </a:pPr>
+              <a:t> (push)</a:t>
+            </a:r>
             <a:endParaRPr lang="de-DE" sz="1600" dirty="0">
               <a:latin typeface="Consolas" panose="020B0609020204030204" pitchFamily="49" charset="0"/>
             </a:endParaRPr>
@@ -9130,18 +9092,7 @@
             </a:pPr>
             <a:r>
               <a:rPr lang="de-DE" b="1" dirty="0"/>
-              <a:t>CI/CD zur Authentifizierung bei der Container Registry  </a:t>
-            </a:r>
-            <a:endParaRPr lang="de-DE" dirty="0"/>
-          </a:p>
-          <a:p>
-            <a:pPr>
-              <a:buFont typeface="Arial" panose="020B0604020202020204" pitchFamily="34" charset="0"/>
-              <a:buChar char="•"/>
-            </a:pPr>
-            <a:r>
-              <a:rPr lang="de-DE" sz="1800" dirty="0"/>
-              <a:t>CI/CD Variable: CI_REGISTRY_USER</a:t>
+              <a:t>Authentifizierung an der Container Registry</a:t>
             </a:r>
           </a:p>
           <a:p>
@@ -9149,326 +9100,151 @@
               <a:buFont typeface="Arial" panose="020B0604020202020204" pitchFamily="34" charset="0"/>
               <a:buChar char="•"/>
             </a:pPr>
-            <a:r>
-              <a:rPr lang="de-DE" sz="1600" dirty="0"/>
-              <a:t>Job-bezogener Benutzer mit Lese- und Schreibrechten in der CR</a:t>
-            </a:r>
+            <a:endParaRPr lang="de-DE" sz="1800" dirty="0">
+              <a:latin typeface="Consolas" panose="020B0609020204030204" pitchFamily="49" charset="0"/>
+            </a:endParaRPr>
+          </a:p>
+          <a:p>
+            <a:pPr marL="457200" lvl="1" indent="0">
+              <a:buNone/>
+            </a:pPr>
+            <a:r>
+              <a:rPr lang="de-DE" sz="1800" dirty="0" err="1">
+                <a:latin typeface="Consolas" panose="020B0609020204030204" pitchFamily="49" charset="0"/>
+              </a:rPr>
+              <a:t>docker</a:t>
+            </a:r>
+            <a:r>
+              <a:rPr lang="de-DE" sz="1800" dirty="0">
+                <a:latin typeface="Consolas" panose="020B0609020204030204" pitchFamily="49" charset="0"/>
+              </a:rPr>
+              <a:t> </a:t>
+            </a:r>
+            <a:r>
+              <a:rPr lang="de-DE" sz="1800" dirty="0" err="1">
+                <a:latin typeface="Consolas" panose="020B0609020204030204" pitchFamily="49" charset="0"/>
+              </a:rPr>
+              <a:t>login</a:t>
+            </a:r>
+            <a:r>
+              <a:rPr lang="de-DE" sz="1800" dirty="0">
+                <a:latin typeface="Consolas" panose="020B0609020204030204" pitchFamily="49" charset="0"/>
+              </a:rPr>
+              <a:t> registry.example.com</a:t>
+            </a:r>
+          </a:p>
+          <a:p>
+            <a:pPr marL="457200" lvl="1" indent="0">
+              <a:buNone/>
+            </a:pPr>
+            <a:r>
+              <a:rPr lang="de-DE" sz="1800" dirty="0">
+                <a:latin typeface="+mj-lt"/>
+              </a:rPr>
+              <a:t>oder</a:t>
+            </a:r>
+          </a:p>
+          <a:p>
+            <a:pPr marL="457200" lvl="1" indent="0">
+              <a:buNone/>
+            </a:pPr>
+            <a:r>
+              <a:rPr lang="de-DE" sz="1800" dirty="0">
+                <a:latin typeface="Consolas" panose="020B0609020204030204" pitchFamily="49" charset="0"/>
+              </a:rPr>
+              <a:t>TOKEN=&lt;</a:t>
+            </a:r>
+            <a:r>
+              <a:rPr lang="de-DE" sz="1800" dirty="0" err="1">
+                <a:latin typeface="Consolas" panose="020B0609020204030204" pitchFamily="49" charset="0"/>
+              </a:rPr>
+              <a:t>token</a:t>
+            </a:r>
+            <a:r>
+              <a:rPr lang="de-DE" sz="1800" dirty="0">
+                <a:latin typeface="Consolas" panose="020B0609020204030204" pitchFamily="49" charset="0"/>
+              </a:rPr>
+              <a:t>&gt;</a:t>
+            </a:r>
+          </a:p>
+          <a:p>
+            <a:pPr marL="457200" lvl="1" indent="0">
+              <a:buNone/>
+            </a:pPr>
+            <a:r>
+              <a:rPr lang="de-DE" sz="1800" dirty="0">
+                <a:latin typeface="Consolas" panose="020B0609020204030204" pitchFamily="49" charset="0"/>
+              </a:rPr>
+              <a:t>echo "$TOKEN" | </a:t>
+            </a:r>
+            <a:r>
+              <a:rPr lang="de-DE" sz="1800" dirty="0" err="1">
+                <a:latin typeface="Consolas" panose="020B0609020204030204" pitchFamily="49" charset="0"/>
+              </a:rPr>
+              <a:t>docker</a:t>
+            </a:r>
+            <a:r>
+              <a:rPr lang="de-DE" sz="1800" dirty="0">
+                <a:latin typeface="Consolas" panose="020B0609020204030204" pitchFamily="49" charset="0"/>
+              </a:rPr>
+              <a:t> </a:t>
+            </a:r>
+            <a:r>
+              <a:rPr lang="de-DE" sz="1800" dirty="0" err="1">
+                <a:latin typeface="Consolas" panose="020B0609020204030204" pitchFamily="49" charset="0"/>
+              </a:rPr>
+              <a:t>login</a:t>
+            </a:r>
+            <a:r>
+              <a:rPr lang="de-DE" sz="1800" dirty="0">
+                <a:latin typeface="Consolas" panose="020B0609020204030204" pitchFamily="49" charset="0"/>
+              </a:rPr>
+              <a:t> registry.example.com -u &lt;</a:t>
+            </a:r>
+            <a:r>
+              <a:rPr lang="de-DE" sz="1800" dirty="0" err="1">
+                <a:latin typeface="Consolas" panose="020B0609020204030204" pitchFamily="49" charset="0"/>
+              </a:rPr>
+              <a:t>username</a:t>
+            </a:r>
+            <a:r>
+              <a:rPr lang="de-DE" sz="1800" dirty="0">
+                <a:latin typeface="Consolas" panose="020B0609020204030204" pitchFamily="49" charset="0"/>
+              </a:rPr>
+              <a:t>&gt; --password-</a:t>
+            </a:r>
+            <a:r>
+              <a:rPr lang="de-DE" sz="1800" dirty="0" err="1">
+                <a:latin typeface="Consolas" panose="020B0609020204030204" pitchFamily="49" charset="0"/>
+              </a:rPr>
+              <a:t>stdin</a:t>
+            </a:r>
+            <a:endParaRPr lang="de-DE" sz="1800" dirty="0">
+              <a:latin typeface="Consolas" panose="020B0609020204030204" pitchFamily="49" charset="0"/>
+            </a:endParaRPr>
           </a:p>
           <a:p>
             <a:pPr lvl="1">
               <a:buFont typeface="Arial" panose="020B0604020202020204" pitchFamily="34" charset="0"/>
               <a:buChar char="•"/>
             </a:pPr>
-            <a:r>
-              <a:rPr lang="de-DE" sz="1600" dirty="0"/>
-              <a:t>Passwort automatisch erzeugt: CI_REGISTRY_PASSWORD</a:t>
-            </a:r>
-          </a:p>
-          <a:p>
-            <a:pPr lvl="1">
-              <a:buFont typeface="Arial" panose="020B0604020202020204" pitchFamily="34" charset="0"/>
-              <a:buChar char="•"/>
-            </a:pPr>
-            <a:r>
-              <a:rPr lang="de-DE" sz="1600" dirty="0">
-                <a:latin typeface="Consolas" panose="020B0609020204030204" pitchFamily="49" charset="0"/>
-              </a:rPr>
-              <a:t>echo "$CI_REGISTRY_PASSWORD" | </a:t>
-            </a:r>
-            <a:r>
-              <a:rPr lang="de-DE" sz="1600" dirty="0" err="1">
-                <a:latin typeface="Consolas" panose="020B0609020204030204" pitchFamily="49" charset="0"/>
-              </a:rPr>
-              <a:t>docker</a:t>
-            </a:r>
-            <a:r>
-              <a:rPr lang="de-DE" sz="1600" dirty="0">
-                <a:latin typeface="Consolas" panose="020B0609020204030204" pitchFamily="49" charset="0"/>
-              </a:rPr>
-              <a:t> </a:t>
-            </a:r>
-            <a:r>
-              <a:rPr lang="de-DE" sz="1600" dirty="0" err="1">
-                <a:latin typeface="Consolas" panose="020B0609020204030204" pitchFamily="49" charset="0"/>
-              </a:rPr>
-              <a:t>login</a:t>
-            </a:r>
-            <a:r>
-              <a:rPr lang="de-DE" sz="1600" dirty="0">
-                <a:latin typeface="Consolas" panose="020B0609020204030204" pitchFamily="49" charset="0"/>
-              </a:rPr>
-              <a:t> $CI_REGISTRY -u $CI_REGISTRY_USER --password-</a:t>
-            </a:r>
-            <a:r>
-              <a:rPr lang="de-DE" sz="1600" dirty="0" err="1">
-                <a:latin typeface="Consolas" panose="020B0609020204030204" pitchFamily="49" charset="0"/>
-              </a:rPr>
-              <a:t>stdin</a:t>
-            </a:r>
             <a:endParaRPr lang="de-DE" sz="1600" dirty="0">
               <a:latin typeface="Consolas" panose="020B0609020204030204" pitchFamily="49" charset="0"/>
             </a:endParaRPr>
           </a:p>
           <a:p>
-            <a:pPr>
-              <a:buFont typeface="Arial" panose="020B0604020202020204" pitchFamily="34" charset="0"/>
-              <a:buChar char="•"/>
-            </a:pPr>
-            <a:r>
-              <a:rPr lang="de-DE" sz="1800" dirty="0"/>
-              <a:t>CI Job Token</a:t>
-            </a:r>
-          </a:p>
-          <a:p>
-            <a:pPr lvl="1">
-              <a:buFont typeface="Arial" panose="020B0604020202020204" pitchFamily="34" charset="0"/>
-              <a:buChar char="•"/>
-            </a:pPr>
-            <a:r>
-              <a:rPr lang="de-DE" sz="1600" dirty="0">
-                <a:latin typeface="Consolas" panose="020B0609020204030204" pitchFamily="49" charset="0"/>
-              </a:rPr>
-              <a:t>echo "$CI_JOB_TOKEN" | </a:t>
-            </a:r>
-            <a:r>
-              <a:rPr lang="de-DE" sz="1600" dirty="0" err="1">
-                <a:latin typeface="Consolas" panose="020B0609020204030204" pitchFamily="49" charset="0"/>
-              </a:rPr>
-              <a:t>docker</a:t>
-            </a:r>
-            <a:r>
-              <a:rPr lang="de-DE" sz="1600" dirty="0">
-                <a:latin typeface="Consolas" panose="020B0609020204030204" pitchFamily="49" charset="0"/>
-              </a:rPr>
-              <a:t> </a:t>
-            </a:r>
-            <a:r>
-              <a:rPr lang="de-DE" sz="1600" dirty="0" err="1">
-                <a:latin typeface="Consolas" panose="020B0609020204030204" pitchFamily="49" charset="0"/>
-              </a:rPr>
-              <a:t>login</a:t>
-            </a:r>
-            <a:r>
-              <a:rPr lang="de-DE" sz="1600" dirty="0">
-                <a:latin typeface="Consolas" panose="020B0609020204030204" pitchFamily="49" charset="0"/>
-              </a:rPr>
-              <a:t> $CI_REGISTRY -u $CI_REGISTRY_USER --password-</a:t>
-            </a:r>
-            <a:r>
-              <a:rPr lang="de-DE" sz="1600" dirty="0" err="1">
-                <a:latin typeface="Consolas" panose="020B0609020204030204" pitchFamily="49" charset="0"/>
-              </a:rPr>
-              <a:t>stdin</a:t>
-            </a:r>
-            <a:endParaRPr lang="de-DE" sz="1600" dirty="0">
-              <a:latin typeface="Consolas" panose="020B0609020204030204" pitchFamily="49" charset="0"/>
-            </a:endParaRPr>
-          </a:p>
-          <a:p>
-            <a:pPr>
-              <a:buFont typeface="Arial" panose="020B0604020202020204" pitchFamily="34" charset="0"/>
-              <a:buChar char="•"/>
-            </a:pPr>
-            <a:r>
-              <a:rPr lang="de-DE" sz="1800" dirty="0"/>
-              <a:t>Für </a:t>
-            </a:r>
-            <a:r>
-              <a:rPr lang="de-DE" sz="1800" dirty="0" err="1"/>
-              <a:t>read</a:t>
-            </a:r>
-            <a:r>
-              <a:rPr lang="de-DE" sz="1800" dirty="0"/>
-              <a:t> (pull) </a:t>
-            </a:r>
-            <a:r>
-              <a:rPr lang="de-DE" sz="1800" dirty="0" err="1"/>
-              <a:t>access</a:t>
-            </a:r>
-            <a:r>
-              <a:rPr lang="de-DE" sz="1800" dirty="0"/>
-              <a:t> </a:t>
-            </a:r>
-            <a:r>
-              <a:rPr lang="de-DE" sz="1800" dirty="0">
-                <a:sym typeface="Wingdings" panose="05000000000000000000" pitchFamily="2" charset="2"/>
-              </a:rPr>
-              <a:t> </a:t>
-            </a:r>
-            <a:r>
-              <a:rPr lang="de-DE" sz="1800" dirty="0" err="1">
-                <a:sym typeface="Wingdings" panose="05000000000000000000" pitchFamily="2" charset="2"/>
-              </a:rPr>
-              <a:t>read_registry</a:t>
-            </a:r>
-            <a:endParaRPr lang="de-DE" sz="1800" dirty="0">
-              <a:sym typeface="Wingdings" panose="05000000000000000000" pitchFamily="2" charset="2"/>
-            </a:endParaRPr>
-          </a:p>
-          <a:p>
-            <a:pPr>
-              <a:buFont typeface="Arial" panose="020B0604020202020204" pitchFamily="34" charset="0"/>
-              <a:buChar char="•"/>
-            </a:pPr>
-            <a:r>
-              <a:rPr lang="de-DE" sz="1800" dirty="0">
-                <a:sym typeface="Wingdings" panose="05000000000000000000" pitchFamily="2" charset="2"/>
-              </a:rPr>
-              <a:t>Für </a:t>
-            </a:r>
-            <a:r>
-              <a:rPr lang="de-DE" sz="1800" dirty="0" err="1">
-                <a:sym typeface="Wingdings" panose="05000000000000000000" pitchFamily="2" charset="2"/>
-              </a:rPr>
-              <a:t>write</a:t>
-            </a:r>
-            <a:r>
-              <a:rPr lang="de-DE" sz="1800" dirty="0">
-                <a:sym typeface="Wingdings" panose="05000000000000000000" pitchFamily="2" charset="2"/>
-              </a:rPr>
-              <a:t> (push) </a:t>
-            </a:r>
-            <a:r>
-              <a:rPr lang="de-DE" sz="1800" dirty="0" err="1">
-                <a:sym typeface="Wingdings" panose="05000000000000000000" pitchFamily="2" charset="2"/>
-              </a:rPr>
-              <a:t>access</a:t>
-            </a:r>
-            <a:r>
-              <a:rPr lang="de-DE" sz="1800" dirty="0">
-                <a:sym typeface="Wingdings" panose="05000000000000000000" pitchFamily="2" charset="2"/>
-              </a:rPr>
-              <a:t>  </a:t>
-            </a:r>
-            <a:r>
-              <a:rPr lang="de-DE" sz="1800" dirty="0" err="1">
-                <a:sym typeface="Wingdings" panose="05000000000000000000" pitchFamily="2" charset="2"/>
-              </a:rPr>
-              <a:t>read_registry</a:t>
-            </a:r>
-            <a:r>
-              <a:rPr lang="de-DE" sz="1800" dirty="0">
-                <a:sym typeface="Wingdings" panose="05000000000000000000" pitchFamily="2" charset="2"/>
-              </a:rPr>
-              <a:t> &amp; </a:t>
-            </a:r>
-            <a:r>
-              <a:rPr lang="de-DE" sz="1800" dirty="0" err="1">
-                <a:sym typeface="Wingdings" panose="05000000000000000000" pitchFamily="2" charset="2"/>
-              </a:rPr>
-              <a:t>write_registry</a:t>
-            </a:r>
-            <a:endParaRPr lang="de-DE" sz="1800" dirty="0"/>
-          </a:p>
-          <a:p>
-            <a:pPr lvl="1">
-              <a:buFont typeface="Arial" panose="020B0604020202020204" pitchFamily="34" charset="0"/>
-              <a:buChar char="•"/>
-            </a:pPr>
-            <a:r>
-              <a:rPr lang="de-DE" sz="1600" dirty="0"/>
-              <a:t>Deploy Token</a:t>
-            </a:r>
-          </a:p>
-          <a:p>
             <a:pPr lvl="2">
               <a:buFont typeface="Arial" panose="020B0604020202020204" pitchFamily="34" charset="0"/>
               <a:buChar char="•"/>
             </a:pPr>
-            <a:r>
-              <a:rPr lang="de-DE" sz="1600" dirty="0">
-                <a:latin typeface="Consolas" panose="020B0609020204030204" pitchFamily="49" charset="0"/>
-              </a:rPr>
-              <a:t>echo "$CI_DEPLOY_PASSWORD" | </a:t>
-            </a:r>
-            <a:r>
-              <a:rPr lang="de-DE" sz="1600" dirty="0" err="1">
-                <a:latin typeface="Consolas" panose="020B0609020204030204" pitchFamily="49" charset="0"/>
-              </a:rPr>
-              <a:t>docker</a:t>
-            </a:r>
-            <a:r>
-              <a:rPr lang="de-DE" sz="1600" dirty="0">
-                <a:latin typeface="Consolas" panose="020B0609020204030204" pitchFamily="49" charset="0"/>
-              </a:rPr>
-              <a:t> </a:t>
-            </a:r>
-            <a:r>
-              <a:rPr lang="de-DE" sz="1600" dirty="0" err="1">
-                <a:latin typeface="Consolas" panose="020B0609020204030204" pitchFamily="49" charset="0"/>
-              </a:rPr>
-              <a:t>login</a:t>
-            </a:r>
-            <a:r>
-              <a:rPr lang="de-DE" sz="1600" dirty="0">
-                <a:latin typeface="Consolas" panose="020B0609020204030204" pitchFamily="49" charset="0"/>
-              </a:rPr>
-              <a:t> $CI_REGISTRY -u $CI_DEPLOY_USER --password-</a:t>
-            </a:r>
-            <a:r>
-              <a:rPr lang="de-DE" sz="1600" dirty="0" err="1">
-                <a:latin typeface="Consolas" panose="020B0609020204030204" pitchFamily="49" charset="0"/>
-              </a:rPr>
-              <a:t>stdin</a:t>
-            </a:r>
-            <a:endParaRPr lang="de-DE" sz="1600" dirty="0">
-              <a:latin typeface="Consolas" panose="020B0609020204030204" pitchFamily="49" charset="0"/>
-            </a:endParaRPr>
-          </a:p>
-          <a:p>
-            <a:pPr lvl="1">
-              <a:buFont typeface="Arial" panose="020B0604020202020204" pitchFamily="34" charset="0"/>
-              <a:buChar char="•"/>
-            </a:pPr>
-            <a:r>
-              <a:rPr lang="de-DE" sz="1600" dirty="0"/>
-              <a:t>Personal Access Token</a:t>
-            </a:r>
+            <a:endParaRPr lang="de-DE" dirty="0"/>
           </a:p>
           <a:p>
             <a:pPr lvl="2">
               <a:buFont typeface="Arial" panose="020B0604020202020204" pitchFamily="34" charset="0"/>
               <a:buChar char="•"/>
             </a:pPr>
-            <a:r>
-              <a:rPr lang="en-US" sz="1600" dirty="0">
-                <a:latin typeface="Consolas" panose="020B0609020204030204" pitchFamily="49" charset="0"/>
-              </a:rPr>
-              <a:t>echo "&lt;</a:t>
-            </a:r>
-            <a:r>
-              <a:rPr lang="en-US" sz="1600" dirty="0" err="1">
-                <a:latin typeface="Consolas" panose="020B0609020204030204" pitchFamily="49" charset="0"/>
-              </a:rPr>
-              <a:t>access_token</a:t>
-            </a:r>
-            <a:r>
-              <a:rPr lang="en-US" sz="1600" dirty="0">
-                <a:latin typeface="Consolas" panose="020B0609020204030204" pitchFamily="49" charset="0"/>
-              </a:rPr>
-              <a:t>&gt;" | docker login $CI_REGISTRY -u &lt;username&gt; --password-stdin</a:t>
-            </a:r>
-          </a:p>
-          <a:p>
-            <a:pPr lvl="2">
-              <a:buFont typeface="Arial" panose="020B0604020202020204" pitchFamily="34" charset="0"/>
-              <a:buChar char="•"/>
-            </a:pPr>
-            <a:endParaRPr lang="en-US" sz="2000" dirty="0"/>
-          </a:p>
-          <a:p>
-            <a:pPr lvl="2">
-              <a:buFont typeface="Arial" panose="020B0604020202020204" pitchFamily="34" charset="0"/>
-              <a:buChar char="•"/>
-            </a:pPr>
-            <a:endParaRPr lang="de-DE" sz="2000" dirty="0"/>
-          </a:p>
-          <a:p>
-            <a:pPr lvl="1">
-              <a:buFont typeface="Arial" panose="020B0604020202020204" pitchFamily="34" charset="0"/>
-              <a:buChar char="•"/>
-            </a:pPr>
-            <a:endParaRPr lang="de-DE" sz="1600" dirty="0"/>
+            <a:endParaRPr lang="de-DE" dirty="0"/>
           </a:p>
           <a:p>
             <a:pPr lvl="1">
@@ -9482,7 +9258,7 @@
     </p:spTree>
     <p:extLst>
       <p:ext uri="{BB962C8B-B14F-4D97-AF65-F5344CB8AC3E}">
-        <p14:creationId xmlns:p14="http://schemas.microsoft.com/office/powerpoint/2010/main" val="1650913132"/>
+        <p14:creationId xmlns:p14="http://schemas.microsoft.com/office/powerpoint/2010/main" val="1214759998"/>
       </p:ext>
     </p:extLst>
   </p:cSld>
@@ -9572,6 +9348,617 @@
             </a:pPr>
             <a:r>
               <a:rPr lang="de-DE" b="1" dirty="0"/>
+              <a:t>Authentifizierung in CI/CD Pipelines</a:t>
+            </a:r>
+            <a:endParaRPr lang="de-DE" dirty="0"/>
+          </a:p>
+          <a:p>
+            <a:pPr>
+              <a:buFont typeface="Arial" panose="020B0604020202020204" pitchFamily="34" charset="0"/>
+              <a:buChar char="•"/>
+            </a:pPr>
+            <a:endParaRPr lang="de-DE" sz="1800" dirty="0"/>
+          </a:p>
+          <a:p>
+            <a:pPr>
+              <a:buFont typeface="Arial" panose="020B0604020202020204" pitchFamily="34" charset="0"/>
+              <a:buChar char="•"/>
+            </a:pPr>
+            <a:r>
+              <a:rPr lang="de-DE" sz="2000" dirty="0"/>
+              <a:t>Variable CI_REGISTRY_USER</a:t>
+            </a:r>
+          </a:p>
+          <a:p>
+            <a:pPr lvl="1">
+              <a:buFont typeface="Arial" panose="020B0604020202020204" pitchFamily="34" charset="0"/>
+              <a:buChar char="•"/>
+            </a:pPr>
+            <a:r>
+              <a:rPr lang="de-DE" sz="1800" dirty="0"/>
+              <a:t>Benutzer/Job mit </a:t>
+            </a:r>
+            <a:r>
+              <a:rPr lang="de-DE" sz="1800" dirty="0" err="1"/>
+              <a:t>read</a:t>
+            </a:r>
+            <a:r>
+              <a:rPr lang="de-DE" sz="1800" dirty="0"/>
+              <a:t> + </a:t>
+            </a:r>
+            <a:r>
+              <a:rPr lang="de-DE" sz="1800" dirty="0" err="1"/>
+              <a:t>write</a:t>
+            </a:r>
+            <a:r>
+              <a:rPr lang="de-DE" sz="1800" dirty="0"/>
+              <a:t> </a:t>
+            </a:r>
+            <a:r>
+              <a:rPr lang="de-DE" sz="1800" dirty="0" err="1"/>
+              <a:t>Scope</a:t>
+            </a:r>
+            <a:endParaRPr lang="de-DE" sz="1800" dirty="0"/>
+          </a:p>
+          <a:p>
+            <a:pPr lvl="1">
+              <a:buFont typeface="Arial" panose="020B0604020202020204" pitchFamily="34" charset="0"/>
+              <a:buChar char="•"/>
+            </a:pPr>
+            <a:r>
+              <a:rPr lang="de-DE" sz="1800" dirty="0"/>
+              <a:t>Passwort automatisch: CI_REGISTRY_PASSWORD</a:t>
+            </a:r>
+          </a:p>
+          <a:p>
+            <a:pPr lvl="1">
+              <a:buFont typeface="Arial" panose="020B0604020202020204" pitchFamily="34" charset="0"/>
+              <a:buChar char="•"/>
+            </a:pPr>
+            <a:r>
+              <a:rPr lang="de-DE" sz="1800" dirty="0">
+                <a:latin typeface="Consolas" panose="020B0609020204030204" pitchFamily="49" charset="0"/>
+              </a:rPr>
+              <a:t>echo "$CI_REGISTRY_PASSWORD" | </a:t>
+            </a:r>
+            <a:r>
+              <a:rPr lang="de-DE" sz="1800" dirty="0" err="1">
+                <a:latin typeface="Consolas" panose="020B0609020204030204" pitchFamily="49" charset="0"/>
+              </a:rPr>
+              <a:t>docker</a:t>
+            </a:r>
+            <a:r>
+              <a:rPr lang="de-DE" sz="1800" dirty="0">
+                <a:latin typeface="Consolas" panose="020B0609020204030204" pitchFamily="49" charset="0"/>
+              </a:rPr>
+              <a:t> </a:t>
+            </a:r>
+            <a:r>
+              <a:rPr lang="de-DE" sz="1800" dirty="0" err="1">
+                <a:latin typeface="Consolas" panose="020B0609020204030204" pitchFamily="49" charset="0"/>
+              </a:rPr>
+              <a:t>login</a:t>
+            </a:r>
+            <a:r>
+              <a:rPr lang="de-DE" sz="1800" dirty="0">
+                <a:latin typeface="Consolas" panose="020B0609020204030204" pitchFamily="49" charset="0"/>
+              </a:rPr>
+              <a:t> $CI_REGISTRY -u $CI_REGISTRY_USER --password-</a:t>
+            </a:r>
+            <a:r>
+              <a:rPr lang="de-DE" sz="1800" dirty="0" err="1">
+                <a:latin typeface="Consolas" panose="020B0609020204030204" pitchFamily="49" charset="0"/>
+              </a:rPr>
+              <a:t>stdin</a:t>
+            </a:r>
+            <a:endParaRPr lang="de-DE" sz="1800" dirty="0">
+              <a:latin typeface="Consolas" panose="020B0609020204030204" pitchFamily="49" charset="0"/>
+            </a:endParaRPr>
+          </a:p>
+          <a:p>
+            <a:pPr>
+              <a:buFont typeface="Arial" panose="020B0604020202020204" pitchFamily="34" charset="0"/>
+              <a:buChar char="•"/>
+            </a:pPr>
+            <a:endParaRPr lang="de-DE" sz="2000" dirty="0"/>
+          </a:p>
+          <a:p>
+            <a:pPr>
+              <a:buFont typeface="Arial" panose="020B0604020202020204" pitchFamily="34" charset="0"/>
+              <a:buChar char="•"/>
+            </a:pPr>
+            <a:r>
+              <a:rPr lang="de-DE" sz="2000" dirty="0"/>
+              <a:t>CI Job Token</a:t>
+            </a:r>
+          </a:p>
+          <a:p>
+            <a:pPr lvl="1">
+              <a:buFont typeface="Arial" panose="020B0604020202020204" pitchFamily="34" charset="0"/>
+              <a:buChar char="•"/>
+            </a:pPr>
+            <a:r>
+              <a:rPr lang="de-DE" sz="1800" dirty="0">
+                <a:latin typeface="Consolas" panose="020B0609020204030204" pitchFamily="49" charset="0"/>
+              </a:rPr>
+              <a:t>echo "$CI_JOB_TOKEN" | </a:t>
+            </a:r>
+            <a:r>
+              <a:rPr lang="de-DE" sz="1800" dirty="0" err="1">
+                <a:latin typeface="Consolas" panose="020B0609020204030204" pitchFamily="49" charset="0"/>
+              </a:rPr>
+              <a:t>docker</a:t>
+            </a:r>
+            <a:r>
+              <a:rPr lang="de-DE" sz="1800" dirty="0">
+                <a:latin typeface="Consolas" panose="020B0609020204030204" pitchFamily="49" charset="0"/>
+              </a:rPr>
+              <a:t> </a:t>
+            </a:r>
+            <a:r>
+              <a:rPr lang="de-DE" sz="1800" dirty="0" err="1">
+                <a:latin typeface="Consolas" panose="020B0609020204030204" pitchFamily="49" charset="0"/>
+              </a:rPr>
+              <a:t>login</a:t>
+            </a:r>
+            <a:r>
+              <a:rPr lang="de-DE" sz="1800" dirty="0">
+                <a:latin typeface="Consolas" panose="020B0609020204030204" pitchFamily="49" charset="0"/>
+              </a:rPr>
+              <a:t> $CI_REGISTRY -u $CI_REGISTRY_USER --password-</a:t>
+            </a:r>
+            <a:r>
+              <a:rPr lang="de-DE" sz="1800" dirty="0" err="1">
+                <a:latin typeface="Consolas" panose="020B0609020204030204" pitchFamily="49" charset="0"/>
+              </a:rPr>
+              <a:t>stdin</a:t>
+            </a:r>
+            <a:endParaRPr lang="de-DE" sz="1800" dirty="0">
+              <a:latin typeface="Consolas" panose="020B0609020204030204" pitchFamily="49" charset="0"/>
+            </a:endParaRPr>
+          </a:p>
+          <a:p>
+            <a:pPr marL="914400" lvl="2" indent="0">
+              <a:buNone/>
+            </a:pPr>
+            <a:endParaRPr lang="en-US" sz="2000" dirty="0"/>
+          </a:p>
+          <a:p>
+            <a:pPr lvl="2">
+              <a:buFont typeface="Arial" panose="020B0604020202020204" pitchFamily="34" charset="0"/>
+              <a:buChar char="•"/>
+            </a:pPr>
+            <a:endParaRPr lang="de-DE" sz="2000" dirty="0"/>
+          </a:p>
+          <a:p>
+            <a:pPr lvl="1">
+              <a:buFont typeface="Arial" panose="020B0604020202020204" pitchFamily="34" charset="0"/>
+              <a:buChar char="•"/>
+            </a:pPr>
+            <a:endParaRPr lang="de-DE" sz="1600" dirty="0"/>
+          </a:p>
+          <a:p>
+            <a:pPr lvl="1">
+              <a:buFont typeface="Arial" panose="020B0604020202020204" pitchFamily="34" charset="0"/>
+              <a:buChar char="•"/>
+            </a:pPr>
+            <a:endParaRPr lang="de-DE" dirty="0"/>
+          </a:p>
+        </p:txBody>
+      </p:sp>
+    </p:spTree>
+    <p:extLst>
+      <p:ext uri="{BB962C8B-B14F-4D97-AF65-F5344CB8AC3E}">
+        <p14:creationId xmlns:p14="http://schemas.microsoft.com/office/powerpoint/2010/main" val="1650913132"/>
+      </p:ext>
+    </p:extLst>
+  </p:cSld>
+  <p:clrMapOvr>
+    <a:masterClrMapping/>
+  </p:clrMapOvr>
+</p:sld>
+</file>
+
+<file path=ppt/slides/slide25.xml><?xml version="1.0" encoding="utf-8"?>
+<p:sld xmlns:a="http://schemas.openxmlformats.org/drawingml/2006/main" xmlns:r="http://schemas.openxmlformats.org/officeDocument/2006/relationships" xmlns:p="http://schemas.openxmlformats.org/presentationml/2006/main">
+  <p:cSld>
+    <p:spTree>
+      <p:nvGrpSpPr>
+        <p:cNvPr id="1" name=""/>
+        <p:cNvGrpSpPr/>
+        <p:nvPr/>
+      </p:nvGrpSpPr>
+      <p:grpSpPr>
+        <a:xfrm>
+          <a:off x="0" y="0"/>
+          <a:ext cx="0" cy="0"/>
+          <a:chOff x="0" y="0"/>
+          <a:chExt cx="0" cy="0"/>
+        </a:xfrm>
+      </p:grpSpPr>
+      <p:sp>
+        <p:nvSpPr>
+          <p:cNvPr id="2" name="Titel 1">
+            <a:extLst>
+              <a:ext uri="{FF2B5EF4-FFF2-40B4-BE49-F238E27FC236}">
+                <a16:creationId xmlns:a16="http://schemas.microsoft.com/office/drawing/2014/main" id="{184AFD09-5210-6F86-C2FD-BBC016D382A6}"/>
+              </a:ext>
+            </a:extLst>
+          </p:cNvPr>
+          <p:cNvSpPr>
+            <a:spLocks noGrp="1"/>
+          </p:cNvSpPr>
+          <p:nvPr>
+            <p:ph type="title"/>
+          </p:nvPr>
+        </p:nvSpPr>
+        <p:spPr/>
+        <p:txBody>
+          <a:bodyPr/>
+          <a:lstStyle/>
+          <a:p>
+            <a:r>
+              <a:rPr lang="de-DE" cap="none" dirty="0"/>
+              <a:t>Release- und </a:t>
+            </a:r>
+            <a:r>
+              <a:rPr lang="de-DE" cap="none" dirty="0" err="1"/>
+              <a:t>Tagged</a:t>
+            </a:r>
+            <a:r>
+              <a:rPr lang="de-DE" cap="none" dirty="0"/>
+              <a:t>-Images</a:t>
+            </a:r>
+            <a:endParaRPr lang="de-DE" dirty="0"/>
+          </a:p>
+        </p:txBody>
+      </p:sp>
+      <p:sp>
+        <p:nvSpPr>
+          <p:cNvPr id="6" name="Inhaltsplatzhalter 5">
+            <a:extLst>
+              <a:ext uri="{FF2B5EF4-FFF2-40B4-BE49-F238E27FC236}">
+                <a16:creationId xmlns:a16="http://schemas.microsoft.com/office/drawing/2014/main" id="{D2412707-84D3-F572-4709-FD9A95F28E5B}"/>
+              </a:ext>
+            </a:extLst>
+          </p:cNvPr>
+          <p:cNvSpPr>
+            <a:spLocks noGrp="1"/>
+          </p:cNvSpPr>
+          <p:nvPr>
+            <p:ph idx="1"/>
+          </p:nvPr>
+        </p:nvSpPr>
+        <p:spPr/>
+        <p:txBody>
+          <a:bodyPr/>
+          <a:lstStyle/>
+          <a:p>
+            <a:pPr marL="0" indent="0">
+              <a:buNone/>
+            </a:pPr>
+            <a:r>
+              <a:rPr lang="de-DE" b="1" dirty="0"/>
+              <a:t>Authentifizierung in CI/CD Pipelines</a:t>
+            </a:r>
+            <a:endParaRPr lang="de-DE" dirty="0"/>
+          </a:p>
+          <a:p>
+            <a:pPr>
+              <a:buFont typeface="Arial" panose="020B0604020202020204" pitchFamily="34" charset="0"/>
+              <a:buChar char="•"/>
+            </a:pPr>
+            <a:r>
+              <a:rPr lang="de-DE" sz="2000" dirty="0" err="1"/>
+              <a:t>read</a:t>
+            </a:r>
+            <a:r>
+              <a:rPr lang="de-DE" sz="2000" dirty="0"/>
+              <a:t> (pull) </a:t>
+            </a:r>
+            <a:r>
+              <a:rPr lang="de-DE" sz="2000" dirty="0" err="1"/>
+              <a:t>access</a:t>
+            </a:r>
+            <a:r>
+              <a:rPr lang="de-DE" sz="2000" dirty="0"/>
+              <a:t> </a:t>
+            </a:r>
+            <a:r>
+              <a:rPr lang="de-DE" sz="2000" dirty="0">
+                <a:sym typeface="Wingdings" panose="05000000000000000000" pitchFamily="2" charset="2"/>
+              </a:rPr>
+              <a:t> </a:t>
+            </a:r>
+            <a:r>
+              <a:rPr lang="de-DE" sz="2000" dirty="0" err="1">
+                <a:sym typeface="Wingdings" panose="05000000000000000000" pitchFamily="2" charset="2"/>
+              </a:rPr>
+              <a:t>read_registry</a:t>
+            </a:r>
+            <a:endParaRPr lang="de-DE" sz="2000" dirty="0">
+              <a:sym typeface="Wingdings" panose="05000000000000000000" pitchFamily="2" charset="2"/>
+            </a:endParaRPr>
+          </a:p>
+          <a:p>
+            <a:pPr>
+              <a:buFont typeface="Arial" panose="020B0604020202020204" pitchFamily="34" charset="0"/>
+              <a:buChar char="•"/>
+            </a:pPr>
+            <a:r>
+              <a:rPr lang="de-DE" sz="2000" dirty="0" err="1">
+                <a:sym typeface="Wingdings" panose="05000000000000000000" pitchFamily="2" charset="2"/>
+              </a:rPr>
+              <a:t>write</a:t>
+            </a:r>
+            <a:r>
+              <a:rPr lang="de-DE" sz="2000" dirty="0">
+                <a:sym typeface="Wingdings" panose="05000000000000000000" pitchFamily="2" charset="2"/>
+              </a:rPr>
+              <a:t> (push) </a:t>
+            </a:r>
+            <a:r>
+              <a:rPr lang="de-DE" sz="2000" dirty="0" err="1">
+                <a:sym typeface="Wingdings" panose="05000000000000000000" pitchFamily="2" charset="2"/>
+              </a:rPr>
+              <a:t>access</a:t>
+            </a:r>
+            <a:r>
+              <a:rPr lang="de-DE" sz="2000" dirty="0">
+                <a:sym typeface="Wingdings" panose="05000000000000000000" pitchFamily="2" charset="2"/>
+              </a:rPr>
+              <a:t>  </a:t>
+            </a:r>
+            <a:r>
+              <a:rPr lang="de-DE" sz="2000" dirty="0" err="1">
+                <a:sym typeface="Wingdings" panose="05000000000000000000" pitchFamily="2" charset="2"/>
+              </a:rPr>
+              <a:t>read_registry</a:t>
+            </a:r>
+            <a:r>
+              <a:rPr lang="de-DE" sz="2000" dirty="0">
+                <a:sym typeface="Wingdings" panose="05000000000000000000" pitchFamily="2" charset="2"/>
+              </a:rPr>
+              <a:t> &amp; </a:t>
+            </a:r>
+            <a:r>
+              <a:rPr lang="de-DE" sz="2000" dirty="0" err="1">
+                <a:sym typeface="Wingdings" panose="05000000000000000000" pitchFamily="2" charset="2"/>
+              </a:rPr>
+              <a:t>write_registry</a:t>
+            </a:r>
+            <a:endParaRPr lang="de-DE" sz="2000" dirty="0">
+              <a:sym typeface="Wingdings" panose="05000000000000000000" pitchFamily="2" charset="2"/>
+            </a:endParaRPr>
+          </a:p>
+          <a:p>
+            <a:pPr>
+              <a:buFont typeface="Arial" panose="020B0604020202020204" pitchFamily="34" charset="0"/>
+              <a:buChar char="•"/>
+            </a:pPr>
+            <a:endParaRPr lang="de-DE" sz="1800" dirty="0"/>
+          </a:p>
+          <a:p>
+            <a:pPr>
+              <a:buFont typeface="Arial" panose="020B0604020202020204" pitchFamily="34" charset="0"/>
+              <a:buChar char="•"/>
+            </a:pPr>
+            <a:r>
+              <a:rPr lang="de-DE" sz="2000" dirty="0"/>
+              <a:t>Deploy Token</a:t>
+            </a:r>
+          </a:p>
+          <a:p>
+            <a:pPr lvl="1">
+              <a:buFont typeface="Arial" panose="020B0604020202020204" pitchFamily="34" charset="0"/>
+              <a:buChar char="•"/>
+            </a:pPr>
+            <a:r>
+              <a:rPr lang="de-DE" sz="1800" dirty="0">
+                <a:latin typeface="Consolas" panose="020B0609020204030204" pitchFamily="49" charset="0"/>
+              </a:rPr>
+              <a:t>echo "$CI_DEPLOY_PASSWORD" | </a:t>
+            </a:r>
+            <a:r>
+              <a:rPr lang="de-DE" sz="1800" dirty="0" err="1">
+                <a:latin typeface="Consolas" panose="020B0609020204030204" pitchFamily="49" charset="0"/>
+              </a:rPr>
+              <a:t>docker</a:t>
+            </a:r>
+            <a:r>
+              <a:rPr lang="de-DE" sz="1800" dirty="0">
+                <a:latin typeface="Consolas" panose="020B0609020204030204" pitchFamily="49" charset="0"/>
+              </a:rPr>
+              <a:t> </a:t>
+            </a:r>
+            <a:r>
+              <a:rPr lang="de-DE" sz="1800" dirty="0" err="1">
+                <a:latin typeface="Consolas" panose="020B0609020204030204" pitchFamily="49" charset="0"/>
+              </a:rPr>
+              <a:t>login</a:t>
+            </a:r>
+            <a:r>
+              <a:rPr lang="de-DE" sz="1800" dirty="0">
+                <a:latin typeface="Consolas" panose="020B0609020204030204" pitchFamily="49" charset="0"/>
+              </a:rPr>
+              <a:t> $CI_REGISTRY -u $CI_DEPLOY_USER --password-</a:t>
+            </a:r>
+            <a:r>
+              <a:rPr lang="de-DE" sz="1800" dirty="0" err="1">
+                <a:latin typeface="Consolas" panose="020B0609020204030204" pitchFamily="49" charset="0"/>
+              </a:rPr>
+              <a:t>stdin</a:t>
+            </a:r>
+            <a:endParaRPr lang="de-DE" sz="1800" dirty="0">
+              <a:latin typeface="Consolas" panose="020B0609020204030204" pitchFamily="49" charset="0"/>
+            </a:endParaRPr>
+          </a:p>
+          <a:p>
+            <a:pPr lvl="1">
+              <a:buFont typeface="Arial" panose="020B0604020202020204" pitchFamily="34" charset="0"/>
+              <a:buChar char="•"/>
+            </a:pPr>
+            <a:endParaRPr lang="de-DE" sz="1800" dirty="0">
+              <a:latin typeface="Consolas" panose="020B0609020204030204" pitchFamily="49" charset="0"/>
+            </a:endParaRPr>
+          </a:p>
+          <a:p>
+            <a:pPr>
+              <a:buFont typeface="Arial" panose="020B0604020202020204" pitchFamily="34" charset="0"/>
+              <a:buChar char="•"/>
+            </a:pPr>
+            <a:r>
+              <a:rPr lang="de-DE" sz="2000" dirty="0"/>
+              <a:t>Personal Access Token</a:t>
+            </a:r>
+          </a:p>
+          <a:p>
+            <a:pPr lvl="1">
+              <a:buFont typeface="Arial" panose="020B0604020202020204" pitchFamily="34" charset="0"/>
+              <a:buChar char="•"/>
+            </a:pPr>
+            <a:r>
+              <a:rPr lang="en-US" sz="1800" dirty="0">
+                <a:latin typeface="Consolas" panose="020B0609020204030204" pitchFamily="49" charset="0"/>
+              </a:rPr>
+              <a:t>echo "&lt;</a:t>
+            </a:r>
+            <a:r>
+              <a:rPr lang="en-US" sz="1800" dirty="0" err="1">
+                <a:latin typeface="Consolas" panose="020B0609020204030204" pitchFamily="49" charset="0"/>
+              </a:rPr>
+              <a:t>access_token</a:t>
+            </a:r>
+            <a:r>
+              <a:rPr lang="en-US" sz="1800" dirty="0">
+                <a:latin typeface="Consolas" panose="020B0609020204030204" pitchFamily="49" charset="0"/>
+              </a:rPr>
+              <a:t>&gt;" | docker login $CI_REGISTRY -u &lt;username&gt; --password-stdin</a:t>
+            </a:r>
+          </a:p>
+          <a:p>
+            <a:pPr lvl="2">
+              <a:buFont typeface="Arial" panose="020B0604020202020204" pitchFamily="34" charset="0"/>
+              <a:buChar char="•"/>
+            </a:pPr>
+            <a:endParaRPr lang="en-US" sz="2000" dirty="0"/>
+          </a:p>
+          <a:p>
+            <a:pPr lvl="2">
+              <a:buFont typeface="Arial" panose="020B0604020202020204" pitchFamily="34" charset="0"/>
+              <a:buChar char="•"/>
+            </a:pPr>
+            <a:endParaRPr lang="de-DE" sz="2000" dirty="0"/>
+          </a:p>
+          <a:p>
+            <a:pPr lvl="1">
+              <a:buFont typeface="Arial" panose="020B0604020202020204" pitchFamily="34" charset="0"/>
+              <a:buChar char="•"/>
+            </a:pPr>
+            <a:endParaRPr lang="de-DE" sz="1600" dirty="0"/>
+          </a:p>
+          <a:p>
+            <a:pPr lvl="1">
+              <a:buFont typeface="Arial" panose="020B0604020202020204" pitchFamily="34" charset="0"/>
+              <a:buChar char="•"/>
+            </a:pPr>
+            <a:endParaRPr lang="de-DE" dirty="0"/>
+          </a:p>
+        </p:txBody>
+      </p:sp>
+    </p:spTree>
+    <p:extLst>
+      <p:ext uri="{BB962C8B-B14F-4D97-AF65-F5344CB8AC3E}">
+        <p14:creationId xmlns:p14="http://schemas.microsoft.com/office/powerpoint/2010/main" val="326092437"/>
+      </p:ext>
+    </p:extLst>
+  </p:cSld>
+  <p:clrMapOvr>
+    <a:masterClrMapping/>
+  </p:clrMapOvr>
+</p:sld>
+</file>
+
+<file path=ppt/slides/slide26.xml><?xml version="1.0" encoding="utf-8"?>
+<p:sld xmlns:a="http://schemas.openxmlformats.org/drawingml/2006/main" xmlns:r="http://schemas.openxmlformats.org/officeDocument/2006/relationships" xmlns:p="http://schemas.openxmlformats.org/presentationml/2006/main">
+  <p:cSld>
+    <p:spTree>
+      <p:nvGrpSpPr>
+        <p:cNvPr id="1" name=""/>
+        <p:cNvGrpSpPr/>
+        <p:nvPr/>
+      </p:nvGrpSpPr>
+      <p:grpSpPr>
+        <a:xfrm>
+          <a:off x="0" y="0"/>
+          <a:ext cx="0" cy="0"/>
+          <a:chOff x="0" y="0"/>
+          <a:chExt cx="0" cy="0"/>
+        </a:xfrm>
+      </p:grpSpPr>
+      <p:sp>
+        <p:nvSpPr>
+          <p:cNvPr id="2" name="Titel 1">
+            <a:extLst>
+              <a:ext uri="{FF2B5EF4-FFF2-40B4-BE49-F238E27FC236}">
+                <a16:creationId xmlns:a16="http://schemas.microsoft.com/office/drawing/2014/main" id="{184AFD09-5210-6F86-C2FD-BBC016D382A6}"/>
+              </a:ext>
+            </a:extLst>
+          </p:cNvPr>
+          <p:cNvSpPr>
+            <a:spLocks noGrp="1"/>
+          </p:cNvSpPr>
+          <p:nvPr>
+            <p:ph type="title"/>
+          </p:nvPr>
+        </p:nvSpPr>
+        <p:spPr/>
+        <p:txBody>
+          <a:bodyPr/>
+          <a:lstStyle/>
+          <a:p>
+            <a:r>
+              <a:rPr lang="de-DE" cap="none" dirty="0"/>
+              <a:t>Release- und </a:t>
+            </a:r>
+            <a:r>
+              <a:rPr lang="de-DE" cap="none" dirty="0" err="1"/>
+              <a:t>Tagged</a:t>
+            </a:r>
+            <a:r>
+              <a:rPr lang="de-DE" cap="none" dirty="0"/>
+              <a:t>-Images</a:t>
+            </a:r>
+            <a:endParaRPr lang="de-DE" dirty="0"/>
+          </a:p>
+        </p:txBody>
+      </p:sp>
+      <p:sp>
+        <p:nvSpPr>
+          <p:cNvPr id="6" name="Inhaltsplatzhalter 5">
+            <a:extLst>
+              <a:ext uri="{FF2B5EF4-FFF2-40B4-BE49-F238E27FC236}">
+                <a16:creationId xmlns:a16="http://schemas.microsoft.com/office/drawing/2014/main" id="{D2412707-84D3-F572-4709-FD9A95F28E5B}"/>
+              </a:ext>
+            </a:extLst>
+          </p:cNvPr>
+          <p:cNvSpPr>
+            <a:spLocks noGrp="1"/>
+          </p:cNvSpPr>
+          <p:nvPr>
+            <p:ph idx="1"/>
+          </p:nvPr>
+        </p:nvSpPr>
+        <p:spPr/>
+        <p:txBody>
+          <a:bodyPr/>
+          <a:lstStyle/>
+          <a:p>
+            <a:pPr marL="0" indent="0">
+              <a:buNone/>
+            </a:pPr>
+            <a:r>
+              <a:rPr lang="de-DE" b="1" dirty="0"/>
               <a:t>Images bauen und pushen</a:t>
             </a:r>
             <a:endParaRPr lang="de-DE" dirty="0"/>
@@ -9583,7 +9970,7 @@
             </a:pPr>
             <a:r>
               <a:rPr lang="de-DE" dirty="0"/>
-              <a:t>Mit der Container Registry authentifizieren</a:t>
+              <a:t>An der Container Registry authentifizieren</a:t>
             </a:r>
           </a:p>
           <a:p>
@@ -9593,7 +9980,7 @@
             </a:pPr>
             <a:r>
               <a:rPr lang="de-DE" dirty="0"/>
-              <a:t>Docker nutzen</a:t>
+              <a:t>Docker CLI nutzen</a:t>
             </a:r>
           </a:p>
           <a:p>
@@ -9765,7 +10152,7 @@
 </p:sld>
 </file>
 
-<file path=ppt/slides/slide25.xml><?xml version="1.0" encoding="utf-8"?>
+<file path=ppt/slides/slide27.xml><?xml version="1.0" encoding="utf-8"?>
 <p:sld xmlns:a="http://schemas.openxmlformats.org/drawingml/2006/main" xmlns:r="http://schemas.openxmlformats.org/officeDocument/2006/relationships" xmlns:p="http://schemas.openxmlformats.org/presentationml/2006/main">
   <p:cSld>
     <p:spTree>
@@ -9865,16 +10252,13 @@
             </a:pPr>
             <a:r>
               <a:rPr lang="de-DE" dirty="0"/>
-              <a:t>Registrierter Runner nutzen </a:t>
+              <a:t>Unterstützte </a:t>
             </a:r>
             <a:r>
               <a:rPr lang="de-DE" dirty="0" err="1"/>
-              <a:t>dind</a:t>
-            </a:r>
-            <a:r>
-              <a:rPr lang="de-DE" dirty="0"/>
-              <a:t> automatisch</a:t>
-            </a:r>
+              <a:t>Executors</a:t>
+            </a:r>
+            <a:endParaRPr lang="de-DE" dirty="0"/>
           </a:p>
           <a:p>
             <a:pPr lvl="1">
@@ -9889,10 +10273,7 @@
               <a:rPr lang="de-DE" dirty="0" err="1"/>
               <a:t>Executor</a:t>
             </a:r>
-            <a:r>
-              <a:rPr lang="de-DE" dirty="0"/>
-              <a:t> oder</a:t>
-            </a:r>
+            <a:endParaRPr lang="de-DE" dirty="0"/>
           </a:p>
           <a:p>
             <a:pPr lvl="1">
@@ -9914,6 +10295,12 @@
             <a:endParaRPr lang="de-DE" dirty="0"/>
           </a:p>
           <a:p>
+            <a:pPr marL="457200" lvl="1" indent="0">
+              <a:buNone/>
+            </a:pPr>
+            <a:endParaRPr lang="de-DE" dirty="0"/>
+          </a:p>
+          <a:p>
             <a:pPr>
               <a:buFont typeface="Arial" panose="020B0604020202020204" pitchFamily="34" charset="0"/>
               <a:buChar char="•"/>
@@ -9924,7 +10311,15 @@
             </a:r>
             <a:r>
               <a:rPr lang="de-DE" dirty="0"/>
-              <a:t> nutzt ein Container Image von Docker</a:t>
+              <a:t> verwendet </a:t>
+            </a:r>
+            <a:r>
+              <a:rPr lang="de-DE" i="1" dirty="0" err="1"/>
+              <a:t>docker</a:t>
+            </a:r>
+            <a:r>
+              <a:rPr lang="de-DE" dirty="0"/>
+              <a:t> Container Image</a:t>
             </a:r>
           </a:p>
           <a:p>
@@ -9934,25 +10329,7 @@
             </a:pPr>
             <a:r>
               <a:rPr lang="de-DE" dirty="0"/>
-              <a:t>Bereitgestellt von Docker, um die CI/CD </a:t>
-            </a:r>
-            <a:r>
-              <a:rPr lang="de-DE" dirty="0" err="1"/>
-              <a:t>jobs</a:t>
-            </a:r>
-            <a:r>
-              <a:rPr lang="de-DE" dirty="0"/>
-              <a:t> auszuführen</a:t>
-            </a:r>
-          </a:p>
-          <a:p>
-            <a:pPr>
-              <a:buFont typeface="Arial" panose="020B0604020202020204" pitchFamily="34" charset="0"/>
-              <a:buChar char="•"/>
-            </a:pPr>
-            <a:r>
-              <a:rPr lang="de-DE" dirty="0"/>
-              <a:t>Docker Image beinhaltet alle </a:t>
+              <a:t>Image beinhaltet alle </a:t>
             </a:r>
             <a:r>
               <a:rPr lang="de-DE" dirty="0" err="1"/>
@@ -9975,18 +10352,31 @@
             </a:pPr>
             <a:r>
               <a:rPr lang="de-DE" dirty="0"/>
-              <a:t>Und kann das Job-</a:t>
+              <a:t>Job-</a:t>
             </a:r>
             <a:r>
               <a:rPr lang="de-DE" dirty="0" err="1">
                 <a:latin typeface="Consolas" panose="020B0609020204030204" pitchFamily="49" charset="0"/>
               </a:rPr>
-              <a:t>script</a:t>
+              <a:t>Script</a:t>
+            </a:r>
+            <a:r>
+              <a:rPr lang="de-DE" dirty="0">
+                <a:latin typeface="Consolas" panose="020B0609020204030204" pitchFamily="49" charset="0"/>
+              </a:rPr>
+              <a:t> </a:t>
             </a:r>
             <a:r>
               <a:rPr lang="de-DE" dirty="0"/>
-              <a:t> im Kontext des Images im privilegierten Modus ausführen</a:t>
-            </a:r>
+              <a:t>im privilegierten Modus </a:t>
+            </a:r>
+          </a:p>
+          <a:p>
+            <a:pPr lvl="1">
+              <a:buFont typeface="Arial" panose="020B0604020202020204" pitchFamily="34" charset="0"/>
+              <a:buChar char="•"/>
+            </a:pPr>
+            <a:endParaRPr lang="de-DE" dirty="0"/>
           </a:p>
           <a:p>
             <a:pPr>
@@ -9995,7 +10385,7 @@
             </a:pPr>
             <a:r>
               <a:rPr lang="de-DE" dirty="0"/>
-              <a:t>Immer eine spezifische Version nutzen!</a:t>
+              <a:t>Spezifische Version nutzen!</a:t>
             </a:r>
           </a:p>
           <a:p>
@@ -10043,7 +10433,7 @@
             </a:r>
             <a:r>
               <a:rPr lang="de-DE" dirty="0"/>
-              <a:t>Inkompatibilitätsproblemen, falls Update des Images</a:t>
+              <a:t>Inkompatibilitätsprobleme</a:t>
             </a:r>
           </a:p>
           <a:p>
@@ -10075,7 +10465,7 @@
 </p:sld>
 </file>
 
-<file path=ppt/slides/slide26.xml><?xml version="1.0" encoding="utf-8"?>
+<file path=ppt/slides/slide28.xml><?xml version="1.0" encoding="utf-8"?>
 <p:sld xmlns:a="http://schemas.openxmlformats.org/drawingml/2006/main" xmlns:r="http://schemas.openxmlformats.org/officeDocument/2006/relationships" xmlns:p="http://schemas.openxmlformats.org/presentationml/2006/main">
   <p:cSld>
     <p:spTree>
@@ -10173,7 +10563,7 @@
             </a:pPr>
             <a:r>
               <a:rPr lang="de-DE" dirty="0"/>
-              <a:t>Bauen und Pushen von Images in die Registry</a:t>
+              <a:t>Ermöglicht Bauen und Pushen von Images in die Registry</a:t>
             </a:r>
           </a:p>
           <a:p>
@@ -10183,15 +10573,7 @@
             </a:pPr>
             <a:r>
               <a:rPr lang="de-DE" dirty="0"/>
-              <a:t>Falls mehrere </a:t>
-            </a:r>
-            <a:r>
-              <a:rPr lang="de-DE" dirty="0" err="1"/>
-              <a:t>jobs</a:t>
-            </a:r>
-            <a:r>
-              <a:rPr lang="de-DE" dirty="0"/>
-              <a:t> Authentifizierung benötigen</a:t>
+              <a:t>Mehrere Jobs authentifizieren</a:t>
             </a:r>
           </a:p>
           <a:p>
@@ -10199,10 +10581,6 @@
               <a:buFont typeface="Arial" panose="020B0604020202020204" pitchFamily="34" charset="0"/>
               <a:buChar char="•"/>
             </a:pPr>
-            <a:r>
-              <a:rPr lang="de-DE" dirty="0"/>
-              <a:t>Befehl zum Authentifizieren im </a:t>
-            </a:r>
             <a:r>
               <a:rPr lang="de-DE" dirty="0" err="1">
                 <a:latin typeface="Consolas" panose="020B0609020204030204" pitchFamily="49" charset="0"/>
@@ -10240,13 +10618,19 @@
               <a:rPr lang="de-DE" dirty="0">
                 <a:latin typeface="Consolas" panose="020B0609020204030204" pitchFamily="49" charset="0"/>
               </a:rPr>
-              <a:t> –pull </a:t>
-            </a:r>
+              <a:t> –pull</a:t>
+            </a:r>
+          </a:p>
+          <a:p>
+            <a:pPr lvl="1">
+              <a:buFont typeface="Arial" panose="020B0604020202020204" pitchFamily="34" charset="0"/>
+              <a:buChar char="•"/>
+            </a:pPr>
             <a:r>
               <a:rPr lang="de-DE" dirty="0">
                 <a:latin typeface="+mj-lt"/>
               </a:rPr>
-              <a:t>um Änderungen am Base Image zu ziehen</a:t>
+              <a:t>Änderungen am Base Image</a:t>
             </a:r>
           </a:p>
           <a:p>
@@ -10254,41 +10638,59 @@
               <a:buFont typeface="Arial" panose="020B0604020202020204" pitchFamily="34" charset="0"/>
               <a:buChar char="•"/>
             </a:pPr>
+            <a:r>
+              <a:rPr lang="de-DE" dirty="0">
+                <a:latin typeface="+mj-lt"/>
+              </a:rPr>
+              <a:t>Pro: Base Image ist </a:t>
+            </a:r>
             <a:r>
               <a:rPr lang="de-DE" dirty="0" err="1">
                 <a:latin typeface="+mj-lt"/>
               </a:rPr>
-              <a:t>Build</a:t>
+              <a:t>up</a:t>
             </a:r>
             <a:r>
               <a:rPr lang="de-DE" dirty="0">
                 <a:latin typeface="+mj-lt"/>
               </a:rPr>
-              <a:t> dauert dadurch länger, aber das Image ist </a:t>
+              <a:t>-</a:t>
             </a:r>
             <a:r>
               <a:rPr lang="de-DE" dirty="0" err="1">
                 <a:latin typeface="+mj-lt"/>
               </a:rPr>
-              <a:t>up</a:t>
+              <a:t>to</a:t>
             </a:r>
             <a:r>
               <a:rPr lang="de-DE" dirty="0">
                 <a:latin typeface="+mj-lt"/>
               </a:rPr>
-              <a:t>-</a:t>
+              <a:t>-date</a:t>
+            </a:r>
+          </a:p>
+          <a:p>
+            <a:pPr lvl="1">
+              <a:buFont typeface="Arial" panose="020B0604020202020204" pitchFamily="34" charset="0"/>
+              <a:buChar char="•"/>
+            </a:pPr>
+            <a:r>
+              <a:rPr lang="de-DE" dirty="0">
+                <a:latin typeface="+mj-lt"/>
+              </a:rPr>
+              <a:t>Contra: </a:t>
             </a:r>
             <a:r>
               <a:rPr lang="de-DE" dirty="0" err="1">
                 <a:latin typeface="+mj-lt"/>
               </a:rPr>
-              <a:t>to</a:t>
+              <a:t>Build</a:t>
             </a:r>
             <a:r>
               <a:rPr lang="de-DE" dirty="0">
                 <a:latin typeface="+mj-lt"/>
               </a:rPr>
-              <a:t>-date</a:t>
+              <a:t> dauert länger</a:t>
             </a:r>
           </a:p>
           <a:p>
@@ -10300,7 +10702,7 @@
               <a:rPr lang="de-DE" dirty="0">
                 <a:latin typeface="+mj-lt"/>
               </a:rPr>
-              <a:t>Vor jedem </a:t>
+              <a:t>Vor </a:t>
             </a:r>
             <a:r>
               <a:rPr lang="de-DE" dirty="0" err="1">
@@ -10366,20 +10768,17 @@
               <a:buChar char="•"/>
             </a:pPr>
             <a:r>
+              <a:rPr lang="de-DE" dirty="0" err="1">
+                <a:latin typeface="+mj-lt"/>
+              </a:rPr>
+              <a:t>Fetched</a:t>
+            </a:r>
+            <a:r>
               <a:rPr lang="de-DE" dirty="0">
                 <a:latin typeface="+mj-lt"/>
               </a:rPr>
-              <a:t>Um das aktuelle Image zu </a:t>
-            </a:r>
-            <a:r>
-              <a:rPr lang="de-DE" dirty="0" err="1">
-                <a:latin typeface="+mj-lt"/>
-              </a:rPr>
-              <a:t>fetchen</a:t>
-            </a:r>
-            <a:endParaRPr lang="de-DE" dirty="0">
-              <a:latin typeface="+mj-lt"/>
-            </a:endParaRPr>
+              <a:t> aktuelles Image</a:t>
+            </a:r>
           </a:p>
           <a:p>
             <a:pPr lvl="1">
@@ -10390,7 +10789,7 @@
               <a:rPr lang="de-DE" dirty="0">
                 <a:latin typeface="+mj-lt"/>
               </a:rPr>
-              <a:t>Besonders wichtig bei mehreren Runnern, welche Images lokal </a:t>
+              <a:t>Wichtig bei mehreren Runnern, welche Images lokal </a:t>
             </a:r>
             <a:r>
               <a:rPr lang="de-DE" dirty="0" err="1">
@@ -10425,7 +10824,7 @@
 </p:sld>
 </file>
 
-<file path=ppt/slides/slide27.xml><?xml version="1.0" encoding="utf-8"?>
+<file path=ppt/slides/slide29.xml><?xml version="1.0" encoding="utf-8"?>
 <p:sld xmlns:a="http://schemas.openxmlformats.org/drawingml/2006/main" xmlns:r="http://schemas.openxmlformats.org/officeDocument/2006/relationships" xmlns:p="http://schemas.openxmlformats.org/presentationml/2006/main">
   <p:cSld>
     <p:spTree>
@@ -10546,7 +10945,7 @@
             </a:r>
             <a:r>
               <a:rPr lang="en-US" sz="2000" dirty="0" err="1"/>
-              <a:t>nutzen</a:t>
+              <a:t>bauen</a:t>
             </a:r>
             <a:endParaRPr lang="en-US" sz="2000" dirty="0"/>
           </a:p>
@@ -10594,7 +10993,35 @@
             </a:r>
             <a:r>
               <a:rPr lang="en-US" sz="2000" dirty="0"/>
-              <a:t> auf die Registry </a:t>
+              <a:t> auf </a:t>
+            </a:r>
+            <a:r>
+              <a:rPr lang="en-US" sz="2000" i="1" dirty="0"/>
+              <a:t>docker</a:t>
+            </a:r>
+            <a:r>
+              <a:rPr lang="en-US" sz="2000" dirty="0"/>
+              <a:t> </a:t>
+            </a:r>
+            <a:r>
+              <a:rPr lang="en-US" sz="2000" dirty="0" err="1"/>
+              <a:t>bzw</a:t>
+            </a:r>
+            <a:r>
+              <a:rPr lang="en-US" sz="2000" dirty="0"/>
+              <a:t>. </a:t>
+            </a:r>
+            <a:r>
+              <a:rPr lang="en-US" sz="2000" i="1" dirty="0"/>
+              <a:t>docker-</a:t>
+            </a:r>
+            <a:r>
+              <a:rPr lang="en-US" sz="2000" i="1" dirty="0" err="1"/>
+              <a:t>dind</a:t>
+            </a:r>
+            <a:r>
+              <a:rPr lang="en-US" sz="2000" dirty="0"/>
+              <a:t> Image </a:t>
             </a:r>
             <a:r>
               <a:rPr lang="en-US" sz="2000" dirty="0" err="1"/>
@@ -10626,22 +11053,27 @@
             </a:r>
             <a:r>
               <a:rPr lang="en-US" sz="2000" dirty="0"/>
+              <a:t> für </a:t>
+            </a:r>
+            <a:r>
+              <a:rPr lang="en-US" sz="2000" i="1" dirty="0"/>
+              <a:t>docker-</a:t>
+            </a:r>
+            <a:r>
+              <a:rPr lang="en-US" sz="2000" i="1" dirty="0" err="1"/>
+              <a:t>dind</a:t>
+            </a:r>
+            <a:r>
+              <a:rPr lang="en-US" sz="2000" dirty="0"/>
               <a:t> </a:t>
             </a:r>
             <a:r>
               <a:rPr lang="en-US" sz="2000" dirty="0" err="1"/>
-              <a:t>hinzufügen</a:t>
-            </a:r>
-            <a:r>
-              <a:rPr lang="en-US" sz="2000" dirty="0"/>
-              <a:t> für den </a:t>
-            </a:r>
-            <a:r>
-              <a:rPr lang="en-US" sz="2000" dirty="0">
-                <a:latin typeface="Consolas" panose="020B0609020204030204" pitchFamily="49" charset="0"/>
-              </a:rPr>
-              <a:t>service</a:t>
-            </a:r>
+              <a:t>definieren</a:t>
+            </a:r>
+            <a:endParaRPr lang="en-US" sz="2000" dirty="0">
+              <a:latin typeface="Consolas" panose="020B0609020204030204" pitchFamily="49" charset="0"/>
+            </a:endParaRPr>
           </a:p>
           <a:p>
             <a:pPr marL="457200" indent="-457200">
@@ -11187,1154 +11619,6 @@
     <p:extLst>
       <p:ext uri="{BB962C8B-B14F-4D97-AF65-F5344CB8AC3E}">
         <p14:creationId xmlns:p14="http://schemas.microsoft.com/office/powerpoint/2010/main" val="1268780306"/>
-      </p:ext>
-    </p:extLst>
-  </p:cSld>
-  <p:clrMapOvr>
-    <a:masterClrMapping/>
-  </p:clrMapOvr>
-</p:sld>
-</file>
-
-<file path=ppt/slides/slide28.xml><?xml version="1.0" encoding="utf-8"?>
-<p:sld xmlns:a="http://schemas.openxmlformats.org/drawingml/2006/main" xmlns:r="http://schemas.openxmlformats.org/officeDocument/2006/relationships" xmlns:p="http://schemas.openxmlformats.org/presentationml/2006/main">
-  <p:cSld>
-    <p:spTree>
-      <p:nvGrpSpPr>
-        <p:cNvPr id="1" name=""/>
-        <p:cNvGrpSpPr/>
-        <p:nvPr/>
-      </p:nvGrpSpPr>
-      <p:grpSpPr>
-        <a:xfrm>
-          <a:off x="0" y="0"/>
-          <a:ext cx="0" cy="0"/>
-          <a:chOff x="0" y="0"/>
-          <a:chExt cx="0" cy="0"/>
-        </a:xfrm>
-      </p:grpSpPr>
-      <p:sp>
-        <p:nvSpPr>
-          <p:cNvPr id="2" name="Titel 1">
-            <a:extLst>
-              <a:ext uri="{FF2B5EF4-FFF2-40B4-BE49-F238E27FC236}">
-                <a16:creationId xmlns:a16="http://schemas.microsoft.com/office/drawing/2014/main" id="{021C1D90-AB38-D152-26B9-E4AB49CCFEE9}"/>
-              </a:ext>
-            </a:extLst>
-          </p:cNvPr>
-          <p:cNvSpPr>
-            <a:spLocks noGrp="1"/>
-          </p:cNvSpPr>
-          <p:nvPr>
-            <p:ph type="title"/>
-          </p:nvPr>
-        </p:nvSpPr>
-        <p:spPr/>
-        <p:txBody>
-          <a:bodyPr/>
-          <a:lstStyle/>
-          <a:p>
-            <a:r>
-              <a:rPr lang="de-DE" cap="none" dirty="0"/>
-              <a:t>Release- und </a:t>
-            </a:r>
-            <a:r>
-              <a:rPr lang="de-DE" cap="none" dirty="0" err="1"/>
-              <a:t>Tagged</a:t>
-            </a:r>
-            <a:r>
-              <a:rPr lang="de-DE" cap="none" dirty="0"/>
-              <a:t>-Images</a:t>
-            </a:r>
-            <a:endParaRPr lang="de-DE" dirty="0"/>
-          </a:p>
-        </p:txBody>
-      </p:sp>
-      <p:sp>
-        <p:nvSpPr>
-          <p:cNvPr id="3" name="Inhaltsplatzhalter 2">
-            <a:extLst>
-              <a:ext uri="{FF2B5EF4-FFF2-40B4-BE49-F238E27FC236}">
-                <a16:creationId xmlns:a16="http://schemas.microsoft.com/office/drawing/2014/main" id="{01B30DD9-6590-DB7B-37D7-65618A4BAC0E}"/>
-              </a:ext>
-            </a:extLst>
-          </p:cNvPr>
-          <p:cNvSpPr>
-            <a:spLocks noGrp="1"/>
-          </p:cNvSpPr>
-          <p:nvPr>
-            <p:ph idx="1"/>
-          </p:nvPr>
-        </p:nvSpPr>
-        <p:spPr/>
-        <p:txBody>
-          <a:bodyPr/>
-          <a:lstStyle/>
-          <a:p>
-            <a:pPr marL="0" indent="0">
-              <a:buNone/>
-            </a:pPr>
-            <a:r>
-              <a:rPr lang="en-US" sz="2000" b="1" dirty="0" err="1"/>
-              <a:t>Beispiel</a:t>
-            </a:r>
-            <a:r>
-              <a:rPr lang="en-US" sz="2000" b="1" dirty="0"/>
-              <a:t>: Docker-in-Docker Container Image (</a:t>
-            </a:r>
-            <a:r>
-              <a:rPr lang="en-US" sz="2000" b="1" dirty="0">
-                <a:solidFill>
-                  <a:srgbClr val="0249FC"/>
-                </a:solidFill>
-              </a:rPr>
-              <a:t>Container Registry</a:t>
-            </a:r>
-            <a:r>
-              <a:rPr lang="en-US" sz="2000" b="1" dirty="0"/>
-              <a:t>)</a:t>
-            </a:r>
-          </a:p>
-          <a:p>
-            <a:pPr marL="0" indent="0">
-              <a:buNone/>
-            </a:pPr>
-            <a:r>
-              <a:rPr lang="en-US" sz="1800" dirty="0">
-                <a:latin typeface="Consolas" panose="020B0609020204030204" pitchFamily="49" charset="0"/>
-              </a:rPr>
-              <a:t>.</a:t>
-            </a:r>
-            <a:r>
-              <a:rPr lang="en-US" sz="1800" dirty="0" err="1">
-                <a:latin typeface="Consolas" panose="020B0609020204030204" pitchFamily="49" charset="0"/>
-              </a:rPr>
-              <a:t>gitlab-ci.yml</a:t>
-            </a:r>
-            <a:endParaRPr lang="en-US" sz="1800" dirty="0">
-              <a:latin typeface="Consolas" panose="020B0609020204030204" pitchFamily="49" charset="0"/>
-            </a:endParaRPr>
-          </a:p>
-          <a:p>
-            <a:pPr marL="0" marR="0" lvl="0" indent="0" algn="l" defTabSz="914400" rtl="0" eaLnBrk="1" fontAlgn="base" latinLnBrk="0" hangingPunct="1">
-              <a:lnSpc>
-                <a:spcPct val="100000"/>
-              </a:lnSpc>
-              <a:spcBef>
-                <a:spcPct val="20000"/>
-              </a:spcBef>
-              <a:spcAft>
-                <a:spcPct val="0"/>
-              </a:spcAft>
-              <a:buClr>
-                <a:srgbClr val="008C5A"/>
-              </a:buClr>
-              <a:buSzTx/>
-              <a:buFont typeface="Monotype Sorts" pitchFamily="2" charset="2"/>
-              <a:buNone/>
-              <a:tabLst/>
-              <a:defRPr/>
-            </a:pPr>
-            <a:r>
-              <a:rPr kumimoji="0" lang="en-US" sz="1400" b="0" i="0" u="none" strike="noStrike" kern="0" cap="none" spc="0" normalizeH="0" baseline="0" noProof="0" dirty="0">
-                <a:ln>
-                  <a:noFill/>
-                </a:ln>
-                <a:solidFill>
-                  <a:srgbClr val="000000"/>
-                </a:solidFill>
-                <a:effectLst/>
-                <a:uLnTx/>
-                <a:uFillTx/>
-                <a:latin typeface="Consolas" panose="020B0609020204030204" pitchFamily="49" charset="0"/>
-                <a:ea typeface="+mn-ea"/>
-                <a:cs typeface="+mn-cs"/>
-              </a:rPr>
-              <a:t>build:</a:t>
-            </a:r>
-          </a:p>
-          <a:p>
-            <a:pPr marL="0" marR="0" lvl="0" indent="0" algn="l" defTabSz="914400" rtl="0" eaLnBrk="1" fontAlgn="base" latinLnBrk="0" hangingPunct="1">
-              <a:lnSpc>
-                <a:spcPct val="100000"/>
-              </a:lnSpc>
-              <a:spcBef>
-                <a:spcPct val="20000"/>
-              </a:spcBef>
-              <a:spcAft>
-                <a:spcPct val="0"/>
-              </a:spcAft>
-              <a:buClr>
-                <a:srgbClr val="008C5A"/>
-              </a:buClr>
-              <a:buSzTx/>
-              <a:buFont typeface="Monotype Sorts" pitchFamily="2" charset="2"/>
-              <a:buNone/>
-              <a:tabLst/>
-              <a:defRPr/>
-            </a:pPr>
-            <a:r>
-              <a:rPr kumimoji="0" lang="en-US" sz="1400" b="0" i="0" u="none" strike="noStrike" kern="0" cap="none" spc="0" normalizeH="0" baseline="0" noProof="0" dirty="0">
-                <a:ln>
-                  <a:noFill/>
-                </a:ln>
-                <a:solidFill>
-                  <a:srgbClr val="FF0000"/>
-                </a:solidFill>
-                <a:effectLst/>
-                <a:uLnTx/>
-                <a:uFillTx/>
-                <a:latin typeface="Consolas" panose="020B0609020204030204" pitchFamily="49" charset="0"/>
-                <a:ea typeface="+mn-ea"/>
-                <a:cs typeface="+mn-cs"/>
-              </a:rPr>
-              <a:t>  image</a:t>
-            </a:r>
-            <a:r>
-              <a:rPr kumimoji="0" lang="en-US" sz="1400" b="0" i="0" u="none" strike="noStrike" kern="0" cap="none" spc="0" normalizeH="0" baseline="0" noProof="0" dirty="0">
-                <a:ln>
-                  <a:noFill/>
-                </a:ln>
-                <a:solidFill>
-                  <a:srgbClr val="000000"/>
-                </a:solidFill>
-                <a:effectLst/>
-                <a:uLnTx/>
-                <a:uFillTx/>
-                <a:latin typeface="Consolas" panose="020B0609020204030204" pitchFamily="49" charset="0"/>
-                <a:ea typeface="+mn-ea"/>
-                <a:cs typeface="+mn-cs"/>
-              </a:rPr>
-              <a:t>: </a:t>
-            </a:r>
-            <a:r>
-              <a:rPr kumimoji="0" lang="en-US" sz="1400" b="0" i="0" u="none" strike="noStrike" kern="0" cap="none" spc="0" normalizeH="0" baseline="0" noProof="0" dirty="0">
-                <a:ln>
-                  <a:noFill/>
-                </a:ln>
-                <a:solidFill>
-                  <a:srgbClr val="0249FC"/>
-                </a:solidFill>
-                <a:effectLst/>
-                <a:uLnTx/>
-                <a:uFillTx/>
-                <a:latin typeface="Consolas" panose="020B0609020204030204" pitchFamily="49" charset="0"/>
-                <a:ea typeface="+mn-ea"/>
-                <a:cs typeface="+mn-cs"/>
-              </a:rPr>
-              <a:t>$CI_REGISTRY</a:t>
-            </a:r>
-            <a:r>
-              <a:rPr kumimoji="0" lang="en-US" sz="1400" b="0" i="0" u="none" strike="noStrike" kern="0" cap="none" spc="0" normalizeH="0" baseline="0" noProof="0" dirty="0">
-                <a:ln>
-                  <a:noFill/>
-                </a:ln>
-                <a:solidFill>
-                  <a:srgbClr val="000000"/>
-                </a:solidFill>
-                <a:effectLst/>
-                <a:uLnTx/>
-                <a:uFillTx/>
-                <a:latin typeface="Consolas" panose="020B0609020204030204" pitchFamily="49" charset="0"/>
-                <a:ea typeface="+mn-ea"/>
-                <a:cs typeface="+mn-cs"/>
-              </a:rPr>
-              <a:t>/group/project/docker:20.10.16</a:t>
-            </a:r>
-          </a:p>
-          <a:p>
-            <a:pPr marL="0" marR="0" lvl="0" indent="0" algn="l" defTabSz="914400" rtl="0" eaLnBrk="1" fontAlgn="base" latinLnBrk="0" hangingPunct="1">
-              <a:lnSpc>
-                <a:spcPct val="100000"/>
-              </a:lnSpc>
-              <a:spcBef>
-                <a:spcPct val="20000"/>
-              </a:spcBef>
-              <a:spcAft>
-                <a:spcPct val="0"/>
-              </a:spcAft>
-              <a:buClr>
-                <a:srgbClr val="008C5A"/>
-              </a:buClr>
-              <a:buSzTx/>
-              <a:buFont typeface="Monotype Sorts" pitchFamily="2" charset="2"/>
-              <a:buNone/>
-              <a:tabLst/>
-              <a:defRPr/>
-            </a:pPr>
-            <a:r>
-              <a:rPr kumimoji="0" lang="en-US" sz="1400" b="0" i="0" u="none" strike="noStrike" kern="0" cap="none" spc="0" normalizeH="0" baseline="0" noProof="0" dirty="0">
-                <a:ln>
-                  <a:noFill/>
-                </a:ln>
-                <a:solidFill>
-                  <a:srgbClr val="000000"/>
-                </a:solidFill>
-                <a:effectLst/>
-                <a:uLnTx/>
-                <a:uFillTx/>
-                <a:latin typeface="Consolas" panose="020B0609020204030204" pitchFamily="49" charset="0"/>
-                <a:ea typeface="+mn-ea"/>
-                <a:cs typeface="+mn-cs"/>
-              </a:rPr>
-              <a:t>  </a:t>
-            </a:r>
-            <a:r>
-              <a:rPr kumimoji="0" lang="en-US" sz="1400" b="0" i="0" u="none" strike="noStrike" kern="0" cap="none" spc="0" normalizeH="0" baseline="0" noProof="0" dirty="0">
-                <a:ln>
-                  <a:noFill/>
-                </a:ln>
-                <a:solidFill>
-                  <a:srgbClr val="FF0000"/>
-                </a:solidFill>
-                <a:effectLst/>
-                <a:uLnTx/>
-                <a:uFillTx/>
-                <a:latin typeface="Consolas" panose="020B0609020204030204" pitchFamily="49" charset="0"/>
-                <a:ea typeface="+mn-ea"/>
-                <a:cs typeface="+mn-cs"/>
-              </a:rPr>
-              <a:t>services</a:t>
-            </a:r>
-            <a:r>
-              <a:rPr kumimoji="0" lang="en-US" sz="1400" b="0" i="0" u="none" strike="noStrike" kern="0" cap="none" spc="0" normalizeH="0" baseline="0" noProof="0" dirty="0">
-                <a:ln>
-                  <a:noFill/>
-                </a:ln>
-                <a:solidFill>
-                  <a:srgbClr val="000000"/>
-                </a:solidFill>
-                <a:effectLst/>
-                <a:uLnTx/>
-                <a:uFillTx/>
-                <a:latin typeface="Consolas" panose="020B0609020204030204" pitchFamily="49" charset="0"/>
-                <a:ea typeface="+mn-ea"/>
-                <a:cs typeface="+mn-cs"/>
-              </a:rPr>
-              <a:t>:</a:t>
-            </a:r>
-          </a:p>
-          <a:p>
-            <a:pPr marL="0" marR="0" lvl="0" indent="0" algn="l" defTabSz="914400" rtl="0" eaLnBrk="1" fontAlgn="base" latinLnBrk="0" hangingPunct="1">
-              <a:lnSpc>
-                <a:spcPct val="100000"/>
-              </a:lnSpc>
-              <a:spcBef>
-                <a:spcPct val="20000"/>
-              </a:spcBef>
-              <a:spcAft>
-                <a:spcPct val="0"/>
-              </a:spcAft>
-              <a:buClr>
-                <a:srgbClr val="008C5A"/>
-              </a:buClr>
-              <a:buSzTx/>
-              <a:buFont typeface="Monotype Sorts" pitchFamily="2" charset="2"/>
-              <a:buNone/>
-              <a:tabLst/>
-              <a:defRPr/>
-            </a:pPr>
-            <a:r>
-              <a:rPr kumimoji="0" lang="en-US" sz="1400" b="0" i="0" u="none" strike="noStrike" kern="0" cap="none" spc="0" normalizeH="0" baseline="0" noProof="0" dirty="0">
-                <a:ln>
-                  <a:noFill/>
-                </a:ln>
-                <a:solidFill>
-                  <a:srgbClr val="000000"/>
-                </a:solidFill>
-                <a:effectLst/>
-                <a:uLnTx/>
-                <a:uFillTx/>
-                <a:latin typeface="Consolas" panose="020B0609020204030204" pitchFamily="49" charset="0"/>
-                <a:ea typeface="+mn-ea"/>
-                <a:cs typeface="+mn-cs"/>
-              </a:rPr>
-              <a:t>    - name: </a:t>
-            </a:r>
-            <a:r>
-              <a:rPr kumimoji="0" lang="en-US" sz="1400" b="0" i="0" u="none" strike="noStrike" kern="0" cap="none" spc="0" normalizeH="0" baseline="0" noProof="0" dirty="0">
-                <a:ln>
-                  <a:noFill/>
-                </a:ln>
-                <a:solidFill>
-                  <a:srgbClr val="0249FC"/>
-                </a:solidFill>
-                <a:effectLst/>
-                <a:uLnTx/>
-                <a:uFillTx/>
-                <a:latin typeface="Consolas" panose="020B0609020204030204" pitchFamily="49" charset="0"/>
-                <a:ea typeface="+mn-ea"/>
-                <a:cs typeface="+mn-cs"/>
-              </a:rPr>
-              <a:t>$CI_REGISTRY</a:t>
-            </a:r>
-            <a:r>
-              <a:rPr kumimoji="0" lang="en-US" sz="1400" b="0" i="0" u="none" strike="noStrike" kern="0" cap="none" spc="0" normalizeH="0" baseline="0" noProof="0" dirty="0">
-                <a:ln>
-                  <a:noFill/>
-                </a:ln>
-                <a:solidFill>
-                  <a:srgbClr val="000000"/>
-                </a:solidFill>
-                <a:effectLst/>
-                <a:uLnTx/>
-                <a:uFillTx/>
-                <a:latin typeface="Consolas" panose="020B0609020204030204" pitchFamily="49" charset="0"/>
-                <a:ea typeface="+mn-ea"/>
-                <a:cs typeface="+mn-cs"/>
-              </a:rPr>
-              <a:t>/group/project/docker:20.10.16-dind</a:t>
-            </a:r>
-          </a:p>
-          <a:p>
-            <a:pPr marL="0" marR="0" lvl="0" indent="0" algn="l" defTabSz="914400" rtl="0" eaLnBrk="1" fontAlgn="base" latinLnBrk="0" hangingPunct="1">
-              <a:lnSpc>
-                <a:spcPct val="100000"/>
-              </a:lnSpc>
-              <a:spcBef>
-                <a:spcPct val="20000"/>
-              </a:spcBef>
-              <a:spcAft>
-                <a:spcPct val="0"/>
-              </a:spcAft>
-              <a:buClr>
-                <a:srgbClr val="008C5A"/>
-              </a:buClr>
-              <a:buSzTx/>
-              <a:buFont typeface="Monotype Sorts" pitchFamily="2" charset="2"/>
-              <a:buNone/>
-              <a:tabLst/>
-              <a:defRPr/>
-            </a:pPr>
-            <a:r>
-              <a:rPr kumimoji="0" lang="en-US" sz="1400" b="0" i="0" u="none" strike="noStrike" kern="0" cap="none" spc="0" normalizeH="0" baseline="0" noProof="0" dirty="0">
-                <a:ln>
-                  <a:noFill/>
-                </a:ln>
-                <a:solidFill>
-                  <a:srgbClr val="000000"/>
-                </a:solidFill>
-                <a:effectLst/>
-                <a:uLnTx/>
-                <a:uFillTx/>
-                <a:latin typeface="Consolas" panose="020B0609020204030204" pitchFamily="49" charset="0"/>
-                <a:ea typeface="+mn-ea"/>
-                <a:cs typeface="+mn-cs"/>
-              </a:rPr>
-              <a:t>      </a:t>
-            </a:r>
-            <a:r>
-              <a:rPr kumimoji="0" lang="en-US" sz="1400" b="0" i="0" u="none" strike="noStrike" kern="0" cap="none" spc="0" normalizeH="0" baseline="0" noProof="0" dirty="0">
-                <a:ln>
-                  <a:noFill/>
-                </a:ln>
-                <a:solidFill>
-                  <a:srgbClr val="FF0000"/>
-                </a:solidFill>
-                <a:effectLst/>
-                <a:uLnTx/>
-                <a:uFillTx/>
-                <a:latin typeface="Consolas" panose="020B0609020204030204" pitchFamily="49" charset="0"/>
-                <a:ea typeface="+mn-ea"/>
-                <a:cs typeface="+mn-cs"/>
-              </a:rPr>
-              <a:t>alias</a:t>
-            </a:r>
-            <a:r>
-              <a:rPr kumimoji="0" lang="en-US" sz="1400" b="0" i="0" u="none" strike="noStrike" kern="0" cap="none" spc="0" normalizeH="0" baseline="0" noProof="0" dirty="0">
-                <a:ln>
-                  <a:noFill/>
-                </a:ln>
-                <a:solidFill>
-                  <a:srgbClr val="000000"/>
-                </a:solidFill>
-                <a:effectLst/>
-                <a:uLnTx/>
-                <a:uFillTx/>
-                <a:latin typeface="Consolas" panose="020B0609020204030204" pitchFamily="49" charset="0"/>
-                <a:ea typeface="+mn-ea"/>
-                <a:cs typeface="+mn-cs"/>
-              </a:rPr>
-              <a:t>: docker</a:t>
-            </a:r>
-          </a:p>
-          <a:p>
-            <a:pPr marL="0" marR="0" lvl="0" indent="0" algn="l" defTabSz="914400" rtl="0" eaLnBrk="1" fontAlgn="base" latinLnBrk="0" hangingPunct="1">
-              <a:lnSpc>
-                <a:spcPct val="100000"/>
-              </a:lnSpc>
-              <a:spcBef>
-                <a:spcPct val="20000"/>
-              </a:spcBef>
-              <a:spcAft>
-                <a:spcPct val="0"/>
-              </a:spcAft>
-              <a:buClr>
-                <a:srgbClr val="008C5A"/>
-              </a:buClr>
-              <a:buSzTx/>
-              <a:buFont typeface="Monotype Sorts" pitchFamily="2" charset="2"/>
-              <a:buNone/>
-              <a:tabLst/>
-              <a:defRPr/>
-            </a:pPr>
-            <a:r>
-              <a:rPr kumimoji="0" lang="en-US" sz="1400" b="0" i="0" u="none" strike="noStrike" kern="0" cap="none" spc="0" normalizeH="0" baseline="0" noProof="0" dirty="0">
-                <a:ln>
-                  <a:noFill/>
-                </a:ln>
-                <a:solidFill>
-                  <a:srgbClr val="000000"/>
-                </a:solidFill>
-                <a:effectLst/>
-                <a:uLnTx/>
-                <a:uFillTx/>
-                <a:latin typeface="Consolas" panose="020B0609020204030204" pitchFamily="49" charset="0"/>
-                <a:ea typeface="+mn-ea"/>
-                <a:cs typeface="+mn-cs"/>
-              </a:rPr>
-              <a:t>  stage: build</a:t>
-            </a:r>
-          </a:p>
-          <a:p>
-            <a:pPr marL="0" marR="0" lvl="0" indent="0" algn="l" defTabSz="914400" rtl="0" eaLnBrk="1" fontAlgn="base" latinLnBrk="0" hangingPunct="1">
-              <a:lnSpc>
-                <a:spcPct val="100000"/>
-              </a:lnSpc>
-              <a:spcBef>
-                <a:spcPct val="20000"/>
-              </a:spcBef>
-              <a:spcAft>
-                <a:spcPct val="0"/>
-              </a:spcAft>
-              <a:buClr>
-                <a:srgbClr val="008C5A"/>
-              </a:buClr>
-              <a:buSzTx/>
-              <a:buFont typeface="Monotype Sorts" pitchFamily="2" charset="2"/>
-              <a:buNone/>
-              <a:tabLst/>
-              <a:defRPr/>
-            </a:pPr>
-            <a:r>
-              <a:rPr kumimoji="0" lang="en-US" sz="1400" b="0" i="0" u="none" strike="noStrike" kern="0" cap="none" spc="0" normalizeH="0" baseline="0" noProof="0" dirty="0">
-                <a:ln>
-                  <a:noFill/>
-                </a:ln>
-                <a:solidFill>
-                  <a:srgbClr val="000000"/>
-                </a:solidFill>
-                <a:effectLst/>
-                <a:uLnTx/>
-                <a:uFillTx/>
-                <a:latin typeface="Consolas" panose="020B0609020204030204" pitchFamily="49" charset="0"/>
-                <a:ea typeface="+mn-ea"/>
-                <a:cs typeface="+mn-cs"/>
-              </a:rPr>
-              <a:t>  script:</a:t>
-            </a:r>
-          </a:p>
-          <a:p>
-            <a:pPr marL="0" marR="0" lvl="0" indent="0" algn="l" defTabSz="914400" rtl="0" eaLnBrk="1" fontAlgn="base" latinLnBrk="0" hangingPunct="1">
-              <a:lnSpc>
-                <a:spcPct val="100000"/>
-              </a:lnSpc>
-              <a:spcBef>
-                <a:spcPct val="20000"/>
-              </a:spcBef>
-              <a:spcAft>
-                <a:spcPct val="0"/>
-              </a:spcAft>
-              <a:buClr>
-                <a:srgbClr val="008C5A"/>
-              </a:buClr>
-              <a:buSzTx/>
-              <a:buFont typeface="Monotype Sorts" pitchFamily="2" charset="2"/>
-              <a:buNone/>
-              <a:tabLst/>
-              <a:defRPr/>
-            </a:pPr>
-            <a:r>
-              <a:rPr kumimoji="0" lang="en-US" sz="1400" b="0" i="0" u="none" strike="noStrike" kern="0" cap="none" spc="0" normalizeH="0" baseline="0" noProof="0" dirty="0">
-                <a:ln>
-                  <a:noFill/>
-                </a:ln>
-                <a:solidFill>
-                  <a:srgbClr val="000000"/>
-                </a:solidFill>
-                <a:effectLst/>
-                <a:uLnTx/>
-                <a:uFillTx/>
-                <a:latin typeface="Consolas" panose="020B0609020204030204" pitchFamily="49" charset="0"/>
-                <a:ea typeface="+mn-ea"/>
-                <a:cs typeface="+mn-cs"/>
-              </a:rPr>
-              <a:t>    - docker build -t my-docker-image .</a:t>
-            </a:r>
-          </a:p>
-          <a:p>
-            <a:pPr marL="0" marR="0" lvl="0" indent="0" algn="l" defTabSz="914400" rtl="0" eaLnBrk="1" fontAlgn="base" latinLnBrk="0" hangingPunct="1">
-              <a:lnSpc>
-                <a:spcPct val="100000"/>
-              </a:lnSpc>
-              <a:spcBef>
-                <a:spcPct val="20000"/>
-              </a:spcBef>
-              <a:spcAft>
-                <a:spcPct val="0"/>
-              </a:spcAft>
-              <a:buClr>
-                <a:srgbClr val="008C5A"/>
-              </a:buClr>
-              <a:buSzTx/>
-              <a:buFont typeface="Monotype Sorts" pitchFamily="2" charset="2"/>
-              <a:buNone/>
-              <a:tabLst/>
-              <a:defRPr/>
-            </a:pPr>
-            <a:r>
-              <a:rPr kumimoji="0" lang="en-US" sz="1400" b="0" i="0" u="none" strike="noStrike" kern="0" cap="none" spc="0" normalizeH="0" baseline="0" noProof="0" dirty="0">
-                <a:ln>
-                  <a:noFill/>
-                </a:ln>
-                <a:solidFill>
-                  <a:srgbClr val="000000"/>
-                </a:solidFill>
-                <a:effectLst/>
-                <a:uLnTx/>
-                <a:uFillTx/>
-                <a:latin typeface="Consolas" panose="020B0609020204030204" pitchFamily="49" charset="0"/>
-                <a:ea typeface="+mn-ea"/>
-                <a:cs typeface="+mn-cs"/>
-              </a:rPr>
-              <a:t>    - docker run my-docker-image /script/to/run/tests</a:t>
-            </a:r>
-          </a:p>
-          <a:p>
-            <a:pPr marL="0" indent="0">
-              <a:buNone/>
-            </a:pPr>
-            <a:endParaRPr lang="en-US" sz="1400" dirty="0">
-              <a:latin typeface="Consolas" panose="020B0609020204030204" pitchFamily="49" charset="0"/>
-            </a:endParaRPr>
-          </a:p>
-          <a:p>
-            <a:pPr>
-              <a:buFont typeface="Arial" panose="020B0604020202020204" pitchFamily="34" charset="0"/>
-              <a:buChar char="•"/>
-            </a:pPr>
-            <a:r>
-              <a:rPr lang="en-US" sz="1800" dirty="0" err="1">
-                <a:latin typeface="+mj-lt"/>
-              </a:rPr>
-              <a:t>Ohne</a:t>
-            </a:r>
-            <a:r>
-              <a:rPr lang="en-US" sz="1800" dirty="0">
-                <a:latin typeface="+mj-lt"/>
-              </a:rPr>
-              <a:t> </a:t>
-            </a:r>
-            <a:r>
-              <a:rPr lang="en-US" sz="1800" dirty="0">
-                <a:solidFill>
-                  <a:srgbClr val="FF0000"/>
-                </a:solidFill>
-                <a:latin typeface="+mj-lt"/>
-              </a:rPr>
-              <a:t>service alias </a:t>
-            </a:r>
-            <a:r>
-              <a:rPr lang="en-US" sz="1800" dirty="0" err="1">
-                <a:latin typeface="+mj-lt"/>
-              </a:rPr>
-              <a:t>kann</a:t>
-            </a:r>
-            <a:r>
-              <a:rPr lang="en-US" sz="1800" dirty="0">
-                <a:latin typeface="+mj-lt"/>
-              </a:rPr>
-              <a:t> das Container Image den </a:t>
-            </a:r>
-            <a:r>
-              <a:rPr lang="en-US" sz="1800" dirty="0" err="1">
-                <a:latin typeface="Consolas" panose="020B0609020204030204" pitchFamily="49" charset="0"/>
-              </a:rPr>
-              <a:t>dind</a:t>
-            </a:r>
-            <a:r>
-              <a:rPr lang="en-US" sz="1800" dirty="0">
-                <a:latin typeface="+mj-lt"/>
-              </a:rPr>
-              <a:t> service </a:t>
-            </a:r>
-            <a:r>
-              <a:rPr lang="en-US" sz="1800" dirty="0" err="1">
-                <a:latin typeface="+mj-lt"/>
-              </a:rPr>
-              <a:t>nicht</a:t>
-            </a:r>
-            <a:r>
-              <a:rPr lang="en-US" sz="1800" dirty="0">
-                <a:latin typeface="+mj-lt"/>
-              </a:rPr>
-              <a:t> </a:t>
-            </a:r>
-            <a:r>
-              <a:rPr lang="en-US" sz="1800" dirty="0" err="1">
-                <a:latin typeface="+mj-lt"/>
-              </a:rPr>
-              <a:t>finden</a:t>
-            </a:r>
-            <a:r>
-              <a:rPr lang="en-US" sz="1800" dirty="0">
-                <a:latin typeface="+mj-lt"/>
-              </a:rPr>
-              <a:t> und </a:t>
-            </a:r>
-            <a:r>
-              <a:rPr lang="en-US" sz="1800" dirty="0" err="1">
-                <a:latin typeface="+mj-lt"/>
-              </a:rPr>
-              <a:t>folgende</a:t>
-            </a:r>
-            <a:r>
-              <a:rPr lang="en-US" sz="1800" dirty="0">
-                <a:latin typeface="+mj-lt"/>
-              </a:rPr>
-              <a:t> </a:t>
-            </a:r>
-            <a:r>
-              <a:rPr lang="en-US" sz="1800" dirty="0" err="1">
-                <a:latin typeface="+mj-lt"/>
-              </a:rPr>
-              <a:t>Fehlermeldung</a:t>
-            </a:r>
-            <a:r>
-              <a:rPr lang="en-US" sz="1800" dirty="0">
-                <a:latin typeface="+mj-lt"/>
-              </a:rPr>
-              <a:t> </a:t>
-            </a:r>
-            <a:r>
-              <a:rPr lang="en-US" sz="1800" dirty="0" err="1">
-                <a:latin typeface="+mj-lt"/>
-              </a:rPr>
-              <a:t>erscheint</a:t>
-            </a:r>
-            <a:r>
-              <a:rPr lang="en-US" sz="1800" dirty="0">
-                <a:latin typeface="+mj-lt"/>
-              </a:rPr>
-              <a:t>:</a:t>
-            </a:r>
-          </a:p>
-          <a:p>
-            <a:pPr lvl="1">
-              <a:buFont typeface="Arial" panose="020B0604020202020204" pitchFamily="34" charset="0"/>
-              <a:buChar char="•"/>
-            </a:pPr>
-            <a:r>
-              <a:rPr lang="en-US" sz="1400" dirty="0">
-                <a:latin typeface="Consolas" panose="020B0609020204030204" pitchFamily="49" charset="0"/>
-              </a:rPr>
-              <a:t>error during connect: Get http://docker:2376/v1.39/info: dial </a:t>
-            </a:r>
-            <a:r>
-              <a:rPr lang="en-US" sz="1400" dirty="0" err="1">
-                <a:latin typeface="Consolas" panose="020B0609020204030204" pitchFamily="49" charset="0"/>
-              </a:rPr>
-              <a:t>tcp</a:t>
-            </a:r>
-            <a:r>
-              <a:rPr lang="en-US" sz="1400" dirty="0">
-                <a:latin typeface="Consolas" panose="020B0609020204030204" pitchFamily="49" charset="0"/>
-              </a:rPr>
-              <a:t>: lookup docker on 192.168.0.1:53: no such host</a:t>
-            </a:r>
-          </a:p>
-          <a:p>
-            <a:pPr lvl="1">
-              <a:buFont typeface="Arial" panose="020B0604020202020204" pitchFamily="34" charset="0"/>
-              <a:buChar char="•"/>
-            </a:pPr>
-            <a:endParaRPr lang="en-US" sz="1400" dirty="0">
-              <a:latin typeface="Consolas" panose="020B0609020204030204" pitchFamily="49" charset="0"/>
-            </a:endParaRPr>
-          </a:p>
-          <a:p>
-            <a:pPr lvl="1">
-              <a:buFont typeface="Arial" panose="020B0604020202020204" pitchFamily="34" charset="0"/>
-              <a:buChar char="•"/>
-            </a:pPr>
-            <a:endParaRPr lang="en-US" sz="1400" dirty="0">
-              <a:latin typeface="Consolas" panose="020B0609020204030204" pitchFamily="49" charset="0"/>
-            </a:endParaRPr>
-          </a:p>
-        </p:txBody>
-      </p:sp>
-    </p:spTree>
-    <p:extLst>
-      <p:ext uri="{BB962C8B-B14F-4D97-AF65-F5344CB8AC3E}">
-        <p14:creationId xmlns:p14="http://schemas.microsoft.com/office/powerpoint/2010/main" val="1566046787"/>
-      </p:ext>
-    </p:extLst>
-  </p:cSld>
-  <p:clrMapOvr>
-    <a:masterClrMapping/>
-  </p:clrMapOvr>
-</p:sld>
-</file>
-
-<file path=ppt/slides/slide29.xml><?xml version="1.0" encoding="utf-8"?>
-<p:sld xmlns:a="http://schemas.openxmlformats.org/drawingml/2006/main" xmlns:r="http://schemas.openxmlformats.org/officeDocument/2006/relationships" xmlns:p="http://schemas.openxmlformats.org/presentationml/2006/main">
-  <p:cSld>
-    <p:spTree>
-      <p:nvGrpSpPr>
-        <p:cNvPr id="1" name=""/>
-        <p:cNvGrpSpPr/>
-        <p:nvPr/>
-      </p:nvGrpSpPr>
-      <p:grpSpPr>
-        <a:xfrm>
-          <a:off x="0" y="0"/>
-          <a:ext cx="0" cy="0"/>
-          <a:chOff x="0" y="0"/>
-          <a:chExt cx="0" cy="0"/>
-        </a:xfrm>
-      </p:grpSpPr>
-      <p:sp>
-        <p:nvSpPr>
-          <p:cNvPr id="2" name="Titel 1">
-            <a:extLst>
-              <a:ext uri="{FF2B5EF4-FFF2-40B4-BE49-F238E27FC236}">
-                <a16:creationId xmlns:a16="http://schemas.microsoft.com/office/drawing/2014/main" id="{DB1F447C-2F61-B060-8EFE-D98620927A6E}"/>
-              </a:ext>
-            </a:extLst>
-          </p:cNvPr>
-          <p:cNvSpPr>
-            <a:spLocks noGrp="1"/>
-          </p:cNvSpPr>
-          <p:nvPr>
-            <p:ph type="title"/>
-          </p:nvPr>
-        </p:nvSpPr>
-        <p:spPr/>
-        <p:txBody>
-          <a:bodyPr/>
-          <a:lstStyle/>
-          <a:p>
-            <a:r>
-              <a:rPr lang="de-DE" cap="none" dirty="0"/>
-              <a:t>Release- und </a:t>
-            </a:r>
-            <a:r>
-              <a:rPr lang="de-DE" cap="none" dirty="0" err="1"/>
-              <a:t>Tagged</a:t>
-            </a:r>
-            <a:r>
-              <a:rPr lang="de-DE" cap="none" dirty="0"/>
-              <a:t>-Images</a:t>
-            </a:r>
-            <a:endParaRPr lang="de-DE" dirty="0"/>
-          </a:p>
-        </p:txBody>
-      </p:sp>
-      <p:sp>
-        <p:nvSpPr>
-          <p:cNvPr id="3" name="Inhaltsplatzhalter 2">
-            <a:extLst>
-              <a:ext uri="{FF2B5EF4-FFF2-40B4-BE49-F238E27FC236}">
-                <a16:creationId xmlns:a16="http://schemas.microsoft.com/office/drawing/2014/main" id="{68EC2247-CA50-F34D-5B3B-2171A8AD687B}"/>
-              </a:ext>
-            </a:extLst>
-          </p:cNvPr>
-          <p:cNvSpPr>
-            <a:spLocks noGrp="1"/>
-          </p:cNvSpPr>
-          <p:nvPr>
-            <p:ph idx="1"/>
-          </p:nvPr>
-        </p:nvSpPr>
-        <p:spPr/>
-        <p:txBody>
-          <a:bodyPr/>
-          <a:lstStyle/>
-          <a:p>
-            <a:pPr marL="0" indent="0">
-              <a:buNone/>
-            </a:pPr>
-            <a:r>
-              <a:rPr lang="de-DE" b="1" dirty="0" err="1"/>
-              <a:t>Dependency</a:t>
-            </a:r>
-            <a:r>
-              <a:rPr lang="de-DE" b="1" dirty="0"/>
-              <a:t> Proxy</a:t>
-            </a:r>
-          </a:p>
-          <a:p>
-            <a:pPr>
-              <a:buFont typeface="Arial" panose="020B0604020202020204" pitchFamily="34" charset="0"/>
-              <a:buChar char="•"/>
-            </a:pPr>
-            <a:r>
-              <a:rPr lang="de-DE" sz="2000" dirty="0"/>
-              <a:t>Lokaler Proxy</a:t>
-            </a:r>
-          </a:p>
-          <a:p>
-            <a:pPr lvl="1">
-              <a:buFont typeface="Arial" panose="020B0604020202020204" pitchFamily="34" charset="0"/>
-              <a:buChar char="•"/>
-            </a:pPr>
-            <a:r>
-              <a:rPr lang="de-DE" sz="1800" dirty="0"/>
-              <a:t>Genutzt für häufig genutzte Upstream-Images</a:t>
-            </a:r>
-          </a:p>
-          <a:p>
-            <a:pPr lvl="1">
-              <a:buFont typeface="Arial" panose="020B0604020202020204" pitchFamily="34" charset="0"/>
-              <a:buChar char="•"/>
-            </a:pPr>
-            <a:r>
-              <a:rPr lang="de-DE" sz="1800" dirty="0"/>
-              <a:t>Agiert als pull </a:t>
-            </a:r>
-            <a:r>
-              <a:rPr lang="de-DE" sz="1800" dirty="0" err="1"/>
-              <a:t>through</a:t>
-            </a:r>
-            <a:r>
-              <a:rPr lang="de-DE" sz="1800" dirty="0"/>
-              <a:t> </a:t>
-            </a:r>
-            <a:r>
-              <a:rPr lang="de-DE" sz="1800" dirty="0" err="1"/>
-              <a:t>cache</a:t>
-            </a:r>
-            <a:r>
-              <a:rPr lang="de-DE" sz="1800" dirty="0"/>
-              <a:t> für </a:t>
-            </a:r>
-            <a:r>
-              <a:rPr lang="de-DE" sz="1800" dirty="0" err="1"/>
-              <a:t>DockerHub</a:t>
-            </a:r>
-            <a:endParaRPr lang="de-DE" sz="1800" dirty="0"/>
-          </a:p>
-          <a:p>
-            <a:pPr lvl="1">
-              <a:buFont typeface="Arial" panose="020B0604020202020204" pitchFamily="34" charset="0"/>
-              <a:buChar char="•"/>
-            </a:pPr>
-            <a:r>
-              <a:rPr lang="de-DE" sz="1800" dirty="0"/>
-              <a:t>Aus Sicht des Docker Clients: Einfach eine weitere Registry</a:t>
-            </a:r>
-          </a:p>
-          <a:p>
-            <a:pPr>
-              <a:buFont typeface="Arial" panose="020B0604020202020204" pitchFamily="34" charset="0"/>
-              <a:buChar char="•"/>
-            </a:pPr>
-            <a:r>
-              <a:rPr lang="de-DE" sz="2000" dirty="0"/>
-              <a:t>Docker Hub rate </a:t>
-            </a:r>
-            <a:r>
-              <a:rPr lang="de-DE" sz="2000" dirty="0" err="1"/>
-              <a:t>limiting</a:t>
-            </a:r>
-            <a:endParaRPr lang="de-DE" sz="2000" dirty="0"/>
-          </a:p>
-          <a:p>
-            <a:pPr lvl="1">
-              <a:buFont typeface="Arial" panose="020B0604020202020204" pitchFamily="34" charset="0"/>
-              <a:buChar char="•"/>
-            </a:pPr>
-            <a:r>
-              <a:rPr lang="de-DE" sz="1800" dirty="0">
-                <a:hlinkClick r:id="rId3"/>
-              </a:rPr>
-              <a:t>https://docs.docker.com/docker-hub/download-rate-limit/</a:t>
-            </a:r>
-            <a:r>
-              <a:rPr lang="de-DE" sz="1800" dirty="0"/>
-              <a:t> </a:t>
-            </a:r>
-          </a:p>
-          <a:p>
-            <a:pPr lvl="1">
-              <a:buFont typeface="Arial" panose="020B0604020202020204" pitchFamily="34" charset="0"/>
-              <a:buChar char="•"/>
-            </a:pPr>
-            <a:r>
-              <a:rPr lang="de-DE" sz="1800" dirty="0"/>
-              <a:t>Begrenzt die Image </a:t>
-            </a:r>
-            <a:r>
-              <a:rPr lang="de-DE" sz="1800" dirty="0" err="1"/>
-              <a:t>pulls</a:t>
-            </a:r>
-            <a:r>
-              <a:rPr lang="de-DE" sz="1800" dirty="0"/>
-              <a:t> von Docker Hub </a:t>
-            </a:r>
-          </a:p>
-          <a:p>
-            <a:pPr lvl="1">
-              <a:buFont typeface="Arial" panose="020B0604020202020204" pitchFamily="34" charset="0"/>
-              <a:buChar char="•"/>
-            </a:pPr>
-            <a:r>
-              <a:rPr lang="de-DE" sz="1800" dirty="0"/>
-              <a:t>Meist läuft bei jedem </a:t>
-            </a:r>
-            <a:r>
-              <a:rPr lang="de-DE" sz="1800" dirty="0" err="1"/>
-              <a:t>commit</a:t>
-            </a:r>
-            <a:r>
-              <a:rPr lang="de-DE" sz="1800" dirty="0"/>
-              <a:t> eine Pipeline</a:t>
-            </a:r>
-          </a:p>
-          <a:p>
-            <a:pPr lvl="2">
-              <a:buFont typeface="Arial" panose="020B0604020202020204" pitchFamily="34" charset="0"/>
-              <a:buChar char="•"/>
-            </a:pPr>
-            <a:r>
-              <a:rPr lang="de-DE" sz="1600" dirty="0"/>
-              <a:t>Selbst bei gleichem Image </a:t>
-            </a:r>
-            <a:r>
-              <a:rPr lang="de-DE" sz="1600" dirty="0">
-                <a:sym typeface="Wingdings" panose="05000000000000000000" pitchFamily="2" charset="2"/>
-              </a:rPr>
-              <a:t> Docker Pull Count erhöht durch „manifest </a:t>
-            </a:r>
-            <a:r>
-              <a:rPr lang="de-DE" sz="1600" dirty="0" err="1">
-                <a:sym typeface="Wingdings" panose="05000000000000000000" pitchFamily="2" charset="2"/>
-              </a:rPr>
-              <a:t>requets</a:t>
-            </a:r>
-            <a:r>
-              <a:rPr lang="de-DE" sz="1600" dirty="0">
-                <a:sym typeface="Wingdings" panose="05000000000000000000" pitchFamily="2" charset="2"/>
-              </a:rPr>
-              <a:t>“</a:t>
-            </a:r>
-            <a:endParaRPr lang="de-DE" sz="2000" dirty="0">
-              <a:sym typeface="Wingdings" panose="05000000000000000000" pitchFamily="2" charset="2"/>
-            </a:endParaRPr>
-          </a:p>
-          <a:p>
-            <a:pPr lvl="1">
-              <a:buFont typeface="Arial" panose="020B0604020202020204" pitchFamily="34" charset="0"/>
-              <a:buChar char="•"/>
-            </a:pPr>
-            <a:r>
-              <a:rPr lang="de-DE" sz="1800" dirty="0">
-                <a:sym typeface="Wingdings" panose="05000000000000000000" pitchFamily="2" charset="2"/>
-              </a:rPr>
-              <a:t>Manifest („Inhaltverzeichnis des Images“)</a:t>
-            </a:r>
-          </a:p>
-          <a:p>
-            <a:pPr lvl="2">
-              <a:buFont typeface="Arial" panose="020B0604020202020204" pitchFamily="34" charset="0"/>
-              <a:buChar char="•"/>
-            </a:pPr>
-            <a:r>
-              <a:rPr lang="de-DE" sz="1600" dirty="0">
-                <a:sym typeface="Wingdings" panose="05000000000000000000" pitchFamily="2" charset="2"/>
-              </a:rPr>
-              <a:t>Informationen über </a:t>
-            </a:r>
-            <a:r>
-              <a:rPr lang="de-DE" sz="1600" dirty="0" err="1">
-                <a:sym typeface="Wingdings" panose="05000000000000000000" pitchFamily="2" charset="2"/>
-              </a:rPr>
-              <a:t>Layers</a:t>
-            </a:r>
-            <a:r>
-              <a:rPr lang="de-DE" sz="1600" dirty="0">
-                <a:sym typeface="Wingdings" panose="05000000000000000000" pitchFamily="2" charset="2"/>
-              </a:rPr>
-              <a:t> und Blobs des Images</a:t>
-            </a:r>
-            <a:endParaRPr lang="de-DE" sz="1600" dirty="0"/>
-          </a:p>
-          <a:p>
-            <a:pPr>
-              <a:buFont typeface="Arial" panose="020B0604020202020204" pitchFamily="34" charset="0"/>
-              <a:buChar char="•"/>
-            </a:pPr>
-            <a:r>
-              <a:rPr lang="de-DE" sz="2000" dirty="0" err="1"/>
-              <a:t>Dependency</a:t>
-            </a:r>
-            <a:r>
-              <a:rPr lang="de-DE" sz="2000" dirty="0"/>
-              <a:t> Proxy </a:t>
-            </a:r>
-            <a:r>
-              <a:rPr lang="de-DE" sz="2000" dirty="0" err="1"/>
-              <a:t>GitLab</a:t>
-            </a:r>
-            <a:r>
-              <a:rPr lang="de-DE" sz="2000" dirty="0"/>
-              <a:t> Dokumentation: </a:t>
-            </a:r>
-            <a:r>
-              <a:rPr lang="de-DE" sz="2000" dirty="0">
-                <a:hlinkClick r:id="rId4"/>
-              </a:rPr>
-              <a:t>https://docs.gitlab.com/ee/user/packages/dependency_proxy/</a:t>
-            </a:r>
-            <a:r>
-              <a:rPr lang="de-DE" sz="2000" dirty="0"/>
-              <a:t> </a:t>
-            </a:r>
-          </a:p>
-          <a:p>
-            <a:pPr>
-              <a:buFont typeface="Arial" panose="020B0604020202020204" pitchFamily="34" charset="0"/>
-              <a:buChar char="•"/>
-            </a:pPr>
-            <a:r>
-              <a:rPr lang="de-DE" sz="2000" u="sng" dirty="0"/>
-              <a:t>Hier:</a:t>
-            </a:r>
-            <a:r>
-              <a:rPr lang="de-DE" sz="2000" dirty="0"/>
-              <a:t> Keine weitere Verwendung!</a:t>
-            </a:r>
-          </a:p>
-          <a:p>
-            <a:pPr lvl="1">
-              <a:buFont typeface="Arial" panose="020B0604020202020204" pitchFamily="34" charset="0"/>
-              <a:buChar char="•"/>
-            </a:pPr>
-            <a:endParaRPr lang="de-DE" dirty="0"/>
-          </a:p>
-          <a:p>
-            <a:pPr lvl="1">
-              <a:buFont typeface="Arial" panose="020B0604020202020204" pitchFamily="34" charset="0"/>
-              <a:buChar char="•"/>
-            </a:pPr>
-            <a:endParaRPr lang="de-DE" dirty="0"/>
-          </a:p>
-        </p:txBody>
-      </p:sp>
-    </p:spTree>
-    <p:extLst>
-      <p:ext uri="{BB962C8B-B14F-4D97-AF65-F5344CB8AC3E}">
-        <p14:creationId xmlns:p14="http://schemas.microsoft.com/office/powerpoint/2010/main" val="844561808"/>
       </p:ext>
     </p:extLst>
   </p:cSld>
@@ -12853,140 +12137,12 @@
                   <a:srgbClr val="0249FC"/>
                 </a:solidFill>
               </a:rPr>
-              <a:t>Dependency Proxy</a:t>
+              <a:t>Container Registry</a:t>
             </a:r>
             <a:r>
               <a:rPr lang="en-US" sz="2000" b="1" dirty="0"/>
               <a:t>)</a:t>
             </a:r>
-          </a:p>
-          <a:p>
-            <a:pPr marL="0" indent="0">
-              <a:buNone/>
-            </a:pPr>
-            <a:r>
-              <a:rPr lang="en-US" sz="2000" dirty="0" err="1"/>
-              <a:t>Eigene</a:t>
-            </a:r>
-            <a:r>
-              <a:rPr lang="en-US" sz="2000" dirty="0"/>
-              <a:t> Container Images </a:t>
-            </a:r>
-            <a:r>
-              <a:rPr lang="en-US" sz="2000" dirty="0" err="1"/>
-              <a:t>mit</a:t>
-            </a:r>
-            <a:r>
-              <a:rPr lang="en-US" sz="2000" dirty="0"/>
-              <a:t> Docker-in-Docker </a:t>
-            </a:r>
-            <a:r>
-              <a:rPr lang="en-US" sz="2000" dirty="0" err="1"/>
-              <a:t>nutzen</a:t>
-            </a:r>
-            <a:endParaRPr lang="en-US" sz="2000" dirty="0"/>
-          </a:p>
-          <a:p>
-            <a:pPr marL="457200" indent="-457200">
-              <a:buFont typeface="+mj-lt"/>
-              <a:buAutoNum type="arabicPeriod"/>
-            </a:pPr>
-            <a:r>
-              <a:rPr lang="en-US" sz="2000" dirty="0"/>
-              <a:t>Docker-in-Docker </a:t>
-            </a:r>
-            <a:r>
-              <a:rPr lang="en-US" sz="2000" dirty="0" err="1"/>
-              <a:t>einrichten</a:t>
-            </a:r>
-            <a:endParaRPr lang="en-US" sz="2000" dirty="0"/>
-          </a:p>
-          <a:p>
-            <a:pPr marL="457200" indent="-457200">
-              <a:buFont typeface="+mj-lt"/>
-              <a:buAutoNum type="arabicPeriod"/>
-            </a:pPr>
-            <a:r>
-              <a:rPr lang="en-US" sz="2000" dirty="0">
-                <a:solidFill>
-                  <a:srgbClr val="FF0000"/>
-                </a:solidFill>
-                <a:latin typeface="Consolas" panose="020B0609020204030204" pitchFamily="49" charset="0"/>
-              </a:rPr>
-              <a:t>image</a:t>
-            </a:r>
-            <a:r>
-              <a:rPr lang="en-US" sz="2000" dirty="0"/>
-              <a:t> und </a:t>
-            </a:r>
-            <a:r>
-              <a:rPr lang="en-US" sz="2000" dirty="0">
-                <a:solidFill>
-                  <a:srgbClr val="FF0000"/>
-                </a:solidFill>
-                <a:latin typeface="Consolas" panose="020B0609020204030204" pitchFamily="49" charset="0"/>
-              </a:rPr>
-              <a:t>service</a:t>
-            </a:r>
-            <a:r>
-              <a:rPr lang="en-US" sz="2000" dirty="0"/>
-              <a:t> auf die Registry </a:t>
-            </a:r>
-            <a:r>
-              <a:rPr lang="en-US" sz="2000" dirty="0" err="1"/>
-              <a:t>zeigen</a:t>
-            </a:r>
-            <a:r>
-              <a:rPr lang="en-US" sz="2000" dirty="0"/>
-              <a:t> </a:t>
-            </a:r>
-            <a:r>
-              <a:rPr lang="en-US" sz="2000" dirty="0" err="1"/>
-              <a:t>lassen</a:t>
-            </a:r>
-            <a:endParaRPr lang="en-US" sz="2000" dirty="0"/>
-          </a:p>
-          <a:p>
-            <a:pPr marL="457200" indent="-457200">
-              <a:buFont typeface="+mj-lt"/>
-              <a:buAutoNum type="arabicPeriod"/>
-            </a:pPr>
-            <a:r>
-              <a:rPr lang="en-US" sz="2000" dirty="0">
-                <a:solidFill>
-                  <a:srgbClr val="FF0000"/>
-                </a:solidFill>
-                <a:latin typeface="Consolas" panose="020B0609020204030204" pitchFamily="49" charset="0"/>
-              </a:rPr>
-              <a:t>alias</a:t>
-            </a:r>
-            <a:r>
-              <a:rPr lang="en-US" sz="2000" dirty="0"/>
-              <a:t> </a:t>
-            </a:r>
-            <a:r>
-              <a:rPr lang="en-US" sz="2000" dirty="0" err="1"/>
-              <a:t>hinzufügen</a:t>
-            </a:r>
-            <a:r>
-              <a:rPr lang="en-US" sz="2000" dirty="0"/>
-              <a:t> für den </a:t>
-            </a:r>
-            <a:r>
-              <a:rPr lang="en-US" sz="2000" dirty="0">
-                <a:latin typeface="Consolas" panose="020B0609020204030204" pitchFamily="49" charset="0"/>
-              </a:rPr>
-              <a:t>service</a:t>
-            </a:r>
-          </a:p>
-          <a:p>
-            <a:pPr marL="457200" indent="-457200">
-              <a:buFont typeface="+mj-lt"/>
-              <a:buAutoNum type="arabicPeriod"/>
-            </a:pPr>
-            <a:endParaRPr lang="en-US" sz="2000" dirty="0">
-              <a:latin typeface="Consolas" panose="020B0609020204030204" pitchFamily="49" charset="0"/>
-            </a:endParaRPr>
           </a:p>
           <a:p>
             <a:pPr marL="0" indent="0">
@@ -13072,23 +12228,6 @@
                   <a:noFill/>
                 </a:ln>
                 <a:solidFill>
-                  <a:srgbClr val="000000"/>
-                </a:solidFill>
-                <a:effectLst/>
-                <a:uLnTx/>
-                <a:uFillTx/>
-                <a:latin typeface="Consolas" panose="020B0609020204030204" pitchFamily="49" charset="0"/>
-                <a:ea typeface="+mn-ea"/>
-                <a:cs typeface="+mn-cs"/>
-              </a:rPr>
-              <a:t>  </a:t>
-            </a:r>
-            <a:r>
-              <a:rPr kumimoji="0" lang="en-US" sz="1400" b="0" i="0" u="none" strike="noStrike" kern="0" cap="none" spc="0" normalizeH="0" baseline="0" noProof="0" dirty="0">
-                <a:ln>
-                  <a:noFill/>
-                </a:ln>
-                <a:solidFill>
                   <a:srgbClr val="FF0000"/>
                 </a:solidFill>
                 <a:effectLst/>
@@ -13098,7 +12237,7 @@
                 <a:ea typeface="+mn-ea"/>
                 <a:cs typeface="+mn-cs"/>
               </a:rPr>
-              <a:t>image</a:t>
+              <a:t>  image</a:t>
             </a:r>
             <a:r>
               <a:rPr kumimoji="0" lang="en-US" sz="1400" b="0" i="0" u="none" strike="noStrike" kern="0" cap="none" spc="0" normalizeH="0" baseline="0" noProof="0" dirty="0">
@@ -13132,7 +12271,7 @@
                 <a:ea typeface="+mn-ea"/>
                 <a:cs typeface="+mn-cs"/>
               </a:rPr>
-              <a:t>${CI_DEPENDENCY_PROXY_GROUP_IMAGE_PREFIX}</a:t>
+              <a:t>$CI_REGISTRY</a:t>
             </a:r>
             <a:r>
               <a:rPr kumimoji="0" lang="en-US" sz="1400" b="0" i="0" u="none" strike="noStrike" kern="0" cap="none" spc="0" normalizeH="0" baseline="0" noProof="0" dirty="0">
@@ -13149,7 +12288,7 @@
                 <a:ea typeface="+mn-ea"/>
                 <a:cs typeface="+mn-cs"/>
               </a:rPr>
-              <a:t>/docker:20.10.16</a:t>
+              <a:t>/group/project/docker:20.10.16</a:t>
             </a:r>
           </a:p>
           <a:p>
@@ -13276,7 +12415,7 @@
                 <a:ea typeface="+mn-ea"/>
                 <a:cs typeface="+mn-cs"/>
               </a:rPr>
-              <a:t>${CI_DEPENDENCY_PROXY_GROUP_IMAGE_PREFIX}</a:t>
+              <a:t>$CI_REGISTRY</a:t>
             </a:r>
             <a:r>
               <a:rPr kumimoji="0" lang="en-US" sz="1400" b="0" i="0" u="none" strike="noStrike" kern="0" cap="none" spc="0" normalizeH="0" baseline="0" noProof="0" dirty="0">
@@ -13293,7 +12432,7 @@
                 <a:ea typeface="+mn-ea"/>
                 <a:cs typeface="+mn-cs"/>
               </a:rPr>
-              <a:t>/docker:20.10.16-dind</a:t>
+              <a:t>/group/project/docker:20.10.16-dind</a:t>
             </a:r>
           </a:p>
           <a:p>
@@ -13519,19 +12658,166 @@
               </a:rPr>
               <a:t>    - docker run my-docker-image /script/to/run/tests</a:t>
             </a:r>
-            <a:endParaRPr kumimoji="0" lang="en-US" sz="1100" b="0" i="0" u="none" strike="noStrike" kern="0" cap="none" spc="0" normalizeH="0" baseline="0" noProof="0" dirty="0">
-              <a:ln>
-                <a:noFill/>
-              </a:ln>
-              <a:solidFill>
-                <a:srgbClr val="000000"/>
-              </a:solidFill>
-              <a:effectLst/>
-              <a:uLnTx/>
-              <a:uFillTx/>
+          </a:p>
+          <a:p>
+            <a:pPr marL="0" indent="0">
+              <a:buNone/>
+            </a:pPr>
+            <a:endParaRPr lang="en-US" sz="1400" dirty="0">
               <a:latin typeface="Consolas" panose="020B0609020204030204" pitchFamily="49" charset="0"/>
-              <a:ea typeface="+mn-ea"/>
-              <a:cs typeface="+mn-cs"/>
+            </a:endParaRPr>
+          </a:p>
+          <a:p>
+            <a:pPr>
+              <a:buFont typeface="Arial" panose="020B0604020202020204" pitchFamily="34" charset="0"/>
+              <a:buChar char="•"/>
+            </a:pPr>
+            <a:r>
+              <a:rPr lang="en-US" sz="1800" dirty="0" err="1">
+                <a:latin typeface="+mj-lt"/>
+              </a:rPr>
+              <a:t>Ohne</a:t>
+            </a:r>
+            <a:r>
+              <a:rPr lang="en-US" sz="1800" dirty="0">
+                <a:latin typeface="+mj-lt"/>
+              </a:rPr>
+              <a:t> </a:t>
+            </a:r>
+            <a:r>
+              <a:rPr lang="en-US" sz="1800" dirty="0">
+                <a:solidFill>
+                  <a:srgbClr val="FF0000"/>
+                </a:solidFill>
+                <a:latin typeface="+mj-lt"/>
+              </a:rPr>
+              <a:t>alias </a:t>
+            </a:r>
+            <a:r>
+              <a:rPr lang="en-US" sz="1800" dirty="0" err="1">
+                <a:latin typeface="+mj-lt"/>
+              </a:rPr>
+              <a:t>kann</a:t>
+            </a:r>
+            <a:r>
+              <a:rPr lang="en-US" sz="1800" dirty="0">
+                <a:latin typeface="+mj-lt"/>
+              </a:rPr>
+              <a:t> das </a:t>
+            </a:r>
+            <a:r>
+              <a:rPr lang="en-US" sz="1800" i="1" dirty="0">
+                <a:latin typeface="+mj-lt"/>
+              </a:rPr>
+              <a:t>docker</a:t>
+            </a:r>
+            <a:r>
+              <a:rPr lang="en-US" sz="1800" dirty="0">
+                <a:latin typeface="+mj-lt"/>
+              </a:rPr>
+              <a:t> Container Image </a:t>
+            </a:r>
+            <a:r>
+              <a:rPr lang="en-US" sz="1800" dirty="0" err="1">
+                <a:latin typeface="+mj-lt"/>
+              </a:rPr>
+              <a:t>keinen</a:t>
+            </a:r>
+            <a:r>
+              <a:rPr lang="en-US" sz="1800" dirty="0">
+                <a:latin typeface="+mj-lt"/>
+              </a:rPr>
+              <a:t> Docker Host </a:t>
+            </a:r>
+            <a:r>
+              <a:rPr lang="en-US" sz="1800" dirty="0" err="1">
+                <a:latin typeface="+mj-lt"/>
+              </a:rPr>
+              <a:t>finden</a:t>
+            </a:r>
+            <a:r>
+              <a:rPr lang="en-US" sz="1800" dirty="0">
+                <a:latin typeface="+mj-lt"/>
+              </a:rPr>
+              <a:t> und </a:t>
+            </a:r>
+            <a:r>
+              <a:rPr lang="en-US" sz="1800" dirty="0" err="1">
+                <a:latin typeface="+mj-lt"/>
+              </a:rPr>
+              <a:t>folgende</a:t>
+            </a:r>
+            <a:r>
+              <a:rPr lang="en-US" sz="1800" dirty="0">
+                <a:latin typeface="+mj-lt"/>
+              </a:rPr>
+              <a:t> </a:t>
+            </a:r>
+            <a:r>
+              <a:rPr lang="en-US" sz="1800" dirty="0" err="1">
+                <a:latin typeface="+mj-lt"/>
+              </a:rPr>
+              <a:t>Fehlermeldung</a:t>
+            </a:r>
+            <a:r>
+              <a:rPr lang="en-US" sz="1800" dirty="0">
+                <a:latin typeface="+mj-lt"/>
+              </a:rPr>
+              <a:t> </a:t>
+            </a:r>
+            <a:r>
+              <a:rPr lang="en-US" sz="1800" dirty="0" err="1">
+                <a:latin typeface="+mj-lt"/>
+              </a:rPr>
+              <a:t>erscheint</a:t>
+            </a:r>
+            <a:r>
+              <a:rPr lang="en-US" sz="1800" dirty="0">
+                <a:latin typeface="+mj-lt"/>
+              </a:rPr>
+              <a:t>:</a:t>
+            </a:r>
+          </a:p>
+          <a:p>
+            <a:pPr lvl="1">
+              <a:buFont typeface="Arial" panose="020B0604020202020204" pitchFamily="34" charset="0"/>
+              <a:buChar char="•"/>
+            </a:pPr>
+            <a:r>
+              <a:rPr lang="en-US" sz="1400" dirty="0">
+                <a:latin typeface="Consolas" panose="020B0609020204030204" pitchFamily="49" charset="0"/>
+              </a:rPr>
+              <a:t>error during connect: Get http://docker:2376/v1.39/info: dial </a:t>
+            </a:r>
+            <a:r>
+              <a:rPr lang="en-US" sz="1400" dirty="0" err="1">
+                <a:latin typeface="Consolas" panose="020B0609020204030204" pitchFamily="49" charset="0"/>
+              </a:rPr>
+              <a:t>tcp</a:t>
+            </a:r>
+            <a:r>
+              <a:rPr lang="en-US" sz="1400" dirty="0">
+                <a:latin typeface="Consolas" panose="020B0609020204030204" pitchFamily="49" charset="0"/>
+              </a:rPr>
+              <a:t>: lookup docker on 192.168.0.1:53: no such host</a:t>
+            </a:r>
+          </a:p>
+          <a:p>
+            <a:pPr lvl="1">
+              <a:buFont typeface="Arial" panose="020B0604020202020204" pitchFamily="34" charset="0"/>
+              <a:buChar char="•"/>
+            </a:pPr>
+            <a:endParaRPr lang="en-US" sz="1400" dirty="0">
+              <a:latin typeface="Consolas" panose="020B0609020204030204" pitchFamily="49" charset="0"/>
+            </a:endParaRPr>
+          </a:p>
+          <a:p>
+            <a:pPr lvl="1">
+              <a:buFont typeface="Arial" panose="020B0604020202020204" pitchFamily="34" charset="0"/>
+              <a:buChar char="•"/>
+            </a:pPr>
+            <a:endParaRPr lang="en-US" sz="1400" dirty="0">
+              <a:latin typeface="Consolas" panose="020B0609020204030204" pitchFamily="49" charset="0"/>
             </a:endParaRPr>
           </a:p>
         </p:txBody>
@@ -13539,7 +12825,7 @@
     </p:spTree>
     <p:extLst>
       <p:ext uri="{BB962C8B-B14F-4D97-AF65-F5344CB8AC3E}">
-        <p14:creationId xmlns:p14="http://schemas.microsoft.com/office/powerpoint/2010/main" val="3865403592"/>
+        <p14:creationId xmlns:p14="http://schemas.microsoft.com/office/powerpoint/2010/main" val="1566046787"/>
       </p:ext>
     </p:extLst>
   </p:cSld>
@@ -13551,6 +12837,498 @@
 
 <file path=ppt/slides/slide31.xml><?xml version="1.0" encoding="utf-8"?>
 <p:sld xmlns:a="http://schemas.openxmlformats.org/drawingml/2006/main" xmlns:r="http://schemas.openxmlformats.org/officeDocument/2006/relationships" xmlns:p="http://schemas.openxmlformats.org/presentationml/2006/main">
+  <p:cSld>
+    <p:spTree>
+      <p:nvGrpSpPr>
+        <p:cNvPr id="1" name=""/>
+        <p:cNvGrpSpPr/>
+        <p:nvPr/>
+      </p:nvGrpSpPr>
+      <p:grpSpPr>
+        <a:xfrm>
+          <a:off x="0" y="0"/>
+          <a:ext cx="0" cy="0"/>
+          <a:chOff x="0" y="0"/>
+          <a:chExt cx="0" cy="0"/>
+        </a:xfrm>
+      </p:grpSpPr>
+      <p:sp>
+        <p:nvSpPr>
+          <p:cNvPr id="2" name="Titel 1">
+            <a:extLst>
+              <a:ext uri="{FF2B5EF4-FFF2-40B4-BE49-F238E27FC236}">
+                <a16:creationId xmlns:a16="http://schemas.microsoft.com/office/drawing/2014/main" id="{DB1F447C-2F61-B060-8EFE-D98620927A6E}"/>
+              </a:ext>
+            </a:extLst>
+          </p:cNvPr>
+          <p:cNvSpPr>
+            <a:spLocks noGrp="1"/>
+          </p:cNvSpPr>
+          <p:nvPr>
+            <p:ph type="title"/>
+          </p:nvPr>
+        </p:nvSpPr>
+        <p:spPr/>
+        <p:txBody>
+          <a:bodyPr/>
+          <a:lstStyle/>
+          <a:p>
+            <a:r>
+              <a:rPr lang="de-DE" cap="none" dirty="0"/>
+              <a:t>Release- und </a:t>
+            </a:r>
+            <a:r>
+              <a:rPr lang="de-DE" cap="none" dirty="0" err="1"/>
+              <a:t>Tagged</a:t>
+            </a:r>
+            <a:r>
+              <a:rPr lang="de-DE" cap="none" dirty="0"/>
+              <a:t>-Images</a:t>
+            </a:r>
+            <a:endParaRPr lang="de-DE" dirty="0"/>
+          </a:p>
+        </p:txBody>
+      </p:sp>
+      <p:sp>
+        <p:nvSpPr>
+          <p:cNvPr id="3" name="Inhaltsplatzhalter 2">
+            <a:extLst>
+              <a:ext uri="{FF2B5EF4-FFF2-40B4-BE49-F238E27FC236}">
+                <a16:creationId xmlns:a16="http://schemas.microsoft.com/office/drawing/2014/main" id="{68EC2247-CA50-F34D-5B3B-2171A8AD687B}"/>
+              </a:ext>
+            </a:extLst>
+          </p:cNvPr>
+          <p:cNvSpPr>
+            <a:spLocks noGrp="1"/>
+          </p:cNvSpPr>
+          <p:nvPr>
+            <p:ph idx="1"/>
+          </p:nvPr>
+        </p:nvSpPr>
+        <p:spPr/>
+        <p:txBody>
+          <a:bodyPr/>
+          <a:lstStyle/>
+          <a:p>
+            <a:pPr marL="0" indent="0">
+              <a:buNone/>
+            </a:pPr>
+            <a:r>
+              <a:rPr lang="de-DE" b="1" dirty="0" err="1"/>
+              <a:t>Dependency</a:t>
+            </a:r>
+            <a:r>
+              <a:rPr lang="de-DE" b="1" dirty="0"/>
+              <a:t> Proxy</a:t>
+            </a:r>
+          </a:p>
+          <a:p>
+            <a:pPr>
+              <a:buFont typeface="Arial" panose="020B0604020202020204" pitchFamily="34" charset="0"/>
+              <a:buChar char="•"/>
+            </a:pPr>
+            <a:r>
+              <a:rPr lang="de-DE" sz="2000" dirty="0"/>
+              <a:t>Lokaler Proxy</a:t>
+            </a:r>
+          </a:p>
+          <a:p>
+            <a:pPr lvl="1">
+              <a:buFont typeface="Arial" panose="020B0604020202020204" pitchFamily="34" charset="0"/>
+              <a:buChar char="•"/>
+            </a:pPr>
+            <a:r>
+              <a:rPr lang="de-DE" sz="1800" dirty="0"/>
+              <a:t>Für häufig genutzte Upstream-Images</a:t>
+            </a:r>
+          </a:p>
+          <a:p>
+            <a:pPr lvl="1">
+              <a:buFont typeface="Arial" panose="020B0604020202020204" pitchFamily="34" charset="0"/>
+              <a:buChar char="•"/>
+            </a:pPr>
+            <a:r>
+              <a:rPr lang="de-DE" sz="1800" dirty="0"/>
+              <a:t>pull </a:t>
+            </a:r>
+            <a:r>
+              <a:rPr lang="de-DE" sz="1800" dirty="0" err="1"/>
+              <a:t>through</a:t>
+            </a:r>
+            <a:r>
+              <a:rPr lang="de-DE" sz="1800" dirty="0"/>
+              <a:t> </a:t>
+            </a:r>
+            <a:r>
+              <a:rPr lang="de-DE" sz="1800" dirty="0" err="1"/>
+              <a:t>cache</a:t>
+            </a:r>
+            <a:r>
+              <a:rPr lang="de-DE" sz="1800" dirty="0"/>
+              <a:t> für </a:t>
+            </a:r>
+            <a:r>
+              <a:rPr lang="de-DE" sz="1800" dirty="0" err="1"/>
+              <a:t>DockerHub</a:t>
+            </a:r>
+            <a:endParaRPr lang="de-DE" sz="1800" dirty="0"/>
+          </a:p>
+          <a:p>
+            <a:pPr lvl="1">
+              <a:buFont typeface="Arial" panose="020B0604020202020204" pitchFamily="34" charset="0"/>
+              <a:buChar char="•"/>
+            </a:pPr>
+            <a:r>
+              <a:rPr lang="de-DE" sz="1800" dirty="0"/>
+              <a:t>Sicht des Docker Clients: Weitere Registry</a:t>
+            </a:r>
+          </a:p>
+          <a:p>
+            <a:pPr lvl="1">
+              <a:buFont typeface="Arial" panose="020B0604020202020204" pitchFamily="34" charset="0"/>
+              <a:buChar char="•"/>
+            </a:pPr>
+            <a:r>
+              <a:rPr lang="de-DE" sz="1800" dirty="0"/>
+              <a:t>Verbessert Performance bei häufigen </a:t>
+            </a:r>
+            <a:r>
+              <a:rPr lang="de-DE" sz="1800" dirty="0" err="1"/>
+              <a:t>Builds</a:t>
+            </a:r>
+            <a:endParaRPr lang="de-DE" sz="1800" dirty="0"/>
+          </a:p>
+          <a:p>
+            <a:pPr lvl="1">
+              <a:buFont typeface="Arial" panose="020B0604020202020204" pitchFamily="34" charset="0"/>
+              <a:buChar char="•"/>
+            </a:pPr>
+            <a:endParaRPr lang="de-DE" dirty="0"/>
+          </a:p>
+          <a:p>
+            <a:pPr lvl="1">
+              <a:buFont typeface="Arial" panose="020B0604020202020204" pitchFamily="34" charset="0"/>
+              <a:buChar char="•"/>
+            </a:pPr>
+            <a:endParaRPr lang="de-DE" dirty="0"/>
+          </a:p>
+        </p:txBody>
+      </p:sp>
+    </p:spTree>
+    <p:extLst>
+      <p:ext uri="{BB962C8B-B14F-4D97-AF65-F5344CB8AC3E}">
+        <p14:creationId xmlns:p14="http://schemas.microsoft.com/office/powerpoint/2010/main" val="844561808"/>
+      </p:ext>
+    </p:extLst>
+  </p:cSld>
+  <p:clrMapOvr>
+    <a:masterClrMapping/>
+  </p:clrMapOvr>
+</p:sld>
+</file>
+
+<file path=ppt/slides/slide32.xml><?xml version="1.0" encoding="utf-8"?>
+<p:sld xmlns:a="http://schemas.openxmlformats.org/drawingml/2006/main" xmlns:r="http://schemas.openxmlformats.org/officeDocument/2006/relationships" xmlns:p="http://schemas.openxmlformats.org/presentationml/2006/main">
+  <p:cSld>
+    <p:spTree>
+      <p:nvGrpSpPr>
+        <p:cNvPr id="1" name=""/>
+        <p:cNvGrpSpPr/>
+        <p:nvPr/>
+      </p:nvGrpSpPr>
+      <p:grpSpPr>
+        <a:xfrm>
+          <a:off x="0" y="0"/>
+          <a:ext cx="0" cy="0"/>
+          <a:chOff x="0" y="0"/>
+          <a:chExt cx="0" cy="0"/>
+        </a:xfrm>
+      </p:grpSpPr>
+      <p:sp>
+        <p:nvSpPr>
+          <p:cNvPr id="2" name="Titel 1">
+            <a:extLst>
+              <a:ext uri="{FF2B5EF4-FFF2-40B4-BE49-F238E27FC236}">
+                <a16:creationId xmlns:a16="http://schemas.microsoft.com/office/drawing/2014/main" id="{DB1F447C-2F61-B060-8EFE-D98620927A6E}"/>
+              </a:ext>
+            </a:extLst>
+          </p:cNvPr>
+          <p:cNvSpPr>
+            <a:spLocks noGrp="1"/>
+          </p:cNvSpPr>
+          <p:nvPr>
+            <p:ph type="title"/>
+          </p:nvPr>
+        </p:nvSpPr>
+        <p:spPr/>
+        <p:txBody>
+          <a:bodyPr/>
+          <a:lstStyle/>
+          <a:p>
+            <a:r>
+              <a:rPr lang="de-DE" cap="none" dirty="0"/>
+              <a:t>Release- und </a:t>
+            </a:r>
+            <a:r>
+              <a:rPr lang="de-DE" cap="none" dirty="0" err="1"/>
+              <a:t>Tagged</a:t>
+            </a:r>
+            <a:r>
+              <a:rPr lang="de-DE" cap="none" dirty="0"/>
+              <a:t>-Images</a:t>
+            </a:r>
+            <a:endParaRPr lang="de-DE" dirty="0"/>
+          </a:p>
+        </p:txBody>
+      </p:sp>
+      <p:sp>
+        <p:nvSpPr>
+          <p:cNvPr id="3" name="Inhaltsplatzhalter 2">
+            <a:extLst>
+              <a:ext uri="{FF2B5EF4-FFF2-40B4-BE49-F238E27FC236}">
+                <a16:creationId xmlns:a16="http://schemas.microsoft.com/office/drawing/2014/main" id="{68EC2247-CA50-F34D-5B3B-2171A8AD687B}"/>
+              </a:ext>
+            </a:extLst>
+          </p:cNvPr>
+          <p:cNvSpPr>
+            <a:spLocks noGrp="1"/>
+          </p:cNvSpPr>
+          <p:nvPr>
+            <p:ph idx="1"/>
+          </p:nvPr>
+        </p:nvSpPr>
+        <p:spPr/>
+        <p:txBody>
+          <a:bodyPr/>
+          <a:lstStyle/>
+          <a:p>
+            <a:pPr marL="0" indent="0">
+              <a:buNone/>
+            </a:pPr>
+            <a:r>
+              <a:rPr lang="de-DE" b="1" dirty="0" err="1"/>
+              <a:t>Dependency</a:t>
+            </a:r>
+            <a:r>
+              <a:rPr lang="de-DE" b="1" dirty="0"/>
+              <a:t> Proxy</a:t>
+            </a:r>
+          </a:p>
+          <a:p>
+            <a:pPr>
+              <a:buFont typeface="Arial" panose="020B0604020202020204" pitchFamily="34" charset="0"/>
+              <a:buChar char="•"/>
+            </a:pPr>
+            <a:r>
+              <a:rPr lang="de-DE" sz="2000" dirty="0"/>
+              <a:t>Docker Hub Rate </a:t>
+            </a:r>
+            <a:r>
+              <a:rPr lang="de-DE" sz="2000" dirty="0" err="1"/>
+              <a:t>Limiting</a:t>
+            </a:r>
+            <a:endParaRPr lang="de-DE" sz="2000" dirty="0"/>
+          </a:p>
+          <a:p>
+            <a:pPr lvl="1">
+              <a:buFont typeface="Arial" panose="020B0604020202020204" pitchFamily="34" charset="0"/>
+              <a:buChar char="•"/>
+            </a:pPr>
+            <a:r>
+              <a:rPr lang="de-DE" sz="1800" dirty="0">
+                <a:hlinkClick r:id="rId3"/>
+              </a:rPr>
+              <a:t>https://docs.docker.com/docker-hub/download-rate-limit/</a:t>
+            </a:r>
+            <a:r>
+              <a:rPr lang="de-DE" sz="1800" dirty="0"/>
+              <a:t> </a:t>
+            </a:r>
+          </a:p>
+          <a:p>
+            <a:pPr lvl="1">
+              <a:buFont typeface="Arial" panose="020B0604020202020204" pitchFamily="34" charset="0"/>
+              <a:buChar char="•"/>
+            </a:pPr>
+            <a:r>
+              <a:rPr lang="de-DE" sz="1800" dirty="0"/>
+              <a:t>Begrenzt die Image </a:t>
+            </a:r>
+            <a:r>
+              <a:rPr lang="de-DE" sz="1800" dirty="0" err="1"/>
+              <a:t>Pulls</a:t>
+            </a:r>
+            <a:endParaRPr lang="de-DE" sz="1800" dirty="0"/>
+          </a:p>
+          <a:p>
+            <a:pPr lvl="1">
+              <a:buFont typeface="Arial" panose="020B0604020202020204" pitchFamily="34" charset="0"/>
+              <a:buChar char="•"/>
+            </a:pPr>
+            <a:r>
+              <a:rPr lang="de-DE" sz="1800" dirty="0"/>
+              <a:t>Pro Commit eine Pipeline angestoßen</a:t>
+            </a:r>
+          </a:p>
+          <a:p>
+            <a:pPr lvl="2">
+              <a:buFont typeface="Arial" panose="020B0604020202020204" pitchFamily="34" charset="0"/>
+              <a:buChar char="•"/>
+            </a:pPr>
+            <a:r>
+              <a:rPr lang="de-DE" sz="1600" dirty="0"/>
+              <a:t>Selbst bei gleichem Image </a:t>
+            </a:r>
+            <a:r>
+              <a:rPr lang="de-DE" sz="1600" dirty="0">
+                <a:sym typeface="Wingdings" panose="05000000000000000000" pitchFamily="2" charset="2"/>
+              </a:rPr>
+              <a:t> Docker Pull Count erhöht durch „manifest </a:t>
+            </a:r>
+            <a:r>
+              <a:rPr lang="de-DE" sz="1600" dirty="0" err="1">
+                <a:sym typeface="Wingdings" panose="05000000000000000000" pitchFamily="2" charset="2"/>
+              </a:rPr>
+              <a:t>requests</a:t>
+            </a:r>
+            <a:r>
+              <a:rPr lang="de-DE" sz="1600" dirty="0">
+                <a:sym typeface="Wingdings" panose="05000000000000000000" pitchFamily="2" charset="2"/>
+              </a:rPr>
+              <a:t>“</a:t>
+            </a:r>
+            <a:endParaRPr lang="de-DE" sz="2000" dirty="0">
+              <a:sym typeface="Wingdings" panose="05000000000000000000" pitchFamily="2" charset="2"/>
+            </a:endParaRPr>
+          </a:p>
+          <a:p>
+            <a:pPr lvl="1">
+              <a:buFont typeface="Arial" panose="020B0604020202020204" pitchFamily="34" charset="0"/>
+              <a:buChar char="•"/>
+            </a:pPr>
+            <a:r>
+              <a:rPr lang="de-DE" sz="1800" dirty="0">
+                <a:sym typeface="Wingdings" panose="05000000000000000000" pitchFamily="2" charset="2"/>
+              </a:rPr>
+              <a:t>Manifest („Inhaltverzeichnis des Images“)</a:t>
+            </a:r>
+          </a:p>
+          <a:p>
+            <a:pPr lvl="2">
+              <a:buFont typeface="Arial" panose="020B0604020202020204" pitchFamily="34" charset="0"/>
+              <a:buChar char="•"/>
+            </a:pPr>
+            <a:r>
+              <a:rPr lang="de-DE" sz="1600" dirty="0">
+                <a:sym typeface="Wingdings" panose="05000000000000000000" pitchFamily="2" charset="2"/>
+              </a:rPr>
+              <a:t>Informationen über </a:t>
+            </a:r>
+            <a:r>
+              <a:rPr lang="de-DE" sz="1600" dirty="0" err="1">
+                <a:sym typeface="Wingdings" panose="05000000000000000000" pitchFamily="2" charset="2"/>
+              </a:rPr>
+              <a:t>Layers</a:t>
+            </a:r>
+            <a:r>
+              <a:rPr lang="de-DE" sz="1600" dirty="0">
+                <a:sym typeface="Wingdings" panose="05000000000000000000" pitchFamily="2" charset="2"/>
+              </a:rPr>
+              <a:t> und Blobs des Images</a:t>
+            </a:r>
+            <a:endParaRPr lang="de-DE" sz="1600" dirty="0"/>
+          </a:p>
+          <a:p>
+            <a:pPr>
+              <a:buFont typeface="Arial" panose="020B0604020202020204" pitchFamily="34" charset="0"/>
+              <a:buChar char="•"/>
+            </a:pPr>
+            <a:endParaRPr lang="de-DE" sz="2000" dirty="0"/>
+          </a:p>
+          <a:p>
+            <a:pPr>
+              <a:buFont typeface="Arial" panose="020B0604020202020204" pitchFamily="34" charset="0"/>
+              <a:buChar char="•"/>
+            </a:pPr>
+            <a:r>
+              <a:rPr lang="de-DE" sz="2000" dirty="0" err="1"/>
+              <a:t>Dependency</a:t>
+            </a:r>
+            <a:r>
+              <a:rPr lang="de-DE" sz="2000" dirty="0"/>
+              <a:t> Proxy </a:t>
+            </a:r>
+            <a:r>
+              <a:rPr lang="de-DE" sz="2000" dirty="0" err="1"/>
+              <a:t>GitLab</a:t>
+            </a:r>
+            <a:r>
+              <a:rPr lang="de-DE" sz="2000" dirty="0"/>
+              <a:t> Dokumentation: </a:t>
+            </a:r>
+            <a:r>
+              <a:rPr lang="de-DE" sz="2000" dirty="0">
+                <a:hlinkClick r:id="rId4"/>
+              </a:rPr>
+              <a:t>https://docs.gitlab.com/ee/user/packages/dependency_proxy/</a:t>
+            </a:r>
+            <a:r>
+              <a:rPr lang="de-DE" sz="2000" dirty="0"/>
+              <a:t> </a:t>
+            </a:r>
+          </a:p>
+          <a:p>
+            <a:pPr>
+              <a:buFont typeface="Arial" panose="020B0604020202020204" pitchFamily="34" charset="0"/>
+              <a:buChar char="•"/>
+            </a:pPr>
+            <a:endParaRPr lang="de-DE" sz="2000" u="sng" dirty="0"/>
+          </a:p>
+          <a:p>
+            <a:pPr>
+              <a:buFont typeface="Arial" panose="020B0604020202020204" pitchFamily="34" charset="0"/>
+              <a:buChar char="•"/>
+            </a:pPr>
+            <a:r>
+              <a:rPr lang="de-DE" sz="2000" u="sng" dirty="0"/>
+              <a:t>Hier:</a:t>
+            </a:r>
+            <a:r>
+              <a:rPr lang="de-DE" sz="2000" dirty="0"/>
+              <a:t> Keine weitere Verwendung!</a:t>
+            </a:r>
+          </a:p>
+          <a:p>
+            <a:pPr lvl="1">
+              <a:buFont typeface="Arial" panose="020B0604020202020204" pitchFamily="34" charset="0"/>
+              <a:buChar char="•"/>
+            </a:pPr>
+            <a:endParaRPr lang="de-DE" dirty="0"/>
+          </a:p>
+          <a:p>
+            <a:pPr lvl="1">
+              <a:buFont typeface="Arial" panose="020B0604020202020204" pitchFamily="34" charset="0"/>
+              <a:buChar char="•"/>
+            </a:pPr>
+            <a:endParaRPr lang="de-DE" dirty="0"/>
+          </a:p>
+        </p:txBody>
+      </p:sp>
+    </p:spTree>
+    <p:extLst>
+      <p:ext uri="{BB962C8B-B14F-4D97-AF65-F5344CB8AC3E}">
+        <p14:creationId xmlns:p14="http://schemas.microsoft.com/office/powerpoint/2010/main" val="3823133771"/>
+      </p:ext>
+    </p:extLst>
+  </p:cSld>
+  <p:clrMapOvr>
+    <a:masterClrMapping/>
+  </p:clrMapOvr>
+</p:sld>
+</file>
+
+<file path=ppt/slides/slide33.xml><?xml version="1.0" encoding="utf-8"?>
+<p:sld xmlns:a="http://schemas.openxmlformats.org/drawingml/2006/main" xmlns:r="http://schemas.openxmlformats.org/officeDocument/2006/relationships" xmlns:p="http://schemas.openxmlformats.org/presentationml/2006/main" show="0">
   <p:cSld>
     <p:spTree>
       <p:nvGrpSpPr>
@@ -13628,12 +13406,12 @@
               <a:buNone/>
             </a:pPr>
             <a:r>
-              <a:rPr lang="en-US" b="1" dirty="0"/>
-              <a:t>Docker-in-Docker Container Image </a:t>
+              <a:rPr lang="en-US" sz="2000" b="1" dirty="0" err="1"/>
+              <a:t>Beispiel</a:t>
             </a:r>
             <a:r>
               <a:rPr lang="en-US" sz="2000" b="1" dirty="0"/>
-              <a:t>(</a:t>
+              <a:t>: Docker-in-Docker Container Image (</a:t>
             </a:r>
             <a:r>
               <a:rPr lang="en-US" sz="2000" b="1" dirty="0">
@@ -13647,27 +13425,185 @@
               <a:rPr lang="en-US" sz="2000" b="1" dirty="0"/>
               <a:t>)</a:t>
             </a:r>
+          </a:p>
+          <a:p>
+            <a:pPr marL="0" indent="0">
+              <a:buNone/>
+            </a:pPr>
+            <a:r>
+              <a:rPr lang="en-US" sz="2000" dirty="0" err="1"/>
+              <a:t>Eigene</a:t>
+            </a:r>
+            <a:r>
+              <a:rPr lang="en-US" sz="2000" dirty="0"/>
+              <a:t> Container Images </a:t>
+            </a:r>
+            <a:r>
+              <a:rPr lang="en-US" sz="2000" dirty="0" err="1"/>
+              <a:t>mit</a:t>
+            </a:r>
+            <a:r>
+              <a:rPr lang="en-US" sz="2000" dirty="0"/>
+              <a:t> Docker-in-Docker </a:t>
+            </a:r>
+            <a:r>
+              <a:rPr lang="en-US" sz="2000" dirty="0" err="1"/>
+              <a:t>nutzen</a:t>
+            </a:r>
+            <a:endParaRPr lang="en-US" sz="2000" dirty="0"/>
+          </a:p>
+          <a:p>
+            <a:pPr marL="457200" indent="-457200">
+              <a:buFont typeface="+mj-lt"/>
+              <a:buAutoNum type="arabicPeriod"/>
+            </a:pPr>
+            <a:r>
+              <a:rPr lang="en-US" sz="2000" dirty="0"/>
+              <a:t>Docker-in-Docker </a:t>
+            </a:r>
+            <a:r>
+              <a:rPr lang="en-US" sz="2000" dirty="0" err="1"/>
+              <a:t>einrichten</a:t>
+            </a:r>
+            <a:endParaRPr lang="en-US" sz="2000" dirty="0"/>
+          </a:p>
+          <a:p>
+            <a:pPr marL="457200" indent="-457200">
+              <a:buFont typeface="+mj-lt"/>
+              <a:buAutoNum type="arabicPeriod"/>
+            </a:pPr>
+            <a:r>
+              <a:rPr lang="en-US" sz="2000" dirty="0">
+                <a:solidFill>
+                  <a:srgbClr val="FF0000"/>
+                </a:solidFill>
+                <a:latin typeface="Consolas" panose="020B0609020204030204" pitchFamily="49" charset="0"/>
+              </a:rPr>
+              <a:t>image</a:t>
+            </a:r>
+            <a:r>
+              <a:rPr lang="en-US" sz="2000" dirty="0"/>
+              <a:t> und </a:t>
+            </a:r>
+            <a:r>
+              <a:rPr lang="en-US" sz="2000" dirty="0">
+                <a:solidFill>
+                  <a:srgbClr val="FF0000"/>
+                </a:solidFill>
+                <a:latin typeface="Consolas" panose="020B0609020204030204" pitchFamily="49" charset="0"/>
+              </a:rPr>
+              <a:t>service</a:t>
+            </a:r>
+            <a:r>
+              <a:rPr lang="en-US" sz="2000" dirty="0"/>
+              <a:t> auf </a:t>
+            </a:r>
+            <a:r>
+              <a:rPr lang="en-US" sz="2000" i="1" dirty="0"/>
+              <a:t>docker</a:t>
+            </a:r>
+            <a:r>
+              <a:rPr lang="en-US" sz="2000" dirty="0"/>
+              <a:t> </a:t>
+            </a:r>
+            <a:r>
+              <a:rPr lang="en-US" sz="2000" dirty="0" err="1"/>
+              <a:t>bzw</a:t>
+            </a:r>
+            <a:r>
+              <a:rPr lang="en-US" sz="2000" dirty="0"/>
+              <a:t>. </a:t>
+            </a:r>
+            <a:r>
+              <a:rPr lang="en-US" sz="2000" i="1" dirty="0"/>
+              <a:t>docker-</a:t>
+            </a:r>
+            <a:r>
+              <a:rPr lang="en-US" sz="2000" i="1" dirty="0" err="1"/>
+              <a:t>dind</a:t>
+            </a:r>
+            <a:r>
+              <a:rPr lang="en-US" sz="2000" dirty="0"/>
+              <a:t> Image </a:t>
+            </a:r>
+            <a:r>
+              <a:rPr lang="en-US" sz="2000" dirty="0" err="1"/>
+              <a:t>zeigen</a:t>
+            </a:r>
+            <a:r>
+              <a:rPr lang="en-US" sz="2000" dirty="0"/>
+              <a:t> </a:t>
+            </a:r>
+            <a:r>
+              <a:rPr lang="en-US" sz="2000" dirty="0" err="1"/>
+              <a:t>lassen</a:t>
+            </a:r>
+            <a:endParaRPr lang="en-US" sz="2000" dirty="0"/>
+          </a:p>
+          <a:p>
+            <a:pPr marL="457200" indent="-457200">
+              <a:buFont typeface="+mj-lt"/>
+              <a:buAutoNum type="arabicPeriod"/>
+            </a:pPr>
+            <a:r>
+              <a:rPr lang="en-US" sz="2000" dirty="0">
+                <a:solidFill>
+                  <a:srgbClr val="FF0000"/>
+                </a:solidFill>
+                <a:latin typeface="Consolas" panose="020B0609020204030204" pitchFamily="49" charset="0"/>
+              </a:rPr>
+              <a:t>alias</a:t>
+            </a:r>
+            <a:r>
+              <a:rPr lang="en-US" sz="2000" dirty="0"/>
+              <a:t> für </a:t>
+            </a:r>
+            <a:r>
+              <a:rPr lang="en-US" sz="2000" i="1" dirty="0"/>
+              <a:t>docker-</a:t>
+            </a:r>
+            <a:r>
+              <a:rPr lang="en-US" sz="2000" i="1" dirty="0" err="1"/>
+              <a:t>dind</a:t>
+            </a:r>
+            <a:r>
+              <a:rPr lang="en-US" sz="2000" dirty="0"/>
+              <a:t> </a:t>
+            </a:r>
+            <a:r>
+              <a:rPr lang="en-US" sz="2000" dirty="0" err="1"/>
+              <a:t>definieren</a:t>
+            </a:r>
             <a:endParaRPr lang="en-US" sz="2000" dirty="0">
               <a:latin typeface="Consolas" panose="020B0609020204030204" pitchFamily="49" charset="0"/>
             </a:endParaRPr>
           </a:p>
           <a:p>
+            <a:pPr marL="457200" indent="-457200">
+              <a:buFont typeface="+mj-lt"/>
+              <a:buAutoNum type="arabicPeriod"/>
+            </a:pPr>
+            <a:endParaRPr lang="en-US" sz="2000" dirty="0">
+              <a:latin typeface="Consolas" panose="020B0609020204030204" pitchFamily="49" charset="0"/>
+            </a:endParaRPr>
+          </a:p>
+          <a:p>
             <a:pPr marL="0" indent="0">
               <a:buNone/>
             </a:pPr>
             <a:r>
-              <a:rPr lang="en-US" sz="2000" dirty="0">
+              <a:rPr lang="en-US" sz="1800" dirty="0">
                 <a:latin typeface="Consolas" panose="020B0609020204030204" pitchFamily="49" charset="0"/>
               </a:rPr>
               <a:t>.</a:t>
             </a:r>
             <a:r>
-              <a:rPr lang="en-US" sz="2000" dirty="0" err="1">
+              <a:rPr lang="en-US" sz="1800" dirty="0" err="1">
                 <a:latin typeface="Consolas" panose="020B0609020204030204" pitchFamily="49" charset="0"/>
               </a:rPr>
               <a:t>gitlab-ci.yml</a:t>
             </a:r>
-            <a:endParaRPr lang="en-US" sz="2000" dirty="0">
+            <a:endParaRPr lang="en-US" sz="1800" dirty="0">
               <a:latin typeface="Consolas" panose="020B0609020204030204" pitchFamily="49" charset="0"/>
             </a:endParaRPr>
           </a:p>
@@ -13692,7 +13628,7 @@
               <a:defRPr/>
             </a:pPr>
             <a:r>
-              <a:rPr kumimoji="0" lang="en-US" sz="1600" b="0" i="0" u="none" strike="noStrike" kern="0" cap="none" spc="0" normalizeH="0" baseline="0" noProof="0" dirty="0">
+              <a:rPr kumimoji="0" lang="en-US" sz="1400" b="0" i="0" u="none" strike="noStrike" kern="0" cap="none" spc="0" normalizeH="0" baseline="0" noProof="0" dirty="0">
                 <a:ln>
                   <a:noFill/>
                 </a:ln>
@@ -13730,7 +13666,7 @@
               <a:defRPr/>
             </a:pPr>
             <a:r>
-              <a:rPr kumimoji="0" lang="en-US" sz="1600" b="0" i="0" u="none" strike="noStrike" kern="0" cap="none" spc="0" normalizeH="0" baseline="0" noProof="0" dirty="0">
+              <a:rPr kumimoji="0" lang="en-US" sz="1400" b="0" i="0" u="none" strike="noStrike" kern="0" cap="none" spc="0" normalizeH="0" baseline="0" noProof="0" dirty="0">
                 <a:ln>
                   <a:noFill/>
                 </a:ln>
@@ -13747,7 +13683,7 @@
               <a:t>  </a:t>
             </a:r>
             <a:r>
-              <a:rPr kumimoji="0" lang="en-US" sz="1600" b="0" i="0" u="none" strike="noStrike" kern="0" cap="none" spc="0" normalizeH="0" baseline="0" noProof="0" dirty="0">
+              <a:rPr kumimoji="0" lang="en-US" sz="1400" b="0" i="0" u="none" strike="noStrike" kern="0" cap="none" spc="0" normalizeH="0" baseline="0" noProof="0" dirty="0">
                 <a:ln>
                   <a:noFill/>
                 </a:ln>
@@ -13764,7 +13700,7 @@
               <a:t>image</a:t>
             </a:r>
             <a:r>
-              <a:rPr kumimoji="0" lang="en-US" sz="1600" b="0" i="0" u="none" strike="noStrike" kern="0" cap="none" spc="0" normalizeH="0" baseline="0" noProof="0" dirty="0">
+              <a:rPr kumimoji="0" lang="en-US" sz="1400" b="0" i="0" u="none" strike="noStrike" kern="0" cap="none" spc="0" normalizeH="0" baseline="0" noProof="0" dirty="0">
                 <a:ln>
                   <a:noFill/>
                 </a:ln>
@@ -13781,7 +13717,7 @@
               <a:t>: </a:t>
             </a:r>
             <a:r>
-              <a:rPr kumimoji="0" lang="en-US" sz="1600" b="0" i="0" u="none" strike="noStrike" kern="0" cap="none" spc="0" normalizeH="0" baseline="0" noProof="0" dirty="0">
+              <a:rPr kumimoji="0" lang="en-US" sz="1400" b="0" i="0" u="none" strike="noStrike" kern="0" cap="none" spc="0" normalizeH="0" baseline="0" noProof="0" dirty="0">
                 <a:ln>
                   <a:noFill/>
                 </a:ln>
@@ -13798,7 +13734,7 @@
               <a:t>${CI_DEPENDENCY_PROXY_GROUP_IMAGE_PREFIX}</a:t>
             </a:r>
             <a:r>
-              <a:rPr kumimoji="0" lang="en-US" sz="1600" b="0" i="0" u="none" strike="noStrike" kern="0" cap="none" spc="0" normalizeH="0" baseline="0" noProof="0" dirty="0">
+              <a:rPr kumimoji="0" lang="en-US" sz="1400" b="0" i="0" u="none" strike="noStrike" kern="0" cap="none" spc="0" normalizeH="0" baseline="0" noProof="0" dirty="0">
                 <a:ln>
                   <a:noFill/>
                 </a:ln>
@@ -13836,7 +13772,7 @@
               <a:defRPr/>
             </a:pPr>
             <a:r>
-              <a:rPr kumimoji="0" lang="en-US" sz="1600" b="0" i="0" u="none" strike="noStrike" kern="0" cap="none" spc="0" normalizeH="0" baseline="0" noProof="0" dirty="0">
+              <a:rPr kumimoji="0" lang="en-US" sz="1400" b="0" i="0" u="none" strike="noStrike" kern="0" cap="none" spc="0" normalizeH="0" baseline="0" noProof="0" dirty="0">
                 <a:ln>
                   <a:noFill/>
                 </a:ln>
@@ -13853,7 +13789,7 @@
               <a:t>  </a:t>
             </a:r>
             <a:r>
-              <a:rPr kumimoji="0" lang="en-US" sz="1600" b="0" i="0" u="none" strike="noStrike" kern="0" cap="none" spc="0" normalizeH="0" baseline="0" noProof="0" dirty="0">
+              <a:rPr kumimoji="0" lang="en-US" sz="1400" b="0" i="0" u="none" strike="noStrike" kern="0" cap="none" spc="0" normalizeH="0" baseline="0" noProof="0" dirty="0">
                 <a:ln>
                   <a:noFill/>
                 </a:ln>
@@ -13870,7 +13806,7 @@
               <a:t>services</a:t>
             </a:r>
             <a:r>
-              <a:rPr kumimoji="0" lang="en-US" sz="1600" b="0" i="0" u="none" strike="noStrike" kern="0" cap="none" spc="0" normalizeH="0" baseline="0" noProof="0" dirty="0">
+              <a:rPr kumimoji="0" lang="en-US" sz="1400" b="0" i="0" u="none" strike="noStrike" kern="0" cap="none" spc="0" normalizeH="0" baseline="0" noProof="0" dirty="0">
                 <a:ln>
                   <a:noFill/>
                 </a:ln>
@@ -13908,7 +13844,7 @@
               <a:defRPr/>
             </a:pPr>
             <a:r>
-              <a:rPr kumimoji="0" lang="en-US" sz="1600" b="0" i="0" u="none" strike="noStrike" kern="0" cap="none" spc="0" normalizeH="0" baseline="0" noProof="0" dirty="0">
+              <a:rPr kumimoji="0" lang="en-US" sz="1400" b="0" i="0" u="none" strike="noStrike" kern="0" cap="none" spc="0" normalizeH="0" baseline="0" noProof="0" dirty="0">
                 <a:ln>
                   <a:noFill/>
                 </a:ln>
@@ -13925,7 +13861,7 @@
               <a:t>    - name: </a:t>
             </a:r>
             <a:r>
-              <a:rPr kumimoji="0" lang="en-US" sz="1600" b="0" i="0" u="none" strike="noStrike" kern="0" cap="none" spc="0" normalizeH="0" baseline="0" noProof="0" dirty="0">
+              <a:rPr kumimoji="0" lang="en-US" sz="1400" b="0" i="0" u="none" strike="noStrike" kern="0" cap="none" spc="0" normalizeH="0" baseline="0" noProof="0" dirty="0">
                 <a:ln>
                   <a:noFill/>
                 </a:ln>
@@ -13942,7 +13878,7 @@
               <a:t>${CI_DEPENDENCY_PROXY_GROUP_IMAGE_PREFIX}</a:t>
             </a:r>
             <a:r>
-              <a:rPr kumimoji="0" lang="en-US" sz="1600" b="0" i="0" u="none" strike="noStrike" kern="0" cap="none" spc="0" normalizeH="0" baseline="0" noProof="0" dirty="0">
+              <a:rPr kumimoji="0" lang="en-US" sz="1400" b="0" i="0" u="none" strike="noStrike" kern="0" cap="none" spc="0" normalizeH="0" baseline="0" noProof="0" dirty="0">
                 <a:ln>
                   <a:noFill/>
                 </a:ln>
@@ -13956,39 +13892,8 @@
                 <a:ea typeface="+mn-ea"/>
                 <a:cs typeface="+mn-cs"/>
               </a:rPr>
-              <a:t>/</a:t>
-            </a:r>
-            <a:r>
-              <a:rPr kumimoji="0" lang="en-US" sz="1600" b="0" i="0" u="none" strike="noStrike" kern="0" cap="none" spc="0" normalizeH="0" baseline="0" noProof="0">
-                <a:ln>
-                  <a:noFill/>
-                </a:ln>
-                <a:solidFill>
-                  <a:srgbClr val="000000"/>
-                </a:solidFill>
-                <a:effectLst/>
-                <a:uLnTx/>
-                <a:uFillTx/>
-                <a:latin typeface="Consolas" panose="020B0609020204030204" pitchFamily="49" charset="0"/>
-                <a:ea typeface="+mn-ea"/>
-                <a:cs typeface="+mn-cs"/>
-              </a:rPr>
-              <a:t>docker:20.10.16-dind</a:t>
-            </a:r>
-            <a:endParaRPr kumimoji="0" lang="en-US" sz="1600" b="0" i="0" u="none" strike="noStrike" kern="0" cap="none" spc="0" normalizeH="0" baseline="0" noProof="0" dirty="0">
-              <a:ln>
-                <a:noFill/>
-              </a:ln>
-              <a:solidFill>
-                <a:srgbClr val="000000"/>
-              </a:solidFill>
-              <a:effectLst/>
-              <a:uLnTx/>
-              <a:uFillTx/>
-              <a:latin typeface="Consolas" panose="020B0609020204030204" pitchFamily="49" charset="0"/>
-              <a:ea typeface="+mn-ea"/>
-              <a:cs typeface="+mn-cs"/>
-            </a:endParaRPr>
+              <a:t>/docker:20.10.16-dind</a:t>
+            </a:r>
           </a:p>
           <a:p>
             <a:pPr marL="0" marR="0" lvl="0" indent="0" algn="l" defTabSz="914400" rtl="0" eaLnBrk="1" fontAlgn="base" latinLnBrk="0" hangingPunct="1">
@@ -14011,7 +13916,7 @@
               <a:defRPr/>
             </a:pPr>
             <a:r>
-              <a:rPr kumimoji="0" lang="en-US" sz="1600" b="0" i="0" u="none" strike="noStrike" kern="0" cap="none" spc="0" normalizeH="0" baseline="0" noProof="0" dirty="0">
+              <a:rPr kumimoji="0" lang="en-US" sz="1400" b="0" i="0" u="none" strike="noStrike" kern="0" cap="none" spc="0" normalizeH="0" baseline="0" noProof="0" dirty="0">
                 <a:ln>
                   <a:noFill/>
                 </a:ln>
@@ -14028,7 +13933,7 @@
               <a:t>      </a:t>
             </a:r>
             <a:r>
-              <a:rPr kumimoji="0" lang="en-US" sz="1600" b="0" i="0" u="none" strike="noStrike" kern="0" cap="none" spc="0" normalizeH="0" baseline="0" noProof="0" dirty="0">
+              <a:rPr kumimoji="0" lang="en-US" sz="1400" b="0" i="0" u="none" strike="noStrike" kern="0" cap="none" spc="0" normalizeH="0" baseline="0" noProof="0" dirty="0">
                 <a:ln>
                   <a:noFill/>
                 </a:ln>
@@ -14045,7 +13950,7 @@
               <a:t>alias</a:t>
             </a:r>
             <a:r>
-              <a:rPr kumimoji="0" lang="en-US" sz="1600" b="0" i="0" u="none" strike="noStrike" kern="0" cap="none" spc="0" normalizeH="0" baseline="0" noProof="0" dirty="0">
+              <a:rPr kumimoji="0" lang="en-US" sz="1400" b="0" i="0" u="none" strike="noStrike" kern="0" cap="none" spc="0" normalizeH="0" baseline="0" noProof="0" dirty="0">
                 <a:ln>
                   <a:noFill/>
                 </a:ln>
@@ -14083,7 +13988,7 @@
               <a:defRPr/>
             </a:pPr>
             <a:r>
-              <a:rPr kumimoji="0" lang="en-US" sz="1600" b="0" i="0" u="none" strike="noStrike" kern="0" cap="none" spc="0" normalizeH="0" baseline="0" noProof="0" dirty="0">
+              <a:rPr kumimoji="0" lang="en-US" sz="1400" b="0" i="0" u="none" strike="noStrike" kern="0" cap="none" spc="0" normalizeH="0" baseline="0" noProof="0" dirty="0">
                 <a:ln>
                   <a:noFill/>
                 </a:ln>
@@ -14121,7 +14026,7 @@
               <a:defRPr/>
             </a:pPr>
             <a:r>
-              <a:rPr kumimoji="0" lang="en-US" sz="1600" b="0" i="0" u="none" strike="noStrike" kern="0" cap="none" spc="0" normalizeH="0" baseline="0" noProof="0" dirty="0">
+              <a:rPr kumimoji="0" lang="en-US" sz="1400" b="0" i="0" u="none" strike="noStrike" kern="0" cap="none" spc="0" normalizeH="0" baseline="0" noProof="0" dirty="0">
                 <a:ln>
                   <a:noFill/>
                 </a:ln>
@@ -14159,7 +14064,7 @@
               <a:defRPr/>
             </a:pPr>
             <a:r>
-              <a:rPr kumimoji="0" lang="en-US" sz="1600" b="0" i="0" u="none" strike="noStrike" kern="0" cap="none" spc="0" normalizeH="0" baseline="0" noProof="0" dirty="0">
+              <a:rPr kumimoji="0" lang="en-US" sz="1400" b="0" i="0" u="none" strike="noStrike" kern="0" cap="none" spc="0" normalizeH="0" baseline="0" noProof="0" dirty="0">
                 <a:ln>
                   <a:noFill/>
                 </a:ln>
@@ -14197,6 +14102,669 @@
               <a:defRPr/>
             </a:pPr>
             <a:r>
+              <a:rPr kumimoji="0" lang="en-US" sz="1400" b="0" i="0" u="none" strike="noStrike" kern="0" cap="none" spc="0" normalizeH="0" baseline="0" noProof="0" dirty="0">
+                <a:ln>
+                  <a:noFill/>
+                </a:ln>
+                <a:solidFill>
+                  <a:srgbClr val="000000"/>
+                </a:solidFill>
+                <a:effectLst/>
+                <a:uLnTx/>
+                <a:uFillTx/>
+                <a:latin typeface="Consolas" panose="020B0609020204030204" pitchFamily="49" charset="0"/>
+                <a:ea typeface="+mn-ea"/>
+                <a:cs typeface="+mn-cs"/>
+              </a:rPr>
+              <a:t>    - docker run my-docker-image /script/to/run/tests</a:t>
+            </a:r>
+            <a:endParaRPr kumimoji="0" lang="en-US" sz="1100" b="0" i="0" u="none" strike="noStrike" kern="0" cap="none" spc="0" normalizeH="0" baseline="0" noProof="0" dirty="0">
+              <a:ln>
+                <a:noFill/>
+              </a:ln>
+              <a:solidFill>
+                <a:srgbClr val="000000"/>
+              </a:solidFill>
+              <a:effectLst/>
+              <a:uLnTx/>
+              <a:uFillTx/>
+              <a:latin typeface="Consolas" panose="020B0609020204030204" pitchFamily="49" charset="0"/>
+              <a:ea typeface="+mn-ea"/>
+              <a:cs typeface="+mn-cs"/>
+            </a:endParaRPr>
+          </a:p>
+        </p:txBody>
+      </p:sp>
+    </p:spTree>
+    <p:extLst>
+      <p:ext uri="{BB962C8B-B14F-4D97-AF65-F5344CB8AC3E}">
+        <p14:creationId xmlns:p14="http://schemas.microsoft.com/office/powerpoint/2010/main" val="3865403592"/>
+      </p:ext>
+    </p:extLst>
+  </p:cSld>
+  <p:clrMapOvr>
+    <a:masterClrMapping/>
+  </p:clrMapOvr>
+</p:sld>
+</file>
+
+<file path=ppt/slides/slide34.xml><?xml version="1.0" encoding="utf-8"?>
+<p:sld xmlns:a="http://schemas.openxmlformats.org/drawingml/2006/main" xmlns:r="http://schemas.openxmlformats.org/officeDocument/2006/relationships" xmlns:p="http://schemas.openxmlformats.org/presentationml/2006/main" show="0">
+  <p:cSld>
+    <p:spTree>
+      <p:nvGrpSpPr>
+        <p:cNvPr id="1" name=""/>
+        <p:cNvGrpSpPr/>
+        <p:nvPr/>
+      </p:nvGrpSpPr>
+      <p:grpSpPr>
+        <a:xfrm>
+          <a:off x="0" y="0"/>
+          <a:ext cx="0" cy="0"/>
+          <a:chOff x="0" y="0"/>
+          <a:chExt cx="0" cy="0"/>
+        </a:xfrm>
+      </p:grpSpPr>
+      <p:sp>
+        <p:nvSpPr>
+          <p:cNvPr id="2" name="Titel 1">
+            <a:extLst>
+              <a:ext uri="{FF2B5EF4-FFF2-40B4-BE49-F238E27FC236}">
+                <a16:creationId xmlns:a16="http://schemas.microsoft.com/office/drawing/2014/main" id="{021C1D90-AB38-D152-26B9-E4AB49CCFEE9}"/>
+              </a:ext>
+            </a:extLst>
+          </p:cNvPr>
+          <p:cNvSpPr>
+            <a:spLocks noGrp="1"/>
+          </p:cNvSpPr>
+          <p:nvPr>
+            <p:ph type="title"/>
+          </p:nvPr>
+        </p:nvSpPr>
+        <p:spPr/>
+        <p:txBody>
+          <a:bodyPr/>
+          <a:lstStyle/>
+          <a:p>
+            <a:r>
+              <a:rPr lang="de-DE" cap="none" dirty="0"/>
+              <a:t>Release- und </a:t>
+            </a:r>
+            <a:r>
+              <a:rPr lang="de-DE" cap="none" dirty="0" err="1"/>
+              <a:t>Tagged</a:t>
+            </a:r>
+            <a:r>
+              <a:rPr lang="de-DE" cap="none" dirty="0"/>
+              <a:t>-Images</a:t>
+            </a:r>
+            <a:endParaRPr lang="de-DE" dirty="0"/>
+          </a:p>
+        </p:txBody>
+      </p:sp>
+      <p:sp>
+        <p:nvSpPr>
+          <p:cNvPr id="3" name="Inhaltsplatzhalter 2">
+            <a:extLst>
+              <a:ext uri="{FF2B5EF4-FFF2-40B4-BE49-F238E27FC236}">
+                <a16:creationId xmlns:a16="http://schemas.microsoft.com/office/drawing/2014/main" id="{01B30DD9-6590-DB7B-37D7-65618A4BAC0E}"/>
+              </a:ext>
+            </a:extLst>
+          </p:cNvPr>
+          <p:cNvSpPr>
+            <a:spLocks noGrp="1"/>
+          </p:cNvSpPr>
+          <p:nvPr>
+            <p:ph idx="1"/>
+          </p:nvPr>
+        </p:nvSpPr>
+        <p:spPr/>
+        <p:txBody>
+          <a:bodyPr/>
+          <a:lstStyle/>
+          <a:p>
+            <a:pPr marL="0" indent="0">
+              <a:buNone/>
+            </a:pPr>
+            <a:r>
+              <a:rPr lang="en-US" b="1" dirty="0"/>
+              <a:t>Docker-in-Docker Container Image </a:t>
+            </a:r>
+            <a:r>
+              <a:rPr lang="en-US" sz="2000" b="1" dirty="0"/>
+              <a:t>(</a:t>
+            </a:r>
+            <a:r>
+              <a:rPr lang="en-US" sz="2000" b="1" dirty="0">
+                <a:solidFill>
+                  <a:srgbClr val="0249FC"/>
+                </a:solidFill>
+              </a:rPr>
+              <a:t>Dependency Proxy</a:t>
+            </a:r>
+            <a:r>
+              <a:rPr lang="en-US" sz="2000" b="1" dirty="0"/>
+              <a:t>)</a:t>
+            </a:r>
+            <a:endParaRPr lang="en-US" sz="2000" dirty="0">
+              <a:latin typeface="Consolas" panose="020B0609020204030204" pitchFamily="49" charset="0"/>
+            </a:endParaRPr>
+          </a:p>
+          <a:p>
+            <a:pPr marL="0" indent="0">
+              <a:buNone/>
+            </a:pPr>
+            <a:r>
+              <a:rPr lang="en-US" sz="2000" dirty="0">
+                <a:latin typeface="Consolas" panose="020B0609020204030204" pitchFamily="49" charset="0"/>
+              </a:rPr>
+              <a:t>.</a:t>
+            </a:r>
+            <a:r>
+              <a:rPr lang="en-US" sz="2000" dirty="0" err="1">
+                <a:latin typeface="Consolas" panose="020B0609020204030204" pitchFamily="49" charset="0"/>
+              </a:rPr>
+              <a:t>gitlab-ci.yml</a:t>
+            </a:r>
+            <a:endParaRPr lang="en-US" sz="2000" dirty="0">
+              <a:latin typeface="Consolas" panose="020B0609020204030204" pitchFamily="49" charset="0"/>
+            </a:endParaRPr>
+          </a:p>
+          <a:p>
+            <a:pPr marL="0" marR="0" lvl="0" indent="0" algn="l" defTabSz="914400" rtl="0" eaLnBrk="1" fontAlgn="base" latinLnBrk="0" hangingPunct="1">
+              <a:lnSpc>
+                <a:spcPct val="100000"/>
+              </a:lnSpc>
+              <a:spcBef>
+                <a:spcPct val="20000"/>
+              </a:spcBef>
+              <a:spcAft>
+                <a:spcPct val="0"/>
+              </a:spcAft>
+              <a:buClr>
+                <a:srgbClr val="008C5A"/>
+              </a:buClr>
+              <a:buSzTx/>
+              <a:buFont typeface="Monotype Sorts" pitchFamily="2" charset="2"/>
+              <a:buNone/>
+              <a:tabLst/>
+              <a:defRPr/>
+            </a:pPr>
+            <a:r>
+              <a:rPr kumimoji="0" lang="en-US" sz="1600" b="0" i="0" u="none" strike="noStrike" kern="0" cap="none" spc="0" normalizeH="0" baseline="0" noProof="0" dirty="0">
+                <a:ln>
+                  <a:noFill/>
+                </a:ln>
+                <a:solidFill>
+                  <a:srgbClr val="000000"/>
+                </a:solidFill>
+                <a:effectLst/>
+                <a:uLnTx/>
+                <a:uFillTx/>
+                <a:latin typeface="Consolas" panose="020B0609020204030204" pitchFamily="49" charset="0"/>
+                <a:ea typeface="+mn-ea"/>
+                <a:cs typeface="+mn-cs"/>
+              </a:rPr>
+              <a:t>build:</a:t>
+            </a:r>
+          </a:p>
+          <a:p>
+            <a:pPr marL="0" marR="0" lvl="0" indent="0" algn="l" defTabSz="914400" rtl="0" eaLnBrk="1" fontAlgn="base" latinLnBrk="0" hangingPunct="1">
+              <a:lnSpc>
+                <a:spcPct val="100000"/>
+              </a:lnSpc>
+              <a:spcBef>
+                <a:spcPct val="20000"/>
+              </a:spcBef>
+              <a:spcAft>
+                <a:spcPct val="0"/>
+              </a:spcAft>
+              <a:buClr>
+                <a:srgbClr val="008C5A"/>
+              </a:buClr>
+              <a:buSzTx/>
+              <a:buFont typeface="Monotype Sorts" pitchFamily="2" charset="2"/>
+              <a:buNone/>
+              <a:tabLst/>
+              <a:defRPr/>
+            </a:pPr>
+            <a:r>
+              <a:rPr kumimoji="0" lang="en-US" sz="1600" b="0" i="0" u="none" strike="noStrike" kern="0" cap="none" spc="0" normalizeH="0" baseline="0" noProof="0" dirty="0">
+                <a:ln>
+                  <a:noFill/>
+                </a:ln>
+                <a:solidFill>
+                  <a:srgbClr val="000000"/>
+                </a:solidFill>
+                <a:effectLst/>
+                <a:uLnTx/>
+                <a:uFillTx/>
+                <a:latin typeface="Consolas" panose="020B0609020204030204" pitchFamily="49" charset="0"/>
+                <a:ea typeface="+mn-ea"/>
+                <a:cs typeface="+mn-cs"/>
+              </a:rPr>
+              <a:t>  </a:t>
+            </a:r>
+            <a:r>
+              <a:rPr kumimoji="0" lang="en-US" sz="1600" b="0" i="0" u="none" strike="noStrike" kern="0" cap="none" spc="0" normalizeH="0" baseline="0" noProof="0" dirty="0">
+                <a:ln>
+                  <a:noFill/>
+                </a:ln>
+                <a:solidFill>
+                  <a:srgbClr val="FF0000"/>
+                </a:solidFill>
+                <a:effectLst/>
+                <a:uLnTx/>
+                <a:uFillTx/>
+                <a:latin typeface="Consolas" panose="020B0609020204030204" pitchFamily="49" charset="0"/>
+                <a:ea typeface="+mn-ea"/>
+                <a:cs typeface="+mn-cs"/>
+              </a:rPr>
+              <a:t>image</a:t>
+            </a:r>
+            <a:r>
+              <a:rPr kumimoji="0" lang="en-US" sz="1600" b="0" i="0" u="none" strike="noStrike" kern="0" cap="none" spc="0" normalizeH="0" baseline="0" noProof="0" dirty="0">
+                <a:ln>
+                  <a:noFill/>
+                </a:ln>
+                <a:solidFill>
+                  <a:srgbClr val="000000"/>
+                </a:solidFill>
+                <a:effectLst/>
+                <a:uLnTx/>
+                <a:uFillTx/>
+                <a:latin typeface="Consolas" panose="020B0609020204030204" pitchFamily="49" charset="0"/>
+                <a:ea typeface="+mn-ea"/>
+                <a:cs typeface="+mn-cs"/>
+              </a:rPr>
+              <a:t>: </a:t>
+            </a:r>
+            <a:r>
+              <a:rPr kumimoji="0" lang="en-US" sz="1600" b="0" i="0" u="none" strike="noStrike" kern="0" cap="none" spc="0" normalizeH="0" baseline="0" noProof="0" dirty="0">
+                <a:ln>
+                  <a:noFill/>
+                </a:ln>
+                <a:solidFill>
+                  <a:srgbClr val="0249FC"/>
+                </a:solidFill>
+                <a:effectLst/>
+                <a:uLnTx/>
+                <a:uFillTx/>
+                <a:latin typeface="Consolas" panose="020B0609020204030204" pitchFamily="49" charset="0"/>
+                <a:ea typeface="+mn-ea"/>
+                <a:cs typeface="+mn-cs"/>
+              </a:rPr>
+              <a:t>${CI_DEPENDENCY_PROXY_GROUP_IMAGE_PREFIX}</a:t>
+            </a:r>
+            <a:r>
+              <a:rPr kumimoji="0" lang="en-US" sz="1600" b="0" i="0" u="none" strike="noStrike" kern="0" cap="none" spc="0" normalizeH="0" baseline="0" noProof="0" dirty="0">
+                <a:ln>
+                  <a:noFill/>
+                </a:ln>
+                <a:solidFill>
+                  <a:srgbClr val="000000"/>
+                </a:solidFill>
+                <a:effectLst/>
+                <a:uLnTx/>
+                <a:uFillTx/>
+                <a:latin typeface="Consolas" panose="020B0609020204030204" pitchFamily="49" charset="0"/>
+                <a:ea typeface="+mn-ea"/>
+                <a:cs typeface="+mn-cs"/>
+              </a:rPr>
+              <a:t>/docker:20.10.16</a:t>
+            </a:r>
+          </a:p>
+          <a:p>
+            <a:pPr marL="0" marR="0" lvl="0" indent="0" algn="l" defTabSz="914400" rtl="0" eaLnBrk="1" fontAlgn="base" latinLnBrk="0" hangingPunct="1">
+              <a:lnSpc>
+                <a:spcPct val="100000"/>
+              </a:lnSpc>
+              <a:spcBef>
+                <a:spcPct val="20000"/>
+              </a:spcBef>
+              <a:spcAft>
+                <a:spcPct val="0"/>
+              </a:spcAft>
+              <a:buClr>
+                <a:srgbClr val="008C5A"/>
+              </a:buClr>
+              <a:buSzTx/>
+              <a:buFont typeface="Monotype Sorts" pitchFamily="2" charset="2"/>
+              <a:buNone/>
+              <a:tabLst/>
+              <a:defRPr/>
+            </a:pPr>
+            <a:r>
+              <a:rPr kumimoji="0" lang="en-US" sz="1600" b="0" i="0" u="none" strike="noStrike" kern="0" cap="none" spc="0" normalizeH="0" baseline="0" noProof="0" dirty="0">
+                <a:ln>
+                  <a:noFill/>
+                </a:ln>
+                <a:solidFill>
+                  <a:srgbClr val="000000"/>
+                </a:solidFill>
+                <a:effectLst/>
+                <a:uLnTx/>
+                <a:uFillTx/>
+                <a:latin typeface="Consolas" panose="020B0609020204030204" pitchFamily="49" charset="0"/>
+                <a:ea typeface="+mn-ea"/>
+                <a:cs typeface="+mn-cs"/>
+              </a:rPr>
+              <a:t>  </a:t>
+            </a:r>
+            <a:r>
+              <a:rPr kumimoji="0" lang="en-US" sz="1600" b="0" i="0" u="none" strike="noStrike" kern="0" cap="none" spc="0" normalizeH="0" baseline="0" noProof="0" dirty="0">
+                <a:ln>
+                  <a:noFill/>
+                </a:ln>
+                <a:solidFill>
+                  <a:srgbClr val="FF0000"/>
+                </a:solidFill>
+                <a:effectLst/>
+                <a:uLnTx/>
+                <a:uFillTx/>
+                <a:latin typeface="Consolas" panose="020B0609020204030204" pitchFamily="49" charset="0"/>
+                <a:ea typeface="+mn-ea"/>
+                <a:cs typeface="+mn-cs"/>
+              </a:rPr>
+              <a:t>services</a:t>
+            </a:r>
+            <a:r>
+              <a:rPr kumimoji="0" lang="en-US" sz="1600" b="0" i="0" u="none" strike="noStrike" kern="0" cap="none" spc="0" normalizeH="0" baseline="0" noProof="0" dirty="0">
+                <a:ln>
+                  <a:noFill/>
+                </a:ln>
+                <a:solidFill>
+                  <a:srgbClr val="000000"/>
+                </a:solidFill>
+                <a:effectLst/>
+                <a:uLnTx/>
+                <a:uFillTx/>
+                <a:latin typeface="Consolas" panose="020B0609020204030204" pitchFamily="49" charset="0"/>
+                <a:ea typeface="+mn-ea"/>
+                <a:cs typeface="+mn-cs"/>
+              </a:rPr>
+              <a:t>:</a:t>
+            </a:r>
+          </a:p>
+          <a:p>
+            <a:pPr marL="0" marR="0" lvl="0" indent="0" algn="l" defTabSz="914400" rtl="0" eaLnBrk="1" fontAlgn="base" latinLnBrk="0" hangingPunct="1">
+              <a:lnSpc>
+                <a:spcPct val="100000"/>
+              </a:lnSpc>
+              <a:spcBef>
+                <a:spcPct val="20000"/>
+              </a:spcBef>
+              <a:spcAft>
+                <a:spcPct val="0"/>
+              </a:spcAft>
+              <a:buClr>
+                <a:srgbClr val="008C5A"/>
+              </a:buClr>
+              <a:buSzTx/>
+              <a:buFont typeface="Monotype Sorts" pitchFamily="2" charset="2"/>
+              <a:buNone/>
+              <a:tabLst/>
+              <a:defRPr/>
+            </a:pPr>
+            <a:r>
+              <a:rPr kumimoji="0" lang="en-US" sz="1600" b="0" i="0" u="none" strike="noStrike" kern="0" cap="none" spc="0" normalizeH="0" baseline="0" noProof="0" dirty="0">
+                <a:ln>
+                  <a:noFill/>
+                </a:ln>
+                <a:solidFill>
+                  <a:srgbClr val="000000"/>
+                </a:solidFill>
+                <a:effectLst/>
+                <a:uLnTx/>
+                <a:uFillTx/>
+                <a:latin typeface="Consolas" panose="020B0609020204030204" pitchFamily="49" charset="0"/>
+                <a:ea typeface="+mn-ea"/>
+                <a:cs typeface="+mn-cs"/>
+              </a:rPr>
+              <a:t>    - name: </a:t>
+            </a:r>
+            <a:r>
+              <a:rPr kumimoji="0" lang="en-US" sz="1600" b="0" i="0" u="none" strike="noStrike" kern="0" cap="none" spc="0" normalizeH="0" baseline="0" noProof="0" dirty="0">
+                <a:ln>
+                  <a:noFill/>
+                </a:ln>
+                <a:solidFill>
+                  <a:srgbClr val="0249FC"/>
+                </a:solidFill>
+                <a:effectLst/>
+                <a:uLnTx/>
+                <a:uFillTx/>
+                <a:latin typeface="Consolas" panose="020B0609020204030204" pitchFamily="49" charset="0"/>
+                <a:ea typeface="+mn-ea"/>
+                <a:cs typeface="+mn-cs"/>
+              </a:rPr>
+              <a:t>${CI_DEPENDENCY_PROXY_GROUP_IMAGE_PREFIX}</a:t>
+            </a:r>
+            <a:r>
+              <a:rPr kumimoji="0" lang="en-US" sz="1600" b="0" i="0" u="none" strike="noStrike" kern="0" cap="none" spc="0" normalizeH="0" baseline="0" noProof="0" dirty="0">
+                <a:ln>
+                  <a:noFill/>
+                </a:ln>
+                <a:solidFill>
+                  <a:srgbClr val="000000"/>
+                </a:solidFill>
+                <a:effectLst/>
+                <a:uLnTx/>
+                <a:uFillTx/>
+                <a:latin typeface="Consolas" panose="020B0609020204030204" pitchFamily="49" charset="0"/>
+                <a:ea typeface="+mn-ea"/>
+                <a:cs typeface="+mn-cs"/>
+              </a:rPr>
+              <a:t>/docker:20.10.16-dind</a:t>
+            </a:r>
+          </a:p>
+          <a:p>
+            <a:pPr marL="0" marR="0" lvl="0" indent="0" algn="l" defTabSz="914400" rtl="0" eaLnBrk="1" fontAlgn="base" latinLnBrk="0" hangingPunct="1">
+              <a:lnSpc>
+                <a:spcPct val="100000"/>
+              </a:lnSpc>
+              <a:spcBef>
+                <a:spcPct val="20000"/>
+              </a:spcBef>
+              <a:spcAft>
+                <a:spcPct val="0"/>
+              </a:spcAft>
+              <a:buClr>
+                <a:srgbClr val="008C5A"/>
+              </a:buClr>
+              <a:buSzTx/>
+              <a:buFont typeface="Monotype Sorts" pitchFamily="2" charset="2"/>
+              <a:buNone/>
+              <a:tabLst/>
+              <a:defRPr/>
+            </a:pPr>
+            <a:r>
+              <a:rPr kumimoji="0" lang="en-US" sz="1600" b="0" i="0" u="none" strike="noStrike" kern="0" cap="none" spc="0" normalizeH="0" baseline="0" noProof="0" dirty="0">
+                <a:ln>
+                  <a:noFill/>
+                </a:ln>
+                <a:solidFill>
+                  <a:srgbClr val="000000"/>
+                </a:solidFill>
+                <a:effectLst/>
+                <a:uLnTx/>
+                <a:uFillTx/>
+                <a:latin typeface="Consolas" panose="020B0609020204030204" pitchFamily="49" charset="0"/>
+                <a:ea typeface="+mn-ea"/>
+                <a:cs typeface="+mn-cs"/>
+              </a:rPr>
+              <a:t>      </a:t>
+            </a:r>
+            <a:r>
+              <a:rPr kumimoji="0" lang="en-US" sz="1600" b="0" i="0" u="none" strike="noStrike" kern="0" cap="none" spc="0" normalizeH="0" baseline="0" noProof="0" dirty="0">
+                <a:ln>
+                  <a:noFill/>
+                </a:ln>
+                <a:solidFill>
+                  <a:srgbClr val="FF0000"/>
+                </a:solidFill>
+                <a:effectLst/>
+                <a:uLnTx/>
+                <a:uFillTx/>
+                <a:latin typeface="Consolas" panose="020B0609020204030204" pitchFamily="49" charset="0"/>
+                <a:ea typeface="+mn-ea"/>
+                <a:cs typeface="+mn-cs"/>
+              </a:rPr>
+              <a:t>alias</a:t>
+            </a:r>
+            <a:r>
+              <a:rPr kumimoji="0" lang="en-US" sz="1600" b="0" i="0" u="none" strike="noStrike" kern="0" cap="none" spc="0" normalizeH="0" baseline="0" noProof="0" dirty="0">
+                <a:ln>
+                  <a:noFill/>
+                </a:ln>
+                <a:solidFill>
+                  <a:srgbClr val="000000"/>
+                </a:solidFill>
+                <a:effectLst/>
+                <a:uLnTx/>
+                <a:uFillTx/>
+                <a:latin typeface="Consolas" panose="020B0609020204030204" pitchFamily="49" charset="0"/>
+                <a:ea typeface="+mn-ea"/>
+                <a:cs typeface="+mn-cs"/>
+              </a:rPr>
+              <a:t>: docker</a:t>
+            </a:r>
+          </a:p>
+          <a:p>
+            <a:pPr marL="0" marR="0" lvl="0" indent="0" algn="l" defTabSz="914400" rtl="0" eaLnBrk="1" fontAlgn="base" latinLnBrk="0" hangingPunct="1">
+              <a:lnSpc>
+                <a:spcPct val="100000"/>
+              </a:lnSpc>
+              <a:spcBef>
+                <a:spcPct val="20000"/>
+              </a:spcBef>
+              <a:spcAft>
+                <a:spcPct val="0"/>
+              </a:spcAft>
+              <a:buClr>
+                <a:srgbClr val="008C5A"/>
+              </a:buClr>
+              <a:buSzTx/>
+              <a:buFont typeface="Monotype Sorts" pitchFamily="2" charset="2"/>
+              <a:buNone/>
+              <a:tabLst/>
+              <a:defRPr/>
+            </a:pPr>
+            <a:r>
+              <a:rPr kumimoji="0" lang="en-US" sz="1600" b="0" i="0" u="none" strike="noStrike" kern="0" cap="none" spc="0" normalizeH="0" baseline="0" noProof="0" dirty="0">
+                <a:ln>
+                  <a:noFill/>
+                </a:ln>
+                <a:solidFill>
+                  <a:srgbClr val="000000"/>
+                </a:solidFill>
+                <a:effectLst/>
+                <a:uLnTx/>
+                <a:uFillTx/>
+                <a:latin typeface="Consolas" panose="020B0609020204030204" pitchFamily="49" charset="0"/>
+                <a:ea typeface="+mn-ea"/>
+                <a:cs typeface="+mn-cs"/>
+              </a:rPr>
+              <a:t>  stage: build</a:t>
+            </a:r>
+          </a:p>
+          <a:p>
+            <a:pPr marL="0" marR="0" lvl="0" indent="0" algn="l" defTabSz="914400" rtl="0" eaLnBrk="1" fontAlgn="base" latinLnBrk="0" hangingPunct="1">
+              <a:lnSpc>
+                <a:spcPct val="100000"/>
+              </a:lnSpc>
+              <a:spcBef>
+                <a:spcPct val="20000"/>
+              </a:spcBef>
+              <a:spcAft>
+                <a:spcPct val="0"/>
+              </a:spcAft>
+              <a:buClr>
+                <a:srgbClr val="008C5A"/>
+              </a:buClr>
+              <a:buSzTx/>
+              <a:buFont typeface="Monotype Sorts" pitchFamily="2" charset="2"/>
+              <a:buNone/>
+              <a:tabLst/>
+              <a:defRPr/>
+            </a:pPr>
+            <a:r>
+              <a:rPr kumimoji="0" lang="en-US" sz="1600" b="0" i="0" u="none" strike="noStrike" kern="0" cap="none" spc="0" normalizeH="0" baseline="0" noProof="0" dirty="0">
+                <a:ln>
+                  <a:noFill/>
+                </a:ln>
+                <a:solidFill>
+                  <a:srgbClr val="000000"/>
+                </a:solidFill>
+                <a:effectLst/>
+                <a:uLnTx/>
+                <a:uFillTx/>
+                <a:latin typeface="Consolas" panose="020B0609020204030204" pitchFamily="49" charset="0"/>
+                <a:ea typeface="+mn-ea"/>
+                <a:cs typeface="+mn-cs"/>
+              </a:rPr>
+              <a:t>  script:</a:t>
+            </a:r>
+          </a:p>
+          <a:p>
+            <a:pPr marL="0" marR="0" lvl="0" indent="0" algn="l" defTabSz="914400" rtl="0" eaLnBrk="1" fontAlgn="base" latinLnBrk="0" hangingPunct="1">
+              <a:lnSpc>
+                <a:spcPct val="100000"/>
+              </a:lnSpc>
+              <a:spcBef>
+                <a:spcPct val="20000"/>
+              </a:spcBef>
+              <a:spcAft>
+                <a:spcPct val="0"/>
+              </a:spcAft>
+              <a:buClr>
+                <a:srgbClr val="008C5A"/>
+              </a:buClr>
+              <a:buSzTx/>
+              <a:buFont typeface="Monotype Sorts" pitchFamily="2" charset="2"/>
+              <a:buNone/>
+              <a:tabLst/>
+              <a:defRPr/>
+            </a:pPr>
+            <a:r>
+              <a:rPr kumimoji="0" lang="en-US" sz="1600" b="0" i="0" u="none" strike="noStrike" kern="0" cap="none" spc="0" normalizeH="0" baseline="0" noProof="0" dirty="0">
+                <a:ln>
+                  <a:noFill/>
+                </a:ln>
+                <a:solidFill>
+                  <a:srgbClr val="000000"/>
+                </a:solidFill>
+                <a:effectLst/>
+                <a:uLnTx/>
+                <a:uFillTx/>
+                <a:latin typeface="Consolas" panose="020B0609020204030204" pitchFamily="49" charset="0"/>
+                <a:ea typeface="+mn-ea"/>
+                <a:cs typeface="+mn-cs"/>
+              </a:rPr>
+              <a:t>    - docker build -t my-docker-image .</a:t>
+            </a:r>
+          </a:p>
+          <a:p>
+            <a:pPr marL="0" marR="0" lvl="0" indent="0" algn="l" defTabSz="914400" rtl="0" eaLnBrk="1" fontAlgn="base" latinLnBrk="0" hangingPunct="1">
+              <a:lnSpc>
+                <a:spcPct val="100000"/>
+              </a:lnSpc>
+              <a:spcBef>
+                <a:spcPct val="20000"/>
+              </a:spcBef>
+              <a:spcAft>
+                <a:spcPct val="0"/>
+              </a:spcAft>
+              <a:buClr>
+                <a:srgbClr val="008C5A"/>
+              </a:buClr>
+              <a:buSzTx/>
+              <a:buFont typeface="Monotype Sorts" pitchFamily="2" charset="2"/>
+              <a:buNone/>
+              <a:tabLst/>
+              <a:defRPr/>
+            </a:pPr>
+            <a:r>
               <a:rPr kumimoji="0" lang="en-US" sz="1600" b="0" i="0" u="none" strike="noStrike" kern="0" cap="none" spc="0" normalizeH="0" baseline="0" noProof="0" dirty="0">
                 <a:ln>
                   <a:noFill/>
@@ -14260,7 +14828,7 @@
                 </a:solidFill>
                 <a:latin typeface="+mj-lt"/>
               </a:rPr>
-              <a:t>service alias </a:t>
+              <a:t>alias </a:t>
             </a:r>
             <a:r>
               <a:rPr lang="en-US" sz="2000" dirty="0" err="1">
@@ -14272,31 +14840,31 @@
               <a:rPr lang="en-US" sz="2000" dirty="0">
                 <a:latin typeface="+mj-lt"/>
               </a:rPr>
-              <a:t> das Container Image den </a:t>
-            </a:r>
-            <a:r>
-              <a:rPr lang="en-US" sz="2000" dirty="0" err="1">
-                <a:latin typeface="Consolas" panose="020B0609020204030204" pitchFamily="49" charset="0"/>
-              </a:rPr>
-              <a:t>dind</a:t>
+              <a:t> das </a:t>
+            </a:r>
+            <a:r>
+              <a:rPr lang="en-US" sz="2000" i="1" dirty="0">
+                <a:latin typeface="+mj-lt"/>
+              </a:rPr>
+              <a:t>docker</a:t>
             </a:r>
             <a:r>
               <a:rPr lang="en-US" sz="2000" dirty="0">
                 <a:latin typeface="+mj-lt"/>
               </a:rPr>
-              <a:t> service </a:t>
+              <a:t> Container Image </a:t>
             </a:r>
             <a:r>
               <a:rPr lang="en-US" sz="2000" dirty="0" err="1">
                 <a:latin typeface="+mj-lt"/>
               </a:rPr>
-              <a:t>nicht</a:t>
+              <a:t>keinen</a:t>
             </a:r>
             <a:r>
               <a:rPr lang="en-US" sz="2000" dirty="0">
                 <a:latin typeface="+mj-lt"/>
               </a:rPr>
-              <a:t> </a:t>
+              <a:t> Docker Host </a:t>
             </a:r>
             <a:r>
               <a:rPr lang="en-US" sz="2000" dirty="0" err="1">
@@ -14413,7 +14981,7 @@
 </p:sld>
 </file>
 
-<file path=ppt/slides/slide32.xml><?xml version="1.0" encoding="utf-8"?>
+<file path=ppt/slides/slide35.xml><?xml version="1.0" encoding="utf-8"?>
 <p:sld xmlns:a="http://schemas.openxmlformats.org/drawingml/2006/main" xmlns:r="http://schemas.openxmlformats.org/officeDocument/2006/relationships" xmlns:p="http://schemas.openxmlformats.org/presentationml/2006/main">
   <p:cSld>
     <p:spTree>
@@ -14493,7 +15061,7 @@
             </a:pPr>
             <a:r>
               <a:rPr lang="de-DE" b="1" dirty="0"/>
-              <a:t>Aufgabe 1: Simple Docker-in-Docker </a:t>
+              <a:t>Aufgabe 1: Einfache Docker-in-Docker </a:t>
             </a:r>
             <a:r>
               <a:rPr lang="de-DE" b="1" dirty="0" err="1"/>
@@ -14646,7 +15214,7 @@
             </a:r>
             <a:r>
               <a:rPr lang="de-DE" dirty="0"/>
-              <a:t> verwenden</a:t>
+              <a:t> einbinden</a:t>
             </a:r>
           </a:p>
           <a:p>
@@ -14702,15 +15270,7 @@
             </a:pPr>
             <a:r>
               <a:rPr lang="de-DE" sz="1800" dirty="0"/>
-              <a:t>Das Container Image aus dem </a:t>
-            </a:r>
-            <a:r>
-              <a:rPr lang="de-DE" sz="1800" dirty="0" err="1"/>
-              <a:t>aktueleln</a:t>
-            </a:r>
-            <a:r>
-              <a:rPr lang="de-DE" sz="1800" dirty="0"/>
-              <a:t> Projekt bauen (</a:t>
+              <a:t>Das Container Image aus dem aktuellen Projekt bauen (</a:t>
             </a:r>
             <a:r>
               <a:rPr lang="de-DE" sz="1800" dirty="0" err="1"/>
@@ -14774,7 +15334,7 @@
 </p:sld>
 </file>
 
-<file path=ppt/slides/slide33.xml><?xml version="1.0" encoding="utf-8"?>
+<file path=ppt/slides/slide36.xml><?xml version="1.0" encoding="utf-8"?>
 <p:sld xmlns:a="http://schemas.openxmlformats.org/drawingml/2006/main" xmlns:r="http://schemas.openxmlformats.org/officeDocument/2006/relationships" xmlns:p="http://schemas.openxmlformats.org/presentationml/2006/main">
   <p:cSld>
     <p:spTree>
@@ -14892,7 +15452,7 @@
             </a:pPr>
             <a:r>
               <a:rPr lang="de-DE" dirty="0"/>
-              <a:t>Fügen Sie die Variable: </a:t>
+              <a:t>Fügen Sie die Variable </a:t>
             </a:r>
             <a:r>
               <a:rPr lang="de-DE" sz="2000" dirty="0">
@@ -15053,7 +15613,7 @@
 </p:sld>
 </file>
 
-<file path=ppt/slides/slide34.xml><?xml version="1.0" encoding="utf-8"?>
+<file path=ppt/slides/slide37.xml><?xml version="1.0" encoding="utf-8"?>
 <p:sld xmlns:a="http://schemas.openxmlformats.org/drawingml/2006/main" xmlns:r="http://schemas.openxmlformats.org/officeDocument/2006/relationships" xmlns:p="http://schemas.openxmlformats.org/presentationml/2006/main">
   <p:cSld>
     <p:spTree>
@@ -15485,7 +16045,7 @@
 </p:sld>
 </file>
 
-<file path=ppt/slides/slide35.xml><?xml version="1.0" encoding="utf-8"?>
+<file path=ppt/slides/slide38.xml><?xml version="1.0" encoding="utf-8"?>
 <p:sld xmlns:a="http://schemas.openxmlformats.org/drawingml/2006/main" xmlns:r="http://schemas.openxmlformats.org/officeDocument/2006/relationships" xmlns:p="http://schemas.openxmlformats.org/presentationml/2006/main">
   <p:cSld>
     <p:spTree>
@@ -15863,7 +16423,7 @@
             </a:pPr>
             <a:r>
               <a:rPr lang="de-DE" sz="1600" dirty="0"/>
-              <a:t>Ist die Adresse der Registry des aktuellen Projekts</a:t>
+              <a:t>Ist die Adresse der Registry des aktuellen Projektes</a:t>
             </a:r>
           </a:p>
           <a:p>
@@ -15897,7 +16457,7 @@
             </a:r>
             <a:r>
               <a:rPr lang="de-DE" sz="1400" dirty="0" err="1"/>
-              <a:t>sowercase</a:t>
+              <a:t>lowercase</a:t>
             </a:r>
             <a:r>
               <a:rPr lang="de-DE" sz="1400" dirty="0"/>
@@ -16289,13 +16849,8 @@
             </a:pPr>
             <a:r>
               <a:rPr lang="de-DE" dirty="0"/>
-              <a:t>Best </a:t>
-            </a:r>
-            <a:r>
-              <a:rPr lang="de-DE" dirty="0" err="1"/>
-              <a:t>Practises</a:t>
-            </a:r>
-            <a:endParaRPr lang="de-DE" dirty="0"/>
+              <a:t>Best Practices</a:t>
+            </a:r>
           </a:p>
         </p:txBody>
       </p:sp>
@@ -16402,7 +16957,7 @@
             </a:pPr>
             <a:r>
               <a:rPr lang="de-DE" dirty="0"/>
-              <a:t>Jedes Docker Image hat eine </a:t>
+              <a:t>Docker Image: </a:t>
             </a:r>
             <a:r>
               <a:rPr lang="de-DE" dirty="0" err="1"/>
@@ -16420,7 +16975,17 @@
             </a:pPr>
             <a:r>
               <a:rPr lang="de-DE" dirty="0"/>
-              <a:t>Mit IDs zu arbeiten kann umständlich sein</a:t>
+              <a:t>Beispiel: myimage:1f6ad45c7b3</a:t>
+            </a:r>
+          </a:p>
+          <a:p>
+            <a:pPr lvl="1">
+              <a:buFont typeface="Arial" panose="020B0604020202020204" pitchFamily="34" charset="0"/>
+              <a:buChar char="•"/>
+            </a:pPr>
+            <a:r>
+              <a:rPr lang="de-DE" dirty="0"/>
+              <a:t>Arbeiten mit IDs umständlich</a:t>
             </a:r>
           </a:p>
           <a:p>
@@ -16440,7 +17005,7 @@
             </a:pPr>
             <a:r>
               <a:rPr lang="de-DE" dirty="0"/>
-              <a:t>Tagging vergleichbar mit </a:t>
+              <a:t>Vergleichbar mit </a:t>
             </a:r>
             <a:r>
               <a:rPr lang="de-DE" dirty="0" err="1"/>
@@ -16459,7 +17024,7 @@
             </a:pPr>
             <a:r>
               <a:rPr lang="de-DE" dirty="0"/>
-              <a:t>Tags erlauben aussagekräftige Namen</a:t>
+              <a:t>Erlauben aussagekräftige Namen</a:t>
             </a:r>
           </a:p>
           <a:p>
@@ -16522,7 +17087,7 @@
               <a:rPr lang="de-DE" dirty="0">
                 <a:latin typeface="Consolas" panose="020B0609020204030204" pitchFamily="49" charset="0"/>
               </a:rPr>
-              <a:t>Ubuntu:24.04</a:t>
+              <a:t>ubuntu:24.04</a:t>
             </a:r>
           </a:p>
           <a:p>
@@ -16647,7 +17212,7 @@
             </a:pPr>
             <a:r>
               <a:rPr lang="de-DE" dirty="0"/>
-              <a:t>Im Vergleich zu IDs besser lesbar und benutzerfreundlicher</a:t>
+              <a:t>ID vs. Tag (lesbar und benutzerfreundlicher)</a:t>
             </a:r>
           </a:p>
           <a:p>
@@ -16667,15 +17232,7 @@
             </a:pPr>
             <a:r>
               <a:rPr lang="de-DE" dirty="0"/>
-              <a:t>Helfen beim </a:t>
-            </a:r>
-            <a:r>
-              <a:rPr lang="de-DE" dirty="0" err="1"/>
-              <a:t>Maintaining</a:t>
-            </a:r>
-            <a:r>
-              <a:rPr lang="de-DE" dirty="0"/>
-              <a:t> von verschiedenen Versionen des Images</a:t>
+              <a:t>Wartung verschiedener Versionen</a:t>
             </a:r>
           </a:p>
           <a:p>
@@ -16710,7 +17267,7 @@
             </a:pPr>
             <a:r>
               <a:rPr lang="de-DE" dirty="0"/>
-              <a:t>Wann wurde was durch wen aktualisiert/geändert</a:t>
+              <a:t>Historie</a:t>
             </a:r>
           </a:p>
           <a:p>
@@ -16730,7 +17287,7 @@
             </a:pPr>
             <a:r>
               <a:rPr lang="de-DE" dirty="0"/>
-              <a:t>In Befehlen und Skripten leichter zu verwenden</a:t>
+              <a:t>Leicht verwendbar</a:t>
             </a:r>
           </a:p>
           <a:p>
@@ -16758,49 +17315,8 @@
             </a:pPr>
             <a:r>
               <a:rPr lang="de-DE" dirty="0"/>
-              <a:t>Konsistente Tagging-Strategie macht automatisierte </a:t>
-            </a:r>
-            <a:r>
-              <a:rPr lang="de-DE" dirty="0" err="1"/>
-              <a:t>Deployments</a:t>
-            </a:r>
-            <a:r>
-              <a:rPr lang="de-DE" dirty="0"/>
-              <a:t> einfacher</a:t>
-            </a:r>
-          </a:p>
-          <a:p>
-            <a:pPr lvl="2">
-              <a:buFont typeface="Arial" panose="020B0604020202020204" pitchFamily="34" charset="0"/>
-              <a:buChar char="•"/>
-            </a:pPr>
-            <a:r>
-              <a:rPr lang="de-DE" sz="1800" dirty="0"/>
-              <a:t>CI/CD Pipeline automatisch: </a:t>
-            </a:r>
-            <a:r>
-              <a:rPr lang="de-DE" sz="1800" dirty="0" err="1"/>
-              <a:t>build</a:t>
-            </a:r>
-            <a:r>
-              <a:rPr lang="de-DE" sz="1800" dirty="0"/>
-              <a:t>, </a:t>
-            </a:r>
-            <a:r>
-              <a:rPr lang="de-DE" sz="1800" dirty="0" err="1"/>
-              <a:t>test</a:t>
-            </a:r>
-            <a:r>
-              <a:rPr lang="de-DE" sz="1800" dirty="0"/>
-              <a:t> and deploy </a:t>
-            </a:r>
-            <a:r>
-              <a:rPr lang="de-DE" sz="1800" dirty="0">
-                <a:sym typeface="Wingdings" panose="05000000000000000000" pitchFamily="2" charset="2"/>
-              </a:rPr>
-              <a:t></a:t>
-            </a:r>
-            <a:endParaRPr lang="de-DE" dirty="0"/>
+              <a:t>Durch konsistente Tagging-Strategie</a:t>
+            </a:r>
           </a:p>
         </p:txBody>
       </p:sp>
@@ -16897,7 +17413,15 @@
             </a:pPr>
             <a:r>
               <a:rPr lang="de-DE" b="1" dirty="0"/>
-              <a:t>Tagging während des </a:t>
+              <a:t>Tagging </a:t>
+            </a:r>
+            <a:r>
+              <a:rPr lang="de-DE" b="1" u="sng" dirty="0"/>
+              <a:t>während</a:t>
+            </a:r>
+            <a:r>
+              <a:rPr lang="de-DE" b="1" dirty="0"/>
+              <a:t> des </a:t>
             </a:r>
             <a:r>
               <a:rPr lang="de-DE" b="1" dirty="0" err="1"/>

--- a/slides/Tag-3_4-Release-und-Tagged-Images.pptx
+++ b/slides/Tag-3_4-Release-und-Tagged-Images.pptx
@@ -3450,7 +3450,7 @@
               <a:pPr algn="ctr">
                 <a:defRPr/>
               </a:pPr>
-              <a:t>12.06.2024</a:t>
+              <a:t>14.06.2024</a:t>
             </a:fld>
             <a:endParaRPr lang="de-DE" sz="1000">
               <a:solidFill>
@@ -3878,53 +3878,6 @@
       </p:sp>
       <p:sp>
         <p:nvSpPr>
-          <p:cNvPr id="1063" name="Rectangle 39">
-            <a:hlinkClick r:id="rId4"/>
-            <a:extLst>
-              <a:ext uri="{FF2B5EF4-FFF2-40B4-BE49-F238E27FC236}">
-                <a16:creationId xmlns:a16="http://schemas.microsoft.com/office/drawing/2014/main" id="{613611E0-DAA0-F230-CD0B-8592F1472163}"/>
-              </a:ext>
-            </a:extLst>
-          </p:cNvPr>
-          <p:cNvSpPr>
-            <a:spLocks noChangeArrowheads="1"/>
-          </p:cNvSpPr>
-          <p:nvPr userDrawn="1"/>
-        </p:nvSpPr>
-        <p:spPr bwMode="auto">
-          <a:xfrm>
-            <a:off x="3914775" y="3105150"/>
-            <a:ext cx="9144000" cy="461963"/>
-          </a:xfrm>
-          <a:prstGeom prst="rect">
-            <a:avLst/>
-          </a:prstGeom>
-          <a:noFill/>
-          <a:ln w="12700">
-            <a:noFill/>
-            <a:miter lim="800000"/>
-            <a:headEnd type="none" w="sm" len="sm"/>
-            <a:tailEnd type="none" w="sm" len="sm"/>
-          </a:ln>
-          <a:effectLst/>
-        </p:spPr>
-        <p:txBody>
-          <a:bodyPr>
-            <a:spAutoFit/>
-          </a:bodyPr>
-          <a:lstStyle/>
-          <a:p>
-            <a:pPr>
-              <a:defRPr/>
-            </a:pPr>
-            <a:endParaRPr lang="de-DE" dirty="0">
-              <a:latin typeface="Arial" pitchFamily="34" charset="0"/>
-            </a:endParaRPr>
-          </a:p>
-        </p:txBody>
-      </p:sp>
-      <p:sp>
-        <p:nvSpPr>
           <p:cNvPr id="1064" name="Rectangle 40">
             <a:extLst>
               <a:ext uri="{FF2B5EF4-FFF2-40B4-BE49-F238E27FC236}">
@@ -4130,7 +4083,7 @@
           <p:nvPr userDrawn="1"/>
         </p:nvPicPr>
         <p:blipFill>
-          <a:blip r:embed="rId5">
+          <a:blip r:embed="rId4">
             <a:extLst>
               <a:ext uri="{28A0092B-C50C-407E-A947-70E740481C1C}">
                 <a14:useLocalDpi xmlns:a14="http://schemas.microsoft.com/office/drawing/2010/main" val="0"/>
@@ -4190,7 +4143,7 @@
           <p:nvPr userDrawn="1"/>
         </p:nvPicPr>
         <p:blipFill>
-          <a:blip r:embed="rId6">
+          <a:blip r:embed="rId5">
             <a:extLst>
               <a:ext uri="{28A0092B-C50C-407E-A947-70E740481C1C}">
                 <a14:useLocalDpi xmlns:a14="http://schemas.microsoft.com/office/drawing/2010/main" val="0"/>
@@ -4314,7 +4267,7 @@
           <p:nvPr userDrawn="1"/>
         </p:nvPicPr>
         <p:blipFill>
-          <a:blip r:embed="rId7">
+          <a:blip r:embed="rId6">
             <a:extLst>
               <a:ext uri="{28A0092B-C50C-407E-A947-70E740481C1C}">
                 <a14:useLocalDpi xmlns:a14="http://schemas.microsoft.com/office/drawing/2010/main" val="0"/>

--- a/slides/Tag-3_4-Release-und-Tagged-Images.pptx
+++ b/slides/Tag-3_4-Release-und-Tagged-Images.pptx
@@ -13,8 +13,8 @@
   </p:handoutMasterIdLst>
   <p:sldIdLst>
     <p:sldId id="624" r:id="rId3"/>
-    <p:sldId id="634" r:id="rId4"/>
-    <p:sldId id="635" r:id="rId5"/>
+    <p:sldId id="289" r:id="rId4"/>
+    <p:sldId id="640" r:id="rId5"/>
     <p:sldId id="587" r:id="rId6"/>
     <p:sldId id="589" r:id="rId7"/>
     <p:sldId id="590" r:id="rId8"/>
@@ -3450,7 +3450,7 @@
               <a:pPr algn="ctr">
                 <a:defRPr/>
               </a:pPr>
-              <a:t>14.06.2024</a:t>
+              <a:t>18.06.2024</a:t>
             </a:fld>
             <a:endParaRPr lang="de-DE" sz="1000">
               <a:solidFill>
@@ -3813,7 +3813,7 @@
                 </a:solidFill>
                 <a:latin typeface="Arial" charset="0"/>
               </a:rPr>
-              <a:t>Daniel Krämer &amp; Malte Fischer</a:t>
+              <a:t>Daniel Krämer</a:t>
             </a:r>
           </a:p>
         </p:txBody>
@@ -5492,7 +5492,7 @@
             </a:br>
             <a:r>
               <a:rPr lang="de-DE" altLang="de-DE" sz="3200" dirty="0"/>
-              <a:t>Docker in der Entwicklung und </a:t>
+              <a:t>Docker, </a:t>
             </a:r>
             <a:r>
               <a:rPr lang="de-DE" altLang="de-DE" sz="3200" dirty="0" err="1"/>
@@ -5560,7 +5560,7 @@
             </a:pPr>
             <a:r>
               <a:rPr lang="de-DE" altLang="de-DE" sz="1600" dirty="0"/>
-              <a:t>19.06.2024, Daniel Krämer &amp; Malte Fischer</a:t>
+              <a:t>19.06.2024, Daniel Krämer</a:t>
             </a:r>
           </a:p>
         </p:txBody>
@@ -7937,9 +7937,100 @@
               <a:rPr lang="de-DE" altLang="de-DE" sz="1800" b="1" dirty="0" err="1"/>
               <a:t>GitLab</a:t>
             </a:r>
+            <a:endParaRPr lang="de-DE" altLang="de-DE" sz="1800" b="1" dirty="0"/>
+          </a:p>
+          <a:p>
+            <a:pPr lvl="1">
+              <a:buFont typeface="Arial" panose="020B0604020202020204" pitchFamily="34" charset="0"/>
+              <a:buChar char="•"/>
+            </a:pPr>
+            <a:r>
+              <a:rPr lang="de-DE" altLang="de-DE" sz="1400" dirty="0"/>
+              <a:t>Einführung &amp; Kursüberblick</a:t>
+            </a:r>
+          </a:p>
+          <a:p>
+            <a:pPr lvl="1">
+              <a:buFont typeface="Arial" panose="020B0604020202020204" pitchFamily="34" charset="0"/>
+              <a:buChar char="•"/>
+            </a:pPr>
+            <a:r>
+              <a:rPr lang="de-DE" altLang="de-DE" sz="1400" dirty="0"/>
+              <a:t>Grundlagen von </a:t>
+            </a:r>
+            <a:r>
+              <a:rPr lang="de-DE" altLang="de-DE" sz="1400" dirty="0" err="1"/>
+              <a:t>Git</a:t>
+            </a:r>
+            <a:endParaRPr lang="de-DE" altLang="de-DE" sz="1400" dirty="0"/>
+          </a:p>
+          <a:p>
+            <a:pPr lvl="1">
+              <a:buFont typeface="Arial" panose="020B0604020202020204" pitchFamily="34" charset="0"/>
+              <a:buChar char="•"/>
+            </a:pPr>
+            <a:r>
+              <a:rPr lang="de-DE" altLang="de-DE" sz="1400" dirty="0" err="1"/>
+              <a:t>Git</a:t>
+            </a:r>
+            <a:r>
+              <a:rPr lang="de-DE" altLang="de-DE" sz="1400" dirty="0"/>
+              <a:t> </a:t>
+            </a:r>
+            <a:r>
+              <a:rPr lang="de-DE" altLang="de-DE" sz="1400" dirty="0" err="1"/>
+              <a:t>Rebase</a:t>
+            </a:r>
+            <a:r>
+              <a:rPr lang="de-DE" altLang="de-DE" sz="1400" dirty="0"/>
+              <a:t> und </a:t>
+            </a:r>
+            <a:r>
+              <a:rPr lang="de-DE" altLang="de-DE" sz="1400" dirty="0" err="1"/>
+              <a:t>Merge</a:t>
+            </a:r>
+            <a:r>
+              <a:rPr lang="de-DE" altLang="de-DE" sz="1400" dirty="0"/>
+              <a:t>-Strategien</a:t>
+            </a:r>
+          </a:p>
+          <a:p>
+            <a:pPr lvl="1">
+              <a:buFont typeface="Arial" panose="020B0604020202020204" pitchFamily="34" charset="0"/>
+              <a:buChar char="•"/>
+            </a:pPr>
+            <a:r>
+              <a:rPr lang="de-DE" altLang="de-DE" sz="1400" dirty="0" err="1"/>
+              <a:t>Git</a:t>
+            </a:r>
+            <a:r>
+              <a:rPr lang="de-DE" altLang="de-DE" sz="1400" dirty="0"/>
+              <a:t> Remote</a:t>
+            </a:r>
+          </a:p>
+          <a:p>
+            <a:pPr lvl="1">
+              <a:buFont typeface="Arial" panose="020B0604020202020204" pitchFamily="34" charset="0"/>
+              <a:buChar char="•"/>
+            </a:pPr>
+            <a:r>
+              <a:rPr lang="de-DE" altLang="de-DE" sz="1400" dirty="0"/>
+              <a:t>Grundlagen von </a:t>
+            </a:r>
+            <a:r>
+              <a:rPr lang="de-DE" altLang="de-DE" sz="1400" dirty="0" err="1"/>
+              <a:t>GitLab</a:t>
+            </a:r>
+            <a:endParaRPr lang="de-DE" altLang="de-DE" sz="1400" dirty="0"/>
+          </a:p>
+          <a:p>
+            <a:pPr>
+              <a:buFont typeface="Arial" panose="020B0604020202020204" pitchFamily="34" charset="0"/>
+              <a:buChar char="•"/>
+            </a:pPr>
             <a:r>
               <a:rPr lang="de-DE" altLang="de-DE" sz="1800" b="1" dirty="0"/>
-              <a:t>, </a:t>
+              <a:t>Tag 2 – </a:t>
             </a:r>
             <a:r>
               <a:rPr lang="de-DE" altLang="de-DE" sz="1800" b="1" dirty="0" err="1"/>
@@ -7947,7 +8038,15 @@
             </a:r>
             <a:r>
               <a:rPr lang="de-DE" altLang="de-DE" sz="1800" b="1" dirty="0"/>
-              <a:t>-Workflow im Team</a:t>
+              <a:t>-Workflows, CI/CD, </a:t>
+            </a:r>
+            <a:r>
+              <a:rPr lang="de-DE" altLang="de-DE" sz="1800" b="1" dirty="0" err="1"/>
+              <a:t>GitLab</a:t>
+            </a:r>
+            <a:r>
+              <a:rPr lang="de-DE" altLang="de-DE" sz="1800" b="1" dirty="0"/>
+              <a:t> CI </a:t>
             </a:r>
           </a:p>
           <a:p>
@@ -7955,25 +8054,14 @@
               <a:buFont typeface="Arial" panose="020B0604020202020204" pitchFamily="34" charset="0"/>
               <a:buChar char="•"/>
             </a:pPr>
-            <a:r>
-              <a:rPr lang="de-DE" altLang="de-DE" sz="1400" dirty="0"/>
-              <a:t>Einführung &amp; Kursüberblick</a:t>
-            </a:r>
-          </a:p>
-          <a:p>
-            <a:pPr lvl="1">
-              <a:buFont typeface="Arial" panose="020B0604020202020204" pitchFamily="34" charset="0"/>
-              <a:buChar char="•"/>
-            </a:pPr>
-            <a:r>
-              <a:rPr lang="de-DE" altLang="de-DE" sz="1400" dirty="0"/>
-              <a:t>Grundlagen von </a:t>
-            </a:r>
             <a:r>
               <a:rPr lang="de-DE" altLang="de-DE" sz="1400" dirty="0" err="1"/>
               <a:t>Git</a:t>
             </a:r>
-            <a:endParaRPr lang="de-DE" altLang="de-DE" sz="1400" dirty="0"/>
+            <a:r>
+              <a:rPr lang="de-DE" altLang="de-DE" sz="1400" dirty="0"/>
+              <a:t>-Workflow im Team</a:t>
+            </a:r>
           </a:p>
           <a:p>
             <a:pPr lvl="1">
@@ -7982,121 +8070,45 @@
             </a:pPr>
             <a:r>
               <a:rPr lang="de-DE" altLang="de-DE" sz="1400" dirty="0" err="1"/>
-              <a:t>Git</a:t>
+              <a:t>Gitflow</a:t>
             </a:r>
             <a:r>
               <a:rPr lang="de-DE" altLang="de-DE" sz="1400" dirty="0"/>
-              <a:t> </a:t>
-            </a:r>
-            <a:r>
-              <a:rPr lang="de-DE" altLang="de-DE" sz="1400" dirty="0" err="1"/>
-              <a:t>Rebase</a:t>
-            </a:r>
+              <a:t>-Workflow</a:t>
+            </a:r>
+          </a:p>
+          <a:p>
+            <a:pPr lvl="1">
+              <a:buFont typeface="Arial" panose="020B0604020202020204" pitchFamily="34" charset="0"/>
+              <a:buChar char="•"/>
+            </a:pPr>
             <a:r>
               <a:rPr lang="de-DE" altLang="de-DE" sz="1400" dirty="0"/>
-              <a:t> und </a:t>
-            </a:r>
-            <a:r>
-              <a:rPr lang="de-DE" altLang="de-DE" sz="1400" dirty="0" err="1"/>
-              <a:t>Merge</a:t>
-            </a:r>
+              <a:t>Tags, Releases &amp; deren Verwaltung</a:t>
+            </a:r>
+          </a:p>
+          <a:p>
+            <a:pPr lvl="1">
+              <a:buFont typeface="Arial" panose="020B0604020202020204" pitchFamily="34" charset="0"/>
+              <a:buChar char="•"/>
+            </a:pPr>
             <a:r>
               <a:rPr lang="de-DE" altLang="de-DE" sz="1400" dirty="0"/>
-              <a:t>-Strategien</a:t>
-            </a:r>
-          </a:p>
-          <a:p>
-            <a:pPr lvl="1">
-              <a:buFont typeface="Arial" panose="020B0604020202020204" pitchFamily="34" charset="0"/>
-              <a:buChar char="•"/>
-            </a:pPr>
-            <a:r>
-              <a:rPr lang="de-DE" altLang="de-DE" sz="1400" dirty="0" err="1"/>
-              <a:t>Git</a:t>
-            </a:r>
-            <a:r>
-              <a:rPr lang="de-DE" altLang="de-DE" sz="1400" dirty="0"/>
-              <a:t> Remote</a:t>
-            </a:r>
-          </a:p>
-          <a:p>
-            <a:pPr lvl="1">
-              <a:buFont typeface="Arial" panose="020B0604020202020204" pitchFamily="34" charset="0"/>
-              <a:buChar char="•"/>
-            </a:pPr>
-            <a:r>
-              <a:rPr lang="de-DE" altLang="de-DE" sz="1400" dirty="0"/>
-              <a:t>Grundlagen von </a:t>
+              <a:t>Einführung in </a:t>
             </a:r>
             <a:r>
               <a:rPr lang="de-DE" altLang="de-DE" sz="1400" dirty="0" err="1"/>
               <a:t>GitLab</a:t>
             </a:r>
+            <a:r>
+              <a:rPr lang="de-DE" altLang="de-DE" sz="1400" dirty="0"/>
+              <a:t> CI/CD &amp; </a:t>
+            </a:r>
+            <a:r>
+              <a:rPr lang="de-DE" altLang="de-DE" sz="1400" dirty="0" err="1"/>
+              <a:t>gitlab-ci.yml</a:t>
+            </a:r>
             <a:endParaRPr lang="de-DE" altLang="de-DE" sz="1400" dirty="0"/>
-          </a:p>
-          <a:p>
-            <a:pPr lvl="1">
-              <a:buFont typeface="Arial" panose="020B0604020202020204" pitchFamily="34" charset="0"/>
-              <a:buChar char="•"/>
-            </a:pPr>
-            <a:r>
-              <a:rPr lang="de-DE" altLang="de-DE" sz="1400" dirty="0" err="1"/>
-              <a:t>Git</a:t>
-            </a:r>
-            <a:r>
-              <a:rPr lang="de-DE" altLang="de-DE" sz="1400" dirty="0"/>
-              <a:t>-Workflow im Team</a:t>
-            </a:r>
-          </a:p>
-          <a:p>
-            <a:pPr>
-              <a:buFont typeface="Arial" panose="020B0604020202020204" pitchFamily="34" charset="0"/>
-              <a:buChar char="•"/>
-            </a:pPr>
-            <a:r>
-              <a:rPr lang="de-DE" altLang="de-DE" sz="1800" b="1" dirty="0"/>
-              <a:t>Tag 2 – Vertiefung </a:t>
-            </a:r>
-            <a:r>
-              <a:rPr lang="de-DE" altLang="de-DE" sz="1800" b="1" dirty="0" err="1"/>
-              <a:t>Git</a:t>
-            </a:r>
-            <a:r>
-              <a:rPr lang="de-DE" altLang="de-DE" sz="1800" b="1" dirty="0"/>
-              <a:t>-Workflow, CI/CD &amp; </a:t>
-            </a:r>
-            <a:r>
-              <a:rPr lang="de-DE" altLang="de-DE" sz="1800" b="1" dirty="0" err="1"/>
-              <a:t>GitLab</a:t>
-            </a:r>
-            <a:r>
-              <a:rPr lang="de-DE" altLang="de-DE" sz="1800" b="1" dirty="0"/>
-              <a:t> CI </a:t>
-            </a:r>
-          </a:p>
-          <a:p>
-            <a:pPr lvl="1">
-              <a:buFont typeface="Arial" panose="020B0604020202020204" pitchFamily="34" charset="0"/>
-              <a:buChar char="•"/>
-            </a:pPr>
-            <a:r>
-              <a:rPr lang="de-DE" altLang="de-DE" sz="1400" dirty="0" err="1"/>
-              <a:t>Gitflow</a:t>
-            </a:r>
-            <a:r>
-              <a:rPr lang="de-DE" altLang="de-DE" sz="1400" dirty="0"/>
-              <a:t>-Workflow</a:t>
-            </a:r>
-          </a:p>
-          <a:p>
-            <a:pPr lvl="1">
-              <a:buFont typeface="Arial" panose="020B0604020202020204" pitchFamily="34" charset="0"/>
-              <a:buChar char="•"/>
-            </a:pPr>
-            <a:r>
-              <a:rPr lang="de-DE" altLang="de-DE" sz="1400" dirty="0"/>
-              <a:t>Tags, Releases &amp; deren Verwaltung</a:t>
-            </a:r>
           </a:p>
           <a:p>
             <a:pPr lvl="1">
@@ -8109,31 +8121,8 @@
             </a:r>
             <a:r>
               <a:rPr lang="de-DE" altLang="de-DE" sz="1400" dirty="0"/>
-              <a:t>-Runner</a:t>
-            </a:r>
-          </a:p>
-          <a:p>
-            <a:pPr lvl="1">
-              <a:buFont typeface="Arial" panose="020B0604020202020204" pitchFamily="34" charset="0"/>
-              <a:buChar char="•"/>
-            </a:pPr>
-            <a:r>
-              <a:rPr lang="de-DE" altLang="de-DE" sz="1400" dirty="0"/>
-              <a:t>Einführung in </a:t>
-            </a:r>
-            <a:r>
-              <a:rPr lang="de-DE" altLang="de-DE" sz="1400" dirty="0" err="1"/>
-              <a:t>GitLab</a:t>
-            </a:r>
-            <a:r>
-              <a:rPr lang="de-DE" altLang="de-DE" sz="1400" dirty="0"/>
-              <a:t> CI/CD &amp; </a:t>
-            </a:r>
-            <a:r>
-              <a:rPr lang="de-DE" altLang="de-DE" sz="1400" dirty="0" err="1"/>
-              <a:t>gitlab.yml</a:t>
-            </a:r>
-            <a:endParaRPr lang="de-DE" altLang="de-DE" sz="1400" dirty="0"/>
+              <a:t> Runner</a:t>
+            </a:r>
           </a:p>
           <a:p>
             <a:pPr>
@@ -8150,7 +8139,7 @@
             </a:r>
             <a:r>
               <a:rPr lang="de-DE" altLang="de-DE" sz="1800" b="1" dirty="0"/>
-              <a:t>, Docker in der Entwicklung und </a:t>
+              <a:t>, Docker, </a:t>
             </a:r>
             <a:r>
               <a:rPr lang="de-DE" altLang="de-DE" sz="1800" b="1" dirty="0" err="1"/>
@@ -8182,7 +8171,7 @@
             </a:pPr>
             <a:r>
               <a:rPr lang="de-DE" altLang="de-DE" sz="1400" dirty="0"/>
-              <a:t>Lokale Entwicklung mit Docker</a:t>
+              <a:t>Entwicklung mit Docker</a:t>
             </a:r>
           </a:p>
           <a:p>
@@ -11639,9 +11628,100 @@
               <a:rPr lang="de-DE" altLang="de-DE" sz="1800" b="1" dirty="0" err="1"/>
               <a:t>GitLab</a:t>
             </a:r>
+            <a:endParaRPr lang="de-DE" altLang="de-DE" sz="1800" b="1" dirty="0"/>
+          </a:p>
+          <a:p>
+            <a:pPr lvl="1">
+              <a:buFont typeface="Arial" panose="020B0604020202020204" pitchFamily="34" charset="0"/>
+              <a:buChar char="•"/>
+            </a:pPr>
+            <a:r>
+              <a:rPr lang="de-DE" altLang="de-DE" sz="1400" dirty="0"/>
+              <a:t>Einführung &amp; Kursüberblick</a:t>
+            </a:r>
+          </a:p>
+          <a:p>
+            <a:pPr lvl="1">
+              <a:buFont typeface="Arial" panose="020B0604020202020204" pitchFamily="34" charset="0"/>
+              <a:buChar char="•"/>
+            </a:pPr>
+            <a:r>
+              <a:rPr lang="de-DE" altLang="de-DE" sz="1400" dirty="0"/>
+              <a:t>Grundlagen von </a:t>
+            </a:r>
+            <a:r>
+              <a:rPr lang="de-DE" altLang="de-DE" sz="1400" dirty="0" err="1"/>
+              <a:t>Git</a:t>
+            </a:r>
+            <a:endParaRPr lang="de-DE" altLang="de-DE" sz="1400" dirty="0"/>
+          </a:p>
+          <a:p>
+            <a:pPr lvl="1">
+              <a:buFont typeface="Arial" panose="020B0604020202020204" pitchFamily="34" charset="0"/>
+              <a:buChar char="•"/>
+            </a:pPr>
+            <a:r>
+              <a:rPr lang="de-DE" altLang="de-DE" sz="1400" dirty="0" err="1"/>
+              <a:t>Git</a:t>
+            </a:r>
+            <a:r>
+              <a:rPr lang="de-DE" altLang="de-DE" sz="1400" dirty="0"/>
+              <a:t> </a:t>
+            </a:r>
+            <a:r>
+              <a:rPr lang="de-DE" altLang="de-DE" sz="1400" dirty="0" err="1"/>
+              <a:t>Rebase</a:t>
+            </a:r>
+            <a:r>
+              <a:rPr lang="de-DE" altLang="de-DE" sz="1400" dirty="0"/>
+              <a:t> und </a:t>
+            </a:r>
+            <a:r>
+              <a:rPr lang="de-DE" altLang="de-DE" sz="1400" dirty="0" err="1"/>
+              <a:t>Merge</a:t>
+            </a:r>
+            <a:r>
+              <a:rPr lang="de-DE" altLang="de-DE" sz="1400" dirty="0"/>
+              <a:t>-Strategien</a:t>
+            </a:r>
+          </a:p>
+          <a:p>
+            <a:pPr lvl="1">
+              <a:buFont typeface="Arial" panose="020B0604020202020204" pitchFamily="34" charset="0"/>
+              <a:buChar char="•"/>
+            </a:pPr>
+            <a:r>
+              <a:rPr lang="de-DE" altLang="de-DE" sz="1400" dirty="0" err="1"/>
+              <a:t>Git</a:t>
+            </a:r>
+            <a:r>
+              <a:rPr lang="de-DE" altLang="de-DE" sz="1400" dirty="0"/>
+              <a:t> Remote</a:t>
+            </a:r>
+          </a:p>
+          <a:p>
+            <a:pPr lvl="1">
+              <a:buFont typeface="Arial" panose="020B0604020202020204" pitchFamily="34" charset="0"/>
+              <a:buChar char="•"/>
+            </a:pPr>
+            <a:r>
+              <a:rPr lang="de-DE" altLang="de-DE" sz="1400" dirty="0"/>
+              <a:t>Grundlagen von </a:t>
+            </a:r>
+            <a:r>
+              <a:rPr lang="de-DE" altLang="de-DE" sz="1400" dirty="0" err="1"/>
+              <a:t>GitLab</a:t>
+            </a:r>
+            <a:endParaRPr lang="de-DE" altLang="de-DE" sz="1400" dirty="0"/>
+          </a:p>
+          <a:p>
+            <a:pPr>
+              <a:buFont typeface="Arial" panose="020B0604020202020204" pitchFamily="34" charset="0"/>
+              <a:buChar char="•"/>
+            </a:pPr>
             <a:r>
               <a:rPr lang="de-DE" altLang="de-DE" sz="1800" b="1" dirty="0"/>
-              <a:t>, </a:t>
+              <a:t>Tag 2 – </a:t>
             </a:r>
             <a:r>
               <a:rPr lang="de-DE" altLang="de-DE" sz="1800" b="1" dirty="0" err="1"/>
@@ -11649,7 +11729,15 @@
             </a:r>
             <a:r>
               <a:rPr lang="de-DE" altLang="de-DE" sz="1800" b="1" dirty="0"/>
-              <a:t>-Workflow im Team</a:t>
+              <a:t>-Workflows, CI/CD, </a:t>
+            </a:r>
+            <a:r>
+              <a:rPr lang="de-DE" altLang="de-DE" sz="1800" b="1" dirty="0" err="1"/>
+              <a:t>GitLab</a:t>
+            </a:r>
+            <a:r>
+              <a:rPr lang="de-DE" altLang="de-DE" sz="1800" b="1" dirty="0"/>
+              <a:t> CI </a:t>
             </a:r>
           </a:p>
           <a:p>
@@ -11657,25 +11745,14 @@
               <a:buFont typeface="Arial" panose="020B0604020202020204" pitchFamily="34" charset="0"/>
               <a:buChar char="•"/>
             </a:pPr>
-            <a:r>
-              <a:rPr lang="de-DE" altLang="de-DE" sz="1400" dirty="0"/>
-              <a:t>Einführung &amp; Kursüberblick</a:t>
-            </a:r>
-          </a:p>
-          <a:p>
-            <a:pPr lvl="1">
-              <a:buFont typeface="Arial" panose="020B0604020202020204" pitchFamily="34" charset="0"/>
-              <a:buChar char="•"/>
-            </a:pPr>
-            <a:r>
-              <a:rPr lang="de-DE" altLang="de-DE" sz="1400" dirty="0"/>
-              <a:t>Grundlagen von </a:t>
-            </a:r>
             <a:r>
               <a:rPr lang="de-DE" altLang="de-DE" sz="1400" dirty="0" err="1"/>
               <a:t>Git</a:t>
             </a:r>
-            <a:endParaRPr lang="de-DE" altLang="de-DE" sz="1400" dirty="0"/>
+            <a:r>
+              <a:rPr lang="de-DE" altLang="de-DE" sz="1400" dirty="0"/>
+              <a:t>-Workflow im Team</a:t>
+            </a:r>
           </a:p>
           <a:p>
             <a:pPr lvl="1">
@@ -11684,121 +11761,45 @@
             </a:pPr>
             <a:r>
               <a:rPr lang="de-DE" altLang="de-DE" sz="1400" dirty="0" err="1"/>
-              <a:t>Git</a:t>
+              <a:t>Gitflow</a:t>
             </a:r>
             <a:r>
               <a:rPr lang="de-DE" altLang="de-DE" sz="1400" dirty="0"/>
-              <a:t> </a:t>
-            </a:r>
-            <a:r>
-              <a:rPr lang="de-DE" altLang="de-DE" sz="1400" dirty="0" err="1"/>
-              <a:t>Rebase</a:t>
-            </a:r>
+              <a:t>-Workflow</a:t>
+            </a:r>
+          </a:p>
+          <a:p>
+            <a:pPr lvl="1">
+              <a:buFont typeface="Arial" panose="020B0604020202020204" pitchFamily="34" charset="0"/>
+              <a:buChar char="•"/>
+            </a:pPr>
             <a:r>
               <a:rPr lang="de-DE" altLang="de-DE" sz="1400" dirty="0"/>
-              <a:t> und </a:t>
-            </a:r>
-            <a:r>
-              <a:rPr lang="de-DE" altLang="de-DE" sz="1400" dirty="0" err="1"/>
-              <a:t>Merge</a:t>
-            </a:r>
+              <a:t>Tags, Releases &amp; deren Verwaltung</a:t>
+            </a:r>
+          </a:p>
+          <a:p>
+            <a:pPr lvl="1">
+              <a:buFont typeface="Arial" panose="020B0604020202020204" pitchFamily="34" charset="0"/>
+              <a:buChar char="•"/>
+            </a:pPr>
             <a:r>
               <a:rPr lang="de-DE" altLang="de-DE" sz="1400" dirty="0"/>
-              <a:t>-Strategien</a:t>
-            </a:r>
-          </a:p>
-          <a:p>
-            <a:pPr lvl="1">
-              <a:buFont typeface="Arial" panose="020B0604020202020204" pitchFamily="34" charset="0"/>
-              <a:buChar char="•"/>
-            </a:pPr>
-            <a:r>
-              <a:rPr lang="de-DE" altLang="de-DE" sz="1400" dirty="0" err="1"/>
-              <a:t>Git</a:t>
-            </a:r>
-            <a:r>
-              <a:rPr lang="de-DE" altLang="de-DE" sz="1400" dirty="0"/>
-              <a:t> Remote</a:t>
-            </a:r>
-          </a:p>
-          <a:p>
-            <a:pPr lvl="1">
-              <a:buFont typeface="Arial" panose="020B0604020202020204" pitchFamily="34" charset="0"/>
-              <a:buChar char="•"/>
-            </a:pPr>
-            <a:r>
-              <a:rPr lang="de-DE" altLang="de-DE" sz="1400" dirty="0"/>
-              <a:t>Grundlagen von </a:t>
+              <a:t>Einführung in </a:t>
             </a:r>
             <a:r>
               <a:rPr lang="de-DE" altLang="de-DE" sz="1400" dirty="0" err="1"/>
               <a:t>GitLab</a:t>
             </a:r>
+            <a:r>
+              <a:rPr lang="de-DE" altLang="de-DE" sz="1400" dirty="0"/>
+              <a:t> CI/CD &amp; </a:t>
+            </a:r>
+            <a:r>
+              <a:rPr lang="de-DE" altLang="de-DE" sz="1400" dirty="0" err="1"/>
+              <a:t>gitlab-ci.yml</a:t>
+            </a:r>
             <a:endParaRPr lang="de-DE" altLang="de-DE" sz="1400" dirty="0"/>
-          </a:p>
-          <a:p>
-            <a:pPr lvl="1">
-              <a:buFont typeface="Arial" panose="020B0604020202020204" pitchFamily="34" charset="0"/>
-              <a:buChar char="•"/>
-            </a:pPr>
-            <a:r>
-              <a:rPr lang="de-DE" altLang="de-DE" sz="1400" dirty="0" err="1"/>
-              <a:t>Git</a:t>
-            </a:r>
-            <a:r>
-              <a:rPr lang="de-DE" altLang="de-DE" sz="1400" dirty="0"/>
-              <a:t>-Workflow im Team</a:t>
-            </a:r>
-          </a:p>
-          <a:p>
-            <a:pPr>
-              <a:buFont typeface="Arial" panose="020B0604020202020204" pitchFamily="34" charset="0"/>
-              <a:buChar char="•"/>
-            </a:pPr>
-            <a:r>
-              <a:rPr lang="de-DE" altLang="de-DE" sz="1800" b="1" dirty="0"/>
-              <a:t>Tag 2 – Vertiefung </a:t>
-            </a:r>
-            <a:r>
-              <a:rPr lang="de-DE" altLang="de-DE" sz="1800" b="1" dirty="0" err="1"/>
-              <a:t>Git</a:t>
-            </a:r>
-            <a:r>
-              <a:rPr lang="de-DE" altLang="de-DE" sz="1800" b="1" dirty="0"/>
-              <a:t>-Workflow, CI/CD &amp; </a:t>
-            </a:r>
-            <a:r>
-              <a:rPr lang="de-DE" altLang="de-DE" sz="1800" b="1" dirty="0" err="1"/>
-              <a:t>GitLab</a:t>
-            </a:r>
-            <a:r>
-              <a:rPr lang="de-DE" altLang="de-DE" sz="1800" b="1" dirty="0"/>
-              <a:t> CI </a:t>
-            </a:r>
-          </a:p>
-          <a:p>
-            <a:pPr lvl="1">
-              <a:buFont typeface="Arial" panose="020B0604020202020204" pitchFamily="34" charset="0"/>
-              <a:buChar char="•"/>
-            </a:pPr>
-            <a:r>
-              <a:rPr lang="de-DE" altLang="de-DE" sz="1400" dirty="0" err="1"/>
-              <a:t>Gitflow</a:t>
-            </a:r>
-            <a:r>
-              <a:rPr lang="de-DE" altLang="de-DE" sz="1400" dirty="0"/>
-              <a:t>-Workflow</a:t>
-            </a:r>
-          </a:p>
-          <a:p>
-            <a:pPr lvl="1">
-              <a:buFont typeface="Arial" panose="020B0604020202020204" pitchFamily="34" charset="0"/>
-              <a:buChar char="•"/>
-            </a:pPr>
-            <a:r>
-              <a:rPr lang="de-DE" altLang="de-DE" sz="1400" dirty="0"/>
-              <a:t>Tags, Releases &amp; deren Verwaltung</a:t>
-            </a:r>
           </a:p>
           <a:p>
             <a:pPr lvl="1">
@@ -11811,31 +11812,8 @@
             </a:r>
             <a:r>
               <a:rPr lang="de-DE" altLang="de-DE" sz="1400" dirty="0"/>
-              <a:t>-Runner</a:t>
-            </a:r>
-          </a:p>
-          <a:p>
-            <a:pPr lvl="1">
-              <a:buFont typeface="Arial" panose="020B0604020202020204" pitchFamily="34" charset="0"/>
-              <a:buChar char="•"/>
-            </a:pPr>
-            <a:r>
-              <a:rPr lang="de-DE" altLang="de-DE" sz="1400" dirty="0"/>
-              <a:t>Einführung in </a:t>
-            </a:r>
-            <a:r>
-              <a:rPr lang="de-DE" altLang="de-DE" sz="1400" dirty="0" err="1"/>
-              <a:t>GitLab</a:t>
-            </a:r>
-            <a:r>
-              <a:rPr lang="de-DE" altLang="de-DE" sz="1400" dirty="0"/>
-              <a:t> CI/CD &amp; </a:t>
-            </a:r>
-            <a:r>
-              <a:rPr lang="de-DE" altLang="de-DE" sz="1400" dirty="0" err="1"/>
-              <a:t>gitlab.yml</a:t>
-            </a:r>
-            <a:endParaRPr lang="de-DE" altLang="de-DE" sz="1400" dirty="0"/>
+              <a:t> Runner</a:t>
+            </a:r>
           </a:p>
           <a:p>
             <a:pPr>
@@ -11852,7 +11830,7 @@
             </a:r>
             <a:r>
               <a:rPr lang="de-DE" altLang="de-DE" sz="1800" b="1" dirty="0"/>
-              <a:t>, Docker in der Entwicklung und </a:t>
+              <a:t>, Docker, </a:t>
             </a:r>
             <a:r>
               <a:rPr lang="de-DE" altLang="de-DE" sz="1800" b="1" dirty="0" err="1"/>
@@ -11884,7 +11862,7 @@
             </a:pPr>
             <a:r>
               <a:rPr lang="de-DE" altLang="de-DE" sz="1400" dirty="0"/>
-              <a:t>Lokale Entwicklung mit Docker</a:t>
+              <a:t>Entwicklung mit Docker</a:t>
             </a:r>
           </a:p>
           <a:p>
@@ -11986,11 +11964,6 @@
         </p:txBody>
       </p:sp>
     </p:spTree>
-    <p:extLst>
-      <p:ext uri="{BB962C8B-B14F-4D97-AF65-F5344CB8AC3E}">
-        <p14:creationId xmlns:p14="http://schemas.microsoft.com/office/powerpoint/2010/main" val="3365784518"/>
-      </p:ext>
-    </p:extLst>
   </p:cSld>
   <p:clrMapOvr>
     <a:masterClrMapping/>

--- a/slides/Tag-3_4-Release-und-Tagged-Images.pptx
+++ b/slides/Tag-3_4-Release-und-Tagged-Images.pptx
@@ -47,8 +47,8 @@
     <p:sldId id="622" r:id="rId35"/>
     <p:sldId id="623" r:id="rId36"/>
     <p:sldId id="632" r:id="rId37"/>
-    <p:sldId id="633" r:id="rId38"/>
-    <p:sldId id="625" r:id="rId39"/>
+    <p:sldId id="625" r:id="rId38"/>
+    <p:sldId id="633" r:id="rId39"/>
     <p:sldId id="626" r:id="rId40"/>
   </p:sldIdLst>
   <p:sldSz cx="9144000" cy="6858000" type="screen4x3"/>
@@ -2153,7 +2153,7 @@
             <a:fld id="{18182567-388C-4D33-8B7B-A651F195F118}" type="slidenum">
               <a:rPr lang="de-DE" altLang="de-DE" smtClean="0"/>
               <a:pPr/>
-              <a:t>37</a:t>
+              <a:t>36</a:t>
             </a:fld>
             <a:endParaRPr lang="de-DE" altLang="de-DE"/>
           </a:p>
@@ -15282,7 +15282,7 @@
           <p:cNvPr id="2" name="Titel 1">
             <a:extLst>
               <a:ext uri="{FF2B5EF4-FFF2-40B4-BE49-F238E27FC236}">
-                <a16:creationId xmlns:a16="http://schemas.microsoft.com/office/drawing/2014/main" id="{0A6ADA43-34C1-347C-FD8E-BF87A5A77FC5}"/>
+                <a16:creationId xmlns:a16="http://schemas.microsoft.com/office/drawing/2014/main" id="{49A48EBC-55D9-6D64-715F-AF6DEBF117C3}"/>
               </a:ext>
             </a:extLst>
           </p:cNvPr>
@@ -15319,7 +15319,7 @@
           <p:cNvPr id="3" name="Inhaltsplatzhalter 2">
             <a:extLst>
               <a:ext uri="{FF2B5EF4-FFF2-40B4-BE49-F238E27FC236}">
-                <a16:creationId xmlns:a16="http://schemas.microsoft.com/office/drawing/2014/main" id="{4D911ADB-7C0F-98E1-85DA-1C884339CE08}"/>
+                <a16:creationId xmlns:a16="http://schemas.microsoft.com/office/drawing/2014/main" id="{7B404127-ED2B-6905-BDD1-3C60D11A2A7C}"/>
               </a:ext>
             </a:extLst>
           </p:cNvPr>
@@ -15340,196 +15340,349 @@
             </a:pPr>
             <a:r>
               <a:rPr lang="de-DE" b="1" dirty="0"/>
-              <a:t>Aufgabe 2: Docker-in-Docker mit Variablen erweitern</a:t>
-            </a:r>
-          </a:p>
-          <a:p>
-            <a:pPr marL="457200" indent="-457200">
-              <a:buFont typeface="+mj-lt"/>
-              <a:buAutoNum type="arabicPeriod"/>
-            </a:pPr>
-            <a:r>
-              <a:rPr lang="de-DE" b="1" dirty="0"/>
-              <a:t>Ziel: </a:t>
-            </a:r>
-            <a:r>
-              <a:rPr lang="de-DE" dirty="0" err="1"/>
-              <a:t>Verständis</a:t>
-            </a:r>
-            <a:r>
-              <a:rPr lang="de-DE" dirty="0"/>
-              <a:t> der Variablen schärfen</a:t>
-            </a:r>
-          </a:p>
-          <a:p>
-            <a:pPr marL="457200" indent="-457200">
-              <a:buFont typeface="+mj-lt"/>
-              <a:buAutoNum type="arabicPeriod"/>
-            </a:pPr>
-            <a:r>
-              <a:rPr lang="de-DE" b="1" dirty="0"/>
-              <a:t>Schritte:</a:t>
-            </a:r>
-          </a:p>
-          <a:p>
-            <a:pPr marL="857250" lvl="1" indent="-457200">
-              <a:buFont typeface="Arial" panose="020B0604020202020204" pitchFamily="34" charset="0"/>
-              <a:buChar char="•"/>
-            </a:pPr>
-            <a:r>
-              <a:rPr lang="de-DE" dirty="0"/>
-              <a:t>Fügen Sie die Variable </a:t>
-            </a:r>
+              <a:t>Lösung 1: Simples Docker-in-Docker</a:t>
+            </a:r>
+          </a:p>
+          <a:p>
+            <a:pPr marL="0" indent="0">
+              <a:buNone/>
+            </a:pPr>
             <a:r>
               <a:rPr lang="de-DE" sz="2000" dirty="0">
                 <a:latin typeface="Consolas" panose="020B0609020204030204" pitchFamily="49" charset="0"/>
               </a:rPr>
-              <a:t>IMAGE_TAG</a:t>
-            </a:r>
-            <a:r>
-              <a:rPr lang="de-DE" sz="2000" dirty="0"/>
-              <a:t> hinzu</a:t>
-            </a:r>
-          </a:p>
-          <a:p>
-            <a:pPr marL="857250" lvl="1" indent="-457200">
-              <a:buFont typeface="Arial" panose="020B0604020202020204" pitchFamily="34" charset="0"/>
-              <a:buChar char="•"/>
-            </a:pPr>
-            <a:r>
-              <a:rPr lang="de-DE" dirty="0"/>
-              <a:t>Nutzen Sie die neue Variable im </a:t>
-            </a:r>
-            <a:r>
-              <a:rPr lang="de-DE" dirty="0" err="1">
+              <a:t>.</a:t>
+            </a:r>
+            <a:r>
+              <a:rPr lang="de-DE" sz="2000" dirty="0" err="1">
+                <a:latin typeface="Consolas" panose="020B0609020204030204" pitchFamily="49" charset="0"/>
+              </a:rPr>
+              <a:t>gitlab-ci.yml</a:t>
+            </a:r>
+            <a:r>
+              <a:rPr lang="de-DE" sz="2000" dirty="0">
+                <a:latin typeface="Consolas" panose="020B0609020204030204" pitchFamily="49" charset="0"/>
+              </a:rPr>
+              <a:t>:</a:t>
+            </a:r>
+          </a:p>
+          <a:p>
+            <a:pPr marL="0" indent="0">
+              <a:buNone/>
+            </a:pPr>
+            <a:r>
+              <a:rPr lang="de-DE" sz="1400" dirty="0" err="1">
+                <a:latin typeface="Consolas" panose="020B0609020204030204" pitchFamily="49" charset="0"/>
+              </a:rPr>
+              <a:t>build</a:t>
+            </a:r>
+            <a:r>
+              <a:rPr lang="de-DE" sz="1400" dirty="0">
+                <a:latin typeface="Consolas" panose="020B0609020204030204" pitchFamily="49" charset="0"/>
+              </a:rPr>
+              <a:t>:</a:t>
+            </a:r>
+          </a:p>
+          <a:p>
+            <a:pPr marL="0" indent="0">
+              <a:buNone/>
+            </a:pPr>
+            <a:r>
+              <a:rPr lang="de-DE" sz="1400" dirty="0">
+                <a:latin typeface="Consolas" panose="020B0609020204030204" pitchFamily="49" charset="0"/>
+              </a:rPr>
+              <a:t>  </a:t>
+            </a:r>
+            <a:r>
+              <a:rPr lang="de-DE" sz="1400" dirty="0" err="1">
+                <a:latin typeface="Consolas" panose="020B0609020204030204" pitchFamily="49" charset="0"/>
+              </a:rPr>
+              <a:t>image</a:t>
+            </a:r>
+            <a:r>
+              <a:rPr lang="de-DE" sz="1400" dirty="0">
+                <a:latin typeface="Consolas" panose="020B0609020204030204" pitchFamily="49" charset="0"/>
+              </a:rPr>
+              <a:t>: docker:20.10.16</a:t>
+            </a:r>
+          </a:p>
+          <a:p>
+            <a:pPr marL="0" indent="0">
+              <a:buNone/>
+            </a:pPr>
+            <a:r>
+              <a:rPr lang="de-DE" sz="1400" dirty="0">
+                <a:latin typeface="Consolas" panose="020B0609020204030204" pitchFamily="49" charset="0"/>
+              </a:rPr>
+              <a:t>  </a:t>
+            </a:r>
+            <a:r>
+              <a:rPr lang="de-DE" sz="1400" dirty="0" err="1">
+                <a:latin typeface="Consolas" panose="020B0609020204030204" pitchFamily="49" charset="0"/>
+              </a:rPr>
+              <a:t>stage</a:t>
+            </a:r>
+            <a:r>
+              <a:rPr lang="de-DE" sz="1400" dirty="0">
+                <a:latin typeface="Consolas" panose="020B0609020204030204" pitchFamily="49" charset="0"/>
+              </a:rPr>
+              <a:t>: </a:t>
+            </a:r>
+            <a:r>
+              <a:rPr lang="de-DE" sz="1400" dirty="0" err="1">
+                <a:latin typeface="Consolas" panose="020B0609020204030204" pitchFamily="49" charset="0"/>
+              </a:rPr>
+              <a:t>build</a:t>
+            </a:r>
+            <a:endParaRPr lang="de-DE" sz="1400" dirty="0">
+              <a:latin typeface="Consolas" panose="020B0609020204030204" pitchFamily="49" charset="0"/>
+            </a:endParaRPr>
+          </a:p>
+          <a:p>
+            <a:pPr marL="0" indent="0">
+              <a:buNone/>
+            </a:pPr>
+            <a:r>
+              <a:rPr lang="de-DE" sz="1400" dirty="0">
+                <a:latin typeface="Consolas" panose="020B0609020204030204" pitchFamily="49" charset="0"/>
+              </a:rPr>
+              <a:t>  </a:t>
+            </a:r>
+            <a:r>
+              <a:rPr lang="de-DE" sz="1400" dirty="0" err="1">
+                <a:latin typeface="Consolas" panose="020B0609020204030204" pitchFamily="49" charset="0"/>
+              </a:rPr>
+              <a:t>services</a:t>
+            </a:r>
+            <a:r>
+              <a:rPr lang="de-DE" sz="1400" dirty="0">
+                <a:latin typeface="Consolas" panose="020B0609020204030204" pitchFamily="49" charset="0"/>
+              </a:rPr>
+              <a:t>:</a:t>
+            </a:r>
+          </a:p>
+          <a:p>
+            <a:pPr marL="0" indent="0">
+              <a:buNone/>
+            </a:pPr>
+            <a:r>
+              <a:rPr lang="de-DE" sz="1400" dirty="0">
+                <a:latin typeface="Consolas" panose="020B0609020204030204" pitchFamily="49" charset="0"/>
+              </a:rPr>
+              <a:t>    - docker:20.10.16-dind</a:t>
+            </a:r>
+          </a:p>
+          <a:p>
+            <a:pPr marL="0" indent="0">
+              <a:buNone/>
+            </a:pPr>
+            <a:r>
+              <a:rPr lang="de-DE" sz="1400" dirty="0">
+                <a:latin typeface="Consolas" panose="020B0609020204030204" pitchFamily="49" charset="0"/>
+              </a:rPr>
+              <a:t>      alias: </a:t>
+            </a:r>
+            <a:r>
+              <a:rPr lang="de-DE" sz="1400" dirty="0" err="1">
+                <a:latin typeface="Consolas" panose="020B0609020204030204" pitchFamily="49" charset="0"/>
+              </a:rPr>
+              <a:t>docker</a:t>
+            </a:r>
+            <a:endParaRPr lang="de-DE" sz="1400" dirty="0">
+              <a:latin typeface="Consolas" panose="020B0609020204030204" pitchFamily="49" charset="0"/>
+            </a:endParaRPr>
+          </a:p>
+          <a:p>
+            <a:pPr marL="0" indent="0">
+              <a:buNone/>
+            </a:pPr>
+            <a:r>
+              <a:rPr lang="de-DE" sz="1400" dirty="0">
+                <a:latin typeface="Consolas" panose="020B0609020204030204" pitchFamily="49" charset="0"/>
+              </a:rPr>
+              <a:t>  </a:t>
+            </a:r>
+            <a:r>
+              <a:rPr lang="de-DE" sz="1400" dirty="0" err="1">
                 <a:latin typeface="Consolas" panose="020B0609020204030204" pitchFamily="49" charset="0"/>
               </a:rPr>
               <a:t>script</a:t>
             </a:r>
             <a:r>
-              <a:rPr lang="de-DE" dirty="0"/>
-              <a:t> Teil</a:t>
-            </a:r>
-          </a:p>
-          <a:p>
-            <a:pPr marL="857250" lvl="1" indent="-457200">
-              <a:buFont typeface="Arial" panose="020B0604020202020204" pitchFamily="34" charset="0"/>
-              <a:buChar char="•"/>
-            </a:pPr>
-            <a:endParaRPr lang="de-DE" dirty="0"/>
-          </a:p>
-          <a:p>
-            <a:pPr marL="457200" indent="-457200">
-              <a:buFont typeface="+mj-lt"/>
-              <a:buAutoNum type="arabicPeriod"/>
-            </a:pPr>
-            <a:r>
-              <a:rPr lang="de-DE" b="1" dirty="0"/>
-              <a:t>Hinweise:</a:t>
-            </a:r>
-          </a:p>
-          <a:p>
-            <a:pPr marL="857250" lvl="1" indent="-457200">
-              <a:buFont typeface="Arial" panose="020B0604020202020204" pitchFamily="34" charset="0"/>
-              <a:buChar char="•"/>
-            </a:pPr>
-            <a:r>
-              <a:rPr lang="de-DE" dirty="0"/>
-              <a:t>IMAGE_TAG wird später beim </a:t>
-            </a:r>
-            <a:r>
-              <a:rPr lang="de-DE" dirty="0" err="1"/>
+              <a:rPr lang="de-DE" sz="1400" dirty="0">
+                <a:latin typeface="Consolas" panose="020B0609020204030204" pitchFamily="49" charset="0"/>
+              </a:rPr>
+              <a:t>:</a:t>
+            </a:r>
+          </a:p>
+          <a:p>
+            <a:pPr marL="0" indent="0">
+              <a:buNone/>
+            </a:pPr>
+            <a:r>
+              <a:rPr lang="de-DE" sz="1400" dirty="0">
+                <a:latin typeface="Consolas" panose="020B0609020204030204" pitchFamily="49" charset="0"/>
+              </a:rPr>
+              <a:t>    - </a:t>
+            </a:r>
+            <a:r>
+              <a:rPr lang="de-DE" sz="1400" dirty="0" err="1">
+                <a:latin typeface="Consolas" panose="020B0609020204030204" pitchFamily="49" charset="0"/>
+              </a:rPr>
+              <a:t>docker</a:t>
+            </a:r>
+            <a:r>
+              <a:rPr lang="de-DE" sz="1400" dirty="0">
+                <a:latin typeface="Consolas" panose="020B0609020204030204" pitchFamily="49" charset="0"/>
+              </a:rPr>
+              <a:t> </a:t>
+            </a:r>
+            <a:r>
+              <a:rPr lang="de-DE" sz="1400" dirty="0" err="1">
+                <a:latin typeface="Consolas" panose="020B0609020204030204" pitchFamily="49" charset="0"/>
+              </a:rPr>
+              <a:t>login</a:t>
+            </a:r>
+            <a:r>
+              <a:rPr lang="de-DE" sz="1400" dirty="0">
+                <a:latin typeface="Consolas" panose="020B0609020204030204" pitchFamily="49" charset="0"/>
+              </a:rPr>
+              <a:t> -u $CI_REGISTRY_USER -p $CI_REGISTRY_PASSWORD $CI_REGISTRY</a:t>
+            </a:r>
+          </a:p>
+          <a:p>
+            <a:pPr marL="0" indent="0">
+              <a:buNone/>
+            </a:pPr>
+            <a:r>
+              <a:rPr lang="de-DE" sz="1400" dirty="0">
+                <a:latin typeface="Consolas" panose="020B0609020204030204" pitchFamily="49" charset="0"/>
+              </a:rPr>
+              <a:t>    - </a:t>
+            </a:r>
+            <a:r>
+              <a:rPr lang="de-DE" sz="1400" dirty="0" err="1">
+                <a:latin typeface="Consolas" panose="020B0609020204030204" pitchFamily="49" charset="0"/>
+              </a:rPr>
+              <a:t>docker</a:t>
+            </a:r>
+            <a:r>
+              <a:rPr lang="de-DE" sz="1400" dirty="0">
+                <a:latin typeface="Consolas" panose="020B0609020204030204" pitchFamily="49" charset="0"/>
+              </a:rPr>
+              <a:t> </a:t>
+            </a:r>
+            <a:r>
+              <a:rPr lang="de-DE" sz="1400" dirty="0" err="1">
+                <a:latin typeface="Consolas" panose="020B0609020204030204" pitchFamily="49" charset="0"/>
+              </a:rPr>
               <a:t>build</a:t>
             </a:r>
             <a:r>
-              <a:rPr lang="de-DE" dirty="0"/>
-              <a:t> und push benötigt</a:t>
-            </a:r>
-          </a:p>
-          <a:p>
-            <a:pPr marL="857250" lvl="1" indent="-457200">
-              <a:buFont typeface="Arial" panose="020B0604020202020204" pitchFamily="34" charset="0"/>
-              <a:buChar char="•"/>
-            </a:pPr>
-            <a:r>
-              <a:rPr lang="de-DE" dirty="0"/>
-              <a:t>Beim Docker-in-Docker Container Image haben Sie </a:t>
-            </a:r>
-            <a:r>
-              <a:rPr lang="de-DE" dirty="0" err="1"/>
-              <a:t>GitLab</a:t>
-            </a:r>
-            <a:r>
-              <a:rPr lang="de-DE" dirty="0"/>
-              <a:t>-</a:t>
-            </a:r>
-            <a:r>
-              <a:rPr lang="de-DE" dirty="0" err="1"/>
-              <a:t>predefined</a:t>
-            </a:r>
-            <a:r>
-              <a:rPr lang="de-DE" dirty="0"/>
-              <a:t>-Variables kennengelernt</a:t>
-            </a:r>
-          </a:p>
-          <a:p>
-            <a:pPr marL="857250" lvl="1" indent="-457200">
-              <a:buFont typeface="Arial" panose="020B0604020202020204" pitchFamily="34" charset="0"/>
-              <a:buChar char="•"/>
-            </a:pPr>
-            <a:r>
-              <a:rPr lang="de-DE" dirty="0"/>
-              <a:t>$CI_COMMIT_REF_SLUG ist eine vordefinierte Variable in </a:t>
-            </a:r>
-            <a:r>
-              <a:rPr lang="de-DE" dirty="0" err="1"/>
-              <a:t>GitLab</a:t>
-            </a:r>
-            <a:r>
-              <a:rPr lang="de-DE" dirty="0"/>
-              <a:t> und ist der Branch- oder Tag-Name </a:t>
-            </a:r>
-            <a:r>
-              <a:rPr lang="de-DE" dirty="0" err="1"/>
-              <a:t>sanitized</a:t>
-            </a:r>
-            <a:r>
-              <a:rPr lang="de-DE" dirty="0"/>
-              <a:t> und </a:t>
-            </a:r>
-            <a:r>
-              <a:rPr lang="de-DE" dirty="0" err="1"/>
-              <a:t>lowercase</a:t>
-            </a:r>
-            <a:endParaRPr lang="de-DE" dirty="0"/>
-          </a:p>
-          <a:p>
-            <a:pPr marL="857250" lvl="1" indent="-457200">
-              <a:buFont typeface="Arial" panose="020B0604020202020204" pitchFamily="34" charset="0"/>
-              <a:buChar char="•"/>
-            </a:pPr>
-            <a:endParaRPr lang="de-DE" dirty="0"/>
-          </a:p>
-          <a:p>
-            <a:pPr marL="857250" lvl="1" indent="-457200">
-              <a:buFont typeface="Arial" panose="020B0604020202020204" pitchFamily="34" charset="0"/>
-              <a:buChar char="•"/>
-            </a:pPr>
-            <a:endParaRPr lang="de-DE" dirty="0"/>
-          </a:p>
-          <a:p>
-            <a:pPr marL="857250" lvl="1" indent="-457200">
-              <a:buFont typeface="Arial" panose="020B0604020202020204" pitchFamily="34" charset="0"/>
-              <a:buChar char="•"/>
-            </a:pPr>
-            <a:endParaRPr lang="de-DE" dirty="0"/>
+              <a:rPr lang="de-DE" sz="1400" dirty="0">
+                <a:latin typeface="Consolas" panose="020B0609020204030204" pitchFamily="49" charset="0"/>
+              </a:rPr>
+              <a:t> -t $CI_REGISTRY/</a:t>
+            </a:r>
+            <a:r>
+              <a:rPr lang="de-DE" sz="1400" dirty="0" err="1">
+                <a:latin typeface="Consolas" panose="020B0609020204030204" pitchFamily="49" charset="0"/>
+              </a:rPr>
+              <a:t>group</a:t>
+            </a:r>
+            <a:r>
+              <a:rPr lang="de-DE" sz="1400" dirty="0">
+                <a:latin typeface="Consolas" panose="020B0609020204030204" pitchFamily="49" charset="0"/>
+              </a:rPr>
+              <a:t>/</a:t>
+            </a:r>
+            <a:r>
+              <a:rPr lang="de-DE" sz="1400" dirty="0" err="1">
+                <a:latin typeface="Consolas" panose="020B0609020204030204" pitchFamily="49" charset="0"/>
+              </a:rPr>
+              <a:t>project</a:t>
+            </a:r>
+            <a:r>
+              <a:rPr lang="de-DE" sz="1400" dirty="0">
+                <a:latin typeface="Consolas" panose="020B0609020204030204" pitchFamily="49" charset="0"/>
+              </a:rPr>
+              <a:t>/</a:t>
+            </a:r>
+            <a:r>
+              <a:rPr lang="de-DE" sz="1400" dirty="0" err="1">
+                <a:latin typeface="Consolas" panose="020B0609020204030204" pitchFamily="49" charset="0"/>
+              </a:rPr>
+              <a:t>image:latest</a:t>
+            </a:r>
+            <a:r>
+              <a:rPr lang="de-DE" sz="1400" dirty="0">
+                <a:latin typeface="Consolas" panose="020B0609020204030204" pitchFamily="49" charset="0"/>
+              </a:rPr>
+              <a:t> .</a:t>
+            </a:r>
+          </a:p>
+          <a:p>
+            <a:pPr marL="0" indent="0">
+              <a:buNone/>
+            </a:pPr>
+            <a:r>
+              <a:rPr lang="de-DE" sz="1400" dirty="0">
+                <a:latin typeface="Consolas" panose="020B0609020204030204" pitchFamily="49" charset="0"/>
+              </a:rPr>
+              <a:t>    - </a:t>
+            </a:r>
+            <a:r>
+              <a:rPr lang="de-DE" sz="1400" dirty="0" err="1">
+                <a:latin typeface="Consolas" panose="020B0609020204030204" pitchFamily="49" charset="0"/>
+              </a:rPr>
+              <a:t>docker</a:t>
+            </a:r>
+            <a:r>
+              <a:rPr lang="de-DE" sz="1400" dirty="0">
+                <a:latin typeface="Consolas" panose="020B0609020204030204" pitchFamily="49" charset="0"/>
+              </a:rPr>
+              <a:t> push $CI_REGISTRY/</a:t>
+            </a:r>
+            <a:r>
+              <a:rPr lang="de-DE" sz="1400" dirty="0" err="1">
+                <a:latin typeface="Consolas" panose="020B0609020204030204" pitchFamily="49" charset="0"/>
+              </a:rPr>
+              <a:t>group</a:t>
+            </a:r>
+            <a:r>
+              <a:rPr lang="de-DE" sz="1400" dirty="0">
+                <a:latin typeface="Consolas" panose="020B0609020204030204" pitchFamily="49" charset="0"/>
+              </a:rPr>
+              <a:t>/</a:t>
+            </a:r>
+            <a:r>
+              <a:rPr lang="de-DE" sz="1400" dirty="0" err="1">
+                <a:latin typeface="Consolas" panose="020B0609020204030204" pitchFamily="49" charset="0"/>
+              </a:rPr>
+              <a:t>project</a:t>
+            </a:r>
+            <a:r>
+              <a:rPr lang="de-DE" sz="1400" dirty="0">
+                <a:latin typeface="Consolas" panose="020B0609020204030204" pitchFamily="49" charset="0"/>
+              </a:rPr>
+              <a:t>/</a:t>
+            </a:r>
+            <a:r>
+              <a:rPr lang="de-DE" sz="1400" dirty="0" err="1">
+                <a:latin typeface="Consolas" panose="020B0609020204030204" pitchFamily="49" charset="0"/>
+              </a:rPr>
+              <a:t>image:latest</a:t>
+            </a:r>
+            <a:endParaRPr lang="de-DE" sz="1400" dirty="0">
+              <a:latin typeface="Consolas" panose="020B0609020204030204" pitchFamily="49" charset="0"/>
+            </a:endParaRPr>
           </a:p>
         </p:txBody>
       </p:sp>
     </p:spTree>
     <p:extLst>
       <p:ext uri="{BB962C8B-B14F-4D97-AF65-F5344CB8AC3E}">
-        <p14:creationId xmlns:p14="http://schemas.microsoft.com/office/powerpoint/2010/main" val="269078200"/>
+        <p14:creationId xmlns:p14="http://schemas.microsoft.com/office/powerpoint/2010/main" val="3629727755"/>
       </p:ext>
     </p:extLst>
   </p:cSld>
@@ -15561,7 +15714,7 @@
           <p:cNvPr id="2" name="Titel 1">
             <a:extLst>
               <a:ext uri="{FF2B5EF4-FFF2-40B4-BE49-F238E27FC236}">
-                <a16:creationId xmlns:a16="http://schemas.microsoft.com/office/drawing/2014/main" id="{49A48EBC-55D9-6D64-715F-AF6DEBF117C3}"/>
+                <a16:creationId xmlns:a16="http://schemas.microsoft.com/office/drawing/2014/main" id="{0A6ADA43-34C1-347C-FD8E-BF87A5A77FC5}"/>
               </a:ext>
             </a:extLst>
           </p:cNvPr>
@@ -15598,7 +15751,7 @@
           <p:cNvPr id="3" name="Inhaltsplatzhalter 2">
             <a:extLst>
               <a:ext uri="{FF2B5EF4-FFF2-40B4-BE49-F238E27FC236}">
-                <a16:creationId xmlns:a16="http://schemas.microsoft.com/office/drawing/2014/main" id="{7B404127-ED2B-6905-BDD1-3C60D11A2A7C}"/>
+                <a16:creationId xmlns:a16="http://schemas.microsoft.com/office/drawing/2014/main" id="{4D911ADB-7C0F-98E1-85DA-1C884339CE08}"/>
               </a:ext>
             </a:extLst>
           </p:cNvPr>
@@ -15619,349 +15772,196 @@
             </a:pPr>
             <a:r>
               <a:rPr lang="de-DE" b="1" dirty="0"/>
-              <a:t>Lösung 1: Simples Docker-in-Docker</a:t>
-            </a:r>
-          </a:p>
-          <a:p>
-            <a:pPr marL="0" indent="0">
-              <a:buNone/>
-            </a:pPr>
+              <a:t>Aufgabe 2: Docker-in-Docker mit Variablen erweitern</a:t>
+            </a:r>
+          </a:p>
+          <a:p>
+            <a:pPr marL="457200" indent="-457200">
+              <a:buFont typeface="+mj-lt"/>
+              <a:buAutoNum type="arabicPeriod"/>
+            </a:pPr>
+            <a:r>
+              <a:rPr lang="de-DE" b="1" dirty="0"/>
+              <a:t>Ziel: </a:t>
+            </a:r>
+            <a:r>
+              <a:rPr lang="de-DE" dirty="0" err="1"/>
+              <a:t>Verständis</a:t>
+            </a:r>
+            <a:r>
+              <a:rPr lang="de-DE" dirty="0"/>
+              <a:t> der Variablen schärfen</a:t>
+            </a:r>
+          </a:p>
+          <a:p>
+            <a:pPr marL="457200" indent="-457200">
+              <a:buFont typeface="+mj-lt"/>
+              <a:buAutoNum type="arabicPeriod"/>
+            </a:pPr>
+            <a:r>
+              <a:rPr lang="de-DE" b="1" dirty="0"/>
+              <a:t>Schritte:</a:t>
+            </a:r>
+          </a:p>
+          <a:p>
+            <a:pPr marL="857250" lvl="1" indent="-457200">
+              <a:buFont typeface="Arial" panose="020B0604020202020204" pitchFamily="34" charset="0"/>
+              <a:buChar char="•"/>
+            </a:pPr>
+            <a:r>
+              <a:rPr lang="de-DE" dirty="0"/>
+              <a:t>Fügen Sie die Variable </a:t>
+            </a:r>
             <a:r>
               <a:rPr lang="de-DE" sz="2000" dirty="0">
                 <a:latin typeface="Consolas" panose="020B0609020204030204" pitchFamily="49" charset="0"/>
               </a:rPr>
-              <a:t>.</a:t>
-            </a:r>
-            <a:r>
-              <a:rPr lang="de-DE" sz="2000" dirty="0" err="1">
-                <a:latin typeface="Consolas" panose="020B0609020204030204" pitchFamily="49" charset="0"/>
-              </a:rPr>
-              <a:t>gitlab-ci.yml</a:t>
-            </a:r>
-            <a:r>
-              <a:rPr lang="de-DE" sz="2000" dirty="0">
-                <a:latin typeface="Consolas" panose="020B0609020204030204" pitchFamily="49" charset="0"/>
-              </a:rPr>
-              <a:t>:</a:t>
-            </a:r>
-          </a:p>
-          <a:p>
-            <a:pPr marL="0" indent="0">
-              <a:buNone/>
-            </a:pPr>
-            <a:r>
-              <a:rPr lang="de-DE" sz="1400" dirty="0" err="1">
-                <a:latin typeface="Consolas" panose="020B0609020204030204" pitchFamily="49" charset="0"/>
-              </a:rPr>
+              <a:t>IMAGE_TAG</a:t>
+            </a:r>
+            <a:r>
+              <a:rPr lang="de-DE" sz="2000" dirty="0"/>
+              <a:t> hinzu</a:t>
+            </a:r>
+          </a:p>
+          <a:p>
+            <a:pPr marL="857250" lvl="1" indent="-457200">
+              <a:buFont typeface="Arial" panose="020B0604020202020204" pitchFamily="34" charset="0"/>
+              <a:buChar char="•"/>
+            </a:pPr>
+            <a:r>
+              <a:rPr lang="de-DE" dirty="0"/>
+              <a:t>Nutzen Sie die neue Variable im </a:t>
+            </a:r>
+            <a:r>
+              <a:rPr lang="de-DE" dirty="0" err="1">
+                <a:latin typeface="Consolas" panose="020B0609020204030204" pitchFamily="49" charset="0"/>
+              </a:rPr>
+              <a:t>script</a:t>
+            </a:r>
+            <a:r>
+              <a:rPr lang="de-DE" dirty="0"/>
+              <a:t> Teil</a:t>
+            </a:r>
+          </a:p>
+          <a:p>
+            <a:pPr marL="857250" lvl="1" indent="-457200">
+              <a:buFont typeface="Arial" panose="020B0604020202020204" pitchFamily="34" charset="0"/>
+              <a:buChar char="•"/>
+            </a:pPr>
+            <a:endParaRPr lang="de-DE" dirty="0"/>
+          </a:p>
+          <a:p>
+            <a:pPr marL="457200" indent="-457200">
+              <a:buFont typeface="+mj-lt"/>
+              <a:buAutoNum type="arabicPeriod"/>
+            </a:pPr>
+            <a:r>
+              <a:rPr lang="de-DE" b="1" dirty="0"/>
+              <a:t>Hinweise:</a:t>
+            </a:r>
+          </a:p>
+          <a:p>
+            <a:pPr marL="857250" lvl="1" indent="-457200">
+              <a:buFont typeface="Arial" panose="020B0604020202020204" pitchFamily="34" charset="0"/>
+              <a:buChar char="•"/>
+            </a:pPr>
+            <a:r>
+              <a:rPr lang="de-DE" dirty="0"/>
+              <a:t>IMAGE_TAG wird später beim </a:t>
+            </a:r>
+            <a:r>
+              <a:rPr lang="de-DE" dirty="0" err="1"/>
               <a:t>build</a:t>
             </a:r>
             <a:r>
-              <a:rPr lang="de-DE" sz="1400" dirty="0">
-                <a:latin typeface="Consolas" panose="020B0609020204030204" pitchFamily="49" charset="0"/>
-              </a:rPr>
-              <a:t>:</a:t>
-            </a:r>
-          </a:p>
-          <a:p>
-            <a:pPr marL="0" indent="0">
-              <a:buNone/>
-            </a:pPr>
-            <a:r>
-              <a:rPr lang="de-DE" sz="1400" dirty="0">
-                <a:latin typeface="Consolas" panose="020B0609020204030204" pitchFamily="49" charset="0"/>
-              </a:rPr>
-              <a:t>  </a:t>
-            </a:r>
-            <a:r>
-              <a:rPr lang="de-DE" sz="1400" dirty="0" err="1">
-                <a:latin typeface="Consolas" panose="020B0609020204030204" pitchFamily="49" charset="0"/>
-              </a:rPr>
-              <a:t>image</a:t>
-            </a:r>
-            <a:r>
-              <a:rPr lang="de-DE" sz="1400" dirty="0">
-                <a:latin typeface="Consolas" panose="020B0609020204030204" pitchFamily="49" charset="0"/>
-              </a:rPr>
-              <a:t>: docker:20.10.16</a:t>
-            </a:r>
-          </a:p>
-          <a:p>
-            <a:pPr marL="0" indent="0">
-              <a:buNone/>
-            </a:pPr>
-            <a:r>
-              <a:rPr lang="de-DE" sz="1400" dirty="0">
-                <a:latin typeface="Consolas" panose="020B0609020204030204" pitchFamily="49" charset="0"/>
-              </a:rPr>
-              <a:t>  </a:t>
-            </a:r>
-            <a:r>
-              <a:rPr lang="de-DE" sz="1400" dirty="0" err="1">
-                <a:latin typeface="Consolas" panose="020B0609020204030204" pitchFamily="49" charset="0"/>
-              </a:rPr>
-              <a:t>stage</a:t>
-            </a:r>
-            <a:r>
-              <a:rPr lang="de-DE" sz="1400" dirty="0">
-                <a:latin typeface="Consolas" panose="020B0609020204030204" pitchFamily="49" charset="0"/>
-              </a:rPr>
-              <a:t>: </a:t>
-            </a:r>
-            <a:r>
-              <a:rPr lang="de-DE" sz="1400" dirty="0" err="1">
-                <a:latin typeface="Consolas" panose="020B0609020204030204" pitchFamily="49" charset="0"/>
-              </a:rPr>
-              <a:t>build</a:t>
-            </a:r>
-            <a:endParaRPr lang="de-DE" sz="1400" dirty="0">
-              <a:latin typeface="Consolas" panose="020B0609020204030204" pitchFamily="49" charset="0"/>
-            </a:endParaRPr>
-          </a:p>
-          <a:p>
-            <a:pPr marL="0" indent="0">
-              <a:buNone/>
-            </a:pPr>
-            <a:r>
-              <a:rPr lang="de-DE" sz="1400" dirty="0">
-                <a:latin typeface="Consolas" panose="020B0609020204030204" pitchFamily="49" charset="0"/>
-              </a:rPr>
-              <a:t>  </a:t>
-            </a:r>
-            <a:r>
-              <a:rPr lang="de-DE" sz="1400" dirty="0" err="1">
-                <a:latin typeface="Consolas" panose="020B0609020204030204" pitchFamily="49" charset="0"/>
-              </a:rPr>
-              <a:t>services</a:t>
-            </a:r>
-            <a:r>
-              <a:rPr lang="de-DE" sz="1400" dirty="0">
-                <a:latin typeface="Consolas" panose="020B0609020204030204" pitchFamily="49" charset="0"/>
-              </a:rPr>
-              <a:t>:</a:t>
-            </a:r>
-          </a:p>
-          <a:p>
-            <a:pPr marL="0" indent="0">
-              <a:buNone/>
-            </a:pPr>
-            <a:r>
-              <a:rPr lang="de-DE" sz="1400" dirty="0">
-                <a:latin typeface="Consolas" panose="020B0609020204030204" pitchFamily="49" charset="0"/>
-              </a:rPr>
-              <a:t>    - docker:20.10.16-dind</a:t>
-            </a:r>
-          </a:p>
-          <a:p>
-            <a:pPr marL="0" indent="0">
-              <a:buNone/>
-            </a:pPr>
-            <a:r>
-              <a:rPr lang="de-DE" sz="1400" dirty="0">
-                <a:latin typeface="Consolas" panose="020B0609020204030204" pitchFamily="49" charset="0"/>
-              </a:rPr>
-              <a:t>      alias: </a:t>
-            </a:r>
-            <a:r>
-              <a:rPr lang="de-DE" sz="1400" dirty="0" err="1">
-                <a:latin typeface="Consolas" panose="020B0609020204030204" pitchFamily="49" charset="0"/>
-              </a:rPr>
-              <a:t>docker</a:t>
-            </a:r>
-            <a:endParaRPr lang="de-DE" sz="1400" dirty="0">
-              <a:latin typeface="Consolas" panose="020B0609020204030204" pitchFamily="49" charset="0"/>
-            </a:endParaRPr>
-          </a:p>
-          <a:p>
-            <a:pPr marL="0" indent="0">
-              <a:buNone/>
-            </a:pPr>
-            <a:r>
-              <a:rPr lang="de-DE" sz="1400" dirty="0">
-                <a:latin typeface="Consolas" panose="020B0609020204030204" pitchFamily="49" charset="0"/>
-              </a:rPr>
-              <a:t>  </a:t>
-            </a:r>
-            <a:r>
-              <a:rPr lang="de-DE" sz="1400" dirty="0" err="1">
-                <a:latin typeface="Consolas" panose="020B0609020204030204" pitchFamily="49" charset="0"/>
-              </a:rPr>
-              <a:t>script</a:t>
-            </a:r>
-            <a:r>
-              <a:rPr lang="de-DE" sz="1400" dirty="0">
-                <a:latin typeface="Consolas" panose="020B0609020204030204" pitchFamily="49" charset="0"/>
-              </a:rPr>
-              <a:t>:</a:t>
-            </a:r>
-          </a:p>
-          <a:p>
-            <a:pPr marL="0" indent="0">
-              <a:buNone/>
-            </a:pPr>
-            <a:r>
-              <a:rPr lang="de-DE" sz="1400" dirty="0">
-                <a:latin typeface="Consolas" panose="020B0609020204030204" pitchFamily="49" charset="0"/>
-              </a:rPr>
-              <a:t>    - </a:t>
-            </a:r>
-            <a:r>
-              <a:rPr lang="de-DE" sz="1400" dirty="0" err="1">
-                <a:latin typeface="Consolas" panose="020B0609020204030204" pitchFamily="49" charset="0"/>
-              </a:rPr>
-              <a:t>docker</a:t>
-            </a:r>
-            <a:r>
-              <a:rPr lang="de-DE" sz="1400" dirty="0">
-                <a:latin typeface="Consolas" panose="020B0609020204030204" pitchFamily="49" charset="0"/>
-              </a:rPr>
-              <a:t> </a:t>
-            </a:r>
-            <a:r>
-              <a:rPr lang="de-DE" sz="1400" dirty="0" err="1">
-                <a:latin typeface="Consolas" panose="020B0609020204030204" pitchFamily="49" charset="0"/>
-              </a:rPr>
-              <a:t>login</a:t>
-            </a:r>
-            <a:r>
-              <a:rPr lang="de-DE" sz="1400" dirty="0">
-                <a:latin typeface="Consolas" panose="020B0609020204030204" pitchFamily="49" charset="0"/>
-              </a:rPr>
-              <a:t> -u $CI_REGISTRY_USER -p $CI_REGISTRY_PASSWORD $CI_REGISTRY</a:t>
-            </a:r>
-          </a:p>
-          <a:p>
-            <a:pPr marL="0" indent="0">
-              <a:buNone/>
-            </a:pPr>
-            <a:r>
-              <a:rPr lang="de-DE" sz="1400" dirty="0">
-                <a:latin typeface="Consolas" panose="020B0609020204030204" pitchFamily="49" charset="0"/>
-              </a:rPr>
-              <a:t>    - </a:t>
-            </a:r>
-            <a:r>
-              <a:rPr lang="de-DE" sz="1400" dirty="0" err="1">
-                <a:latin typeface="Consolas" panose="020B0609020204030204" pitchFamily="49" charset="0"/>
-              </a:rPr>
-              <a:t>docker</a:t>
-            </a:r>
-            <a:r>
-              <a:rPr lang="de-DE" sz="1400" dirty="0">
-                <a:latin typeface="Consolas" panose="020B0609020204030204" pitchFamily="49" charset="0"/>
-              </a:rPr>
-              <a:t> </a:t>
-            </a:r>
-            <a:r>
-              <a:rPr lang="de-DE" sz="1400" dirty="0" err="1">
-                <a:latin typeface="Consolas" panose="020B0609020204030204" pitchFamily="49" charset="0"/>
-              </a:rPr>
-              <a:t>build</a:t>
-            </a:r>
-            <a:r>
-              <a:rPr lang="de-DE" sz="1400" dirty="0">
-                <a:latin typeface="Consolas" panose="020B0609020204030204" pitchFamily="49" charset="0"/>
-              </a:rPr>
-              <a:t> -t $CI_REGISTRY/</a:t>
-            </a:r>
-            <a:r>
-              <a:rPr lang="de-DE" sz="1400" dirty="0" err="1">
-                <a:latin typeface="Consolas" panose="020B0609020204030204" pitchFamily="49" charset="0"/>
-              </a:rPr>
-              <a:t>group</a:t>
-            </a:r>
-            <a:r>
-              <a:rPr lang="de-DE" sz="1400" dirty="0">
-                <a:latin typeface="Consolas" panose="020B0609020204030204" pitchFamily="49" charset="0"/>
-              </a:rPr>
-              <a:t>/</a:t>
-            </a:r>
-            <a:r>
-              <a:rPr lang="de-DE" sz="1400" dirty="0" err="1">
-                <a:latin typeface="Consolas" panose="020B0609020204030204" pitchFamily="49" charset="0"/>
-              </a:rPr>
-              <a:t>project</a:t>
-            </a:r>
-            <a:r>
-              <a:rPr lang="de-DE" sz="1400" dirty="0">
-                <a:latin typeface="Consolas" panose="020B0609020204030204" pitchFamily="49" charset="0"/>
-              </a:rPr>
-              <a:t>/</a:t>
-            </a:r>
-            <a:r>
-              <a:rPr lang="de-DE" sz="1400" dirty="0" err="1">
-                <a:latin typeface="Consolas" panose="020B0609020204030204" pitchFamily="49" charset="0"/>
-              </a:rPr>
-              <a:t>image:latest</a:t>
-            </a:r>
-            <a:r>
-              <a:rPr lang="de-DE" sz="1400" dirty="0">
-                <a:latin typeface="Consolas" panose="020B0609020204030204" pitchFamily="49" charset="0"/>
-              </a:rPr>
-              <a:t> .</a:t>
-            </a:r>
-          </a:p>
-          <a:p>
-            <a:pPr marL="0" indent="0">
-              <a:buNone/>
-            </a:pPr>
-            <a:r>
-              <a:rPr lang="de-DE" sz="1400" dirty="0">
-                <a:latin typeface="Consolas" panose="020B0609020204030204" pitchFamily="49" charset="0"/>
-              </a:rPr>
-              <a:t>    - </a:t>
-            </a:r>
-            <a:r>
-              <a:rPr lang="de-DE" sz="1400" dirty="0" err="1">
-                <a:latin typeface="Consolas" panose="020B0609020204030204" pitchFamily="49" charset="0"/>
-              </a:rPr>
-              <a:t>docker</a:t>
-            </a:r>
-            <a:r>
-              <a:rPr lang="de-DE" sz="1400" dirty="0">
-                <a:latin typeface="Consolas" panose="020B0609020204030204" pitchFamily="49" charset="0"/>
-              </a:rPr>
-              <a:t> push $CI_REGISTRY/</a:t>
-            </a:r>
-            <a:r>
-              <a:rPr lang="de-DE" sz="1400" dirty="0" err="1">
-                <a:latin typeface="Consolas" panose="020B0609020204030204" pitchFamily="49" charset="0"/>
-              </a:rPr>
-              <a:t>group</a:t>
-            </a:r>
-            <a:r>
-              <a:rPr lang="de-DE" sz="1400" dirty="0">
-                <a:latin typeface="Consolas" panose="020B0609020204030204" pitchFamily="49" charset="0"/>
-              </a:rPr>
-              <a:t>/</a:t>
-            </a:r>
-            <a:r>
-              <a:rPr lang="de-DE" sz="1400" dirty="0" err="1">
-                <a:latin typeface="Consolas" panose="020B0609020204030204" pitchFamily="49" charset="0"/>
-              </a:rPr>
-              <a:t>project</a:t>
-            </a:r>
-            <a:r>
-              <a:rPr lang="de-DE" sz="1400" dirty="0">
-                <a:latin typeface="Consolas" panose="020B0609020204030204" pitchFamily="49" charset="0"/>
-              </a:rPr>
-              <a:t>/</a:t>
-            </a:r>
-            <a:r>
-              <a:rPr lang="de-DE" sz="1400" dirty="0" err="1">
-                <a:latin typeface="Consolas" panose="020B0609020204030204" pitchFamily="49" charset="0"/>
-              </a:rPr>
-              <a:t>image:latest</a:t>
-            </a:r>
-            <a:endParaRPr lang="de-DE" sz="1400" dirty="0">
-              <a:latin typeface="Consolas" panose="020B0609020204030204" pitchFamily="49" charset="0"/>
-            </a:endParaRPr>
+              <a:rPr lang="de-DE" dirty="0"/>
+              <a:t> und push benötigt</a:t>
+            </a:r>
+          </a:p>
+          <a:p>
+            <a:pPr marL="857250" lvl="1" indent="-457200">
+              <a:buFont typeface="Arial" panose="020B0604020202020204" pitchFamily="34" charset="0"/>
+              <a:buChar char="•"/>
+            </a:pPr>
+            <a:r>
+              <a:rPr lang="de-DE" dirty="0"/>
+              <a:t>Beim Docker-in-Docker Container Image haben Sie </a:t>
+            </a:r>
+            <a:r>
+              <a:rPr lang="de-DE" dirty="0" err="1"/>
+              <a:t>GitLab</a:t>
+            </a:r>
+            <a:r>
+              <a:rPr lang="de-DE" dirty="0"/>
+              <a:t>-</a:t>
+            </a:r>
+            <a:r>
+              <a:rPr lang="de-DE" dirty="0" err="1"/>
+              <a:t>predefined</a:t>
+            </a:r>
+            <a:r>
+              <a:rPr lang="de-DE" dirty="0"/>
+              <a:t>-Variables kennengelernt</a:t>
+            </a:r>
+          </a:p>
+          <a:p>
+            <a:pPr marL="857250" lvl="1" indent="-457200">
+              <a:buFont typeface="Arial" panose="020B0604020202020204" pitchFamily="34" charset="0"/>
+              <a:buChar char="•"/>
+            </a:pPr>
+            <a:r>
+              <a:rPr lang="de-DE" dirty="0"/>
+              <a:t>$CI_COMMIT_REF_SLUG ist eine vordefinierte Variable in </a:t>
+            </a:r>
+            <a:r>
+              <a:rPr lang="de-DE" dirty="0" err="1"/>
+              <a:t>GitLab</a:t>
+            </a:r>
+            <a:r>
+              <a:rPr lang="de-DE" dirty="0"/>
+              <a:t> und ist der Branch- oder Tag-Name </a:t>
+            </a:r>
+            <a:r>
+              <a:rPr lang="de-DE" dirty="0" err="1"/>
+              <a:t>sanitized</a:t>
+            </a:r>
+            <a:r>
+              <a:rPr lang="de-DE" dirty="0"/>
+              <a:t> und </a:t>
+            </a:r>
+            <a:r>
+              <a:rPr lang="de-DE" dirty="0" err="1"/>
+              <a:t>lowercase</a:t>
+            </a:r>
+            <a:endParaRPr lang="de-DE" dirty="0"/>
+          </a:p>
+          <a:p>
+            <a:pPr marL="857250" lvl="1" indent="-457200">
+              <a:buFont typeface="Arial" panose="020B0604020202020204" pitchFamily="34" charset="0"/>
+              <a:buChar char="•"/>
+            </a:pPr>
+            <a:endParaRPr lang="de-DE" dirty="0"/>
+          </a:p>
+          <a:p>
+            <a:pPr marL="857250" lvl="1" indent="-457200">
+              <a:buFont typeface="Arial" panose="020B0604020202020204" pitchFamily="34" charset="0"/>
+              <a:buChar char="•"/>
+            </a:pPr>
+            <a:endParaRPr lang="de-DE" dirty="0"/>
+          </a:p>
+          <a:p>
+            <a:pPr marL="857250" lvl="1" indent="-457200">
+              <a:buFont typeface="Arial" panose="020B0604020202020204" pitchFamily="34" charset="0"/>
+              <a:buChar char="•"/>
+            </a:pPr>
+            <a:endParaRPr lang="de-DE" dirty="0"/>
           </a:p>
         </p:txBody>
       </p:sp>
     </p:spTree>
     <p:extLst>
       <p:ext uri="{BB962C8B-B14F-4D97-AF65-F5344CB8AC3E}">
-        <p14:creationId xmlns:p14="http://schemas.microsoft.com/office/powerpoint/2010/main" val="3629727755"/>
+        <p14:creationId xmlns:p14="http://schemas.microsoft.com/office/powerpoint/2010/main" val="269078200"/>
       </p:ext>
     </p:extLst>
   </p:cSld>

--- a/slides/Tag-3_4-Release-und-Tagged-Images.pptx
+++ b/slides/Tag-3_4-Release-und-Tagged-Images.pptx
@@ -6,10 +6,10 @@
     <p:sldMasterId id="2147483649" r:id="rId2"/>
   </p:sldMasterIdLst>
   <p:notesMasterIdLst>
-    <p:notesMasterId r:id="rId41"/>
+    <p:notesMasterId r:id="rId42"/>
   </p:notesMasterIdLst>
   <p:handoutMasterIdLst>
-    <p:handoutMasterId r:id="rId42"/>
+    <p:handoutMasterId r:id="rId43"/>
   </p:handoutMasterIdLst>
   <p:sldIdLst>
     <p:sldId id="624" r:id="rId3"/>
@@ -19,37 +19,38 @@
     <p:sldId id="589" r:id="rId7"/>
     <p:sldId id="590" r:id="rId8"/>
     <p:sldId id="597" r:id="rId9"/>
-    <p:sldId id="598" r:id="rId10"/>
-    <p:sldId id="594" r:id="rId11"/>
-    <p:sldId id="595" r:id="rId12"/>
-    <p:sldId id="596" r:id="rId13"/>
-    <p:sldId id="599" r:id="rId14"/>
-    <p:sldId id="600" r:id="rId15"/>
-    <p:sldId id="602" r:id="rId16"/>
-    <p:sldId id="603" r:id="rId17"/>
-    <p:sldId id="591" r:id="rId18"/>
-    <p:sldId id="601" r:id="rId19"/>
-    <p:sldId id="604" r:id="rId20"/>
-    <p:sldId id="605" r:id="rId21"/>
-    <p:sldId id="606" r:id="rId22"/>
-    <p:sldId id="588" r:id="rId23"/>
-    <p:sldId id="607" r:id="rId24"/>
-    <p:sldId id="637" r:id="rId25"/>
-    <p:sldId id="608" r:id="rId26"/>
-    <p:sldId id="638" r:id="rId27"/>
-    <p:sldId id="609" r:id="rId28"/>
-    <p:sldId id="619" r:id="rId29"/>
-    <p:sldId id="618" r:id="rId30"/>
-    <p:sldId id="620" r:id="rId31"/>
-    <p:sldId id="621" r:id="rId32"/>
-    <p:sldId id="617" r:id="rId33"/>
-    <p:sldId id="639" r:id="rId34"/>
-    <p:sldId id="622" r:id="rId35"/>
-    <p:sldId id="623" r:id="rId36"/>
-    <p:sldId id="632" r:id="rId37"/>
-    <p:sldId id="625" r:id="rId38"/>
-    <p:sldId id="633" r:id="rId39"/>
-    <p:sldId id="626" r:id="rId40"/>
+    <p:sldId id="641" r:id="rId10"/>
+    <p:sldId id="598" r:id="rId11"/>
+    <p:sldId id="594" r:id="rId12"/>
+    <p:sldId id="595" r:id="rId13"/>
+    <p:sldId id="596" r:id="rId14"/>
+    <p:sldId id="599" r:id="rId15"/>
+    <p:sldId id="600" r:id="rId16"/>
+    <p:sldId id="602" r:id="rId17"/>
+    <p:sldId id="603" r:id="rId18"/>
+    <p:sldId id="591" r:id="rId19"/>
+    <p:sldId id="601" r:id="rId20"/>
+    <p:sldId id="604" r:id="rId21"/>
+    <p:sldId id="605" r:id="rId22"/>
+    <p:sldId id="606" r:id="rId23"/>
+    <p:sldId id="588" r:id="rId24"/>
+    <p:sldId id="607" r:id="rId25"/>
+    <p:sldId id="637" r:id="rId26"/>
+    <p:sldId id="608" r:id="rId27"/>
+    <p:sldId id="638" r:id="rId28"/>
+    <p:sldId id="609" r:id="rId29"/>
+    <p:sldId id="619" r:id="rId30"/>
+    <p:sldId id="618" r:id="rId31"/>
+    <p:sldId id="620" r:id="rId32"/>
+    <p:sldId id="621" r:id="rId33"/>
+    <p:sldId id="617" r:id="rId34"/>
+    <p:sldId id="639" r:id="rId35"/>
+    <p:sldId id="622" r:id="rId36"/>
+    <p:sldId id="623" r:id="rId37"/>
+    <p:sldId id="632" r:id="rId38"/>
+    <p:sldId id="625" r:id="rId39"/>
+    <p:sldId id="633" r:id="rId40"/>
+    <p:sldId id="626" r:id="rId41"/>
   </p:sldIdLst>
   <p:sldSz cx="9144000" cy="6858000" type="screen4x3"/>
   <p:notesSz cx="6784975" cy="9921875"/>
@@ -1088,8 +1089,11 @@
           <a:p>
             <a:r>
               <a:rPr lang="de-DE" dirty="0"/>
-              <a:t>https://docs.gitlab.com/ee/user/packages/container_registry/authenticate_with_container_registry.html</a:t>
-            </a:r>
+              <a:t>https://container-registry.com/posts/container-image-versioning/</a:t>
+            </a:r>
+          </a:p>
+          <a:p>
+            <a:endParaRPr lang="de-DE" dirty="0"/>
           </a:p>
         </p:txBody>
       </p:sp>
@@ -1120,7 +1124,7 @@
     </p:spTree>
     <p:extLst>
       <p:ext uri="{BB962C8B-B14F-4D97-AF65-F5344CB8AC3E}">
-        <p14:creationId xmlns:p14="http://schemas.microsoft.com/office/powerpoint/2010/main" val="1015434146"/>
+        <p14:creationId xmlns:p14="http://schemas.microsoft.com/office/powerpoint/2010/main" val="758847513"/>
       </p:ext>
     </p:extLst>
   </p:cSld>
@@ -1208,7 +1212,7 @@
     </p:spTree>
     <p:extLst>
       <p:ext uri="{BB962C8B-B14F-4D97-AF65-F5344CB8AC3E}">
-        <p14:creationId xmlns:p14="http://schemas.microsoft.com/office/powerpoint/2010/main" val="3496549736"/>
+        <p14:creationId xmlns:p14="http://schemas.microsoft.com/office/powerpoint/2010/main" val="1015434146"/>
       </p:ext>
     </p:extLst>
   </p:cSld>
@@ -1296,7 +1300,7 @@
     </p:spTree>
     <p:extLst>
       <p:ext uri="{BB962C8B-B14F-4D97-AF65-F5344CB8AC3E}">
-        <p14:creationId xmlns:p14="http://schemas.microsoft.com/office/powerpoint/2010/main" val="4044532184"/>
+        <p14:creationId xmlns:p14="http://schemas.microsoft.com/office/powerpoint/2010/main" val="3496549736"/>
       </p:ext>
     </p:extLst>
   </p:cSld>
@@ -1350,7 +1354,10 @@
           <a:bodyPr/>
           <a:lstStyle/>
           <a:p>
-            <a:endParaRPr lang="de-DE" dirty="0"/>
+            <a:r>
+              <a:rPr lang="de-DE" dirty="0"/>
+              <a:t>https://docs.gitlab.com/ee/user/packages/container_registry/authenticate_with_container_registry.html</a:t>
+            </a:r>
           </a:p>
         </p:txBody>
       </p:sp>
@@ -1381,7 +1388,7 @@
     </p:spTree>
     <p:extLst>
       <p:ext uri="{BB962C8B-B14F-4D97-AF65-F5344CB8AC3E}">
-        <p14:creationId xmlns:p14="http://schemas.microsoft.com/office/powerpoint/2010/main" val="1133817201"/>
+        <p14:creationId xmlns:p14="http://schemas.microsoft.com/office/powerpoint/2010/main" val="4044532184"/>
       </p:ext>
     </p:extLst>
   </p:cSld>
@@ -1466,7 +1473,7 @@
     </p:spTree>
     <p:extLst>
       <p:ext uri="{BB962C8B-B14F-4D97-AF65-F5344CB8AC3E}">
-        <p14:creationId xmlns:p14="http://schemas.microsoft.com/office/powerpoint/2010/main" val="3795170457"/>
+        <p14:creationId xmlns:p14="http://schemas.microsoft.com/office/powerpoint/2010/main" val="1133817201"/>
       </p:ext>
     </p:extLst>
   </p:cSld>
@@ -1520,43 +1527,6 @@
           <a:bodyPr/>
           <a:lstStyle/>
           <a:p>
-            <a:pPr algn="l"/>
-            <a:r>
-              <a:rPr lang="en-US" b="0" i="0" dirty="0">
-                <a:solidFill>
-                  <a:srgbClr val="404040"/>
-                </a:solidFill>
-                <a:effectLst/>
-                <a:latin typeface="gitlab sans"/>
-              </a:rPr>
-              <a:t>You can use </a:t>
-            </a:r>
-            <a:r>
-              <a:rPr lang="en-US" b="0" i="0" u="none" strike="noStrike" dirty="0">
-                <a:solidFill>
-                  <a:srgbClr val="5943B6"/>
-                </a:solidFill>
-                <a:effectLst/>
-                <a:latin typeface="gitlab sans"/>
-                <a:hlinkClick r:id="rId3"/>
-              </a:rPr>
-              <a:t>GitLab CI/CD</a:t>
-            </a:r>
-            <a:r>
-              <a:rPr lang="en-US" b="0" i="0" dirty="0">
-                <a:solidFill>
-                  <a:srgbClr val="404040"/>
-                </a:solidFill>
-                <a:effectLst/>
-                <a:latin typeface="gitlab sans"/>
-              </a:rPr>
-              <a:t> to build and push container images to the Container Registry. You can use CI/CD to test, build, and deploy your project from the container image you created.</a:t>
-            </a:r>
-          </a:p>
-          <a:p>
-            <a:br>
-              <a:rPr lang="en-US" dirty="0"/>
-            </a:br>
             <a:endParaRPr lang="de-DE" dirty="0"/>
           </a:p>
         </p:txBody>
@@ -1588,7 +1558,7 @@
     </p:spTree>
     <p:extLst>
       <p:ext uri="{BB962C8B-B14F-4D97-AF65-F5344CB8AC3E}">
-        <p14:creationId xmlns:p14="http://schemas.microsoft.com/office/powerpoint/2010/main" val="3378526490"/>
+        <p14:creationId xmlns:p14="http://schemas.microsoft.com/office/powerpoint/2010/main" val="3795170457"/>
       </p:ext>
     </p:extLst>
   </p:cSld>
@@ -1642,29 +1612,44 @@
           <a:bodyPr/>
           <a:lstStyle/>
           <a:p>
-            <a:r>
-              <a:rPr lang="de-DE" dirty="0"/>
-              <a:t>https://docs.gitlab.com/ee/ci/docker/using_docker_build.html#use-docker-in-docker</a:t>
-            </a:r>
-          </a:p>
-          <a:p>
+            <a:pPr algn="l"/>
+            <a:r>
+              <a:rPr lang="en-US" b="0" i="0" dirty="0">
+                <a:solidFill>
+                  <a:srgbClr val="404040"/>
+                </a:solidFill>
+                <a:effectLst/>
+                <a:latin typeface="gitlab sans"/>
+              </a:rPr>
+              <a:t>You can use </a:t>
+            </a:r>
+            <a:r>
+              <a:rPr lang="en-US" b="0" i="0" u="none" strike="noStrike" dirty="0">
+                <a:solidFill>
+                  <a:srgbClr val="5943B6"/>
+                </a:solidFill>
+                <a:effectLst/>
+                <a:latin typeface="gitlab sans"/>
+                <a:hlinkClick r:id="rId3"/>
+              </a:rPr>
+              <a:t>GitLab CI/CD</a:t>
+            </a:r>
+            <a:r>
+              <a:rPr lang="en-US" b="0" i="0" dirty="0">
+                <a:solidFill>
+                  <a:srgbClr val="404040"/>
+                </a:solidFill>
+                <a:effectLst/>
+                <a:latin typeface="gitlab sans"/>
+              </a:rPr>
+              <a:t> to build and push container images to the Container Registry. You can use CI/CD to test, build, and deploy your project from the container image you created.</a:t>
+            </a:r>
+          </a:p>
+          <a:p>
+            <a:br>
+              <a:rPr lang="en-US" dirty="0"/>
+            </a:br>
             <a:endParaRPr lang="de-DE" dirty="0"/>
-          </a:p>
-          <a:p>
-            <a:r>
-              <a:rPr lang="de-DE" dirty="0" err="1"/>
-              <a:t>Dind</a:t>
-            </a:r>
-            <a:r>
-              <a:rPr lang="de-DE" dirty="0"/>
-              <a:t> mit TLS:</a:t>
-            </a:r>
-          </a:p>
-          <a:p>
-            <a:r>
-              <a:rPr lang="de-DE" dirty="0"/>
-              <a:t>https://docs.gitlab.com/ee/ci/docker/using_docker_build.html#docker-in-docker-with-tls-enabled-in-the-docker-executor</a:t>
-            </a:r>
           </a:p>
         </p:txBody>
       </p:sp>
@@ -1695,7 +1680,7 @@
     </p:spTree>
     <p:extLst>
       <p:ext uri="{BB962C8B-B14F-4D97-AF65-F5344CB8AC3E}">
-        <p14:creationId xmlns:p14="http://schemas.microsoft.com/office/powerpoint/2010/main" val="3929006885"/>
+        <p14:creationId xmlns:p14="http://schemas.microsoft.com/office/powerpoint/2010/main" val="3378526490"/>
       </p:ext>
     </p:extLst>
   </p:cSld>
@@ -1751,7 +1736,26 @@
           <a:p>
             <a:r>
               <a:rPr lang="de-DE" dirty="0"/>
-              <a:t>https://docs.gitlab.com/ee/user/packages/container_registry/build_and_push_images.html#configure-your-gitlab-ciyml-file</a:t>
+              <a:t>https://docs.gitlab.com/ee/ci/docker/using_docker_build.html#use-docker-in-docker</a:t>
+            </a:r>
+          </a:p>
+          <a:p>
+            <a:endParaRPr lang="de-DE" dirty="0"/>
+          </a:p>
+          <a:p>
+            <a:r>
+              <a:rPr lang="de-DE" dirty="0" err="1"/>
+              <a:t>Dind</a:t>
+            </a:r>
+            <a:r>
+              <a:rPr lang="de-DE" dirty="0"/>
+              <a:t> mit TLS:</a:t>
+            </a:r>
+          </a:p>
+          <a:p>
+            <a:r>
+              <a:rPr lang="de-DE" dirty="0"/>
+              <a:t>https://docs.gitlab.com/ee/ci/docker/using_docker_build.html#docker-in-docker-with-tls-enabled-in-the-docker-executor</a:t>
             </a:r>
           </a:p>
         </p:txBody>
@@ -1783,7 +1787,7 @@
     </p:spTree>
     <p:extLst>
       <p:ext uri="{BB962C8B-B14F-4D97-AF65-F5344CB8AC3E}">
-        <p14:creationId xmlns:p14="http://schemas.microsoft.com/office/powerpoint/2010/main" val="3635466979"/>
+        <p14:creationId xmlns:p14="http://schemas.microsoft.com/office/powerpoint/2010/main" val="3929006885"/>
       </p:ext>
     </p:extLst>
   </p:cSld>
@@ -1837,24 +1841,9 @@
           <a:bodyPr/>
           <a:lstStyle/>
           <a:p>
-            <a:endParaRPr lang="de-DE" dirty="0"/>
-          </a:p>
-          <a:p>
             <a:r>
               <a:rPr lang="de-DE" dirty="0"/>
-              <a:t>https://about.gitlab.com/blog/2020/12/15/dependency-proxy-updates/</a:t>
-            </a:r>
-          </a:p>
-          <a:p>
-            <a:endParaRPr lang="de-DE" dirty="0"/>
-          </a:p>
-          <a:p>
-            <a:endParaRPr lang="de-DE" dirty="0"/>
-          </a:p>
-          <a:p>
-            <a:r>
-              <a:rPr lang="de-DE" dirty="0"/>
-              <a:t>https://help.sonatype.com/en/components-and-assets-in-docker.html#:~:text=Docker%20Images%2C%20Tags%2C%20Manifests%2C,not%20associated%20with%20a%20component.</a:t>
+              <a:t>https://docs.gitlab.com/ee/user/packages/container_registry/build_and_push_images.html#configure-your-gitlab-ciyml-file</a:t>
             </a:r>
           </a:p>
         </p:txBody>
@@ -1877,7 +1866,7 @@
             <a:fld id="{18182567-388C-4D33-8B7B-A651F195F118}" type="slidenum">
               <a:rPr lang="de-DE" altLang="de-DE" smtClean="0"/>
               <a:pPr/>
-              <a:t>31</a:t>
+              <a:t>29</a:t>
             </a:fld>
             <a:endParaRPr lang="de-DE" altLang="de-DE"/>
           </a:p>
@@ -1886,7 +1875,7 @@
     </p:spTree>
     <p:extLst>
       <p:ext uri="{BB962C8B-B14F-4D97-AF65-F5344CB8AC3E}">
-        <p14:creationId xmlns:p14="http://schemas.microsoft.com/office/powerpoint/2010/main" val="3189253092"/>
+        <p14:creationId xmlns:p14="http://schemas.microsoft.com/office/powerpoint/2010/main" val="3635466979"/>
       </p:ext>
     </p:extLst>
   </p:cSld>
@@ -1989,7 +1978,7 @@
     </p:spTree>
     <p:extLst>
       <p:ext uri="{BB962C8B-B14F-4D97-AF65-F5344CB8AC3E}">
-        <p14:creationId xmlns:p14="http://schemas.microsoft.com/office/powerpoint/2010/main" val="3426277297"/>
+        <p14:creationId xmlns:p14="http://schemas.microsoft.com/office/powerpoint/2010/main" val="3189253092"/>
       </p:ext>
     </p:extLst>
   </p:cSld>
@@ -2133,6 +2122,24 @@
           <a:p>
             <a:endParaRPr lang="de-DE" dirty="0"/>
           </a:p>
+          <a:p>
+            <a:r>
+              <a:rPr lang="de-DE" dirty="0"/>
+              <a:t>https://about.gitlab.com/blog/2020/12/15/dependency-proxy-updates/</a:t>
+            </a:r>
+          </a:p>
+          <a:p>
+            <a:endParaRPr lang="de-DE" dirty="0"/>
+          </a:p>
+          <a:p>
+            <a:endParaRPr lang="de-DE" dirty="0"/>
+          </a:p>
+          <a:p>
+            <a:r>
+              <a:rPr lang="de-DE" dirty="0"/>
+              <a:t>https://help.sonatype.com/en/components-and-assets-in-docker.html#:~:text=Docker%20Images%2C%20Tags%2C%20Manifests%2C,not%20associated%20with%20a%20component.</a:t>
+            </a:r>
+          </a:p>
         </p:txBody>
       </p:sp>
       <p:sp>
@@ -2153,7 +2160,7 @@
             <a:fld id="{18182567-388C-4D33-8B7B-A651F195F118}" type="slidenum">
               <a:rPr lang="de-DE" altLang="de-DE" smtClean="0"/>
               <a:pPr/>
-              <a:t>36</a:t>
+              <a:t>33</a:t>
             </a:fld>
             <a:endParaRPr lang="de-DE" altLang="de-DE"/>
           </a:p>
@@ -2162,7 +2169,7 @@
     </p:spTree>
     <p:extLst>
       <p:ext uri="{BB962C8B-B14F-4D97-AF65-F5344CB8AC3E}">
-        <p14:creationId xmlns:p14="http://schemas.microsoft.com/office/powerpoint/2010/main" val="2538846736"/>
+        <p14:creationId xmlns:p14="http://schemas.microsoft.com/office/powerpoint/2010/main" val="3426277297"/>
       </p:ext>
     </p:extLst>
   </p:cSld>
@@ -2216,24 +2223,6 @@
           <a:bodyPr/>
           <a:lstStyle/>
           <a:p>
-            <a:r>
-              <a:rPr lang="de-DE" dirty="0"/>
-              <a:t>https://docs.gitlab.com/ee/ci/variables/predefined_variables.html</a:t>
-            </a:r>
-          </a:p>
-          <a:p>
-            <a:endParaRPr lang="de-DE" dirty="0"/>
-          </a:p>
-          <a:p>
-            <a:r>
-              <a:rPr lang="en-US" dirty="0">
-                <a:effectLst/>
-              </a:rPr>
-              <a:t>CI_COMMIT_REF_NAME in lowercase, shortened to 63 bytes, and with everything except 0-9 and a-z replaced with -. No leading / trailing -. Use in URLs, host names and domain names.</a:t>
-            </a:r>
-            <a:br>
-              <a:rPr lang="en-US" dirty="0"/>
-            </a:br>
             <a:endParaRPr lang="de-DE" dirty="0"/>
           </a:p>
         </p:txBody>
@@ -2256,7 +2245,110 @@
             <a:fld id="{18182567-388C-4D33-8B7B-A651F195F118}" type="slidenum">
               <a:rPr lang="de-DE" altLang="de-DE" smtClean="0"/>
               <a:pPr/>
-              <a:t>38</a:t>
+              <a:t>37</a:t>
+            </a:fld>
+            <a:endParaRPr lang="de-DE" altLang="de-DE"/>
+          </a:p>
+        </p:txBody>
+      </p:sp>
+    </p:spTree>
+    <p:extLst>
+      <p:ext uri="{BB962C8B-B14F-4D97-AF65-F5344CB8AC3E}">
+        <p14:creationId xmlns:p14="http://schemas.microsoft.com/office/powerpoint/2010/main" val="2538846736"/>
+      </p:ext>
+    </p:extLst>
+  </p:cSld>
+  <p:clrMapOvr>
+    <a:masterClrMapping/>
+  </p:clrMapOvr>
+</p:notes>
+</file>
+
+<file path=ppt/notesSlides/notesSlide22.xml><?xml version="1.0" encoding="utf-8"?>
+<p:notes xmlns:a="http://schemas.openxmlformats.org/drawingml/2006/main" xmlns:r="http://schemas.openxmlformats.org/officeDocument/2006/relationships" xmlns:p="http://schemas.openxmlformats.org/presentationml/2006/main">
+  <p:cSld>
+    <p:spTree>
+      <p:nvGrpSpPr>
+        <p:cNvPr id="1" name=""/>
+        <p:cNvGrpSpPr/>
+        <p:nvPr/>
+      </p:nvGrpSpPr>
+      <p:grpSpPr>
+        <a:xfrm>
+          <a:off x="0" y="0"/>
+          <a:ext cx="0" cy="0"/>
+          <a:chOff x="0" y="0"/>
+          <a:chExt cx="0" cy="0"/>
+        </a:xfrm>
+      </p:grpSpPr>
+      <p:sp>
+        <p:nvSpPr>
+          <p:cNvPr id="2" name="Folienbildplatzhalter 1"/>
+          <p:cNvSpPr>
+            <a:spLocks noGrp="1" noRot="1" noChangeAspect="1"/>
+          </p:cNvSpPr>
+          <p:nvPr>
+            <p:ph type="sldImg"/>
+          </p:nvPr>
+        </p:nvSpPr>
+        <p:spPr/>
+      </p:sp>
+      <p:sp>
+        <p:nvSpPr>
+          <p:cNvPr id="3" name="Notizenplatzhalter 2"/>
+          <p:cNvSpPr>
+            <a:spLocks noGrp="1"/>
+          </p:cNvSpPr>
+          <p:nvPr>
+            <p:ph type="body" idx="1"/>
+          </p:nvPr>
+        </p:nvSpPr>
+        <p:spPr/>
+        <p:txBody>
+          <a:bodyPr/>
+          <a:lstStyle/>
+          <a:p>
+            <a:r>
+              <a:rPr lang="de-DE" dirty="0"/>
+              <a:t>https://docs.gitlab.com/ee/ci/variables/predefined_variables.html</a:t>
+            </a:r>
+          </a:p>
+          <a:p>
+            <a:endParaRPr lang="de-DE" dirty="0"/>
+          </a:p>
+          <a:p>
+            <a:r>
+              <a:rPr lang="en-US" dirty="0">
+                <a:effectLst/>
+              </a:rPr>
+              <a:t>CI_COMMIT_REF_NAME in lowercase, shortened to 63 bytes, and with everything except 0-9 and a-z replaced with -. No leading / trailing -. Use in URLs, host names and domain names.</a:t>
+            </a:r>
+            <a:br>
+              <a:rPr lang="en-US" dirty="0"/>
+            </a:br>
+            <a:endParaRPr lang="de-DE" dirty="0"/>
+          </a:p>
+        </p:txBody>
+      </p:sp>
+      <p:sp>
+        <p:nvSpPr>
+          <p:cNvPr id="4" name="Foliennummernplatzhalter 3"/>
+          <p:cNvSpPr>
+            <a:spLocks noGrp="1"/>
+          </p:cNvSpPr>
+          <p:nvPr>
+            <p:ph type="sldNum" sz="quarter" idx="5"/>
+          </p:nvPr>
+        </p:nvSpPr>
+        <p:spPr/>
+        <p:txBody>
+          <a:bodyPr/>
+          <a:lstStyle/>
+          <a:p>
+            <a:fld id="{18182567-388C-4D33-8B7B-A651F195F118}" type="slidenum">
+              <a:rPr lang="de-DE" altLang="de-DE" smtClean="0"/>
+              <a:pPr/>
+              <a:t>39</a:t>
             </a:fld>
             <a:endParaRPr lang="de-DE" altLang="de-DE"/>
           </a:p>
@@ -2353,7 +2445,7 @@
     </p:spTree>
     <p:extLst>
       <p:ext uri="{BB962C8B-B14F-4D97-AF65-F5344CB8AC3E}">
-        <p14:creationId xmlns:p14="http://schemas.microsoft.com/office/powerpoint/2010/main" val="4220598971"/>
+        <p14:creationId xmlns:p14="http://schemas.microsoft.com/office/powerpoint/2010/main" val="117467650"/>
       </p:ext>
     </p:extLst>
   </p:cSld>
@@ -2409,25 +2501,7 @@
           <a:p>
             <a:r>
               <a:rPr lang="de-DE" dirty="0"/>
-              <a:t>https://semver.org/lang/de/</a:t>
-            </a:r>
-          </a:p>
-          <a:p>
-            <a:endParaRPr lang="de-DE" dirty="0"/>
-          </a:p>
-          <a:p>
-            <a:r>
-              <a:rPr lang="de-DE" dirty="0"/>
-              <a:t>https://container-registry.com/posts/container-image-versioning/</a:t>
-            </a:r>
-          </a:p>
-          <a:p>
-            <a:endParaRPr lang="de-DE" dirty="0"/>
-          </a:p>
-          <a:p>
-            <a:r>
-              <a:rPr lang="de-DE" dirty="0"/>
-              <a:t>https://medium.com/@nirmalkushwah08/docker-image-tagging-strategy-4aa886fb4fcc</a:t>
+              <a:t>https://kodekloud.com/blog/docker-image-tag/</a:t>
             </a:r>
           </a:p>
         </p:txBody>
@@ -2450,7 +2524,7 @@
             <a:fld id="{18182567-388C-4D33-8B7B-A651F195F118}" type="slidenum">
               <a:rPr lang="de-DE" altLang="de-DE" smtClean="0"/>
               <a:pPr/>
-              <a:t>12</a:t>
+              <a:t>9</a:t>
             </a:fld>
             <a:endParaRPr lang="de-DE" altLang="de-DE"/>
           </a:p>
@@ -2459,7 +2533,7 @@
     </p:spTree>
     <p:extLst>
       <p:ext uri="{BB962C8B-B14F-4D97-AF65-F5344CB8AC3E}">
-        <p14:creationId xmlns:p14="http://schemas.microsoft.com/office/powerpoint/2010/main" val="3489991838"/>
+        <p14:creationId xmlns:p14="http://schemas.microsoft.com/office/powerpoint/2010/main" val="4220598971"/>
       </p:ext>
     </p:extLst>
   </p:cSld>
@@ -2518,6 +2592,24 @@
               <a:t>https://semver.org/lang/de/</a:t>
             </a:r>
           </a:p>
+          <a:p>
+            <a:endParaRPr lang="de-DE" dirty="0"/>
+          </a:p>
+          <a:p>
+            <a:r>
+              <a:rPr lang="de-DE" dirty="0"/>
+              <a:t>https://container-registry.com/posts/container-image-versioning/</a:t>
+            </a:r>
+          </a:p>
+          <a:p>
+            <a:endParaRPr lang="de-DE" dirty="0"/>
+          </a:p>
+          <a:p>
+            <a:r>
+              <a:rPr lang="de-DE" dirty="0"/>
+              <a:t>https://medium.com/@nirmalkushwah08/docker-image-tagging-strategy-4aa886fb4fcc</a:t>
+            </a:r>
+          </a:p>
         </p:txBody>
       </p:sp>
       <p:sp>
@@ -2547,7 +2639,7 @@
     </p:spTree>
     <p:extLst>
       <p:ext uri="{BB962C8B-B14F-4D97-AF65-F5344CB8AC3E}">
-        <p14:creationId xmlns:p14="http://schemas.microsoft.com/office/powerpoint/2010/main" val="3085793975"/>
+        <p14:creationId xmlns:p14="http://schemas.microsoft.com/office/powerpoint/2010/main" val="3489991838"/>
       </p:ext>
     </p:extLst>
   </p:cSld>
@@ -2626,7 +2718,7 @@
             <a:fld id="{18182567-388C-4D33-8B7B-A651F195F118}" type="slidenum">
               <a:rPr lang="de-DE" altLang="de-DE" smtClean="0"/>
               <a:pPr/>
-              <a:t>17</a:t>
+              <a:t>14</a:t>
             </a:fld>
             <a:endParaRPr lang="de-DE" altLang="de-DE"/>
           </a:p>
@@ -2635,7 +2727,7 @@
     </p:spTree>
     <p:extLst>
       <p:ext uri="{BB962C8B-B14F-4D97-AF65-F5344CB8AC3E}">
-        <p14:creationId xmlns:p14="http://schemas.microsoft.com/office/powerpoint/2010/main" val="8064563"/>
+        <p14:creationId xmlns:p14="http://schemas.microsoft.com/office/powerpoint/2010/main" val="3085793975"/>
       </p:ext>
     </p:extLst>
   </p:cSld>
@@ -2689,73 +2781,10 @@
           <a:bodyPr/>
           <a:lstStyle/>
           <a:p>
-            <a:pPr algn="l"/>
-            <a:r>
-              <a:rPr lang="en-US" b="0" i="0" dirty="0">
-                <a:solidFill>
-                  <a:srgbClr val="3F3F3F"/>
-                </a:solidFill>
-                <a:effectLst/>
-                <a:latin typeface="open sans" panose="020B0606030504020204" pitchFamily="34" charset="0"/>
-              </a:rPr>
-              <a:t>A </a:t>
-            </a:r>
-            <a:r>
-              <a:rPr lang="en-US" b="1" i="0" dirty="0">
-                <a:solidFill>
-                  <a:srgbClr val="3F3F3F"/>
-                </a:solidFill>
-                <a:effectLst/>
-                <a:latin typeface="open sans semibold" panose="020F0502020204030204" pitchFamily="34" charset="0"/>
-              </a:rPr>
-              <a:t>timestamp</a:t>
-            </a:r>
-            <a:r>
-              <a:rPr lang="en-US" b="0" i="0" dirty="0">
-                <a:solidFill>
-                  <a:srgbClr val="3F3F3F"/>
-                </a:solidFill>
-                <a:effectLst/>
-                <a:latin typeface="open sans" panose="020B0606030504020204" pitchFamily="34" charset="0"/>
-              </a:rPr>
-              <a:t> is, indeed, an easy solution. But it has more drawbacks than advantages. It lacks a correlation to the included changeset(s) for the container image release since you cannot match it with the respective build.</a:t>
-            </a:r>
-          </a:p>
-          <a:p>
-            <a:pPr algn="l"/>
-            <a:r>
-              <a:rPr lang="en-US" b="0" i="0" dirty="0">
-                <a:solidFill>
-                  <a:srgbClr val="3F3F3F"/>
-                </a:solidFill>
-                <a:effectLst/>
-                <a:latin typeface="open sans" panose="020B0606030504020204" pitchFamily="34" charset="0"/>
-              </a:rPr>
-              <a:t>Do not forget about the evil </a:t>
-            </a:r>
-            <a:r>
-              <a:rPr lang="en-US" b="0" i="0" dirty="0" err="1">
-                <a:solidFill>
-                  <a:srgbClr val="3F3F3F"/>
-                </a:solidFill>
-                <a:effectLst/>
-                <a:latin typeface="open sans" panose="020B0606030504020204" pitchFamily="34" charset="0"/>
-              </a:rPr>
-              <a:t>timezone</a:t>
-            </a:r>
-            <a:r>
-              <a:rPr lang="en-US" b="0" i="0" dirty="0">
-                <a:solidFill>
-                  <a:srgbClr val="3F3F3F"/>
-                </a:solidFill>
-                <a:effectLst/>
-                <a:latin typeface="open sans" panose="020B0606030504020204" pitchFamily="34" charset="0"/>
-              </a:rPr>
-              <a:t>: which time was it actually in yours? Moreover, what if you created more than one image at exactly the same time? Last but not least, someone can push an image with the same tag just by adding it manually.</a:t>
-            </a:r>
-          </a:p>
-          <a:p>
-            <a:endParaRPr lang="de-DE" dirty="0"/>
+            <a:r>
+              <a:rPr lang="de-DE" dirty="0"/>
+              <a:t>https://semver.org/lang/de/</a:t>
+            </a:r>
           </a:p>
         </p:txBody>
       </p:sp>
@@ -2786,7 +2815,7 @@
     </p:spTree>
     <p:extLst>
       <p:ext uri="{BB962C8B-B14F-4D97-AF65-F5344CB8AC3E}">
-        <p14:creationId xmlns:p14="http://schemas.microsoft.com/office/powerpoint/2010/main" val="3532218253"/>
+        <p14:creationId xmlns:p14="http://schemas.microsoft.com/office/powerpoint/2010/main" val="8064563"/>
       </p:ext>
     </p:extLst>
   </p:cSld>
@@ -2840,10 +2869,73 @@
           <a:bodyPr/>
           <a:lstStyle/>
           <a:p>
-            <a:r>
-              <a:rPr lang="de-DE" dirty="0"/>
-              <a:t>https://semver.org/lang/de/</a:t>
-            </a:r>
+            <a:pPr algn="l"/>
+            <a:r>
+              <a:rPr lang="en-US" b="0" i="0" dirty="0">
+                <a:solidFill>
+                  <a:srgbClr val="3F3F3F"/>
+                </a:solidFill>
+                <a:effectLst/>
+                <a:latin typeface="open sans" panose="020B0606030504020204" pitchFamily="34" charset="0"/>
+              </a:rPr>
+              <a:t>A </a:t>
+            </a:r>
+            <a:r>
+              <a:rPr lang="en-US" b="1" i="0" dirty="0">
+                <a:solidFill>
+                  <a:srgbClr val="3F3F3F"/>
+                </a:solidFill>
+                <a:effectLst/>
+                <a:latin typeface="open sans semibold" panose="020F0502020204030204" pitchFamily="34" charset="0"/>
+              </a:rPr>
+              <a:t>timestamp</a:t>
+            </a:r>
+            <a:r>
+              <a:rPr lang="en-US" b="0" i="0" dirty="0">
+                <a:solidFill>
+                  <a:srgbClr val="3F3F3F"/>
+                </a:solidFill>
+                <a:effectLst/>
+                <a:latin typeface="open sans" panose="020B0606030504020204" pitchFamily="34" charset="0"/>
+              </a:rPr>
+              <a:t> is, indeed, an easy solution. But it has more drawbacks than advantages. It lacks a correlation to the included changeset(s) for the container image release since you cannot match it with the respective build.</a:t>
+            </a:r>
+          </a:p>
+          <a:p>
+            <a:pPr algn="l"/>
+            <a:r>
+              <a:rPr lang="en-US" b="0" i="0" dirty="0">
+                <a:solidFill>
+                  <a:srgbClr val="3F3F3F"/>
+                </a:solidFill>
+                <a:effectLst/>
+                <a:latin typeface="open sans" panose="020B0606030504020204" pitchFamily="34" charset="0"/>
+              </a:rPr>
+              <a:t>Do not forget about the evil </a:t>
+            </a:r>
+            <a:r>
+              <a:rPr lang="en-US" b="0" i="0" dirty="0" err="1">
+                <a:solidFill>
+                  <a:srgbClr val="3F3F3F"/>
+                </a:solidFill>
+                <a:effectLst/>
+                <a:latin typeface="open sans" panose="020B0606030504020204" pitchFamily="34" charset="0"/>
+              </a:rPr>
+              <a:t>timezone</a:t>
+            </a:r>
+            <a:r>
+              <a:rPr lang="en-US" b="0" i="0" dirty="0">
+                <a:solidFill>
+                  <a:srgbClr val="3F3F3F"/>
+                </a:solidFill>
+                <a:effectLst/>
+                <a:latin typeface="open sans" panose="020B0606030504020204" pitchFamily="34" charset="0"/>
+              </a:rPr>
+              <a:t>: which time was it actually in yours? Moreover, what if you created more than one image at exactly the same time? Last but not least, someone can push an image with the same tag just by adding it manually.</a:t>
+            </a:r>
+          </a:p>
+          <a:p>
+            <a:endParaRPr lang="de-DE" dirty="0"/>
           </a:p>
         </p:txBody>
       </p:sp>
@@ -2874,7 +2966,7 @@
     </p:spTree>
     <p:extLst>
       <p:ext uri="{BB962C8B-B14F-4D97-AF65-F5344CB8AC3E}">
-        <p14:creationId xmlns:p14="http://schemas.microsoft.com/office/powerpoint/2010/main" val="624751404"/>
+        <p14:creationId xmlns:p14="http://schemas.microsoft.com/office/powerpoint/2010/main" val="3532218253"/>
       </p:ext>
     </p:extLst>
   </p:cSld>
@@ -2930,11 +3022,8 @@
           <a:p>
             <a:r>
               <a:rPr lang="de-DE" dirty="0"/>
-              <a:t>https://container-registry.com/posts/container-image-versioning/</a:t>
-            </a:r>
-          </a:p>
-          <a:p>
-            <a:endParaRPr lang="de-DE" dirty="0"/>
+              <a:t>https://semver.org/lang/de/</a:t>
+            </a:r>
           </a:p>
         </p:txBody>
       </p:sp>
@@ -2965,7 +3054,7 @@
     </p:spTree>
     <p:extLst>
       <p:ext uri="{BB962C8B-B14F-4D97-AF65-F5344CB8AC3E}">
-        <p14:creationId xmlns:p14="http://schemas.microsoft.com/office/powerpoint/2010/main" val="758847513"/>
+        <p14:creationId xmlns:p14="http://schemas.microsoft.com/office/powerpoint/2010/main" val="624751404"/>
       </p:ext>
     </p:extLst>
   </p:cSld>
@@ -5853,42 +5942,42 @@
             </a:r>
             <a:r>
               <a:rPr lang="de-DE" b="1" u="sng" dirty="0"/>
-              <a:t>nach</a:t>
+              <a:t>während</a:t>
             </a:r>
             <a:r>
               <a:rPr lang="de-DE" b="1" dirty="0"/>
-              <a:t> dem </a:t>
+              <a:t> des </a:t>
             </a:r>
             <a:r>
               <a:rPr lang="de-DE" b="1" dirty="0" err="1"/>
+              <a:t>Builds</a:t>
+            </a:r>
+            <a:endParaRPr lang="de-DE" b="1" dirty="0"/>
+          </a:p>
+          <a:p>
+            <a:pPr>
+              <a:buFont typeface="Arial" panose="020B0604020202020204" pitchFamily="34" charset="0"/>
+              <a:buChar char="•"/>
+            </a:pPr>
+            <a:r>
+              <a:rPr lang="de-DE" dirty="0"/>
+              <a:t>Mit dem –t </a:t>
+            </a:r>
+            <a:r>
+              <a:rPr lang="de-DE" dirty="0" err="1"/>
+              <a:t>Flag</a:t>
+            </a:r>
+            <a:r>
+              <a:rPr lang="de-DE" dirty="0"/>
+              <a:t> während des </a:t>
+            </a:r>
+            <a:r>
+              <a:rPr lang="de-DE" dirty="0" err="1"/>
               <a:t>Build</a:t>
             </a:r>
-            <a:endParaRPr lang="de-DE" b="1" dirty="0"/>
-          </a:p>
-          <a:p>
-            <a:pPr>
-              <a:buFont typeface="Arial" panose="020B0604020202020204" pitchFamily="34" charset="0"/>
-              <a:buChar char="•"/>
-            </a:pPr>
             <a:r>
               <a:rPr lang="de-DE" dirty="0"/>
-              <a:t>Vorhandene Images mit </a:t>
-            </a:r>
-            <a:r>
-              <a:rPr lang="de-DE" dirty="0" err="1">
-                <a:latin typeface="Consolas" panose="020B0609020204030204" pitchFamily="49" charset="0"/>
-              </a:rPr>
-              <a:t>docker</a:t>
-            </a:r>
-            <a:r>
-              <a:rPr lang="de-DE" dirty="0">
-                <a:latin typeface="Consolas" panose="020B0609020204030204" pitchFamily="49" charset="0"/>
-              </a:rPr>
-              <a:t> tag </a:t>
-            </a:r>
-            <a:r>
-              <a:rPr lang="de-DE" dirty="0"/>
-              <a:t>Befehl taggen</a:t>
+              <a:t>-Prozesses</a:t>
             </a:r>
           </a:p>
           <a:p>
@@ -5912,19 +6001,31 @@
               <a:rPr lang="de-DE" dirty="0">
                 <a:latin typeface="Consolas" panose="020B0609020204030204" pitchFamily="49" charset="0"/>
               </a:rPr>
-              <a:t> tag [IMAGE_ID] [</a:t>
+              <a:t> </a:t>
             </a:r>
             <a:r>
               <a:rPr lang="de-DE" dirty="0" err="1">
                 <a:latin typeface="Consolas" panose="020B0609020204030204" pitchFamily="49" charset="0"/>
               </a:rPr>
+              <a:t>build</a:t>
+            </a:r>
+            <a:r>
+              <a:rPr lang="de-DE" dirty="0">
+                <a:latin typeface="Consolas" panose="020B0609020204030204" pitchFamily="49" charset="0"/>
+              </a:rPr>
+              <a:t> –t [</a:t>
+            </a:r>
+            <a:r>
+              <a:rPr lang="de-DE" dirty="0" err="1">
+                <a:latin typeface="Consolas" panose="020B0609020204030204" pitchFamily="49" charset="0"/>
+              </a:rPr>
               <a:t>repository</a:t>
             </a:r>
             <a:r>
               <a:rPr lang="de-DE" dirty="0">
                 <a:latin typeface="Consolas" panose="020B0609020204030204" pitchFamily="49" charset="0"/>
               </a:rPr>
-              <a:t>]:[TAG] </a:t>
+              <a:t>]:[TAG] .</a:t>
             </a:r>
           </a:p>
         </p:txBody>
@@ -5932,7 +6033,7 @@
     </p:spTree>
     <p:extLst>
       <p:ext uri="{BB962C8B-B14F-4D97-AF65-F5344CB8AC3E}">
-        <p14:creationId xmlns:p14="http://schemas.microsoft.com/office/powerpoint/2010/main" val="3788244119"/>
+        <p14:creationId xmlns:p14="http://schemas.microsoft.com/office/powerpoint/2010/main" val="1486928609"/>
       </p:ext>
     </p:extLst>
   </p:cSld>
@@ -6022,8 +6123,21 @@
             </a:pPr>
             <a:r>
               <a:rPr lang="de-DE" b="1" dirty="0"/>
-              <a:t>Best Practices</a:t>
-            </a:r>
+              <a:t>Tagging </a:t>
+            </a:r>
+            <a:r>
+              <a:rPr lang="de-DE" b="1" u="sng" dirty="0"/>
+              <a:t>nach</a:t>
+            </a:r>
+            <a:r>
+              <a:rPr lang="de-DE" b="1" dirty="0"/>
+              <a:t> dem </a:t>
+            </a:r>
+            <a:r>
+              <a:rPr lang="de-DE" b="1" dirty="0" err="1"/>
+              <a:t>Build</a:t>
+            </a:r>
+            <a:endParaRPr lang="de-DE" b="1" dirty="0"/>
           </a:p>
           <a:p>
             <a:pPr>
@@ -6032,101 +6146,67 @@
             </a:pPr>
             <a:r>
               <a:rPr lang="de-DE" dirty="0"/>
-              <a:t>Aussagekräftige Tags</a:t>
-            </a:r>
-          </a:p>
-          <a:p>
-            <a:pPr lvl="1">
-              <a:buFont typeface="Arial" panose="020B0604020202020204" pitchFamily="34" charset="0"/>
-              <a:buChar char="•"/>
-            </a:pPr>
+              <a:t>Vorhandene Images mit </a:t>
+            </a:r>
+            <a:r>
+              <a:rPr lang="de-DE" dirty="0" err="1">
+                <a:latin typeface="Consolas" panose="020B0609020204030204" pitchFamily="49" charset="0"/>
+              </a:rPr>
+              <a:t>docker</a:t>
+            </a:r>
+            <a:r>
+              <a:rPr lang="de-DE" dirty="0">
+                <a:latin typeface="Consolas" panose="020B0609020204030204" pitchFamily="49" charset="0"/>
+              </a:rPr>
+              <a:t> tag </a:t>
+            </a:r>
             <a:r>
               <a:rPr lang="de-DE" dirty="0"/>
-              <a:t>Selbstbeschreibend</a:t>
-            </a:r>
-          </a:p>
-          <a:p>
-            <a:pPr lvl="1">
-              <a:buFont typeface="Arial" panose="020B0604020202020204" pitchFamily="34" charset="0"/>
-              <a:buChar char="•"/>
-            </a:pPr>
-            <a:r>
-              <a:rPr lang="de-DE" dirty="0"/>
-              <a:t>Version oder Zustand</a:t>
-            </a:r>
-          </a:p>
-          <a:p>
-            <a:pPr marL="457200" lvl="1" indent="0">
+              <a:t>Befehl taggen</a:t>
+            </a:r>
+          </a:p>
+          <a:p>
+            <a:pPr>
+              <a:buFont typeface="Arial" panose="020B0604020202020204" pitchFamily="34" charset="0"/>
+              <a:buChar char="•"/>
+            </a:pPr>
+            <a:endParaRPr lang="de-DE" dirty="0"/>
+          </a:p>
+          <a:p>
+            <a:pPr marL="0" indent="0">
               <a:buNone/>
             </a:pPr>
-            <a:endParaRPr lang="de-DE" dirty="0"/>
-          </a:p>
-          <a:p>
-            <a:pPr>
-              <a:buFont typeface="Arial" panose="020B0604020202020204" pitchFamily="34" charset="0"/>
-              <a:buChar char="•"/>
-            </a:pPr>
-            <a:r>
-              <a:rPr lang="de-DE" dirty="0"/>
-              <a:t>Konsistenz</a:t>
-            </a:r>
-          </a:p>
-          <a:p>
-            <a:pPr lvl="1">
-              <a:buFont typeface="Arial" panose="020B0604020202020204" pitchFamily="34" charset="0"/>
-              <a:buChar char="•"/>
-            </a:pPr>
-            <a:r>
-              <a:rPr lang="de-DE" dirty="0"/>
-              <a:t>Einheitliches Tagging-Schema</a:t>
-            </a:r>
-          </a:p>
-          <a:p>
-            <a:pPr lvl="1">
-              <a:buFont typeface="Arial" panose="020B0604020202020204" pitchFamily="34" charset="0"/>
-              <a:buChar char="•"/>
-            </a:pPr>
-            <a:endParaRPr lang="de-DE" dirty="0"/>
-          </a:p>
-          <a:p>
-            <a:pPr>
-              <a:buFont typeface="Arial" panose="020B0604020202020204" pitchFamily="34" charset="0"/>
-              <a:buChar char="•"/>
-            </a:pPr>
-            <a:r>
-              <a:rPr lang="de-DE" dirty="0"/>
-              <a:t>Regelmäßige Updates</a:t>
-            </a:r>
-          </a:p>
-          <a:p>
-            <a:pPr lvl="1">
-              <a:buFont typeface="Arial" panose="020B0604020202020204" pitchFamily="34" charset="0"/>
-              <a:buChar char="•"/>
-            </a:pPr>
-            <a:r>
-              <a:rPr lang="de-DE" dirty="0"/>
-              <a:t>Tags immer aktualisieren</a:t>
-            </a:r>
-          </a:p>
-          <a:p>
-            <a:pPr lvl="1">
-              <a:buFont typeface="Arial" panose="020B0604020202020204" pitchFamily="34" charset="0"/>
-              <a:buChar char="•"/>
-            </a:pPr>
+            <a:r>
+              <a:rPr lang="de-DE" dirty="0" err="1">
+                <a:latin typeface="Consolas" panose="020B0609020204030204" pitchFamily="49" charset="0"/>
+              </a:rPr>
+              <a:t>docker</a:t>
+            </a:r>
             <a:r>
               <a:rPr lang="de-DE" dirty="0">
-                <a:sym typeface="Wingdings" panose="05000000000000000000" pitchFamily="2" charset="2"/>
-              </a:rPr>
-              <a:t> Strategien zum Image Tagging</a:t>
-            </a:r>
-            <a:endParaRPr lang="de-DE" dirty="0"/>
+                <a:latin typeface="Consolas" panose="020B0609020204030204" pitchFamily="49" charset="0"/>
+              </a:rPr>
+              <a:t> tag [IMAGE_ID] [</a:t>
+            </a:r>
+            <a:r>
+              <a:rPr lang="de-DE" dirty="0" err="1">
+                <a:latin typeface="Consolas" panose="020B0609020204030204" pitchFamily="49" charset="0"/>
+              </a:rPr>
+              <a:t>repository</a:t>
+            </a:r>
+            <a:r>
+              <a:rPr lang="de-DE" dirty="0">
+                <a:latin typeface="Consolas" panose="020B0609020204030204" pitchFamily="49" charset="0"/>
+              </a:rPr>
+              <a:t>]:[TAG] </a:t>
+            </a:r>
           </a:p>
         </p:txBody>
       </p:sp>
     </p:spTree>
     <p:extLst>
       <p:ext uri="{BB962C8B-B14F-4D97-AF65-F5344CB8AC3E}">
-        <p14:creationId xmlns:p14="http://schemas.microsoft.com/office/powerpoint/2010/main" val="1854948885"/>
+        <p14:creationId xmlns:p14="http://schemas.microsoft.com/office/powerpoint/2010/main" val="3788244119"/>
       </p:ext>
     </p:extLst>
   </p:cSld>
@@ -6216,8 +6296,14 @@
             </a:pPr>
             <a:r>
               <a:rPr lang="de-DE" b="1" dirty="0"/>
-              <a:t>Strategien zum Image Tagging</a:t>
-            </a:r>
+              <a:t>Best Practices</a:t>
+            </a:r>
+          </a:p>
+          <a:p>
+            <a:pPr marL="0" indent="0">
+              <a:buNone/>
+            </a:pPr>
+            <a:endParaRPr lang="de-DE" b="1" dirty="0"/>
           </a:p>
           <a:p>
             <a:pPr>
@@ -6226,16 +6312,34 @@
             </a:pPr>
             <a:r>
               <a:rPr lang="de-DE" dirty="0"/>
-              <a:t>Image ID (</a:t>
-            </a:r>
-            <a:r>
-              <a:rPr lang="de-DE" dirty="0" err="1"/>
-              <a:t>digest</a:t>
-            </a:r>
+              <a:t>Aussagekräftige Tags</a:t>
+            </a:r>
+          </a:p>
+          <a:p>
+            <a:pPr lvl="1">
+              <a:buFont typeface="Arial" panose="020B0604020202020204" pitchFamily="34" charset="0"/>
+              <a:buChar char="•"/>
+            </a:pPr>
             <a:r>
               <a:rPr lang="de-DE" dirty="0"/>
-              <a:t>)</a:t>
-            </a:r>
+              <a:t>Selbstbeschreibend</a:t>
+            </a:r>
+          </a:p>
+          <a:p>
+            <a:pPr lvl="1">
+              <a:buFont typeface="Arial" panose="020B0604020202020204" pitchFamily="34" charset="0"/>
+              <a:buChar char="•"/>
+            </a:pPr>
+            <a:r>
+              <a:rPr lang="de-DE" dirty="0"/>
+              <a:t>Version oder Zustand</a:t>
+            </a:r>
+          </a:p>
+          <a:p>
+            <a:pPr marL="457200" lvl="1" indent="0">
+              <a:buNone/>
+            </a:pPr>
+            <a:endParaRPr lang="de-DE" dirty="0"/>
           </a:p>
           <a:p>
             <a:pPr>
@@ -6244,7 +6348,7 @@
             </a:pPr>
             <a:r>
               <a:rPr lang="de-DE" dirty="0"/>
-              <a:t>Image Tags:</a:t>
+              <a:t>Konsistenz</a:t>
             </a:r>
           </a:p>
           <a:p>
@@ -6254,7 +6358,7 @@
             </a:pPr>
             <a:r>
               <a:rPr lang="de-DE" dirty="0"/>
-              <a:t>Rolling Tags</a:t>
+              <a:t>Einheitliches Tagging-Schema</a:t>
             </a:r>
           </a:p>
           <a:p>
@@ -6262,13 +6366,16 @@
               <a:buFont typeface="Arial" panose="020B0604020202020204" pitchFamily="34" charset="0"/>
               <a:buChar char="•"/>
             </a:pPr>
-            <a:r>
-              <a:rPr lang="de-DE" dirty="0" err="1"/>
-              <a:t>Git</a:t>
-            </a:r>
+            <a:endParaRPr lang="de-DE" dirty="0"/>
+          </a:p>
+          <a:p>
+            <a:pPr>
+              <a:buFont typeface="Arial" panose="020B0604020202020204" pitchFamily="34" charset="0"/>
+              <a:buChar char="•"/>
+            </a:pPr>
             <a:r>
               <a:rPr lang="de-DE" dirty="0"/>
-              <a:t> Tags</a:t>
+              <a:t>Regelmäßige Updates</a:t>
             </a:r>
           </a:p>
           <a:p>
@@ -6278,100 +6385,28 @@
             </a:pPr>
             <a:r>
               <a:rPr lang="de-DE" dirty="0"/>
-              <a:t>Branch </a:t>
-            </a:r>
-            <a:r>
-              <a:rPr lang="de-DE" dirty="0" err="1"/>
-              <a:t>Names</a:t>
+              <a:t>Tags immer aktualisieren</a:t>
+            </a:r>
+          </a:p>
+          <a:p>
+            <a:pPr lvl="1">
+              <a:buFont typeface="Arial" panose="020B0604020202020204" pitchFamily="34" charset="0"/>
+              <a:buChar char="•"/>
+            </a:pPr>
+            <a:r>
+              <a:rPr lang="de-DE" dirty="0">
+                <a:sym typeface="Wingdings" panose="05000000000000000000" pitchFamily="2" charset="2"/>
+              </a:rPr>
+              <a:t> Strategien zum Image Tagging</a:t>
             </a:r>
             <a:endParaRPr lang="de-DE" dirty="0"/>
-          </a:p>
-          <a:p>
-            <a:pPr lvl="1">
-              <a:buFont typeface="Arial" panose="020B0604020202020204" pitchFamily="34" charset="0"/>
-              <a:buChar char="•"/>
-            </a:pPr>
-            <a:r>
-              <a:rPr lang="de-DE" dirty="0" err="1"/>
-              <a:t>SemVer</a:t>
-            </a:r>
-            <a:r>
-              <a:rPr lang="de-DE" dirty="0"/>
-              <a:t> Tags (</a:t>
-            </a:r>
-            <a:r>
-              <a:rPr lang="de-DE" dirty="0" err="1"/>
-              <a:t>Semantic</a:t>
-            </a:r>
-            <a:r>
-              <a:rPr lang="de-DE" dirty="0"/>
-              <a:t> </a:t>
-            </a:r>
-            <a:r>
-              <a:rPr lang="de-DE" dirty="0" err="1"/>
-              <a:t>Versioning</a:t>
-            </a:r>
-            <a:r>
-              <a:rPr lang="de-DE" dirty="0"/>
-              <a:t>)</a:t>
-            </a:r>
-          </a:p>
-          <a:p>
-            <a:pPr lvl="1">
-              <a:buFont typeface="Arial" panose="020B0604020202020204" pitchFamily="34" charset="0"/>
-              <a:buChar char="•"/>
-            </a:pPr>
-            <a:r>
-              <a:rPr lang="de-DE" dirty="0" err="1"/>
-              <a:t>Git</a:t>
-            </a:r>
-            <a:r>
-              <a:rPr lang="de-DE" dirty="0"/>
-              <a:t> Commit Hash</a:t>
-            </a:r>
-          </a:p>
-          <a:p>
-            <a:pPr lvl="1">
-              <a:buFont typeface="Arial" panose="020B0604020202020204" pitchFamily="34" charset="0"/>
-              <a:buChar char="•"/>
-            </a:pPr>
-            <a:r>
-              <a:rPr lang="de-DE" dirty="0" err="1"/>
-              <a:t>Timestamp</a:t>
-            </a:r>
-            <a:r>
-              <a:rPr lang="de-DE" dirty="0"/>
-              <a:t> / Date-</a:t>
-            </a:r>
-            <a:r>
-              <a:rPr lang="de-DE" dirty="0" err="1"/>
-              <a:t>based</a:t>
-            </a:r>
-            <a:r>
-              <a:rPr lang="de-DE" dirty="0"/>
-              <a:t> Tags</a:t>
-            </a:r>
-          </a:p>
-          <a:p>
-            <a:pPr lvl="1">
-              <a:buFont typeface="Arial" panose="020B0604020202020204" pitchFamily="34" charset="0"/>
-              <a:buChar char="•"/>
-            </a:pPr>
-            <a:r>
-              <a:rPr lang="de-DE" dirty="0" err="1"/>
-              <a:t>Build</a:t>
-            </a:r>
-            <a:r>
-              <a:rPr lang="de-DE" dirty="0"/>
-              <a:t> ID</a:t>
-            </a:r>
           </a:p>
         </p:txBody>
       </p:sp>
     </p:spTree>
     <p:extLst>
       <p:ext uri="{BB962C8B-B14F-4D97-AF65-F5344CB8AC3E}">
-        <p14:creationId xmlns:p14="http://schemas.microsoft.com/office/powerpoint/2010/main" val="1799660318"/>
+        <p14:creationId xmlns:p14="http://schemas.microsoft.com/office/powerpoint/2010/main" val="1854948885"/>
       </p:ext>
     </p:extLst>
   </p:cSld>
@@ -6461,8 +6496,265 @@
             </a:pPr>
             <a:r>
               <a:rPr lang="de-DE" b="1" dirty="0"/>
+              <a:t>Strategien zum Image Tagging</a:t>
+            </a:r>
+          </a:p>
+          <a:p>
+            <a:pPr marL="0" indent="0">
+              <a:buNone/>
+            </a:pPr>
+            <a:endParaRPr lang="de-DE" b="1" dirty="0"/>
+          </a:p>
+          <a:p>
+            <a:pPr>
+              <a:buFont typeface="Arial" panose="020B0604020202020204" pitchFamily="34" charset="0"/>
+              <a:buChar char="•"/>
+            </a:pPr>
+            <a:r>
+              <a:rPr lang="de-DE" dirty="0"/>
+              <a:t>Image ID (</a:t>
+            </a:r>
+            <a:r>
+              <a:rPr lang="de-DE" dirty="0" err="1"/>
+              <a:t>digest</a:t>
+            </a:r>
+            <a:r>
+              <a:rPr lang="de-DE" dirty="0"/>
+              <a:t>)</a:t>
+            </a:r>
+          </a:p>
+          <a:p>
+            <a:pPr>
+              <a:buFont typeface="Arial" panose="020B0604020202020204" pitchFamily="34" charset="0"/>
+              <a:buChar char="•"/>
+            </a:pPr>
+            <a:r>
+              <a:rPr lang="de-DE" dirty="0"/>
+              <a:t>Image Tags:</a:t>
+            </a:r>
+          </a:p>
+          <a:p>
+            <a:pPr lvl="1">
+              <a:buFont typeface="Arial" panose="020B0604020202020204" pitchFamily="34" charset="0"/>
+              <a:buChar char="•"/>
+            </a:pPr>
+            <a:r>
+              <a:rPr lang="de-DE" dirty="0"/>
               <a:t>Rolling Tags</a:t>
             </a:r>
+          </a:p>
+          <a:p>
+            <a:pPr lvl="1">
+              <a:buFont typeface="Arial" panose="020B0604020202020204" pitchFamily="34" charset="0"/>
+              <a:buChar char="•"/>
+            </a:pPr>
+            <a:r>
+              <a:rPr lang="de-DE" dirty="0" err="1"/>
+              <a:t>Git</a:t>
+            </a:r>
+            <a:r>
+              <a:rPr lang="de-DE" dirty="0"/>
+              <a:t> Tags</a:t>
+            </a:r>
+          </a:p>
+          <a:p>
+            <a:pPr lvl="1">
+              <a:buFont typeface="Arial" panose="020B0604020202020204" pitchFamily="34" charset="0"/>
+              <a:buChar char="•"/>
+            </a:pPr>
+            <a:r>
+              <a:rPr lang="de-DE" dirty="0"/>
+              <a:t>Branch </a:t>
+            </a:r>
+            <a:r>
+              <a:rPr lang="de-DE" dirty="0" err="1"/>
+              <a:t>Names</a:t>
+            </a:r>
+            <a:endParaRPr lang="de-DE" dirty="0"/>
+          </a:p>
+          <a:p>
+            <a:pPr lvl="1">
+              <a:buFont typeface="Arial" panose="020B0604020202020204" pitchFamily="34" charset="0"/>
+              <a:buChar char="•"/>
+            </a:pPr>
+            <a:r>
+              <a:rPr lang="de-DE" dirty="0" err="1"/>
+              <a:t>SemVer</a:t>
+            </a:r>
+            <a:r>
+              <a:rPr lang="de-DE" dirty="0"/>
+              <a:t> Tags (</a:t>
+            </a:r>
+            <a:r>
+              <a:rPr lang="de-DE" dirty="0" err="1"/>
+              <a:t>Semantic</a:t>
+            </a:r>
+            <a:r>
+              <a:rPr lang="de-DE" dirty="0"/>
+              <a:t> </a:t>
+            </a:r>
+            <a:r>
+              <a:rPr lang="de-DE" dirty="0" err="1"/>
+              <a:t>Versioning</a:t>
+            </a:r>
+            <a:r>
+              <a:rPr lang="de-DE" dirty="0"/>
+              <a:t>)</a:t>
+            </a:r>
+          </a:p>
+          <a:p>
+            <a:pPr lvl="1">
+              <a:buFont typeface="Arial" panose="020B0604020202020204" pitchFamily="34" charset="0"/>
+              <a:buChar char="•"/>
+            </a:pPr>
+            <a:r>
+              <a:rPr lang="de-DE" dirty="0" err="1"/>
+              <a:t>Git</a:t>
+            </a:r>
+            <a:r>
+              <a:rPr lang="de-DE" dirty="0"/>
+              <a:t> Commit Hash</a:t>
+            </a:r>
+          </a:p>
+          <a:p>
+            <a:pPr lvl="1">
+              <a:buFont typeface="Arial" panose="020B0604020202020204" pitchFamily="34" charset="0"/>
+              <a:buChar char="•"/>
+            </a:pPr>
+            <a:r>
+              <a:rPr lang="de-DE" dirty="0" err="1"/>
+              <a:t>Timestamp</a:t>
+            </a:r>
+            <a:r>
+              <a:rPr lang="de-DE" dirty="0"/>
+              <a:t> / Date-</a:t>
+            </a:r>
+            <a:r>
+              <a:rPr lang="de-DE" dirty="0" err="1"/>
+              <a:t>based</a:t>
+            </a:r>
+            <a:r>
+              <a:rPr lang="de-DE" dirty="0"/>
+              <a:t> Tags</a:t>
+            </a:r>
+          </a:p>
+          <a:p>
+            <a:pPr lvl="1">
+              <a:buFont typeface="Arial" panose="020B0604020202020204" pitchFamily="34" charset="0"/>
+              <a:buChar char="•"/>
+            </a:pPr>
+            <a:r>
+              <a:rPr lang="de-DE" dirty="0" err="1"/>
+              <a:t>Build</a:t>
+            </a:r>
+            <a:r>
+              <a:rPr lang="de-DE" dirty="0"/>
+              <a:t> ID</a:t>
+            </a:r>
+          </a:p>
+        </p:txBody>
+      </p:sp>
+    </p:spTree>
+    <p:extLst>
+      <p:ext uri="{BB962C8B-B14F-4D97-AF65-F5344CB8AC3E}">
+        <p14:creationId xmlns:p14="http://schemas.microsoft.com/office/powerpoint/2010/main" val="1799660318"/>
+      </p:ext>
+    </p:extLst>
+  </p:cSld>
+  <p:clrMapOvr>
+    <a:masterClrMapping/>
+  </p:clrMapOvr>
+</p:sld>
+</file>
+
+<file path=ppt/slides/slide14.xml><?xml version="1.0" encoding="utf-8"?>
+<p:sld xmlns:a="http://schemas.openxmlformats.org/drawingml/2006/main" xmlns:r="http://schemas.openxmlformats.org/officeDocument/2006/relationships" xmlns:p="http://schemas.openxmlformats.org/presentationml/2006/main">
+  <p:cSld>
+    <p:spTree>
+      <p:nvGrpSpPr>
+        <p:cNvPr id="1" name=""/>
+        <p:cNvGrpSpPr/>
+        <p:nvPr/>
+      </p:nvGrpSpPr>
+      <p:grpSpPr>
+        <a:xfrm>
+          <a:off x="0" y="0"/>
+          <a:ext cx="0" cy="0"/>
+          <a:chOff x="0" y="0"/>
+          <a:chExt cx="0" cy="0"/>
+        </a:xfrm>
+      </p:grpSpPr>
+      <p:sp>
+        <p:nvSpPr>
+          <p:cNvPr id="2" name="Titel 1">
+            <a:extLst>
+              <a:ext uri="{FF2B5EF4-FFF2-40B4-BE49-F238E27FC236}">
+                <a16:creationId xmlns:a16="http://schemas.microsoft.com/office/drawing/2014/main" id="{5874EA8E-7A71-3505-B01E-D0E8A26AAC59}"/>
+              </a:ext>
+            </a:extLst>
+          </p:cNvPr>
+          <p:cNvSpPr>
+            <a:spLocks noGrp="1"/>
+          </p:cNvSpPr>
+          <p:nvPr>
+            <p:ph type="title"/>
+          </p:nvPr>
+        </p:nvSpPr>
+        <p:spPr/>
+        <p:txBody>
+          <a:bodyPr/>
+          <a:lstStyle/>
+          <a:p>
+            <a:r>
+              <a:rPr lang="de-DE" cap="none" dirty="0"/>
+              <a:t>Release- und </a:t>
+            </a:r>
+            <a:r>
+              <a:rPr lang="de-DE" cap="none" dirty="0" err="1"/>
+              <a:t>Tagged</a:t>
+            </a:r>
+            <a:r>
+              <a:rPr lang="de-DE" cap="none" dirty="0"/>
+              <a:t>-Images</a:t>
+            </a:r>
+            <a:endParaRPr lang="de-DE" dirty="0"/>
+          </a:p>
+        </p:txBody>
+      </p:sp>
+      <p:sp>
+        <p:nvSpPr>
+          <p:cNvPr id="3" name="Inhaltsplatzhalter 2">
+            <a:extLst>
+              <a:ext uri="{FF2B5EF4-FFF2-40B4-BE49-F238E27FC236}">
+                <a16:creationId xmlns:a16="http://schemas.microsoft.com/office/drawing/2014/main" id="{D4DA2B4E-C5FB-6595-34A6-E18A9AA0157D}"/>
+              </a:ext>
+            </a:extLst>
+          </p:cNvPr>
+          <p:cNvSpPr>
+            <a:spLocks noGrp="1"/>
+          </p:cNvSpPr>
+          <p:nvPr>
+            <p:ph idx="1"/>
+          </p:nvPr>
+        </p:nvSpPr>
+        <p:spPr/>
+        <p:txBody>
+          <a:bodyPr/>
+          <a:lstStyle/>
+          <a:p>
+            <a:pPr marL="0" indent="0">
+              <a:buNone/>
+            </a:pPr>
+            <a:r>
+              <a:rPr lang="de-DE" b="1" dirty="0"/>
+              <a:t>Rolling Tags</a:t>
+            </a:r>
+          </a:p>
+          <a:p>
+            <a:pPr marL="0" indent="0">
+              <a:buNone/>
+            </a:pPr>
+            <a:endParaRPr lang="de-DE" b="1" dirty="0"/>
           </a:p>
           <a:p>
             <a:pPr>
@@ -6627,7 +6919,7 @@
 </p:sld>
 </file>
 
-<file path=ppt/slides/slide14.xml><?xml version="1.0" encoding="utf-8"?>
+<file path=ppt/slides/slide15.xml><?xml version="1.0" encoding="utf-8"?>
 <p:sld xmlns:a="http://schemas.openxmlformats.org/drawingml/2006/main" xmlns:r="http://schemas.openxmlformats.org/officeDocument/2006/relationships" xmlns:p="http://schemas.openxmlformats.org/presentationml/2006/main">
   <p:cSld>
     <p:spTree>
@@ -6715,6 +7007,12 @@
             </a:r>
           </a:p>
           <a:p>
+            <a:pPr marL="0" indent="0">
+              <a:buNone/>
+            </a:pPr>
+            <a:endParaRPr lang="de-DE" b="1" dirty="0"/>
+          </a:p>
+          <a:p>
             <a:pPr>
               <a:buFont typeface="Arial" panose="020B0604020202020204" pitchFamily="34" charset="0"/>
               <a:buChar char="•"/>
@@ -6789,7 +7087,7 @@
 </p:sld>
 </file>
 
-<file path=ppt/slides/slide15.xml><?xml version="1.0" encoding="utf-8"?>
+<file path=ppt/slides/slide16.xml><?xml version="1.0" encoding="utf-8"?>
 <p:sld xmlns:a="http://schemas.openxmlformats.org/drawingml/2006/main" xmlns:r="http://schemas.openxmlformats.org/officeDocument/2006/relationships" xmlns:p="http://schemas.openxmlformats.org/presentationml/2006/main">
   <p:cSld>
     <p:spTree>
@@ -6878,6 +7176,12 @@
             <a:endParaRPr lang="de-DE" b="1" dirty="0"/>
           </a:p>
           <a:p>
+            <a:pPr marL="0" indent="0">
+              <a:buNone/>
+            </a:pPr>
+            <a:endParaRPr lang="de-DE" b="1" dirty="0"/>
+          </a:p>
+          <a:p>
             <a:pPr>
               <a:buFont typeface="Arial" panose="020B0604020202020204" pitchFamily="34" charset="0"/>
               <a:buChar char="•"/>
@@ -6953,277 +7257,6 @@
     <p:extLst>
       <p:ext uri="{BB962C8B-B14F-4D97-AF65-F5344CB8AC3E}">
         <p14:creationId xmlns:p14="http://schemas.microsoft.com/office/powerpoint/2010/main" val="2883953203"/>
-      </p:ext>
-    </p:extLst>
-  </p:cSld>
-  <p:clrMapOvr>
-    <a:masterClrMapping/>
-  </p:clrMapOvr>
-</p:sld>
-</file>
-
-<file path=ppt/slides/slide16.xml><?xml version="1.0" encoding="utf-8"?>
-<p:sld xmlns:a="http://schemas.openxmlformats.org/drawingml/2006/main" xmlns:r="http://schemas.openxmlformats.org/officeDocument/2006/relationships" xmlns:p="http://schemas.openxmlformats.org/presentationml/2006/main">
-  <p:cSld>
-    <p:spTree>
-      <p:nvGrpSpPr>
-        <p:cNvPr id="1" name=""/>
-        <p:cNvGrpSpPr/>
-        <p:nvPr/>
-      </p:nvGrpSpPr>
-      <p:grpSpPr>
-        <a:xfrm>
-          <a:off x="0" y="0"/>
-          <a:ext cx="0" cy="0"/>
-          <a:chOff x="0" y="0"/>
-          <a:chExt cx="0" cy="0"/>
-        </a:xfrm>
-      </p:grpSpPr>
-      <p:sp>
-        <p:nvSpPr>
-          <p:cNvPr id="2" name="Titel 1">
-            <a:extLst>
-              <a:ext uri="{FF2B5EF4-FFF2-40B4-BE49-F238E27FC236}">
-                <a16:creationId xmlns:a16="http://schemas.microsoft.com/office/drawing/2014/main" id="{5874EA8E-7A71-3505-B01E-D0E8A26AAC59}"/>
-              </a:ext>
-            </a:extLst>
-          </p:cNvPr>
-          <p:cNvSpPr>
-            <a:spLocks noGrp="1"/>
-          </p:cNvSpPr>
-          <p:nvPr>
-            <p:ph type="title"/>
-          </p:nvPr>
-        </p:nvSpPr>
-        <p:spPr/>
-        <p:txBody>
-          <a:bodyPr/>
-          <a:lstStyle/>
-          <a:p>
-            <a:r>
-              <a:rPr lang="de-DE" cap="none" dirty="0"/>
-              <a:t>Release- und </a:t>
-            </a:r>
-            <a:r>
-              <a:rPr lang="de-DE" cap="none" dirty="0" err="1"/>
-              <a:t>Tagged</a:t>
-            </a:r>
-            <a:r>
-              <a:rPr lang="de-DE" cap="none" dirty="0"/>
-              <a:t>-Images</a:t>
-            </a:r>
-            <a:endParaRPr lang="de-DE" dirty="0"/>
-          </a:p>
-        </p:txBody>
-      </p:sp>
-      <p:sp>
-        <p:nvSpPr>
-          <p:cNvPr id="3" name="Inhaltsplatzhalter 2">
-            <a:extLst>
-              <a:ext uri="{FF2B5EF4-FFF2-40B4-BE49-F238E27FC236}">
-                <a16:creationId xmlns:a16="http://schemas.microsoft.com/office/drawing/2014/main" id="{D4DA2B4E-C5FB-6595-34A6-E18A9AA0157D}"/>
-              </a:ext>
-            </a:extLst>
-          </p:cNvPr>
-          <p:cNvSpPr>
-            <a:spLocks noGrp="1"/>
-          </p:cNvSpPr>
-          <p:nvPr>
-            <p:ph idx="1"/>
-          </p:nvPr>
-        </p:nvSpPr>
-        <p:spPr/>
-        <p:txBody>
-          <a:bodyPr/>
-          <a:lstStyle/>
-          <a:p>
-            <a:pPr marL="0" indent="0">
-              <a:buNone/>
-            </a:pPr>
-            <a:r>
-              <a:rPr lang="de-DE" b="1" dirty="0" err="1"/>
-              <a:t>SemVer</a:t>
-            </a:r>
-            <a:r>
-              <a:rPr lang="de-DE" b="1" dirty="0"/>
-              <a:t> Tags (</a:t>
-            </a:r>
-            <a:r>
-              <a:rPr lang="de-DE" b="1" dirty="0" err="1"/>
-              <a:t>Semantic</a:t>
-            </a:r>
-            <a:r>
-              <a:rPr lang="de-DE" b="1" dirty="0"/>
-              <a:t> </a:t>
-            </a:r>
-            <a:r>
-              <a:rPr lang="de-DE" b="1" dirty="0" err="1"/>
-              <a:t>Versioning</a:t>
-            </a:r>
-            <a:r>
-              <a:rPr lang="de-DE" b="1" dirty="0"/>
-              <a:t>)</a:t>
-            </a:r>
-          </a:p>
-          <a:p>
-            <a:pPr>
-              <a:buFont typeface="Arial" panose="020B0604020202020204" pitchFamily="34" charset="0"/>
-              <a:buChar char="•"/>
-            </a:pPr>
-            <a:r>
-              <a:rPr lang="de-DE" dirty="0"/>
-              <a:t>Anstatt zufällige Namen spezifische Versionsnummer</a:t>
-            </a:r>
-          </a:p>
-          <a:p>
-            <a:pPr>
-              <a:buFont typeface="Arial" panose="020B0604020202020204" pitchFamily="34" charset="0"/>
-              <a:buChar char="•"/>
-            </a:pPr>
-            <a:r>
-              <a:rPr lang="de-DE" dirty="0"/>
-              <a:t>„Spezialfall“ des </a:t>
-            </a:r>
-            <a:r>
-              <a:rPr lang="de-DE" dirty="0">
-                <a:latin typeface="Consolas" panose="020B0609020204030204" pitchFamily="49" charset="0"/>
-              </a:rPr>
-              <a:t>:</a:t>
-            </a:r>
-            <a:r>
-              <a:rPr lang="de-DE" dirty="0" err="1">
-                <a:latin typeface="Consolas" panose="020B0609020204030204" pitchFamily="49" charset="0"/>
-              </a:rPr>
-              <a:t>stable</a:t>
-            </a:r>
-            <a:r>
-              <a:rPr lang="de-DE" dirty="0">
-                <a:latin typeface="Consolas" panose="020B0609020204030204" pitchFamily="49" charset="0"/>
-              </a:rPr>
-              <a:t> </a:t>
-            </a:r>
-            <a:r>
-              <a:rPr lang="de-DE" dirty="0"/>
-              <a:t>Tag (Grundidee)</a:t>
-            </a:r>
-          </a:p>
-          <a:p>
-            <a:pPr>
-              <a:buFont typeface="Arial" panose="020B0604020202020204" pitchFamily="34" charset="0"/>
-              <a:buChar char="•"/>
-            </a:pPr>
-            <a:r>
-              <a:rPr lang="de-DE" dirty="0"/>
-              <a:t>Notation </a:t>
-            </a:r>
-            <a:r>
-              <a:rPr lang="de-DE" dirty="0">
-                <a:latin typeface="Consolas" panose="020B0609020204030204" pitchFamily="49" charset="0"/>
-              </a:rPr>
-              <a:t>MAJOR.MINOR.PATCH</a:t>
-            </a:r>
-          </a:p>
-          <a:p>
-            <a:pPr lvl="1">
-              <a:buFont typeface="Arial" panose="020B0604020202020204" pitchFamily="34" charset="0"/>
-              <a:buChar char="•"/>
-            </a:pPr>
-            <a:r>
-              <a:rPr lang="de-DE" dirty="0"/>
-              <a:t>Beispiel: 2.5.1</a:t>
-            </a:r>
-          </a:p>
-          <a:p>
-            <a:pPr lvl="1">
-              <a:buFont typeface="Arial" panose="020B0604020202020204" pitchFamily="34" charset="0"/>
-              <a:buChar char="•"/>
-            </a:pPr>
-            <a:r>
-              <a:rPr lang="de-DE" dirty="0"/>
-              <a:t>MAJOR = Inkompatible Änderungen</a:t>
-            </a:r>
-          </a:p>
-          <a:p>
-            <a:pPr lvl="1">
-              <a:buFont typeface="Arial" panose="020B0604020202020204" pitchFamily="34" charset="0"/>
-              <a:buChar char="•"/>
-            </a:pPr>
-            <a:r>
-              <a:rPr lang="de-DE" dirty="0"/>
-              <a:t>MINOR = Kompatible Änderungen</a:t>
-            </a:r>
-          </a:p>
-          <a:p>
-            <a:pPr lvl="1">
-              <a:buFont typeface="Arial" panose="020B0604020202020204" pitchFamily="34" charset="0"/>
-              <a:buChar char="•"/>
-            </a:pPr>
-            <a:r>
-              <a:rPr lang="de-DE" dirty="0"/>
-              <a:t>PATCH = Patches</a:t>
-            </a:r>
-          </a:p>
-          <a:p>
-            <a:pPr>
-              <a:buFont typeface="Arial" panose="020B0604020202020204" pitchFamily="34" charset="0"/>
-              <a:buChar char="•"/>
-            </a:pPr>
-            <a:r>
-              <a:rPr lang="de-DE" dirty="0"/>
-              <a:t>Neuer </a:t>
-            </a:r>
-            <a:r>
-              <a:rPr lang="de-DE" dirty="0" err="1"/>
-              <a:t>Build</a:t>
-            </a:r>
-            <a:r>
-              <a:rPr lang="de-DE" dirty="0"/>
-              <a:t> mit kleinsten Änderungen = </a:t>
-            </a:r>
-            <a:r>
-              <a:rPr lang="de-DE" dirty="0" err="1"/>
-              <a:t>Patchnummer</a:t>
-            </a:r>
-            <a:r>
-              <a:rPr lang="de-DE" dirty="0"/>
-              <a:t> hochzählen</a:t>
-            </a:r>
-          </a:p>
-          <a:p>
-            <a:pPr lvl="1">
-              <a:buFont typeface="Arial" panose="020B0604020202020204" pitchFamily="34" charset="0"/>
-              <a:buChar char="•"/>
-            </a:pPr>
-            <a:r>
-              <a:rPr lang="de-DE" dirty="0">
-                <a:sym typeface="Wingdings" panose="05000000000000000000" pitchFamily="2" charset="2"/>
-              </a:rPr>
-              <a:t> aus 2.5.1 wird 2.5.2</a:t>
-            </a:r>
-            <a:endParaRPr lang="de-DE" dirty="0"/>
-          </a:p>
-          <a:p>
-            <a:pPr>
-              <a:buFont typeface="Arial" panose="020B0604020202020204" pitchFamily="34" charset="0"/>
-              <a:buChar char="•"/>
-            </a:pPr>
-            <a:r>
-              <a:rPr lang="de-DE" dirty="0"/>
-              <a:t>Tags weiterhin mutable</a:t>
-            </a:r>
-          </a:p>
-          <a:p>
-            <a:pPr marL="0" indent="0">
-              <a:buNone/>
-            </a:pPr>
-            <a:endParaRPr lang="de-DE" b="1" dirty="0"/>
-          </a:p>
-        </p:txBody>
-      </p:sp>
-    </p:spTree>
-    <p:extLst>
-      <p:ext uri="{BB962C8B-B14F-4D97-AF65-F5344CB8AC3E}">
-        <p14:creationId xmlns:p14="http://schemas.microsoft.com/office/powerpoint/2010/main" val="1996689965"/>
       </p:ext>
     </p:extLst>
   </p:cSld>
@@ -7313,12 +7346,34 @@
             </a:pPr>
             <a:r>
               <a:rPr lang="de-DE" b="1" dirty="0" err="1"/>
-              <a:t>Git</a:t>
+              <a:t>SemVer</a:t>
             </a:r>
             <a:r>
               <a:rPr lang="de-DE" b="1" dirty="0"/>
-              <a:t> Commit Hash</a:t>
-            </a:r>
+              <a:t> Tags (</a:t>
+            </a:r>
+            <a:r>
+              <a:rPr lang="de-DE" b="1" dirty="0" err="1"/>
+              <a:t>Semantic</a:t>
+            </a:r>
+            <a:r>
+              <a:rPr lang="de-DE" b="1" dirty="0"/>
+              <a:t> </a:t>
+            </a:r>
+            <a:r>
+              <a:rPr lang="de-DE" b="1" dirty="0" err="1"/>
+              <a:t>Versioning</a:t>
+            </a:r>
+            <a:r>
+              <a:rPr lang="de-DE" b="1" dirty="0"/>
+              <a:t>)</a:t>
+            </a:r>
+          </a:p>
+          <a:p>
+            <a:pPr marL="0" indent="0">
+              <a:buNone/>
+            </a:pPr>
+            <a:endParaRPr lang="de-DE" b="1" dirty="0"/>
           </a:p>
           <a:p>
             <a:pPr>
@@ -7327,7 +7382,7 @@
             </a:pPr>
             <a:r>
               <a:rPr lang="de-DE" dirty="0"/>
-              <a:t>Neuer Commit = neues Image</a:t>
+              <a:t>Anstatt zufällige Namen spezifische Versionsnummer</a:t>
             </a:r>
           </a:p>
           <a:p>
@@ -7336,12 +7391,112 @@
               <a:buChar char="•"/>
             </a:pPr>
             <a:r>
+              <a:rPr lang="de-DE" dirty="0"/>
+              <a:t>„Spezialfall“ des </a:t>
+            </a:r>
+            <a:r>
+              <a:rPr lang="de-DE" dirty="0">
+                <a:latin typeface="Consolas" panose="020B0609020204030204" pitchFamily="49" charset="0"/>
+              </a:rPr>
+              <a:t>:</a:t>
+            </a:r>
+            <a:r>
+              <a:rPr lang="de-DE" dirty="0" err="1">
+                <a:latin typeface="Consolas" panose="020B0609020204030204" pitchFamily="49" charset="0"/>
+              </a:rPr>
+              <a:t>stable</a:t>
+            </a:r>
+            <a:r>
+              <a:rPr lang="de-DE" dirty="0">
+                <a:latin typeface="Consolas" panose="020B0609020204030204" pitchFamily="49" charset="0"/>
+              </a:rPr>
+              <a:t> </a:t>
+            </a:r>
+            <a:r>
+              <a:rPr lang="de-DE" dirty="0"/>
+              <a:t>Tag (Grundidee)</a:t>
+            </a:r>
+          </a:p>
+          <a:p>
+            <a:pPr>
+              <a:buFont typeface="Arial" panose="020B0604020202020204" pitchFamily="34" charset="0"/>
+              <a:buChar char="•"/>
+            </a:pPr>
+            <a:r>
+              <a:rPr lang="de-DE" dirty="0"/>
+              <a:t>Notation </a:t>
+            </a:r>
+            <a:r>
+              <a:rPr lang="de-DE" dirty="0">
+                <a:latin typeface="Consolas" panose="020B0609020204030204" pitchFamily="49" charset="0"/>
+              </a:rPr>
+              <a:t>MAJOR.MINOR.PATCH</a:t>
+            </a:r>
+          </a:p>
+          <a:p>
+            <a:pPr lvl="1">
+              <a:buFont typeface="Arial" panose="020B0604020202020204" pitchFamily="34" charset="0"/>
+              <a:buChar char="•"/>
+            </a:pPr>
+            <a:r>
+              <a:rPr lang="de-DE" dirty="0"/>
+              <a:t>Beispiel: 2.5.1</a:t>
+            </a:r>
+          </a:p>
+          <a:p>
+            <a:pPr lvl="1">
+              <a:buFont typeface="Arial" panose="020B0604020202020204" pitchFamily="34" charset="0"/>
+              <a:buChar char="•"/>
+            </a:pPr>
+            <a:r>
+              <a:rPr lang="de-DE" dirty="0"/>
+              <a:t>MAJOR = Inkompatible Änderungen</a:t>
+            </a:r>
+          </a:p>
+          <a:p>
+            <a:pPr lvl="1">
+              <a:buFont typeface="Arial" panose="020B0604020202020204" pitchFamily="34" charset="0"/>
+              <a:buChar char="•"/>
+            </a:pPr>
+            <a:r>
+              <a:rPr lang="de-DE" dirty="0"/>
+              <a:t>MINOR = Kompatible Änderungen</a:t>
+            </a:r>
+          </a:p>
+          <a:p>
+            <a:pPr lvl="1">
+              <a:buFont typeface="Arial" panose="020B0604020202020204" pitchFamily="34" charset="0"/>
+              <a:buChar char="•"/>
+            </a:pPr>
+            <a:r>
+              <a:rPr lang="de-DE" dirty="0"/>
+              <a:t>PATCH = Patches</a:t>
+            </a:r>
+          </a:p>
+          <a:p>
+            <a:pPr>
+              <a:buFont typeface="Arial" panose="020B0604020202020204" pitchFamily="34" charset="0"/>
+              <a:buChar char="•"/>
+            </a:pPr>
+            <a:r>
+              <a:rPr lang="de-DE" dirty="0"/>
+              <a:t>Neuer </a:t>
+            </a:r>
+            <a:r>
               <a:rPr lang="de-DE" dirty="0" err="1"/>
-              <a:t>Git</a:t>
+              <a:t>Build</a:t>
             </a:r>
             <a:r>
               <a:rPr lang="de-DE" dirty="0"/>
-              <a:t> Hash zum Tagging</a:t>
+              <a:t> mit kleinsten Änderungen = </a:t>
+            </a:r>
+            <a:r>
+              <a:rPr lang="de-DE" dirty="0" err="1"/>
+              <a:t>Patchnummer</a:t>
+            </a:r>
+            <a:r>
+              <a:rPr lang="de-DE" dirty="0"/>
+              <a:t> hochzählen</a:t>
             </a:r>
           </a:p>
           <a:p>
@@ -7350,67 +7505,35 @@
               <a:buChar char="•"/>
             </a:pPr>
             <a:r>
+              <a:rPr lang="de-DE" dirty="0">
+                <a:sym typeface="Wingdings" panose="05000000000000000000" pitchFamily="2" charset="2"/>
+              </a:rPr>
+              <a:t> aus 2.5.1 wird 2.5.2</a:t>
+            </a:r>
+            <a:endParaRPr lang="de-DE" dirty="0"/>
+          </a:p>
+          <a:p>
+            <a:pPr>
+              <a:buFont typeface="Arial" panose="020B0604020202020204" pitchFamily="34" charset="0"/>
+              <a:buChar char="•"/>
+            </a:pPr>
+            <a:r>
               <a:rPr lang="de-DE" dirty="0"/>
-              <a:t>Kürzer als Docker Image Digests</a:t>
-            </a:r>
-          </a:p>
-          <a:p>
-            <a:pPr>
-              <a:buFont typeface="Arial" panose="020B0604020202020204" pitchFamily="34" charset="0"/>
-              <a:buChar char="•"/>
-            </a:pPr>
-            <a:r>
-              <a:rPr lang="de-DE" dirty="0" err="1"/>
-              <a:t>Traceability</a:t>
-            </a:r>
-            <a:r>
-              <a:rPr lang="de-DE" dirty="0"/>
-              <a:t> (Rückverfolgbarkeit) sehr hoch!</a:t>
-            </a:r>
-          </a:p>
-          <a:p>
-            <a:pPr>
-              <a:buFont typeface="Arial" panose="020B0604020202020204" pitchFamily="34" charset="0"/>
-              <a:buChar char="•"/>
-            </a:pPr>
-            <a:r>
-              <a:rPr lang="de-DE" dirty="0"/>
-              <a:t>Nicht selbsterklärend</a:t>
-            </a:r>
-          </a:p>
-          <a:p>
-            <a:pPr>
-              <a:buFont typeface="Arial" panose="020B0604020202020204" pitchFamily="34" charset="0"/>
-              <a:buChar char="•"/>
-            </a:pPr>
-            <a:r>
-              <a:rPr lang="de-DE" dirty="0"/>
-              <a:t>Beispiel</a:t>
-            </a:r>
-          </a:p>
-          <a:p>
-            <a:pPr lvl="1">
-              <a:buFont typeface="Arial" panose="020B0604020202020204" pitchFamily="34" charset="0"/>
-              <a:buChar char="•"/>
-            </a:pPr>
-            <a:r>
-              <a:rPr lang="de-DE" dirty="0"/>
-              <a:t>2.5.1-sha1abcde</a:t>
-            </a:r>
-          </a:p>
-          <a:p>
-            <a:pPr>
-              <a:buFont typeface="Arial" panose="020B0604020202020204" pitchFamily="34" charset="0"/>
-              <a:buChar char="•"/>
-            </a:pPr>
-            <a:endParaRPr lang="de-DE" dirty="0"/>
+              <a:t>Tags weiterhin mutable</a:t>
+            </a:r>
+          </a:p>
+          <a:p>
+            <a:pPr marL="0" indent="0">
+              <a:buNone/>
+            </a:pPr>
+            <a:endParaRPr lang="de-DE" b="1" dirty="0"/>
           </a:p>
         </p:txBody>
       </p:sp>
     </p:spTree>
     <p:extLst>
       <p:ext uri="{BB962C8B-B14F-4D97-AF65-F5344CB8AC3E}">
-        <p14:creationId xmlns:p14="http://schemas.microsoft.com/office/powerpoint/2010/main" val="2072298106"/>
+        <p14:creationId xmlns:p14="http://schemas.microsoft.com/office/powerpoint/2010/main" val="1996689965"/>
       </p:ext>
     </p:extLst>
   </p:cSld>
@@ -7500,20 +7623,18 @@
             </a:pPr>
             <a:r>
               <a:rPr lang="de-DE" b="1" dirty="0" err="1"/>
-              <a:t>Timestamp</a:t>
+              <a:t>Git</a:t>
             </a:r>
             <a:r>
               <a:rPr lang="de-DE" b="1" dirty="0"/>
-              <a:t> / Date-</a:t>
-            </a:r>
-            <a:r>
-              <a:rPr lang="de-DE" b="1" dirty="0" err="1"/>
-              <a:t>based</a:t>
-            </a:r>
-            <a:r>
-              <a:rPr lang="de-DE" b="1" dirty="0"/>
-              <a:t> Tags</a:t>
-            </a:r>
+              <a:t> Commit Hash</a:t>
+            </a:r>
+          </a:p>
+          <a:p>
+            <a:pPr marL="0" indent="0">
+              <a:buNone/>
+            </a:pPr>
+            <a:endParaRPr lang="de-DE" b="1" dirty="0"/>
           </a:p>
           <a:p>
             <a:pPr>
@@ -7522,7 +7643,21 @@
             </a:pPr>
             <a:r>
               <a:rPr lang="de-DE" dirty="0"/>
-              <a:t>Unique Identifier</a:t>
+              <a:t>Neuer Commit = neues Image</a:t>
+            </a:r>
+          </a:p>
+          <a:p>
+            <a:pPr>
+              <a:buFont typeface="Arial" panose="020B0604020202020204" pitchFamily="34" charset="0"/>
+              <a:buChar char="•"/>
+            </a:pPr>
+            <a:r>
+              <a:rPr lang="de-DE" dirty="0" err="1"/>
+              <a:t>Git</a:t>
+            </a:r>
+            <a:r>
+              <a:rPr lang="de-DE" dirty="0"/>
+              <a:t> Hash zum Tagging</a:t>
             </a:r>
           </a:p>
           <a:p>
@@ -7531,22 +7666,8 @@
               <a:buChar char="•"/>
             </a:pPr>
             <a:r>
-              <a:rPr lang="de-DE" dirty="0">
-                <a:sym typeface="Wingdings" panose="05000000000000000000" pitchFamily="2" charset="2"/>
-              </a:rPr>
-              <a:t> „Semi-</a:t>
-            </a:r>
-            <a:r>
-              <a:rPr lang="de-DE" dirty="0" err="1">
-                <a:sym typeface="Wingdings" panose="05000000000000000000" pitchFamily="2" charset="2"/>
-              </a:rPr>
-              <a:t>immutable</a:t>
-            </a:r>
-            <a:r>
-              <a:rPr lang="de-DE" dirty="0">
-                <a:sym typeface="Wingdings" panose="05000000000000000000" pitchFamily="2" charset="2"/>
-              </a:rPr>
-              <a:t>“ Referenz</a:t>
+              <a:rPr lang="de-DE" dirty="0"/>
+              <a:t>Kürzer als Docker Image Digests</a:t>
             </a:r>
           </a:p>
           <a:p>
@@ -7555,10 +7676,12 @@
               <a:buChar char="•"/>
             </a:pPr>
             <a:r>
-              <a:rPr lang="de-DE" dirty="0">
-                <a:sym typeface="Wingdings" panose="05000000000000000000" pitchFamily="2" charset="2"/>
-              </a:rPr>
-              <a:t>Automatisch generiert  einzigartig</a:t>
+              <a:rPr lang="de-DE" dirty="0" err="1"/>
+              <a:t>Traceability</a:t>
+            </a:r>
+            <a:r>
+              <a:rPr lang="de-DE" dirty="0"/>
+              <a:t> (Rückverfolgbarkeit) sehr hoch!</a:t>
             </a:r>
           </a:p>
           <a:p>
@@ -7567,65 +7690,18 @@
               <a:buChar char="•"/>
             </a:pPr>
             <a:r>
-              <a:rPr lang="de-DE" dirty="0">
-                <a:sym typeface="Wingdings" panose="05000000000000000000" pitchFamily="2" charset="2"/>
-              </a:rPr>
-              <a:t>Einfache Lösung mit vielen Nachteilen</a:t>
-            </a:r>
-          </a:p>
-          <a:p>
-            <a:pPr lvl="1">
-              <a:buFont typeface="Arial" panose="020B0604020202020204" pitchFamily="34" charset="0"/>
-              <a:buChar char="•"/>
-            </a:pPr>
-            <a:r>
-              <a:rPr lang="de-DE" dirty="0">
-                <a:sym typeface="Wingdings" panose="05000000000000000000" pitchFamily="2" charset="2"/>
-              </a:rPr>
-              <a:t>Release am 20.05.2024, Tagging  </a:t>
-            </a:r>
-            <a:r>
-              <a:rPr lang="de-DE" dirty="0">
-                <a:latin typeface="Consolas" panose="020B0609020204030204" pitchFamily="49" charset="0"/>
-                <a:sym typeface="Wingdings" panose="05000000000000000000" pitchFamily="2" charset="2"/>
-              </a:rPr>
-              <a:t>2.5.1-20240520</a:t>
-            </a:r>
-          </a:p>
-          <a:p>
-            <a:pPr lvl="1">
-              <a:buFont typeface="Arial" panose="020B0604020202020204" pitchFamily="34" charset="0"/>
-              <a:buChar char="•"/>
-            </a:pPr>
-            <a:r>
-              <a:rPr lang="de-DE" dirty="0">
-                <a:sym typeface="Wingdings" panose="05000000000000000000" pitchFamily="2" charset="2"/>
-              </a:rPr>
-              <a:t>Zeitzonen sind böse!</a:t>
-            </a:r>
-          </a:p>
-          <a:p>
-            <a:pPr lvl="1">
-              <a:buFont typeface="Arial" panose="020B0604020202020204" pitchFamily="34" charset="0"/>
-              <a:buChar char="•"/>
-            </a:pPr>
-            <a:r>
-              <a:rPr lang="de-DE" dirty="0">
-                <a:sym typeface="Wingdings" panose="05000000000000000000" pitchFamily="2" charset="2"/>
-              </a:rPr>
-              <a:t>Korrelation zum </a:t>
-            </a:r>
-            <a:r>
-              <a:rPr lang="de-DE" dirty="0" err="1">
-                <a:sym typeface="Wingdings" panose="05000000000000000000" pitchFamily="2" charset="2"/>
-              </a:rPr>
-              <a:t>Changeset</a:t>
-            </a:r>
-            <a:r>
-              <a:rPr lang="de-DE" dirty="0">
-                <a:sym typeface="Wingdings" panose="05000000000000000000" pitchFamily="2" charset="2"/>
-              </a:rPr>
-              <a:t> fehlt</a:t>
+              <a:rPr lang="de-DE" dirty="0"/>
+              <a:t>Nicht selbsterklärend</a:t>
+            </a:r>
+          </a:p>
+          <a:p>
+            <a:pPr>
+              <a:buFont typeface="Arial" panose="020B0604020202020204" pitchFamily="34" charset="0"/>
+              <a:buChar char="•"/>
+            </a:pPr>
+            <a:r>
+              <a:rPr lang="de-DE" dirty="0"/>
+              <a:t>Beispiel. 2.5.1-sha1abcde</a:t>
             </a:r>
           </a:p>
           <a:p>
@@ -7640,7 +7716,7 @@
     </p:spTree>
     <p:extLst>
       <p:ext uri="{BB962C8B-B14F-4D97-AF65-F5344CB8AC3E}">
-        <p14:creationId xmlns:p14="http://schemas.microsoft.com/office/powerpoint/2010/main" val="3288241879"/>
+        <p14:creationId xmlns:p14="http://schemas.microsoft.com/office/powerpoint/2010/main" val="2072298106"/>
       </p:ext>
     </p:extLst>
   </p:cSld>
@@ -7730,12 +7806,26 @@
             </a:pPr>
             <a:r>
               <a:rPr lang="de-DE" b="1" dirty="0" err="1"/>
-              <a:t>Build</a:t>
+              <a:t>Timestamp</a:t>
             </a:r>
             <a:r>
               <a:rPr lang="de-DE" b="1" dirty="0"/>
-              <a:t> ID</a:t>
-            </a:r>
+              <a:t> / Date-</a:t>
+            </a:r>
+            <a:r>
+              <a:rPr lang="de-DE" b="1" dirty="0" err="1"/>
+              <a:t>based</a:t>
+            </a:r>
+            <a:r>
+              <a:rPr lang="de-DE" b="1" dirty="0"/>
+              <a:t> Tags</a:t>
+            </a:r>
+          </a:p>
+          <a:p>
+            <a:pPr marL="0" indent="0">
+              <a:buNone/>
+            </a:pPr>
+            <a:endParaRPr lang="de-DE" b="1" dirty="0"/>
           </a:p>
           <a:p>
             <a:pPr>
@@ -7792,40 +7882,62 @@
               <a:rPr lang="de-DE" dirty="0">
                 <a:sym typeface="Wingdings" panose="05000000000000000000" pitchFamily="2" charset="2"/>
               </a:rPr>
-              <a:t>Referenziert bestimmten </a:t>
+              <a:t>Einfache Lösung mit vielen Nachteilen</a:t>
+            </a:r>
+          </a:p>
+          <a:p>
+            <a:pPr lvl="1">
+              <a:buFont typeface="Arial" panose="020B0604020202020204" pitchFamily="34" charset="0"/>
+              <a:buChar char="•"/>
+            </a:pPr>
+            <a:r>
+              <a:rPr lang="de-DE" dirty="0">
+                <a:sym typeface="Wingdings" panose="05000000000000000000" pitchFamily="2" charset="2"/>
+              </a:rPr>
+              <a:t>Release am 20.05.2024, Tagging  </a:t>
+            </a:r>
+            <a:r>
+              <a:rPr lang="de-DE" dirty="0">
+                <a:latin typeface="Consolas" panose="020B0609020204030204" pitchFamily="49" charset="0"/>
+                <a:sym typeface="Wingdings" panose="05000000000000000000" pitchFamily="2" charset="2"/>
+              </a:rPr>
+              <a:t>2.5.1-20240520</a:t>
+            </a:r>
+          </a:p>
+          <a:p>
+            <a:pPr lvl="1">
+              <a:buFont typeface="Arial" panose="020B0604020202020204" pitchFamily="34" charset="0"/>
+              <a:buChar char="•"/>
+            </a:pPr>
+            <a:r>
+              <a:rPr lang="de-DE" dirty="0">
+                <a:sym typeface="Wingdings" panose="05000000000000000000" pitchFamily="2" charset="2"/>
+              </a:rPr>
+              <a:t>Zeitzonen sind böse!</a:t>
+            </a:r>
+          </a:p>
+          <a:p>
+            <a:pPr lvl="1">
+              <a:buFont typeface="Arial" panose="020B0604020202020204" pitchFamily="34" charset="0"/>
+              <a:buChar char="•"/>
+            </a:pPr>
+            <a:r>
+              <a:rPr lang="de-DE" dirty="0">
+                <a:sym typeface="Wingdings" panose="05000000000000000000" pitchFamily="2" charset="2"/>
+              </a:rPr>
+              <a:t>Korrelation zum </a:t>
             </a:r>
             <a:r>
               <a:rPr lang="de-DE" dirty="0" err="1">
                 <a:sym typeface="Wingdings" panose="05000000000000000000" pitchFamily="2" charset="2"/>
               </a:rPr>
-              <a:t>Build</a:t>
-            </a:r>
-            <a:endParaRPr lang="de-DE" dirty="0">
-              <a:sym typeface="Wingdings" panose="05000000000000000000" pitchFamily="2" charset="2"/>
-            </a:endParaRPr>
-          </a:p>
-          <a:p>
-            <a:pPr>
-              <a:buFont typeface="Arial" panose="020B0604020202020204" pitchFamily="34" charset="0"/>
-              <a:buChar char="•"/>
-            </a:pPr>
+              <a:t>Changeset</a:t>
+            </a:r>
             <a:r>
               <a:rPr lang="de-DE" dirty="0">
                 <a:sym typeface="Wingdings" panose="05000000000000000000" pitchFamily="2" charset="2"/>
               </a:rPr>
-              <a:t>Kann (theoretisch) nicht </a:t>
-            </a:r>
-            <a:r>
-              <a:rPr lang="de-DE" dirty="0" err="1">
-                <a:sym typeface="Wingdings" panose="05000000000000000000" pitchFamily="2" charset="2"/>
-              </a:rPr>
-              <a:t>gefaked</a:t>
-            </a:r>
-            <a:r>
-              <a:rPr lang="de-DE" dirty="0">
-                <a:sym typeface="Wingdings" panose="05000000000000000000" pitchFamily="2" charset="2"/>
-              </a:rPr>
-              <a:t> werden</a:t>
+              <a:t> fehlt</a:t>
             </a:r>
           </a:p>
           <a:p>
@@ -7833,43 +7945,14 @@
               <a:buFont typeface="Arial" panose="020B0604020202020204" pitchFamily="34" charset="0"/>
               <a:buChar char="•"/>
             </a:pPr>
-            <a:r>
-              <a:rPr lang="de-DE" dirty="0">
-                <a:sym typeface="Wingdings" panose="05000000000000000000" pitchFamily="2" charset="2"/>
-              </a:rPr>
-              <a:t>Analog zum Image Digest</a:t>
-            </a:r>
-          </a:p>
-          <a:p>
-            <a:pPr lvl="1">
-              <a:buFont typeface="Arial" panose="020B0604020202020204" pitchFamily="34" charset="0"/>
-              <a:buChar char="•"/>
-            </a:pPr>
-            <a:r>
-              <a:rPr lang="de-DE" dirty="0">
-                <a:sym typeface="Wingdings" panose="05000000000000000000" pitchFamily="2" charset="2"/>
-              </a:rPr>
-              <a:t> Keine Hinweise auf Änderungen vom Release</a:t>
-            </a:r>
-          </a:p>
-          <a:p>
-            <a:pPr lvl="1">
-              <a:buFont typeface="Arial" panose="020B0604020202020204" pitchFamily="34" charset="0"/>
-              <a:buChar char="•"/>
-            </a:pPr>
-            <a:r>
-              <a:rPr lang="de-DE" dirty="0">
-                <a:sym typeface="Wingdings" panose="05000000000000000000" pitchFamily="2" charset="2"/>
-              </a:rPr>
-              <a:t>Auch nicht hilfreich beim Suchen nach einem bestimmten Image</a:t>
-            </a:r>
+            <a:endParaRPr lang="de-DE" dirty="0"/>
           </a:p>
         </p:txBody>
       </p:sp>
     </p:spTree>
     <p:extLst>
       <p:ext uri="{BB962C8B-B14F-4D97-AF65-F5344CB8AC3E}">
-        <p14:creationId xmlns:p14="http://schemas.microsoft.com/office/powerpoint/2010/main" val="3892196854"/>
+        <p14:creationId xmlns:p14="http://schemas.microsoft.com/office/powerpoint/2010/main" val="3288241879"/>
       </p:ext>
     </p:extLst>
   </p:cSld>
@@ -8302,7 +8385,7 @@
           <p:cNvPr id="2" name="Titel 1">
             <a:extLst>
               <a:ext uri="{FF2B5EF4-FFF2-40B4-BE49-F238E27FC236}">
-                <a16:creationId xmlns:a16="http://schemas.microsoft.com/office/drawing/2014/main" id="{DB0F3AE3-58DC-3491-F808-4EB383AB2065}"/>
+                <a16:creationId xmlns:a16="http://schemas.microsoft.com/office/drawing/2014/main" id="{5874EA8E-7A71-3505-B01E-D0E8A26AAC59}"/>
               </a:ext>
             </a:extLst>
           </p:cNvPr>
@@ -8339,7 +8422,7 @@
           <p:cNvPr id="3" name="Inhaltsplatzhalter 2">
             <a:extLst>
               <a:ext uri="{FF2B5EF4-FFF2-40B4-BE49-F238E27FC236}">
-                <a16:creationId xmlns:a16="http://schemas.microsoft.com/office/drawing/2014/main" id="{190FFB39-ECBA-266E-3E67-FF616FE30B00}"/>
+                <a16:creationId xmlns:a16="http://schemas.microsoft.com/office/drawing/2014/main" id="{D4DA2B4E-C5FB-6595-34A6-E18A9AA0157D}"/>
               </a:ext>
             </a:extLst>
           </p:cNvPr>
@@ -8359,9 +8442,19 @@
               <a:buNone/>
             </a:pPr>
             <a:r>
+              <a:rPr lang="de-DE" b="1" dirty="0" err="1"/>
+              <a:t>Build</a:t>
+            </a:r>
+            <a:r>
               <a:rPr lang="de-DE" b="1" dirty="0"/>
-              <a:t>Use Cases für die Strategien</a:t>
-            </a:r>
+              <a:t> ID</a:t>
+            </a:r>
+          </a:p>
+          <a:p>
+            <a:pPr marL="0" indent="0">
+              <a:buNone/>
+            </a:pPr>
+            <a:endParaRPr lang="de-DE" b="1" dirty="0"/>
           </a:p>
           <a:p>
             <a:pPr>
@@ -8370,7 +8463,7 @@
             </a:pPr>
             <a:r>
               <a:rPr lang="de-DE" dirty="0"/>
-              <a:t>Rolling Tags</a:t>
+              <a:t>Unique Identifier</a:t>
             </a:r>
           </a:p>
           <a:p>
@@ -8379,8 +8472,22 @@
               <a:buChar char="•"/>
             </a:pPr>
             <a:r>
-              <a:rPr lang="de-DE" dirty="0"/>
-              <a:t>Base Images, welche immer aktuell sein sollen</a:t>
+              <a:rPr lang="de-DE" dirty="0">
+                <a:sym typeface="Wingdings" panose="05000000000000000000" pitchFamily="2" charset="2"/>
+              </a:rPr>
+              <a:t> „Semi-</a:t>
+            </a:r>
+            <a:r>
+              <a:rPr lang="de-DE" dirty="0" err="1">
+                <a:sym typeface="Wingdings" panose="05000000000000000000" pitchFamily="2" charset="2"/>
+              </a:rPr>
+              <a:t>immutable</a:t>
+            </a:r>
+            <a:r>
+              <a:rPr lang="de-DE" dirty="0">
+                <a:sym typeface="Wingdings" panose="05000000000000000000" pitchFamily="2" charset="2"/>
+              </a:rPr>
+              <a:t>“ Referenz</a:t>
             </a:r>
           </a:p>
           <a:p>
@@ -8389,8 +8496,67 @@
               <a:buChar char="•"/>
             </a:pPr>
             <a:r>
-              <a:rPr lang="de-DE" dirty="0"/>
-              <a:t>Unique Tags</a:t>
+              <a:rPr lang="de-DE" dirty="0">
+                <a:sym typeface="Wingdings" panose="05000000000000000000" pitchFamily="2" charset="2"/>
+              </a:rPr>
+              <a:t>Automatisch generiert  einzigartig</a:t>
+            </a:r>
+          </a:p>
+          <a:p>
+            <a:pPr>
+              <a:buFont typeface="Arial" panose="020B0604020202020204" pitchFamily="34" charset="0"/>
+              <a:buChar char="•"/>
+            </a:pPr>
+            <a:r>
+              <a:rPr lang="de-DE" dirty="0">
+                <a:sym typeface="Wingdings" panose="05000000000000000000" pitchFamily="2" charset="2"/>
+              </a:rPr>
+              <a:t>Referenziert bestimmten </a:t>
+            </a:r>
+            <a:r>
+              <a:rPr lang="de-DE" dirty="0" err="1">
+                <a:sym typeface="Wingdings" panose="05000000000000000000" pitchFamily="2" charset="2"/>
+              </a:rPr>
+              <a:t>Build</a:t>
+            </a:r>
+            <a:endParaRPr lang="de-DE" dirty="0">
+              <a:sym typeface="Wingdings" panose="05000000000000000000" pitchFamily="2" charset="2"/>
+            </a:endParaRPr>
+          </a:p>
+          <a:p>
+            <a:pPr>
+              <a:buFont typeface="Arial" panose="020B0604020202020204" pitchFamily="34" charset="0"/>
+              <a:buChar char="•"/>
+            </a:pPr>
+            <a:r>
+              <a:rPr lang="de-DE" dirty="0">
+                <a:sym typeface="Wingdings" panose="05000000000000000000" pitchFamily="2" charset="2"/>
+              </a:rPr>
+              <a:t>Kann (theoretisch) nicht </a:t>
+            </a:r>
+            <a:r>
+              <a:rPr lang="de-DE" dirty="0" err="1">
+                <a:sym typeface="Wingdings" panose="05000000000000000000" pitchFamily="2" charset="2"/>
+              </a:rPr>
+              <a:t>gefaked</a:t>
+            </a:r>
+            <a:r>
+              <a:rPr lang="de-DE" dirty="0">
+                <a:sym typeface="Wingdings" panose="05000000000000000000" pitchFamily="2" charset="2"/>
+              </a:rPr>
+              <a:t> werden</a:t>
+            </a:r>
+          </a:p>
+          <a:p>
+            <a:pPr>
+              <a:buFont typeface="Arial" panose="020B0604020202020204" pitchFamily="34" charset="0"/>
+              <a:buChar char="•"/>
+            </a:pPr>
+            <a:r>
+              <a:rPr lang="de-DE" dirty="0">
+                <a:sym typeface="Wingdings" panose="05000000000000000000" pitchFamily="2" charset="2"/>
+              </a:rPr>
+              <a:t>Analog zum Image Digest</a:t>
             </a:r>
           </a:p>
           <a:p>
@@ -8399,8 +8565,10 @@
               <a:buChar char="•"/>
             </a:pPr>
             <a:r>
-              <a:rPr lang="de-DE" dirty="0"/>
-              <a:t>Software in Produktion</a:t>
+              <a:rPr lang="de-DE" dirty="0">
+                <a:sym typeface="Wingdings" panose="05000000000000000000" pitchFamily="2" charset="2"/>
+              </a:rPr>
+              <a:t> Keine Hinweise auf Änderungen vom Release</a:t>
             </a:r>
           </a:p>
           <a:p>
@@ -8409,117 +8577,18 @@
               <a:buChar char="•"/>
             </a:pPr>
             <a:r>
-              <a:rPr lang="de-DE" dirty="0"/>
-              <a:t>Empfehlung: </a:t>
-            </a:r>
-            <a:r>
-              <a:rPr lang="de-DE" dirty="0" err="1"/>
-              <a:t>Build</a:t>
-            </a:r>
-            <a:r>
-              <a:rPr lang="de-DE" dirty="0"/>
-              <a:t> ID Tag</a:t>
-            </a:r>
-          </a:p>
-          <a:p>
-            <a:pPr lvl="1">
-              <a:buFont typeface="Arial" panose="020B0604020202020204" pitchFamily="34" charset="0"/>
-              <a:buChar char="•"/>
-            </a:pPr>
-            <a:endParaRPr lang="de-DE" dirty="0"/>
-          </a:p>
-          <a:p>
-            <a:pPr>
-              <a:buFont typeface="Arial" panose="020B0604020202020204" pitchFamily="34" charset="0"/>
-              <a:buChar char="•"/>
-            </a:pPr>
-            <a:r>
-              <a:rPr lang="de-DE" dirty="0" err="1"/>
-              <a:t>SemVer</a:t>
-            </a:r>
-            <a:endParaRPr lang="de-DE" dirty="0"/>
-          </a:p>
-          <a:p>
-            <a:pPr lvl="1">
-              <a:buFont typeface="Arial" panose="020B0604020202020204" pitchFamily="34" charset="0"/>
-              <a:buChar char="•"/>
-            </a:pPr>
-            <a:r>
-              <a:rPr lang="de-DE" dirty="0"/>
-              <a:t>Koppelt ein Image ans darunterliegende </a:t>
-            </a:r>
-            <a:r>
-              <a:rPr lang="de-DE" dirty="0" err="1"/>
-              <a:t>Changeset</a:t>
-            </a:r>
-            <a:endParaRPr lang="de-DE" dirty="0"/>
-          </a:p>
-          <a:p>
-            <a:pPr lvl="1">
-              <a:buFont typeface="Arial" panose="020B0604020202020204" pitchFamily="34" charset="0"/>
-              <a:buChar char="•"/>
-            </a:pPr>
-            <a:r>
-              <a:rPr lang="de-DE" dirty="0"/>
-              <a:t>Kann automatisiert werden</a:t>
-            </a:r>
-          </a:p>
-          <a:p>
-            <a:pPr lvl="1">
-              <a:buFont typeface="Arial" panose="020B0604020202020204" pitchFamily="34" charset="0"/>
-              <a:buChar char="•"/>
-            </a:pPr>
-            <a:r>
-              <a:rPr lang="de-DE" dirty="0"/>
-              <a:t>Nutzer erhalten </a:t>
-            </a:r>
-            <a:r>
-              <a:rPr lang="de-DE" dirty="0" err="1"/>
-              <a:t>kompatiblns</a:t>
-            </a:r>
-            <a:r>
-              <a:rPr lang="de-DE" dirty="0"/>
-              <a:t> </a:t>
-            </a:r>
-            <a:r>
-              <a:rPr lang="de-DE" dirty="0" err="1"/>
-              <a:t>Build</a:t>
-            </a:r>
-            <a:r>
-              <a:rPr lang="de-DE" dirty="0"/>
-              <a:t> für ihre Anwendungen</a:t>
-            </a:r>
-          </a:p>
-          <a:p>
-            <a:pPr lvl="1">
-              <a:buFont typeface="Arial" panose="020B0604020202020204" pitchFamily="34" charset="0"/>
-              <a:buChar char="•"/>
-            </a:pPr>
-            <a:endParaRPr lang="de-DE" dirty="0"/>
-          </a:p>
-          <a:p>
-            <a:pPr>
-              <a:buFont typeface="Arial" panose="020B0604020202020204" pitchFamily="34" charset="0"/>
-              <a:buChar char="•"/>
-            </a:pPr>
-            <a:r>
-              <a:rPr lang="de-DE" dirty="0"/>
-              <a:t>Kombination möglich!</a:t>
-            </a:r>
-          </a:p>
-          <a:p>
-            <a:pPr>
-              <a:buFont typeface="Arial" panose="020B0604020202020204" pitchFamily="34" charset="0"/>
-              <a:buChar char="•"/>
-            </a:pPr>
-            <a:endParaRPr lang="de-DE" dirty="0"/>
+              <a:rPr lang="de-DE" dirty="0">
+                <a:sym typeface="Wingdings" panose="05000000000000000000" pitchFamily="2" charset="2"/>
+              </a:rPr>
+              <a:t>Auch nicht hilfreich beim Suchen nach einem bestimmten Image</a:t>
+            </a:r>
           </a:p>
         </p:txBody>
       </p:sp>
     </p:spTree>
     <p:extLst>
       <p:ext uri="{BB962C8B-B14F-4D97-AF65-F5344CB8AC3E}">
-        <p14:creationId xmlns:p14="http://schemas.microsoft.com/office/powerpoint/2010/main" val="2343330246"/>
+        <p14:creationId xmlns:p14="http://schemas.microsoft.com/office/powerpoint/2010/main" val="3892196854"/>
       </p:ext>
     </p:extLst>
   </p:cSld>
@@ -8551,7 +8620,7 @@
           <p:cNvPr id="2" name="Titel 1">
             <a:extLst>
               <a:ext uri="{FF2B5EF4-FFF2-40B4-BE49-F238E27FC236}">
-                <a16:creationId xmlns:a16="http://schemas.microsoft.com/office/drawing/2014/main" id="{184AFD09-5210-6F86-C2FD-BBC016D382A6}"/>
+                <a16:creationId xmlns:a16="http://schemas.microsoft.com/office/drawing/2014/main" id="{DB0F3AE3-58DC-3491-F808-4EB383AB2065}"/>
               </a:ext>
             </a:extLst>
           </p:cNvPr>
@@ -8585,10 +8654,10 @@
       </p:sp>
       <p:sp>
         <p:nvSpPr>
-          <p:cNvPr id="6" name="Inhaltsplatzhalter 5">
+          <p:cNvPr id="3" name="Inhaltsplatzhalter 2">
             <a:extLst>
               <a:ext uri="{FF2B5EF4-FFF2-40B4-BE49-F238E27FC236}">
-                <a16:creationId xmlns:a16="http://schemas.microsoft.com/office/drawing/2014/main" id="{D2412707-84D3-F572-4709-FD9A95F28E5B}"/>
+                <a16:creationId xmlns:a16="http://schemas.microsoft.com/office/drawing/2014/main" id="{190FFB39-ECBA-266E-3E67-FF616FE30B00}"/>
               </a:ext>
             </a:extLst>
           </p:cNvPr>
@@ -8609,13 +8678,8 @@
             </a:pPr>
             <a:r>
               <a:rPr lang="de-DE" b="1" dirty="0"/>
-              <a:t>Verwendung mit </a:t>
-            </a:r>
-            <a:r>
-              <a:rPr lang="de-DE" b="1" dirty="0" err="1"/>
-              <a:t>GitLab</a:t>
-            </a:r>
-            <a:endParaRPr lang="de-DE" b="1" dirty="0"/>
+              <a:t>Use Cases für die Strategien</a:t>
+            </a:r>
           </a:p>
           <a:p>
             <a:pPr>
@@ -8624,7 +8688,17 @@
             </a:pPr>
             <a:r>
               <a:rPr lang="de-DE" dirty="0"/>
-              <a:t>Authentifizierung an der Container Registry</a:t>
+              <a:t>Rolling Tags</a:t>
+            </a:r>
+          </a:p>
+          <a:p>
+            <a:pPr lvl="1">
+              <a:buFont typeface="Arial" panose="020B0604020202020204" pitchFamily="34" charset="0"/>
+              <a:buChar char="•"/>
+            </a:pPr>
+            <a:r>
+              <a:rPr lang="de-DE" dirty="0"/>
+              <a:t>Base Images, welche immer aktuell sein sollen</a:t>
             </a:r>
           </a:p>
           <a:p>
@@ -8634,8 +8708,43 @@
             </a:pPr>
             <a:r>
               <a:rPr lang="de-DE" dirty="0"/>
-              <a:t>Authentifizierung in CI/CD Pipelines</a:t>
-            </a:r>
+              <a:t>Unique Tags</a:t>
+            </a:r>
+          </a:p>
+          <a:p>
+            <a:pPr lvl="1">
+              <a:buFont typeface="Arial" panose="020B0604020202020204" pitchFamily="34" charset="0"/>
+              <a:buChar char="•"/>
+            </a:pPr>
+            <a:r>
+              <a:rPr lang="de-DE" dirty="0"/>
+              <a:t>Software in Produktion</a:t>
+            </a:r>
+          </a:p>
+          <a:p>
+            <a:pPr lvl="1">
+              <a:buFont typeface="Arial" panose="020B0604020202020204" pitchFamily="34" charset="0"/>
+              <a:buChar char="•"/>
+            </a:pPr>
+            <a:r>
+              <a:rPr lang="de-DE" dirty="0"/>
+              <a:t>Empfehlung: </a:t>
+            </a:r>
+            <a:r>
+              <a:rPr lang="de-DE" dirty="0" err="1"/>
+              <a:t>Build</a:t>
+            </a:r>
+            <a:r>
+              <a:rPr lang="de-DE" dirty="0"/>
+              <a:t> ID Tag</a:t>
+            </a:r>
+          </a:p>
+          <a:p>
+            <a:pPr lvl="1">
+              <a:buFont typeface="Arial" panose="020B0604020202020204" pitchFamily="34" charset="0"/>
+              <a:buChar char="•"/>
+            </a:pPr>
+            <a:endParaRPr lang="de-DE" dirty="0"/>
           </a:p>
           <a:p>
             <a:pPr>
@@ -8643,9 +8752,68 @@
               <a:buChar char="•"/>
             </a:pPr>
             <a:r>
+              <a:rPr lang="de-DE" dirty="0" err="1"/>
+              <a:t>SemVer</a:t>
+            </a:r>
+            <a:endParaRPr lang="de-DE" dirty="0"/>
+          </a:p>
+          <a:p>
+            <a:pPr lvl="1">
+              <a:buFont typeface="Arial" panose="020B0604020202020204" pitchFamily="34" charset="0"/>
+              <a:buChar char="•"/>
+            </a:pPr>
+            <a:r>
               <a:rPr lang="de-DE" dirty="0"/>
-              <a:t>Images bauen und pushen</a:t>
-            </a:r>
+              <a:t>Koppelt ein Image ans darunterliegende </a:t>
+            </a:r>
+            <a:r>
+              <a:rPr lang="de-DE" dirty="0" err="1"/>
+              <a:t>Changeset</a:t>
+            </a:r>
+            <a:endParaRPr lang="de-DE" dirty="0"/>
+          </a:p>
+          <a:p>
+            <a:pPr lvl="1">
+              <a:buFont typeface="Arial" panose="020B0604020202020204" pitchFamily="34" charset="0"/>
+              <a:buChar char="•"/>
+            </a:pPr>
+            <a:r>
+              <a:rPr lang="de-DE" dirty="0"/>
+              <a:t>Kann automatisiert werden</a:t>
+            </a:r>
+          </a:p>
+          <a:p>
+            <a:pPr lvl="1">
+              <a:buFont typeface="Arial" panose="020B0604020202020204" pitchFamily="34" charset="0"/>
+              <a:buChar char="•"/>
+            </a:pPr>
+            <a:r>
+              <a:rPr lang="de-DE" dirty="0"/>
+              <a:t>Nutzer erhalten </a:t>
+            </a:r>
+            <a:r>
+              <a:rPr lang="de-DE" dirty="0" err="1"/>
+              <a:t>kompatiblns</a:t>
+            </a:r>
+            <a:r>
+              <a:rPr lang="de-DE" dirty="0"/>
+              <a:t> </a:t>
+            </a:r>
+            <a:r>
+              <a:rPr lang="de-DE" dirty="0" err="1"/>
+              <a:t>Build</a:t>
+            </a:r>
+            <a:r>
+              <a:rPr lang="de-DE" dirty="0"/>
+              <a:t> für ihre Anwendungen</a:t>
+            </a:r>
+          </a:p>
+          <a:p>
+            <a:pPr lvl="1">
+              <a:buFont typeface="Arial" panose="020B0604020202020204" pitchFamily="34" charset="0"/>
+              <a:buChar char="•"/>
+            </a:pPr>
+            <a:endParaRPr lang="de-DE" dirty="0"/>
           </a:p>
           <a:p>
             <a:pPr>
@@ -8654,33 +8822,11 @@
             </a:pPr>
             <a:r>
               <a:rPr lang="de-DE" dirty="0"/>
-              <a:t>Container Registry: Beispiele mit </a:t>
-            </a:r>
-            <a:r>
-              <a:rPr lang="de-DE" dirty="0" err="1"/>
-              <a:t>GitLab</a:t>
-            </a:r>
-            <a:r>
-              <a:rPr lang="de-DE" dirty="0"/>
-              <a:t> CI/CD</a:t>
-            </a:r>
-          </a:p>
-          <a:p>
-            <a:pPr lvl="2">
-              <a:buFont typeface="Arial" panose="020B0604020202020204" pitchFamily="34" charset="0"/>
-              <a:buChar char="•"/>
-            </a:pPr>
-            <a:endParaRPr lang="de-DE" dirty="0"/>
-          </a:p>
-          <a:p>
-            <a:pPr lvl="2">
-              <a:buFont typeface="Arial" panose="020B0604020202020204" pitchFamily="34" charset="0"/>
-              <a:buChar char="•"/>
-            </a:pPr>
-            <a:endParaRPr lang="de-DE" dirty="0"/>
-          </a:p>
-          <a:p>
-            <a:pPr lvl="1">
+              <a:t>Kombination möglich!</a:t>
+            </a:r>
+          </a:p>
+          <a:p>
+            <a:pPr>
               <a:buFont typeface="Arial" panose="020B0604020202020204" pitchFamily="34" charset="0"/>
               <a:buChar char="•"/>
             </a:pPr>
@@ -8691,7 +8837,7 @@
     </p:spTree>
     <p:extLst>
       <p:ext uri="{BB962C8B-B14F-4D97-AF65-F5344CB8AC3E}">
-        <p14:creationId xmlns:p14="http://schemas.microsoft.com/office/powerpoint/2010/main" val="1944366019"/>
+        <p14:creationId xmlns:p14="http://schemas.microsoft.com/office/powerpoint/2010/main" val="2343330246"/>
       </p:ext>
     </p:extLst>
   </p:cSld>
@@ -8781,6 +8927,27 @@
             </a:pPr>
             <a:r>
               <a:rPr lang="de-DE" b="1" dirty="0"/>
+              <a:t>Verwendung mit </a:t>
+            </a:r>
+            <a:r>
+              <a:rPr lang="de-DE" b="1" dirty="0" err="1"/>
+              <a:t>GitLab</a:t>
+            </a:r>
+            <a:endParaRPr lang="de-DE" b="1" dirty="0"/>
+          </a:p>
+          <a:p>
+            <a:pPr marL="0" indent="0">
+              <a:buNone/>
+            </a:pPr>
+            <a:endParaRPr lang="de-DE" b="1" dirty="0"/>
+          </a:p>
+          <a:p>
+            <a:pPr>
+              <a:buFont typeface="Arial" panose="020B0604020202020204" pitchFamily="34" charset="0"/>
+              <a:buChar char="•"/>
+            </a:pPr>
+            <a:r>
+              <a:rPr lang="de-DE" dirty="0"/>
               <a:t>Authentifizierung an der Container Registry</a:t>
             </a:r>
           </a:p>
@@ -8791,132 +8958,36 @@
             </a:pPr>
             <a:r>
               <a:rPr lang="de-DE" dirty="0"/>
-              <a:t>Unterstützte Mechanismen</a:t>
-            </a:r>
-          </a:p>
-          <a:p>
-            <a:pPr lvl="1">
+              <a:t>Authentifizierung in CI/CD Pipelines</a:t>
+            </a:r>
+          </a:p>
+          <a:p>
+            <a:pPr>
               <a:buFont typeface="Arial" panose="020B0604020202020204" pitchFamily="34" charset="0"/>
               <a:buChar char="•"/>
             </a:pPr>
             <a:r>
               <a:rPr lang="de-DE" dirty="0"/>
-              <a:t>Personal Access Token</a:t>
-            </a:r>
-          </a:p>
-          <a:p>
-            <a:pPr lvl="1">
+              <a:t>Images bauen und pushen</a:t>
+            </a:r>
+          </a:p>
+          <a:p>
+            <a:pPr>
               <a:buFont typeface="Arial" panose="020B0604020202020204" pitchFamily="34" charset="0"/>
               <a:buChar char="•"/>
             </a:pPr>
             <a:r>
               <a:rPr lang="de-DE" dirty="0"/>
-              <a:t>Deploy Token</a:t>
-            </a:r>
-          </a:p>
-          <a:p>
-            <a:pPr lvl="1">
-              <a:buFont typeface="Arial" panose="020B0604020202020204" pitchFamily="34" charset="0"/>
-              <a:buChar char="•"/>
-            </a:pPr>
+              <a:t>Container Registry: Beispiele mit </a:t>
+            </a:r>
+            <a:r>
+              <a:rPr lang="de-DE" dirty="0" err="1"/>
+              <a:t>GitLab</a:t>
+            </a:r>
             <a:r>
               <a:rPr lang="de-DE" dirty="0"/>
-              <a:t>Project Access Token</a:t>
-            </a:r>
-          </a:p>
-          <a:p>
-            <a:pPr lvl="1">
-              <a:buFont typeface="Arial" panose="020B0604020202020204" pitchFamily="34" charset="0"/>
-              <a:buChar char="•"/>
-            </a:pPr>
-            <a:r>
-              <a:rPr lang="de-DE" dirty="0"/>
-              <a:t>Group Access Token</a:t>
-            </a:r>
-          </a:p>
-          <a:p>
-            <a:pPr lvl="1">
-              <a:buFont typeface="Arial" panose="020B0604020202020204" pitchFamily="34" charset="0"/>
-              <a:buChar char="•"/>
-            </a:pPr>
-            <a:endParaRPr lang="de-DE" dirty="0"/>
-          </a:p>
-          <a:p>
-            <a:pPr>
-              <a:buFont typeface="Arial" panose="020B0604020202020204" pitchFamily="34" charset="0"/>
-              <a:buChar char="•"/>
-            </a:pPr>
-            <a:r>
-              <a:rPr lang="de-DE" dirty="0"/>
-              <a:t>Erforderliche Berechtigungen (Scopes)</a:t>
-            </a:r>
-          </a:p>
-          <a:p>
-            <a:pPr lvl="1">
-              <a:buFont typeface="Arial" panose="020B0604020202020204" pitchFamily="34" charset="0"/>
-              <a:buChar char="•"/>
-            </a:pPr>
-            <a:r>
-              <a:rPr lang="de-DE" i="1" dirty="0" err="1"/>
-              <a:t>read_registry</a:t>
-            </a:r>
-            <a:r>
-              <a:rPr lang="de-DE" i="1" dirty="0"/>
-              <a:t> </a:t>
-            </a:r>
-            <a:r>
-              <a:rPr lang="de-DE" dirty="0"/>
-              <a:t>für </a:t>
-            </a:r>
-            <a:r>
-              <a:rPr lang="de-DE" dirty="0" err="1"/>
-              <a:t>read</a:t>
-            </a:r>
-            <a:r>
-              <a:rPr lang="de-DE" dirty="0"/>
-              <a:t> (pull) </a:t>
-            </a:r>
-          </a:p>
-          <a:p>
-            <a:pPr lvl="1">
-              <a:buFont typeface="Arial" panose="020B0604020202020204" pitchFamily="34" charset="0"/>
-              <a:buChar char="•"/>
-            </a:pPr>
-            <a:r>
-              <a:rPr lang="de-DE" i="1" dirty="0" err="1"/>
-              <a:t>write_registry</a:t>
-            </a:r>
-            <a:r>
-              <a:rPr lang="de-DE" i="1" dirty="0"/>
-              <a:t> </a:t>
-            </a:r>
-            <a:r>
-              <a:rPr lang="de-DE" u="sng" dirty="0"/>
-              <a:t>und</a:t>
-            </a:r>
-            <a:r>
-              <a:rPr lang="de-DE" dirty="0"/>
-              <a:t> </a:t>
-            </a:r>
-            <a:r>
-              <a:rPr lang="de-DE" dirty="0" err="1"/>
-              <a:t>read_registry</a:t>
-            </a:r>
-            <a:r>
-              <a:rPr lang="de-DE" dirty="0"/>
-              <a:t> für </a:t>
-            </a:r>
-            <a:r>
-              <a:rPr lang="de-DE" dirty="0" err="1"/>
-              <a:t>write</a:t>
-            </a:r>
-            <a:r>
-              <a:rPr lang="de-DE" dirty="0"/>
-              <a:t> (push)</a:t>
-            </a:r>
-            <a:endParaRPr lang="de-DE" sz="1600" dirty="0">
-              <a:latin typeface="Consolas" panose="020B0609020204030204" pitchFamily="49" charset="0"/>
-            </a:endParaRPr>
+              <a:t> CI/CD</a:t>
+            </a:r>
           </a:p>
           <a:p>
             <a:pPr lvl="2">
@@ -8944,7 +9015,7 @@
     </p:spTree>
     <p:extLst>
       <p:ext uri="{BB962C8B-B14F-4D97-AF65-F5344CB8AC3E}">
-        <p14:creationId xmlns:p14="http://schemas.microsoft.com/office/powerpoint/2010/main" val="1809655481"/>
+        <p14:creationId xmlns:p14="http://schemas.microsoft.com/office/powerpoint/2010/main" val="1944366019"/>
       </p:ext>
     </p:extLst>
   </p:cSld>
@@ -9038,138 +9109,141 @@
             </a:r>
           </a:p>
           <a:p>
+            <a:pPr marL="0" indent="0">
+              <a:buNone/>
+            </a:pPr>
+            <a:endParaRPr lang="de-DE" b="1" dirty="0"/>
+          </a:p>
+          <a:p>
+            <a:pPr>
+              <a:buFont typeface="Arial" panose="020B0604020202020204" pitchFamily="34" charset="0"/>
+              <a:buChar char="•"/>
+            </a:pPr>
+            <a:r>
+              <a:rPr lang="de-DE" dirty="0"/>
+              <a:t>Unterstützte Mechanismen</a:t>
+            </a:r>
+          </a:p>
+          <a:p>
             <a:pPr lvl="1">
               <a:buFont typeface="Arial" panose="020B0604020202020204" pitchFamily="34" charset="0"/>
               <a:buChar char="•"/>
             </a:pPr>
-            <a:endParaRPr lang="de-DE" sz="1800" dirty="0">
-              <a:latin typeface="Consolas" panose="020B0609020204030204" pitchFamily="49" charset="0"/>
-            </a:endParaRPr>
-          </a:p>
-          <a:p>
-            <a:pPr marL="457200" lvl="1" indent="0">
-              <a:buNone/>
-            </a:pPr>
-            <a:r>
-              <a:rPr lang="de-DE" sz="1800" dirty="0" err="1">
-                <a:latin typeface="Consolas" panose="020B0609020204030204" pitchFamily="49" charset="0"/>
-              </a:rPr>
-              <a:t>docker</a:t>
-            </a:r>
-            <a:r>
-              <a:rPr lang="de-DE" sz="1800" dirty="0">
-                <a:latin typeface="Consolas" panose="020B0609020204030204" pitchFamily="49" charset="0"/>
-              </a:rPr>
+            <a:r>
+              <a:rPr lang="de-DE" dirty="0"/>
+              <a:t>Personal Access Token</a:t>
+            </a:r>
+          </a:p>
+          <a:p>
+            <a:pPr lvl="1">
+              <a:buFont typeface="Arial" panose="020B0604020202020204" pitchFamily="34" charset="0"/>
+              <a:buChar char="•"/>
+            </a:pPr>
+            <a:r>
+              <a:rPr lang="de-DE" dirty="0"/>
+              <a:t>Deploy Token</a:t>
+            </a:r>
+          </a:p>
+          <a:p>
+            <a:pPr lvl="1">
+              <a:buFont typeface="Arial" panose="020B0604020202020204" pitchFamily="34" charset="0"/>
+              <a:buChar char="•"/>
+            </a:pPr>
+            <a:r>
+              <a:rPr lang="de-DE" dirty="0"/>
+              <a:t>Project Access Token</a:t>
+            </a:r>
+          </a:p>
+          <a:p>
+            <a:pPr lvl="1">
+              <a:buFont typeface="Arial" panose="020B0604020202020204" pitchFamily="34" charset="0"/>
+              <a:buChar char="•"/>
+            </a:pPr>
+            <a:r>
+              <a:rPr lang="de-DE" dirty="0"/>
+              <a:t>Group Access Token</a:t>
+            </a:r>
+          </a:p>
+          <a:p>
+            <a:pPr lvl="1">
+              <a:buFont typeface="Arial" panose="020B0604020202020204" pitchFamily="34" charset="0"/>
+              <a:buChar char="•"/>
+            </a:pPr>
+            <a:endParaRPr lang="de-DE" dirty="0"/>
+          </a:p>
+          <a:p>
+            <a:pPr>
+              <a:buFont typeface="Arial" panose="020B0604020202020204" pitchFamily="34" charset="0"/>
+              <a:buChar char="•"/>
+            </a:pPr>
+            <a:r>
+              <a:rPr lang="de-DE" dirty="0"/>
+              <a:t>Erforderliche Berechtigungen (Scopes)</a:t>
+            </a:r>
+          </a:p>
+          <a:p>
+            <a:pPr lvl="1">
+              <a:buFont typeface="Arial" panose="020B0604020202020204" pitchFamily="34" charset="0"/>
+              <a:buChar char="•"/>
+            </a:pPr>
+            <a:r>
+              <a:rPr lang="de-DE" i="1" dirty="0" err="1"/>
+              <a:t>read_registry</a:t>
+            </a:r>
+            <a:r>
+              <a:rPr lang="de-DE" i="1" dirty="0"/>
               <a:t> </a:t>
             </a:r>
             <a:r>
-              <a:rPr lang="de-DE" sz="1800" dirty="0" err="1">
-                <a:latin typeface="Consolas" panose="020B0609020204030204" pitchFamily="49" charset="0"/>
-              </a:rPr>
-              <a:t>login</a:t>
-            </a:r>
-            <a:r>
-              <a:rPr lang="de-DE" sz="1800" dirty="0">
-                <a:latin typeface="Consolas" panose="020B0609020204030204" pitchFamily="49" charset="0"/>
-              </a:rPr>
-              <a:t> registry.example.com</a:t>
-            </a:r>
-          </a:p>
-          <a:p>
-            <a:pPr marL="457200" lvl="1" indent="0">
-              <a:buNone/>
-            </a:pPr>
-            <a:r>
-              <a:rPr lang="de-DE" sz="1800" dirty="0">
-                <a:latin typeface="+mj-lt"/>
-              </a:rPr>
-              <a:t>oder</a:t>
-            </a:r>
-          </a:p>
-          <a:p>
-            <a:pPr marL="457200" lvl="1" indent="0">
-              <a:buNone/>
-            </a:pPr>
-            <a:r>
-              <a:rPr lang="de-DE" sz="1800" dirty="0">
-                <a:latin typeface="Consolas" panose="020B0609020204030204" pitchFamily="49" charset="0"/>
-              </a:rPr>
-              <a:t>TOKEN=&lt;</a:t>
-            </a:r>
-            <a:r>
-              <a:rPr lang="de-DE" sz="1800" dirty="0" err="1">
-                <a:latin typeface="Consolas" panose="020B0609020204030204" pitchFamily="49" charset="0"/>
-              </a:rPr>
-              <a:t>token</a:t>
-            </a:r>
-            <a:r>
-              <a:rPr lang="de-DE" sz="1800" dirty="0">
-                <a:latin typeface="Consolas" panose="020B0609020204030204" pitchFamily="49" charset="0"/>
-              </a:rPr>
-              <a:t>&gt;</a:t>
-            </a:r>
-          </a:p>
-          <a:p>
-            <a:pPr marL="457200" lvl="1" indent="0">
-              <a:buNone/>
-            </a:pPr>
-            <a:r>
-              <a:rPr lang="de-DE" sz="1800" dirty="0">
-                <a:latin typeface="Consolas" panose="020B0609020204030204" pitchFamily="49" charset="0"/>
-              </a:rPr>
-              <a:t>echo "$TOKEN" | </a:t>
-            </a:r>
-            <a:r>
-              <a:rPr lang="de-DE" sz="1800" dirty="0" err="1">
-                <a:latin typeface="Consolas" panose="020B0609020204030204" pitchFamily="49" charset="0"/>
-              </a:rPr>
-              <a:t>docker</a:t>
-            </a:r>
-            <a:r>
-              <a:rPr lang="de-DE" sz="1800" dirty="0">
-                <a:latin typeface="Consolas" panose="020B0609020204030204" pitchFamily="49" charset="0"/>
-              </a:rPr>
+              <a:rPr lang="de-DE" dirty="0"/>
+              <a:t>für </a:t>
+            </a:r>
+            <a:r>
+              <a:rPr lang="de-DE" dirty="0" err="1"/>
+              <a:t>read</a:t>
+            </a:r>
+            <a:r>
+              <a:rPr lang="de-DE" dirty="0"/>
+              <a:t> (pull) </a:t>
+            </a:r>
+          </a:p>
+          <a:p>
+            <a:pPr lvl="1">
+              <a:buFont typeface="Arial" panose="020B0604020202020204" pitchFamily="34" charset="0"/>
+              <a:buChar char="•"/>
+            </a:pPr>
+            <a:r>
+              <a:rPr lang="de-DE" i="1" dirty="0" err="1"/>
+              <a:t>write_registry</a:t>
+            </a:r>
+            <a:r>
+              <a:rPr lang="de-DE" i="1" dirty="0"/>
               <a:t> </a:t>
             </a:r>
             <a:r>
-              <a:rPr lang="de-DE" sz="1800" dirty="0" err="1">
-                <a:latin typeface="Consolas" panose="020B0609020204030204" pitchFamily="49" charset="0"/>
-              </a:rPr>
-              <a:t>login</a:t>
-            </a:r>
-            <a:r>
-              <a:rPr lang="de-DE" sz="1800" dirty="0">
-                <a:latin typeface="Consolas" panose="020B0609020204030204" pitchFamily="49" charset="0"/>
-              </a:rPr>
-              <a:t> registry.example.com -u &lt;</a:t>
-            </a:r>
-            <a:r>
-              <a:rPr lang="de-DE" sz="1800" dirty="0" err="1">
-                <a:latin typeface="Consolas" panose="020B0609020204030204" pitchFamily="49" charset="0"/>
-              </a:rPr>
-              <a:t>username</a:t>
-            </a:r>
-            <a:r>
-              <a:rPr lang="de-DE" sz="1800" dirty="0">
-                <a:latin typeface="Consolas" panose="020B0609020204030204" pitchFamily="49" charset="0"/>
-              </a:rPr>
-              <a:t>&gt; --password-</a:t>
-            </a:r>
-            <a:r>
-              <a:rPr lang="de-DE" sz="1800" dirty="0" err="1">
-                <a:latin typeface="Consolas" panose="020B0609020204030204" pitchFamily="49" charset="0"/>
-              </a:rPr>
-              <a:t>stdin</a:t>
-            </a:r>
-            <a:endParaRPr lang="de-DE" sz="1800" dirty="0">
-              <a:latin typeface="Consolas" panose="020B0609020204030204" pitchFamily="49" charset="0"/>
-            </a:endParaRPr>
-          </a:p>
-          <a:p>
-            <a:pPr lvl="1">
-              <a:buFont typeface="Arial" panose="020B0604020202020204" pitchFamily="34" charset="0"/>
-              <a:buChar char="•"/>
-            </a:pPr>
+              <a:rPr lang="de-DE" u="sng" dirty="0"/>
+              <a:t>und</a:t>
+            </a:r>
+            <a:r>
+              <a:rPr lang="de-DE" dirty="0"/>
+              <a:t> </a:t>
+            </a:r>
+            <a:r>
+              <a:rPr lang="de-DE" dirty="0" err="1"/>
+              <a:t>read_registry</a:t>
+            </a:r>
+            <a:r>
+              <a:rPr lang="de-DE" dirty="0"/>
+              <a:t> für </a:t>
+            </a:r>
+            <a:r>
+              <a:rPr lang="de-DE" dirty="0" err="1"/>
+              <a:t>write</a:t>
+            </a:r>
+            <a:r>
+              <a:rPr lang="de-DE" dirty="0"/>
+              <a:t> (push)</a:t>
+            </a:r>
             <a:endParaRPr lang="de-DE" sz="1600" dirty="0">
               <a:latin typeface="Consolas" panose="020B0609020204030204" pitchFamily="49" charset="0"/>
             </a:endParaRPr>
@@ -9200,7 +9274,7 @@
     </p:spTree>
     <p:extLst>
       <p:ext uri="{BB962C8B-B14F-4D97-AF65-F5344CB8AC3E}">
-        <p14:creationId xmlns:p14="http://schemas.microsoft.com/office/powerpoint/2010/main" val="1214759998"/>
+        <p14:creationId xmlns:p14="http://schemas.microsoft.com/office/powerpoint/2010/main" val="1809655481"/>
       </p:ext>
     </p:extLst>
   </p:cSld>
@@ -9290,25 +9364,7 @@
             </a:pPr>
             <a:r>
               <a:rPr lang="de-DE" b="1" dirty="0"/>
-              <a:t>Authentifizierung in CI/CD Pipelines</a:t>
-            </a:r>
-            <a:endParaRPr lang="de-DE" dirty="0"/>
-          </a:p>
-          <a:p>
-            <a:pPr>
-              <a:buFont typeface="Arial" panose="020B0604020202020204" pitchFamily="34" charset="0"/>
-              <a:buChar char="•"/>
-            </a:pPr>
-            <a:endParaRPr lang="de-DE" sz="1800" dirty="0"/>
-          </a:p>
-          <a:p>
-            <a:pPr>
-              <a:buFont typeface="Arial" panose="020B0604020202020204" pitchFamily="34" charset="0"/>
-              <a:buChar char="•"/>
-            </a:pPr>
-            <a:r>
-              <a:rPr lang="de-DE" sz="2000" dirty="0"/>
-              <a:t>Variable CI_REGISTRY_USER</a:t>
+              <a:t>Authentifizierung an der Container Registry</a:t>
             </a:r>
           </a:p>
           <a:p>
@@ -9316,119 +9372,87 @@
               <a:buFont typeface="Arial" panose="020B0604020202020204" pitchFamily="34" charset="0"/>
               <a:buChar char="•"/>
             </a:pPr>
-            <a:r>
-              <a:rPr lang="de-DE" sz="1800" dirty="0"/>
-              <a:t>Benutzer/Job mit </a:t>
-            </a:r>
-            <a:r>
-              <a:rPr lang="de-DE" sz="1800" dirty="0" err="1"/>
-              <a:t>read</a:t>
-            </a:r>
-            <a:r>
-              <a:rPr lang="de-DE" sz="1800" dirty="0"/>
-              <a:t> + </a:t>
-            </a:r>
-            <a:r>
-              <a:rPr lang="de-DE" sz="1800" dirty="0" err="1"/>
-              <a:t>write</a:t>
-            </a:r>
-            <a:r>
-              <a:rPr lang="de-DE" sz="1800" dirty="0"/>
-              <a:t> </a:t>
-            </a:r>
-            <a:r>
-              <a:rPr lang="de-DE" sz="1800" dirty="0" err="1"/>
-              <a:t>Scope</a:t>
-            </a:r>
-            <a:endParaRPr lang="de-DE" sz="1800" dirty="0"/>
-          </a:p>
-          <a:p>
-            <a:pPr lvl="1">
-              <a:buFont typeface="Arial" panose="020B0604020202020204" pitchFamily="34" charset="0"/>
-              <a:buChar char="•"/>
-            </a:pPr>
-            <a:r>
-              <a:rPr lang="de-DE" sz="1800" dirty="0"/>
-              <a:t>Passwort automatisch: CI_REGISTRY_PASSWORD</a:t>
-            </a:r>
-          </a:p>
-          <a:p>
-            <a:pPr lvl="1">
-              <a:buFont typeface="Arial" panose="020B0604020202020204" pitchFamily="34" charset="0"/>
-              <a:buChar char="•"/>
-            </a:pPr>
-            <a:r>
-              <a:rPr lang="de-DE" sz="1800" dirty="0">
-                <a:latin typeface="Consolas" panose="020B0609020204030204" pitchFamily="49" charset="0"/>
-              </a:rPr>
-              <a:t>echo "$CI_REGISTRY_PASSWORD" | </a:t>
-            </a:r>
-            <a:r>
-              <a:rPr lang="de-DE" sz="1800" dirty="0" err="1">
-                <a:latin typeface="Consolas" panose="020B0609020204030204" pitchFamily="49" charset="0"/>
-              </a:rPr>
-              <a:t>docker</a:t>
-            </a:r>
-            <a:r>
-              <a:rPr lang="de-DE" sz="1800" dirty="0">
-                <a:latin typeface="Consolas" panose="020B0609020204030204" pitchFamily="49" charset="0"/>
-              </a:rPr>
-              <a:t> </a:t>
-            </a:r>
-            <a:r>
-              <a:rPr lang="de-DE" sz="1800" dirty="0" err="1">
-                <a:latin typeface="Consolas" panose="020B0609020204030204" pitchFamily="49" charset="0"/>
-              </a:rPr>
-              <a:t>login</a:t>
-            </a:r>
-            <a:r>
-              <a:rPr lang="de-DE" sz="1800" dirty="0">
-                <a:latin typeface="Consolas" panose="020B0609020204030204" pitchFamily="49" charset="0"/>
-              </a:rPr>
-              <a:t> $CI_REGISTRY -u $CI_REGISTRY_USER --password-</a:t>
-            </a:r>
-            <a:r>
-              <a:rPr lang="de-DE" sz="1800" dirty="0" err="1">
-                <a:latin typeface="Consolas" panose="020B0609020204030204" pitchFamily="49" charset="0"/>
-              </a:rPr>
-              <a:t>stdin</a:t>
-            </a:r>
             <a:endParaRPr lang="de-DE" sz="1800" dirty="0">
               <a:latin typeface="Consolas" panose="020B0609020204030204" pitchFamily="49" charset="0"/>
             </a:endParaRPr>
           </a:p>
           <a:p>
-            <a:pPr>
-              <a:buFont typeface="Arial" panose="020B0604020202020204" pitchFamily="34" charset="0"/>
-              <a:buChar char="•"/>
-            </a:pPr>
-            <a:endParaRPr lang="de-DE" sz="2000" dirty="0"/>
-          </a:p>
-          <a:p>
-            <a:pPr>
-              <a:buFont typeface="Arial" panose="020B0604020202020204" pitchFamily="34" charset="0"/>
-              <a:buChar char="•"/>
-            </a:pPr>
-            <a:r>
-              <a:rPr lang="de-DE" sz="2000" dirty="0"/>
-              <a:t>CI Job Token</a:t>
-            </a:r>
-          </a:p>
-          <a:p>
-            <a:pPr lvl="1">
-              <a:buFont typeface="Arial" panose="020B0604020202020204" pitchFamily="34" charset="0"/>
-              <a:buChar char="•"/>
-            </a:pPr>
+            <a:pPr marL="457200" lvl="1" indent="0">
+              <a:buNone/>
+            </a:pPr>
+            <a:r>
+              <a:rPr lang="de-DE" sz="1800" dirty="0" err="1">
+                <a:latin typeface="Consolas" panose="020B0609020204030204" pitchFamily="49" charset="0"/>
+              </a:rPr>
+              <a:t>docker</a:t>
+            </a:r>
             <a:r>
               <a:rPr lang="de-DE" sz="1800" dirty="0">
                 <a:latin typeface="Consolas" panose="020B0609020204030204" pitchFamily="49" charset="0"/>
               </a:rPr>
-              <a:t>echo "$CI_JOB_TOKEN" | </a:t>
+              <a:t> </a:t>
             </a:r>
             <a:r>
               <a:rPr lang="de-DE" sz="1800" dirty="0" err="1">
                 <a:latin typeface="Consolas" panose="020B0609020204030204" pitchFamily="49" charset="0"/>
               </a:rPr>
+              <a:t>login</a:t>
+            </a:r>
+            <a:r>
+              <a:rPr lang="de-DE" sz="1800" dirty="0">
+                <a:latin typeface="Consolas" panose="020B0609020204030204" pitchFamily="49" charset="0"/>
+              </a:rPr>
+              <a:t> registry.example.com</a:t>
+            </a:r>
+          </a:p>
+          <a:p>
+            <a:pPr marL="457200" lvl="1" indent="0">
+              <a:buNone/>
+            </a:pPr>
+            <a:r>
+              <a:rPr lang="de-DE" sz="1800" dirty="0">
+                <a:latin typeface="+mj-lt"/>
+              </a:rPr>
+              <a:t>oder</a:t>
+            </a:r>
+          </a:p>
+          <a:p>
+            <a:pPr marL="457200" lvl="1" indent="0">
+              <a:buNone/>
+            </a:pPr>
+            <a:r>
+              <a:rPr lang="de-DE" sz="1800" dirty="0">
+                <a:latin typeface="Consolas" panose="020B0609020204030204" pitchFamily="49" charset="0"/>
+              </a:rPr>
+              <a:t>TOKEN=&lt;</a:t>
+            </a:r>
+            <a:r>
+              <a:rPr lang="de-DE" sz="1800" dirty="0" err="1">
+                <a:latin typeface="Consolas" panose="020B0609020204030204" pitchFamily="49" charset="0"/>
+              </a:rPr>
+              <a:t>token</a:t>
+            </a:r>
+            <a:r>
+              <a:rPr lang="de-DE" sz="1800" dirty="0">
+                <a:latin typeface="Consolas" panose="020B0609020204030204" pitchFamily="49" charset="0"/>
+              </a:rPr>
+              <a:t>&gt;</a:t>
+            </a:r>
+          </a:p>
+          <a:p>
+            <a:pPr marL="457200" lvl="1" indent="0">
+              <a:buNone/>
+            </a:pPr>
+            <a:r>
+              <a:rPr lang="de-DE" sz="1800" dirty="0">
+                <a:latin typeface="Consolas" panose="020B0609020204030204" pitchFamily="49" charset="0"/>
+              </a:rPr>
+              <a:t>echo "$TOKEN" | </a:t>
+            </a:r>
+            <a:r>
+              <a:rPr lang="de-DE" sz="1800" dirty="0" err="1">
+                <a:latin typeface="Consolas" panose="020B0609020204030204" pitchFamily="49" charset="0"/>
+              </a:rPr>
               <a:t>docker</a:t>
             </a:r>
             <a:r>
@@ -9447,7 +9471,19 @@
               <a:rPr lang="de-DE" sz="1800" dirty="0">
                 <a:latin typeface="Consolas" panose="020B0609020204030204" pitchFamily="49" charset="0"/>
               </a:rPr>
-              <a:t> $CI_REGISTRY -u $CI_REGISTRY_USER --password-</a:t>
+              <a:t> registry.example.com -u &lt;</a:t>
+            </a:r>
+            <a:r>
+              <a:rPr lang="de-DE" sz="1800" dirty="0" err="1">
+                <a:latin typeface="Consolas" panose="020B0609020204030204" pitchFamily="49" charset="0"/>
+              </a:rPr>
+              <a:t>username</a:t>
+            </a:r>
+            <a:r>
+              <a:rPr lang="de-DE" sz="1800" dirty="0">
+                <a:latin typeface="Consolas" panose="020B0609020204030204" pitchFamily="49" charset="0"/>
+              </a:rPr>
+              <a:t>&gt; --password-</a:t>
             </a:r>
             <a:r>
               <a:rPr lang="de-DE" sz="1800" dirty="0" err="1">
@@ -9460,24 +9496,27 @@
             </a:endParaRPr>
           </a:p>
           <a:p>
-            <a:pPr marL="914400" lvl="2" indent="0">
-              <a:buNone/>
-            </a:pPr>
-            <a:endParaRPr lang="en-US" sz="2000" dirty="0"/>
+            <a:pPr lvl="1">
+              <a:buFont typeface="Arial" panose="020B0604020202020204" pitchFamily="34" charset="0"/>
+              <a:buChar char="•"/>
+            </a:pPr>
+            <a:endParaRPr lang="de-DE" sz="1600" dirty="0">
+              <a:latin typeface="Consolas" panose="020B0609020204030204" pitchFamily="49" charset="0"/>
+            </a:endParaRPr>
           </a:p>
           <a:p>
             <a:pPr lvl="2">
               <a:buFont typeface="Arial" panose="020B0604020202020204" pitchFamily="34" charset="0"/>
               <a:buChar char="•"/>
             </a:pPr>
-            <a:endParaRPr lang="de-DE" sz="2000" dirty="0"/>
-          </a:p>
-          <a:p>
-            <a:pPr lvl="1">
-              <a:buFont typeface="Arial" panose="020B0604020202020204" pitchFamily="34" charset="0"/>
-              <a:buChar char="•"/>
-            </a:pPr>
-            <a:endParaRPr lang="de-DE" sz="1600" dirty="0"/>
+            <a:endParaRPr lang="de-DE" dirty="0"/>
+          </a:p>
+          <a:p>
+            <a:pPr lvl="2">
+              <a:buFont typeface="Arial" panose="020B0604020202020204" pitchFamily="34" charset="0"/>
+              <a:buChar char="•"/>
+            </a:pPr>
+            <a:endParaRPr lang="de-DE" dirty="0"/>
           </a:p>
           <a:p>
             <a:pPr lvl="1">
@@ -9491,7 +9530,7 @@
     </p:spTree>
     <p:extLst>
       <p:ext uri="{BB962C8B-B14F-4D97-AF65-F5344CB8AC3E}">
-        <p14:creationId xmlns:p14="http://schemas.microsoft.com/office/powerpoint/2010/main" val="1650913132"/>
+        <p14:creationId xmlns:p14="http://schemas.microsoft.com/office/powerpoint/2010/main" val="1214759998"/>
       </p:ext>
     </p:extLst>
   </p:cSld>
@@ -9590,116 +9629,69 @@
               <a:buFont typeface="Arial" panose="020B0604020202020204" pitchFamily="34" charset="0"/>
               <a:buChar char="•"/>
             </a:pPr>
-            <a:r>
-              <a:rPr lang="de-DE" sz="2000" dirty="0" err="1"/>
+            <a:endParaRPr lang="de-DE" sz="1800" dirty="0"/>
+          </a:p>
+          <a:p>
+            <a:pPr>
+              <a:buFont typeface="Arial" panose="020B0604020202020204" pitchFamily="34" charset="0"/>
+              <a:buChar char="•"/>
+            </a:pPr>
+            <a:r>
+              <a:rPr lang="de-DE" sz="2000" dirty="0"/>
+              <a:t>Variable CI_REGISTRY_USER</a:t>
+            </a:r>
+          </a:p>
+          <a:p>
+            <a:pPr lvl="1">
+              <a:buFont typeface="Arial" panose="020B0604020202020204" pitchFamily="34" charset="0"/>
+              <a:buChar char="•"/>
+            </a:pPr>
+            <a:r>
+              <a:rPr lang="de-DE" sz="1800" dirty="0"/>
+              <a:t>Benutzer/Job mit </a:t>
+            </a:r>
+            <a:r>
+              <a:rPr lang="de-DE" sz="1800" dirty="0" err="1"/>
               <a:t>read</a:t>
             </a:r>
             <a:r>
-              <a:rPr lang="de-DE" sz="2000" dirty="0"/>
-              <a:t> (pull) </a:t>
-            </a:r>
-            <a:r>
-              <a:rPr lang="de-DE" sz="2000" dirty="0" err="1"/>
-              <a:t>access</a:t>
-            </a:r>
-            <a:r>
-              <a:rPr lang="de-DE" sz="2000" dirty="0"/>
+              <a:rPr lang="de-DE" sz="1800" dirty="0"/>
+              <a:t> + </a:t>
+            </a:r>
+            <a:r>
+              <a:rPr lang="de-DE" sz="1800" dirty="0" err="1"/>
+              <a:t>write</a:t>
+            </a:r>
+            <a:r>
+              <a:rPr lang="de-DE" sz="1800" dirty="0"/>
               <a:t> </a:t>
             </a:r>
             <a:r>
-              <a:rPr lang="de-DE" sz="2000" dirty="0">
-                <a:sym typeface="Wingdings" panose="05000000000000000000" pitchFamily="2" charset="2"/>
-              </a:rPr>
-              <a:t> </a:t>
-            </a:r>
-            <a:r>
-              <a:rPr lang="de-DE" sz="2000" dirty="0" err="1">
-                <a:sym typeface="Wingdings" panose="05000000000000000000" pitchFamily="2" charset="2"/>
-              </a:rPr>
-              <a:t>read_registry</a:t>
-            </a:r>
-            <a:endParaRPr lang="de-DE" sz="2000" dirty="0">
-              <a:sym typeface="Wingdings" panose="05000000000000000000" pitchFamily="2" charset="2"/>
-            </a:endParaRPr>
-          </a:p>
-          <a:p>
-            <a:pPr>
-              <a:buFont typeface="Arial" panose="020B0604020202020204" pitchFamily="34" charset="0"/>
-              <a:buChar char="•"/>
-            </a:pPr>
-            <a:r>
-              <a:rPr lang="de-DE" sz="2000" dirty="0" err="1">
-                <a:sym typeface="Wingdings" panose="05000000000000000000" pitchFamily="2" charset="2"/>
-              </a:rPr>
-              <a:t>write</a:t>
-            </a:r>
-            <a:r>
-              <a:rPr lang="de-DE" sz="2000" dirty="0">
-                <a:sym typeface="Wingdings" panose="05000000000000000000" pitchFamily="2" charset="2"/>
-              </a:rPr>
-              <a:t> (push) </a:t>
-            </a:r>
-            <a:r>
-              <a:rPr lang="de-DE" sz="2000" dirty="0" err="1">
-                <a:sym typeface="Wingdings" panose="05000000000000000000" pitchFamily="2" charset="2"/>
-              </a:rPr>
-              <a:t>access</a:t>
-            </a:r>
-            <a:r>
-              <a:rPr lang="de-DE" sz="2000" dirty="0">
-                <a:sym typeface="Wingdings" panose="05000000000000000000" pitchFamily="2" charset="2"/>
-              </a:rPr>
-              <a:t>  </a:t>
-            </a:r>
-            <a:r>
-              <a:rPr lang="de-DE" sz="2000" dirty="0" err="1">
-                <a:sym typeface="Wingdings" panose="05000000000000000000" pitchFamily="2" charset="2"/>
-              </a:rPr>
-              <a:t>read_registry</a:t>
-            </a:r>
-            <a:r>
-              <a:rPr lang="de-DE" sz="2000" dirty="0">
-                <a:sym typeface="Wingdings" panose="05000000000000000000" pitchFamily="2" charset="2"/>
-              </a:rPr>
-              <a:t> &amp; </a:t>
-            </a:r>
-            <a:r>
-              <a:rPr lang="de-DE" sz="2000" dirty="0" err="1">
-                <a:sym typeface="Wingdings" panose="05000000000000000000" pitchFamily="2" charset="2"/>
-              </a:rPr>
-              <a:t>write_registry</a:t>
-            </a:r>
-            <a:endParaRPr lang="de-DE" sz="2000" dirty="0">
-              <a:sym typeface="Wingdings" panose="05000000000000000000" pitchFamily="2" charset="2"/>
-            </a:endParaRPr>
-          </a:p>
-          <a:p>
-            <a:pPr>
-              <a:buFont typeface="Arial" panose="020B0604020202020204" pitchFamily="34" charset="0"/>
-              <a:buChar char="•"/>
-            </a:pPr>
+              <a:rPr lang="de-DE" sz="1800" dirty="0" err="1"/>
+              <a:t>Scope</a:t>
+            </a:r>
             <a:endParaRPr lang="de-DE" sz="1800" dirty="0"/>
           </a:p>
           <a:p>
-            <a:pPr>
-              <a:buFont typeface="Arial" panose="020B0604020202020204" pitchFamily="34" charset="0"/>
-              <a:buChar char="•"/>
-            </a:pPr>
-            <a:r>
-              <a:rPr lang="de-DE" sz="2000" dirty="0"/>
-              <a:t>Deploy Token</a:t>
-            </a:r>
-          </a:p>
-          <a:p>
             <a:pPr lvl="1">
               <a:buFont typeface="Arial" panose="020B0604020202020204" pitchFamily="34" charset="0"/>
               <a:buChar char="•"/>
             </a:pPr>
             <a:r>
+              <a:rPr lang="de-DE" sz="1800" dirty="0"/>
+              <a:t>Passwort automatisch: CI_REGISTRY_PASSWORD</a:t>
+            </a:r>
+          </a:p>
+          <a:p>
+            <a:pPr lvl="1">
+              <a:buFont typeface="Arial" panose="020B0604020202020204" pitchFamily="34" charset="0"/>
+              <a:buChar char="•"/>
+            </a:pPr>
+            <a:r>
               <a:rPr lang="de-DE" sz="1800" dirty="0">
                 <a:latin typeface="Consolas" panose="020B0609020204030204" pitchFamily="49" charset="0"/>
               </a:rPr>
-              <a:t>echo "$CI_DEPLOY_PASSWORD" | </a:t>
+              <a:t>echo "$CI_REGISTRY_PASSWORD" | </a:t>
             </a:r>
             <a:r>
               <a:rPr lang="de-DE" sz="1800" dirty="0" err="1">
@@ -9723,7 +9715,7 @@
               <a:rPr lang="de-DE" sz="1800" dirty="0">
                 <a:latin typeface="Consolas" panose="020B0609020204030204" pitchFamily="49" charset="0"/>
               </a:rPr>
-              <a:t> $CI_REGISTRY -u $CI_DEPLOY_USER --password-</a:t>
+              <a:t> $CI_REGISTRY -u $CI_REGISTRY_USER --password-</a:t>
             </a:r>
             <a:r>
               <a:rPr lang="de-DE" sz="1800" dirty="0" err="1">
@@ -9736,52 +9728,70 @@
             </a:endParaRPr>
           </a:p>
           <a:p>
+            <a:pPr>
+              <a:buFont typeface="Arial" panose="020B0604020202020204" pitchFamily="34" charset="0"/>
+              <a:buChar char="•"/>
+            </a:pPr>
+            <a:endParaRPr lang="de-DE" sz="2000" dirty="0"/>
+          </a:p>
+          <a:p>
+            <a:pPr>
+              <a:buFont typeface="Arial" panose="020B0604020202020204" pitchFamily="34" charset="0"/>
+              <a:buChar char="•"/>
+            </a:pPr>
+            <a:r>
+              <a:rPr lang="de-DE" sz="2000" dirty="0"/>
+              <a:t>CI Job Token</a:t>
+            </a:r>
+          </a:p>
+          <a:p>
             <a:pPr lvl="1">
               <a:buFont typeface="Arial" panose="020B0604020202020204" pitchFamily="34" charset="0"/>
               <a:buChar char="•"/>
             </a:pPr>
+            <a:r>
+              <a:rPr lang="de-DE" sz="1800" dirty="0">
+                <a:latin typeface="Consolas" panose="020B0609020204030204" pitchFamily="49" charset="0"/>
+              </a:rPr>
+              <a:t>echo "$CI_JOB_TOKEN" | </a:t>
+            </a:r>
+            <a:r>
+              <a:rPr lang="de-DE" sz="1800" dirty="0" err="1">
+                <a:latin typeface="Consolas" panose="020B0609020204030204" pitchFamily="49" charset="0"/>
+              </a:rPr>
+              <a:t>docker</a:t>
+            </a:r>
+            <a:r>
+              <a:rPr lang="de-DE" sz="1800" dirty="0">
+                <a:latin typeface="Consolas" panose="020B0609020204030204" pitchFamily="49" charset="0"/>
+              </a:rPr>
+              <a:t> </a:t>
+            </a:r>
+            <a:r>
+              <a:rPr lang="de-DE" sz="1800" dirty="0" err="1">
+                <a:latin typeface="Consolas" panose="020B0609020204030204" pitchFamily="49" charset="0"/>
+              </a:rPr>
+              <a:t>login</a:t>
+            </a:r>
+            <a:r>
+              <a:rPr lang="de-DE" sz="1800" dirty="0">
+                <a:latin typeface="Consolas" panose="020B0609020204030204" pitchFamily="49" charset="0"/>
+              </a:rPr>
+              <a:t> $CI_REGISTRY -u $CI_REGISTRY_USER --password-</a:t>
+            </a:r>
+            <a:r>
+              <a:rPr lang="de-DE" sz="1800" dirty="0" err="1">
+                <a:latin typeface="Consolas" panose="020B0609020204030204" pitchFamily="49" charset="0"/>
+              </a:rPr>
+              <a:t>stdin</a:t>
+            </a:r>
             <a:endParaRPr lang="de-DE" sz="1800" dirty="0">
               <a:latin typeface="Consolas" panose="020B0609020204030204" pitchFamily="49" charset="0"/>
             </a:endParaRPr>
           </a:p>
           <a:p>
-            <a:pPr>
-              <a:buFont typeface="Arial" panose="020B0604020202020204" pitchFamily="34" charset="0"/>
-              <a:buChar char="•"/>
-            </a:pPr>
-            <a:r>
-              <a:rPr lang="de-DE" sz="2000" dirty="0"/>
-              <a:t>Personal Access Token</a:t>
-            </a:r>
-          </a:p>
-          <a:p>
-            <a:pPr lvl="1">
-              <a:buFont typeface="Arial" panose="020B0604020202020204" pitchFamily="34" charset="0"/>
-              <a:buChar char="•"/>
-            </a:pPr>
-            <a:r>
-              <a:rPr lang="en-US" sz="1800" dirty="0">
-                <a:latin typeface="Consolas" panose="020B0609020204030204" pitchFamily="49" charset="0"/>
-              </a:rPr>
-              <a:t>echo "&lt;</a:t>
-            </a:r>
-            <a:r>
-              <a:rPr lang="en-US" sz="1800" dirty="0" err="1">
-                <a:latin typeface="Consolas" panose="020B0609020204030204" pitchFamily="49" charset="0"/>
-              </a:rPr>
-              <a:t>access_token</a:t>
-            </a:r>
-            <a:r>
-              <a:rPr lang="en-US" sz="1800" dirty="0">
-                <a:latin typeface="Consolas" panose="020B0609020204030204" pitchFamily="49" charset="0"/>
-              </a:rPr>
-              <a:t>&gt;" | docker login $CI_REGISTRY -u &lt;username&gt; --password-stdin</a:t>
-            </a:r>
-          </a:p>
-          <a:p>
-            <a:pPr lvl="2">
-              <a:buFont typeface="Arial" panose="020B0604020202020204" pitchFamily="34" charset="0"/>
-              <a:buChar char="•"/>
+            <a:pPr marL="914400" lvl="2" indent="0">
+              <a:buNone/>
             </a:pPr>
             <a:endParaRPr lang="en-US" sz="2000" dirty="0"/>
           </a:p>
@@ -9811,7 +9821,7 @@
     </p:spTree>
     <p:extLst>
       <p:ext uri="{BB962C8B-B14F-4D97-AF65-F5344CB8AC3E}">
-        <p14:creationId xmlns:p14="http://schemas.microsoft.com/office/powerpoint/2010/main" val="326092437"/>
+        <p14:creationId xmlns:p14="http://schemas.microsoft.com/office/powerpoint/2010/main" val="1650913132"/>
       </p:ext>
     </p:extLst>
   </p:cSld>
@@ -9901,8 +9911,338 @@
             </a:pPr>
             <a:r>
               <a:rPr lang="de-DE" b="1" dirty="0"/>
+              <a:t>Authentifizierung in CI/CD Pipelines</a:t>
+            </a:r>
+          </a:p>
+          <a:p>
+            <a:pPr marL="0" indent="0">
+              <a:buNone/>
+            </a:pPr>
+            <a:endParaRPr lang="de-DE" dirty="0"/>
+          </a:p>
+          <a:p>
+            <a:pPr>
+              <a:buFont typeface="Arial" panose="020B0604020202020204" pitchFamily="34" charset="0"/>
+              <a:buChar char="•"/>
+            </a:pPr>
+            <a:r>
+              <a:rPr lang="de-DE" sz="2000" dirty="0" err="1"/>
+              <a:t>read</a:t>
+            </a:r>
+            <a:r>
+              <a:rPr lang="de-DE" sz="2000" dirty="0"/>
+              <a:t> (pull) </a:t>
+            </a:r>
+            <a:r>
+              <a:rPr lang="de-DE" sz="2000" dirty="0" err="1"/>
+              <a:t>access</a:t>
+            </a:r>
+            <a:r>
+              <a:rPr lang="de-DE" sz="2000" dirty="0"/>
+              <a:t> </a:t>
+            </a:r>
+            <a:r>
+              <a:rPr lang="de-DE" sz="2000" dirty="0">
+                <a:sym typeface="Wingdings" panose="05000000000000000000" pitchFamily="2" charset="2"/>
+              </a:rPr>
+              <a:t> </a:t>
+            </a:r>
+            <a:r>
+              <a:rPr lang="de-DE" sz="2000" dirty="0" err="1">
+                <a:sym typeface="Wingdings" panose="05000000000000000000" pitchFamily="2" charset="2"/>
+              </a:rPr>
+              <a:t>read_registry</a:t>
+            </a:r>
+            <a:endParaRPr lang="de-DE" sz="2000" dirty="0">
+              <a:sym typeface="Wingdings" panose="05000000000000000000" pitchFamily="2" charset="2"/>
+            </a:endParaRPr>
+          </a:p>
+          <a:p>
+            <a:pPr>
+              <a:buFont typeface="Arial" panose="020B0604020202020204" pitchFamily="34" charset="0"/>
+              <a:buChar char="•"/>
+            </a:pPr>
+            <a:r>
+              <a:rPr lang="de-DE" sz="2000" dirty="0" err="1">
+                <a:sym typeface="Wingdings" panose="05000000000000000000" pitchFamily="2" charset="2"/>
+              </a:rPr>
+              <a:t>write</a:t>
+            </a:r>
+            <a:r>
+              <a:rPr lang="de-DE" sz="2000" dirty="0">
+                <a:sym typeface="Wingdings" panose="05000000000000000000" pitchFamily="2" charset="2"/>
+              </a:rPr>
+              <a:t> (push) </a:t>
+            </a:r>
+            <a:r>
+              <a:rPr lang="de-DE" sz="2000" dirty="0" err="1">
+                <a:sym typeface="Wingdings" panose="05000000000000000000" pitchFamily="2" charset="2"/>
+              </a:rPr>
+              <a:t>access</a:t>
+            </a:r>
+            <a:r>
+              <a:rPr lang="de-DE" sz="2000" dirty="0">
+                <a:sym typeface="Wingdings" panose="05000000000000000000" pitchFamily="2" charset="2"/>
+              </a:rPr>
+              <a:t>  </a:t>
+            </a:r>
+            <a:r>
+              <a:rPr lang="de-DE" sz="2000" dirty="0" err="1">
+                <a:sym typeface="Wingdings" panose="05000000000000000000" pitchFamily="2" charset="2"/>
+              </a:rPr>
+              <a:t>read_registry</a:t>
+            </a:r>
+            <a:r>
+              <a:rPr lang="de-DE" sz="2000" dirty="0">
+                <a:sym typeface="Wingdings" panose="05000000000000000000" pitchFamily="2" charset="2"/>
+              </a:rPr>
+              <a:t> &amp; </a:t>
+            </a:r>
+            <a:r>
+              <a:rPr lang="de-DE" sz="2000" dirty="0" err="1">
+                <a:sym typeface="Wingdings" panose="05000000000000000000" pitchFamily="2" charset="2"/>
+              </a:rPr>
+              <a:t>write_registry</a:t>
+            </a:r>
+            <a:endParaRPr lang="de-DE" sz="2000" dirty="0">
+              <a:sym typeface="Wingdings" panose="05000000000000000000" pitchFamily="2" charset="2"/>
+            </a:endParaRPr>
+          </a:p>
+          <a:p>
+            <a:pPr>
+              <a:buFont typeface="Arial" panose="020B0604020202020204" pitchFamily="34" charset="0"/>
+              <a:buChar char="•"/>
+            </a:pPr>
+            <a:endParaRPr lang="de-DE" sz="1800" dirty="0"/>
+          </a:p>
+          <a:p>
+            <a:pPr>
+              <a:buFont typeface="Arial" panose="020B0604020202020204" pitchFamily="34" charset="0"/>
+              <a:buChar char="•"/>
+            </a:pPr>
+            <a:r>
+              <a:rPr lang="de-DE" sz="2000" dirty="0"/>
+              <a:t>Deploy Token</a:t>
+            </a:r>
+          </a:p>
+          <a:p>
+            <a:pPr lvl="1">
+              <a:buFont typeface="Arial" panose="020B0604020202020204" pitchFamily="34" charset="0"/>
+              <a:buChar char="•"/>
+            </a:pPr>
+            <a:r>
+              <a:rPr lang="de-DE" sz="1800" dirty="0">
+                <a:latin typeface="Consolas" panose="020B0609020204030204" pitchFamily="49" charset="0"/>
+              </a:rPr>
+              <a:t>echo "$CI_DEPLOY_PASSWORD" | </a:t>
+            </a:r>
+            <a:r>
+              <a:rPr lang="de-DE" sz="1800" dirty="0" err="1">
+                <a:latin typeface="Consolas" panose="020B0609020204030204" pitchFamily="49" charset="0"/>
+              </a:rPr>
+              <a:t>docker</a:t>
+            </a:r>
+            <a:r>
+              <a:rPr lang="de-DE" sz="1800" dirty="0">
+                <a:latin typeface="Consolas" panose="020B0609020204030204" pitchFamily="49" charset="0"/>
+              </a:rPr>
+              <a:t> </a:t>
+            </a:r>
+            <a:r>
+              <a:rPr lang="de-DE" sz="1800" dirty="0" err="1">
+                <a:latin typeface="Consolas" panose="020B0609020204030204" pitchFamily="49" charset="0"/>
+              </a:rPr>
+              <a:t>login</a:t>
+            </a:r>
+            <a:r>
+              <a:rPr lang="de-DE" sz="1800" dirty="0">
+                <a:latin typeface="Consolas" panose="020B0609020204030204" pitchFamily="49" charset="0"/>
+              </a:rPr>
+              <a:t> $CI_REGISTRY -u $CI_DEPLOY_USER --password-</a:t>
+            </a:r>
+            <a:r>
+              <a:rPr lang="de-DE" sz="1800" dirty="0" err="1">
+                <a:latin typeface="Consolas" panose="020B0609020204030204" pitchFamily="49" charset="0"/>
+              </a:rPr>
+              <a:t>stdin</a:t>
+            </a:r>
+            <a:endParaRPr lang="de-DE" sz="1800" dirty="0">
+              <a:latin typeface="Consolas" panose="020B0609020204030204" pitchFamily="49" charset="0"/>
+            </a:endParaRPr>
+          </a:p>
+          <a:p>
+            <a:pPr lvl="1">
+              <a:buFont typeface="Arial" panose="020B0604020202020204" pitchFamily="34" charset="0"/>
+              <a:buChar char="•"/>
+            </a:pPr>
+            <a:endParaRPr lang="de-DE" sz="1800" dirty="0">
+              <a:latin typeface="Consolas" panose="020B0609020204030204" pitchFamily="49" charset="0"/>
+            </a:endParaRPr>
+          </a:p>
+          <a:p>
+            <a:pPr>
+              <a:buFont typeface="Arial" panose="020B0604020202020204" pitchFamily="34" charset="0"/>
+              <a:buChar char="•"/>
+            </a:pPr>
+            <a:r>
+              <a:rPr lang="de-DE" sz="2000" dirty="0"/>
+              <a:t>Personal Access Token</a:t>
+            </a:r>
+          </a:p>
+          <a:p>
+            <a:pPr lvl="1">
+              <a:buFont typeface="Arial" panose="020B0604020202020204" pitchFamily="34" charset="0"/>
+              <a:buChar char="•"/>
+            </a:pPr>
+            <a:r>
+              <a:rPr lang="en-US" sz="1800" dirty="0">
+                <a:latin typeface="Consolas" panose="020B0609020204030204" pitchFamily="49" charset="0"/>
+              </a:rPr>
+              <a:t>echo "&lt;</a:t>
+            </a:r>
+            <a:r>
+              <a:rPr lang="en-US" sz="1800" dirty="0" err="1">
+                <a:latin typeface="Consolas" panose="020B0609020204030204" pitchFamily="49" charset="0"/>
+              </a:rPr>
+              <a:t>access_token</a:t>
+            </a:r>
+            <a:r>
+              <a:rPr lang="en-US" sz="1800" dirty="0">
+                <a:latin typeface="Consolas" panose="020B0609020204030204" pitchFamily="49" charset="0"/>
+              </a:rPr>
+              <a:t>&gt;" | docker login $CI_REGISTRY -u &lt;username&gt; --password-stdin</a:t>
+            </a:r>
+          </a:p>
+          <a:p>
+            <a:pPr lvl="2">
+              <a:buFont typeface="Arial" panose="020B0604020202020204" pitchFamily="34" charset="0"/>
+              <a:buChar char="•"/>
+            </a:pPr>
+            <a:endParaRPr lang="en-US" sz="2000" dirty="0"/>
+          </a:p>
+          <a:p>
+            <a:pPr lvl="2">
+              <a:buFont typeface="Arial" panose="020B0604020202020204" pitchFamily="34" charset="0"/>
+              <a:buChar char="•"/>
+            </a:pPr>
+            <a:endParaRPr lang="de-DE" sz="2000" dirty="0"/>
+          </a:p>
+          <a:p>
+            <a:pPr lvl="1">
+              <a:buFont typeface="Arial" panose="020B0604020202020204" pitchFamily="34" charset="0"/>
+              <a:buChar char="•"/>
+            </a:pPr>
+            <a:endParaRPr lang="de-DE" sz="1600" dirty="0"/>
+          </a:p>
+          <a:p>
+            <a:pPr lvl="1">
+              <a:buFont typeface="Arial" panose="020B0604020202020204" pitchFamily="34" charset="0"/>
+              <a:buChar char="•"/>
+            </a:pPr>
+            <a:endParaRPr lang="de-DE" dirty="0"/>
+          </a:p>
+        </p:txBody>
+      </p:sp>
+    </p:spTree>
+    <p:extLst>
+      <p:ext uri="{BB962C8B-B14F-4D97-AF65-F5344CB8AC3E}">
+        <p14:creationId xmlns:p14="http://schemas.microsoft.com/office/powerpoint/2010/main" val="326092437"/>
+      </p:ext>
+    </p:extLst>
+  </p:cSld>
+  <p:clrMapOvr>
+    <a:masterClrMapping/>
+  </p:clrMapOvr>
+</p:sld>
+</file>
+
+<file path=ppt/slides/slide27.xml><?xml version="1.0" encoding="utf-8"?>
+<p:sld xmlns:a="http://schemas.openxmlformats.org/drawingml/2006/main" xmlns:r="http://schemas.openxmlformats.org/officeDocument/2006/relationships" xmlns:p="http://schemas.openxmlformats.org/presentationml/2006/main">
+  <p:cSld>
+    <p:spTree>
+      <p:nvGrpSpPr>
+        <p:cNvPr id="1" name=""/>
+        <p:cNvGrpSpPr/>
+        <p:nvPr/>
+      </p:nvGrpSpPr>
+      <p:grpSpPr>
+        <a:xfrm>
+          <a:off x="0" y="0"/>
+          <a:ext cx="0" cy="0"/>
+          <a:chOff x="0" y="0"/>
+          <a:chExt cx="0" cy="0"/>
+        </a:xfrm>
+      </p:grpSpPr>
+      <p:sp>
+        <p:nvSpPr>
+          <p:cNvPr id="2" name="Titel 1">
+            <a:extLst>
+              <a:ext uri="{FF2B5EF4-FFF2-40B4-BE49-F238E27FC236}">
+                <a16:creationId xmlns:a16="http://schemas.microsoft.com/office/drawing/2014/main" id="{184AFD09-5210-6F86-C2FD-BBC016D382A6}"/>
+              </a:ext>
+            </a:extLst>
+          </p:cNvPr>
+          <p:cNvSpPr>
+            <a:spLocks noGrp="1"/>
+          </p:cNvSpPr>
+          <p:nvPr>
+            <p:ph type="title"/>
+          </p:nvPr>
+        </p:nvSpPr>
+        <p:spPr/>
+        <p:txBody>
+          <a:bodyPr/>
+          <a:lstStyle/>
+          <a:p>
+            <a:r>
+              <a:rPr lang="de-DE" cap="none" dirty="0"/>
+              <a:t>Release- und </a:t>
+            </a:r>
+            <a:r>
+              <a:rPr lang="de-DE" cap="none" dirty="0" err="1"/>
+              <a:t>Tagged</a:t>
+            </a:r>
+            <a:r>
+              <a:rPr lang="de-DE" cap="none" dirty="0"/>
+              <a:t>-Images</a:t>
+            </a:r>
+            <a:endParaRPr lang="de-DE" dirty="0"/>
+          </a:p>
+        </p:txBody>
+      </p:sp>
+      <p:sp>
+        <p:nvSpPr>
+          <p:cNvPr id="6" name="Inhaltsplatzhalter 5">
+            <a:extLst>
+              <a:ext uri="{FF2B5EF4-FFF2-40B4-BE49-F238E27FC236}">
+                <a16:creationId xmlns:a16="http://schemas.microsoft.com/office/drawing/2014/main" id="{D2412707-84D3-F572-4709-FD9A95F28E5B}"/>
+              </a:ext>
+            </a:extLst>
+          </p:cNvPr>
+          <p:cNvSpPr>
+            <a:spLocks noGrp="1"/>
+          </p:cNvSpPr>
+          <p:nvPr>
+            <p:ph idx="1"/>
+          </p:nvPr>
+        </p:nvSpPr>
+        <p:spPr/>
+        <p:txBody>
+          <a:bodyPr/>
+          <a:lstStyle/>
+          <a:p>
+            <a:pPr marL="0" indent="0">
+              <a:buNone/>
+            </a:pPr>
+            <a:r>
+              <a:rPr lang="de-DE" b="1" dirty="0"/>
               <a:t>Images bauen und pushen</a:t>
             </a:r>
+          </a:p>
+          <a:p>
+            <a:pPr marL="0" indent="0">
+              <a:buNone/>
+            </a:pPr>
             <a:endParaRPr lang="de-DE" dirty="0"/>
           </a:p>
           <a:p>
@@ -10094,7 +10434,7 @@
 </p:sld>
 </file>
 
-<file path=ppt/slides/slide27.xml><?xml version="1.0" encoding="utf-8"?>
+<file path=ppt/slides/slide28.xml><?xml version="1.0" encoding="utf-8"?>
 <p:sld xmlns:a="http://schemas.openxmlformats.org/drawingml/2006/main" xmlns:r="http://schemas.openxmlformats.org/officeDocument/2006/relationships" xmlns:p="http://schemas.openxmlformats.org/presentationml/2006/main">
   <p:cSld>
     <p:spTree>
@@ -10188,6 +10528,12 @@
             </a:r>
           </a:p>
           <a:p>
+            <a:pPr marL="0" indent="0">
+              <a:buNone/>
+            </a:pPr>
+            <a:endParaRPr lang="de-DE" b="1" dirty="0"/>
+          </a:p>
+          <a:p>
             <a:pPr>
               <a:buFont typeface="Arial" panose="020B0604020202020204" pitchFamily="34" charset="0"/>
               <a:buChar char="•"/>
@@ -10407,7 +10753,7 @@
 </p:sld>
 </file>
 
-<file path=ppt/slides/slide28.xml><?xml version="1.0" encoding="utf-8"?>
+<file path=ppt/slides/slide29.xml><?xml version="1.0" encoding="utf-8"?>
 <p:sld xmlns:a="http://schemas.openxmlformats.org/drawingml/2006/main" xmlns:r="http://schemas.openxmlformats.org/officeDocument/2006/relationships" xmlns:p="http://schemas.openxmlformats.org/presentationml/2006/main">
   <p:cSld>
     <p:spTree>
@@ -10499,6 +10845,12 @@
             </a:r>
           </a:p>
           <a:p>
+            <a:pPr marL="0" indent="0">
+              <a:buNone/>
+            </a:pPr>
+            <a:endParaRPr lang="de-DE" b="1" dirty="0"/>
+          </a:p>
+          <a:p>
             <a:pPr>
               <a:buFont typeface="Arial" panose="020B0604020202020204" pitchFamily="34" charset="0"/>
               <a:buChar char="•"/>
@@ -10757,810 +11109,6 @@
     <p:extLst>
       <p:ext uri="{BB962C8B-B14F-4D97-AF65-F5344CB8AC3E}">
         <p14:creationId xmlns:p14="http://schemas.microsoft.com/office/powerpoint/2010/main" val="3527997771"/>
-      </p:ext>
-    </p:extLst>
-  </p:cSld>
-  <p:clrMapOvr>
-    <a:masterClrMapping/>
-  </p:clrMapOvr>
-</p:sld>
-</file>
-
-<file path=ppt/slides/slide29.xml><?xml version="1.0" encoding="utf-8"?>
-<p:sld xmlns:a="http://schemas.openxmlformats.org/drawingml/2006/main" xmlns:r="http://schemas.openxmlformats.org/officeDocument/2006/relationships" xmlns:p="http://schemas.openxmlformats.org/presentationml/2006/main">
-  <p:cSld>
-    <p:spTree>
-      <p:nvGrpSpPr>
-        <p:cNvPr id="1" name=""/>
-        <p:cNvGrpSpPr/>
-        <p:nvPr/>
-      </p:nvGrpSpPr>
-      <p:grpSpPr>
-        <a:xfrm>
-          <a:off x="0" y="0"/>
-          <a:ext cx="0" cy="0"/>
-          <a:chOff x="0" y="0"/>
-          <a:chExt cx="0" cy="0"/>
-        </a:xfrm>
-      </p:grpSpPr>
-      <p:sp>
-        <p:nvSpPr>
-          <p:cNvPr id="2" name="Titel 1">
-            <a:extLst>
-              <a:ext uri="{FF2B5EF4-FFF2-40B4-BE49-F238E27FC236}">
-                <a16:creationId xmlns:a16="http://schemas.microsoft.com/office/drawing/2014/main" id="{021C1D90-AB38-D152-26B9-E4AB49CCFEE9}"/>
-              </a:ext>
-            </a:extLst>
-          </p:cNvPr>
-          <p:cNvSpPr>
-            <a:spLocks noGrp="1"/>
-          </p:cNvSpPr>
-          <p:nvPr>
-            <p:ph type="title"/>
-          </p:nvPr>
-        </p:nvSpPr>
-        <p:spPr/>
-        <p:txBody>
-          <a:bodyPr/>
-          <a:lstStyle/>
-          <a:p>
-            <a:r>
-              <a:rPr lang="de-DE" cap="none" dirty="0"/>
-              <a:t>Release- und </a:t>
-            </a:r>
-            <a:r>
-              <a:rPr lang="de-DE" cap="none" dirty="0" err="1"/>
-              <a:t>Tagged</a:t>
-            </a:r>
-            <a:r>
-              <a:rPr lang="de-DE" cap="none" dirty="0"/>
-              <a:t>-Images</a:t>
-            </a:r>
-            <a:endParaRPr lang="de-DE" dirty="0"/>
-          </a:p>
-        </p:txBody>
-      </p:sp>
-      <p:sp>
-        <p:nvSpPr>
-          <p:cNvPr id="3" name="Inhaltsplatzhalter 2">
-            <a:extLst>
-              <a:ext uri="{FF2B5EF4-FFF2-40B4-BE49-F238E27FC236}">
-                <a16:creationId xmlns:a16="http://schemas.microsoft.com/office/drawing/2014/main" id="{01B30DD9-6590-DB7B-37D7-65618A4BAC0E}"/>
-              </a:ext>
-            </a:extLst>
-          </p:cNvPr>
-          <p:cNvSpPr>
-            <a:spLocks noGrp="1"/>
-          </p:cNvSpPr>
-          <p:nvPr>
-            <p:ph idx="1"/>
-          </p:nvPr>
-        </p:nvSpPr>
-        <p:spPr/>
-        <p:txBody>
-          <a:bodyPr/>
-          <a:lstStyle/>
-          <a:p>
-            <a:pPr marL="0" indent="0">
-              <a:buNone/>
-            </a:pPr>
-            <a:r>
-              <a:rPr lang="en-US" sz="2000" b="1" dirty="0" err="1"/>
-              <a:t>Beispiel</a:t>
-            </a:r>
-            <a:r>
-              <a:rPr lang="en-US" sz="2000" b="1" dirty="0"/>
-              <a:t>: Docker-in-Docker Container Image (</a:t>
-            </a:r>
-            <a:r>
-              <a:rPr lang="en-US" sz="2000" b="1" dirty="0">
-                <a:solidFill>
-                  <a:srgbClr val="0249FC"/>
-                </a:solidFill>
-              </a:rPr>
-              <a:t>Container Registry</a:t>
-            </a:r>
-            <a:r>
-              <a:rPr lang="en-US" sz="2000" b="1" dirty="0"/>
-              <a:t>)</a:t>
-            </a:r>
-          </a:p>
-          <a:p>
-            <a:pPr marL="0" indent="0">
-              <a:buNone/>
-            </a:pPr>
-            <a:r>
-              <a:rPr lang="en-US" sz="2000" dirty="0" err="1"/>
-              <a:t>Eigene</a:t>
-            </a:r>
-            <a:r>
-              <a:rPr lang="en-US" sz="2000" dirty="0"/>
-              <a:t> Container Images </a:t>
-            </a:r>
-            <a:r>
-              <a:rPr lang="en-US" sz="2000" dirty="0" err="1"/>
-              <a:t>mit</a:t>
-            </a:r>
-            <a:r>
-              <a:rPr lang="en-US" sz="2000" dirty="0"/>
-              <a:t> Docker-in-Docker </a:t>
-            </a:r>
-            <a:r>
-              <a:rPr lang="en-US" sz="2000" dirty="0" err="1"/>
-              <a:t>bauen</a:t>
-            </a:r>
-            <a:endParaRPr lang="en-US" sz="2000" dirty="0"/>
-          </a:p>
-          <a:p>
-            <a:pPr marL="457200" indent="-457200">
-              <a:buFont typeface="+mj-lt"/>
-              <a:buAutoNum type="arabicPeriod"/>
-            </a:pPr>
-            <a:r>
-              <a:rPr lang="en-US" sz="2000" dirty="0"/>
-              <a:t>Docker-in-Docker </a:t>
-            </a:r>
-            <a:r>
-              <a:rPr lang="en-US" sz="2000" dirty="0" err="1"/>
-              <a:t>einrichten</a:t>
-            </a:r>
-            <a:endParaRPr lang="en-US" sz="2000" dirty="0"/>
-          </a:p>
-          <a:p>
-            <a:pPr marL="457200" indent="-457200">
-              <a:buFont typeface="+mj-lt"/>
-              <a:buAutoNum type="arabicPeriod"/>
-            </a:pPr>
-            <a:r>
-              <a:rPr lang="en-US" sz="2000" dirty="0">
-                <a:solidFill>
-                  <a:srgbClr val="FF0000"/>
-                </a:solidFill>
-                <a:latin typeface="Consolas" panose="020B0609020204030204" pitchFamily="49" charset="0"/>
-              </a:rPr>
-              <a:t>image</a:t>
-            </a:r>
-            <a:r>
-              <a:rPr lang="en-US" sz="2000" dirty="0"/>
-              <a:t> und </a:t>
-            </a:r>
-            <a:r>
-              <a:rPr lang="en-US" sz="2000" dirty="0">
-                <a:solidFill>
-                  <a:srgbClr val="FF0000"/>
-                </a:solidFill>
-                <a:latin typeface="Consolas" panose="020B0609020204030204" pitchFamily="49" charset="0"/>
-              </a:rPr>
-              <a:t>service</a:t>
-            </a:r>
-            <a:r>
-              <a:rPr lang="en-US" sz="2000" dirty="0"/>
-              <a:t> auf </a:t>
-            </a:r>
-            <a:r>
-              <a:rPr lang="en-US" sz="2000" i="1" dirty="0"/>
-              <a:t>docker</a:t>
-            </a:r>
-            <a:r>
-              <a:rPr lang="en-US" sz="2000" dirty="0"/>
-              <a:t> </a:t>
-            </a:r>
-            <a:r>
-              <a:rPr lang="en-US" sz="2000" dirty="0" err="1"/>
-              <a:t>bzw</a:t>
-            </a:r>
-            <a:r>
-              <a:rPr lang="en-US" sz="2000" dirty="0"/>
-              <a:t>. </a:t>
-            </a:r>
-            <a:r>
-              <a:rPr lang="en-US" sz="2000" i="1" dirty="0"/>
-              <a:t>docker-</a:t>
-            </a:r>
-            <a:r>
-              <a:rPr lang="en-US" sz="2000" i="1" dirty="0" err="1"/>
-              <a:t>dind</a:t>
-            </a:r>
-            <a:r>
-              <a:rPr lang="en-US" sz="2000" dirty="0"/>
-              <a:t> Image </a:t>
-            </a:r>
-            <a:r>
-              <a:rPr lang="en-US" sz="2000" dirty="0" err="1"/>
-              <a:t>zeigen</a:t>
-            </a:r>
-            <a:r>
-              <a:rPr lang="en-US" sz="2000" dirty="0"/>
-              <a:t> </a:t>
-            </a:r>
-            <a:r>
-              <a:rPr lang="en-US" sz="2000" dirty="0" err="1"/>
-              <a:t>lassen</a:t>
-            </a:r>
-            <a:endParaRPr lang="en-US" sz="2000" dirty="0"/>
-          </a:p>
-          <a:p>
-            <a:pPr marL="457200" indent="-457200">
-              <a:buFont typeface="+mj-lt"/>
-              <a:buAutoNum type="arabicPeriod"/>
-            </a:pPr>
-            <a:r>
-              <a:rPr lang="en-US" sz="2000" dirty="0">
-                <a:solidFill>
-                  <a:srgbClr val="FF0000"/>
-                </a:solidFill>
-                <a:latin typeface="Consolas" panose="020B0609020204030204" pitchFamily="49" charset="0"/>
-              </a:rPr>
-              <a:t>alias</a:t>
-            </a:r>
-            <a:r>
-              <a:rPr lang="en-US" sz="2000" dirty="0"/>
-              <a:t> für </a:t>
-            </a:r>
-            <a:r>
-              <a:rPr lang="en-US" sz="2000" i="1" dirty="0"/>
-              <a:t>docker-</a:t>
-            </a:r>
-            <a:r>
-              <a:rPr lang="en-US" sz="2000" i="1" dirty="0" err="1"/>
-              <a:t>dind</a:t>
-            </a:r>
-            <a:r>
-              <a:rPr lang="en-US" sz="2000" dirty="0"/>
-              <a:t> </a:t>
-            </a:r>
-            <a:r>
-              <a:rPr lang="en-US" sz="2000" dirty="0" err="1"/>
-              <a:t>definieren</a:t>
-            </a:r>
-            <a:endParaRPr lang="en-US" sz="2000" dirty="0">
-              <a:latin typeface="Consolas" panose="020B0609020204030204" pitchFamily="49" charset="0"/>
-            </a:endParaRPr>
-          </a:p>
-          <a:p>
-            <a:pPr marL="457200" indent="-457200">
-              <a:buFont typeface="+mj-lt"/>
-              <a:buAutoNum type="arabicPeriod"/>
-            </a:pPr>
-            <a:endParaRPr lang="en-US" sz="2000" dirty="0">
-              <a:latin typeface="Consolas" panose="020B0609020204030204" pitchFamily="49" charset="0"/>
-            </a:endParaRPr>
-          </a:p>
-          <a:p>
-            <a:pPr marL="0" indent="0">
-              <a:buNone/>
-            </a:pPr>
-            <a:r>
-              <a:rPr lang="en-US" sz="1800" dirty="0">
-                <a:latin typeface="Consolas" panose="020B0609020204030204" pitchFamily="49" charset="0"/>
-              </a:rPr>
-              <a:t>.</a:t>
-            </a:r>
-            <a:r>
-              <a:rPr lang="en-US" sz="1800" dirty="0" err="1">
-                <a:latin typeface="Consolas" panose="020B0609020204030204" pitchFamily="49" charset="0"/>
-              </a:rPr>
-              <a:t>gitlab-ci.yml</a:t>
-            </a:r>
-            <a:endParaRPr lang="en-US" sz="1800" dirty="0">
-              <a:latin typeface="Consolas" panose="020B0609020204030204" pitchFamily="49" charset="0"/>
-            </a:endParaRPr>
-          </a:p>
-          <a:p>
-            <a:pPr marL="0" marR="0" lvl="0" indent="0" algn="l" defTabSz="914400" rtl="0" eaLnBrk="1" fontAlgn="base" latinLnBrk="0" hangingPunct="1">
-              <a:lnSpc>
-                <a:spcPct val="100000"/>
-              </a:lnSpc>
-              <a:spcBef>
-                <a:spcPct val="20000"/>
-              </a:spcBef>
-              <a:spcAft>
-                <a:spcPct val="0"/>
-              </a:spcAft>
-              <a:buClr>
-                <a:srgbClr val="008C5A"/>
-              </a:buClr>
-              <a:buSzTx/>
-              <a:buFont typeface="Monotype Sorts" pitchFamily="2" charset="2"/>
-              <a:buNone/>
-              <a:tabLst/>
-              <a:defRPr/>
-            </a:pPr>
-            <a:r>
-              <a:rPr kumimoji="0" lang="en-US" sz="1400" b="0" i="0" u="none" strike="noStrike" kern="0" cap="none" spc="0" normalizeH="0" baseline="0" noProof="0" dirty="0">
-                <a:ln>
-                  <a:noFill/>
-                </a:ln>
-                <a:solidFill>
-                  <a:srgbClr val="000000"/>
-                </a:solidFill>
-                <a:effectLst/>
-                <a:uLnTx/>
-                <a:uFillTx/>
-                <a:latin typeface="Consolas" panose="020B0609020204030204" pitchFamily="49" charset="0"/>
-                <a:ea typeface="+mn-ea"/>
-                <a:cs typeface="+mn-cs"/>
-              </a:rPr>
-              <a:t>build:</a:t>
-            </a:r>
-          </a:p>
-          <a:p>
-            <a:pPr marL="0" marR="0" lvl="0" indent="0" algn="l" defTabSz="914400" rtl="0" eaLnBrk="1" fontAlgn="base" latinLnBrk="0" hangingPunct="1">
-              <a:lnSpc>
-                <a:spcPct val="100000"/>
-              </a:lnSpc>
-              <a:spcBef>
-                <a:spcPct val="20000"/>
-              </a:spcBef>
-              <a:spcAft>
-                <a:spcPct val="0"/>
-              </a:spcAft>
-              <a:buClr>
-                <a:srgbClr val="008C5A"/>
-              </a:buClr>
-              <a:buSzTx/>
-              <a:buFont typeface="Monotype Sorts" pitchFamily="2" charset="2"/>
-              <a:buNone/>
-              <a:tabLst/>
-              <a:defRPr/>
-            </a:pPr>
-            <a:r>
-              <a:rPr kumimoji="0" lang="en-US" sz="1400" b="0" i="0" u="none" strike="noStrike" kern="0" cap="none" spc="0" normalizeH="0" baseline="0" noProof="0" dirty="0">
-                <a:ln>
-                  <a:noFill/>
-                </a:ln>
-                <a:solidFill>
-                  <a:srgbClr val="FF0000"/>
-                </a:solidFill>
-                <a:effectLst/>
-                <a:uLnTx/>
-                <a:uFillTx/>
-                <a:latin typeface="Consolas" panose="020B0609020204030204" pitchFamily="49" charset="0"/>
-                <a:ea typeface="+mn-ea"/>
-                <a:cs typeface="+mn-cs"/>
-              </a:rPr>
-              <a:t>  image</a:t>
-            </a:r>
-            <a:r>
-              <a:rPr kumimoji="0" lang="en-US" sz="1400" b="0" i="0" u="none" strike="noStrike" kern="0" cap="none" spc="0" normalizeH="0" baseline="0" noProof="0" dirty="0">
-                <a:ln>
-                  <a:noFill/>
-                </a:ln>
-                <a:solidFill>
-                  <a:srgbClr val="000000"/>
-                </a:solidFill>
-                <a:effectLst/>
-                <a:uLnTx/>
-                <a:uFillTx/>
-                <a:latin typeface="Consolas" panose="020B0609020204030204" pitchFamily="49" charset="0"/>
-                <a:ea typeface="+mn-ea"/>
-                <a:cs typeface="+mn-cs"/>
-              </a:rPr>
-              <a:t>: </a:t>
-            </a:r>
-            <a:r>
-              <a:rPr kumimoji="0" lang="en-US" sz="1400" b="0" i="0" u="none" strike="noStrike" kern="0" cap="none" spc="0" normalizeH="0" baseline="0" noProof="0" dirty="0">
-                <a:ln>
-                  <a:noFill/>
-                </a:ln>
-                <a:solidFill>
-                  <a:srgbClr val="0249FC"/>
-                </a:solidFill>
-                <a:effectLst/>
-                <a:uLnTx/>
-                <a:uFillTx/>
-                <a:latin typeface="Consolas" panose="020B0609020204030204" pitchFamily="49" charset="0"/>
-                <a:ea typeface="+mn-ea"/>
-                <a:cs typeface="+mn-cs"/>
-              </a:rPr>
-              <a:t>$CI_REGISTRY</a:t>
-            </a:r>
-            <a:r>
-              <a:rPr kumimoji="0" lang="en-US" sz="1400" b="0" i="0" u="none" strike="noStrike" kern="0" cap="none" spc="0" normalizeH="0" baseline="0" noProof="0" dirty="0">
-                <a:ln>
-                  <a:noFill/>
-                </a:ln>
-                <a:solidFill>
-                  <a:srgbClr val="000000"/>
-                </a:solidFill>
-                <a:effectLst/>
-                <a:uLnTx/>
-                <a:uFillTx/>
-                <a:latin typeface="Consolas" panose="020B0609020204030204" pitchFamily="49" charset="0"/>
-                <a:ea typeface="+mn-ea"/>
-                <a:cs typeface="+mn-cs"/>
-              </a:rPr>
-              <a:t>/group/project/docker:20.10.16</a:t>
-            </a:r>
-          </a:p>
-          <a:p>
-            <a:pPr marL="0" marR="0" lvl="0" indent="0" algn="l" defTabSz="914400" rtl="0" eaLnBrk="1" fontAlgn="base" latinLnBrk="0" hangingPunct="1">
-              <a:lnSpc>
-                <a:spcPct val="100000"/>
-              </a:lnSpc>
-              <a:spcBef>
-                <a:spcPct val="20000"/>
-              </a:spcBef>
-              <a:spcAft>
-                <a:spcPct val="0"/>
-              </a:spcAft>
-              <a:buClr>
-                <a:srgbClr val="008C5A"/>
-              </a:buClr>
-              <a:buSzTx/>
-              <a:buFont typeface="Monotype Sorts" pitchFamily="2" charset="2"/>
-              <a:buNone/>
-              <a:tabLst/>
-              <a:defRPr/>
-            </a:pPr>
-            <a:r>
-              <a:rPr kumimoji="0" lang="en-US" sz="1400" b="0" i="0" u="none" strike="noStrike" kern="0" cap="none" spc="0" normalizeH="0" baseline="0" noProof="0" dirty="0">
-                <a:ln>
-                  <a:noFill/>
-                </a:ln>
-                <a:solidFill>
-                  <a:srgbClr val="000000"/>
-                </a:solidFill>
-                <a:effectLst/>
-                <a:uLnTx/>
-                <a:uFillTx/>
-                <a:latin typeface="Consolas" panose="020B0609020204030204" pitchFamily="49" charset="0"/>
-                <a:ea typeface="+mn-ea"/>
-                <a:cs typeface="+mn-cs"/>
-              </a:rPr>
-              <a:t>  </a:t>
-            </a:r>
-            <a:r>
-              <a:rPr kumimoji="0" lang="en-US" sz="1400" b="0" i="0" u="none" strike="noStrike" kern="0" cap="none" spc="0" normalizeH="0" baseline="0" noProof="0" dirty="0">
-                <a:ln>
-                  <a:noFill/>
-                </a:ln>
-                <a:solidFill>
-                  <a:srgbClr val="FF0000"/>
-                </a:solidFill>
-                <a:effectLst/>
-                <a:uLnTx/>
-                <a:uFillTx/>
-                <a:latin typeface="Consolas" panose="020B0609020204030204" pitchFamily="49" charset="0"/>
-                <a:ea typeface="+mn-ea"/>
-                <a:cs typeface="+mn-cs"/>
-              </a:rPr>
-              <a:t>services</a:t>
-            </a:r>
-            <a:r>
-              <a:rPr kumimoji="0" lang="en-US" sz="1400" b="0" i="0" u="none" strike="noStrike" kern="0" cap="none" spc="0" normalizeH="0" baseline="0" noProof="0" dirty="0">
-                <a:ln>
-                  <a:noFill/>
-                </a:ln>
-                <a:solidFill>
-                  <a:srgbClr val="000000"/>
-                </a:solidFill>
-                <a:effectLst/>
-                <a:uLnTx/>
-                <a:uFillTx/>
-                <a:latin typeface="Consolas" panose="020B0609020204030204" pitchFamily="49" charset="0"/>
-                <a:ea typeface="+mn-ea"/>
-                <a:cs typeface="+mn-cs"/>
-              </a:rPr>
-              <a:t>:</a:t>
-            </a:r>
-          </a:p>
-          <a:p>
-            <a:pPr marL="0" marR="0" lvl="0" indent="0" algn="l" defTabSz="914400" rtl="0" eaLnBrk="1" fontAlgn="base" latinLnBrk="0" hangingPunct="1">
-              <a:lnSpc>
-                <a:spcPct val="100000"/>
-              </a:lnSpc>
-              <a:spcBef>
-                <a:spcPct val="20000"/>
-              </a:spcBef>
-              <a:spcAft>
-                <a:spcPct val="0"/>
-              </a:spcAft>
-              <a:buClr>
-                <a:srgbClr val="008C5A"/>
-              </a:buClr>
-              <a:buSzTx/>
-              <a:buFont typeface="Monotype Sorts" pitchFamily="2" charset="2"/>
-              <a:buNone/>
-              <a:tabLst/>
-              <a:defRPr/>
-            </a:pPr>
-            <a:r>
-              <a:rPr kumimoji="0" lang="en-US" sz="1400" b="0" i="0" u="none" strike="noStrike" kern="0" cap="none" spc="0" normalizeH="0" baseline="0" noProof="0" dirty="0">
-                <a:ln>
-                  <a:noFill/>
-                </a:ln>
-                <a:solidFill>
-                  <a:srgbClr val="000000"/>
-                </a:solidFill>
-                <a:effectLst/>
-                <a:uLnTx/>
-                <a:uFillTx/>
-                <a:latin typeface="Consolas" panose="020B0609020204030204" pitchFamily="49" charset="0"/>
-                <a:ea typeface="+mn-ea"/>
-                <a:cs typeface="+mn-cs"/>
-              </a:rPr>
-              <a:t>    - name: </a:t>
-            </a:r>
-            <a:r>
-              <a:rPr kumimoji="0" lang="en-US" sz="1400" b="0" i="0" u="none" strike="noStrike" kern="0" cap="none" spc="0" normalizeH="0" baseline="0" noProof="0" dirty="0">
-                <a:ln>
-                  <a:noFill/>
-                </a:ln>
-                <a:solidFill>
-                  <a:srgbClr val="0249FC"/>
-                </a:solidFill>
-                <a:effectLst/>
-                <a:uLnTx/>
-                <a:uFillTx/>
-                <a:latin typeface="Consolas" panose="020B0609020204030204" pitchFamily="49" charset="0"/>
-                <a:ea typeface="+mn-ea"/>
-                <a:cs typeface="+mn-cs"/>
-              </a:rPr>
-              <a:t>$CI_REGISTRY</a:t>
-            </a:r>
-            <a:r>
-              <a:rPr kumimoji="0" lang="en-US" sz="1400" b="0" i="0" u="none" strike="noStrike" kern="0" cap="none" spc="0" normalizeH="0" baseline="0" noProof="0" dirty="0">
-                <a:ln>
-                  <a:noFill/>
-                </a:ln>
-                <a:solidFill>
-                  <a:srgbClr val="000000"/>
-                </a:solidFill>
-                <a:effectLst/>
-                <a:uLnTx/>
-                <a:uFillTx/>
-                <a:latin typeface="Consolas" panose="020B0609020204030204" pitchFamily="49" charset="0"/>
-                <a:ea typeface="+mn-ea"/>
-                <a:cs typeface="+mn-cs"/>
-              </a:rPr>
-              <a:t>/group/project/docker:20.10.16-dind</a:t>
-            </a:r>
-          </a:p>
-          <a:p>
-            <a:pPr marL="0" marR="0" lvl="0" indent="0" algn="l" defTabSz="914400" rtl="0" eaLnBrk="1" fontAlgn="base" latinLnBrk="0" hangingPunct="1">
-              <a:lnSpc>
-                <a:spcPct val="100000"/>
-              </a:lnSpc>
-              <a:spcBef>
-                <a:spcPct val="20000"/>
-              </a:spcBef>
-              <a:spcAft>
-                <a:spcPct val="0"/>
-              </a:spcAft>
-              <a:buClr>
-                <a:srgbClr val="008C5A"/>
-              </a:buClr>
-              <a:buSzTx/>
-              <a:buFont typeface="Monotype Sorts" pitchFamily="2" charset="2"/>
-              <a:buNone/>
-              <a:tabLst/>
-              <a:defRPr/>
-            </a:pPr>
-            <a:r>
-              <a:rPr kumimoji="0" lang="en-US" sz="1400" b="0" i="0" u="none" strike="noStrike" kern="0" cap="none" spc="0" normalizeH="0" baseline="0" noProof="0" dirty="0">
-                <a:ln>
-                  <a:noFill/>
-                </a:ln>
-                <a:solidFill>
-                  <a:srgbClr val="000000"/>
-                </a:solidFill>
-                <a:effectLst/>
-                <a:uLnTx/>
-                <a:uFillTx/>
-                <a:latin typeface="Consolas" panose="020B0609020204030204" pitchFamily="49" charset="0"/>
-                <a:ea typeface="+mn-ea"/>
-                <a:cs typeface="+mn-cs"/>
-              </a:rPr>
-              <a:t>      </a:t>
-            </a:r>
-            <a:r>
-              <a:rPr kumimoji="0" lang="en-US" sz="1400" b="0" i="0" u="none" strike="noStrike" kern="0" cap="none" spc="0" normalizeH="0" baseline="0" noProof="0" dirty="0">
-                <a:ln>
-                  <a:noFill/>
-                </a:ln>
-                <a:solidFill>
-                  <a:srgbClr val="FF0000"/>
-                </a:solidFill>
-                <a:effectLst/>
-                <a:uLnTx/>
-                <a:uFillTx/>
-                <a:latin typeface="Consolas" panose="020B0609020204030204" pitchFamily="49" charset="0"/>
-                <a:ea typeface="+mn-ea"/>
-                <a:cs typeface="+mn-cs"/>
-              </a:rPr>
-              <a:t>alias</a:t>
-            </a:r>
-            <a:r>
-              <a:rPr kumimoji="0" lang="en-US" sz="1400" b="0" i="0" u="none" strike="noStrike" kern="0" cap="none" spc="0" normalizeH="0" baseline="0" noProof="0" dirty="0">
-                <a:ln>
-                  <a:noFill/>
-                </a:ln>
-                <a:solidFill>
-                  <a:srgbClr val="000000"/>
-                </a:solidFill>
-                <a:effectLst/>
-                <a:uLnTx/>
-                <a:uFillTx/>
-                <a:latin typeface="Consolas" panose="020B0609020204030204" pitchFamily="49" charset="0"/>
-                <a:ea typeface="+mn-ea"/>
-                <a:cs typeface="+mn-cs"/>
-              </a:rPr>
-              <a:t>: docker</a:t>
-            </a:r>
-          </a:p>
-          <a:p>
-            <a:pPr marL="0" marR="0" lvl="0" indent="0" algn="l" defTabSz="914400" rtl="0" eaLnBrk="1" fontAlgn="base" latinLnBrk="0" hangingPunct="1">
-              <a:lnSpc>
-                <a:spcPct val="100000"/>
-              </a:lnSpc>
-              <a:spcBef>
-                <a:spcPct val="20000"/>
-              </a:spcBef>
-              <a:spcAft>
-                <a:spcPct val="0"/>
-              </a:spcAft>
-              <a:buClr>
-                <a:srgbClr val="008C5A"/>
-              </a:buClr>
-              <a:buSzTx/>
-              <a:buFont typeface="Monotype Sorts" pitchFamily="2" charset="2"/>
-              <a:buNone/>
-              <a:tabLst/>
-              <a:defRPr/>
-            </a:pPr>
-            <a:r>
-              <a:rPr kumimoji="0" lang="en-US" sz="1400" b="0" i="0" u="none" strike="noStrike" kern="0" cap="none" spc="0" normalizeH="0" baseline="0" noProof="0" dirty="0">
-                <a:ln>
-                  <a:noFill/>
-                </a:ln>
-                <a:solidFill>
-                  <a:srgbClr val="000000"/>
-                </a:solidFill>
-                <a:effectLst/>
-                <a:uLnTx/>
-                <a:uFillTx/>
-                <a:latin typeface="Consolas" panose="020B0609020204030204" pitchFamily="49" charset="0"/>
-                <a:ea typeface="+mn-ea"/>
-                <a:cs typeface="+mn-cs"/>
-              </a:rPr>
-              <a:t>  stage: build</a:t>
-            </a:r>
-          </a:p>
-          <a:p>
-            <a:pPr marL="0" marR="0" lvl="0" indent="0" algn="l" defTabSz="914400" rtl="0" eaLnBrk="1" fontAlgn="base" latinLnBrk="0" hangingPunct="1">
-              <a:lnSpc>
-                <a:spcPct val="100000"/>
-              </a:lnSpc>
-              <a:spcBef>
-                <a:spcPct val="20000"/>
-              </a:spcBef>
-              <a:spcAft>
-                <a:spcPct val="0"/>
-              </a:spcAft>
-              <a:buClr>
-                <a:srgbClr val="008C5A"/>
-              </a:buClr>
-              <a:buSzTx/>
-              <a:buFont typeface="Monotype Sorts" pitchFamily="2" charset="2"/>
-              <a:buNone/>
-              <a:tabLst/>
-              <a:defRPr/>
-            </a:pPr>
-            <a:r>
-              <a:rPr kumimoji="0" lang="en-US" sz="1400" b="0" i="0" u="none" strike="noStrike" kern="0" cap="none" spc="0" normalizeH="0" baseline="0" noProof="0" dirty="0">
-                <a:ln>
-                  <a:noFill/>
-                </a:ln>
-                <a:solidFill>
-                  <a:srgbClr val="000000"/>
-                </a:solidFill>
-                <a:effectLst/>
-                <a:uLnTx/>
-                <a:uFillTx/>
-                <a:latin typeface="Consolas" panose="020B0609020204030204" pitchFamily="49" charset="0"/>
-                <a:ea typeface="+mn-ea"/>
-                <a:cs typeface="+mn-cs"/>
-              </a:rPr>
-              <a:t>  script:</a:t>
-            </a:r>
-          </a:p>
-          <a:p>
-            <a:pPr marL="0" marR="0" lvl="0" indent="0" algn="l" defTabSz="914400" rtl="0" eaLnBrk="1" fontAlgn="base" latinLnBrk="0" hangingPunct="1">
-              <a:lnSpc>
-                <a:spcPct val="100000"/>
-              </a:lnSpc>
-              <a:spcBef>
-                <a:spcPct val="20000"/>
-              </a:spcBef>
-              <a:spcAft>
-                <a:spcPct val="0"/>
-              </a:spcAft>
-              <a:buClr>
-                <a:srgbClr val="008C5A"/>
-              </a:buClr>
-              <a:buSzTx/>
-              <a:buFont typeface="Monotype Sorts" pitchFamily="2" charset="2"/>
-              <a:buNone/>
-              <a:tabLst/>
-              <a:defRPr/>
-            </a:pPr>
-            <a:r>
-              <a:rPr kumimoji="0" lang="en-US" sz="1400" b="0" i="0" u="none" strike="noStrike" kern="0" cap="none" spc="0" normalizeH="0" baseline="0" noProof="0" dirty="0">
-                <a:ln>
-                  <a:noFill/>
-                </a:ln>
-                <a:solidFill>
-                  <a:srgbClr val="000000"/>
-                </a:solidFill>
-                <a:effectLst/>
-                <a:uLnTx/>
-                <a:uFillTx/>
-                <a:latin typeface="Consolas" panose="020B0609020204030204" pitchFamily="49" charset="0"/>
-                <a:ea typeface="+mn-ea"/>
-                <a:cs typeface="+mn-cs"/>
-              </a:rPr>
-              <a:t>    - docker build -t my-docker-image .</a:t>
-            </a:r>
-          </a:p>
-          <a:p>
-            <a:pPr marL="0" marR="0" lvl="0" indent="0" algn="l" defTabSz="914400" rtl="0" eaLnBrk="1" fontAlgn="base" latinLnBrk="0" hangingPunct="1">
-              <a:lnSpc>
-                <a:spcPct val="100000"/>
-              </a:lnSpc>
-              <a:spcBef>
-                <a:spcPct val="20000"/>
-              </a:spcBef>
-              <a:spcAft>
-                <a:spcPct val="0"/>
-              </a:spcAft>
-              <a:buClr>
-                <a:srgbClr val="008C5A"/>
-              </a:buClr>
-              <a:buSzTx/>
-              <a:buFont typeface="Monotype Sorts" pitchFamily="2" charset="2"/>
-              <a:buNone/>
-              <a:tabLst/>
-              <a:defRPr/>
-            </a:pPr>
-            <a:r>
-              <a:rPr kumimoji="0" lang="en-US" sz="1400" b="0" i="0" u="none" strike="noStrike" kern="0" cap="none" spc="0" normalizeH="0" baseline="0" noProof="0" dirty="0">
-                <a:ln>
-                  <a:noFill/>
-                </a:ln>
-                <a:solidFill>
-                  <a:srgbClr val="000000"/>
-                </a:solidFill>
-                <a:effectLst/>
-                <a:uLnTx/>
-                <a:uFillTx/>
-                <a:latin typeface="Consolas" panose="020B0609020204030204" pitchFamily="49" charset="0"/>
-                <a:ea typeface="+mn-ea"/>
-                <a:cs typeface="+mn-cs"/>
-              </a:rPr>
-              <a:t>    - docker run my-docker-image /script/to/run/tests</a:t>
-            </a:r>
-            <a:endParaRPr kumimoji="0" lang="en-US" sz="1600" b="0" i="0" u="none" strike="noStrike" kern="0" cap="none" spc="0" normalizeH="0" baseline="0" noProof="0" dirty="0">
-              <a:ln>
-                <a:noFill/>
-              </a:ln>
-              <a:solidFill>
-                <a:srgbClr val="000000"/>
-              </a:solidFill>
-              <a:effectLst/>
-              <a:uLnTx/>
-              <a:uFillTx/>
-              <a:latin typeface="Consolas" panose="020B0609020204030204" pitchFamily="49" charset="0"/>
-              <a:ea typeface="+mn-ea"/>
-              <a:cs typeface="+mn-cs"/>
-            </a:endParaRPr>
-          </a:p>
-        </p:txBody>
-      </p:sp>
-    </p:spTree>
-    <p:extLst>
-      <p:ext uri="{BB962C8B-B14F-4D97-AF65-F5344CB8AC3E}">
-        <p14:creationId xmlns:p14="http://schemas.microsoft.com/office/powerpoint/2010/main" val="1268780306"/>
       </p:ext>
     </p:extLst>
   </p:cSld>
@@ -12075,6 +11623,167 @@
               <a:buNone/>
             </a:pPr>
             <a:r>
+              <a:rPr lang="en-US" sz="2000" dirty="0" err="1"/>
+              <a:t>Eigene</a:t>
+            </a:r>
+            <a:r>
+              <a:rPr lang="en-US" sz="2000" dirty="0"/>
+              <a:t> Container Images </a:t>
+            </a:r>
+            <a:r>
+              <a:rPr lang="en-US" sz="2000" dirty="0" err="1"/>
+              <a:t>mit</a:t>
+            </a:r>
+            <a:r>
+              <a:rPr lang="en-US" sz="2000" dirty="0"/>
+              <a:t> Docker-in-Docker </a:t>
+            </a:r>
+            <a:r>
+              <a:rPr lang="en-US" sz="2000" dirty="0" err="1"/>
+              <a:t>bauen</a:t>
+            </a:r>
+            <a:endParaRPr lang="en-US" sz="2000" dirty="0"/>
+          </a:p>
+          <a:p>
+            <a:pPr marL="457200" indent="-457200">
+              <a:buFont typeface="+mj-lt"/>
+              <a:buAutoNum type="arabicPeriod"/>
+            </a:pPr>
+            <a:r>
+              <a:rPr lang="en-US" sz="2000" dirty="0"/>
+              <a:t>Docker-in-Docker </a:t>
+            </a:r>
+            <a:r>
+              <a:rPr lang="en-US" sz="2000" dirty="0" err="1"/>
+              <a:t>einrichten</a:t>
+            </a:r>
+            <a:endParaRPr lang="en-US" sz="2000" dirty="0"/>
+          </a:p>
+          <a:p>
+            <a:pPr marL="457200" indent="-457200">
+              <a:buFont typeface="+mj-lt"/>
+              <a:buAutoNum type="arabicPeriod"/>
+            </a:pPr>
+            <a:r>
+              <a:rPr lang="en-US" sz="2000" dirty="0">
+                <a:solidFill>
+                  <a:srgbClr val="FF0000"/>
+                </a:solidFill>
+                <a:latin typeface="Consolas" panose="020B0609020204030204" pitchFamily="49" charset="0"/>
+              </a:rPr>
+              <a:t>image</a:t>
+            </a:r>
+            <a:r>
+              <a:rPr lang="en-US" sz="2000" dirty="0"/>
+              <a:t> und </a:t>
+            </a:r>
+            <a:r>
+              <a:rPr lang="en-US" sz="2000" dirty="0">
+                <a:solidFill>
+                  <a:srgbClr val="FF0000"/>
+                </a:solidFill>
+                <a:latin typeface="Consolas" panose="020B0609020204030204" pitchFamily="49" charset="0"/>
+              </a:rPr>
+              <a:t>service</a:t>
+            </a:r>
+            <a:r>
+              <a:rPr lang="en-US" sz="2000" dirty="0"/>
+              <a:t> auf </a:t>
+            </a:r>
+            <a:r>
+              <a:rPr lang="en-US" sz="2000" i="1" dirty="0"/>
+              <a:t>docker</a:t>
+            </a:r>
+            <a:r>
+              <a:rPr lang="en-US" sz="2000" dirty="0"/>
+              <a:t> </a:t>
+            </a:r>
+            <a:r>
+              <a:rPr lang="en-US" sz="2000" dirty="0" err="1"/>
+              <a:t>bzw</a:t>
+            </a:r>
+            <a:r>
+              <a:rPr lang="en-US" sz="2000" dirty="0"/>
+              <a:t>. </a:t>
+            </a:r>
+            <a:r>
+              <a:rPr lang="en-US" sz="2000" i="1" dirty="0"/>
+              <a:t>docker-</a:t>
+            </a:r>
+            <a:r>
+              <a:rPr lang="en-US" sz="2000" i="1" dirty="0" err="1"/>
+              <a:t>dind</a:t>
+            </a:r>
+            <a:r>
+              <a:rPr lang="en-US" sz="2000" dirty="0"/>
+              <a:t> Image </a:t>
+            </a:r>
+            <a:r>
+              <a:rPr lang="en-US" sz="2000" dirty="0" err="1"/>
+              <a:t>zeigen</a:t>
+            </a:r>
+            <a:r>
+              <a:rPr lang="en-US" sz="2000" dirty="0"/>
+              <a:t> </a:t>
+            </a:r>
+            <a:r>
+              <a:rPr lang="en-US" sz="2000" dirty="0" err="1"/>
+              <a:t>lassen</a:t>
+            </a:r>
+            <a:endParaRPr lang="en-US" sz="2000" dirty="0"/>
+          </a:p>
+          <a:p>
+            <a:pPr marL="457200" indent="-457200">
+              <a:buFont typeface="+mj-lt"/>
+              <a:buAutoNum type="arabicPeriod"/>
+            </a:pPr>
+            <a:r>
+              <a:rPr lang="en-US" sz="2000" dirty="0">
+                <a:solidFill>
+                  <a:srgbClr val="FF0000"/>
+                </a:solidFill>
+                <a:latin typeface="Consolas" panose="020B0609020204030204" pitchFamily="49" charset="0"/>
+              </a:rPr>
+              <a:t>alias</a:t>
+            </a:r>
+            <a:r>
+              <a:rPr lang="en-US" sz="2000" dirty="0"/>
+              <a:t> für </a:t>
+            </a:r>
+            <a:r>
+              <a:rPr lang="en-US" sz="2000" i="1" dirty="0"/>
+              <a:t>docker-</a:t>
+            </a:r>
+            <a:r>
+              <a:rPr lang="en-US" sz="2000" i="1" dirty="0" err="1"/>
+              <a:t>dind</a:t>
+            </a:r>
+            <a:r>
+              <a:rPr lang="en-US" sz="2000" dirty="0"/>
+              <a:t> </a:t>
+            </a:r>
+            <a:r>
+              <a:rPr lang="en-US" sz="2000" dirty="0" err="1"/>
+              <a:t>definieren</a:t>
+            </a:r>
+            <a:endParaRPr lang="en-US" sz="2000" dirty="0">
+              <a:latin typeface="Consolas" panose="020B0609020204030204" pitchFamily="49" charset="0"/>
+            </a:endParaRPr>
+          </a:p>
+          <a:p>
+            <a:pPr marL="457200" indent="-457200">
+              <a:buFont typeface="+mj-lt"/>
+              <a:buAutoNum type="arabicPeriod"/>
+            </a:pPr>
+            <a:endParaRPr lang="en-US" sz="2000" dirty="0">
+              <a:latin typeface="Consolas" panose="020B0609020204030204" pitchFamily="49" charset="0"/>
+            </a:endParaRPr>
+          </a:p>
+          <a:p>
+            <a:pPr marL="0" indent="0">
+              <a:buNone/>
+            </a:pPr>
+            <a:r>
               <a:rPr lang="en-US" sz="1800" dirty="0">
                 <a:latin typeface="Consolas" panose="020B0609020204030204" pitchFamily="49" charset="0"/>
               </a:rPr>
@@ -12584,166 +12293,19 @@
               </a:rPr>
               <a:t>    - docker run my-docker-image /script/to/run/tests</a:t>
             </a:r>
-          </a:p>
-          <a:p>
-            <a:pPr marL="0" indent="0">
-              <a:buNone/>
-            </a:pPr>
-            <a:endParaRPr lang="en-US" sz="1400" dirty="0">
+            <a:endParaRPr kumimoji="0" lang="en-US" sz="1600" b="0" i="0" u="none" strike="noStrike" kern="0" cap="none" spc="0" normalizeH="0" baseline="0" noProof="0" dirty="0">
+              <a:ln>
+                <a:noFill/>
+              </a:ln>
+              <a:solidFill>
+                <a:srgbClr val="000000"/>
+              </a:solidFill>
+              <a:effectLst/>
+              <a:uLnTx/>
+              <a:uFillTx/>
               <a:latin typeface="Consolas" panose="020B0609020204030204" pitchFamily="49" charset="0"/>
-            </a:endParaRPr>
-          </a:p>
-          <a:p>
-            <a:pPr>
-              <a:buFont typeface="Arial" panose="020B0604020202020204" pitchFamily="34" charset="0"/>
-              <a:buChar char="•"/>
-            </a:pPr>
-            <a:r>
-              <a:rPr lang="en-US" sz="1800" dirty="0" err="1">
-                <a:latin typeface="+mj-lt"/>
-              </a:rPr>
-              <a:t>Ohne</a:t>
-            </a:r>
-            <a:r>
-              <a:rPr lang="en-US" sz="1800" dirty="0">
-                <a:latin typeface="+mj-lt"/>
-              </a:rPr>
-              <a:t> </a:t>
-            </a:r>
-            <a:r>
-              <a:rPr lang="en-US" sz="1800" dirty="0">
-                <a:solidFill>
-                  <a:srgbClr val="FF0000"/>
-                </a:solidFill>
-                <a:latin typeface="+mj-lt"/>
-              </a:rPr>
-              <a:t>alias </a:t>
-            </a:r>
-            <a:r>
-              <a:rPr lang="en-US" sz="1800" dirty="0" err="1">
-                <a:latin typeface="+mj-lt"/>
-              </a:rPr>
-              <a:t>kann</a:t>
-            </a:r>
-            <a:r>
-              <a:rPr lang="en-US" sz="1800" dirty="0">
-                <a:latin typeface="+mj-lt"/>
-              </a:rPr>
-              <a:t> das </a:t>
-            </a:r>
-            <a:r>
-              <a:rPr lang="en-US" sz="1800" i="1" dirty="0">
-                <a:latin typeface="+mj-lt"/>
-              </a:rPr>
-              <a:t>docker</a:t>
-            </a:r>
-            <a:r>
-              <a:rPr lang="en-US" sz="1800" dirty="0">
-                <a:latin typeface="+mj-lt"/>
-              </a:rPr>
-              <a:t> Container Image </a:t>
-            </a:r>
-            <a:r>
-              <a:rPr lang="en-US" sz="1800" dirty="0" err="1">
-                <a:latin typeface="+mj-lt"/>
-              </a:rPr>
-              <a:t>keinen</a:t>
-            </a:r>
-            <a:r>
-              <a:rPr lang="en-US" sz="1800" dirty="0">
-                <a:latin typeface="+mj-lt"/>
-              </a:rPr>
-              <a:t> Docker Host </a:t>
-            </a:r>
-            <a:r>
-              <a:rPr lang="en-US" sz="1800" dirty="0" err="1">
-                <a:latin typeface="+mj-lt"/>
-              </a:rPr>
-              <a:t>finden</a:t>
-            </a:r>
-            <a:r>
-              <a:rPr lang="en-US" sz="1800" dirty="0">
-                <a:latin typeface="+mj-lt"/>
-              </a:rPr>
-              <a:t> und </a:t>
-            </a:r>
-            <a:r>
-              <a:rPr lang="en-US" sz="1800" dirty="0" err="1">
-                <a:latin typeface="+mj-lt"/>
-              </a:rPr>
-              <a:t>folgende</a:t>
-            </a:r>
-            <a:r>
-              <a:rPr lang="en-US" sz="1800" dirty="0">
-                <a:latin typeface="+mj-lt"/>
-              </a:rPr>
-              <a:t> </a:t>
-            </a:r>
-            <a:r>
-              <a:rPr lang="en-US" sz="1800" dirty="0" err="1">
-                <a:latin typeface="+mj-lt"/>
-              </a:rPr>
-              <a:t>Fehlermeldung</a:t>
-            </a:r>
-            <a:r>
-              <a:rPr lang="en-US" sz="1800" dirty="0">
-                <a:latin typeface="+mj-lt"/>
-              </a:rPr>
-              <a:t> </a:t>
-            </a:r>
-            <a:r>
-              <a:rPr lang="en-US" sz="1800" dirty="0" err="1">
-                <a:latin typeface="+mj-lt"/>
-              </a:rPr>
-              <a:t>erscheint</a:t>
-            </a:r>
-            <a:r>
-              <a:rPr lang="en-US" sz="1800" dirty="0">
-                <a:latin typeface="+mj-lt"/>
-              </a:rPr>
-              <a:t>:</a:t>
-            </a:r>
-          </a:p>
-          <a:p>
-            <a:pPr lvl="1">
-              <a:buFont typeface="Arial" panose="020B0604020202020204" pitchFamily="34" charset="0"/>
-              <a:buChar char="•"/>
-            </a:pPr>
-            <a:r>
-              <a:rPr lang="en-US" sz="1400" dirty="0">
-                <a:latin typeface="Consolas" panose="020B0609020204030204" pitchFamily="49" charset="0"/>
-              </a:rPr>
-              <a:t>error during connect: Get http://docker:2376/v1.39/info: dial </a:t>
-            </a:r>
-            <a:r>
-              <a:rPr lang="en-US" sz="1400" dirty="0" err="1">
-                <a:latin typeface="Consolas" panose="020B0609020204030204" pitchFamily="49" charset="0"/>
-              </a:rPr>
-              <a:t>tcp</a:t>
-            </a:r>
-            <a:r>
-              <a:rPr lang="en-US" sz="1400" dirty="0">
-                <a:latin typeface="Consolas" panose="020B0609020204030204" pitchFamily="49" charset="0"/>
-              </a:rPr>
-              <a:t>: lookup docker on 192.168.0.1:53: no such host</a:t>
-            </a:r>
-          </a:p>
-          <a:p>
-            <a:pPr lvl="1">
-              <a:buFont typeface="Arial" panose="020B0604020202020204" pitchFamily="34" charset="0"/>
-              <a:buChar char="•"/>
-            </a:pPr>
-            <a:endParaRPr lang="en-US" sz="1400" dirty="0">
-              <a:latin typeface="Consolas" panose="020B0609020204030204" pitchFamily="49" charset="0"/>
-            </a:endParaRPr>
-          </a:p>
-          <a:p>
-            <a:pPr lvl="1">
-              <a:buFont typeface="Arial" panose="020B0604020202020204" pitchFamily="34" charset="0"/>
-              <a:buChar char="•"/>
-            </a:pPr>
-            <a:endParaRPr lang="en-US" sz="1400" dirty="0">
-              <a:latin typeface="Consolas" panose="020B0609020204030204" pitchFamily="49" charset="0"/>
+              <a:ea typeface="+mn-ea"/>
+              <a:cs typeface="+mn-cs"/>
             </a:endParaRPr>
           </a:p>
         </p:txBody>
@@ -12751,7 +12313,7 @@
     </p:spTree>
     <p:extLst>
       <p:ext uri="{BB962C8B-B14F-4D97-AF65-F5344CB8AC3E}">
-        <p14:creationId xmlns:p14="http://schemas.microsoft.com/office/powerpoint/2010/main" val="1566046787"/>
+        <p14:creationId xmlns:p14="http://schemas.microsoft.com/office/powerpoint/2010/main" val="1268780306"/>
       </p:ext>
     </p:extLst>
   </p:cSld>
@@ -12783,7 +12345,7 @@
           <p:cNvPr id="2" name="Titel 1">
             <a:extLst>
               <a:ext uri="{FF2B5EF4-FFF2-40B4-BE49-F238E27FC236}">
-                <a16:creationId xmlns:a16="http://schemas.microsoft.com/office/drawing/2014/main" id="{DB1F447C-2F61-B060-8EFE-D98620927A6E}"/>
+                <a16:creationId xmlns:a16="http://schemas.microsoft.com/office/drawing/2014/main" id="{021C1D90-AB38-D152-26B9-E4AB49CCFEE9}"/>
               </a:ext>
             </a:extLst>
           </p:cNvPr>
@@ -12820,7 +12382,7 @@
           <p:cNvPr id="3" name="Inhaltsplatzhalter 2">
             <a:extLst>
               <a:ext uri="{FF2B5EF4-FFF2-40B4-BE49-F238E27FC236}">
-                <a16:creationId xmlns:a16="http://schemas.microsoft.com/office/drawing/2014/main" id="{68EC2247-CA50-F34D-5B3B-2171A8AD687B}"/>
+                <a16:creationId xmlns:a16="http://schemas.microsoft.com/office/drawing/2014/main" id="{01B30DD9-6590-DB7B-37D7-65618A4BAC0E}"/>
               </a:ext>
             </a:extLst>
           </p:cNvPr>
@@ -12840,13 +12402,556 @@
               <a:buNone/>
             </a:pPr>
             <a:r>
-              <a:rPr lang="de-DE" b="1" dirty="0" err="1"/>
-              <a:t>Dependency</a:t>
-            </a:r>
-            <a:r>
-              <a:rPr lang="de-DE" b="1" dirty="0"/>
-              <a:t> Proxy</a:t>
-            </a:r>
+              <a:rPr lang="en-US" sz="2000" b="1" dirty="0" err="1"/>
+              <a:t>Beispiel</a:t>
+            </a:r>
+            <a:r>
+              <a:rPr lang="en-US" sz="2000" b="1" dirty="0"/>
+              <a:t>: Docker-in-Docker Container Image (</a:t>
+            </a:r>
+            <a:r>
+              <a:rPr lang="en-US" sz="2000" b="1" dirty="0">
+                <a:solidFill>
+                  <a:srgbClr val="0249FC"/>
+                </a:solidFill>
+              </a:rPr>
+              <a:t>Container Registry</a:t>
+            </a:r>
+            <a:r>
+              <a:rPr lang="en-US" sz="2000" b="1" dirty="0"/>
+              <a:t>)</a:t>
+            </a:r>
+          </a:p>
+          <a:p>
+            <a:pPr marL="0" indent="0">
+              <a:buNone/>
+            </a:pPr>
+            <a:r>
+              <a:rPr lang="en-US" sz="1800" dirty="0">
+                <a:latin typeface="Consolas" panose="020B0609020204030204" pitchFamily="49" charset="0"/>
+              </a:rPr>
+              <a:t>.</a:t>
+            </a:r>
+            <a:r>
+              <a:rPr lang="en-US" sz="1800" dirty="0" err="1">
+                <a:latin typeface="Consolas" panose="020B0609020204030204" pitchFamily="49" charset="0"/>
+              </a:rPr>
+              <a:t>gitlab-ci.yml</a:t>
+            </a:r>
+            <a:endParaRPr lang="en-US" sz="1800" dirty="0">
+              <a:latin typeface="Consolas" panose="020B0609020204030204" pitchFamily="49" charset="0"/>
+            </a:endParaRPr>
+          </a:p>
+          <a:p>
+            <a:pPr marL="0" indent="0">
+              <a:buNone/>
+            </a:pPr>
+            <a:endParaRPr lang="en-US" sz="1800" dirty="0">
+              <a:latin typeface="Consolas" panose="020B0609020204030204" pitchFamily="49" charset="0"/>
+            </a:endParaRPr>
+          </a:p>
+          <a:p>
+            <a:pPr marL="0" marR="0" lvl="0" indent="0" algn="l" defTabSz="914400" rtl="0" eaLnBrk="1" fontAlgn="base" latinLnBrk="0" hangingPunct="1">
+              <a:lnSpc>
+                <a:spcPct val="100000"/>
+              </a:lnSpc>
+              <a:spcBef>
+                <a:spcPct val="20000"/>
+              </a:spcBef>
+              <a:spcAft>
+                <a:spcPct val="0"/>
+              </a:spcAft>
+              <a:buClr>
+                <a:srgbClr val="008C5A"/>
+              </a:buClr>
+              <a:buSzTx/>
+              <a:buFont typeface="Monotype Sorts" pitchFamily="2" charset="2"/>
+              <a:buNone/>
+              <a:tabLst/>
+              <a:defRPr/>
+            </a:pPr>
+            <a:r>
+              <a:rPr kumimoji="0" lang="en-US" sz="1400" b="0" i="0" u="none" strike="noStrike" kern="0" cap="none" spc="0" normalizeH="0" baseline="0" noProof="0" dirty="0">
+                <a:ln>
+                  <a:noFill/>
+                </a:ln>
+                <a:solidFill>
+                  <a:srgbClr val="000000"/>
+                </a:solidFill>
+                <a:effectLst/>
+                <a:uLnTx/>
+                <a:uFillTx/>
+                <a:latin typeface="Consolas" panose="020B0609020204030204" pitchFamily="49" charset="0"/>
+                <a:ea typeface="+mn-ea"/>
+                <a:cs typeface="+mn-cs"/>
+              </a:rPr>
+              <a:t>build:</a:t>
+            </a:r>
+          </a:p>
+          <a:p>
+            <a:pPr marL="0" marR="0" lvl="0" indent="0" algn="l" defTabSz="914400" rtl="0" eaLnBrk="1" fontAlgn="base" latinLnBrk="0" hangingPunct="1">
+              <a:lnSpc>
+                <a:spcPct val="100000"/>
+              </a:lnSpc>
+              <a:spcBef>
+                <a:spcPct val="20000"/>
+              </a:spcBef>
+              <a:spcAft>
+                <a:spcPct val="0"/>
+              </a:spcAft>
+              <a:buClr>
+                <a:srgbClr val="008C5A"/>
+              </a:buClr>
+              <a:buSzTx/>
+              <a:buFont typeface="Monotype Sorts" pitchFamily="2" charset="2"/>
+              <a:buNone/>
+              <a:tabLst/>
+              <a:defRPr/>
+            </a:pPr>
+            <a:r>
+              <a:rPr kumimoji="0" lang="en-US" sz="1400" b="0" i="0" u="none" strike="noStrike" kern="0" cap="none" spc="0" normalizeH="0" baseline="0" noProof="0" dirty="0">
+                <a:ln>
+                  <a:noFill/>
+                </a:ln>
+                <a:solidFill>
+                  <a:srgbClr val="FF0000"/>
+                </a:solidFill>
+                <a:effectLst/>
+                <a:uLnTx/>
+                <a:uFillTx/>
+                <a:latin typeface="Consolas" panose="020B0609020204030204" pitchFamily="49" charset="0"/>
+                <a:ea typeface="+mn-ea"/>
+                <a:cs typeface="+mn-cs"/>
+              </a:rPr>
+              <a:t>  image</a:t>
+            </a:r>
+            <a:r>
+              <a:rPr kumimoji="0" lang="en-US" sz="1400" b="0" i="0" u="none" strike="noStrike" kern="0" cap="none" spc="0" normalizeH="0" baseline="0" noProof="0" dirty="0">
+                <a:ln>
+                  <a:noFill/>
+                </a:ln>
+                <a:solidFill>
+                  <a:srgbClr val="000000"/>
+                </a:solidFill>
+                <a:effectLst/>
+                <a:uLnTx/>
+                <a:uFillTx/>
+                <a:latin typeface="Consolas" panose="020B0609020204030204" pitchFamily="49" charset="0"/>
+                <a:ea typeface="+mn-ea"/>
+                <a:cs typeface="+mn-cs"/>
+              </a:rPr>
+              <a:t>: </a:t>
+            </a:r>
+            <a:r>
+              <a:rPr kumimoji="0" lang="en-US" sz="1400" b="0" i="0" u="none" strike="noStrike" kern="0" cap="none" spc="0" normalizeH="0" baseline="0" noProof="0" dirty="0">
+                <a:ln>
+                  <a:noFill/>
+                </a:ln>
+                <a:solidFill>
+                  <a:srgbClr val="0249FC"/>
+                </a:solidFill>
+                <a:effectLst/>
+                <a:uLnTx/>
+                <a:uFillTx/>
+                <a:latin typeface="Consolas" panose="020B0609020204030204" pitchFamily="49" charset="0"/>
+                <a:ea typeface="+mn-ea"/>
+                <a:cs typeface="+mn-cs"/>
+              </a:rPr>
+              <a:t>$CI_REGISTRY</a:t>
+            </a:r>
+            <a:r>
+              <a:rPr kumimoji="0" lang="en-US" sz="1400" b="0" i="0" u="none" strike="noStrike" kern="0" cap="none" spc="0" normalizeH="0" baseline="0" noProof="0" dirty="0">
+                <a:ln>
+                  <a:noFill/>
+                </a:ln>
+                <a:solidFill>
+                  <a:srgbClr val="000000"/>
+                </a:solidFill>
+                <a:effectLst/>
+                <a:uLnTx/>
+                <a:uFillTx/>
+                <a:latin typeface="Consolas" panose="020B0609020204030204" pitchFamily="49" charset="0"/>
+                <a:ea typeface="+mn-ea"/>
+                <a:cs typeface="+mn-cs"/>
+              </a:rPr>
+              <a:t>/group/project/docker:20.10.16</a:t>
+            </a:r>
+          </a:p>
+          <a:p>
+            <a:pPr marL="0" marR="0" lvl="0" indent="0" algn="l" defTabSz="914400" rtl="0" eaLnBrk="1" fontAlgn="base" latinLnBrk="0" hangingPunct="1">
+              <a:lnSpc>
+                <a:spcPct val="100000"/>
+              </a:lnSpc>
+              <a:spcBef>
+                <a:spcPct val="20000"/>
+              </a:spcBef>
+              <a:spcAft>
+                <a:spcPct val="0"/>
+              </a:spcAft>
+              <a:buClr>
+                <a:srgbClr val="008C5A"/>
+              </a:buClr>
+              <a:buSzTx/>
+              <a:buFont typeface="Monotype Sorts" pitchFamily="2" charset="2"/>
+              <a:buNone/>
+              <a:tabLst/>
+              <a:defRPr/>
+            </a:pPr>
+            <a:r>
+              <a:rPr kumimoji="0" lang="en-US" sz="1400" b="0" i="0" u="none" strike="noStrike" kern="0" cap="none" spc="0" normalizeH="0" baseline="0" noProof="0" dirty="0">
+                <a:ln>
+                  <a:noFill/>
+                </a:ln>
+                <a:solidFill>
+                  <a:srgbClr val="000000"/>
+                </a:solidFill>
+                <a:effectLst/>
+                <a:uLnTx/>
+                <a:uFillTx/>
+                <a:latin typeface="Consolas" panose="020B0609020204030204" pitchFamily="49" charset="0"/>
+                <a:ea typeface="+mn-ea"/>
+                <a:cs typeface="+mn-cs"/>
+              </a:rPr>
+              <a:t>  </a:t>
+            </a:r>
+            <a:r>
+              <a:rPr kumimoji="0" lang="en-US" sz="1400" b="0" i="0" u="none" strike="noStrike" kern="0" cap="none" spc="0" normalizeH="0" baseline="0" noProof="0" dirty="0">
+                <a:ln>
+                  <a:noFill/>
+                </a:ln>
+                <a:solidFill>
+                  <a:srgbClr val="FF0000"/>
+                </a:solidFill>
+                <a:effectLst/>
+                <a:uLnTx/>
+                <a:uFillTx/>
+                <a:latin typeface="Consolas" panose="020B0609020204030204" pitchFamily="49" charset="0"/>
+                <a:ea typeface="+mn-ea"/>
+                <a:cs typeface="+mn-cs"/>
+              </a:rPr>
+              <a:t>services</a:t>
+            </a:r>
+            <a:r>
+              <a:rPr kumimoji="0" lang="en-US" sz="1400" b="0" i="0" u="none" strike="noStrike" kern="0" cap="none" spc="0" normalizeH="0" baseline="0" noProof="0" dirty="0">
+                <a:ln>
+                  <a:noFill/>
+                </a:ln>
+                <a:solidFill>
+                  <a:srgbClr val="000000"/>
+                </a:solidFill>
+                <a:effectLst/>
+                <a:uLnTx/>
+                <a:uFillTx/>
+                <a:latin typeface="Consolas" panose="020B0609020204030204" pitchFamily="49" charset="0"/>
+                <a:ea typeface="+mn-ea"/>
+                <a:cs typeface="+mn-cs"/>
+              </a:rPr>
+              <a:t>:</a:t>
+            </a:r>
+          </a:p>
+          <a:p>
+            <a:pPr marL="0" marR="0" lvl="0" indent="0" algn="l" defTabSz="914400" rtl="0" eaLnBrk="1" fontAlgn="base" latinLnBrk="0" hangingPunct="1">
+              <a:lnSpc>
+                <a:spcPct val="100000"/>
+              </a:lnSpc>
+              <a:spcBef>
+                <a:spcPct val="20000"/>
+              </a:spcBef>
+              <a:spcAft>
+                <a:spcPct val="0"/>
+              </a:spcAft>
+              <a:buClr>
+                <a:srgbClr val="008C5A"/>
+              </a:buClr>
+              <a:buSzTx/>
+              <a:buFont typeface="Monotype Sorts" pitchFamily="2" charset="2"/>
+              <a:buNone/>
+              <a:tabLst/>
+              <a:defRPr/>
+            </a:pPr>
+            <a:r>
+              <a:rPr kumimoji="0" lang="en-US" sz="1400" b="0" i="0" u="none" strike="noStrike" kern="0" cap="none" spc="0" normalizeH="0" baseline="0" noProof="0" dirty="0">
+                <a:ln>
+                  <a:noFill/>
+                </a:ln>
+                <a:solidFill>
+                  <a:srgbClr val="000000"/>
+                </a:solidFill>
+                <a:effectLst/>
+                <a:uLnTx/>
+                <a:uFillTx/>
+                <a:latin typeface="Consolas" panose="020B0609020204030204" pitchFamily="49" charset="0"/>
+                <a:ea typeface="+mn-ea"/>
+                <a:cs typeface="+mn-cs"/>
+              </a:rPr>
+              <a:t>    - name: </a:t>
+            </a:r>
+            <a:r>
+              <a:rPr kumimoji="0" lang="en-US" sz="1400" b="0" i="0" u="none" strike="noStrike" kern="0" cap="none" spc="0" normalizeH="0" baseline="0" noProof="0" dirty="0">
+                <a:ln>
+                  <a:noFill/>
+                </a:ln>
+                <a:solidFill>
+                  <a:srgbClr val="0249FC"/>
+                </a:solidFill>
+                <a:effectLst/>
+                <a:uLnTx/>
+                <a:uFillTx/>
+                <a:latin typeface="Consolas" panose="020B0609020204030204" pitchFamily="49" charset="0"/>
+                <a:ea typeface="+mn-ea"/>
+                <a:cs typeface="+mn-cs"/>
+              </a:rPr>
+              <a:t>$CI_REGISTRY</a:t>
+            </a:r>
+            <a:r>
+              <a:rPr kumimoji="0" lang="en-US" sz="1400" b="0" i="0" u="none" strike="noStrike" kern="0" cap="none" spc="0" normalizeH="0" baseline="0" noProof="0" dirty="0">
+                <a:ln>
+                  <a:noFill/>
+                </a:ln>
+                <a:solidFill>
+                  <a:srgbClr val="000000"/>
+                </a:solidFill>
+                <a:effectLst/>
+                <a:uLnTx/>
+                <a:uFillTx/>
+                <a:latin typeface="Consolas" panose="020B0609020204030204" pitchFamily="49" charset="0"/>
+                <a:ea typeface="+mn-ea"/>
+                <a:cs typeface="+mn-cs"/>
+              </a:rPr>
+              <a:t>/group/project/docker:20.10.16-dind</a:t>
+            </a:r>
+          </a:p>
+          <a:p>
+            <a:pPr marL="0" marR="0" lvl="0" indent="0" algn="l" defTabSz="914400" rtl="0" eaLnBrk="1" fontAlgn="base" latinLnBrk="0" hangingPunct="1">
+              <a:lnSpc>
+                <a:spcPct val="100000"/>
+              </a:lnSpc>
+              <a:spcBef>
+                <a:spcPct val="20000"/>
+              </a:spcBef>
+              <a:spcAft>
+                <a:spcPct val="0"/>
+              </a:spcAft>
+              <a:buClr>
+                <a:srgbClr val="008C5A"/>
+              </a:buClr>
+              <a:buSzTx/>
+              <a:buFont typeface="Monotype Sorts" pitchFamily="2" charset="2"/>
+              <a:buNone/>
+              <a:tabLst/>
+              <a:defRPr/>
+            </a:pPr>
+            <a:r>
+              <a:rPr kumimoji="0" lang="en-US" sz="1400" b="0" i="0" u="none" strike="noStrike" kern="0" cap="none" spc="0" normalizeH="0" baseline="0" noProof="0" dirty="0">
+                <a:ln>
+                  <a:noFill/>
+                </a:ln>
+                <a:solidFill>
+                  <a:srgbClr val="000000"/>
+                </a:solidFill>
+                <a:effectLst/>
+                <a:uLnTx/>
+                <a:uFillTx/>
+                <a:latin typeface="Consolas" panose="020B0609020204030204" pitchFamily="49" charset="0"/>
+                <a:ea typeface="+mn-ea"/>
+                <a:cs typeface="+mn-cs"/>
+              </a:rPr>
+              <a:t>      </a:t>
+            </a:r>
+            <a:r>
+              <a:rPr kumimoji="0" lang="en-US" sz="1400" b="0" i="0" u="none" strike="noStrike" kern="0" cap="none" spc="0" normalizeH="0" baseline="0" noProof="0" dirty="0">
+                <a:ln>
+                  <a:noFill/>
+                </a:ln>
+                <a:solidFill>
+                  <a:srgbClr val="FF0000"/>
+                </a:solidFill>
+                <a:effectLst/>
+                <a:uLnTx/>
+                <a:uFillTx/>
+                <a:latin typeface="Consolas" panose="020B0609020204030204" pitchFamily="49" charset="0"/>
+                <a:ea typeface="+mn-ea"/>
+                <a:cs typeface="+mn-cs"/>
+              </a:rPr>
+              <a:t>alias</a:t>
+            </a:r>
+            <a:r>
+              <a:rPr kumimoji="0" lang="en-US" sz="1400" b="0" i="0" u="none" strike="noStrike" kern="0" cap="none" spc="0" normalizeH="0" baseline="0" noProof="0" dirty="0">
+                <a:ln>
+                  <a:noFill/>
+                </a:ln>
+                <a:solidFill>
+                  <a:srgbClr val="000000"/>
+                </a:solidFill>
+                <a:effectLst/>
+                <a:uLnTx/>
+                <a:uFillTx/>
+                <a:latin typeface="Consolas" panose="020B0609020204030204" pitchFamily="49" charset="0"/>
+                <a:ea typeface="+mn-ea"/>
+                <a:cs typeface="+mn-cs"/>
+              </a:rPr>
+              <a:t>: docker</a:t>
+            </a:r>
+          </a:p>
+          <a:p>
+            <a:pPr marL="0" marR="0" lvl="0" indent="0" algn="l" defTabSz="914400" rtl="0" eaLnBrk="1" fontAlgn="base" latinLnBrk="0" hangingPunct="1">
+              <a:lnSpc>
+                <a:spcPct val="100000"/>
+              </a:lnSpc>
+              <a:spcBef>
+                <a:spcPct val="20000"/>
+              </a:spcBef>
+              <a:spcAft>
+                <a:spcPct val="0"/>
+              </a:spcAft>
+              <a:buClr>
+                <a:srgbClr val="008C5A"/>
+              </a:buClr>
+              <a:buSzTx/>
+              <a:buFont typeface="Monotype Sorts" pitchFamily="2" charset="2"/>
+              <a:buNone/>
+              <a:tabLst/>
+              <a:defRPr/>
+            </a:pPr>
+            <a:r>
+              <a:rPr kumimoji="0" lang="en-US" sz="1400" b="0" i="0" u="none" strike="noStrike" kern="0" cap="none" spc="0" normalizeH="0" baseline="0" noProof="0" dirty="0">
+                <a:ln>
+                  <a:noFill/>
+                </a:ln>
+                <a:solidFill>
+                  <a:srgbClr val="000000"/>
+                </a:solidFill>
+                <a:effectLst/>
+                <a:uLnTx/>
+                <a:uFillTx/>
+                <a:latin typeface="Consolas" panose="020B0609020204030204" pitchFamily="49" charset="0"/>
+                <a:ea typeface="+mn-ea"/>
+                <a:cs typeface="+mn-cs"/>
+              </a:rPr>
+              <a:t>  stage: build</a:t>
+            </a:r>
+          </a:p>
+          <a:p>
+            <a:pPr marL="0" marR="0" lvl="0" indent="0" algn="l" defTabSz="914400" rtl="0" eaLnBrk="1" fontAlgn="base" latinLnBrk="0" hangingPunct="1">
+              <a:lnSpc>
+                <a:spcPct val="100000"/>
+              </a:lnSpc>
+              <a:spcBef>
+                <a:spcPct val="20000"/>
+              </a:spcBef>
+              <a:spcAft>
+                <a:spcPct val="0"/>
+              </a:spcAft>
+              <a:buClr>
+                <a:srgbClr val="008C5A"/>
+              </a:buClr>
+              <a:buSzTx/>
+              <a:buFont typeface="Monotype Sorts" pitchFamily="2" charset="2"/>
+              <a:buNone/>
+              <a:tabLst/>
+              <a:defRPr/>
+            </a:pPr>
+            <a:r>
+              <a:rPr kumimoji="0" lang="en-US" sz="1400" b="0" i="0" u="none" strike="noStrike" kern="0" cap="none" spc="0" normalizeH="0" baseline="0" noProof="0" dirty="0">
+                <a:ln>
+                  <a:noFill/>
+                </a:ln>
+                <a:solidFill>
+                  <a:srgbClr val="000000"/>
+                </a:solidFill>
+                <a:effectLst/>
+                <a:uLnTx/>
+                <a:uFillTx/>
+                <a:latin typeface="Consolas" panose="020B0609020204030204" pitchFamily="49" charset="0"/>
+                <a:ea typeface="+mn-ea"/>
+                <a:cs typeface="+mn-cs"/>
+              </a:rPr>
+              <a:t>  script:</a:t>
+            </a:r>
+          </a:p>
+          <a:p>
+            <a:pPr marL="0" marR="0" lvl="0" indent="0" algn="l" defTabSz="914400" rtl="0" eaLnBrk="1" fontAlgn="base" latinLnBrk="0" hangingPunct="1">
+              <a:lnSpc>
+                <a:spcPct val="100000"/>
+              </a:lnSpc>
+              <a:spcBef>
+                <a:spcPct val="20000"/>
+              </a:spcBef>
+              <a:spcAft>
+                <a:spcPct val="0"/>
+              </a:spcAft>
+              <a:buClr>
+                <a:srgbClr val="008C5A"/>
+              </a:buClr>
+              <a:buSzTx/>
+              <a:buFont typeface="Monotype Sorts" pitchFamily="2" charset="2"/>
+              <a:buNone/>
+              <a:tabLst/>
+              <a:defRPr/>
+            </a:pPr>
+            <a:r>
+              <a:rPr kumimoji="0" lang="en-US" sz="1400" b="0" i="0" u="none" strike="noStrike" kern="0" cap="none" spc="0" normalizeH="0" baseline="0" noProof="0" dirty="0">
+                <a:ln>
+                  <a:noFill/>
+                </a:ln>
+                <a:solidFill>
+                  <a:srgbClr val="000000"/>
+                </a:solidFill>
+                <a:effectLst/>
+                <a:uLnTx/>
+                <a:uFillTx/>
+                <a:latin typeface="Consolas" panose="020B0609020204030204" pitchFamily="49" charset="0"/>
+                <a:ea typeface="+mn-ea"/>
+                <a:cs typeface="+mn-cs"/>
+              </a:rPr>
+              <a:t>    - docker build -t my-docker-image .</a:t>
+            </a:r>
+          </a:p>
+          <a:p>
+            <a:pPr marL="0" marR="0" lvl="0" indent="0" algn="l" defTabSz="914400" rtl="0" eaLnBrk="1" fontAlgn="base" latinLnBrk="0" hangingPunct="1">
+              <a:lnSpc>
+                <a:spcPct val="100000"/>
+              </a:lnSpc>
+              <a:spcBef>
+                <a:spcPct val="20000"/>
+              </a:spcBef>
+              <a:spcAft>
+                <a:spcPct val="0"/>
+              </a:spcAft>
+              <a:buClr>
+                <a:srgbClr val="008C5A"/>
+              </a:buClr>
+              <a:buSzTx/>
+              <a:buFont typeface="Monotype Sorts" pitchFamily="2" charset="2"/>
+              <a:buNone/>
+              <a:tabLst/>
+              <a:defRPr/>
+            </a:pPr>
+            <a:r>
+              <a:rPr kumimoji="0" lang="en-US" sz="1400" b="0" i="0" u="none" strike="noStrike" kern="0" cap="none" spc="0" normalizeH="0" baseline="0" noProof="0" dirty="0">
+                <a:ln>
+                  <a:noFill/>
+                </a:ln>
+                <a:solidFill>
+                  <a:srgbClr val="000000"/>
+                </a:solidFill>
+                <a:effectLst/>
+                <a:uLnTx/>
+                <a:uFillTx/>
+                <a:latin typeface="Consolas" panose="020B0609020204030204" pitchFamily="49" charset="0"/>
+                <a:ea typeface="+mn-ea"/>
+                <a:cs typeface="+mn-cs"/>
+              </a:rPr>
+              <a:t>    - docker run my-docker-image /script/to/run/tests</a:t>
+            </a:r>
+          </a:p>
+          <a:p>
+            <a:pPr marL="0" indent="0">
+              <a:buNone/>
+            </a:pPr>
+            <a:endParaRPr lang="en-US" sz="1400" dirty="0">
+              <a:latin typeface="Consolas" panose="020B0609020204030204" pitchFamily="49" charset="0"/>
+            </a:endParaRPr>
           </a:p>
           <a:p>
             <a:pPr>
@@ -12854,8 +12959,109 @@
               <a:buChar char="•"/>
             </a:pPr>
             <a:r>
-              <a:rPr lang="de-DE" sz="2000" dirty="0"/>
-              <a:t>Lokaler Proxy</a:t>
+              <a:rPr lang="en-US" sz="1800" dirty="0" err="1">
+                <a:latin typeface="+mj-lt"/>
+              </a:rPr>
+              <a:t>Ohne</a:t>
+            </a:r>
+            <a:r>
+              <a:rPr lang="en-US" sz="1800" dirty="0">
+                <a:latin typeface="+mj-lt"/>
+              </a:rPr>
+              <a:t> </a:t>
+            </a:r>
+            <a:r>
+              <a:rPr lang="en-US" sz="1800" dirty="0">
+                <a:solidFill>
+                  <a:srgbClr val="FF0000"/>
+                </a:solidFill>
+                <a:latin typeface="+mj-lt"/>
+              </a:rPr>
+              <a:t>alias </a:t>
+            </a:r>
+            <a:r>
+              <a:rPr lang="en-US" sz="1800" dirty="0" err="1">
+                <a:latin typeface="+mj-lt"/>
+              </a:rPr>
+              <a:t>kann</a:t>
+            </a:r>
+            <a:r>
+              <a:rPr lang="en-US" sz="1800" dirty="0">
+                <a:latin typeface="+mj-lt"/>
+              </a:rPr>
+              <a:t> das </a:t>
+            </a:r>
+            <a:r>
+              <a:rPr lang="en-US" sz="1800" i="1" dirty="0">
+                <a:latin typeface="+mj-lt"/>
+              </a:rPr>
+              <a:t>docker</a:t>
+            </a:r>
+            <a:r>
+              <a:rPr lang="en-US" sz="1800" dirty="0">
+                <a:latin typeface="+mj-lt"/>
+              </a:rPr>
+              <a:t> Container Image </a:t>
+            </a:r>
+            <a:r>
+              <a:rPr lang="en-US" sz="1800" dirty="0" err="1">
+                <a:latin typeface="+mj-lt"/>
+              </a:rPr>
+              <a:t>keinen</a:t>
+            </a:r>
+            <a:r>
+              <a:rPr lang="en-US" sz="1800" dirty="0">
+                <a:latin typeface="+mj-lt"/>
+              </a:rPr>
+              <a:t> Docker Host </a:t>
+            </a:r>
+            <a:r>
+              <a:rPr lang="en-US" sz="1800" dirty="0" err="1">
+                <a:latin typeface="+mj-lt"/>
+              </a:rPr>
+              <a:t>finden</a:t>
+            </a:r>
+            <a:r>
+              <a:rPr lang="en-US" sz="1800" dirty="0">
+                <a:latin typeface="+mj-lt"/>
+              </a:rPr>
+              <a:t> und </a:t>
+            </a:r>
+            <a:r>
+              <a:rPr lang="en-US" sz="1800" dirty="0" err="1">
+                <a:latin typeface="+mj-lt"/>
+              </a:rPr>
+              <a:t>folgende</a:t>
+            </a:r>
+            <a:r>
+              <a:rPr lang="en-US" sz="1800" dirty="0">
+                <a:latin typeface="+mj-lt"/>
+              </a:rPr>
+              <a:t> </a:t>
+            </a:r>
+            <a:r>
+              <a:rPr lang="en-US" sz="1800" dirty="0" err="1">
+                <a:latin typeface="+mj-lt"/>
+              </a:rPr>
+              <a:t>Fehlermeldung</a:t>
+            </a:r>
+            <a:r>
+              <a:rPr lang="en-US" sz="1800" dirty="0">
+                <a:latin typeface="+mj-lt"/>
+              </a:rPr>
+              <a:t> </a:t>
+            </a:r>
+            <a:r>
+              <a:rPr lang="en-US" sz="1800" dirty="0" err="1">
+                <a:latin typeface="+mj-lt"/>
+              </a:rPr>
+              <a:t>erscheint</a:t>
+            </a:r>
+            <a:r>
+              <a:rPr lang="en-US" sz="1800" dirty="0">
+                <a:latin typeface="+mj-lt"/>
+              </a:rPr>
+              <a:t>:</a:t>
             </a:r>
           </a:p>
           <a:p>
@@ -12864,8 +13070,22 @@
               <a:buChar char="•"/>
             </a:pPr>
             <a:r>
-              <a:rPr lang="de-DE" sz="1800" dirty="0"/>
-              <a:t>Für häufig genutzte Upstream-Images</a:t>
+              <a:rPr lang="en-US" sz="1400" dirty="0">
+                <a:latin typeface="Consolas" panose="020B0609020204030204" pitchFamily="49" charset="0"/>
+              </a:rPr>
+              <a:t>error during connect: Get http://docker:2376/v1.39/info: dial </a:t>
+            </a:r>
+            <a:r>
+              <a:rPr lang="en-US" sz="1400" dirty="0" err="1">
+                <a:latin typeface="Consolas" panose="020B0609020204030204" pitchFamily="49" charset="0"/>
+              </a:rPr>
+              <a:t>tcp</a:t>
+            </a:r>
+            <a:r>
+              <a:rPr lang="en-US" sz="1400" dirty="0">
+                <a:latin typeface="Consolas" panose="020B0609020204030204" pitchFamily="49" charset="0"/>
+              </a:rPr>
+              <a:t>: lookup docker on 192.168.0.1:53: no such host</a:t>
             </a:r>
           </a:p>
           <a:p>
@@ -12873,77 +13093,25 @@
               <a:buFont typeface="Arial" panose="020B0604020202020204" pitchFamily="34" charset="0"/>
               <a:buChar char="•"/>
             </a:pPr>
-            <a:r>
-              <a:rPr lang="de-DE" sz="1800" dirty="0"/>
-              <a:t>pull </a:t>
-            </a:r>
-            <a:r>
-              <a:rPr lang="de-DE" sz="1800" dirty="0" err="1"/>
-              <a:t>through</a:t>
-            </a:r>
-            <a:r>
-              <a:rPr lang="de-DE" sz="1800" dirty="0"/>
-              <a:t> </a:t>
-            </a:r>
-            <a:r>
-              <a:rPr lang="de-DE" sz="1800" dirty="0" err="1"/>
-              <a:t>cache</a:t>
-            </a:r>
-            <a:r>
-              <a:rPr lang="de-DE" sz="1800" dirty="0"/>
-              <a:t> für </a:t>
-            </a:r>
-            <a:r>
-              <a:rPr lang="de-DE" sz="1800" dirty="0" err="1"/>
-              <a:t>DockerHub</a:t>
-            </a:r>
-            <a:endParaRPr lang="de-DE" sz="1800" dirty="0"/>
+            <a:endParaRPr lang="en-US" sz="1400" dirty="0">
+              <a:latin typeface="Consolas" panose="020B0609020204030204" pitchFamily="49" charset="0"/>
+            </a:endParaRPr>
           </a:p>
           <a:p>
             <a:pPr lvl="1">
               <a:buFont typeface="Arial" panose="020B0604020202020204" pitchFamily="34" charset="0"/>
               <a:buChar char="•"/>
             </a:pPr>
-            <a:r>
-              <a:rPr lang="de-DE" sz="1800" dirty="0"/>
-              <a:t>Sicht des Docker Clients: Weitere Registry</a:t>
-            </a:r>
-          </a:p>
-          <a:p>
-            <a:pPr lvl="1">
-              <a:buFont typeface="Arial" panose="020B0604020202020204" pitchFamily="34" charset="0"/>
-              <a:buChar char="•"/>
-            </a:pPr>
-            <a:r>
-              <a:rPr lang="de-DE" sz="1800" dirty="0"/>
-              <a:t>Verbessert Performance bei häufigen </a:t>
-            </a:r>
-            <a:r>
-              <a:rPr lang="de-DE" sz="1800" dirty="0" err="1"/>
-              <a:t>Builds</a:t>
-            </a:r>
-            <a:endParaRPr lang="de-DE" sz="1800" dirty="0"/>
-          </a:p>
-          <a:p>
-            <a:pPr lvl="1">
-              <a:buFont typeface="Arial" panose="020B0604020202020204" pitchFamily="34" charset="0"/>
-              <a:buChar char="•"/>
-            </a:pPr>
-            <a:endParaRPr lang="de-DE" dirty="0"/>
-          </a:p>
-          <a:p>
-            <a:pPr lvl="1">
-              <a:buFont typeface="Arial" panose="020B0604020202020204" pitchFamily="34" charset="0"/>
-              <a:buChar char="•"/>
-            </a:pPr>
-            <a:endParaRPr lang="de-DE" dirty="0"/>
+            <a:endParaRPr lang="en-US" sz="1400" dirty="0">
+              <a:latin typeface="Consolas" panose="020B0609020204030204" pitchFamily="49" charset="0"/>
+            </a:endParaRPr>
           </a:p>
         </p:txBody>
       </p:sp>
     </p:spTree>
     <p:extLst>
       <p:ext uri="{BB962C8B-B14F-4D97-AF65-F5344CB8AC3E}">
-        <p14:creationId xmlns:p14="http://schemas.microsoft.com/office/powerpoint/2010/main" val="844561808"/>
+        <p14:creationId xmlns:p14="http://schemas.microsoft.com/office/powerpoint/2010/main" val="1566046787"/>
       </p:ext>
     </p:extLst>
   </p:cSld>
@@ -13041,19 +13209,20 @@
             </a:r>
           </a:p>
           <a:p>
+            <a:pPr marL="0" indent="0">
+              <a:buNone/>
+            </a:pPr>
+            <a:endParaRPr lang="de-DE" b="1" dirty="0"/>
+          </a:p>
+          <a:p>
             <a:pPr>
               <a:buFont typeface="Arial" panose="020B0604020202020204" pitchFamily="34" charset="0"/>
               <a:buChar char="•"/>
             </a:pPr>
             <a:r>
               <a:rPr lang="de-DE" sz="2000" dirty="0"/>
-              <a:t>Docker Hub Rate </a:t>
-            </a:r>
-            <a:r>
-              <a:rPr lang="de-DE" sz="2000" dirty="0" err="1"/>
-              <a:t>Limiting</a:t>
-            </a:r>
-            <a:endParaRPr lang="de-DE" sz="2000" dirty="0"/>
+              <a:t>Lokaler Proxy</a:t>
+            </a:r>
           </a:p>
           <a:p>
             <a:pPr lvl="1">
@@ -13061,15 +13230,40 @@
               <a:buChar char="•"/>
             </a:pPr>
             <a:r>
-              <a:rPr lang="de-DE" sz="1800" dirty="0">
-                <a:hlinkClick r:id="rId3"/>
-              </a:rPr>
-              <a:t>https://docs.docker.com/docker-hub/download-rate-limit/</a:t>
+              <a:rPr lang="de-DE" sz="1800" dirty="0"/>
+              <a:t>Für häufig genutzte Upstream-Images</a:t>
+            </a:r>
+          </a:p>
+          <a:p>
+            <a:pPr lvl="1">
+              <a:buFont typeface="Arial" panose="020B0604020202020204" pitchFamily="34" charset="0"/>
+              <a:buChar char="•"/>
+            </a:pPr>
+            <a:r>
+              <a:rPr lang="de-DE" sz="1800" dirty="0"/>
+              <a:t>pull </a:t>
+            </a:r>
+            <a:r>
+              <a:rPr lang="de-DE" sz="1800" dirty="0" err="1"/>
+              <a:t>through</a:t>
             </a:r>
             <a:r>
               <a:rPr lang="de-DE" sz="1800" dirty="0"/>
               <a:t> </a:t>
             </a:r>
+            <a:r>
+              <a:rPr lang="de-DE" sz="1800" dirty="0" err="1"/>
+              <a:t>cache</a:t>
+            </a:r>
+            <a:r>
+              <a:rPr lang="de-DE" sz="1800" dirty="0"/>
+              <a:t> für </a:t>
+            </a:r>
+            <a:r>
+              <a:rPr lang="de-DE" sz="1800" dirty="0" err="1"/>
+              <a:t>DockerHub</a:t>
+            </a:r>
+            <a:endParaRPr lang="de-DE" sz="1800" dirty="0"/>
           </a:p>
           <a:p>
             <a:pPr lvl="1">
@@ -13078,151 +13272,23 @@
             </a:pPr>
             <a:r>
               <a:rPr lang="de-DE" sz="1800" dirty="0"/>
-              <a:t>Begrenzt die Image </a:t>
+              <a:t>Sicht des Docker Clients: Weitere Registry</a:t>
+            </a:r>
+          </a:p>
+          <a:p>
+            <a:pPr lvl="1">
+              <a:buFont typeface="Arial" panose="020B0604020202020204" pitchFamily="34" charset="0"/>
+              <a:buChar char="•"/>
+            </a:pPr>
+            <a:r>
+              <a:rPr lang="de-DE" sz="1800" dirty="0"/>
+              <a:t>Verbessert Performance bei häufigen </a:t>
             </a:r>
             <a:r>
               <a:rPr lang="de-DE" sz="1800" dirty="0" err="1"/>
-              <a:t>Pulls</a:t>
+              <a:t>Builds</a:t>
             </a:r>
             <a:endParaRPr lang="de-DE" sz="1800" dirty="0"/>
-          </a:p>
-          <a:p>
-            <a:pPr lvl="1">
-              <a:buFont typeface="Arial" panose="020B0604020202020204" pitchFamily="34" charset="0"/>
-              <a:buChar char="•"/>
-            </a:pPr>
-            <a:r>
-              <a:rPr lang="de-DE" sz="1800" dirty="0"/>
-              <a:t>Pro Commit eine Pipeline angestoßen</a:t>
-            </a:r>
-          </a:p>
-          <a:p>
-            <a:pPr lvl="2">
-              <a:buFont typeface="Arial" panose="020B0604020202020204" pitchFamily="34" charset="0"/>
-              <a:buChar char="•"/>
-            </a:pPr>
-            <a:r>
-              <a:rPr lang="de-DE" sz="1600" dirty="0"/>
-              <a:t>Selbst bei gleichem Image </a:t>
-            </a:r>
-            <a:r>
-              <a:rPr lang="de-DE" sz="1600" dirty="0">
-                <a:sym typeface="Wingdings" panose="05000000000000000000" pitchFamily="2" charset="2"/>
-              </a:rPr>
-              <a:t> Docker Pull Count erhöht durch „manifest </a:t>
-            </a:r>
-            <a:r>
-              <a:rPr lang="de-DE" sz="1600" dirty="0" err="1">
-                <a:sym typeface="Wingdings" panose="05000000000000000000" pitchFamily="2" charset="2"/>
-              </a:rPr>
-              <a:t>requests</a:t>
-            </a:r>
-            <a:r>
-              <a:rPr lang="de-DE" sz="1600" dirty="0">
-                <a:sym typeface="Wingdings" panose="05000000000000000000" pitchFamily="2" charset="2"/>
-              </a:rPr>
-              <a:t>“</a:t>
-            </a:r>
-            <a:endParaRPr lang="de-DE" sz="2000" dirty="0">
-              <a:sym typeface="Wingdings" panose="05000000000000000000" pitchFamily="2" charset="2"/>
-            </a:endParaRPr>
-          </a:p>
-          <a:p>
-            <a:pPr lvl="1">
-              <a:buFont typeface="Arial" panose="020B0604020202020204" pitchFamily="34" charset="0"/>
-              <a:buChar char="•"/>
-            </a:pPr>
-            <a:r>
-              <a:rPr lang="de-DE" sz="1800" dirty="0">
-                <a:sym typeface="Wingdings" panose="05000000000000000000" pitchFamily="2" charset="2"/>
-              </a:rPr>
-              <a:t>Manifest („Inhaltverzeichnis des Images“)</a:t>
-            </a:r>
-          </a:p>
-          <a:p>
-            <a:pPr lvl="2">
-              <a:buFont typeface="Arial" panose="020B0604020202020204" pitchFamily="34" charset="0"/>
-              <a:buChar char="•"/>
-            </a:pPr>
-            <a:r>
-              <a:rPr lang="de-DE" sz="1600" dirty="0">
-                <a:sym typeface="Wingdings" panose="05000000000000000000" pitchFamily="2" charset="2"/>
-              </a:rPr>
-              <a:t>Informationen über </a:t>
-            </a:r>
-            <a:r>
-              <a:rPr lang="de-DE" sz="1600" dirty="0" err="1">
-                <a:sym typeface="Wingdings" panose="05000000000000000000" pitchFamily="2" charset="2"/>
-              </a:rPr>
-              <a:t>Layers</a:t>
-            </a:r>
-            <a:r>
-              <a:rPr lang="de-DE" sz="1600" dirty="0">
-                <a:sym typeface="Wingdings" panose="05000000000000000000" pitchFamily="2" charset="2"/>
-              </a:rPr>
-              <a:t> und Blobs des Images</a:t>
-            </a:r>
-            <a:endParaRPr lang="de-DE" sz="1600" dirty="0"/>
-          </a:p>
-          <a:p>
-            <a:pPr>
-              <a:buFont typeface="Arial" panose="020B0604020202020204" pitchFamily="34" charset="0"/>
-              <a:buChar char="•"/>
-            </a:pPr>
-            <a:endParaRPr lang="de-DE" sz="2000" dirty="0"/>
-          </a:p>
-          <a:p>
-            <a:pPr>
-              <a:buFont typeface="Arial" panose="020B0604020202020204" pitchFamily="34" charset="0"/>
-              <a:buChar char="•"/>
-            </a:pPr>
-            <a:r>
-              <a:rPr lang="de-DE" sz="2000" dirty="0" err="1"/>
-              <a:t>Dependency</a:t>
-            </a:r>
-            <a:r>
-              <a:rPr lang="de-DE" sz="2000" dirty="0"/>
-              <a:t> Proxy </a:t>
-            </a:r>
-            <a:r>
-              <a:rPr lang="de-DE" sz="2000" dirty="0" err="1"/>
-              <a:t>GitLab</a:t>
-            </a:r>
-            <a:r>
-              <a:rPr lang="de-DE" sz="2000" dirty="0"/>
-              <a:t> Dokumentation: </a:t>
-            </a:r>
-            <a:r>
-              <a:rPr lang="de-DE" sz="2000" dirty="0">
-                <a:hlinkClick r:id="rId4"/>
-              </a:rPr>
-              <a:t>https://docs.gitlab.com/ee/user/packages/dependency_proxy/</a:t>
-            </a:r>
-            <a:r>
-              <a:rPr lang="de-DE" sz="2000" dirty="0"/>
-              <a:t> </a:t>
-            </a:r>
-          </a:p>
-          <a:p>
-            <a:pPr>
-              <a:buFont typeface="Arial" panose="020B0604020202020204" pitchFamily="34" charset="0"/>
-              <a:buChar char="•"/>
-            </a:pPr>
-            <a:endParaRPr lang="de-DE" sz="2000" u="sng" dirty="0"/>
-          </a:p>
-          <a:p>
-            <a:pPr>
-              <a:buFont typeface="Arial" panose="020B0604020202020204" pitchFamily="34" charset="0"/>
-              <a:buChar char="•"/>
-            </a:pPr>
-            <a:r>
-              <a:rPr lang="de-DE" sz="2000" u="sng" dirty="0"/>
-              <a:t>Hier:</a:t>
-            </a:r>
-            <a:r>
-              <a:rPr lang="de-DE" sz="2000" dirty="0"/>
-              <a:t> Keine weitere Verwendung!</a:t>
-            </a:r>
           </a:p>
           <a:p>
             <a:pPr lvl="1">
@@ -13243,7 +13309,7 @@
     </p:spTree>
     <p:extLst>
       <p:ext uri="{BB962C8B-B14F-4D97-AF65-F5344CB8AC3E}">
-        <p14:creationId xmlns:p14="http://schemas.microsoft.com/office/powerpoint/2010/main" val="3823133771"/>
+        <p14:creationId xmlns:p14="http://schemas.microsoft.com/office/powerpoint/2010/main" val="844561808"/>
       </p:ext>
     </p:extLst>
   </p:cSld>
@@ -13254,7 +13320,7 @@
 </file>
 
 <file path=ppt/slides/slide33.xml><?xml version="1.0" encoding="utf-8"?>
-<p:sld xmlns:a="http://schemas.openxmlformats.org/drawingml/2006/main" xmlns:r="http://schemas.openxmlformats.org/officeDocument/2006/relationships" xmlns:p="http://schemas.openxmlformats.org/presentationml/2006/main" show="0">
+<p:sld xmlns:a="http://schemas.openxmlformats.org/drawingml/2006/main" xmlns:r="http://schemas.openxmlformats.org/officeDocument/2006/relationships" xmlns:p="http://schemas.openxmlformats.org/presentationml/2006/main">
   <p:cSld>
     <p:spTree>
       <p:nvGrpSpPr>
@@ -13275,7 +13341,7 @@
           <p:cNvPr id="2" name="Titel 1">
             <a:extLst>
               <a:ext uri="{FF2B5EF4-FFF2-40B4-BE49-F238E27FC236}">
-                <a16:creationId xmlns:a16="http://schemas.microsoft.com/office/drawing/2014/main" id="{021C1D90-AB38-D152-26B9-E4AB49CCFEE9}"/>
+                <a16:creationId xmlns:a16="http://schemas.microsoft.com/office/drawing/2014/main" id="{DB1F447C-2F61-B060-8EFE-D98620927A6E}"/>
               </a:ext>
             </a:extLst>
           </p:cNvPr>
@@ -13312,7 +13378,7 @@
           <p:cNvPr id="3" name="Inhaltsplatzhalter 2">
             <a:extLst>
               <a:ext uri="{FF2B5EF4-FFF2-40B4-BE49-F238E27FC236}">
-                <a16:creationId xmlns:a16="http://schemas.microsoft.com/office/drawing/2014/main" id="{01B30DD9-6590-DB7B-37D7-65618A4BAC0E}"/>
+                <a16:creationId xmlns:a16="http://schemas.microsoft.com/office/drawing/2014/main" id="{68EC2247-CA50-F34D-5B3B-2171A8AD687B}"/>
               </a:ext>
             </a:extLst>
           </p:cNvPr>
@@ -13332,739 +13398,224 @@
               <a:buNone/>
             </a:pPr>
             <a:r>
-              <a:rPr lang="en-US" sz="2000" b="1" dirty="0" err="1"/>
-              <a:t>Beispiel</a:t>
-            </a:r>
-            <a:r>
-              <a:rPr lang="en-US" sz="2000" b="1" dirty="0"/>
-              <a:t>: Docker-in-Docker Container Image (</a:t>
-            </a:r>
-            <a:r>
-              <a:rPr lang="en-US" sz="2000" b="1" dirty="0">
-                <a:solidFill>
-                  <a:srgbClr val="0249FC"/>
-                </a:solidFill>
-              </a:rPr>
-              <a:t>Dependency Proxy</a:t>
-            </a:r>
-            <a:r>
-              <a:rPr lang="en-US" sz="2000" b="1" dirty="0"/>
-              <a:t>)</a:t>
+              <a:rPr lang="de-DE" b="1" dirty="0" err="1"/>
+              <a:t>Dependency</a:t>
+            </a:r>
+            <a:r>
+              <a:rPr lang="de-DE" b="1" dirty="0"/>
+              <a:t> Proxy</a:t>
             </a:r>
           </a:p>
           <a:p>
             <a:pPr marL="0" indent="0">
               <a:buNone/>
             </a:pPr>
-            <a:r>
-              <a:rPr lang="en-US" sz="2000" dirty="0" err="1"/>
-              <a:t>Eigene</a:t>
-            </a:r>
-            <a:r>
-              <a:rPr lang="en-US" sz="2000" dirty="0"/>
-              <a:t> Container Images </a:t>
-            </a:r>
-            <a:r>
-              <a:rPr lang="en-US" sz="2000" dirty="0" err="1"/>
-              <a:t>mit</a:t>
-            </a:r>
-            <a:r>
-              <a:rPr lang="en-US" sz="2000" dirty="0"/>
-              <a:t> Docker-in-Docker </a:t>
-            </a:r>
-            <a:r>
-              <a:rPr lang="en-US" sz="2000" dirty="0" err="1"/>
-              <a:t>nutzen</a:t>
-            </a:r>
-            <a:endParaRPr lang="en-US" sz="2000" dirty="0"/>
-          </a:p>
-          <a:p>
-            <a:pPr marL="457200" indent="-457200">
-              <a:buFont typeface="+mj-lt"/>
-              <a:buAutoNum type="arabicPeriod"/>
-            </a:pPr>
-            <a:r>
-              <a:rPr lang="en-US" sz="2000" dirty="0"/>
-              <a:t>Docker-in-Docker </a:t>
-            </a:r>
-            <a:r>
-              <a:rPr lang="en-US" sz="2000" dirty="0" err="1"/>
-              <a:t>einrichten</a:t>
-            </a:r>
-            <a:endParaRPr lang="en-US" sz="2000" dirty="0"/>
-          </a:p>
-          <a:p>
-            <a:pPr marL="457200" indent="-457200">
-              <a:buFont typeface="+mj-lt"/>
-              <a:buAutoNum type="arabicPeriod"/>
-            </a:pPr>
-            <a:r>
-              <a:rPr lang="en-US" sz="2000" dirty="0">
-                <a:solidFill>
-                  <a:srgbClr val="FF0000"/>
-                </a:solidFill>
-                <a:latin typeface="Consolas" panose="020B0609020204030204" pitchFamily="49" charset="0"/>
-              </a:rPr>
-              <a:t>image</a:t>
-            </a:r>
-            <a:r>
-              <a:rPr lang="en-US" sz="2000" dirty="0"/>
-              <a:t> und </a:t>
-            </a:r>
-            <a:r>
-              <a:rPr lang="en-US" sz="2000" dirty="0">
-                <a:solidFill>
-                  <a:srgbClr val="FF0000"/>
-                </a:solidFill>
-                <a:latin typeface="Consolas" panose="020B0609020204030204" pitchFamily="49" charset="0"/>
-              </a:rPr>
-              <a:t>service</a:t>
-            </a:r>
-            <a:r>
-              <a:rPr lang="en-US" sz="2000" dirty="0"/>
-              <a:t> auf </a:t>
-            </a:r>
-            <a:r>
-              <a:rPr lang="en-US" sz="2000" i="1" dirty="0"/>
-              <a:t>docker</a:t>
-            </a:r>
-            <a:r>
-              <a:rPr lang="en-US" sz="2000" dirty="0"/>
+            <a:endParaRPr lang="de-DE" b="1" dirty="0"/>
+          </a:p>
+          <a:p>
+            <a:pPr>
+              <a:buFont typeface="Arial" panose="020B0604020202020204" pitchFamily="34" charset="0"/>
+              <a:buChar char="•"/>
+            </a:pPr>
+            <a:r>
+              <a:rPr lang="de-DE" sz="2000" dirty="0"/>
+              <a:t>Docker Hub Rate </a:t>
+            </a:r>
+            <a:r>
+              <a:rPr lang="de-DE" sz="2000" dirty="0" err="1"/>
+              <a:t>Limiting</a:t>
+            </a:r>
+            <a:endParaRPr lang="de-DE" sz="2000" dirty="0"/>
+          </a:p>
+          <a:p>
+            <a:pPr lvl="1">
+              <a:buFont typeface="Arial" panose="020B0604020202020204" pitchFamily="34" charset="0"/>
+              <a:buChar char="•"/>
+            </a:pPr>
+            <a:r>
+              <a:rPr lang="de-DE" sz="1800" dirty="0">
+                <a:hlinkClick r:id="rId3"/>
+              </a:rPr>
+              <a:t>https://docs.docker.com/docker-hub/download-rate-limit/</a:t>
+            </a:r>
+            <a:r>
+              <a:rPr lang="de-DE" sz="1800" dirty="0"/>
               <a:t> </a:t>
             </a:r>
-            <a:r>
-              <a:rPr lang="en-US" sz="2000" dirty="0" err="1"/>
-              <a:t>bzw</a:t>
-            </a:r>
-            <a:r>
-              <a:rPr lang="en-US" sz="2000" dirty="0"/>
-              <a:t>. </a:t>
-            </a:r>
-            <a:r>
-              <a:rPr lang="en-US" sz="2000" i="1" dirty="0"/>
-              <a:t>docker-</a:t>
-            </a:r>
-            <a:r>
-              <a:rPr lang="en-US" sz="2000" i="1" dirty="0" err="1"/>
-              <a:t>dind</a:t>
-            </a:r>
-            <a:r>
-              <a:rPr lang="en-US" sz="2000" dirty="0"/>
-              <a:t> Image </a:t>
-            </a:r>
-            <a:r>
-              <a:rPr lang="en-US" sz="2000" dirty="0" err="1"/>
-              <a:t>zeigen</a:t>
-            </a:r>
-            <a:r>
-              <a:rPr lang="en-US" sz="2000" dirty="0"/>
+          </a:p>
+          <a:p>
+            <a:pPr lvl="1">
+              <a:buFont typeface="Arial" panose="020B0604020202020204" pitchFamily="34" charset="0"/>
+              <a:buChar char="•"/>
+            </a:pPr>
+            <a:r>
+              <a:rPr lang="de-DE" sz="1800" dirty="0"/>
+              <a:t>Begrenzt die Image </a:t>
+            </a:r>
+            <a:r>
+              <a:rPr lang="de-DE" sz="1800" dirty="0" err="1"/>
+              <a:t>Pulls</a:t>
+            </a:r>
+            <a:endParaRPr lang="de-DE" sz="1800" dirty="0"/>
+          </a:p>
+          <a:p>
+            <a:pPr lvl="1">
+              <a:buFont typeface="Arial" panose="020B0604020202020204" pitchFamily="34" charset="0"/>
+              <a:buChar char="•"/>
+            </a:pPr>
+            <a:r>
+              <a:rPr lang="de-DE" sz="1800" dirty="0"/>
+              <a:t>Pro Commit eine Pipeline angestoßen</a:t>
+            </a:r>
+          </a:p>
+          <a:p>
+            <a:pPr lvl="2">
+              <a:buFont typeface="Arial" panose="020B0604020202020204" pitchFamily="34" charset="0"/>
+              <a:buChar char="•"/>
+            </a:pPr>
+            <a:r>
+              <a:rPr lang="de-DE" sz="1600" dirty="0"/>
+              <a:t>Selbst bei gleichem Image </a:t>
+            </a:r>
+            <a:r>
+              <a:rPr lang="de-DE" sz="1600" dirty="0">
+                <a:sym typeface="Wingdings" panose="05000000000000000000" pitchFamily="2" charset="2"/>
+              </a:rPr>
+              <a:t> Docker Pull Count erhöht durch „manifest </a:t>
+            </a:r>
+            <a:r>
+              <a:rPr lang="de-DE" sz="1600" dirty="0" err="1">
+                <a:sym typeface="Wingdings" panose="05000000000000000000" pitchFamily="2" charset="2"/>
+              </a:rPr>
+              <a:t>requests</a:t>
+            </a:r>
+            <a:r>
+              <a:rPr lang="de-DE" sz="1600" dirty="0">
+                <a:sym typeface="Wingdings" panose="05000000000000000000" pitchFamily="2" charset="2"/>
+              </a:rPr>
+              <a:t>“</a:t>
+            </a:r>
+            <a:endParaRPr lang="de-DE" sz="2000" dirty="0">
+              <a:sym typeface="Wingdings" panose="05000000000000000000" pitchFamily="2" charset="2"/>
+            </a:endParaRPr>
+          </a:p>
+          <a:p>
+            <a:pPr lvl="1">
+              <a:buFont typeface="Arial" panose="020B0604020202020204" pitchFamily="34" charset="0"/>
+              <a:buChar char="•"/>
+            </a:pPr>
+            <a:r>
+              <a:rPr lang="de-DE" sz="1800" dirty="0">
+                <a:sym typeface="Wingdings" panose="05000000000000000000" pitchFamily="2" charset="2"/>
+              </a:rPr>
+              <a:t>Manifest („Inhaltverzeichnis des Images“)</a:t>
+            </a:r>
+          </a:p>
+          <a:p>
+            <a:pPr lvl="2">
+              <a:buFont typeface="Arial" panose="020B0604020202020204" pitchFamily="34" charset="0"/>
+              <a:buChar char="•"/>
+            </a:pPr>
+            <a:r>
+              <a:rPr lang="de-DE" sz="1600" dirty="0">
+                <a:sym typeface="Wingdings" panose="05000000000000000000" pitchFamily="2" charset="2"/>
+              </a:rPr>
+              <a:t>Informationen über </a:t>
+            </a:r>
+            <a:r>
+              <a:rPr lang="de-DE" sz="1600" dirty="0" err="1">
+                <a:sym typeface="Wingdings" panose="05000000000000000000" pitchFamily="2" charset="2"/>
+              </a:rPr>
+              <a:t>Layers</a:t>
+            </a:r>
+            <a:r>
+              <a:rPr lang="de-DE" sz="1600" dirty="0">
+                <a:sym typeface="Wingdings" panose="05000000000000000000" pitchFamily="2" charset="2"/>
+              </a:rPr>
+              <a:t> und Blobs des Images</a:t>
+            </a:r>
+            <a:endParaRPr lang="de-DE" sz="1600" dirty="0"/>
+          </a:p>
+          <a:p>
+            <a:pPr>
+              <a:buFont typeface="Arial" panose="020B0604020202020204" pitchFamily="34" charset="0"/>
+              <a:buChar char="•"/>
+            </a:pPr>
+            <a:endParaRPr lang="de-DE" sz="2000" dirty="0"/>
+          </a:p>
+          <a:p>
+            <a:pPr>
+              <a:buFont typeface="Arial" panose="020B0604020202020204" pitchFamily="34" charset="0"/>
+              <a:buChar char="•"/>
+            </a:pPr>
+            <a:r>
+              <a:rPr lang="de-DE" sz="2000" dirty="0" err="1"/>
+              <a:t>Dependency</a:t>
+            </a:r>
+            <a:r>
+              <a:rPr lang="de-DE" sz="2000" dirty="0"/>
+              <a:t> Proxy </a:t>
+            </a:r>
+            <a:r>
+              <a:rPr lang="de-DE" sz="2000" dirty="0" err="1"/>
+              <a:t>GitLab</a:t>
+            </a:r>
+            <a:r>
+              <a:rPr lang="de-DE" sz="2000" dirty="0"/>
+              <a:t> Dokumentation: </a:t>
+            </a:r>
+            <a:r>
+              <a:rPr lang="de-DE" sz="2000" dirty="0">
+                <a:hlinkClick r:id="rId4"/>
+              </a:rPr>
+              <a:t>https://docs.gitlab.com/ee/user/packages/dependency_proxy/</a:t>
+            </a:r>
+            <a:r>
+              <a:rPr lang="de-DE" sz="2000" dirty="0"/>
               <a:t> </a:t>
             </a:r>
-            <a:r>
-              <a:rPr lang="en-US" sz="2000" dirty="0" err="1"/>
-              <a:t>lassen</a:t>
-            </a:r>
-            <a:endParaRPr lang="en-US" sz="2000" dirty="0"/>
-          </a:p>
-          <a:p>
-            <a:pPr marL="457200" indent="-457200">
-              <a:buFont typeface="+mj-lt"/>
-              <a:buAutoNum type="arabicPeriod"/>
-            </a:pPr>
-            <a:r>
-              <a:rPr lang="en-US" sz="2000" dirty="0">
-                <a:solidFill>
-                  <a:srgbClr val="FF0000"/>
-                </a:solidFill>
-                <a:latin typeface="Consolas" panose="020B0609020204030204" pitchFamily="49" charset="0"/>
-              </a:rPr>
-              <a:t>alias</a:t>
-            </a:r>
-            <a:r>
-              <a:rPr lang="en-US" sz="2000" dirty="0"/>
-              <a:t> für </a:t>
-            </a:r>
-            <a:r>
-              <a:rPr lang="en-US" sz="2000" i="1" dirty="0"/>
-              <a:t>docker-</a:t>
-            </a:r>
-            <a:r>
-              <a:rPr lang="en-US" sz="2000" i="1" dirty="0" err="1"/>
-              <a:t>dind</a:t>
-            </a:r>
-            <a:r>
-              <a:rPr lang="en-US" sz="2000" dirty="0"/>
-              <a:t> </a:t>
-            </a:r>
-            <a:r>
-              <a:rPr lang="en-US" sz="2000" dirty="0" err="1"/>
-              <a:t>definieren</a:t>
-            </a:r>
-            <a:endParaRPr lang="en-US" sz="2000" dirty="0">
-              <a:latin typeface="Consolas" panose="020B0609020204030204" pitchFamily="49" charset="0"/>
-            </a:endParaRPr>
-          </a:p>
-          <a:p>
-            <a:pPr marL="457200" indent="-457200">
-              <a:buFont typeface="+mj-lt"/>
-              <a:buAutoNum type="arabicPeriod"/>
-            </a:pPr>
-            <a:endParaRPr lang="en-US" sz="2000" dirty="0">
-              <a:latin typeface="Consolas" panose="020B0609020204030204" pitchFamily="49" charset="0"/>
-            </a:endParaRPr>
-          </a:p>
-          <a:p>
-            <a:pPr marL="0" indent="0">
-              <a:buNone/>
-            </a:pPr>
-            <a:r>
-              <a:rPr lang="en-US" sz="1800" dirty="0">
-                <a:latin typeface="Consolas" panose="020B0609020204030204" pitchFamily="49" charset="0"/>
-              </a:rPr>
-              <a:t>.</a:t>
-            </a:r>
-            <a:r>
-              <a:rPr lang="en-US" sz="1800" dirty="0" err="1">
-                <a:latin typeface="Consolas" panose="020B0609020204030204" pitchFamily="49" charset="0"/>
-              </a:rPr>
-              <a:t>gitlab-ci.yml</a:t>
-            </a:r>
-            <a:endParaRPr lang="en-US" sz="1800" dirty="0">
-              <a:latin typeface="Consolas" panose="020B0609020204030204" pitchFamily="49" charset="0"/>
-            </a:endParaRPr>
-          </a:p>
-          <a:p>
-            <a:pPr marL="0" marR="0" lvl="0" indent="0" algn="l" defTabSz="914400" rtl="0" eaLnBrk="1" fontAlgn="base" latinLnBrk="0" hangingPunct="1">
-              <a:lnSpc>
-                <a:spcPct val="100000"/>
-              </a:lnSpc>
-              <a:spcBef>
-                <a:spcPct val="20000"/>
-              </a:spcBef>
-              <a:spcAft>
-                <a:spcPct val="0"/>
-              </a:spcAft>
-              <a:buClr>
-                <a:srgbClr val="008C5A"/>
-              </a:buClr>
-              <a:buSzTx/>
-              <a:buFont typeface="Monotype Sorts" pitchFamily="2" charset="2"/>
-              <a:buNone/>
-              <a:tabLst/>
-              <a:defRPr/>
-            </a:pPr>
-            <a:r>
-              <a:rPr kumimoji="0" lang="en-US" sz="1400" b="0" i="0" u="none" strike="noStrike" kern="0" cap="none" spc="0" normalizeH="0" baseline="0" noProof="0" dirty="0">
-                <a:ln>
-                  <a:noFill/>
-                </a:ln>
-                <a:solidFill>
-                  <a:srgbClr val="000000"/>
-                </a:solidFill>
-                <a:effectLst/>
-                <a:uLnTx/>
-                <a:uFillTx/>
-                <a:latin typeface="Consolas" panose="020B0609020204030204" pitchFamily="49" charset="0"/>
-                <a:ea typeface="+mn-ea"/>
-                <a:cs typeface="+mn-cs"/>
-              </a:rPr>
-              <a:t>build:</a:t>
-            </a:r>
-          </a:p>
-          <a:p>
-            <a:pPr marL="0" marR="0" lvl="0" indent="0" algn="l" defTabSz="914400" rtl="0" eaLnBrk="1" fontAlgn="base" latinLnBrk="0" hangingPunct="1">
-              <a:lnSpc>
-                <a:spcPct val="100000"/>
-              </a:lnSpc>
-              <a:spcBef>
-                <a:spcPct val="20000"/>
-              </a:spcBef>
-              <a:spcAft>
-                <a:spcPct val="0"/>
-              </a:spcAft>
-              <a:buClr>
-                <a:srgbClr val="008C5A"/>
-              </a:buClr>
-              <a:buSzTx/>
-              <a:buFont typeface="Monotype Sorts" pitchFamily="2" charset="2"/>
-              <a:buNone/>
-              <a:tabLst/>
-              <a:defRPr/>
-            </a:pPr>
-            <a:r>
-              <a:rPr kumimoji="0" lang="en-US" sz="1400" b="0" i="0" u="none" strike="noStrike" kern="0" cap="none" spc="0" normalizeH="0" baseline="0" noProof="0" dirty="0">
-                <a:ln>
-                  <a:noFill/>
-                </a:ln>
-                <a:solidFill>
-                  <a:srgbClr val="000000"/>
-                </a:solidFill>
-                <a:effectLst/>
-                <a:uLnTx/>
-                <a:uFillTx/>
-                <a:latin typeface="Consolas" panose="020B0609020204030204" pitchFamily="49" charset="0"/>
-                <a:ea typeface="+mn-ea"/>
-                <a:cs typeface="+mn-cs"/>
-              </a:rPr>
-              <a:t>  </a:t>
-            </a:r>
-            <a:r>
-              <a:rPr kumimoji="0" lang="en-US" sz="1400" b="0" i="0" u="none" strike="noStrike" kern="0" cap="none" spc="0" normalizeH="0" baseline="0" noProof="0" dirty="0">
-                <a:ln>
-                  <a:noFill/>
-                </a:ln>
-                <a:solidFill>
-                  <a:srgbClr val="FF0000"/>
-                </a:solidFill>
-                <a:effectLst/>
-                <a:uLnTx/>
-                <a:uFillTx/>
-                <a:latin typeface="Consolas" panose="020B0609020204030204" pitchFamily="49" charset="0"/>
-                <a:ea typeface="+mn-ea"/>
-                <a:cs typeface="+mn-cs"/>
-              </a:rPr>
-              <a:t>image</a:t>
-            </a:r>
-            <a:r>
-              <a:rPr kumimoji="0" lang="en-US" sz="1400" b="0" i="0" u="none" strike="noStrike" kern="0" cap="none" spc="0" normalizeH="0" baseline="0" noProof="0" dirty="0">
-                <a:ln>
-                  <a:noFill/>
-                </a:ln>
-                <a:solidFill>
-                  <a:srgbClr val="000000"/>
-                </a:solidFill>
-                <a:effectLst/>
-                <a:uLnTx/>
-                <a:uFillTx/>
-                <a:latin typeface="Consolas" panose="020B0609020204030204" pitchFamily="49" charset="0"/>
-                <a:ea typeface="+mn-ea"/>
-                <a:cs typeface="+mn-cs"/>
-              </a:rPr>
-              <a:t>: </a:t>
-            </a:r>
-            <a:r>
-              <a:rPr kumimoji="0" lang="en-US" sz="1400" b="0" i="0" u="none" strike="noStrike" kern="0" cap="none" spc="0" normalizeH="0" baseline="0" noProof="0" dirty="0">
-                <a:ln>
-                  <a:noFill/>
-                </a:ln>
-                <a:solidFill>
-                  <a:srgbClr val="0249FC"/>
-                </a:solidFill>
-                <a:effectLst/>
-                <a:uLnTx/>
-                <a:uFillTx/>
-                <a:latin typeface="Consolas" panose="020B0609020204030204" pitchFamily="49" charset="0"/>
-                <a:ea typeface="+mn-ea"/>
-                <a:cs typeface="+mn-cs"/>
-              </a:rPr>
-              <a:t>${CI_DEPENDENCY_PROXY_GROUP_IMAGE_PREFIX}</a:t>
-            </a:r>
-            <a:r>
-              <a:rPr kumimoji="0" lang="en-US" sz="1400" b="0" i="0" u="none" strike="noStrike" kern="0" cap="none" spc="0" normalizeH="0" baseline="0" noProof="0" dirty="0">
-                <a:ln>
-                  <a:noFill/>
-                </a:ln>
-                <a:solidFill>
-                  <a:srgbClr val="000000"/>
-                </a:solidFill>
-                <a:effectLst/>
-                <a:uLnTx/>
-                <a:uFillTx/>
-                <a:latin typeface="Consolas" panose="020B0609020204030204" pitchFamily="49" charset="0"/>
-                <a:ea typeface="+mn-ea"/>
-                <a:cs typeface="+mn-cs"/>
-              </a:rPr>
-              <a:t>/docker:20.10.16</a:t>
-            </a:r>
-          </a:p>
-          <a:p>
-            <a:pPr marL="0" marR="0" lvl="0" indent="0" algn="l" defTabSz="914400" rtl="0" eaLnBrk="1" fontAlgn="base" latinLnBrk="0" hangingPunct="1">
-              <a:lnSpc>
-                <a:spcPct val="100000"/>
-              </a:lnSpc>
-              <a:spcBef>
-                <a:spcPct val="20000"/>
-              </a:spcBef>
-              <a:spcAft>
-                <a:spcPct val="0"/>
-              </a:spcAft>
-              <a:buClr>
-                <a:srgbClr val="008C5A"/>
-              </a:buClr>
-              <a:buSzTx/>
-              <a:buFont typeface="Monotype Sorts" pitchFamily="2" charset="2"/>
-              <a:buNone/>
-              <a:tabLst/>
-              <a:defRPr/>
-            </a:pPr>
-            <a:r>
-              <a:rPr kumimoji="0" lang="en-US" sz="1400" b="0" i="0" u="none" strike="noStrike" kern="0" cap="none" spc="0" normalizeH="0" baseline="0" noProof="0" dirty="0">
-                <a:ln>
-                  <a:noFill/>
-                </a:ln>
-                <a:solidFill>
-                  <a:srgbClr val="000000"/>
-                </a:solidFill>
-                <a:effectLst/>
-                <a:uLnTx/>
-                <a:uFillTx/>
-                <a:latin typeface="Consolas" panose="020B0609020204030204" pitchFamily="49" charset="0"/>
-                <a:ea typeface="+mn-ea"/>
-                <a:cs typeface="+mn-cs"/>
-              </a:rPr>
-              <a:t>  </a:t>
-            </a:r>
-            <a:r>
-              <a:rPr kumimoji="0" lang="en-US" sz="1400" b="0" i="0" u="none" strike="noStrike" kern="0" cap="none" spc="0" normalizeH="0" baseline="0" noProof="0" dirty="0">
-                <a:ln>
-                  <a:noFill/>
-                </a:ln>
-                <a:solidFill>
-                  <a:srgbClr val="FF0000"/>
-                </a:solidFill>
-                <a:effectLst/>
-                <a:uLnTx/>
-                <a:uFillTx/>
-                <a:latin typeface="Consolas" panose="020B0609020204030204" pitchFamily="49" charset="0"/>
-                <a:ea typeface="+mn-ea"/>
-                <a:cs typeface="+mn-cs"/>
-              </a:rPr>
-              <a:t>services</a:t>
-            </a:r>
-            <a:r>
-              <a:rPr kumimoji="0" lang="en-US" sz="1400" b="0" i="0" u="none" strike="noStrike" kern="0" cap="none" spc="0" normalizeH="0" baseline="0" noProof="0" dirty="0">
-                <a:ln>
-                  <a:noFill/>
-                </a:ln>
-                <a:solidFill>
-                  <a:srgbClr val="000000"/>
-                </a:solidFill>
-                <a:effectLst/>
-                <a:uLnTx/>
-                <a:uFillTx/>
-                <a:latin typeface="Consolas" panose="020B0609020204030204" pitchFamily="49" charset="0"/>
-                <a:ea typeface="+mn-ea"/>
-                <a:cs typeface="+mn-cs"/>
-              </a:rPr>
-              <a:t>:</a:t>
-            </a:r>
-          </a:p>
-          <a:p>
-            <a:pPr marL="0" marR="0" lvl="0" indent="0" algn="l" defTabSz="914400" rtl="0" eaLnBrk="1" fontAlgn="base" latinLnBrk="0" hangingPunct="1">
-              <a:lnSpc>
-                <a:spcPct val="100000"/>
-              </a:lnSpc>
-              <a:spcBef>
-                <a:spcPct val="20000"/>
-              </a:spcBef>
-              <a:spcAft>
-                <a:spcPct val="0"/>
-              </a:spcAft>
-              <a:buClr>
-                <a:srgbClr val="008C5A"/>
-              </a:buClr>
-              <a:buSzTx/>
-              <a:buFont typeface="Monotype Sorts" pitchFamily="2" charset="2"/>
-              <a:buNone/>
-              <a:tabLst/>
-              <a:defRPr/>
-            </a:pPr>
-            <a:r>
-              <a:rPr kumimoji="0" lang="en-US" sz="1400" b="0" i="0" u="none" strike="noStrike" kern="0" cap="none" spc="0" normalizeH="0" baseline="0" noProof="0" dirty="0">
-                <a:ln>
-                  <a:noFill/>
-                </a:ln>
-                <a:solidFill>
-                  <a:srgbClr val="000000"/>
-                </a:solidFill>
-                <a:effectLst/>
-                <a:uLnTx/>
-                <a:uFillTx/>
-                <a:latin typeface="Consolas" panose="020B0609020204030204" pitchFamily="49" charset="0"/>
-                <a:ea typeface="+mn-ea"/>
-                <a:cs typeface="+mn-cs"/>
-              </a:rPr>
-              <a:t>    - name: </a:t>
-            </a:r>
-            <a:r>
-              <a:rPr kumimoji="0" lang="en-US" sz="1400" b="0" i="0" u="none" strike="noStrike" kern="0" cap="none" spc="0" normalizeH="0" baseline="0" noProof="0" dirty="0">
-                <a:ln>
-                  <a:noFill/>
-                </a:ln>
-                <a:solidFill>
-                  <a:srgbClr val="0249FC"/>
-                </a:solidFill>
-                <a:effectLst/>
-                <a:uLnTx/>
-                <a:uFillTx/>
-                <a:latin typeface="Consolas" panose="020B0609020204030204" pitchFamily="49" charset="0"/>
-                <a:ea typeface="+mn-ea"/>
-                <a:cs typeface="+mn-cs"/>
-              </a:rPr>
-              <a:t>${CI_DEPENDENCY_PROXY_GROUP_IMAGE_PREFIX}</a:t>
-            </a:r>
-            <a:r>
-              <a:rPr kumimoji="0" lang="en-US" sz="1400" b="0" i="0" u="none" strike="noStrike" kern="0" cap="none" spc="0" normalizeH="0" baseline="0" noProof="0" dirty="0">
-                <a:ln>
-                  <a:noFill/>
-                </a:ln>
-                <a:solidFill>
-                  <a:srgbClr val="000000"/>
-                </a:solidFill>
-                <a:effectLst/>
-                <a:uLnTx/>
-                <a:uFillTx/>
-                <a:latin typeface="Consolas" panose="020B0609020204030204" pitchFamily="49" charset="0"/>
-                <a:ea typeface="+mn-ea"/>
-                <a:cs typeface="+mn-cs"/>
-              </a:rPr>
-              <a:t>/docker:20.10.16-dind</a:t>
-            </a:r>
-          </a:p>
-          <a:p>
-            <a:pPr marL="0" marR="0" lvl="0" indent="0" algn="l" defTabSz="914400" rtl="0" eaLnBrk="1" fontAlgn="base" latinLnBrk="0" hangingPunct="1">
-              <a:lnSpc>
-                <a:spcPct val="100000"/>
-              </a:lnSpc>
-              <a:spcBef>
-                <a:spcPct val="20000"/>
-              </a:spcBef>
-              <a:spcAft>
-                <a:spcPct val="0"/>
-              </a:spcAft>
-              <a:buClr>
-                <a:srgbClr val="008C5A"/>
-              </a:buClr>
-              <a:buSzTx/>
-              <a:buFont typeface="Monotype Sorts" pitchFamily="2" charset="2"/>
-              <a:buNone/>
-              <a:tabLst/>
-              <a:defRPr/>
-            </a:pPr>
-            <a:r>
-              <a:rPr kumimoji="0" lang="en-US" sz="1400" b="0" i="0" u="none" strike="noStrike" kern="0" cap="none" spc="0" normalizeH="0" baseline="0" noProof="0" dirty="0">
-                <a:ln>
-                  <a:noFill/>
-                </a:ln>
-                <a:solidFill>
-                  <a:srgbClr val="000000"/>
-                </a:solidFill>
-                <a:effectLst/>
-                <a:uLnTx/>
-                <a:uFillTx/>
-                <a:latin typeface="Consolas" panose="020B0609020204030204" pitchFamily="49" charset="0"/>
-                <a:ea typeface="+mn-ea"/>
-                <a:cs typeface="+mn-cs"/>
-              </a:rPr>
-              <a:t>      </a:t>
-            </a:r>
-            <a:r>
-              <a:rPr kumimoji="0" lang="en-US" sz="1400" b="0" i="0" u="none" strike="noStrike" kern="0" cap="none" spc="0" normalizeH="0" baseline="0" noProof="0" dirty="0">
-                <a:ln>
-                  <a:noFill/>
-                </a:ln>
-                <a:solidFill>
-                  <a:srgbClr val="FF0000"/>
-                </a:solidFill>
-                <a:effectLst/>
-                <a:uLnTx/>
-                <a:uFillTx/>
-                <a:latin typeface="Consolas" panose="020B0609020204030204" pitchFamily="49" charset="0"/>
-                <a:ea typeface="+mn-ea"/>
-                <a:cs typeface="+mn-cs"/>
-              </a:rPr>
-              <a:t>alias</a:t>
-            </a:r>
-            <a:r>
-              <a:rPr kumimoji="0" lang="en-US" sz="1400" b="0" i="0" u="none" strike="noStrike" kern="0" cap="none" spc="0" normalizeH="0" baseline="0" noProof="0" dirty="0">
-                <a:ln>
-                  <a:noFill/>
-                </a:ln>
-                <a:solidFill>
-                  <a:srgbClr val="000000"/>
-                </a:solidFill>
-                <a:effectLst/>
-                <a:uLnTx/>
-                <a:uFillTx/>
-                <a:latin typeface="Consolas" panose="020B0609020204030204" pitchFamily="49" charset="0"/>
-                <a:ea typeface="+mn-ea"/>
-                <a:cs typeface="+mn-cs"/>
-              </a:rPr>
-              <a:t>: docker</a:t>
-            </a:r>
-          </a:p>
-          <a:p>
-            <a:pPr marL="0" marR="0" lvl="0" indent="0" algn="l" defTabSz="914400" rtl="0" eaLnBrk="1" fontAlgn="base" latinLnBrk="0" hangingPunct="1">
-              <a:lnSpc>
-                <a:spcPct val="100000"/>
-              </a:lnSpc>
-              <a:spcBef>
-                <a:spcPct val="20000"/>
-              </a:spcBef>
-              <a:spcAft>
-                <a:spcPct val="0"/>
-              </a:spcAft>
-              <a:buClr>
-                <a:srgbClr val="008C5A"/>
-              </a:buClr>
-              <a:buSzTx/>
-              <a:buFont typeface="Monotype Sorts" pitchFamily="2" charset="2"/>
-              <a:buNone/>
-              <a:tabLst/>
-              <a:defRPr/>
-            </a:pPr>
-            <a:r>
-              <a:rPr kumimoji="0" lang="en-US" sz="1400" b="0" i="0" u="none" strike="noStrike" kern="0" cap="none" spc="0" normalizeH="0" baseline="0" noProof="0" dirty="0">
-                <a:ln>
-                  <a:noFill/>
-                </a:ln>
-                <a:solidFill>
-                  <a:srgbClr val="000000"/>
-                </a:solidFill>
-                <a:effectLst/>
-                <a:uLnTx/>
-                <a:uFillTx/>
-                <a:latin typeface="Consolas" panose="020B0609020204030204" pitchFamily="49" charset="0"/>
-                <a:ea typeface="+mn-ea"/>
-                <a:cs typeface="+mn-cs"/>
-              </a:rPr>
-              <a:t>  stage: build</a:t>
-            </a:r>
-          </a:p>
-          <a:p>
-            <a:pPr marL="0" marR="0" lvl="0" indent="0" algn="l" defTabSz="914400" rtl="0" eaLnBrk="1" fontAlgn="base" latinLnBrk="0" hangingPunct="1">
-              <a:lnSpc>
-                <a:spcPct val="100000"/>
-              </a:lnSpc>
-              <a:spcBef>
-                <a:spcPct val="20000"/>
-              </a:spcBef>
-              <a:spcAft>
-                <a:spcPct val="0"/>
-              </a:spcAft>
-              <a:buClr>
-                <a:srgbClr val="008C5A"/>
-              </a:buClr>
-              <a:buSzTx/>
-              <a:buFont typeface="Monotype Sorts" pitchFamily="2" charset="2"/>
-              <a:buNone/>
-              <a:tabLst/>
-              <a:defRPr/>
-            </a:pPr>
-            <a:r>
-              <a:rPr kumimoji="0" lang="en-US" sz="1400" b="0" i="0" u="none" strike="noStrike" kern="0" cap="none" spc="0" normalizeH="0" baseline="0" noProof="0" dirty="0">
-                <a:ln>
-                  <a:noFill/>
-                </a:ln>
-                <a:solidFill>
-                  <a:srgbClr val="000000"/>
-                </a:solidFill>
-                <a:effectLst/>
-                <a:uLnTx/>
-                <a:uFillTx/>
-                <a:latin typeface="Consolas" panose="020B0609020204030204" pitchFamily="49" charset="0"/>
-                <a:ea typeface="+mn-ea"/>
-                <a:cs typeface="+mn-cs"/>
-              </a:rPr>
-              <a:t>  script:</a:t>
-            </a:r>
-          </a:p>
-          <a:p>
-            <a:pPr marL="0" marR="0" lvl="0" indent="0" algn="l" defTabSz="914400" rtl="0" eaLnBrk="1" fontAlgn="base" latinLnBrk="0" hangingPunct="1">
-              <a:lnSpc>
-                <a:spcPct val="100000"/>
-              </a:lnSpc>
-              <a:spcBef>
-                <a:spcPct val="20000"/>
-              </a:spcBef>
-              <a:spcAft>
-                <a:spcPct val="0"/>
-              </a:spcAft>
-              <a:buClr>
-                <a:srgbClr val="008C5A"/>
-              </a:buClr>
-              <a:buSzTx/>
-              <a:buFont typeface="Monotype Sorts" pitchFamily="2" charset="2"/>
-              <a:buNone/>
-              <a:tabLst/>
-              <a:defRPr/>
-            </a:pPr>
-            <a:r>
-              <a:rPr kumimoji="0" lang="en-US" sz="1400" b="0" i="0" u="none" strike="noStrike" kern="0" cap="none" spc="0" normalizeH="0" baseline="0" noProof="0" dirty="0">
-                <a:ln>
-                  <a:noFill/>
-                </a:ln>
-                <a:solidFill>
-                  <a:srgbClr val="000000"/>
-                </a:solidFill>
-                <a:effectLst/>
-                <a:uLnTx/>
-                <a:uFillTx/>
-                <a:latin typeface="Consolas" panose="020B0609020204030204" pitchFamily="49" charset="0"/>
-                <a:ea typeface="+mn-ea"/>
-                <a:cs typeface="+mn-cs"/>
-              </a:rPr>
-              <a:t>    - docker build -t my-docker-image .</a:t>
-            </a:r>
-          </a:p>
-          <a:p>
-            <a:pPr marL="0" marR="0" lvl="0" indent="0" algn="l" defTabSz="914400" rtl="0" eaLnBrk="1" fontAlgn="base" latinLnBrk="0" hangingPunct="1">
-              <a:lnSpc>
-                <a:spcPct val="100000"/>
-              </a:lnSpc>
-              <a:spcBef>
-                <a:spcPct val="20000"/>
-              </a:spcBef>
-              <a:spcAft>
-                <a:spcPct val="0"/>
-              </a:spcAft>
-              <a:buClr>
-                <a:srgbClr val="008C5A"/>
-              </a:buClr>
-              <a:buSzTx/>
-              <a:buFont typeface="Monotype Sorts" pitchFamily="2" charset="2"/>
-              <a:buNone/>
-              <a:tabLst/>
-              <a:defRPr/>
-            </a:pPr>
-            <a:r>
-              <a:rPr kumimoji="0" lang="en-US" sz="1400" b="0" i="0" u="none" strike="noStrike" kern="0" cap="none" spc="0" normalizeH="0" baseline="0" noProof="0" dirty="0">
-                <a:ln>
-                  <a:noFill/>
-                </a:ln>
-                <a:solidFill>
-                  <a:srgbClr val="000000"/>
-                </a:solidFill>
-                <a:effectLst/>
-                <a:uLnTx/>
-                <a:uFillTx/>
-                <a:latin typeface="Consolas" panose="020B0609020204030204" pitchFamily="49" charset="0"/>
-                <a:ea typeface="+mn-ea"/>
-                <a:cs typeface="+mn-cs"/>
-              </a:rPr>
-              <a:t>    - docker run my-docker-image /script/to/run/tests</a:t>
-            </a:r>
-            <a:endParaRPr kumimoji="0" lang="en-US" sz="1100" b="0" i="0" u="none" strike="noStrike" kern="0" cap="none" spc="0" normalizeH="0" baseline="0" noProof="0" dirty="0">
-              <a:ln>
-                <a:noFill/>
-              </a:ln>
-              <a:solidFill>
-                <a:srgbClr val="000000"/>
-              </a:solidFill>
-              <a:effectLst/>
-              <a:uLnTx/>
-              <a:uFillTx/>
-              <a:latin typeface="Consolas" panose="020B0609020204030204" pitchFamily="49" charset="0"/>
-              <a:ea typeface="+mn-ea"/>
-              <a:cs typeface="+mn-cs"/>
-            </a:endParaRPr>
+          </a:p>
+          <a:p>
+            <a:pPr>
+              <a:buFont typeface="Arial" panose="020B0604020202020204" pitchFamily="34" charset="0"/>
+              <a:buChar char="•"/>
+            </a:pPr>
+            <a:endParaRPr lang="de-DE" sz="2000" u="sng" dirty="0"/>
+          </a:p>
+          <a:p>
+            <a:pPr>
+              <a:buFont typeface="Arial" panose="020B0604020202020204" pitchFamily="34" charset="0"/>
+              <a:buChar char="•"/>
+            </a:pPr>
+            <a:r>
+              <a:rPr lang="de-DE" sz="2000" u="sng" dirty="0"/>
+              <a:t>Hier:</a:t>
+            </a:r>
+            <a:r>
+              <a:rPr lang="de-DE" sz="2000" dirty="0"/>
+              <a:t> Keine weitere Verwendung!</a:t>
+            </a:r>
+          </a:p>
+          <a:p>
+            <a:pPr lvl="1">
+              <a:buFont typeface="Arial" panose="020B0604020202020204" pitchFamily="34" charset="0"/>
+              <a:buChar char="•"/>
+            </a:pPr>
+            <a:endParaRPr lang="de-DE" dirty="0"/>
+          </a:p>
+          <a:p>
+            <a:pPr lvl="1">
+              <a:buFont typeface="Arial" panose="020B0604020202020204" pitchFamily="34" charset="0"/>
+              <a:buChar char="•"/>
+            </a:pPr>
+            <a:endParaRPr lang="de-DE" dirty="0"/>
           </a:p>
         </p:txBody>
       </p:sp>
     </p:spTree>
     <p:extLst>
       <p:ext uri="{BB962C8B-B14F-4D97-AF65-F5344CB8AC3E}">
-        <p14:creationId xmlns:p14="http://schemas.microsoft.com/office/powerpoint/2010/main" val="3865403592"/>
+        <p14:creationId xmlns:p14="http://schemas.microsoft.com/office/powerpoint/2010/main" val="3823133771"/>
       </p:ext>
     </p:extLst>
   </p:cSld>
@@ -14153,12 +13704,12 @@
               <a:buNone/>
             </a:pPr>
             <a:r>
-              <a:rPr lang="en-US" b="1" dirty="0"/>
-              <a:t>Docker-in-Docker Container Image </a:t>
+              <a:rPr lang="en-US" sz="2000" b="1" dirty="0" err="1"/>
+              <a:t>Beispiel</a:t>
             </a:r>
             <a:r>
               <a:rPr lang="en-US" sz="2000" b="1" dirty="0"/>
-              <a:t>(</a:t>
+              <a:t>: Docker-in-Docker Container Image (</a:t>
             </a:r>
             <a:r>
               <a:rPr lang="en-US" sz="2000" b="1" dirty="0">
@@ -14172,27 +13723,185 @@
               <a:rPr lang="en-US" sz="2000" b="1" dirty="0"/>
               <a:t>)</a:t>
             </a:r>
+          </a:p>
+          <a:p>
+            <a:pPr marL="0" indent="0">
+              <a:buNone/>
+            </a:pPr>
+            <a:r>
+              <a:rPr lang="en-US" sz="2000" dirty="0" err="1"/>
+              <a:t>Eigene</a:t>
+            </a:r>
+            <a:r>
+              <a:rPr lang="en-US" sz="2000" dirty="0"/>
+              <a:t> Container Images </a:t>
+            </a:r>
+            <a:r>
+              <a:rPr lang="en-US" sz="2000" dirty="0" err="1"/>
+              <a:t>mit</a:t>
+            </a:r>
+            <a:r>
+              <a:rPr lang="en-US" sz="2000" dirty="0"/>
+              <a:t> Docker-in-Docker </a:t>
+            </a:r>
+            <a:r>
+              <a:rPr lang="en-US" sz="2000" dirty="0" err="1"/>
+              <a:t>nutzen</a:t>
+            </a:r>
+            <a:endParaRPr lang="en-US" sz="2000" dirty="0"/>
+          </a:p>
+          <a:p>
+            <a:pPr marL="457200" indent="-457200">
+              <a:buFont typeface="+mj-lt"/>
+              <a:buAutoNum type="arabicPeriod"/>
+            </a:pPr>
+            <a:r>
+              <a:rPr lang="en-US" sz="2000" dirty="0"/>
+              <a:t>Docker-in-Docker </a:t>
+            </a:r>
+            <a:r>
+              <a:rPr lang="en-US" sz="2000" dirty="0" err="1"/>
+              <a:t>einrichten</a:t>
+            </a:r>
+            <a:endParaRPr lang="en-US" sz="2000" dirty="0"/>
+          </a:p>
+          <a:p>
+            <a:pPr marL="457200" indent="-457200">
+              <a:buFont typeface="+mj-lt"/>
+              <a:buAutoNum type="arabicPeriod"/>
+            </a:pPr>
+            <a:r>
+              <a:rPr lang="en-US" sz="2000" dirty="0">
+                <a:solidFill>
+                  <a:srgbClr val="FF0000"/>
+                </a:solidFill>
+                <a:latin typeface="Consolas" panose="020B0609020204030204" pitchFamily="49" charset="0"/>
+              </a:rPr>
+              <a:t>image</a:t>
+            </a:r>
+            <a:r>
+              <a:rPr lang="en-US" sz="2000" dirty="0"/>
+              <a:t> und </a:t>
+            </a:r>
+            <a:r>
+              <a:rPr lang="en-US" sz="2000" dirty="0">
+                <a:solidFill>
+                  <a:srgbClr val="FF0000"/>
+                </a:solidFill>
+                <a:latin typeface="Consolas" panose="020B0609020204030204" pitchFamily="49" charset="0"/>
+              </a:rPr>
+              <a:t>service</a:t>
+            </a:r>
+            <a:r>
+              <a:rPr lang="en-US" sz="2000" dirty="0"/>
+              <a:t> auf </a:t>
+            </a:r>
+            <a:r>
+              <a:rPr lang="en-US" sz="2000" i="1" dirty="0"/>
+              <a:t>docker</a:t>
+            </a:r>
+            <a:r>
+              <a:rPr lang="en-US" sz="2000" dirty="0"/>
+              <a:t> </a:t>
+            </a:r>
+            <a:r>
+              <a:rPr lang="en-US" sz="2000" dirty="0" err="1"/>
+              <a:t>bzw</a:t>
+            </a:r>
+            <a:r>
+              <a:rPr lang="en-US" sz="2000" dirty="0"/>
+              <a:t>. </a:t>
+            </a:r>
+            <a:r>
+              <a:rPr lang="en-US" sz="2000" i="1" dirty="0"/>
+              <a:t>docker-</a:t>
+            </a:r>
+            <a:r>
+              <a:rPr lang="en-US" sz="2000" i="1" dirty="0" err="1"/>
+              <a:t>dind</a:t>
+            </a:r>
+            <a:r>
+              <a:rPr lang="en-US" sz="2000" dirty="0"/>
+              <a:t> Image </a:t>
+            </a:r>
+            <a:r>
+              <a:rPr lang="en-US" sz="2000" dirty="0" err="1"/>
+              <a:t>zeigen</a:t>
+            </a:r>
+            <a:r>
+              <a:rPr lang="en-US" sz="2000" dirty="0"/>
+              <a:t> </a:t>
+            </a:r>
+            <a:r>
+              <a:rPr lang="en-US" sz="2000" dirty="0" err="1"/>
+              <a:t>lassen</a:t>
+            </a:r>
+            <a:endParaRPr lang="en-US" sz="2000" dirty="0"/>
+          </a:p>
+          <a:p>
+            <a:pPr marL="457200" indent="-457200">
+              <a:buFont typeface="+mj-lt"/>
+              <a:buAutoNum type="arabicPeriod"/>
+            </a:pPr>
+            <a:r>
+              <a:rPr lang="en-US" sz="2000" dirty="0">
+                <a:solidFill>
+                  <a:srgbClr val="FF0000"/>
+                </a:solidFill>
+                <a:latin typeface="Consolas" panose="020B0609020204030204" pitchFamily="49" charset="0"/>
+              </a:rPr>
+              <a:t>alias</a:t>
+            </a:r>
+            <a:r>
+              <a:rPr lang="en-US" sz="2000" dirty="0"/>
+              <a:t> für </a:t>
+            </a:r>
+            <a:r>
+              <a:rPr lang="en-US" sz="2000" i="1" dirty="0"/>
+              <a:t>docker-</a:t>
+            </a:r>
+            <a:r>
+              <a:rPr lang="en-US" sz="2000" i="1" dirty="0" err="1"/>
+              <a:t>dind</a:t>
+            </a:r>
+            <a:r>
+              <a:rPr lang="en-US" sz="2000" dirty="0"/>
+              <a:t> </a:t>
+            </a:r>
+            <a:r>
+              <a:rPr lang="en-US" sz="2000" dirty="0" err="1"/>
+              <a:t>definieren</a:t>
+            </a:r>
             <a:endParaRPr lang="en-US" sz="2000" dirty="0">
               <a:latin typeface="Consolas" panose="020B0609020204030204" pitchFamily="49" charset="0"/>
             </a:endParaRPr>
           </a:p>
           <a:p>
+            <a:pPr marL="457200" indent="-457200">
+              <a:buFont typeface="+mj-lt"/>
+              <a:buAutoNum type="arabicPeriod"/>
+            </a:pPr>
+            <a:endParaRPr lang="en-US" sz="2000" dirty="0">
+              <a:latin typeface="Consolas" panose="020B0609020204030204" pitchFamily="49" charset="0"/>
+            </a:endParaRPr>
+          </a:p>
+          <a:p>
             <a:pPr marL="0" indent="0">
               <a:buNone/>
             </a:pPr>
             <a:r>
-              <a:rPr lang="en-US" sz="2000" dirty="0">
+              <a:rPr lang="en-US" sz="1800" dirty="0">
                 <a:latin typeface="Consolas" panose="020B0609020204030204" pitchFamily="49" charset="0"/>
               </a:rPr>
               <a:t>.</a:t>
             </a:r>
             <a:r>
-              <a:rPr lang="en-US" sz="2000" dirty="0" err="1">
+              <a:rPr lang="en-US" sz="1800" dirty="0" err="1">
                 <a:latin typeface="Consolas" panose="020B0609020204030204" pitchFamily="49" charset="0"/>
               </a:rPr>
               <a:t>gitlab-ci.yml</a:t>
             </a:r>
-            <a:endParaRPr lang="en-US" sz="2000" dirty="0">
+            <a:endParaRPr lang="en-US" sz="1800" dirty="0">
               <a:latin typeface="Consolas" panose="020B0609020204030204" pitchFamily="49" charset="0"/>
             </a:endParaRPr>
           </a:p>
@@ -14217,7 +13926,7 @@
               <a:defRPr/>
             </a:pPr>
             <a:r>
-              <a:rPr kumimoji="0" lang="en-US" sz="1600" b="0" i="0" u="none" strike="noStrike" kern="0" cap="none" spc="0" normalizeH="0" baseline="0" noProof="0" dirty="0">
+              <a:rPr kumimoji="0" lang="en-US" sz="1400" b="0" i="0" u="none" strike="noStrike" kern="0" cap="none" spc="0" normalizeH="0" baseline="0" noProof="0" dirty="0">
                 <a:ln>
                   <a:noFill/>
                 </a:ln>
@@ -14255,7 +13964,7 @@
               <a:defRPr/>
             </a:pPr>
             <a:r>
-              <a:rPr kumimoji="0" lang="en-US" sz="1600" b="0" i="0" u="none" strike="noStrike" kern="0" cap="none" spc="0" normalizeH="0" baseline="0" noProof="0" dirty="0">
+              <a:rPr kumimoji="0" lang="en-US" sz="1400" b="0" i="0" u="none" strike="noStrike" kern="0" cap="none" spc="0" normalizeH="0" baseline="0" noProof="0" dirty="0">
                 <a:ln>
                   <a:noFill/>
                 </a:ln>
@@ -14272,7 +13981,7 @@
               <a:t>  </a:t>
             </a:r>
             <a:r>
-              <a:rPr kumimoji="0" lang="en-US" sz="1600" b="0" i="0" u="none" strike="noStrike" kern="0" cap="none" spc="0" normalizeH="0" baseline="0" noProof="0" dirty="0">
+              <a:rPr kumimoji="0" lang="en-US" sz="1400" b="0" i="0" u="none" strike="noStrike" kern="0" cap="none" spc="0" normalizeH="0" baseline="0" noProof="0" dirty="0">
                 <a:ln>
                   <a:noFill/>
                 </a:ln>
@@ -14289,7 +13998,7 @@
               <a:t>image</a:t>
             </a:r>
             <a:r>
-              <a:rPr kumimoji="0" lang="en-US" sz="1600" b="0" i="0" u="none" strike="noStrike" kern="0" cap="none" spc="0" normalizeH="0" baseline="0" noProof="0" dirty="0">
+              <a:rPr kumimoji="0" lang="en-US" sz="1400" b="0" i="0" u="none" strike="noStrike" kern="0" cap="none" spc="0" normalizeH="0" baseline="0" noProof="0" dirty="0">
                 <a:ln>
                   <a:noFill/>
                 </a:ln>
@@ -14306,7 +14015,7 @@
               <a:t>: </a:t>
             </a:r>
             <a:r>
-              <a:rPr kumimoji="0" lang="en-US" sz="1600" b="0" i="0" u="none" strike="noStrike" kern="0" cap="none" spc="0" normalizeH="0" baseline="0" noProof="0" dirty="0">
+              <a:rPr kumimoji="0" lang="en-US" sz="1400" b="0" i="0" u="none" strike="noStrike" kern="0" cap="none" spc="0" normalizeH="0" baseline="0" noProof="0" dirty="0">
                 <a:ln>
                   <a:noFill/>
                 </a:ln>
@@ -14323,7 +14032,7 @@
               <a:t>${CI_DEPENDENCY_PROXY_GROUP_IMAGE_PREFIX}</a:t>
             </a:r>
             <a:r>
-              <a:rPr kumimoji="0" lang="en-US" sz="1600" b="0" i="0" u="none" strike="noStrike" kern="0" cap="none" spc="0" normalizeH="0" baseline="0" noProof="0" dirty="0">
+              <a:rPr kumimoji="0" lang="en-US" sz="1400" b="0" i="0" u="none" strike="noStrike" kern="0" cap="none" spc="0" normalizeH="0" baseline="0" noProof="0" dirty="0">
                 <a:ln>
                   <a:noFill/>
                 </a:ln>
@@ -14361,7 +14070,7 @@
               <a:defRPr/>
             </a:pPr>
             <a:r>
-              <a:rPr kumimoji="0" lang="en-US" sz="1600" b="0" i="0" u="none" strike="noStrike" kern="0" cap="none" spc="0" normalizeH="0" baseline="0" noProof="0" dirty="0">
+              <a:rPr kumimoji="0" lang="en-US" sz="1400" b="0" i="0" u="none" strike="noStrike" kern="0" cap="none" spc="0" normalizeH="0" baseline="0" noProof="0" dirty="0">
                 <a:ln>
                   <a:noFill/>
                 </a:ln>
@@ -14378,7 +14087,7 @@
               <a:t>  </a:t>
             </a:r>
             <a:r>
-              <a:rPr kumimoji="0" lang="en-US" sz="1600" b="0" i="0" u="none" strike="noStrike" kern="0" cap="none" spc="0" normalizeH="0" baseline="0" noProof="0" dirty="0">
+              <a:rPr kumimoji="0" lang="en-US" sz="1400" b="0" i="0" u="none" strike="noStrike" kern="0" cap="none" spc="0" normalizeH="0" baseline="0" noProof="0" dirty="0">
                 <a:ln>
                   <a:noFill/>
                 </a:ln>
@@ -14395,7 +14104,7 @@
               <a:t>services</a:t>
             </a:r>
             <a:r>
-              <a:rPr kumimoji="0" lang="en-US" sz="1600" b="0" i="0" u="none" strike="noStrike" kern="0" cap="none" spc="0" normalizeH="0" baseline="0" noProof="0" dirty="0">
+              <a:rPr kumimoji="0" lang="en-US" sz="1400" b="0" i="0" u="none" strike="noStrike" kern="0" cap="none" spc="0" normalizeH="0" baseline="0" noProof="0" dirty="0">
                 <a:ln>
                   <a:noFill/>
                 </a:ln>
@@ -14433,7 +14142,7 @@
               <a:defRPr/>
             </a:pPr>
             <a:r>
-              <a:rPr kumimoji="0" lang="en-US" sz="1600" b="0" i="0" u="none" strike="noStrike" kern="0" cap="none" spc="0" normalizeH="0" baseline="0" noProof="0" dirty="0">
+              <a:rPr kumimoji="0" lang="en-US" sz="1400" b="0" i="0" u="none" strike="noStrike" kern="0" cap="none" spc="0" normalizeH="0" baseline="0" noProof="0" dirty="0">
                 <a:ln>
                   <a:noFill/>
                 </a:ln>
@@ -14450,7 +14159,7 @@
               <a:t>    - name: </a:t>
             </a:r>
             <a:r>
-              <a:rPr kumimoji="0" lang="en-US" sz="1600" b="0" i="0" u="none" strike="noStrike" kern="0" cap="none" spc="0" normalizeH="0" baseline="0" noProof="0" dirty="0">
+              <a:rPr kumimoji="0" lang="en-US" sz="1400" b="0" i="0" u="none" strike="noStrike" kern="0" cap="none" spc="0" normalizeH="0" baseline="0" noProof="0" dirty="0">
                 <a:ln>
                   <a:noFill/>
                 </a:ln>
@@ -14467,7 +14176,7 @@
               <a:t>${CI_DEPENDENCY_PROXY_GROUP_IMAGE_PREFIX}</a:t>
             </a:r>
             <a:r>
-              <a:rPr kumimoji="0" lang="en-US" sz="1600" b="0" i="0" u="none" strike="noStrike" kern="0" cap="none" spc="0" normalizeH="0" baseline="0" noProof="0" dirty="0">
+              <a:rPr kumimoji="0" lang="en-US" sz="1400" b="0" i="0" u="none" strike="noStrike" kern="0" cap="none" spc="0" normalizeH="0" baseline="0" noProof="0" dirty="0">
                 <a:ln>
                   <a:noFill/>
                 </a:ln>
@@ -14505,7 +14214,7 @@
               <a:defRPr/>
             </a:pPr>
             <a:r>
-              <a:rPr kumimoji="0" lang="en-US" sz="1600" b="0" i="0" u="none" strike="noStrike" kern="0" cap="none" spc="0" normalizeH="0" baseline="0" noProof="0" dirty="0">
+              <a:rPr kumimoji="0" lang="en-US" sz="1400" b="0" i="0" u="none" strike="noStrike" kern="0" cap="none" spc="0" normalizeH="0" baseline="0" noProof="0" dirty="0">
                 <a:ln>
                   <a:noFill/>
                 </a:ln>
@@ -14522,7 +14231,7 @@
               <a:t>      </a:t>
             </a:r>
             <a:r>
-              <a:rPr kumimoji="0" lang="en-US" sz="1600" b="0" i="0" u="none" strike="noStrike" kern="0" cap="none" spc="0" normalizeH="0" baseline="0" noProof="0" dirty="0">
+              <a:rPr kumimoji="0" lang="en-US" sz="1400" b="0" i="0" u="none" strike="noStrike" kern="0" cap="none" spc="0" normalizeH="0" baseline="0" noProof="0" dirty="0">
                 <a:ln>
                   <a:noFill/>
                 </a:ln>
@@ -14539,7 +14248,7 @@
               <a:t>alias</a:t>
             </a:r>
             <a:r>
-              <a:rPr kumimoji="0" lang="en-US" sz="1600" b="0" i="0" u="none" strike="noStrike" kern="0" cap="none" spc="0" normalizeH="0" baseline="0" noProof="0" dirty="0">
+              <a:rPr kumimoji="0" lang="en-US" sz="1400" b="0" i="0" u="none" strike="noStrike" kern="0" cap="none" spc="0" normalizeH="0" baseline="0" noProof="0" dirty="0">
                 <a:ln>
                   <a:noFill/>
                 </a:ln>
@@ -14577,7 +14286,7 @@
               <a:defRPr/>
             </a:pPr>
             <a:r>
-              <a:rPr kumimoji="0" lang="en-US" sz="1600" b="0" i="0" u="none" strike="noStrike" kern="0" cap="none" spc="0" normalizeH="0" baseline="0" noProof="0" dirty="0">
+              <a:rPr kumimoji="0" lang="en-US" sz="1400" b="0" i="0" u="none" strike="noStrike" kern="0" cap="none" spc="0" normalizeH="0" baseline="0" noProof="0" dirty="0">
                 <a:ln>
                   <a:noFill/>
                 </a:ln>
@@ -14615,7 +14324,7 @@
               <a:defRPr/>
             </a:pPr>
             <a:r>
-              <a:rPr kumimoji="0" lang="en-US" sz="1600" b="0" i="0" u="none" strike="noStrike" kern="0" cap="none" spc="0" normalizeH="0" baseline="0" noProof="0" dirty="0">
+              <a:rPr kumimoji="0" lang="en-US" sz="1400" b="0" i="0" u="none" strike="noStrike" kern="0" cap="none" spc="0" normalizeH="0" baseline="0" noProof="0" dirty="0">
                 <a:ln>
                   <a:noFill/>
                 </a:ln>
@@ -14653,7 +14362,7 @@
               <a:defRPr/>
             </a:pPr>
             <a:r>
-              <a:rPr kumimoji="0" lang="en-US" sz="1600" b="0" i="0" u="none" strike="noStrike" kern="0" cap="none" spc="0" normalizeH="0" baseline="0" noProof="0" dirty="0">
+              <a:rPr kumimoji="0" lang="en-US" sz="1400" b="0" i="0" u="none" strike="noStrike" kern="0" cap="none" spc="0" normalizeH="0" baseline="0" noProof="0" dirty="0">
                 <a:ln>
                   <a:noFill/>
                 </a:ln>
@@ -14691,6 +14400,669 @@
               <a:defRPr/>
             </a:pPr>
             <a:r>
+              <a:rPr kumimoji="0" lang="en-US" sz="1400" b="0" i="0" u="none" strike="noStrike" kern="0" cap="none" spc="0" normalizeH="0" baseline="0" noProof="0" dirty="0">
+                <a:ln>
+                  <a:noFill/>
+                </a:ln>
+                <a:solidFill>
+                  <a:srgbClr val="000000"/>
+                </a:solidFill>
+                <a:effectLst/>
+                <a:uLnTx/>
+                <a:uFillTx/>
+                <a:latin typeface="Consolas" panose="020B0609020204030204" pitchFamily="49" charset="0"/>
+                <a:ea typeface="+mn-ea"/>
+                <a:cs typeface="+mn-cs"/>
+              </a:rPr>
+              <a:t>    - docker run my-docker-image /script/to/run/tests</a:t>
+            </a:r>
+            <a:endParaRPr kumimoji="0" lang="en-US" sz="1100" b="0" i="0" u="none" strike="noStrike" kern="0" cap="none" spc="0" normalizeH="0" baseline="0" noProof="0" dirty="0">
+              <a:ln>
+                <a:noFill/>
+              </a:ln>
+              <a:solidFill>
+                <a:srgbClr val="000000"/>
+              </a:solidFill>
+              <a:effectLst/>
+              <a:uLnTx/>
+              <a:uFillTx/>
+              <a:latin typeface="Consolas" panose="020B0609020204030204" pitchFamily="49" charset="0"/>
+              <a:ea typeface="+mn-ea"/>
+              <a:cs typeface="+mn-cs"/>
+            </a:endParaRPr>
+          </a:p>
+        </p:txBody>
+      </p:sp>
+    </p:spTree>
+    <p:extLst>
+      <p:ext uri="{BB962C8B-B14F-4D97-AF65-F5344CB8AC3E}">
+        <p14:creationId xmlns:p14="http://schemas.microsoft.com/office/powerpoint/2010/main" val="3865403592"/>
+      </p:ext>
+    </p:extLst>
+  </p:cSld>
+  <p:clrMapOvr>
+    <a:masterClrMapping/>
+  </p:clrMapOvr>
+</p:sld>
+</file>
+
+<file path=ppt/slides/slide35.xml><?xml version="1.0" encoding="utf-8"?>
+<p:sld xmlns:a="http://schemas.openxmlformats.org/drawingml/2006/main" xmlns:r="http://schemas.openxmlformats.org/officeDocument/2006/relationships" xmlns:p="http://schemas.openxmlformats.org/presentationml/2006/main" show="0">
+  <p:cSld>
+    <p:spTree>
+      <p:nvGrpSpPr>
+        <p:cNvPr id="1" name=""/>
+        <p:cNvGrpSpPr/>
+        <p:nvPr/>
+      </p:nvGrpSpPr>
+      <p:grpSpPr>
+        <a:xfrm>
+          <a:off x="0" y="0"/>
+          <a:ext cx="0" cy="0"/>
+          <a:chOff x="0" y="0"/>
+          <a:chExt cx="0" cy="0"/>
+        </a:xfrm>
+      </p:grpSpPr>
+      <p:sp>
+        <p:nvSpPr>
+          <p:cNvPr id="2" name="Titel 1">
+            <a:extLst>
+              <a:ext uri="{FF2B5EF4-FFF2-40B4-BE49-F238E27FC236}">
+                <a16:creationId xmlns:a16="http://schemas.microsoft.com/office/drawing/2014/main" id="{021C1D90-AB38-D152-26B9-E4AB49CCFEE9}"/>
+              </a:ext>
+            </a:extLst>
+          </p:cNvPr>
+          <p:cNvSpPr>
+            <a:spLocks noGrp="1"/>
+          </p:cNvSpPr>
+          <p:nvPr>
+            <p:ph type="title"/>
+          </p:nvPr>
+        </p:nvSpPr>
+        <p:spPr/>
+        <p:txBody>
+          <a:bodyPr/>
+          <a:lstStyle/>
+          <a:p>
+            <a:r>
+              <a:rPr lang="de-DE" cap="none" dirty="0"/>
+              <a:t>Release- und </a:t>
+            </a:r>
+            <a:r>
+              <a:rPr lang="de-DE" cap="none" dirty="0" err="1"/>
+              <a:t>Tagged</a:t>
+            </a:r>
+            <a:r>
+              <a:rPr lang="de-DE" cap="none" dirty="0"/>
+              <a:t>-Images</a:t>
+            </a:r>
+            <a:endParaRPr lang="de-DE" dirty="0"/>
+          </a:p>
+        </p:txBody>
+      </p:sp>
+      <p:sp>
+        <p:nvSpPr>
+          <p:cNvPr id="3" name="Inhaltsplatzhalter 2">
+            <a:extLst>
+              <a:ext uri="{FF2B5EF4-FFF2-40B4-BE49-F238E27FC236}">
+                <a16:creationId xmlns:a16="http://schemas.microsoft.com/office/drawing/2014/main" id="{01B30DD9-6590-DB7B-37D7-65618A4BAC0E}"/>
+              </a:ext>
+            </a:extLst>
+          </p:cNvPr>
+          <p:cNvSpPr>
+            <a:spLocks noGrp="1"/>
+          </p:cNvSpPr>
+          <p:nvPr>
+            <p:ph idx="1"/>
+          </p:nvPr>
+        </p:nvSpPr>
+        <p:spPr/>
+        <p:txBody>
+          <a:bodyPr/>
+          <a:lstStyle/>
+          <a:p>
+            <a:pPr marL="0" indent="0">
+              <a:buNone/>
+            </a:pPr>
+            <a:r>
+              <a:rPr lang="en-US" b="1" dirty="0"/>
+              <a:t>Docker-in-Docker Container Image </a:t>
+            </a:r>
+            <a:r>
+              <a:rPr lang="en-US" sz="2000" b="1" dirty="0"/>
+              <a:t>(</a:t>
+            </a:r>
+            <a:r>
+              <a:rPr lang="en-US" sz="2000" b="1" dirty="0">
+                <a:solidFill>
+                  <a:srgbClr val="0249FC"/>
+                </a:solidFill>
+              </a:rPr>
+              <a:t>Dependency Proxy</a:t>
+            </a:r>
+            <a:r>
+              <a:rPr lang="en-US" sz="2000" b="1" dirty="0"/>
+              <a:t>)</a:t>
+            </a:r>
+            <a:endParaRPr lang="en-US" sz="2000" dirty="0">
+              <a:latin typeface="Consolas" panose="020B0609020204030204" pitchFamily="49" charset="0"/>
+            </a:endParaRPr>
+          </a:p>
+          <a:p>
+            <a:pPr marL="0" indent="0">
+              <a:buNone/>
+            </a:pPr>
+            <a:r>
+              <a:rPr lang="en-US" sz="2000" dirty="0">
+                <a:latin typeface="Consolas" panose="020B0609020204030204" pitchFamily="49" charset="0"/>
+              </a:rPr>
+              <a:t>.</a:t>
+            </a:r>
+            <a:r>
+              <a:rPr lang="en-US" sz="2000" dirty="0" err="1">
+                <a:latin typeface="Consolas" panose="020B0609020204030204" pitchFamily="49" charset="0"/>
+              </a:rPr>
+              <a:t>gitlab-ci.yml</a:t>
+            </a:r>
+            <a:endParaRPr lang="en-US" sz="2000" dirty="0">
+              <a:latin typeface="Consolas" panose="020B0609020204030204" pitchFamily="49" charset="0"/>
+            </a:endParaRPr>
+          </a:p>
+          <a:p>
+            <a:pPr marL="0" marR="0" lvl="0" indent="0" algn="l" defTabSz="914400" rtl="0" eaLnBrk="1" fontAlgn="base" latinLnBrk="0" hangingPunct="1">
+              <a:lnSpc>
+                <a:spcPct val="100000"/>
+              </a:lnSpc>
+              <a:spcBef>
+                <a:spcPct val="20000"/>
+              </a:spcBef>
+              <a:spcAft>
+                <a:spcPct val="0"/>
+              </a:spcAft>
+              <a:buClr>
+                <a:srgbClr val="008C5A"/>
+              </a:buClr>
+              <a:buSzTx/>
+              <a:buFont typeface="Monotype Sorts" pitchFamily="2" charset="2"/>
+              <a:buNone/>
+              <a:tabLst/>
+              <a:defRPr/>
+            </a:pPr>
+            <a:r>
+              <a:rPr kumimoji="0" lang="en-US" sz="1600" b="0" i="0" u="none" strike="noStrike" kern="0" cap="none" spc="0" normalizeH="0" baseline="0" noProof="0" dirty="0">
+                <a:ln>
+                  <a:noFill/>
+                </a:ln>
+                <a:solidFill>
+                  <a:srgbClr val="000000"/>
+                </a:solidFill>
+                <a:effectLst/>
+                <a:uLnTx/>
+                <a:uFillTx/>
+                <a:latin typeface="Consolas" panose="020B0609020204030204" pitchFamily="49" charset="0"/>
+                <a:ea typeface="+mn-ea"/>
+                <a:cs typeface="+mn-cs"/>
+              </a:rPr>
+              <a:t>build:</a:t>
+            </a:r>
+          </a:p>
+          <a:p>
+            <a:pPr marL="0" marR="0" lvl="0" indent="0" algn="l" defTabSz="914400" rtl="0" eaLnBrk="1" fontAlgn="base" latinLnBrk="0" hangingPunct="1">
+              <a:lnSpc>
+                <a:spcPct val="100000"/>
+              </a:lnSpc>
+              <a:spcBef>
+                <a:spcPct val="20000"/>
+              </a:spcBef>
+              <a:spcAft>
+                <a:spcPct val="0"/>
+              </a:spcAft>
+              <a:buClr>
+                <a:srgbClr val="008C5A"/>
+              </a:buClr>
+              <a:buSzTx/>
+              <a:buFont typeface="Monotype Sorts" pitchFamily="2" charset="2"/>
+              <a:buNone/>
+              <a:tabLst/>
+              <a:defRPr/>
+            </a:pPr>
+            <a:r>
+              <a:rPr kumimoji="0" lang="en-US" sz="1600" b="0" i="0" u="none" strike="noStrike" kern="0" cap="none" spc="0" normalizeH="0" baseline="0" noProof="0" dirty="0">
+                <a:ln>
+                  <a:noFill/>
+                </a:ln>
+                <a:solidFill>
+                  <a:srgbClr val="000000"/>
+                </a:solidFill>
+                <a:effectLst/>
+                <a:uLnTx/>
+                <a:uFillTx/>
+                <a:latin typeface="Consolas" panose="020B0609020204030204" pitchFamily="49" charset="0"/>
+                <a:ea typeface="+mn-ea"/>
+                <a:cs typeface="+mn-cs"/>
+              </a:rPr>
+              <a:t>  </a:t>
+            </a:r>
+            <a:r>
+              <a:rPr kumimoji="0" lang="en-US" sz="1600" b="0" i="0" u="none" strike="noStrike" kern="0" cap="none" spc="0" normalizeH="0" baseline="0" noProof="0" dirty="0">
+                <a:ln>
+                  <a:noFill/>
+                </a:ln>
+                <a:solidFill>
+                  <a:srgbClr val="FF0000"/>
+                </a:solidFill>
+                <a:effectLst/>
+                <a:uLnTx/>
+                <a:uFillTx/>
+                <a:latin typeface="Consolas" panose="020B0609020204030204" pitchFamily="49" charset="0"/>
+                <a:ea typeface="+mn-ea"/>
+                <a:cs typeface="+mn-cs"/>
+              </a:rPr>
+              <a:t>image</a:t>
+            </a:r>
+            <a:r>
+              <a:rPr kumimoji="0" lang="en-US" sz="1600" b="0" i="0" u="none" strike="noStrike" kern="0" cap="none" spc="0" normalizeH="0" baseline="0" noProof="0" dirty="0">
+                <a:ln>
+                  <a:noFill/>
+                </a:ln>
+                <a:solidFill>
+                  <a:srgbClr val="000000"/>
+                </a:solidFill>
+                <a:effectLst/>
+                <a:uLnTx/>
+                <a:uFillTx/>
+                <a:latin typeface="Consolas" panose="020B0609020204030204" pitchFamily="49" charset="0"/>
+                <a:ea typeface="+mn-ea"/>
+                <a:cs typeface="+mn-cs"/>
+              </a:rPr>
+              <a:t>: </a:t>
+            </a:r>
+            <a:r>
+              <a:rPr kumimoji="0" lang="en-US" sz="1600" b="0" i="0" u="none" strike="noStrike" kern="0" cap="none" spc="0" normalizeH="0" baseline="0" noProof="0" dirty="0">
+                <a:ln>
+                  <a:noFill/>
+                </a:ln>
+                <a:solidFill>
+                  <a:srgbClr val="0249FC"/>
+                </a:solidFill>
+                <a:effectLst/>
+                <a:uLnTx/>
+                <a:uFillTx/>
+                <a:latin typeface="Consolas" panose="020B0609020204030204" pitchFamily="49" charset="0"/>
+                <a:ea typeface="+mn-ea"/>
+                <a:cs typeface="+mn-cs"/>
+              </a:rPr>
+              <a:t>${CI_DEPENDENCY_PROXY_GROUP_IMAGE_PREFIX}</a:t>
+            </a:r>
+            <a:r>
+              <a:rPr kumimoji="0" lang="en-US" sz="1600" b="0" i="0" u="none" strike="noStrike" kern="0" cap="none" spc="0" normalizeH="0" baseline="0" noProof="0" dirty="0">
+                <a:ln>
+                  <a:noFill/>
+                </a:ln>
+                <a:solidFill>
+                  <a:srgbClr val="000000"/>
+                </a:solidFill>
+                <a:effectLst/>
+                <a:uLnTx/>
+                <a:uFillTx/>
+                <a:latin typeface="Consolas" panose="020B0609020204030204" pitchFamily="49" charset="0"/>
+                <a:ea typeface="+mn-ea"/>
+                <a:cs typeface="+mn-cs"/>
+              </a:rPr>
+              <a:t>/docker:20.10.16</a:t>
+            </a:r>
+          </a:p>
+          <a:p>
+            <a:pPr marL="0" marR="0" lvl="0" indent="0" algn="l" defTabSz="914400" rtl="0" eaLnBrk="1" fontAlgn="base" latinLnBrk="0" hangingPunct="1">
+              <a:lnSpc>
+                <a:spcPct val="100000"/>
+              </a:lnSpc>
+              <a:spcBef>
+                <a:spcPct val="20000"/>
+              </a:spcBef>
+              <a:spcAft>
+                <a:spcPct val="0"/>
+              </a:spcAft>
+              <a:buClr>
+                <a:srgbClr val="008C5A"/>
+              </a:buClr>
+              <a:buSzTx/>
+              <a:buFont typeface="Monotype Sorts" pitchFamily="2" charset="2"/>
+              <a:buNone/>
+              <a:tabLst/>
+              <a:defRPr/>
+            </a:pPr>
+            <a:r>
+              <a:rPr kumimoji="0" lang="en-US" sz="1600" b="0" i="0" u="none" strike="noStrike" kern="0" cap="none" spc="0" normalizeH="0" baseline="0" noProof="0" dirty="0">
+                <a:ln>
+                  <a:noFill/>
+                </a:ln>
+                <a:solidFill>
+                  <a:srgbClr val="000000"/>
+                </a:solidFill>
+                <a:effectLst/>
+                <a:uLnTx/>
+                <a:uFillTx/>
+                <a:latin typeface="Consolas" panose="020B0609020204030204" pitchFamily="49" charset="0"/>
+                <a:ea typeface="+mn-ea"/>
+                <a:cs typeface="+mn-cs"/>
+              </a:rPr>
+              <a:t>  </a:t>
+            </a:r>
+            <a:r>
+              <a:rPr kumimoji="0" lang="en-US" sz="1600" b="0" i="0" u="none" strike="noStrike" kern="0" cap="none" spc="0" normalizeH="0" baseline="0" noProof="0" dirty="0">
+                <a:ln>
+                  <a:noFill/>
+                </a:ln>
+                <a:solidFill>
+                  <a:srgbClr val="FF0000"/>
+                </a:solidFill>
+                <a:effectLst/>
+                <a:uLnTx/>
+                <a:uFillTx/>
+                <a:latin typeface="Consolas" panose="020B0609020204030204" pitchFamily="49" charset="0"/>
+                <a:ea typeface="+mn-ea"/>
+                <a:cs typeface="+mn-cs"/>
+              </a:rPr>
+              <a:t>services</a:t>
+            </a:r>
+            <a:r>
+              <a:rPr kumimoji="0" lang="en-US" sz="1600" b="0" i="0" u="none" strike="noStrike" kern="0" cap="none" spc="0" normalizeH="0" baseline="0" noProof="0" dirty="0">
+                <a:ln>
+                  <a:noFill/>
+                </a:ln>
+                <a:solidFill>
+                  <a:srgbClr val="000000"/>
+                </a:solidFill>
+                <a:effectLst/>
+                <a:uLnTx/>
+                <a:uFillTx/>
+                <a:latin typeface="Consolas" panose="020B0609020204030204" pitchFamily="49" charset="0"/>
+                <a:ea typeface="+mn-ea"/>
+                <a:cs typeface="+mn-cs"/>
+              </a:rPr>
+              <a:t>:</a:t>
+            </a:r>
+          </a:p>
+          <a:p>
+            <a:pPr marL="0" marR="0" lvl="0" indent="0" algn="l" defTabSz="914400" rtl="0" eaLnBrk="1" fontAlgn="base" latinLnBrk="0" hangingPunct="1">
+              <a:lnSpc>
+                <a:spcPct val="100000"/>
+              </a:lnSpc>
+              <a:spcBef>
+                <a:spcPct val="20000"/>
+              </a:spcBef>
+              <a:spcAft>
+                <a:spcPct val="0"/>
+              </a:spcAft>
+              <a:buClr>
+                <a:srgbClr val="008C5A"/>
+              </a:buClr>
+              <a:buSzTx/>
+              <a:buFont typeface="Monotype Sorts" pitchFamily="2" charset="2"/>
+              <a:buNone/>
+              <a:tabLst/>
+              <a:defRPr/>
+            </a:pPr>
+            <a:r>
+              <a:rPr kumimoji="0" lang="en-US" sz="1600" b="0" i="0" u="none" strike="noStrike" kern="0" cap="none" spc="0" normalizeH="0" baseline="0" noProof="0" dirty="0">
+                <a:ln>
+                  <a:noFill/>
+                </a:ln>
+                <a:solidFill>
+                  <a:srgbClr val="000000"/>
+                </a:solidFill>
+                <a:effectLst/>
+                <a:uLnTx/>
+                <a:uFillTx/>
+                <a:latin typeface="Consolas" panose="020B0609020204030204" pitchFamily="49" charset="0"/>
+                <a:ea typeface="+mn-ea"/>
+                <a:cs typeface="+mn-cs"/>
+              </a:rPr>
+              <a:t>    - name: </a:t>
+            </a:r>
+            <a:r>
+              <a:rPr kumimoji="0" lang="en-US" sz="1600" b="0" i="0" u="none" strike="noStrike" kern="0" cap="none" spc="0" normalizeH="0" baseline="0" noProof="0" dirty="0">
+                <a:ln>
+                  <a:noFill/>
+                </a:ln>
+                <a:solidFill>
+                  <a:srgbClr val="0249FC"/>
+                </a:solidFill>
+                <a:effectLst/>
+                <a:uLnTx/>
+                <a:uFillTx/>
+                <a:latin typeface="Consolas" panose="020B0609020204030204" pitchFamily="49" charset="0"/>
+                <a:ea typeface="+mn-ea"/>
+                <a:cs typeface="+mn-cs"/>
+              </a:rPr>
+              <a:t>${CI_DEPENDENCY_PROXY_GROUP_IMAGE_PREFIX}</a:t>
+            </a:r>
+            <a:r>
+              <a:rPr kumimoji="0" lang="en-US" sz="1600" b="0" i="0" u="none" strike="noStrike" kern="0" cap="none" spc="0" normalizeH="0" baseline="0" noProof="0" dirty="0">
+                <a:ln>
+                  <a:noFill/>
+                </a:ln>
+                <a:solidFill>
+                  <a:srgbClr val="000000"/>
+                </a:solidFill>
+                <a:effectLst/>
+                <a:uLnTx/>
+                <a:uFillTx/>
+                <a:latin typeface="Consolas" panose="020B0609020204030204" pitchFamily="49" charset="0"/>
+                <a:ea typeface="+mn-ea"/>
+                <a:cs typeface="+mn-cs"/>
+              </a:rPr>
+              <a:t>/docker:20.10.16-dind</a:t>
+            </a:r>
+          </a:p>
+          <a:p>
+            <a:pPr marL="0" marR="0" lvl="0" indent="0" algn="l" defTabSz="914400" rtl="0" eaLnBrk="1" fontAlgn="base" latinLnBrk="0" hangingPunct="1">
+              <a:lnSpc>
+                <a:spcPct val="100000"/>
+              </a:lnSpc>
+              <a:spcBef>
+                <a:spcPct val="20000"/>
+              </a:spcBef>
+              <a:spcAft>
+                <a:spcPct val="0"/>
+              </a:spcAft>
+              <a:buClr>
+                <a:srgbClr val="008C5A"/>
+              </a:buClr>
+              <a:buSzTx/>
+              <a:buFont typeface="Monotype Sorts" pitchFamily="2" charset="2"/>
+              <a:buNone/>
+              <a:tabLst/>
+              <a:defRPr/>
+            </a:pPr>
+            <a:r>
+              <a:rPr kumimoji="0" lang="en-US" sz="1600" b="0" i="0" u="none" strike="noStrike" kern="0" cap="none" spc="0" normalizeH="0" baseline="0" noProof="0" dirty="0">
+                <a:ln>
+                  <a:noFill/>
+                </a:ln>
+                <a:solidFill>
+                  <a:srgbClr val="000000"/>
+                </a:solidFill>
+                <a:effectLst/>
+                <a:uLnTx/>
+                <a:uFillTx/>
+                <a:latin typeface="Consolas" panose="020B0609020204030204" pitchFamily="49" charset="0"/>
+                <a:ea typeface="+mn-ea"/>
+                <a:cs typeface="+mn-cs"/>
+              </a:rPr>
+              <a:t>      </a:t>
+            </a:r>
+            <a:r>
+              <a:rPr kumimoji="0" lang="en-US" sz="1600" b="0" i="0" u="none" strike="noStrike" kern="0" cap="none" spc="0" normalizeH="0" baseline="0" noProof="0" dirty="0">
+                <a:ln>
+                  <a:noFill/>
+                </a:ln>
+                <a:solidFill>
+                  <a:srgbClr val="FF0000"/>
+                </a:solidFill>
+                <a:effectLst/>
+                <a:uLnTx/>
+                <a:uFillTx/>
+                <a:latin typeface="Consolas" panose="020B0609020204030204" pitchFamily="49" charset="0"/>
+                <a:ea typeface="+mn-ea"/>
+                <a:cs typeface="+mn-cs"/>
+              </a:rPr>
+              <a:t>alias</a:t>
+            </a:r>
+            <a:r>
+              <a:rPr kumimoji="0" lang="en-US" sz="1600" b="0" i="0" u="none" strike="noStrike" kern="0" cap="none" spc="0" normalizeH="0" baseline="0" noProof="0" dirty="0">
+                <a:ln>
+                  <a:noFill/>
+                </a:ln>
+                <a:solidFill>
+                  <a:srgbClr val="000000"/>
+                </a:solidFill>
+                <a:effectLst/>
+                <a:uLnTx/>
+                <a:uFillTx/>
+                <a:latin typeface="Consolas" panose="020B0609020204030204" pitchFamily="49" charset="0"/>
+                <a:ea typeface="+mn-ea"/>
+                <a:cs typeface="+mn-cs"/>
+              </a:rPr>
+              <a:t>: docker</a:t>
+            </a:r>
+          </a:p>
+          <a:p>
+            <a:pPr marL="0" marR="0" lvl="0" indent="0" algn="l" defTabSz="914400" rtl="0" eaLnBrk="1" fontAlgn="base" latinLnBrk="0" hangingPunct="1">
+              <a:lnSpc>
+                <a:spcPct val="100000"/>
+              </a:lnSpc>
+              <a:spcBef>
+                <a:spcPct val="20000"/>
+              </a:spcBef>
+              <a:spcAft>
+                <a:spcPct val="0"/>
+              </a:spcAft>
+              <a:buClr>
+                <a:srgbClr val="008C5A"/>
+              </a:buClr>
+              <a:buSzTx/>
+              <a:buFont typeface="Monotype Sorts" pitchFamily="2" charset="2"/>
+              <a:buNone/>
+              <a:tabLst/>
+              <a:defRPr/>
+            </a:pPr>
+            <a:r>
+              <a:rPr kumimoji="0" lang="en-US" sz="1600" b="0" i="0" u="none" strike="noStrike" kern="0" cap="none" spc="0" normalizeH="0" baseline="0" noProof="0" dirty="0">
+                <a:ln>
+                  <a:noFill/>
+                </a:ln>
+                <a:solidFill>
+                  <a:srgbClr val="000000"/>
+                </a:solidFill>
+                <a:effectLst/>
+                <a:uLnTx/>
+                <a:uFillTx/>
+                <a:latin typeface="Consolas" panose="020B0609020204030204" pitchFamily="49" charset="0"/>
+                <a:ea typeface="+mn-ea"/>
+                <a:cs typeface="+mn-cs"/>
+              </a:rPr>
+              <a:t>  stage: build</a:t>
+            </a:r>
+          </a:p>
+          <a:p>
+            <a:pPr marL="0" marR="0" lvl="0" indent="0" algn="l" defTabSz="914400" rtl="0" eaLnBrk="1" fontAlgn="base" latinLnBrk="0" hangingPunct="1">
+              <a:lnSpc>
+                <a:spcPct val="100000"/>
+              </a:lnSpc>
+              <a:spcBef>
+                <a:spcPct val="20000"/>
+              </a:spcBef>
+              <a:spcAft>
+                <a:spcPct val="0"/>
+              </a:spcAft>
+              <a:buClr>
+                <a:srgbClr val="008C5A"/>
+              </a:buClr>
+              <a:buSzTx/>
+              <a:buFont typeface="Monotype Sorts" pitchFamily="2" charset="2"/>
+              <a:buNone/>
+              <a:tabLst/>
+              <a:defRPr/>
+            </a:pPr>
+            <a:r>
+              <a:rPr kumimoji="0" lang="en-US" sz="1600" b="0" i="0" u="none" strike="noStrike" kern="0" cap="none" spc="0" normalizeH="0" baseline="0" noProof="0" dirty="0">
+                <a:ln>
+                  <a:noFill/>
+                </a:ln>
+                <a:solidFill>
+                  <a:srgbClr val="000000"/>
+                </a:solidFill>
+                <a:effectLst/>
+                <a:uLnTx/>
+                <a:uFillTx/>
+                <a:latin typeface="Consolas" panose="020B0609020204030204" pitchFamily="49" charset="0"/>
+                <a:ea typeface="+mn-ea"/>
+                <a:cs typeface="+mn-cs"/>
+              </a:rPr>
+              <a:t>  script:</a:t>
+            </a:r>
+          </a:p>
+          <a:p>
+            <a:pPr marL="0" marR="0" lvl="0" indent="0" algn="l" defTabSz="914400" rtl="0" eaLnBrk="1" fontAlgn="base" latinLnBrk="0" hangingPunct="1">
+              <a:lnSpc>
+                <a:spcPct val="100000"/>
+              </a:lnSpc>
+              <a:spcBef>
+                <a:spcPct val="20000"/>
+              </a:spcBef>
+              <a:spcAft>
+                <a:spcPct val="0"/>
+              </a:spcAft>
+              <a:buClr>
+                <a:srgbClr val="008C5A"/>
+              </a:buClr>
+              <a:buSzTx/>
+              <a:buFont typeface="Monotype Sorts" pitchFamily="2" charset="2"/>
+              <a:buNone/>
+              <a:tabLst/>
+              <a:defRPr/>
+            </a:pPr>
+            <a:r>
+              <a:rPr kumimoji="0" lang="en-US" sz="1600" b="0" i="0" u="none" strike="noStrike" kern="0" cap="none" spc="0" normalizeH="0" baseline="0" noProof="0" dirty="0">
+                <a:ln>
+                  <a:noFill/>
+                </a:ln>
+                <a:solidFill>
+                  <a:srgbClr val="000000"/>
+                </a:solidFill>
+                <a:effectLst/>
+                <a:uLnTx/>
+                <a:uFillTx/>
+                <a:latin typeface="Consolas" panose="020B0609020204030204" pitchFamily="49" charset="0"/>
+                <a:ea typeface="+mn-ea"/>
+                <a:cs typeface="+mn-cs"/>
+              </a:rPr>
+              <a:t>    - docker build -t my-docker-image .</a:t>
+            </a:r>
+          </a:p>
+          <a:p>
+            <a:pPr marL="0" marR="0" lvl="0" indent="0" algn="l" defTabSz="914400" rtl="0" eaLnBrk="1" fontAlgn="base" latinLnBrk="0" hangingPunct="1">
+              <a:lnSpc>
+                <a:spcPct val="100000"/>
+              </a:lnSpc>
+              <a:spcBef>
+                <a:spcPct val="20000"/>
+              </a:spcBef>
+              <a:spcAft>
+                <a:spcPct val="0"/>
+              </a:spcAft>
+              <a:buClr>
+                <a:srgbClr val="008C5A"/>
+              </a:buClr>
+              <a:buSzTx/>
+              <a:buFont typeface="Monotype Sorts" pitchFamily="2" charset="2"/>
+              <a:buNone/>
+              <a:tabLst/>
+              <a:defRPr/>
+            </a:pPr>
+            <a:r>
               <a:rPr kumimoji="0" lang="en-US" sz="1600" b="0" i="0" u="none" strike="noStrike" kern="0" cap="none" spc="0" normalizeH="0" baseline="0" noProof="0" dirty="0">
                 <a:ln>
                   <a:noFill/>
@@ -14907,7 +15279,7 @@
 </p:sld>
 </file>
 
-<file path=ppt/slides/slide35.xml><?xml version="1.0" encoding="utf-8"?>
+<file path=ppt/slides/slide36.xml><?xml version="1.0" encoding="utf-8"?>
 <p:sld xmlns:a="http://schemas.openxmlformats.org/drawingml/2006/main" xmlns:r="http://schemas.openxmlformats.org/officeDocument/2006/relationships" xmlns:p="http://schemas.openxmlformats.org/presentationml/2006/main">
   <p:cSld>
     <p:spTree>
@@ -15260,7 +15632,7 @@
 </p:sld>
 </file>
 
-<file path=ppt/slides/slide36.xml><?xml version="1.0" encoding="utf-8"?>
+<file path=ppt/slides/slide37.xml><?xml version="1.0" encoding="utf-8"?>
 <p:sld xmlns:a="http://schemas.openxmlformats.org/drawingml/2006/main" xmlns:r="http://schemas.openxmlformats.org/officeDocument/2006/relationships" xmlns:p="http://schemas.openxmlformats.org/presentationml/2006/main">
   <p:cSld>
     <p:spTree>
@@ -15692,7 +16064,7 @@
 </p:sld>
 </file>
 
-<file path=ppt/slides/slide37.xml><?xml version="1.0" encoding="utf-8"?>
+<file path=ppt/slides/slide38.xml><?xml version="1.0" encoding="utf-8"?>
 <p:sld xmlns:a="http://schemas.openxmlformats.org/drawingml/2006/main" xmlns:r="http://schemas.openxmlformats.org/officeDocument/2006/relationships" xmlns:p="http://schemas.openxmlformats.org/presentationml/2006/main">
   <p:cSld>
     <p:spTree>
@@ -15786,7 +16158,7 @@
             </a:r>
             <a:r>
               <a:rPr lang="de-DE" dirty="0" err="1"/>
-              <a:t>Verständis</a:t>
+              <a:t>VerständNis</a:t>
             </a:r>
             <a:r>
               <a:rPr lang="de-DE" dirty="0"/>
@@ -15971,7 +16343,7 @@
 </p:sld>
 </file>
 
-<file path=ppt/slides/slide38.xml><?xml version="1.0" encoding="utf-8"?>
+<file path=ppt/slides/slide39.xml><?xml version="1.0" encoding="utf-8"?>
 <p:sld xmlns:a="http://schemas.openxmlformats.org/drawingml/2006/main" xmlns:r="http://schemas.openxmlformats.org/officeDocument/2006/relationships" xmlns:p="http://schemas.openxmlformats.org/presentationml/2006/main">
   <p:cSld>
     <p:spTree>
@@ -16877,6 +17249,12 @@
             </a:r>
           </a:p>
           <a:p>
+            <a:pPr marL="0" indent="0">
+              <a:buNone/>
+            </a:pPr>
+            <a:endParaRPr lang="de-DE" b="1" dirty="0"/>
+          </a:p>
+          <a:p>
             <a:pPr>
               <a:buFont typeface="Arial" panose="020B0604020202020204" pitchFamily="34" charset="0"/>
               <a:buChar char="•"/>
@@ -16972,56 +17350,6 @@
               <a:rPr lang="de-DE" dirty="0"/>
               <a:t>Einfacher zu benutzen</a:t>
             </a:r>
-          </a:p>
-          <a:p>
-            <a:pPr lvl="1">
-              <a:buFont typeface="Arial" panose="020B0604020202020204" pitchFamily="34" charset="0"/>
-              <a:buChar char="•"/>
-            </a:pPr>
-            <a:endParaRPr lang="de-DE" dirty="0"/>
-          </a:p>
-          <a:p>
-            <a:pPr>
-              <a:buFont typeface="Arial" panose="020B0604020202020204" pitchFamily="34" charset="0"/>
-              <a:buChar char="•"/>
-            </a:pPr>
-            <a:r>
-              <a:rPr lang="de-DE" dirty="0"/>
-              <a:t>Image Name = Repository Name</a:t>
-            </a:r>
-          </a:p>
-          <a:p>
-            <a:pPr>
-              <a:buFont typeface="Arial" panose="020B0604020202020204" pitchFamily="34" charset="0"/>
-              <a:buChar char="•"/>
-            </a:pPr>
-            <a:r>
-              <a:rPr lang="de-DE" dirty="0"/>
-              <a:t>Tag = optionaler Identifier</a:t>
-            </a:r>
-          </a:p>
-          <a:p>
-            <a:pPr>
-              <a:buFont typeface="Arial" panose="020B0604020202020204" pitchFamily="34" charset="0"/>
-              <a:buChar char="•"/>
-            </a:pPr>
-            <a:r>
-              <a:rPr lang="de-DE" dirty="0"/>
-              <a:t>Beispiel: </a:t>
-            </a:r>
-            <a:r>
-              <a:rPr lang="de-DE" dirty="0">
-                <a:latin typeface="Consolas" panose="020B0609020204030204" pitchFamily="49" charset="0"/>
-              </a:rPr>
-              <a:t>ubuntu:24.04</a:t>
-            </a:r>
-          </a:p>
-          <a:p>
-            <a:pPr lvl="1">
-              <a:buFont typeface="Arial" panose="020B0604020202020204" pitchFamily="34" charset="0"/>
-              <a:buChar char="•"/>
-            </a:pPr>
-            <a:endParaRPr lang="de-DE" dirty="0"/>
           </a:p>
         </p:txBody>
       </p:sp>
@@ -17118,8 +17446,15 @@
             </a:pPr>
             <a:r>
               <a:rPr lang="de-DE" b="1" dirty="0"/>
-              <a:t>Warum Tagging?</a:t>
-            </a:r>
+              <a:t>Was ist Tagging?</a:t>
+            </a:r>
+          </a:p>
+          <a:p>
+            <a:pPr lvl="1">
+              <a:buFont typeface="Arial" panose="020B0604020202020204" pitchFamily="34" charset="0"/>
+              <a:buChar char="•"/>
+            </a:pPr>
+            <a:endParaRPr lang="de-DE" dirty="0"/>
           </a:p>
           <a:p>
             <a:pPr>
@@ -17128,7 +17463,33 @@
             </a:pPr>
             <a:r>
               <a:rPr lang="de-DE" dirty="0"/>
-              <a:t>Lesbarkeit</a:t>
+              <a:t>Image Name = Repository Name</a:t>
+            </a:r>
+          </a:p>
+          <a:p>
+            <a:pPr>
+              <a:buFont typeface="Arial" panose="020B0604020202020204" pitchFamily="34" charset="0"/>
+              <a:buChar char="•"/>
+            </a:pPr>
+            <a:r>
+              <a:rPr lang="de-DE" dirty="0"/>
+              <a:t>Tag = optionaler Identifier</a:t>
+            </a:r>
+          </a:p>
+          <a:p>
+            <a:pPr>
+              <a:buFont typeface="Arial" panose="020B0604020202020204" pitchFamily="34" charset="0"/>
+              <a:buChar char="•"/>
+            </a:pPr>
+            <a:r>
+              <a:rPr lang="de-DE" dirty="0"/>
+              <a:t>Beispiel: </a:t>
+            </a:r>
+            <a:r>
+              <a:rPr lang="de-DE" dirty="0">
+                <a:latin typeface="Consolas" panose="020B0609020204030204" pitchFamily="49" charset="0"/>
+              </a:rPr>
+              <a:t>ubuntu:24.04</a:t>
             </a:r>
           </a:p>
           <a:p>
@@ -17136,120 +17497,14 @@
               <a:buFont typeface="Arial" panose="020B0604020202020204" pitchFamily="34" charset="0"/>
               <a:buChar char="•"/>
             </a:pPr>
-            <a:r>
-              <a:rPr lang="de-DE" dirty="0"/>
-              <a:t>ID vs. Tag (lesbar und benutzerfreundlicher)</a:t>
-            </a:r>
-          </a:p>
-          <a:p>
-            <a:pPr>
-              <a:buFont typeface="Arial" panose="020B0604020202020204" pitchFamily="34" charset="0"/>
-              <a:buChar char="•"/>
-            </a:pPr>
-            <a:r>
-              <a:rPr lang="de-DE" dirty="0"/>
-              <a:t>Versionskontrolle</a:t>
-            </a:r>
-          </a:p>
-          <a:p>
-            <a:pPr lvl="1">
-              <a:buFont typeface="Arial" panose="020B0604020202020204" pitchFamily="34" charset="0"/>
-              <a:buChar char="•"/>
-            </a:pPr>
-            <a:r>
-              <a:rPr lang="de-DE" dirty="0"/>
-              <a:t>Wartung verschiedener Versionen</a:t>
-            </a:r>
-          </a:p>
-          <a:p>
-            <a:pPr>
-              <a:buFont typeface="Arial" panose="020B0604020202020204" pitchFamily="34" charset="0"/>
-              <a:buChar char="•"/>
-            </a:pPr>
-            <a:r>
-              <a:rPr lang="de-DE" dirty="0"/>
-              <a:t>Rückverfolgbarkeit und Verantwortlichkeit</a:t>
-            </a:r>
-          </a:p>
-          <a:p>
-            <a:pPr lvl="1">
-              <a:buFont typeface="Arial" panose="020B0604020202020204" pitchFamily="34" charset="0"/>
-              <a:buChar char="•"/>
-            </a:pPr>
-            <a:r>
-              <a:rPr lang="de-DE" dirty="0"/>
-              <a:t>Herkunft und Verlauf eines </a:t>
-            </a:r>
-            <a:r>
-              <a:rPr lang="de-DE" dirty="0" err="1"/>
-              <a:t>Builds</a:t>
-            </a:r>
             <a:endParaRPr lang="de-DE" dirty="0"/>
-          </a:p>
-          <a:p>
-            <a:pPr lvl="1">
-              <a:buFont typeface="Arial" panose="020B0604020202020204" pitchFamily="34" charset="0"/>
-              <a:buChar char="•"/>
-            </a:pPr>
-            <a:r>
-              <a:rPr lang="de-DE" dirty="0"/>
-              <a:t>Historie</a:t>
-            </a:r>
-          </a:p>
-          <a:p>
-            <a:pPr>
-              <a:buFont typeface="Arial" panose="020B0604020202020204" pitchFamily="34" charset="0"/>
-              <a:buChar char="•"/>
-            </a:pPr>
-            <a:r>
-              <a:rPr lang="de-DE" dirty="0"/>
-              <a:t>Convenience</a:t>
-            </a:r>
-          </a:p>
-          <a:p>
-            <a:pPr lvl="1">
-              <a:buFont typeface="Arial" panose="020B0604020202020204" pitchFamily="34" charset="0"/>
-              <a:buChar char="•"/>
-            </a:pPr>
-            <a:r>
-              <a:rPr lang="de-DE" dirty="0"/>
-              <a:t>Leicht verwendbar</a:t>
-            </a:r>
-          </a:p>
-          <a:p>
-            <a:pPr>
-              <a:buFont typeface="Arial" panose="020B0604020202020204" pitchFamily="34" charset="0"/>
-              <a:buChar char="•"/>
-            </a:pPr>
-            <a:r>
-              <a:rPr lang="de-DE" dirty="0"/>
-              <a:t>Vereinfachtes </a:t>
-            </a:r>
-            <a:r>
-              <a:rPr lang="de-DE" dirty="0" err="1"/>
-              <a:t>Deployment</a:t>
-            </a:r>
-            <a:r>
-              <a:rPr lang="de-DE" dirty="0"/>
-              <a:t> &amp; Automatisierung</a:t>
-            </a:r>
-          </a:p>
-          <a:p>
-            <a:pPr lvl="1">
-              <a:buFont typeface="Arial" panose="020B0604020202020204" pitchFamily="34" charset="0"/>
-              <a:buChar char="•"/>
-            </a:pPr>
-            <a:r>
-              <a:rPr lang="de-DE" dirty="0"/>
-              <a:t>Durch konsistente Tagging-Strategie</a:t>
-            </a:r>
           </a:p>
         </p:txBody>
       </p:sp>
     </p:spTree>
     <p:extLst>
       <p:ext uri="{BB962C8B-B14F-4D97-AF65-F5344CB8AC3E}">
-        <p14:creationId xmlns:p14="http://schemas.microsoft.com/office/powerpoint/2010/main" val="2151935054"/>
+        <p14:creationId xmlns:p14="http://schemas.microsoft.com/office/powerpoint/2010/main" val="797485320"/>
       </p:ext>
     </p:extLst>
   </p:cSld>
@@ -17339,94 +17594,136 @@
             </a:pPr>
             <a:r>
               <a:rPr lang="de-DE" b="1" dirty="0"/>
-              <a:t>Tagging </a:t>
-            </a:r>
-            <a:r>
-              <a:rPr lang="de-DE" b="1" u="sng" dirty="0"/>
-              <a:t>während</a:t>
-            </a:r>
-            <a:r>
-              <a:rPr lang="de-DE" b="1" dirty="0"/>
-              <a:t> des </a:t>
-            </a:r>
-            <a:r>
-              <a:rPr lang="de-DE" b="1" dirty="0" err="1"/>
-              <a:t>Builds</a:t>
-            </a:r>
-            <a:endParaRPr lang="de-DE" b="1" dirty="0"/>
-          </a:p>
-          <a:p>
-            <a:pPr>
-              <a:buFont typeface="Arial" panose="020B0604020202020204" pitchFamily="34" charset="0"/>
-              <a:buChar char="•"/>
-            </a:pPr>
-            <a:r>
-              <a:rPr lang="de-DE" dirty="0"/>
-              <a:t>Mit dem –t </a:t>
-            </a:r>
-            <a:r>
-              <a:rPr lang="de-DE" dirty="0" err="1"/>
-              <a:t>Flag</a:t>
-            </a:r>
-            <a:r>
-              <a:rPr lang="de-DE" dirty="0"/>
-              <a:t> während des </a:t>
-            </a:r>
-            <a:r>
-              <a:rPr lang="de-DE" dirty="0" err="1"/>
-              <a:t>Build</a:t>
-            </a:r>
-            <a:r>
-              <a:rPr lang="de-DE" dirty="0"/>
-              <a:t>-Prozesses</a:t>
-            </a:r>
-          </a:p>
-          <a:p>
-            <a:pPr>
-              <a:buFont typeface="Arial" panose="020B0604020202020204" pitchFamily="34" charset="0"/>
-              <a:buChar char="•"/>
-            </a:pPr>
-            <a:endParaRPr lang="de-DE" dirty="0"/>
+              <a:t>Warum Tagging?</a:t>
+            </a:r>
           </a:p>
           <a:p>
             <a:pPr marL="0" indent="0">
               <a:buNone/>
             </a:pPr>
-            <a:r>
-              <a:rPr lang="de-DE" dirty="0" err="1">
-                <a:latin typeface="Consolas" panose="020B0609020204030204" pitchFamily="49" charset="0"/>
-              </a:rPr>
-              <a:t>docker</a:t>
-            </a:r>
-            <a:r>
-              <a:rPr lang="de-DE" dirty="0">
-                <a:latin typeface="Consolas" panose="020B0609020204030204" pitchFamily="49" charset="0"/>
-              </a:rPr>
-              <a:t> </a:t>
-            </a:r>
-            <a:r>
-              <a:rPr lang="de-DE" dirty="0" err="1">
-                <a:latin typeface="Consolas" panose="020B0609020204030204" pitchFamily="49" charset="0"/>
-              </a:rPr>
-              <a:t>build</a:t>
-            </a:r>
-            <a:r>
-              <a:rPr lang="de-DE" dirty="0">
-                <a:latin typeface="Consolas" panose="020B0609020204030204" pitchFamily="49" charset="0"/>
-              </a:rPr>
-              <a:t> –t [</a:t>
-            </a:r>
-            <a:r>
-              <a:rPr lang="de-DE" dirty="0" err="1">
-                <a:latin typeface="Consolas" panose="020B0609020204030204" pitchFamily="49" charset="0"/>
-              </a:rPr>
-              <a:t>repository</a:t>
-            </a:r>
-            <a:r>
-              <a:rPr lang="de-DE" dirty="0">
-                <a:latin typeface="Consolas" panose="020B0609020204030204" pitchFamily="49" charset="0"/>
-              </a:rPr>
-              <a:t>]:[TAG] .</a:t>
+            <a:endParaRPr lang="de-DE" b="1" dirty="0"/>
+          </a:p>
+          <a:p>
+            <a:pPr>
+              <a:buFont typeface="Arial" panose="020B0604020202020204" pitchFamily="34" charset="0"/>
+              <a:buChar char="•"/>
+            </a:pPr>
+            <a:r>
+              <a:rPr lang="de-DE" dirty="0"/>
+              <a:t>Lesbarkeit</a:t>
+            </a:r>
+          </a:p>
+          <a:p>
+            <a:pPr lvl="1">
+              <a:buFont typeface="Arial" panose="020B0604020202020204" pitchFamily="34" charset="0"/>
+              <a:buChar char="•"/>
+            </a:pPr>
+            <a:r>
+              <a:rPr lang="de-DE" dirty="0"/>
+              <a:t>ID vs. Tag (lesbar und benutzerfreundlicher)</a:t>
+            </a:r>
+          </a:p>
+          <a:p>
+            <a:pPr>
+              <a:buFont typeface="Arial" panose="020B0604020202020204" pitchFamily="34" charset="0"/>
+              <a:buChar char="•"/>
+            </a:pPr>
+            <a:r>
+              <a:rPr lang="de-DE" dirty="0"/>
+              <a:t>Versionskontrolle</a:t>
+            </a:r>
+          </a:p>
+          <a:p>
+            <a:pPr lvl="1">
+              <a:buFont typeface="Arial" panose="020B0604020202020204" pitchFamily="34" charset="0"/>
+              <a:buChar char="•"/>
+            </a:pPr>
+            <a:r>
+              <a:rPr lang="de-DE" dirty="0"/>
+              <a:t>Wartung verschiedener Versionen</a:t>
+            </a:r>
+          </a:p>
+          <a:p>
+            <a:pPr>
+              <a:buFont typeface="Arial" panose="020B0604020202020204" pitchFamily="34" charset="0"/>
+              <a:buChar char="•"/>
+            </a:pPr>
+            <a:r>
+              <a:rPr lang="de-DE" dirty="0"/>
+              <a:t>Rückverfolgbarkeit und Verantwortlichkeit</a:t>
+            </a:r>
+          </a:p>
+          <a:p>
+            <a:pPr lvl="1">
+              <a:buFont typeface="Arial" panose="020B0604020202020204" pitchFamily="34" charset="0"/>
+              <a:buChar char="•"/>
+            </a:pPr>
+            <a:r>
+              <a:rPr lang="de-DE" dirty="0"/>
+              <a:t>Herkunft und Verlauf eines </a:t>
+            </a:r>
+            <a:r>
+              <a:rPr lang="de-DE" dirty="0" err="1"/>
+              <a:t>Builds</a:t>
+            </a:r>
+            <a:endParaRPr lang="de-DE" dirty="0"/>
+          </a:p>
+          <a:p>
+            <a:pPr lvl="1">
+              <a:buFont typeface="Arial" panose="020B0604020202020204" pitchFamily="34" charset="0"/>
+              <a:buChar char="•"/>
+            </a:pPr>
+            <a:r>
+              <a:rPr lang="de-DE" dirty="0"/>
+              <a:t>Historie</a:t>
+            </a:r>
+          </a:p>
+          <a:p>
+            <a:pPr>
+              <a:buFont typeface="Arial" panose="020B0604020202020204" pitchFamily="34" charset="0"/>
+              <a:buChar char="•"/>
+            </a:pPr>
+            <a:r>
+              <a:rPr lang="de-DE" dirty="0"/>
+              <a:t>Convenience</a:t>
+            </a:r>
+          </a:p>
+          <a:p>
+            <a:pPr lvl="1">
+              <a:buFont typeface="Arial" panose="020B0604020202020204" pitchFamily="34" charset="0"/>
+              <a:buChar char="•"/>
+            </a:pPr>
+            <a:r>
+              <a:rPr lang="de-DE" dirty="0"/>
+              <a:t>Leicht verwendbar</a:t>
+            </a:r>
+          </a:p>
+          <a:p>
+            <a:pPr>
+              <a:buFont typeface="Arial" panose="020B0604020202020204" pitchFamily="34" charset="0"/>
+              <a:buChar char="•"/>
+            </a:pPr>
+            <a:r>
+              <a:rPr lang="de-DE" dirty="0"/>
+              <a:t>Vereinfachtes </a:t>
+            </a:r>
+            <a:r>
+              <a:rPr lang="de-DE" dirty="0" err="1"/>
+              <a:t>Deployment</a:t>
+            </a:r>
+            <a:r>
+              <a:rPr lang="de-DE" dirty="0"/>
+              <a:t> &amp; Automatisierung</a:t>
+            </a:r>
+          </a:p>
+          <a:p>
+            <a:pPr lvl="1">
+              <a:buFont typeface="Arial" panose="020B0604020202020204" pitchFamily="34" charset="0"/>
+              <a:buChar char="•"/>
+            </a:pPr>
+            <a:r>
+              <a:rPr lang="de-DE" dirty="0"/>
+              <a:t>Durch konsistente Tagging-Strategie</a:t>
             </a:r>
           </a:p>
         </p:txBody>
@@ -17434,7 +17731,7 @@
     </p:spTree>
     <p:extLst>
       <p:ext uri="{BB962C8B-B14F-4D97-AF65-F5344CB8AC3E}">
-        <p14:creationId xmlns:p14="http://schemas.microsoft.com/office/powerpoint/2010/main" val="1486928609"/>
+        <p14:creationId xmlns:p14="http://schemas.microsoft.com/office/powerpoint/2010/main" val="2151935054"/>
       </p:ext>
     </p:extLst>
   </p:cSld>
